--- a/image/sozai.pptx
+++ b/image/sozai.pptx
@@ -7,6 +7,9 @@
   <p:sldIdLst>
     <p:sldId id="256" r:id="rId2"/>
     <p:sldId id="257" r:id="rId3"/>
+    <p:sldId id="258" r:id="rId4"/>
+    <p:sldId id="259" r:id="rId5"/>
+    <p:sldId id="260" r:id="rId6"/>
   </p:sldIdLst>
   <p:sldSz cx="12192000" cy="6858000"/>
   <p:notesSz cx="6858000" cy="9144000"/>
@@ -3612,10 +3615,10 @@
       </p:grpSpPr>
       <p:sp>
         <p:nvSpPr>
-          <p:cNvPr id="4" name="正方形/長方形 3">
-            <a:extLst>
-              <a:ext uri="{FF2B5EF4-FFF2-40B4-BE49-F238E27FC236}">
-                <a16:creationId xmlns:a16="http://schemas.microsoft.com/office/drawing/2014/main" id="{5A4A7B51-9297-275E-136E-EF96903D60A8}"/>
+          <p:cNvPr id="5" name="正方形/長方形 4">
+            <a:extLst>
+              <a:ext uri="{FF2B5EF4-FFF2-40B4-BE49-F238E27FC236}">
+                <a16:creationId xmlns:a16="http://schemas.microsoft.com/office/drawing/2014/main" id="{51336DE8-701A-4DA9-931F-52B06F22C61E}"/>
               </a:ext>
             </a:extLst>
           </p:cNvPr>
@@ -3624,12 +3627,379 @@
         </p:nvSpPr>
         <p:spPr>
           <a:xfrm>
-            <a:off x="7538783" y="2532231"/>
-            <a:ext cx="1508432" cy="896769"/>
-          </a:xfrm>
-          <a:prstGeom prst="rect">
+            <a:off x="1825716" y="1029262"/>
+            <a:ext cx="5776290" cy="2604061"/>
+          </a:xfrm>
+          <a:custGeom>
             <a:avLst/>
-          </a:prstGeom>
+            <a:gdLst>
+              <a:gd name="connsiteX0" fmla="*/ 0 w 4141036"/>
+              <a:gd name="connsiteY0" fmla="*/ 0 h 2594635"/>
+              <a:gd name="connsiteX1" fmla="*/ 4141036 w 4141036"/>
+              <a:gd name="connsiteY1" fmla="*/ 0 h 2594635"/>
+              <a:gd name="connsiteX2" fmla="*/ 4141036 w 4141036"/>
+              <a:gd name="connsiteY2" fmla="*/ 2594635 h 2594635"/>
+              <a:gd name="connsiteX3" fmla="*/ 0 w 4141036"/>
+              <a:gd name="connsiteY3" fmla="*/ 2594635 h 2594635"/>
+              <a:gd name="connsiteX4" fmla="*/ 0 w 4141036"/>
+              <a:gd name="connsiteY4" fmla="*/ 0 h 2594635"/>
+              <a:gd name="connsiteX0" fmla="*/ 25644 w 4166680"/>
+              <a:gd name="connsiteY0" fmla="*/ 0 h 2594635"/>
+              <a:gd name="connsiteX1" fmla="*/ 4166680 w 4166680"/>
+              <a:gd name="connsiteY1" fmla="*/ 0 h 2594635"/>
+              <a:gd name="connsiteX2" fmla="*/ 4166680 w 4166680"/>
+              <a:gd name="connsiteY2" fmla="*/ 2594635 h 2594635"/>
+              <a:gd name="connsiteX3" fmla="*/ 25644 w 4166680"/>
+              <a:gd name="connsiteY3" fmla="*/ 2594635 h 2594635"/>
+              <a:gd name="connsiteX4" fmla="*/ 0 w 4166680"/>
+              <a:gd name="connsiteY4" fmla="*/ 1723365 h 2594635"/>
+              <a:gd name="connsiteX5" fmla="*/ 25644 w 4166680"/>
+              <a:gd name="connsiteY5" fmla="*/ 0 h 2594635"/>
+              <a:gd name="connsiteX0" fmla="*/ 0 w 4141036"/>
+              <a:gd name="connsiteY0" fmla="*/ 0 h 2594635"/>
+              <a:gd name="connsiteX1" fmla="*/ 4141036 w 4141036"/>
+              <a:gd name="connsiteY1" fmla="*/ 0 h 2594635"/>
+              <a:gd name="connsiteX2" fmla="*/ 4141036 w 4141036"/>
+              <a:gd name="connsiteY2" fmla="*/ 2594635 h 2594635"/>
+              <a:gd name="connsiteX3" fmla="*/ 0 w 4141036"/>
+              <a:gd name="connsiteY3" fmla="*/ 2594635 h 2594635"/>
+              <a:gd name="connsiteX4" fmla="*/ 1322389 w 4141036"/>
+              <a:gd name="connsiteY4" fmla="*/ 1666805 h 2594635"/>
+              <a:gd name="connsiteX5" fmla="*/ 0 w 4141036"/>
+              <a:gd name="connsiteY5" fmla="*/ 0 h 2594635"/>
+              <a:gd name="connsiteX0" fmla="*/ 0 w 4141036"/>
+              <a:gd name="connsiteY0" fmla="*/ 0 h 2594635"/>
+              <a:gd name="connsiteX1" fmla="*/ 4141036 w 4141036"/>
+              <a:gd name="connsiteY1" fmla="*/ 0 h 2594635"/>
+              <a:gd name="connsiteX2" fmla="*/ 4141036 w 4141036"/>
+              <a:gd name="connsiteY2" fmla="*/ 2594635 h 2594635"/>
+              <a:gd name="connsiteX3" fmla="*/ 0 w 4141036"/>
+              <a:gd name="connsiteY3" fmla="*/ 2594635 h 2594635"/>
+              <a:gd name="connsiteX4" fmla="*/ 1322389 w 4141036"/>
+              <a:gd name="connsiteY4" fmla="*/ 1666805 h 2594635"/>
+              <a:gd name="connsiteX5" fmla="*/ 0 w 4141036"/>
+              <a:gd name="connsiteY5" fmla="*/ 0 h 2594635"/>
+              <a:gd name="connsiteX0" fmla="*/ 0 w 4141036"/>
+              <a:gd name="connsiteY0" fmla="*/ 0 h 2594635"/>
+              <a:gd name="connsiteX1" fmla="*/ 4141036 w 4141036"/>
+              <a:gd name="connsiteY1" fmla="*/ 0 h 2594635"/>
+              <a:gd name="connsiteX2" fmla="*/ 4141036 w 4141036"/>
+              <a:gd name="connsiteY2" fmla="*/ 2594635 h 2594635"/>
+              <a:gd name="connsiteX3" fmla="*/ 0 w 4141036"/>
+              <a:gd name="connsiteY3" fmla="*/ 2594635 h 2594635"/>
+              <a:gd name="connsiteX4" fmla="*/ 1322389 w 4141036"/>
+              <a:gd name="connsiteY4" fmla="*/ 1666805 h 2594635"/>
+              <a:gd name="connsiteX5" fmla="*/ 0 w 4141036"/>
+              <a:gd name="connsiteY5" fmla="*/ 0 h 2594635"/>
+              <a:gd name="connsiteX0" fmla="*/ 0 w 4141036"/>
+              <a:gd name="connsiteY0" fmla="*/ 0 h 2594635"/>
+              <a:gd name="connsiteX1" fmla="*/ 4141036 w 4141036"/>
+              <a:gd name="connsiteY1" fmla="*/ 0 h 2594635"/>
+              <a:gd name="connsiteX2" fmla="*/ 4141036 w 4141036"/>
+              <a:gd name="connsiteY2" fmla="*/ 2594635 h 2594635"/>
+              <a:gd name="connsiteX3" fmla="*/ 0 w 4141036"/>
+              <a:gd name="connsiteY3" fmla="*/ 2594635 h 2594635"/>
+              <a:gd name="connsiteX4" fmla="*/ 1322389 w 4141036"/>
+              <a:gd name="connsiteY4" fmla="*/ 1666805 h 2594635"/>
+              <a:gd name="connsiteX5" fmla="*/ 785061 w 4141036"/>
+              <a:gd name="connsiteY5" fmla="*/ 988074 h 2594635"/>
+              <a:gd name="connsiteX6" fmla="*/ 0 w 4141036"/>
+              <a:gd name="connsiteY6" fmla="*/ 0 h 2594635"/>
+              <a:gd name="connsiteX0" fmla="*/ 0 w 4141036"/>
+              <a:gd name="connsiteY0" fmla="*/ 0 h 2594635"/>
+              <a:gd name="connsiteX1" fmla="*/ 4141036 w 4141036"/>
+              <a:gd name="connsiteY1" fmla="*/ 0 h 2594635"/>
+              <a:gd name="connsiteX2" fmla="*/ 4141036 w 4141036"/>
+              <a:gd name="connsiteY2" fmla="*/ 2594635 h 2594635"/>
+              <a:gd name="connsiteX3" fmla="*/ 0 w 4141036"/>
+              <a:gd name="connsiteY3" fmla="*/ 2594635 h 2594635"/>
+              <a:gd name="connsiteX4" fmla="*/ 1322389 w 4141036"/>
+              <a:gd name="connsiteY4" fmla="*/ 1666805 h 2594635"/>
+              <a:gd name="connsiteX5" fmla="*/ 21490 w 4141036"/>
+              <a:gd name="connsiteY5" fmla="*/ 1666804 h 2594635"/>
+              <a:gd name="connsiteX6" fmla="*/ 0 w 4141036"/>
+              <a:gd name="connsiteY6" fmla="*/ 0 h 2594635"/>
+              <a:gd name="connsiteX0" fmla="*/ 0 w 4141036"/>
+              <a:gd name="connsiteY0" fmla="*/ 0 h 2594635"/>
+              <a:gd name="connsiteX1" fmla="*/ 4141036 w 4141036"/>
+              <a:gd name="connsiteY1" fmla="*/ 0 h 2594635"/>
+              <a:gd name="connsiteX2" fmla="*/ 4141036 w 4141036"/>
+              <a:gd name="connsiteY2" fmla="*/ 2594635 h 2594635"/>
+              <a:gd name="connsiteX3" fmla="*/ 1159497 w 4141036"/>
+              <a:gd name="connsiteY3" fmla="*/ 2585208 h 2594635"/>
+              <a:gd name="connsiteX4" fmla="*/ 1322389 w 4141036"/>
+              <a:gd name="connsiteY4" fmla="*/ 1666805 h 2594635"/>
+              <a:gd name="connsiteX5" fmla="*/ 21490 w 4141036"/>
+              <a:gd name="connsiteY5" fmla="*/ 1666804 h 2594635"/>
+              <a:gd name="connsiteX6" fmla="*/ 0 w 4141036"/>
+              <a:gd name="connsiteY6" fmla="*/ 0 h 2594635"/>
+              <a:gd name="connsiteX0" fmla="*/ 0 w 4141036"/>
+              <a:gd name="connsiteY0" fmla="*/ 0 h 2594635"/>
+              <a:gd name="connsiteX1" fmla="*/ 4141036 w 4141036"/>
+              <a:gd name="connsiteY1" fmla="*/ 0 h 2594635"/>
+              <a:gd name="connsiteX2" fmla="*/ 4141036 w 4141036"/>
+              <a:gd name="connsiteY2" fmla="*/ 2594635 h 2594635"/>
+              <a:gd name="connsiteX3" fmla="*/ 1159497 w 4141036"/>
+              <a:gd name="connsiteY3" fmla="*/ 2585208 h 2594635"/>
+              <a:gd name="connsiteX4" fmla="*/ 1322389 w 4141036"/>
+              <a:gd name="connsiteY4" fmla="*/ 1666805 h 2594635"/>
+              <a:gd name="connsiteX5" fmla="*/ 21490 w 4141036"/>
+              <a:gd name="connsiteY5" fmla="*/ 1666804 h 2594635"/>
+              <a:gd name="connsiteX6" fmla="*/ 0 w 4141036"/>
+              <a:gd name="connsiteY6" fmla="*/ 0 h 2594635"/>
+              <a:gd name="connsiteX0" fmla="*/ 0 w 4141036"/>
+              <a:gd name="connsiteY0" fmla="*/ 0 h 2594635"/>
+              <a:gd name="connsiteX1" fmla="*/ 4141036 w 4141036"/>
+              <a:gd name="connsiteY1" fmla="*/ 0 h 2594635"/>
+              <a:gd name="connsiteX2" fmla="*/ 4141036 w 4141036"/>
+              <a:gd name="connsiteY2" fmla="*/ 2594635 h 2594635"/>
+              <a:gd name="connsiteX3" fmla="*/ 1319752 w 4141036"/>
+              <a:gd name="connsiteY3" fmla="*/ 2594635 h 2594635"/>
+              <a:gd name="connsiteX4" fmla="*/ 1322389 w 4141036"/>
+              <a:gd name="connsiteY4" fmla="*/ 1666805 h 2594635"/>
+              <a:gd name="connsiteX5" fmla="*/ 21490 w 4141036"/>
+              <a:gd name="connsiteY5" fmla="*/ 1666804 h 2594635"/>
+              <a:gd name="connsiteX6" fmla="*/ 0 w 4141036"/>
+              <a:gd name="connsiteY6" fmla="*/ 0 h 2594635"/>
+              <a:gd name="connsiteX0" fmla="*/ 0 w 4141036"/>
+              <a:gd name="connsiteY0" fmla="*/ 0 h 2594635"/>
+              <a:gd name="connsiteX1" fmla="*/ 4141036 w 4141036"/>
+              <a:gd name="connsiteY1" fmla="*/ 0 h 2594635"/>
+              <a:gd name="connsiteX2" fmla="*/ 4141036 w 4141036"/>
+              <a:gd name="connsiteY2" fmla="*/ 2594635 h 2594635"/>
+              <a:gd name="connsiteX3" fmla="*/ 1319752 w 4141036"/>
+              <a:gd name="connsiteY3" fmla="*/ 2594635 h 2594635"/>
+              <a:gd name="connsiteX4" fmla="*/ 1322389 w 4141036"/>
+              <a:gd name="connsiteY4" fmla="*/ 1666805 h 2594635"/>
+              <a:gd name="connsiteX5" fmla="*/ 21490 w 4141036"/>
+              <a:gd name="connsiteY5" fmla="*/ 1666804 h 2594635"/>
+              <a:gd name="connsiteX6" fmla="*/ 0 w 4141036"/>
+              <a:gd name="connsiteY6" fmla="*/ 0 h 2594635"/>
+              <a:gd name="connsiteX0" fmla="*/ 0 w 4141036"/>
+              <a:gd name="connsiteY0" fmla="*/ 0 h 2594635"/>
+              <a:gd name="connsiteX1" fmla="*/ 4141036 w 4141036"/>
+              <a:gd name="connsiteY1" fmla="*/ 0 h 2594635"/>
+              <a:gd name="connsiteX2" fmla="*/ 4141036 w 4141036"/>
+              <a:gd name="connsiteY2" fmla="*/ 2594635 h 2594635"/>
+              <a:gd name="connsiteX3" fmla="*/ 1319752 w 4141036"/>
+              <a:gd name="connsiteY3" fmla="*/ 2594635 h 2594635"/>
+              <a:gd name="connsiteX4" fmla="*/ 1642900 w 4141036"/>
+              <a:gd name="connsiteY4" fmla="*/ 1600817 h 2594635"/>
+              <a:gd name="connsiteX5" fmla="*/ 21490 w 4141036"/>
+              <a:gd name="connsiteY5" fmla="*/ 1666804 h 2594635"/>
+              <a:gd name="connsiteX6" fmla="*/ 0 w 4141036"/>
+              <a:gd name="connsiteY6" fmla="*/ 0 h 2594635"/>
+              <a:gd name="connsiteX0" fmla="*/ 0 w 4141036"/>
+              <a:gd name="connsiteY0" fmla="*/ 0 h 2613488"/>
+              <a:gd name="connsiteX1" fmla="*/ 4141036 w 4141036"/>
+              <a:gd name="connsiteY1" fmla="*/ 0 h 2613488"/>
+              <a:gd name="connsiteX2" fmla="*/ 4141036 w 4141036"/>
+              <a:gd name="connsiteY2" fmla="*/ 2594635 h 2613488"/>
+              <a:gd name="connsiteX3" fmla="*/ 1649690 w 4141036"/>
+              <a:gd name="connsiteY3" fmla="*/ 2613488 h 2613488"/>
+              <a:gd name="connsiteX4" fmla="*/ 1642900 w 4141036"/>
+              <a:gd name="connsiteY4" fmla="*/ 1600817 h 2613488"/>
+              <a:gd name="connsiteX5" fmla="*/ 21490 w 4141036"/>
+              <a:gd name="connsiteY5" fmla="*/ 1666804 h 2613488"/>
+              <a:gd name="connsiteX6" fmla="*/ 0 w 4141036"/>
+              <a:gd name="connsiteY6" fmla="*/ 0 h 2613488"/>
+              <a:gd name="connsiteX0" fmla="*/ 0 w 4141036"/>
+              <a:gd name="connsiteY0" fmla="*/ 0 h 2604061"/>
+              <a:gd name="connsiteX1" fmla="*/ 4141036 w 4141036"/>
+              <a:gd name="connsiteY1" fmla="*/ 0 h 2604061"/>
+              <a:gd name="connsiteX2" fmla="*/ 4141036 w 4141036"/>
+              <a:gd name="connsiteY2" fmla="*/ 2594635 h 2604061"/>
+              <a:gd name="connsiteX3" fmla="*/ 1630836 w 4141036"/>
+              <a:gd name="connsiteY3" fmla="*/ 2604061 h 2604061"/>
+              <a:gd name="connsiteX4" fmla="*/ 1642900 w 4141036"/>
+              <a:gd name="connsiteY4" fmla="*/ 1600817 h 2604061"/>
+              <a:gd name="connsiteX5" fmla="*/ 21490 w 4141036"/>
+              <a:gd name="connsiteY5" fmla="*/ 1666804 h 2604061"/>
+              <a:gd name="connsiteX6" fmla="*/ 0 w 4141036"/>
+              <a:gd name="connsiteY6" fmla="*/ 0 h 2604061"/>
+              <a:gd name="connsiteX0" fmla="*/ 0 w 4141036"/>
+              <a:gd name="connsiteY0" fmla="*/ 0 h 2604061"/>
+              <a:gd name="connsiteX1" fmla="*/ 4141036 w 4141036"/>
+              <a:gd name="connsiteY1" fmla="*/ 0 h 2604061"/>
+              <a:gd name="connsiteX2" fmla="*/ 4141036 w 4141036"/>
+              <a:gd name="connsiteY2" fmla="*/ 2594635 h 2604061"/>
+              <a:gd name="connsiteX3" fmla="*/ 1640263 w 4141036"/>
+              <a:gd name="connsiteY3" fmla="*/ 2604061 h 2604061"/>
+              <a:gd name="connsiteX4" fmla="*/ 1642900 w 4141036"/>
+              <a:gd name="connsiteY4" fmla="*/ 1600817 h 2604061"/>
+              <a:gd name="connsiteX5" fmla="*/ 21490 w 4141036"/>
+              <a:gd name="connsiteY5" fmla="*/ 1666804 h 2604061"/>
+              <a:gd name="connsiteX6" fmla="*/ 0 w 4141036"/>
+              <a:gd name="connsiteY6" fmla="*/ 0 h 2604061"/>
+              <a:gd name="connsiteX0" fmla="*/ 0 w 4141036"/>
+              <a:gd name="connsiteY0" fmla="*/ 0 h 2604061"/>
+              <a:gd name="connsiteX1" fmla="*/ 4141036 w 4141036"/>
+              <a:gd name="connsiteY1" fmla="*/ 0 h 2604061"/>
+              <a:gd name="connsiteX2" fmla="*/ 4141036 w 4141036"/>
+              <a:gd name="connsiteY2" fmla="*/ 2594635 h 2604061"/>
+              <a:gd name="connsiteX3" fmla="*/ 1640263 w 4141036"/>
+              <a:gd name="connsiteY3" fmla="*/ 2604061 h 2604061"/>
+              <a:gd name="connsiteX4" fmla="*/ 1642900 w 4141036"/>
+              <a:gd name="connsiteY4" fmla="*/ 1600817 h 2604061"/>
+              <a:gd name="connsiteX5" fmla="*/ 21490 w 4141036"/>
+              <a:gd name="connsiteY5" fmla="*/ 1666804 h 2604061"/>
+              <a:gd name="connsiteX6" fmla="*/ 0 w 4141036"/>
+              <a:gd name="connsiteY6" fmla="*/ 0 h 2604061"/>
+              <a:gd name="connsiteX0" fmla="*/ 0 w 4141036"/>
+              <a:gd name="connsiteY0" fmla="*/ 0 h 2604061"/>
+              <a:gd name="connsiteX1" fmla="*/ 4141036 w 4141036"/>
+              <a:gd name="connsiteY1" fmla="*/ 0 h 2604061"/>
+              <a:gd name="connsiteX2" fmla="*/ 4141036 w 4141036"/>
+              <a:gd name="connsiteY2" fmla="*/ 2594635 h 2604061"/>
+              <a:gd name="connsiteX3" fmla="*/ 1640263 w 4141036"/>
+              <a:gd name="connsiteY3" fmla="*/ 2604061 h 2604061"/>
+              <a:gd name="connsiteX4" fmla="*/ 1642900 w 4141036"/>
+              <a:gd name="connsiteY4" fmla="*/ 1600817 h 2604061"/>
+              <a:gd name="connsiteX5" fmla="*/ 12063 w 4141036"/>
+              <a:gd name="connsiteY5" fmla="*/ 1619670 h 2604061"/>
+              <a:gd name="connsiteX6" fmla="*/ 0 w 4141036"/>
+              <a:gd name="connsiteY6" fmla="*/ 0 h 2604061"/>
+              <a:gd name="connsiteX0" fmla="*/ 6790 w 4147826"/>
+              <a:gd name="connsiteY0" fmla="*/ 0 h 2604061"/>
+              <a:gd name="connsiteX1" fmla="*/ 4147826 w 4147826"/>
+              <a:gd name="connsiteY1" fmla="*/ 0 h 2604061"/>
+              <a:gd name="connsiteX2" fmla="*/ 4147826 w 4147826"/>
+              <a:gd name="connsiteY2" fmla="*/ 2594635 h 2604061"/>
+              <a:gd name="connsiteX3" fmla="*/ 1647053 w 4147826"/>
+              <a:gd name="connsiteY3" fmla="*/ 2604061 h 2604061"/>
+              <a:gd name="connsiteX4" fmla="*/ 1649690 w 4147826"/>
+              <a:gd name="connsiteY4" fmla="*/ 1600817 h 2604061"/>
+              <a:gd name="connsiteX5" fmla="*/ 0 w 4147826"/>
+              <a:gd name="connsiteY5" fmla="*/ 1600816 h 2604061"/>
+              <a:gd name="connsiteX6" fmla="*/ 6790 w 4147826"/>
+              <a:gd name="connsiteY6" fmla="*/ 0 h 2604061"/>
+              <a:gd name="connsiteX0" fmla="*/ 6790 w 4147826"/>
+              <a:gd name="connsiteY0" fmla="*/ 0 h 2604061"/>
+              <a:gd name="connsiteX1" fmla="*/ 4147826 w 4147826"/>
+              <a:gd name="connsiteY1" fmla="*/ 0 h 2604061"/>
+              <a:gd name="connsiteX2" fmla="*/ 4147826 w 4147826"/>
+              <a:gd name="connsiteY2" fmla="*/ 2594635 h 2604061"/>
+              <a:gd name="connsiteX3" fmla="*/ 1647053 w 4147826"/>
+              <a:gd name="connsiteY3" fmla="*/ 2604061 h 2604061"/>
+              <a:gd name="connsiteX4" fmla="*/ 1659117 w 4147826"/>
+              <a:gd name="connsiteY4" fmla="*/ 1148331 h 2604061"/>
+              <a:gd name="connsiteX5" fmla="*/ 0 w 4147826"/>
+              <a:gd name="connsiteY5" fmla="*/ 1600816 h 2604061"/>
+              <a:gd name="connsiteX6" fmla="*/ 6790 w 4147826"/>
+              <a:gd name="connsiteY6" fmla="*/ 0 h 2604061"/>
+              <a:gd name="connsiteX0" fmla="*/ 6790 w 4147826"/>
+              <a:gd name="connsiteY0" fmla="*/ 0 h 2604061"/>
+              <a:gd name="connsiteX1" fmla="*/ 4147826 w 4147826"/>
+              <a:gd name="connsiteY1" fmla="*/ 0 h 2604061"/>
+              <a:gd name="connsiteX2" fmla="*/ 4147826 w 4147826"/>
+              <a:gd name="connsiteY2" fmla="*/ 2594635 h 2604061"/>
+              <a:gd name="connsiteX3" fmla="*/ 1647053 w 4147826"/>
+              <a:gd name="connsiteY3" fmla="*/ 2604061 h 2604061"/>
+              <a:gd name="connsiteX4" fmla="*/ 1659117 w 4147826"/>
+              <a:gd name="connsiteY4" fmla="*/ 1148331 h 2604061"/>
+              <a:gd name="connsiteX5" fmla="*/ 0 w 4147826"/>
+              <a:gd name="connsiteY5" fmla="*/ 1186037 h 2604061"/>
+              <a:gd name="connsiteX6" fmla="*/ 6790 w 4147826"/>
+              <a:gd name="connsiteY6" fmla="*/ 0 h 2604061"/>
+              <a:gd name="connsiteX0" fmla="*/ 448 w 4141484"/>
+              <a:gd name="connsiteY0" fmla="*/ 0 h 2604061"/>
+              <a:gd name="connsiteX1" fmla="*/ 4141484 w 4141484"/>
+              <a:gd name="connsiteY1" fmla="*/ 0 h 2604061"/>
+              <a:gd name="connsiteX2" fmla="*/ 4141484 w 4141484"/>
+              <a:gd name="connsiteY2" fmla="*/ 2594635 h 2604061"/>
+              <a:gd name="connsiteX3" fmla="*/ 1640711 w 4141484"/>
+              <a:gd name="connsiteY3" fmla="*/ 2604061 h 2604061"/>
+              <a:gd name="connsiteX4" fmla="*/ 1652775 w 4141484"/>
+              <a:gd name="connsiteY4" fmla="*/ 1148331 h 2604061"/>
+              <a:gd name="connsiteX5" fmla="*/ 3085 w 4141484"/>
+              <a:gd name="connsiteY5" fmla="*/ 1148330 h 2604061"/>
+              <a:gd name="connsiteX6" fmla="*/ 448 w 4141484"/>
+              <a:gd name="connsiteY6" fmla="*/ 0 h 2604061"/>
+              <a:gd name="connsiteX0" fmla="*/ 448 w 4141484"/>
+              <a:gd name="connsiteY0" fmla="*/ 0 h 2604061"/>
+              <a:gd name="connsiteX1" fmla="*/ 4141484 w 4141484"/>
+              <a:gd name="connsiteY1" fmla="*/ 0 h 2604061"/>
+              <a:gd name="connsiteX2" fmla="*/ 4141484 w 4141484"/>
+              <a:gd name="connsiteY2" fmla="*/ 2594635 h 2604061"/>
+              <a:gd name="connsiteX3" fmla="*/ 1640711 w 4141484"/>
+              <a:gd name="connsiteY3" fmla="*/ 2604061 h 2604061"/>
+              <a:gd name="connsiteX4" fmla="*/ 1159380 w 4141484"/>
+              <a:gd name="connsiteY4" fmla="*/ 1148331 h 2604061"/>
+              <a:gd name="connsiteX5" fmla="*/ 3085 w 4141484"/>
+              <a:gd name="connsiteY5" fmla="*/ 1148330 h 2604061"/>
+              <a:gd name="connsiteX6" fmla="*/ 448 w 4141484"/>
+              <a:gd name="connsiteY6" fmla="*/ 0 h 2604061"/>
+              <a:gd name="connsiteX0" fmla="*/ 448 w 4141484"/>
+              <a:gd name="connsiteY0" fmla="*/ 0 h 2604061"/>
+              <a:gd name="connsiteX1" fmla="*/ 4141484 w 4141484"/>
+              <a:gd name="connsiteY1" fmla="*/ 0 h 2604061"/>
+              <a:gd name="connsiteX2" fmla="*/ 4141484 w 4141484"/>
+              <a:gd name="connsiteY2" fmla="*/ 2594635 h 2604061"/>
+              <a:gd name="connsiteX3" fmla="*/ 1167593 w 4141484"/>
+              <a:gd name="connsiteY3" fmla="*/ 2604061 h 2604061"/>
+              <a:gd name="connsiteX4" fmla="*/ 1159380 w 4141484"/>
+              <a:gd name="connsiteY4" fmla="*/ 1148331 h 2604061"/>
+              <a:gd name="connsiteX5" fmla="*/ 3085 w 4141484"/>
+              <a:gd name="connsiteY5" fmla="*/ 1148330 h 2604061"/>
+              <a:gd name="connsiteX6" fmla="*/ 448 w 4141484"/>
+              <a:gd name="connsiteY6" fmla="*/ 0 h 2604061"/>
+            </a:gdLst>
+            <a:ahLst/>
+            <a:cxnLst>
+              <a:cxn ang="0">
+                <a:pos x="connsiteX0" y="connsiteY0"/>
+              </a:cxn>
+              <a:cxn ang="0">
+                <a:pos x="connsiteX1" y="connsiteY1"/>
+              </a:cxn>
+              <a:cxn ang="0">
+                <a:pos x="connsiteX2" y="connsiteY2"/>
+              </a:cxn>
+              <a:cxn ang="0">
+                <a:pos x="connsiteX3" y="connsiteY3"/>
+              </a:cxn>
+              <a:cxn ang="0">
+                <a:pos x="connsiteX4" y="connsiteY4"/>
+              </a:cxn>
+              <a:cxn ang="0">
+                <a:pos x="connsiteX5" y="connsiteY5"/>
+              </a:cxn>
+              <a:cxn ang="0">
+                <a:pos x="connsiteX6" y="connsiteY6"/>
+              </a:cxn>
+            </a:cxnLst>
+            <a:rect l="l" t="t" r="r" b="b"/>
+            <a:pathLst>
+              <a:path w="4141484" h="2604061">
+                <a:moveTo>
+                  <a:pt x="448" y="0"/>
+                </a:moveTo>
+                <a:lnTo>
+                  <a:pt x="4141484" y="0"/>
+                </a:lnTo>
+                <a:lnTo>
+                  <a:pt x="4141484" y="2594635"/>
+                </a:lnTo>
+                <a:lnTo>
+                  <a:pt x="1167593" y="2604061"/>
+                </a:lnTo>
+                <a:cubicBezTo>
+                  <a:pt x="1165330" y="1983699"/>
+                  <a:pt x="1161643" y="1778120"/>
+                  <a:pt x="1159380" y="1148331"/>
+                </a:cubicBezTo>
+                <a:lnTo>
+                  <a:pt x="3085" y="1148330"/>
+                </a:lnTo>
+                <a:cubicBezTo>
+                  <a:pt x="5348" y="614725"/>
+                  <a:pt x="-1815" y="533605"/>
+                  <a:pt x="448" y="0"/>
+                </a:cubicBezTo>
+                <a:close/>
+              </a:path>
+            </a:pathLst>
+          </a:custGeom>
           <a:solidFill>
             <a:srgbClr val="DDFFEB"/>
           </a:solidFill>
@@ -3659,23 +4029,20 @@
           <a:bodyPr rtlCol="0" anchor="t" anchorCtr="0"/>
           <a:lstStyle/>
           <a:p>
-            <a:r>
-              <a:rPr kumimoji="1" lang="ja-JP" altLang="en-US" sz="1400" b="1" dirty="0">
-                <a:solidFill>
-                  <a:schemeClr val="tx1"/>
-                </a:solidFill>
-              </a:rPr>
-              <a:t>前処理</a:t>
-            </a:r>
-          </a:p>
-        </p:txBody>
-      </p:sp>
-      <p:sp>
-        <p:nvSpPr>
-          <p:cNvPr id="5" name="正方形/長方形 4">
-            <a:extLst>
-              <a:ext uri="{FF2B5EF4-FFF2-40B4-BE49-F238E27FC236}">
-                <a16:creationId xmlns:a16="http://schemas.microsoft.com/office/drawing/2014/main" id="{51336DE8-701A-4DA9-931F-52B06F22C61E}"/>
+            <a:endParaRPr kumimoji="1" lang="ja-JP" altLang="en-US" sz="1400" b="1" dirty="0">
+              <a:solidFill>
+                <a:schemeClr val="tx1"/>
+              </a:solidFill>
+            </a:endParaRPr>
+          </a:p>
+        </p:txBody>
+      </p:sp>
+      <p:sp>
+        <p:nvSpPr>
+          <p:cNvPr id="6" name="四角形: 角を丸くする 5">
+            <a:extLst>
+              <a:ext uri="{FF2B5EF4-FFF2-40B4-BE49-F238E27FC236}">
+                <a16:creationId xmlns:a16="http://schemas.microsoft.com/office/drawing/2014/main" id="{2BFC627C-A618-C878-3291-070379A3CBD4}"/>
               </a:ext>
             </a:extLst>
           </p:cNvPr>
@@ -3684,18 +4051,16 @@
         </p:nvSpPr>
         <p:spPr>
           <a:xfrm>
-            <a:off x="1826164" y="1593668"/>
-            <a:ext cx="4141036" cy="1835333"/>
-          </a:xfrm>
-          <a:prstGeom prst="rect">
+            <a:off x="892788" y="1223246"/>
+            <a:ext cx="816556" cy="448384"/>
+          </a:xfrm>
+          <a:prstGeom prst="roundRect">
             <a:avLst/>
           </a:prstGeom>
-          <a:solidFill>
-            <a:srgbClr val="DDFFEB"/>
-          </a:solidFill>
+          <a:noFill/>
           <a:ln>
             <a:solidFill>
-              <a:srgbClr val="47A1D9"/>
+              <a:schemeClr val="tx1"/>
             </a:solidFill>
           </a:ln>
         </p:spPr>
@@ -3716,23 +4081,48 @@
           </a:fontRef>
         </p:style>
         <p:txBody>
-          <a:bodyPr rtlCol="0" anchor="t" anchorCtr="0"/>
+          <a:bodyPr lIns="36000" tIns="36000" rIns="36000" bIns="36000" rtlCol="0" anchor="ctr"/>
           <a:lstStyle/>
           <a:p>
-            <a:endParaRPr kumimoji="1" lang="ja-JP" altLang="en-US" sz="1400" b="1" dirty="0">
+            <a:pPr algn="ctr"/>
+            <a:r>
+              <a:rPr lang="ja-JP" altLang="en-US" sz="1200" dirty="0">
+                <a:solidFill>
+                  <a:schemeClr val="tx1"/>
+                </a:solidFill>
+              </a:rPr>
+              <a:t>自然言語</a:t>
+            </a:r>
+            <a:endParaRPr lang="en-US" altLang="ja-JP" sz="1200" dirty="0">
               <a:solidFill>
                 <a:schemeClr val="tx1"/>
               </a:solidFill>
             </a:endParaRPr>
           </a:p>
-        </p:txBody>
-      </p:sp>
-      <p:sp>
-        <p:nvSpPr>
-          <p:cNvPr id="6" name="四角形: 角を丸くする 5">
-            <a:extLst>
-              <a:ext uri="{FF2B5EF4-FFF2-40B4-BE49-F238E27FC236}">
-                <a16:creationId xmlns:a16="http://schemas.microsoft.com/office/drawing/2014/main" id="{2BFC627C-A618-C878-3291-070379A3CBD4}"/>
+          <a:p>
+            <a:pPr algn="ctr"/>
+            <a:r>
+              <a:rPr lang="ja-JP" altLang="en-US" sz="1200" dirty="0">
+                <a:solidFill>
+                  <a:schemeClr val="tx1"/>
+                </a:solidFill>
+              </a:rPr>
+              <a:t>仕様書</a:t>
+            </a:r>
+            <a:endParaRPr lang="en-US" altLang="ja-JP" sz="1200" dirty="0">
+              <a:solidFill>
+                <a:schemeClr val="tx1"/>
+              </a:solidFill>
+            </a:endParaRPr>
+          </a:p>
+        </p:txBody>
+      </p:sp>
+      <p:sp>
+        <p:nvSpPr>
+          <p:cNvPr id="7" name="四角形: 角を丸くする 6">
+            <a:extLst>
+              <a:ext uri="{FF2B5EF4-FFF2-40B4-BE49-F238E27FC236}">
+                <a16:creationId xmlns:a16="http://schemas.microsoft.com/office/drawing/2014/main" id="{48AC955D-1DF6-ADAC-81DE-65BFDB2D3549}"/>
               </a:ext>
             </a:extLst>
           </p:cNvPr>
@@ -3741,13 +4131,307 @@
         </p:nvSpPr>
         <p:spPr>
           <a:xfrm>
-            <a:off x="853439" y="1712482"/>
-            <a:ext cx="816556" cy="448384"/>
+            <a:off x="2147733" y="1275899"/>
+            <a:ext cx="1255781" cy="346556"/>
           </a:xfrm>
           <a:prstGeom prst="roundRect">
             <a:avLst/>
           </a:prstGeom>
-          <a:noFill/>
+          <a:solidFill>
+            <a:schemeClr val="accent1">
+              <a:lumMod val="20000"/>
+              <a:lumOff val="80000"/>
+            </a:schemeClr>
+          </a:solidFill>
+          <a:ln>
+            <a:solidFill>
+              <a:schemeClr val="tx1"/>
+            </a:solidFill>
+          </a:ln>
+        </p:spPr>
+        <p:style>
+          <a:lnRef idx="2">
+            <a:schemeClr val="accent6"/>
+          </a:lnRef>
+          <a:fillRef idx="1">
+            <a:schemeClr val="lt1"/>
+          </a:fillRef>
+          <a:effectRef idx="0">
+            <a:schemeClr val="accent6"/>
+          </a:effectRef>
+          <a:fontRef idx="minor">
+            <a:schemeClr val="dk1"/>
+          </a:fontRef>
+        </p:style>
+        <p:txBody>
+          <a:bodyPr rtlCol="0" anchor="ctr"/>
+          <a:lstStyle/>
+          <a:p>
+            <a:pPr algn="ctr"/>
+            <a:r>
+              <a:rPr kumimoji="1" lang="ja-JP" altLang="en-US" sz="1200"/>
+              <a:t>形態素解析部</a:t>
+            </a:r>
+            <a:endParaRPr kumimoji="1" lang="ja-JP" altLang="en-US" sz="1200" dirty="0"/>
+          </a:p>
+        </p:txBody>
+      </p:sp>
+      <p:sp>
+        <p:nvSpPr>
+          <p:cNvPr id="8" name="四角形: 角を丸くする 7">
+            <a:extLst>
+              <a:ext uri="{FF2B5EF4-FFF2-40B4-BE49-F238E27FC236}">
+                <a16:creationId xmlns:a16="http://schemas.microsoft.com/office/drawing/2014/main" id="{9933C11D-6685-E5DE-B86D-E6C70FC746CA}"/>
+              </a:ext>
+            </a:extLst>
+          </p:cNvPr>
+          <p:cNvSpPr/>
+          <p:nvPr/>
+        </p:nvSpPr>
+        <p:spPr>
+          <a:xfrm>
+            <a:off x="4872284" y="1275899"/>
+            <a:ext cx="903999" cy="346556"/>
+          </a:xfrm>
+          <a:prstGeom prst="roundRect">
+            <a:avLst/>
+          </a:prstGeom>
+          <a:solidFill>
+            <a:schemeClr val="accent5">
+              <a:lumMod val="60000"/>
+              <a:lumOff val="40000"/>
+            </a:schemeClr>
+          </a:solidFill>
+          <a:ln>
+            <a:solidFill>
+              <a:schemeClr val="tx1"/>
+            </a:solidFill>
+          </a:ln>
+        </p:spPr>
+        <p:style>
+          <a:lnRef idx="2">
+            <a:schemeClr val="accent6"/>
+          </a:lnRef>
+          <a:fillRef idx="1">
+            <a:schemeClr val="lt1"/>
+          </a:fillRef>
+          <a:effectRef idx="0">
+            <a:schemeClr val="accent6"/>
+          </a:effectRef>
+          <a:fontRef idx="minor">
+            <a:schemeClr val="dk1"/>
+          </a:fontRef>
+        </p:style>
+        <p:txBody>
+          <a:bodyPr rtlCol="0" anchor="ctr"/>
+          <a:lstStyle/>
+          <a:p>
+            <a:pPr algn="ctr"/>
+            <a:r>
+              <a:rPr lang="ja-JP" altLang="en-US" sz="1200" dirty="0"/>
+              <a:t>変換部</a:t>
+            </a:r>
+            <a:endParaRPr kumimoji="1" lang="ja-JP" altLang="en-US" sz="1200" dirty="0"/>
+          </a:p>
+        </p:txBody>
+      </p:sp>
+      <p:sp>
+        <p:nvSpPr>
+          <p:cNvPr id="9" name="四角形: 角を丸くする 8">
+            <a:extLst>
+              <a:ext uri="{FF2B5EF4-FFF2-40B4-BE49-F238E27FC236}">
+                <a16:creationId xmlns:a16="http://schemas.microsoft.com/office/drawing/2014/main" id="{F779BA41-42D5-A993-40B5-CD0332D38F45}"/>
+              </a:ext>
+            </a:extLst>
+          </p:cNvPr>
+          <p:cNvSpPr/>
+          <p:nvPr/>
+        </p:nvSpPr>
+        <p:spPr>
+          <a:xfrm>
+            <a:off x="4872284" y="3165127"/>
+            <a:ext cx="1002019" cy="346556"/>
+          </a:xfrm>
+          <a:prstGeom prst="roundRect">
+            <a:avLst/>
+          </a:prstGeom>
+          <a:solidFill>
+            <a:schemeClr val="accent5">
+              <a:lumMod val="60000"/>
+              <a:lumOff val="40000"/>
+            </a:schemeClr>
+          </a:solidFill>
+          <a:ln>
+            <a:solidFill>
+              <a:schemeClr val="tx1"/>
+            </a:solidFill>
+          </a:ln>
+        </p:spPr>
+        <p:style>
+          <a:lnRef idx="2">
+            <a:schemeClr val="accent6"/>
+          </a:lnRef>
+          <a:fillRef idx="1">
+            <a:schemeClr val="lt1"/>
+          </a:fillRef>
+          <a:effectRef idx="0">
+            <a:schemeClr val="accent6"/>
+          </a:effectRef>
+          <a:fontRef idx="minor">
+            <a:schemeClr val="dk1"/>
+          </a:fontRef>
+        </p:style>
+        <p:txBody>
+          <a:bodyPr rtlCol="0" anchor="ctr"/>
+          <a:lstStyle/>
+          <a:p>
+            <a:pPr algn="ctr"/>
+            <a:r>
+              <a:rPr kumimoji="1" lang="ja-JP" altLang="en-US" sz="1200" dirty="0"/>
+              <a:t>機械学習部</a:t>
+            </a:r>
+          </a:p>
+        </p:txBody>
+      </p:sp>
+      <p:sp>
+        <p:nvSpPr>
+          <p:cNvPr id="10" name="四角形: 角を丸くする 9">
+            <a:extLst>
+              <a:ext uri="{FF2B5EF4-FFF2-40B4-BE49-F238E27FC236}">
+                <a16:creationId xmlns:a16="http://schemas.microsoft.com/office/drawing/2014/main" id="{720806C3-1162-CB45-0E79-329ED4ECEE1D}"/>
+              </a:ext>
+            </a:extLst>
+          </p:cNvPr>
+          <p:cNvSpPr/>
+          <p:nvPr/>
+        </p:nvSpPr>
+        <p:spPr>
+          <a:xfrm>
+            <a:off x="6143268" y="2190581"/>
+            <a:ext cx="1228606" cy="471396"/>
+          </a:xfrm>
+          <a:prstGeom prst="roundRect">
+            <a:avLst/>
+          </a:prstGeom>
+          <a:solidFill>
+            <a:schemeClr val="accent5">
+              <a:lumMod val="60000"/>
+              <a:lumOff val="40000"/>
+            </a:schemeClr>
+          </a:solidFill>
+          <a:ln>
+            <a:solidFill>
+              <a:schemeClr val="tx1"/>
+            </a:solidFill>
+          </a:ln>
+        </p:spPr>
+        <p:style>
+          <a:lnRef idx="2">
+            <a:schemeClr val="accent6"/>
+          </a:lnRef>
+          <a:fillRef idx="1">
+            <a:schemeClr val="lt1"/>
+          </a:fillRef>
+          <a:effectRef idx="0">
+            <a:schemeClr val="accent6"/>
+          </a:effectRef>
+          <a:fontRef idx="minor">
+            <a:schemeClr val="dk1"/>
+          </a:fontRef>
+        </p:style>
+        <p:txBody>
+          <a:bodyPr rtlCol="0" anchor="ctr"/>
+          <a:lstStyle/>
+          <a:p>
+            <a:pPr algn="ctr"/>
+            <a:r>
+              <a:rPr kumimoji="1" lang="en-US" altLang="ja-JP" sz="1200" dirty="0"/>
+              <a:t>VDM++ </a:t>
+            </a:r>
+          </a:p>
+          <a:p>
+            <a:pPr algn="ctr"/>
+            <a:r>
+              <a:rPr kumimoji="1" lang="ja-JP" altLang="en-US" sz="1200" dirty="0"/>
+              <a:t>仕様書</a:t>
+            </a:r>
+            <a:r>
+              <a:rPr lang="ja-JP" altLang="en-US" sz="1200" dirty="0"/>
+              <a:t>生成部</a:t>
+            </a:r>
+            <a:endParaRPr kumimoji="1" lang="ja-JP" altLang="en-US" sz="1200" dirty="0"/>
+          </a:p>
+        </p:txBody>
+      </p:sp>
+      <p:cxnSp>
+        <p:nvCxnSpPr>
+          <p:cNvPr id="11" name="直線矢印コネクタ 10">
+            <a:extLst>
+              <a:ext uri="{FF2B5EF4-FFF2-40B4-BE49-F238E27FC236}">
+                <a16:creationId xmlns:a16="http://schemas.microsoft.com/office/drawing/2014/main" id="{12DDD20D-E10E-D412-0759-BC5E8B4F93CB}"/>
+              </a:ext>
+            </a:extLst>
+          </p:cNvPr>
+          <p:cNvCxnSpPr>
+            <a:cxnSpLocks/>
+            <a:stCxn id="6" idx="3"/>
+            <a:endCxn id="7" idx="1"/>
+          </p:cNvCxnSpPr>
+          <p:nvPr/>
+        </p:nvCxnSpPr>
+        <p:spPr>
+          <a:xfrm>
+            <a:off x="1709344" y="1447438"/>
+            <a:ext cx="438389" cy="1739"/>
+          </a:xfrm>
+          <a:prstGeom prst="straightConnector1">
+            <a:avLst/>
+          </a:prstGeom>
+          <a:ln>
+            <a:tailEnd type="triangle"/>
+          </a:ln>
+        </p:spPr>
+        <p:style>
+          <a:lnRef idx="1">
+            <a:schemeClr val="dk1"/>
+          </a:lnRef>
+          <a:fillRef idx="0">
+            <a:schemeClr val="dk1"/>
+          </a:fillRef>
+          <a:effectRef idx="0">
+            <a:schemeClr val="dk1"/>
+          </a:effectRef>
+          <a:fontRef idx="minor">
+            <a:schemeClr val="tx1"/>
+          </a:fontRef>
+        </p:style>
+      </p:cxnSp>
+      <p:sp>
+        <p:nvSpPr>
+          <p:cNvPr id="12" name="四角形: 角を丸くする 11">
+            <a:extLst>
+              <a:ext uri="{FF2B5EF4-FFF2-40B4-BE49-F238E27FC236}">
+                <a16:creationId xmlns:a16="http://schemas.microsoft.com/office/drawing/2014/main" id="{F8E47145-2F89-FFE0-289C-9520877248F9}"/>
+              </a:ext>
+            </a:extLst>
+          </p:cNvPr>
+          <p:cNvSpPr/>
+          <p:nvPr/>
+        </p:nvSpPr>
+        <p:spPr>
+          <a:xfrm>
+            <a:off x="3620649" y="1275899"/>
+            <a:ext cx="1021369" cy="346556"/>
+          </a:xfrm>
+          <a:prstGeom prst="roundRect">
+            <a:avLst/>
+          </a:prstGeom>
+          <a:solidFill>
+            <a:schemeClr val="accent2">
+              <a:lumMod val="20000"/>
+              <a:lumOff val="80000"/>
+            </a:schemeClr>
+          </a:solidFill>
           <a:ln>
             <a:solidFill>
               <a:schemeClr val="tx1"/>
@@ -3781,298 +4465,35 @@
                   <a:schemeClr val="tx1"/>
                 </a:solidFill>
               </a:rPr>
-              <a:t>自然言語</a:t>
-            </a:r>
-            <a:endParaRPr lang="en-US" altLang="ja-JP" sz="1200" dirty="0">
+              <a:t>連結リスト</a:t>
+            </a:r>
+            <a:endParaRPr kumimoji="1" lang="en-US" altLang="ja-JP" sz="1200" dirty="0">
               <a:solidFill>
                 <a:schemeClr val="tx1"/>
               </a:solidFill>
             </a:endParaRPr>
           </a:p>
-          <a:p>
-            <a:pPr algn="ctr"/>
-            <a:r>
-              <a:rPr lang="ja-JP" altLang="en-US" sz="1200" dirty="0">
-                <a:solidFill>
-                  <a:schemeClr val="tx1"/>
-                </a:solidFill>
-              </a:rPr>
-              <a:t>仕様書</a:t>
-            </a:r>
-            <a:endParaRPr lang="en-US" altLang="ja-JP" sz="1200" dirty="0">
-              <a:solidFill>
-                <a:schemeClr val="tx1"/>
-              </a:solidFill>
-            </a:endParaRPr>
-          </a:p>
-        </p:txBody>
-      </p:sp>
-      <p:sp>
-        <p:nvSpPr>
-          <p:cNvPr id="7" name="四角形: 角を丸くする 6">
-            <a:extLst>
-              <a:ext uri="{FF2B5EF4-FFF2-40B4-BE49-F238E27FC236}">
-                <a16:creationId xmlns:a16="http://schemas.microsoft.com/office/drawing/2014/main" id="{48AC955D-1DF6-ADAC-81DE-65BFDB2D3549}"/>
-              </a:ext>
-            </a:extLst>
-          </p:cNvPr>
-          <p:cNvSpPr/>
-          <p:nvPr/>
-        </p:nvSpPr>
-        <p:spPr>
-          <a:xfrm>
-            <a:off x="2108384" y="1765135"/>
-            <a:ext cx="1255781" cy="346556"/>
-          </a:xfrm>
-          <a:prstGeom prst="roundRect">
-            <a:avLst/>
-          </a:prstGeom>
-          <a:solidFill>
-            <a:schemeClr val="accent1">
-              <a:lumMod val="20000"/>
-              <a:lumOff val="80000"/>
-            </a:schemeClr>
-          </a:solidFill>
-          <a:ln>
-            <a:solidFill>
-              <a:schemeClr val="tx1"/>
-            </a:solidFill>
-          </a:ln>
-        </p:spPr>
-        <p:style>
-          <a:lnRef idx="2">
-            <a:schemeClr val="accent6"/>
-          </a:lnRef>
-          <a:fillRef idx="1">
-            <a:schemeClr val="lt1"/>
-          </a:fillRef>
-          <a:effectRef idx="0">
-            <a:schemeClr val="accent6"/>
-          </a:effectRef>
-          <a:fontRef idx="minor">
-            <a:schemeClr val="dk1"/>
-          </a:fontRef>
-        </p:style>
-        <p:txBody>
-          <a:bodyPr rtlCol="0" anchor="ctr"/>
-          <a:lstStyle/>
-          <a:p>
-            <a:pPr algn="ctr"/>
-            <a:r>
-              <a:rPr kumimoji="1" lang="ja-JP" altLang="en-US" sz="1200"/>
-              <a:t>形態素解析部</a:t>
-            </a:r>
-            <a:endParaRPr kumimoji="1" lang="ja-JP" altLang="en-US" sz="1200" dirty="0"/>
-          </a:p>
-        </p:txBody>
-      </p:sp>
-      <p:sp>
-        <p:nvSpPr>
-          <p:cNvPr id="8" name="四角形: 角を丸くする 7">
-            <a:extLst>
-              <a:ext uri="{FF2B5EF4-FFF2-40B4-BE49-F238E27FC236}">
-                <a16:creationId xmlns:a16="http://schemas.microsoft.com/office/drawing/2014/main" id="{9933C11D-6685-E5DE-B86D-E6C70FC746CA}"/>
-              </a:ext>
-            </a:extLst>
-          </p:cNvPr>
-          <p:cNvSpPr/>
-          <p:nvPr/>
-        </p:nvSpPr>
-        <p:spPr>
-          <a:xfrm>
-            <a:off x="4832935" y="1765135"/>
-            <a:ext cx="903999" cy="346556"/>
-          </a:xfrm>
-          <a:prstGeom prst="roundRect">
-            <a:avLst/>
-          </a:prstGeom>
-          <a:solidFill>
-            <a:schemeClr val="accent1">
-              <a:lumMod val="20000"/>
-              <a:lumOff val="80000"/>
-            </a:schemeClr>
-          </a:solidFill>
-          <a:ln>
-            <a:solidFill>
-              <a:schemeClr val="tx1"/>
-            </a:solidFill>
-          </a:ln>
-        </p:spPr>
-        <p:style>
-          <a:lnRef idx="2">
-            <a:schemeClr val="accent6"/>
-          </a:lnRef>
-          <a:fillRef idx="1">
-            <a:schemeClr val="lt1"/>
-          </a:fillRef>
-          <a:effectRef idx="0">
-            <a:schemeClr val="accent6"/>
-          </a:effectRef>
-          <a:fontRef idx="minor">
-            <a:schemeClr val="dk1"/>
-          </a:fontRef>
-        </p:style>
-        <p:txBody>
-          <a:bodyPr rtlCol="0" anchor="ctr"/>
-          <a:lstStyle/>
-          <a:p>
-            <a:pPr algn="ctr"/>
-            <a:r>
-              <a:rPr lang="ja-JP" altLang="en-US" sz="1200" dirty="0"/>
-              <a:t>変換部</a:t>
-            </a:r>
-            <a:endParaRPr kumimoji="1" lang="ja-JP" altLang="en-US" sz="1200" dirty="0"/>
-          </a:p>
-        </p:txBody>
-      </p:sp>
-      <p:sp>
-        <p:nvSpPr>
-          <p:cNvPr id="9" name="四角形: 角を丸くする 8">
-            <a:extLst>
-              <a:ext uri="{FF2B5EF4-FFF2-40B4-BE49-F238E27FC236}">
-                <a16:creationId xmlns:a16="http://schemas.microsoft.com/office/drawing/2014/main" id="{F779BA41-42D5-A993-40B5-CD0332D38F45}"/>
-              </a:ext>
-            </a:extLst>
-          </p:cNvPr>
-          <p:cNvSpPr/>
-          <p:nvPr/>
-        </p:nvSpPr>
-        <p:spPr>
-          <a:xfrm>
-            <a:off x="4783924" y="2957169"/>
-            <a:ext cx="1002019" cy="346556"/>
-          </a:xfrm>
-          <a:prstGeom prst="roundRect">
-            <a:avLst/>
-          </a:prstGeom>
-          <a:solidFill>
-            <a:schemeClr val="accent1">
-              <a:lumMod val="20000"/>
-              <a:lumOff val="80000"/>
-            </a:schemeClr>
-          </a:solidFill>
-          <a:ln>
-            <a:solidFill>
-              <a:schemeClr val="tx1"/>
-            </a:solidFill>
-          </a:ln>
-        </p:spPr>
-        <p:style>
-          <a:lnRef idx="2">
-            <a:schemeClr val="accent6"/>
-          </a:lnRef>
-          <a:fillRef idx="1">
-            <a:schemeClr val="lt1"/>
-          </a:fillRef>
-          <a:effectRef idx="0">
-            <a:schemeClr val="accent6"/>
-          </a:effectRef>
-          <a:fontRef idx="minor">
-            <a:schemeClr val="dk1"/>
-          </a:fontRef>
-        </p:style>
-        <p:txBody>
-          <a:bodyPr rtlCol="0" anchor="ctr"/>
-          <a:lstStyle/>
-          <a:p>
-            <a:pPr algn="ctr"/>
-            <a:r>
-              <a:rPr kumimoji="1" lang="ja-JP" altLang="en-US" sz="1200" dirty="0"/>
-              <a:t>機械学習部</a:t>
-            </a:r>
-          </a:p>
-        </p:txBody>
-      </p:sp>
-      <p:sp>
-        <p:nvSpPr>
-          <p:cNvPr id="10" name="四角形: 角を丸くする 9">
-            <a:extLst>
-              <a:ext uri="{FF2B5EF4-FFF2-40B4-BE49-F238E27FC236}">
-                <a16:creationId xmlns:a16="http://schemas.microsoft.com/office/drawing/2014/main" id="{720806C3-1162-CB45-0E79-329ED4ECEE1D}"/>
-              </a:ext>
-            </a:extLst>
-          </p:cNvPr>
-          <p:cNvSpPr/>
-          <p:nvPr/>
-        </p:nvSpPr>
-        <p:spPr>
-          <a:xfrm>
-            <a:off x="2082696" y="2893776"/>
-            <a:ext cx="1228606" cy="471396"/>
-          </a:xfrm>
-          <a:prstGeom prst="roundRect">
-            <a:avLst/>
-          </a:prstGeom>
-          <a:solidFill>
-            <a:schemeClr val="accent1">
-              <a:lumMod val="20000"/>
-              <a:lumOff val="80000"/>
-            </a:schemeClr>
-          </a:solidFill>
-          <a:ln>
-            <a:solidFill>
-              <a:schemeClr val="tx1"/>
-            </a:solidFill>
-          </a:ln>
-        </p:spPr>
-        <p:style>
-          <a:lnRef idx="2">
-            <a:schemeClr val="accent6"/>
-          </a:lnRef>
-          <a:fillRef idx="1">
-            <a:schemeClr val="lt1"/>
-          </a:fillRef>
-          <a:effectRef idx="0">
-            <a:schemeClr val="accent6"/>
-          </a:effectRef>
-          <a:fontRef idx="minor">
-            <a:schemeClr val="dk1"/>
-          </a:fontRef>
-        </p:style>
-        <p:txBody>
-          <a:bodyPr rtlCol="0" anchor="ctr"/>
-          <a:lstStyle/>
-          <a:p>
-            <a:pPr algn="ctr"/>
-            <a:r>
-              <a:rPr kumimoji="1" lang="en-US" altLang="ja-JP" sz="1200" dirty="0"/>
-              <a:t>VDM++ </a:t>
-            </a:r>
-          </a:p>
-          <a:p>
-            <a:pPr algn="ctr"/>
-            <a:r>
-              <a:rPr kumimoji="1" lang="ja-JP" altLang="en-US" sz="1200" dirty="0"/>
-              <a:t>仕様書</a:t>
-            </a:r>
-            <a:r>
-              <a:rPr lang="ja-JP" altLang="en-US" sz="1200" dirty="0"/>
-              <a:t>生成部</a:t>
-            </a:r>
-            <a:endParaRPr kumimoji="1" lang="ja-JP" altLang="en-US" sz="1200" dirty="0"/>
-          </a:p>
         </p:txBody>
       </p:sp>
       <p:cxnSp>
         <p:nvCxnSpPr>
-          <p:cNvPr id="11" name="直線矢印コネクタ 10">
-            <a:extLst>
-              <a:ext uri="{FF2B5EF4-FFF2-40B4-BE49-F238E27FC236}">
-                <a16:creationId xmlns:a16="http://schemas.microsoft.com/office/drawing/2014/main" id="{12DDD20D-E10E-D412-0759-BC5E8B4F93CB}"/>
+          <p:cNvPr id="13" name="直線矢印コネクタ 12">
+            <a:extLst>
+              <a:ext uri="{FF2B5EF4-FFF2-40B4-BE49-F238E27FC236}">
+                <a16:creationId xmlns:a16="http://schemas.microsoft.com/office/drawing/2014/main" id="{483DA5E2-B104-4DF0-2F6F-4D55D7F52F20}"/>
               </a:ext>
             </a:extLst>
           </p:cNvPr>
           <p:cNvCxnSpPr>
             <a:cxnSpLocks/>
-            <a:stCxn id="6" idx="3"/>
-            <a:endCxn id="7" idx="1"/>
+            <a:endCxn id="12" idx="1"/>
           </p:cNvCxnSpPr>
           <p:nvPr/>
         </p:nvCxnSpPr>
         <p:spPr>
           <a:xfrm>
-            <a:off x="1669995" y="1936674"/>
-            <a:ext cx="438389" cy="1739"/>
+            <a:off x="3399368" y="1449177"/>
+            <a:ext cx="221281" cy="0"/>
           </a:xfrm>
           <a:prstGeom prst="straightConnector1">
             <a:avLst/>
@@ -4096,12 +4517,55 @@
           </a:fontRef>
         </p:style>
       </p:cxnSp>
-      <p:sp>
-        <p:nvSpPr>
-          <p:cNvPr id="12" name="四角形: 角を丸くする 11">
-            <a:extLst>
-              <a:ext uri="{FF2B5EF4-FFF2-40B4-BE49-F238E27FC236}">
-                <a16:creationId xmlns:a16="http://schemas.microsoft.com/office/drawing/2014/main" id="{F8E47145-2F89-FFE0-289C-9520877248F9}"/>
+      <p:cxnSp>
+        <p:nvCxnSpPr>
+          <p:cNvPr id="14" name="直線矢印コネクタ 13">
+            <a:extLst>
+              <a:ext uri="{FF2B5EF4-FFF2-40B4-BE49-F238E27FC236}">
+                <a16:creationId xmlns:a16="http://schemas.microsoft.com/office/drawing/2014/main" id="{27E56DF8-832E-AD5B-0E3E-6BDC04E393BC}"/>
+              </a:ext>
+            </a:extLst>
+          </p:cNvPr>
+          <p:cNvCxnSpPr>
+            <a:cxnSpLocks/>
+            <a:stCxn id="12" idx="3"/>
+            <a:endCxn id="8" idx="1"/>
+          </p:cNvCxnSpPr>
+          <p:nvPr/>
+        </p:nvCxnSpPr>
+        <p:spPr>
+          <a:xfrm>
+            <a:off x="4642018" y="1449177"/>
+            <a:ext cx="230266" cy="0"/>
+          </a:xfrm>
+          <a:prstGeom prst="straightConnector1">
+            <a:avLst/>
+          </a:prstGeom>
+          <a:ln>
+            <a:tailEnd type="triangle"/>
+          </a:ln>
+        </p:spPr>
+        <p:style>
+          <a:lnRef idx="1">
+            <a:schemeClr val="dk1"/>
+          </a:lnRef>
+          <a:fillRef idx="0">
+            <a:schemeClr val="dk1"/>
+          </a:fillRef>
+          <a:effectRef idx="0">
+            <a:schemeClr val="dk1"/>
+          </a:effectRef>
+          <a:fontRef idx="minor">
+            <a:schemeClr val="tx1"/>
+          </a:fontRef>
+        </p:style>
+      </p:cxnSp>
+      <p:sp>
+        <p:nvSpPr>
+          <p:cNvPr id="15" name="四角形: 角を丸くする 14">
+            <a:extLst>
+              <a:ext uri="{FF2B5EF4-FFF2-40B4-BE49-F238E27FC236}">
+                <a16:creationId xmlns:a16="http://schemas.microsoft.com/office/drawing/2014/main" id="{83FFE3A9-96DE-1C69-8C14-28505B55FD15}"/>
               </a:ext>
             </a:extLst>
           </p:cNvPr>
@@ -4110,16 +4574,16 @@
         </p:nvSpPr>
         <p:spPr>
           <a:xfrm>
-            <a:off x="3581300" y="1765135"/>
-            <a:ext cx="1021369" cy="346556"/>
+            <a:off x="3631133" y="2281659"/>
+            <a:ext cx="903999" cy="346556"/>
           </a:xfrm>
           <a:prstGeom prst="roundRect">
             <a:avLst/>
           </a:prstGeom>
           <a:solidFill>
             <a:schemeClr val="accent2">
-              <a:lumMod val="40000"/>
-              <a:lumOff val="60000"/>
+              <a:lumMod val="60000"/>
+              <a:lumOff val="40000"/>
             </a:schemeClr>
           </a:solidFill>
           <a:ln>
@@ -4150,112 +4614,22 @@
           <a:p>
             <a:pPr algn="ctr"/>
             <a:r>
-              <a:rPr lang="ja-JP" altLang="en-US" sz="1200" dirty="0">
+              <a:rPr kumimoji="1" lang="ja-JP" altLang="en-US" sz="1200" dirty="0">
                 <a:solidFill>
                   <a:schemeClr val="tx1"/>
                 </a:solidFill>
               </a:rPr>
-              <a:t>連結リスト</a:t>
-            </a:r>
-            <a:endParaRPr kumimoji="1" lang="en-US" altLang="ja-JP" sz="1200" dirty="0">
-              <a:solidFill>
-                <a:schemeClr val="tx1"/>
-              </a:solidFill>
-            </a:endParaRPr>
-          </a:p>
-        </p:txBody>
-      </p:sp>
-      <p:cxnSp>
-        <p:nvCxnSpPr>
-          <p:cNvPr id="13" name="直線矢印コネクタ 12">
-            <a:extLst>
-              <a:ext uri="{FF2B5EF4-FFF2-40B4-BE49-F238E27FC236}">
-                <a16:creationId xmlns:a16="http://schemas.microsoft.com/office/drawing/2014/main" id="{483DA5E2-B104-4DF0-2F6F-4D55D7F52F20}"/>
-              </a:ext>
-            </a:extLst>
-          </p:cNvPr>
-          <p:cNvCxnSpPr>
-            <a:cxnSpLocks/>
-            <a:endCxn id="12" idx="1"/>
-          </p:cNvCxnSpPr>
-          <p:nvPr/>
-        </p:nvCxnSpPr>
-        <p:spPr>
-          <a:xfrm>
-            <a:off x="3360019" y="1938413"/>
-            <a:ext cx="221281" cy="0"/>
-          </a:xfrm>
-          <a:prstGeom prst="straightConnector1">
-            <a:avLst/>
-          </a:prstGeom>
-          <a:ln>
-            <a:tailEnd type="triangle"/>
-          </a:ln>
-        </p:spPr>
-        <p:style>
-          <a:lnRef idx="1">
-            <a:schemeClr val="dk1"/>
-          </a:lnRef>
-          <a:fillRef idx="0">
-            <a:schemeClr val="dk1"/>
-          </a:fillRef>
-          <a:effectRef idx="0">
-            <a:schemeClr val="dk1"/>
-          </a:effectRef>
-          <a:fontRef idx="minor">
-            <a:schemeClr val="tx1"/>
-          </a:fontRef>
-        </p:style>
-      </p:cxnSp>
-      <p:cxnSp>
-        <p:nvCxnSpPr>
-          <p:cNvPr id="14" name="直線矢印コネクタ 13">
-            <a:extLst>
-              <a:ext uri="{FF2B5EF4-FFF2-40B4-BE49-F238E27FC236}">
-                <a16:creationId xmlns:a16="http://schemas.microsoft.com/office/drawing/2014/main" id="{27E56DF8-832E-AD5B-0E3E-6BDC04E393BC}"/>
-              </a:ext>
-            </a:extLst>
-          </p:cNvPr>
-          <p:cNvCxnSpPr>
-            <a:cxnSpLocks/>
-            <a:stCxn id="12" idx="3"/>
-            <a:endCxn id="8" idx="1"/>
-          </p:cNvCxnSpPr>
-          <p:nvPr/>
-        </p:nvCxnSpPr>
-        <p:spPr>
-          <a:xfrm>
-            <a:off x="4602669" y="1938413"/>
-            <a:ext cx="230266" cy="0"/>
-          </a:xfrm>
-          <a:prstGeom prst="straightConnector1">
-            <a:avLst/>
-          </a:prstGeom>
-          <a:ln>
-            <a:tailEnd type="triangle"/>
-          </a:ln>
-        </p:spPr>
-        <p:style>
-          <a:lnRef idx="1">
-            <a:schemeClr val="dk1"/>
-          </a:lnRef>
-          <a:fillRef idx="0">
-            <a:schemeClr val="dk1"/>
-          </a:fillRef>
-          <a:effectRef idx="0">
-            <a:schemeClr val="dk1"/>
-          </a:effectRef>
-          <a:fontRef idx="minor">
-            <a:schemeClr val="tx1"/>
-          </a:fontRef>
-        </p:style>
-      </p:cxnSp>
-      <p:sp>
-        <p:nvSpPr>
-          <p:cNvPr id="15" name="四角形: 角を丸くする 14">
-            <a:extLst>
-              <a:ext uri="{FF2B5EF4-FFF2-40B4-BE49-F238E27FC236}">
-                <a16:creationId xmlns:a16="http://schemas.microsoft.com/office/drawing/2014/main" id="{83FFE3A9-96DE-1C69-8C14-28505B55FD15}"/>
+              <a:t>単語リスト</a:t>
+            </a:r>
+          </a:p>
+        </p:txBody>
+      </p:sp>
+      <p:sp>
+        <p:nvSpPr>
+          <p:cNvPr id="16" name="四角形: 角を丸くする 15">
+            <a:extLst>
+              <a:ext uri="{FF2B5EF4-FFF2-40B4-BE49-F238E27FC236}">
+                <a16:creationId xmlns:a16="http://schemas.microsoft.com/office/drawing/2014/main" id="{55A075DB-EACD-E98B-FCF6-E27F241E9B8E}"/>
               </a:ext>
             </a:extLst>
           </p:cNvPr>
@@ -4264,16 +4638,16 @@
         </p:nvSpPr>
         <p:spPr>
           <a:xfrm>
-            <a:off x="4832933" y="2372983"/>
-            <a:ext cx="903999" cy="346556"/>
+            <a:off x="6311800" y="3165127"/>
+            <a:ext cx="891543" cy="346556"/>
           </a:xfrm>
           <a:prstGeom prst="roundRect">
             <a:avLst/>
           </a:prstGeom>
           <a:solidFill>
             <a:schemeClr val="accent2">
-              <a:lumMod val="40000"/>
-              <a:lumOff val="60000"/>
+              <a:lumMod val="60000"/>
+              <a:lumOff val="40000"/>
             </a:schemeClr>
           </a:solidFill>
           <a:ln>
@@ -4304,22 +4678,113 @@
           <a:p>
             <a:pPr algn="ctr"/>
             <a:r>
-              <a:rPr kumimoji="1" lang="ja-JP" altLang="en-US" sz="1200" dirty="0">
+              <a:rPr lang="ja-JP" altLang="en-US" sz="1200" dirty="0">
                 <a:solidFill>
                   <a:schemeClr val="tx1"/>
                 </a:solidFill>
               </a:rPr>
-              <a:t>単語リスト</a:t>
-            </a:r>
-          </a:p>
-        </p:txBody>
-      </p:sp>
-      <p:sp>
-        <p:nvSpPr>
-          <p:cNvPr id="16" name="四角形: 角を丸くする 15">
-            <a:extLst>
-              <a:ext uri="{FF2B5EF4-FFF2-40B4-BE49-F238E27FC236}">
-                <a16:creationId xmlns:a16="http://schemas.microsoft.com/office/drawing/2014/main" id="{55A075DB-EACD-E98B-FCF6-E27F241E9B8E}"/>
+              <a:t>判定リスト</a:t>
+            </a:r>
+            <a:endParaRPr kumimoji="1" lang="ja-JP" altLang="en-US" sz="1200" dirty="0">
+              <a:solidFill>
+                <a:schemeClr val="tx1"/>
+              </a:solidFill>
+            </a:endParaRPr>
+          </a:p>
+        </p:txBody>
+      </p:sp>
+      <p:cxnSp>
+        <p:nvCxnSpPr>
+          <p:cNvPr id="18" name="直線矢印コネクタ 17">
+            <a:extLst>
+              <a:ext uri="{FF2B5EF4-FFF2-40B4-BE49-F238E27FC236}">
+                <a16:creationId xmlns:a16="http://schemas.microsoft.com/office/drawing/2014/main" id="{34A86A17-343A-60E9-1B31-72C5D4BAE42A}"/>
+              </a:ext>
+            </a:extLst>
+          </p:cNvPr>
+          <p:cNvCxnSpPr>
+            <a:cxnSpLocks/>
+            <a:stCxn id="8" idx="1"/>
+            <a:endCxn id="15" idx="0"/>
+          </p:cNvCxnSpPr>
+          <p:nvPr/>
+        </p:nvCxnSpPr>
+        <p:spPr>
+          <a:xfrm flipH="1">
+            <a:off x="4083133" y="1449177"/>
+            <a:ext cx="789151" cy="832482"/>
+          </a:xfrm>
+          <a:prstGeom prst="straightConnector1">
+            <a:avLst/>
+          </a:prstGeom>
+          <a:ln>
+            <a:tailEnd type="triangle"/>
+          </a:ln>
+        </p:spPr>
+        <p:style>
+          <a:lnRef idx="1">
+            <a:schemeClr val="dk1"/>
+          </a:lnRef>
+          <a:fillRef idx="0">
+            <a:schemeClr val="dk1"/>
+          </a:fillRef>
+          <a:effectRef idx="0">
+            <a:schemeClr val="dk1"/>
+          </a:effectRef>
+          <a:fontRef idx="minor">
+            <a:schemeClr val="tx1"/>
+          </a:fontRef>
+        </p:style>
+      </p:cxnSp>
+      <p:cxnSp>
+        <p:nvCxnSpPr>
+          <p:cNvPr id="19" name="直線矢印コネクタ 18">
+            <a:extLst>
+              <a:ext uri="{FF2B5EF4-FFF2-40B4-BE49-F238E27FC236}">
+                <a16:creationId xmlns:a16="http://schemas.microsoft.com/office/drawing/2014/main" id="{817B0243-0C7F-E4FA-426B-5C17C4A5FC95}"/>
+              </a:ext>
+            </a:extLst>
+          </p:cNvPr>
+          <p:cNvCxnSpPr>
+            <a:cxnSpLocks/>
+            <a:stCxn id="15" idx="2"/>
+            <a:endCxn id="9" idx="1"/>
+          </p:cNvCxnSpPr>
+          <p:nvPr/>
+        </p:nvCxnSpPr>
+        <p:spPr>
+          <a:xfrm>
+            <a:off x="4083133" y="2628215"/>
+            <a:ext cx="789151" cy="710190"/>
+          </a:xfrm>
+          <a:prstGeom prst="straightConnector1">
+            <a:avLst/>
+          </a:prstGeom>
+          <a:ln>
+            <a:tailEnd type="triangle"/>
+          </a:ln>
+        </p:spPr>
+        <p:style>
+          <a:lnRef idx="1">
+            <a:schemeClr val="dk1"/>
+          </a:lnRef>
+          <a:fillRef idx="0">
+            <a:schemeClr val="dk1"/>
+          </a:fillRef>
+          <a:effectRef idx="0">
+            <a:schemeClr val="dk1"/>
+          </a:effectRef>
+          <a:fontRef idx="minor">
+            <a:schemeClr val="tx1"/>
+          </a:fontRef>
+        </p:style>
+      </p:cxnSp>
+      <p:sp>
+        <p:nvSpPr>
+          <p:cNvPr id="20" name="四角形: 角を丸くする 19">
+            <a:extLst>
+              <a:ext uri="{FF2B5EF4-FFF2-40B4-BE49-F238E27FC236}">
+                <a16:creationId xmlns:a16="http://schemas.microsoft.com/office/drawing/2014/main" id="{62F748BC-F975-E79C-7FA7-84588C862725}"/>
               </a:ext>
             </a:extLst>
           </p:cNvPr>
@@ -4328,16 +4793,16 @@
         </p:nvSpPr>
         <p:spPr>
           <a:xfrm>
-            <a:off x="3595519" y="2957169"/>
-            <a:ext cx="891543" cy="346556"/>
+            <a:off x="6303638" y="1274160"/>
+            <a:ext cx="886136" cy="346556"/>
           </a:xfrm>
           <a:prstGeom prst="roundRect">
             <a:avLst/>
           </a:prstGeom>
           <a:solidFill>
             <a:schemeClr val="accent2">
-              <a:lumMod val="40000"/>
-              <a:lumOff val="60000"/>
+              <a:lumMod val="20000"/>
+              <a:lumOff val="80000"/>
             </a:schemeClr>
           </a:solidFill>
           <a:ln>
@@ -4373,7 +4838,7 @@
                   <a:schemeClr val="tx1"/>
                 </a:solidFill>
               </a:rPr>
-              <a:t>判定リスト</a:t>
+              <a:t>数値リスト</a:t>
             </a:r>
             <a:endParaRPr kumimoji="1" lang="ja-JP" altLang="en-US" sz="1200" dirty="0">
               <a:solidFill>
@@ -4383,12 +4848,227 @@
           </a:p>
         </p:txBody>
       </p:sp>
-      <p:sp>
-        <p:nvSpPr>
-          <p:cNvPr id="17" name="四角形: 角を丸くする 16">
-            <a:extLst>
-              <a:ext uri="{FF2B5EF4-FFF2-40B4-BE49-F238E27FC236}">
-                <a16:creationId xmlns:a16="http://schemas.microsoft.com/office/drawing/2014/main" id="{41E5CF2E-3140-90B5-B74A-AD5625BE5177}"/>
+      <p:cxnSp>
+        <p:nvCxnSpPr>
+          <p:cNvPr id="21" name="直線矢印コネクタ 20">
+            <a:extLst>
+              <a:ext uri="{FF2B5EF4-FFF2-40B4-BE49-F238E27FC236}">
+                <a16:creationId xmlns:a16="http://schemas.microsoft.com/office/drawing/2014/main" id="{06EE462E-2759-502B-DA2F-9E9C18C256BF}"/>
+              </a:ext>
+            </a:extLst>
+          </p:cNvPr>
+          <p:cNvCxnSpPr>
+            <a:cxnSpLocks/>
+            <a:stCxn id="8" idx="3"/>
+            <a:endCxn id="20" idx="1"/>
+          </p:cNvCxnSpPr>
+          <p:nvPr/>
+        </p:nvCxnSpPr>
+        <p:spPr>
+          <a:xfrm flipV="1">
+            <a:off x="5776283" y="1447438"/>
+            <a:ext cx="527355" cy="1739"/>
+          </a:xfrm>
+          <a:prstGeom prst="straightConnector1">
+            <a:avLst/>
+          </a:prstGeom>
+          <a:ln>
+            <a:tailEnd type="triangle"/>
+          </a:ln>
+        </p:spPr>
+        <p:style>
+          <a:lnRef idx="1">
+            <a:schemeClr val="dk1"/>
+          </a:lnRef>
+          <a:fillRef idx="0">
+            <a:schemeClr val="dk1"/>
+          </a:fillRef>
+          <a:effectRef idx="0">
+            <a:schemeClr val="dk1"/>
+          </a:effectRef>
+          <a:fontRef idx="minor">
+            <a:schemeClr val="tx1"/>
+          </a:fontRef>
+        </p:style>
+      </p:cxnSp>
+      <p:cxnSp>
+        <p:nvCxnSpPr>
+          <p:cNvPr id="22" name="直線矢印コネクタ 21">
+            <a:extLst>
+              <a:ext uri="{FF2B5EF4-FFF2-40B4-BE49-F238E27FC236}">
+                <a16:creationId xmlns:a16="http://schemas.microsoft.com/office/drawing/2014/main" id="{53688EA3-543A-829F-64CA-061256F4B55C}"/>
+              </a:ext>
+            </a:extLst>
+          </p:cNvPr>
+          <p:cNvCxnSpPr>
+            <a:cxnSpLocks/>
+            <a:stCxn id="9" idx="3"/>
+            <a:endCxn id="16" idx="1"/>
+          </p:cNvCxnSpPr>
+          <p:nvPr/>
+        </p:nvCxnSpPr>
+        <p:spPr>
+          <a:xfrm>
+            <a:off x="5874303" y="3338405"/>
+            <a:ext cx="437497" cy="0"/>
+          </a:xfrm>
+          <a:prstGeom prst="straightConnector1">
+            <a:avLst/>
+          </a:prstGeom>
+          <a:ln>
+            <a:tailEnd type="triangle"/>
+          </a:ln>
+        </p:spPr>
+        <p:style>
+          <a:lnRef idx="1">
+            <a:schemeClr val="dk1"/>
+          </a:lnRef>
+          <a:fillRef idx="0">
+            <a:schemeClr val="dk1"/>
+          </a:fillRef>
+          <a:effectRef idx="0">
+            <a:schemeClr val="dk1"/>
+          </a:effectRef>
+          <a:fontRef idx="minor">
+            <a:schemeClr val="tx1"/>
+          </a:fontRef>
+        </p:style>
+      </p:cxnSp>
+      <p:cxnSp>
+        <p:nvCxnSpPr>
+          <p:cNvPr id="23" name="直線矢印コネクタ 22">
+            <a:extLst>
+              <a:ext uri="{FF2B5EF4-FFF2-40B4-BE49-F238E27FC236}">
+                <a16:creationId xmlns:a16="http://schemas.microsoft.com/office/drawing/2014/main" id="{AB7F23D6-A08B-16B5-50EA-54A46F27F11F}"/>
+              </a:ext>
+            </a:extLst>
+          </p:cNvPr>
+          <p:cNvCxnSpPr>
+            <a:cxnSpLocks/>
+            <a:stCxn id="20" idx="2"/>
+            <a:endCxn id="10" idx="0"/>
+          </p:cNvCxnSpPr>
+          <p:nvPr/>
+        </p:nvCxnSpPr>
+        <p:spPr>
+          <a:xfrm>
+            <a:off x="6746706" y="1620716"/>
+            <a:ext cx="10865" cy="569865"/>
+          </a:xfrm>
+          <a:prstGeom prst="straightConnector1">
+            <a:avLst/>
+          </a:prstGeom>
+          <a:ln>
+            <a:tailEnd type="triangle"/>
+          </a:ln>
+        </p:spPr>
+        <p:style>
+          <a:lnRef idx="1">
+            <a:schemeClr val="dk1"/>
+          </a:lnRef>
+          <a:fillRef idx="0">
+            <a:schemeClr val="dk1"/>
+          </a:fillRef>
+          <a:effectRef idx="0">
+            <a:schemeClr val="dk1"/>
+          </a:effectRef>
+          <a:fontRef idx="minor">
+            <a:schemeClr val="tx1"/>
+          </a:fontRef>
+        </p:style>
+      </p:cxnSp>
+      <p:cxnSp>
+        <p:nvCxnSpPr>
+          <p:cNvPr id="24" name="直線矢印コネクタ 23">
+            <a:extLst>
+              <a:ext uri="{FF2B5EF4-FFF2-40B4-BE49-F238E27FC236}">
+                <a16:creationId xmlns:a16="http://schemas.microsoft.com/office/drawing/2014/main" id="{45FD60DF-9822-F0D1-3B77-F5F20919BEF3}"/>
+              </a:ext>
+            </a:extLst>
+          </p:cNvPr>
+          <p:cNvCxnSpPr>
+            <a:cxnSpLocks/>
+            <a:stCxn id="16" idx="0"/>
+            <a:endCxn id="10" idx="2"/>
+          </p:cNvCxnSpPr>
+          <p:nvPr/>
+        </p:nvCxnSpPr>
+        <p:spPr>
+          <a:xfrm flipH="1" flipV="1">
+            <a:off x="6757571" y="2661977"/>
+            <a:ext cx="1" cy="503150"/>
+          </a:xfrm>
+          <a:prstGeom prst="straightConnector1">
+            <a:avLst/>
+          </a:prstGeom>
+          <a:ln>
+            <a:tailEnd type="triangle"/>
+          </a:ln>
+        </p:spPr>
+        <p:style>
+          <a:lnRef idx="1">
+            <a:schemeClr val="dk1"/>
+          </a:lnRef>
+          <a:fillRef idx="0">
+            <a:schemeClr val="dk1"/>
+          </a:fillRef>
+          <a:effectRef idx="0">
+            <a:schemeClr val="dk1"/>
+          </a:effectRef>
+          <a:fontRef idx="minor">
+            <a:schemeClr val="tx1"/>
+          </a:fontRef>
+        </p:style>
+      </p:cxnSp>
+      <p:cxnSp>
+        <p:nvCxnSpPr>
+          <p:cNvPr id="25" name="直線矢印コネクタ 24">
+            <a:extLst>
+              <a:ext uri="{FF2B5EF4-FFF2-40B4-BE49-F238E27FC236}">
+                <a16:creationId xmlns:a16="http://schemas.microsoft.com/office/drawing/2014/main" id="{28A832F0-F7B5-14D2-CEF9-71C1EFF5E718}"/>
+              </a:ext>
+            </a:extLst>
+          </p:cNvPr>
+          <p:cNvCxnSpPr>
+            <a:cxnSpLocks/>
+            <a:stCxn id="10" idx="3"/>
+            <a:endCxn id="17" idx="1"/>
+          </p:cNvCxnSpPr>
+          <p:nvPr/>
+        </p:nvCxnSpPr>
+        <p:spPr>
+          <a:xfrm flipV="1">
+            <a:off x="7371874" y="2423727"/>
+            <a:ext cx="444465" cy="2552"/>
+          </a:xfrm>
+          <a:prstGeom prst="straightConnector1">
+            <a:avLst/>
+          </a:prstGeom>
+          <a:ln>
+            <a:tailEnd type="triangle"/>
+          </a:ln>
+        </p:spPr>
+        <p:style>
+          <a:lnRef idx="1">
+            <a:schemeClr val="dk1"/>
+          </a:lnRef>
+          <a:fillRef idx="0">
+            <a:schemeClr val="dk1"/>
+          </a:fillRef>
+          <a:effectRef idx="0">
+            <a:schemeClr val="dk1"/>
+          </a:effectRef>
+          <a:fontRef idx="minor">
+            <a:schemeClr val="tx1"/>
+          </a:fontRef>
+        </p:style>
+      </p:cxnSp>
+      <p:sp>
+        <p:nvSpPr>
+          <p:cNvPr id="32" name="四角形: 角を丸くする 31">
+            <a:extLst>
+              <a:ext uri="{FF2B5EF4-FFF2-40B4-BE49-F238E27FC236}">
+                <a16:creationId xmlns:a16="http://schemas.microsoft.com/office/drawing/2014/main" id="{1D13D2B3-DAB6-8F2A-C5B6-060862C543C1}"/>
               </a:ext>
             </a:extLst>
           </p:cNvPr>
@@ -4397,13 +5077,18 @@
         </p:nvSpPr>
         <p:spPr>
           <a:xfrm>
-            <a:off x="867047" y="2920979"/>
-            <a:ext cx="816555" cy="408976"/>
+            <a:off x="3643937" y="3118284"/>
+            <a:ext cx="856218" cy="440242"/>
           </a:xfrm>
           <a:prstGeom prst="roundRect">
             <a:avLst/>
           </a:prstGeom>
-          <a:noFill/>
+          <a:solidFill>
+            <a:schemeClr val="accent2">
+              <a:lumMod val="60000"/>
+              <a:lumOff val="40000"/>
+            </a:schemeClr>
+          </a:solidFill>
           <a:ln>
             <a:solidFill>
               <a:schemeClr val="tx1"/>
@@ -4432,47 +5117,57 @@
           <a:p>
             <a:pPr algn="ctr"/>
             <a:r>
-              <a:rPr kumimoji="1" lang="en-US" altLang="ja-JP" sz="1200" dirty="0">
+              <a:rPr lang="ja-JP" altLang="en-US" sz="1200" dirty="0">
                 <a:solidFill>
                   <a:schemeClr val="tx1"/>
                 </a:solidFill>
               </a:rPr>
-              <a:t>VDM++</a:t>
-            </a:r>
+              <a:t>学習済み</a:t>
+            </a:r>
+            <a:endParaRPr lang="en-US" altLang="ja-JP" sz="1200" dirty="0">
+              <a:solidFill>
+                <a:schemeClr val="tx1"/>
+              </a:solidFill>
+            </a:endParaRPr>
           </a:p>
           <a:p>
             <a:pPr algn="ctr"/>
             <a:r>
-              <a:rPr kumimoji="1" lang="ja-JP" altLang="en-US" sz="1200" dirty="0">
+              <a:rPr lang="ja-JP" altLang="en-US" sz="1200" dirty="0">
                 <a:solidFill>
                   <a:schemeClr val="tx1"/>
                 </a:solidFill>
               </a:rPr>
-              <a:t>仕様書</a:t>
-            </a:r>
+              <a:t>モデル</a:t>
+            </a:r>
+            <a:endParaRPr kumimoji="1" lang="ja-JP" altLang="en-US" sz="1200" dirty="0">
+              <a:solidFill>
+                <a:schemeClr val="tx1"/>
+              </a:solidFill>
+            </a:endParaRPr>
           </a:p>
         </p:txBody>
       </p:sp>
       <p:cxnSp>
         <p:nvCxnSpPr>
-          <p:cNvPr id="18" name="直線矢印コネクタ 17">
-            <a:extLst>
-              <a:ext uri="{FF2B5EF4-FFF2-40B4-BE49-F238E27FC236}">
-                <a16:creationId xmlns:a16="http://schemas.microsoft.com/office/drawing/2014/main" id="{34A86A17-343A-60E9-1B31-72C5D4BAE42A}"/>
+          <p:cNvPr id="33" name="直線矢印コネクタ 32">
+            <a:extLst>
+              <a:ext uri="{FF2B5EF4-FFF2-40B4-BE49-F238E27FC236}">
+                <a16:creationId xmlns:a16="http://schemas.microsoft.com/office/drawing/2014/main" id="{938AD116-397C-7716-CD15-3F7EC56177FD}"/>
               </a:ext>
             </a:extLst>
           </p:cNvPr>
           <p:cNvCxnSpPr>
             <a:cxnSpLocks/>
-            <a:stCxn id="8" idx="2"/>
-            <a:endCxn id="15" idx="0"/>
+            <a:stCxn id="32" idx="3"/>
+            <a:endCxn id="9" idx="1"/>
           </p:cNvCxnSpPr>
           <p:nvPr/>
         </p:nvCxnSpPr>
         <p:spPr>
-          <a:xfrm flipH="1">
-            <a:off x="5284933" y="2111691"/>
-            <a:ext cx="2" cy="261292"/>
+          <a:xfrm>
+            <a:off x="4500155" y="3338405"/>
+            <a:ext cx="372129" cy="0"/>
           </a:xfrm>
           <a:prstGeom prst="straightConnector1">
             <a:avLst/>
@@ -4496,26 +5191,165 @@
           </a:fontRef>
         </p:style>
       </p:cxnSp>
+      <p:grpSp>
+        <p:nvGrpSpPr>
+          <p:cNvPr id="99" name="グループ化 98">
+            <a:extLst>
+              <a:ext uri="{FF2B5EF4-FFF2-40B4-BE49-F238E27FC236}">
+                <a16:creationId xmlns:a16="http://schemas.microsoft.com/office/drawing/2014/main" id="{3130E570-4D15-722B-A27B-160DB7F262AD}"/>
+              </a:ext>
+            </a:extLst>
+          </p:cNvPr>
+          <p:cNvGrpSpPr/>
+          <p:nvPr/>
+        </p:nvGrpSpPr>
+        <p:grpSpPr>
+          <a:xfrm>
+            <a:off x="1825206" y="2734197"/>
+            <a:ext cx="1508432" cy="896769"/>
+            <a:chOff x="3628636" y="3982452"/>
+            <a:chExt cx="1508432" cy="896769"/>
+          </a:xfrm>
+        </p:grpSpPr>
+        <p:sp>
+          <p:nvSpPr>
+            <p:cNvPr id="4" name="正方形/長方形 3">
+              <a:extLst>
+                <a:ext uri="{FF2B5EF4-FFF2-40B4-BE49-F238E27FC236}">
+                  <a16:creationId xmlns:a16="http://schemas.microsoft.com/office/drawing/2014/main" id="{5A4A7B51-9297-275E-136E-EF96903D60A8}"/>
+                </a:ext>
+              </a:extLst>
+            </p:cNvPr>
+            <p:cNvSpPr/>
+            <p:nvPr/>
+          </p:nvSpPr>
+          <p:spPr>
+            <a:xfrm>
+              <a:off x="3628636" y="3982452"/>
+              <a:ext cx="1508432" cy="896769"/>
+            </a:xfrm>
+            <a:prstGeom prst="rect">
+              <a:avLst/>
+            </a:prstGeom>
+            <a:solidFill>
+              <a:srgbClr val="DDFFEB"/>
+            </a:solidFill>
+            <a:ln>
+              <a:solidFill>
+                <a:srgbClr val="47A1D9"/>
+              </a:solidFill>
+            </a:ln>
+          </p:spPr>
+          <p:style>
+            <a:lnRef idx="2">
+              <a:schemeClr val="accent1">
+                <a:shade val="50000"/>
+              </a:schemeClr>
+            </a:lnRef>
+            <a:fillRef idx="1">
+              <a:schemeClr val="accent1"/>
+            </a:fillRef>
+            <a:effectRef idx="0">
+              <a:schemeClr val="accent1"/>
+            </a:effectRef>
+            <a:fontRef idx="minor">
+              <a:schemeClr val="lt1"/>
+            </a:fontRef>
+          </p:style>
+          <p:txBody>
+            <a:bodyPr rtlCol="0" anchor="t" anchorCtr="0"/>
+            <a:lstStyle/>
+            <a:p>
+              <a:r>
+                <a:rPr kumimoji="1" lang="ja-JP" altLang="en-US" sz="1400" b="1" dirty="0">
+                  <a:solidFill>
+                    <a:schemeClr val="tx1"/>
+                  </a:solidFill>
+                </a:rPr>
+                <a:t>前処理</a:t>
+              </a:r>
+            </a:p>
+          </p:txBody>
+        </p:sp>
+        <p:sp>
+          <p:nvSpPr>
+            <p:cNvPr id="34" name="四角形: 角を丸くする 33">
+              <a:extLst>
+                <a:ext uri="{FF2B5EF4-FFF2-40B4-BE49-F238E27FC236}">
+                  <a16:creationId xmlns:a16="http://schemas.microsoft.com/office/drawing/2014/main" id="{BE0C2BF1-6D8B-C168-C284-31DAF1E9E0D8}"/>
+                </a:ext>
+              </a:extLst>
+            </p:cNvPr>
+            <p:cNvSpPr/>
+            <p:nvPr/>
+          </p:nvSpPr>
+          <p:spPr>
+            <a:xfrm>
+              <a:off x="3881842" y="4405914"/>
+              <a:ext cx="1002019" cy="346556"/>
+            </a:xfrm>
+            <a:prstGeom prst="roundRect">
+              <a:avLst/>
+            </a:prstGeom>
+            <a:solidFill>
+              <a:schemeClr val="accent5">
+                <a:lumMod val="60000"/>
+                <a:lumOff val="40000"/>
+              </a:schemeClr>
+            </a:solidFill>
+            <a:ln>
+              <a:solidFill>
+                <a:schemeClr val="tx1"/>
+              </a:solidFill>
+            </a:ln>
+          </p:spPr>
+          <p:style>
+            <a:lnRef idx="2">
+              <a:schemeClr val="accent6"/>
+            </a:lnRef>
+            <a:fillRef idx="1">
+              <a:schemeClr val="lt1"/>
+            </a:fillRef>
+            <a:effectRef idx="0">
+              <a:schemeClr val="accent6"/>
+            </a:effectRef>
+            <a:fontRef idx="minor">
+              <a:schemeClr val="dk1"/>
+            </a:fontRef>
+          </p:style>
+          <p:txBody>
+            <a:bodyPr rtlCol="0" anchor="ctr"/>
+            <a:lstStyle/>
+            <a:p>
+              <a:pPr algn="ctr"/>
+              <a:r>
+                <a:rPr kumimoji="1" lang="ja-JP" altLang="en-US" sz="1200" dirty="0"/>
+                <a:t>機械学習部</a:t>
+              </a:r>
+            </a:p>
+          </p:txBody>
+        </p:sp>
+      </p:grpSp>
       <p:cxnSp>
         <p:nvCxnSpPr>
-          <p:cNvPr id="19" name="直線矢印コネクタ 18">
-            <a:extLst>
-              <a:ext uri="{FF2B5EF4-FFF2-40B4-BE49-F238E27FC236}">
-                <a16:creationId xmlns:a16="http://schemas.microsoft.com/office/drawing/2014/main" id="{817B0243-0C7F-E4FA-426B-5C17C4A5FC95}"/>
+          <p:cNvPr id="35" name="直線矢印コネクタ 34">
+            <a:extLst>
+              <a:ext uri="{FF2B5EF4-FFF2-40B4-BE49-F238E27FC236}">
+                <a16:creationId xmlns:a16="http://schemas.microsoft.com/office/drawing/2014/main" id="{DF7789F5-39CB-6F06-5D3B-F0DCC3036831}"/>
               </a:ext>
             </a:extLst>
           </p:cNvPr>
           <p:cNvCxnSpPr>
             <a:cxnSpLocks/>
-            <a:stCxn id="15" idx="2"/>
-            <a:endCxn id="9" idx="0"/>
+            <a:stCxn id="34" idx="3"/>
+            <a:endCxn id="32" idx="1"/>
           </p:cNvCxnSpPr>
           <p:nvPr/>
         </p:nvCxnSpPr>
         <p:spPr>
           <a:xfrm>
-            <a:off x="5284933" y="2719539"/>
-            <a:ext cx="1" cy="237630"/>
+            <a:off x="3080431" y="3330937"/>
+            <a:ext cx="563506" cy="7468"/>
           </a:xfrm>
           <a:prstGeom prst="straightConnector1">
             <a:avLst/>
@@ -4541,10 +5375,10 @@
       </p:cxnSp>
       <p:sp>
         <p:nvSpPr>
-          <p:cNvPr id="20" name="四角形: 角を丸くする 19">
-            <a:extLst>
-              <a:ext uri="{FF2B5EF4-FFF2-40B4-BE49-F238E27FC236}">
-                <a16:creationId xmlns:a16="http://schemas.microsoft.com/office/drawing/2014/main" id="{62F748BC-F975-E79C-7FA7-84588C862725}"/>
+          <p:cNvPr id="36" name="四角形: 角を丸くする 35">
+            <a:extLst>
+              <a:ext uri="{FF2B5EF4-FFF2-40B4-BE49-F238E27FC236}">
+                <a16:creationId xmlns:a16="http://schemas.microsoft.com/office/drawing/2014/main" id="{8D898C8B-15D5-3619-A72C-4CC1AD7E2909}"/>
               </a:ext>
             </a:extLst>
           </p:cNvPr>
@@ -4553,18 +5387,13 @@
         </p:nvSpPr>
         <p:spPr>
           <a:xfrm>
-            <a:off x="3606023" y="2372983"/>
-            <a:ext cx="886136" cy="346556"/>
+            <a:off x="892788" y="3102683"/>
+            <a:ext cx="790163" cy="447723"/>
           </a:xfrm>
           <a:prstGeom prst="roundRect">
             <a:avLst/>
           </a:prstGeom>
-          <a:solidFill>
-            <a:schemeClr val="accent2">
-              <a:lumMod val="40000"/>
-              <a:lumOff val="60000"/>
-            </a:schemeClr>
-          </a:solidFill>
+          <a:noFill/>
           <a:ln>
             <a:solidFill>
               <a:schemeClr val="tx1"/>
@@ -4598,7 +5427,23 @@
                   <a:schemeClr val="tx1"/>
                 </a:solidFill>
               </a:rPr>
-              <a:t>数値リスト</a:t>
+              <a:t>教師</a:t>
+            </a:r>
+            <a:endParaRPr lang="en-US" altLang="ja-JP" sz="1200" dirty="0">
+              <a:solidFill>
+                <a:schemeClr val="tx1"/>
+              </a:solidFill>
+            </a:endParaRPr>
+          </a:p>
+          <a:p>
+            <a:pPr algn="ctr"/>
+            <a:r>
+              <a:rPr lang="ja-JP" altLang="en-US" sz="1200" dirty="0">
+                <a:solidFill>
+                  <a:schemeClr val="tx1"/>
+                </a:solidFill>
+              </a:rPr>
+              <a:t>データ</a:t>
             </a:r>
             <a:endParaRPr kumimoji="1" lang="ja-JP" altLang="en-US" sz="1200" dirty="0">
               <a:solidFill>
@@ -4610,24 +5455,24 @@
       </p:sp>
       <p:cxnSp>
         <p:nvCxnSpPr>
-          <p:cNvPr id="21" name="直線矢印コネクタ 20">
-            <a:extLst>
-              <a:ext uri="{FF2B5EF4-FFF2-40B4-BE49-F238E27FC236}">
-                <a16:creationId xmlns:a16="http://schemas.microsoft.com/office/drawing/2014/main" id="{06EE462E-2759-502B-DA2F-9E9C18C256BF}"/>
+          <p:cNvPr id="37" name="直線矢印コネクタ 36">
+            <a:extLst>
+              <a:ext uri="{FF2B5EF4-FFF2-40B4-BE49-F238E27FC236}">
+                <a16:creationId xmlns:a16="http://schemas.microsoft.com/office/drawing/2014/main" id="{2E15EBD9-127A-7BC0-8AF3-D5002289316F}"/>
               </a:ext>
             </a:extLst>
           </p:cNvPr>
           <p:cNvCxnSpPr>
             <a:cxnSpLocks/>
-            <a:stCxn id="8" idx="2"/>
-            <a:endCxn id="20" idx="0"/>
+            <a:stCxn id="36" idx="3"/>
+            <a:endCxn id="34" idx="1"/>
           </p:cNvCxnSpPr>
           <p:nvPr/>
         </p:nvCxnSpPr>
         <p:spPr>
-          <a:xfrm flipH="1">
-            <a:off x="4049091" y="2111691"/>
-            <a:ext cx="1235844" cy="261292"/>
+          <a:xfrm>
+            <a:off x="1682951" y="3326545"/>
+            <a:ext cx="395461" cy="4392"/>
           </a:xfrm>
           <a:prstGeom prst="straightConnector1">
             <a:avLst/>
@@ -4651,442 +5496,264 @@
           </a:fontRef>
         </p:style>
       </p:cxnSp>
-      <p:cxnSp>
-        <p:nvCxnSpPr>
-          <p:cNvPr id="22" name="直線矢印コネクタ 21">
-            <a:extLst>
-              <a:ext uri="{FF2B5EF4-FFF2-40B4-BE49-F238E27FC236}">
-                <a16:creationId xmlns:a16="http://schemas.microsoft.com/office/drawing/2014/main" id="{53688EA3-543A-829F-64CA-061256F4B55C}"/>
-              </a:ext>
-            </a:extLst>
-          </p:cNvPr>
-          <p:cNvCxnSpPr>
-            <a:cxnSpLocks/>
-            <a:stCxn id="9" idx="1"/>
-            <a:endCxn id="16" idx="3"/>
-          </p:cNvCxnSpPr>
+      <p:sp>
+        <p:nvSpPr>
+          <p:cNvPr id="38" name="テキスト ボックス 37">
+            <a:extLst>
+              <a:ext uri="{FF2B5EF4-FFF2-40B4-BE49-F238E27FC236}">
+                <a16:creationId xmlns:a16="http://schemas.microsoft.com/office/drawing/2014/main" id="{69355B2F-A054-EE79-9322-B6845D608C71}"/>
+              </a:ext>
+            </a:extLst>
+          </p:cNvPr>
+          <p:cNvSpPr txBox="1"/>
           <p:nvPr/>
-        </p:nvCxnSpPr>
-        <p:spPr>
-          <a:xfrm flipH="1">
-            <a:off x="4487062" y="3130447"/>
-            <a:ext cx="296862" cy="0"/>
-          </a:xfrm>
-          <a:prstGeom prst="straightConnector1">
+        </p:nvSpPr>
+        <p:spPr>
+          <a:xfrm>
+            <a:off x="1048764" y="998900"/>
+            <a:ext cx="492443" cy="276999"/>
+          </a:xfrm>
+          <a:prstGeom prst="rect">
             <a:avLst/>
           </a:prstGeom>
+          <a:noFill/>
+        </p:spPr>
+        <p:txBody>
+          <a:bodyPr wrap="none" rtlCol="0">
+            <a:spAutoFit/>
+          </a:bodyPr>
+          <a:lstStyle/>
+          <a:p>
+            <a:r>
+              <a:rPr kumimoji="1" lang="ja-JP" altLang="en-US" sz="1200" b="1" dirty="0"/>
+              <a:t>入力</a:t>
+            </a:r>
+          </a:p>
+        </p:txBody>
+      </p:sp>
+      <p:grpSp>
+        <p:nvGrpSpPr>
+          <p:cNvPr id="101" name="グループ化 100">
+            <a:extLst>
+              <a:ext uri="{FF2B5EF4-FFF2-40B4-BE49-F238E27FC236}">
+                <a16:creationId xmlns:a16="http://schemas.microsoft.com/office/drawing/2014/main" id="{3347329E-5F97-C2C0-080B-0D0287E9C4BF}"/>
+              </a:ext>
+            </a:extLst>
+          </p:cNvPr>
+          <p:cNvGrpSpPr/>
+          <p:nvPr/>
+        </p:nvGrpSpPr>
+        <p:grpSpPr>
+          <a:xfrm>
+            <a:off x="7816339" y="1978617"/>
+            <a:ext cx="816555" cy="649598"/>
+            <a:chOff x="10114741" y="2680357"/>
+            <a:chExt cx="816555" cy="649598"/>
+          </a:xfrm>
+        </p:grpSpPr>
+        <p:sp>
+          <p:nvSpPr>
+            <p:cNvPr id="17" name="四角形: 角を丸くする 16">
+              <a:extLst>
+                <a:ext uri="{FF2B5EF4-FFF2-40B4-BE49-F238E27FC236}">
+                  <a16:creationId xmlns:a16="http://schemas.microsoft.com/office/drawing/2014/main" id="{41E5CF2E-3140-90B5-B74A-AD5625BE5177}"/>
+                </a:ext>
+              </a:extLst>
+            </p:cNvPr>
+            <p:cNvSpPr/>
+            <p:nvPr/>
+          </p:nvSpPr>
+          <p:spPr>
+            <a:xfrm>
+              <a:off x="10114741" y="2920979"/>
+              <a:ext cx="816555" cy="408976"/>
+            </a:xfrm>
+            <a:prstGeom prst="roundRect">
+              <a:avLst/>
+            </a:prstGeom>
+            <a:noFill/>
+            <a:ln>
+              <a:solidFill>
+                <a:schemeClr val="tx1"/>
+              </a:solidFill>
+            </a:ln>
+          </p:spPr>
+          <p:style>
+            <a:lnRef idx="2">
+              <a:schemeClr val="accent1">
+                <a:shade val="50000"/>
+              </a:schemeClr>
+            </a:lnRef>
+            <a:fillRef idx="1">
+              <a:schemeClr val="accent1"/>
+            </a:fillRef>
+            <a:effectRef idx="0">
+              <a:schemeClr val="accent1"/>
+            </a:effectRef>
+            <a:fontRef idx="minor">
+              <a:schemeClr val="lt1"/>
+            </a:fontRef>
+          </p:style>
+          <p:txBody>
+            <a:bodyPr lIns="36000" tIns="36000" rIns="36000" bIns="36000" rtlCol="0" anchor="ctr"/>
+            <a:lstStyle/>
+            <a:p>
+              <a:pPr algn="ctr"/>
+              <a:r>
+                <a:rPr kumimoji="1" lang="en-US" altLang="ja-JP" sz="1200" dirty="0">
+                  <a:solidFill>
+                    <a:schemeClr val="tx1"/>
+                  </a:solidFill>
+                </a:rPr>
+                <a:t>VDM++</a:t>
+              </a:r>
+            </a:p>
+            <a:p>
+              <a:pPr algn="ctr"/>
+              <a:r>
+                <a:rPr kumimoji="1" lang="ja-JP" altLang="en-US" sz="1200" dirty="0">
+                  <a:solidFill>
+                    <a:schemeClr val="tx1"/>
+                  </a:solidFill>
+                </a:rPr>
+                <a:t>仕様書</a:t>
+              </a:r>
+            </a:p>
+          </p:txBody>
+        </p:sp>
+        <p:sp>
+          <p:nvSpPr>
+            <p:cNvPr id="39" name="テキスト ボックス 38">
+              <a:extLst>
+                <a:ext uri="{FF2B5EF4-FFF2-40B4-BE49-F238E27FC236}">
+                  <a16:creationId xmlns:a16="http://schemas.microsoft.com/office/drawing/2014/main" id="{47F16F1A-C3C1-CEAB-3AAF-6CA482F22D76}"/>
+                </a:ext>
+              </a:extLst>
+            </p:cNvPr>
+            <p:cNvSpPr txBox="1"/>
+            <p:nvPr/>
+          </p:nvSpPr>
+          <p:spPr>
+            <a:xfrm>
+              <a:off x="10276796" y="2680357"/>
+              <a:ext cx="492443" cy="276999"/>
+            </a:xfrm>
+            <a:prstGeom prst="rect">
+              <a:avLst/>
+            </a:prstGeom>
+            <a:noFill/>
+          </p:spPr>
+          <p:txBody>
+            <a:bodyPr wrap="none" rtlCol="0">
+              <a:spAutoFit/>
+            </a:bodyPr>
+            <a:lstStyle/>
+            <a:p>
+              <a:r>
+                <a:rPr lang="ja-JP" altLang="en-US" sz="1200" b="1" dirty="0"/>
+                <a:t>出力</a:t>
+              </a:r>
+              <a:endParaRPr kumimoji="1" lang="ja-JP" altLang="en-US" sz="1200" b="1" dirty="0"/>
+            </a:p>
+          </p:txBody>
+        </p:sp>
+      </p:grpSp>
+      <p:sp>
+        <p:nvSpPr>
+          <p:cNvPr id="40" name="テキスト ボックス 39">
+            <a:extLst>
+              <a:ext uri="{FF2B5EF4-FFF2-40B4-BE49-F238E27FC236}">
+                <a16:creationId xmlns:a16="http://schemas.microsoft.com/office/drawing/2014/main" id="{681359B5-25A2-7FC0-7821-E64341B68416}"/>
+              </a:ext>
+            </a:extLst>
+          </p:cNvPr>
+          <p:cNvSpPr txBox="1"/>
+          <p:nvPr/>
+        </p:nvSpPr>
+        <p:spPr>
+          <a:xfrm>
+            <a:off x="1033766" y="2866610"/>
+            <a:ext cx="492443" cy="276999"/>
+          </a:xfrm>
+          <a:prstGeom prst="rect">
+            <a:avLst/>
+          </a:prstGeom>
+          <a:noFill/>
+        </p:spPr>
+        <p:txBody>
+          <a:bodyPr wrap="none" rtlCol="0">
+            <a:spAutoFit/>
+          </a:bodyPr>
+          <a:lstStyle/>
+          <a:p>
+            <a:r>
+              <a:rPr kumimoji="1" lang="ja-JP" altLang="en-US" sz="1200" b="1" dirty="0"/>
+              <a:t>入力</a:t>
+            </a:r>
+          </a:p>
+        </p:txBody>
+      </p:sp>
+      <p:sp>
+        <p:nvSpPr>
+          <p:cNvPr id="41" name="四角形: 角を丸くする 40">
+            <a:extLst>
+              <a:ext uri="{FF2B5EF4-FFF2-40B4-BE49-F238E27FC236}">
+                <a16:creationId xmlns:a16="http://schemas.microsoft.com/office/drawing/2014/main" id="{529D57A5-0F58-B9FD-2A0D-34ABCD4036EB}"/>
+              </a:ext>
+            </a:extLst>
+          </p:cNvPr>
+          <p:cNvSpPr/>
+          <p:nvPr/>
+        </p:nvSpPr>
+        <p:spPr>
+          <a:xfrm>
+            <a:off x="3399628" y="3723869"/>
+            <a:ext cx="902695" cy="346556"/>
+          </a:xfrm>
+          <a:prstGeom prst="roundRect">
+            <a:avLst/>
+          </a:prstGeom>
+          <a:solidFill>
+            <a:schemeClr val="accent1">
+              <a:lumMod val="20000"/>
+              <a:lumOff val="80000"/>
+            </a:schemeClr>
+          </a:solidFill>
           <a:ln>
-            <a:tailEnd type="triangle"/>
+            <a:solidFill>
+              <a:schemeClr val="tx1"/>
+            </a:solidFill>
           </a:ln>
         </p:spPr>
         <p:style>
-          <a:lnRef idx="1">
-            <a:schemeClr val="dk1"/>
+          <a:lnRef idx="2">
+            <a:schemeClr val="accent6"/>
           </a:lnRef>
-          <a:fillRef idx="0">
-            <a:schemeClr val="dk1"/>
+          <a:fillRef idx="1">
+            <a:schemeClr val="lt1"/>
           </a:fillRef>
           <a:effectRef idx="0">
-            <a:schemeClr val="dk1"/>
+            <a:schemeClr val="accent6"/>
           </a:effectRef>
           <a:fontRef idx="minor">
-            <a:schemeClr val="tx1"/>
+            <a:schemeClr val="dk1"/>
           </a:fontRef>
         </p:style>
-      </p:cxnSp>
-      <p:cxnSp>
-        <p:nvCxnSpPr>
-          <p:cNvPr id="23" name="直線矢印コネクタ 22">
-            <a:extLst>
-              <a:ext uri="{FF2B5EF4-FFF2-40B4-BE49-F238E27FC236}">
-                <a16:creationId xmlns:a16="http://schemas.microsoft.com/office/drawing/2014/main" id="{AB7F23D6-A08B-16B5-50EA-54A46F27F11F}"/>
-              </a:ext>
-            </a:extLst>
-          </p:cNvPr>
-          <p:cNvCxnSpPr>
-            <a:cxnSpLocks/>
-            <a:stCxn id="20" idx="1"/>
-            <a:endCxn id="10" idx="0"/>
-          </p:cNvCxnSpPr>
-          <p:nvPr/>
-        </p:nvCxnSpPr>
-        <p:spPr>
-          <a:xfrm flipH="1">
-            <a:off x="2696999" y="2546261"/>
-            <a:ext cx="909024" cy="347515"/>
-          </a:xfrm>
-          <a:prstGeom prst="straightConnector1">
-            <a:avLst/>
-          </a:prstGeom>
-          <a:ln>
-            <a:tailEnd type="triangle"/>
-          </a:ln>
-        </p:spPr>
-        <p:style>
-          <a:lnRef idx="1">
-            <a:schemeClr val="dk1"/>
-          </a:lnRef>
-          <a:fillRef idx="0">
-            <a:schemeClr val="dk1"/>
-          </a:fillRef>
-          <a:effectRef idx="0">
-            <a:schemeClr val="dk1"/>
-          </a:effectRef>
-          <a:fontRef idx="minor">
-            <a:schemeClr val="tx1"/>
-          </a:fontRef>
-        </p:style>
-      </p:cxnSp>
-      <p:cxnSp>
-        <p:nvCxnSpPr>
-          <p:cNvPr id="24" name="直線矢印コネクタ 23">
-            <a:extLst>
-              <a:ext uri="{FF2B5EF4-FFF2-40B4-BE49-F238E27FC236}">
-                <a16:creationId xmlns:a16="http://schemas.microsoft.com/office/drawing/2014/main" id="{45FD60DF-9822-F0D1-3B77-F5F20919BEF3}"/>
-              </a:ext>
-            </a:extLst>
-          </p:cNvPr>
-          <p:cNvCxnSpPr>
-            <a:cxnSpLocks/>
-            <a:stCxn id="16" idx="1"/>
-            <a:endCxn id="10" idx="3"/>
-          </p:cNvCxnSpPr>
-          <p:nvPr/>
-        </p:nvCxnSpPr>
-        <p:spPr>
-          <a:xfrm flipH="1" flipV="1">
-            <a:off x="3311302" y="3129474"/>
-            <a:ext cx="284217" cy="973"/>
-          </a:xfrm>
-          <a:prstGeom prst="straightConnector1">
-            <a:avLst/>
-          </a:prstGeom>
-          <a:ln>
-            <a:tailEnd type="triangle"/>
-          </a:ln>
-        </p:spPr>
-        <p:style>
-          <a:lnRef idx="1">
-            <a:schemeClr val="dk1"/>
-          </a:lnRef>
-          <a:fillRef idx="0">
-            <a:schemeClr val="dk1"/>
-          </a:fillRef>
-          <a:effectRef idx="0">
-            <a:schemeClr val="dk1"/>
-          </a:effectRef>
-          <a:fontRef idx="minor">
-            <a:schemeClr val="tx1"/>
-          </a:fontRef>
-        </p:style>
-      </p:cxnSp>
-      <p:cxnSp>
-        <p:nvCxnSpPr>
-          <p:cNvPr id="25" name="直線矢印コネクタ 24">
-            <a:extLst>
-              <a:ext uri="{FF2B5EF4-FFF2-40B4-BE49-F238E27FC236}">
-                <a16:creationId xmlns:a16="http://schemas.microsoft.com/office/drawing/2014/main" id="{28A832F0-F7B5-14D2-CEF9-71C1EFF5E718}"/>
-              </a:ext>
-            </a:extLst>
-          </p:cNvPr>
-          <p:cNvCxnSpPr>
-            <a:cxnSpLocks/>
-            <a:stCxn id="10" idx="1"/>
-            <a:endCxn id="17" idx="3"/>
-          </p:cNvCxnSpPr>
-          <p:nvPr/>
-        </p:nvCxnSpPr>
-        <p:spPr>
-          <a:xfrm flipH="1" flipV="1">
-            <a:off x="1683602" y="3125467"/>
-            <a:ext cx="399094" cy="4007"/>
-          </a:xfrm>
-          <a:prstGeom prst="straightConnector1">
-            <a:avLst/>
-          </a:prstGeom>
-          <a:ln>
-            <a:tailEnd type="triangle"/>
-          </a:ln>
-        </p:spPr>
-        <p:style>
-          <a:lnRef idx="1">
-            <a:schemeClr val="dk1"/>
-          </a:lnRef>
-          <a:fillRef idx="0">
-            <a:schemeClr val="dk1"/>
-          </a:fillRef>
-          <a:effectRef idx="0">
-            <a:schemeClr val="dk1"/>
-          </a:effectRef>
-          <a:fontRef idx="minor">
-            <a:schemeClr val="tx1"/>
-          </a:fontRef>
-        </p:style>
-      </p:cxnSp>
-      <p:cxnSp>
-        <p:nvCxnSpPr>
-          <p:cNvPr id="26" name="直線コネクタ 25">
-            <a:extLst>
-              <a:ext uri="{FF2B5EF4-FFF2-40B4-BE49-F238E27FC236}">
-                <a16:creationId xmlns:a16="http://schemas.microsoft.com/office/drawing/2014/main" id="{11BF4A3B-C507-3D27-BA02-5273E74920F5}"/>
-              </a:ext>
-            </a:extLst>
-          </p:cNvPr>
-          <p:cNvCxnSpPr>
-            <a:cxnSpLocks/>
-          </p:cNvCxnSpPr>
-          <p:nvPr/>
-        </p:nvCxnSpPr>
-        <p:spPr>
-          <a:xfrm flipH="1">
-            <a:off x="4733211" y="1712482"/>
-            <a:ext cx="441" cy="1125872"/>
-          </a:xfrm>
-          <a:prstGeom prst="line">
-            <a:avLst/>
-          </a:prstGeom>
-          <a:ln w="25400">
-            <a:solidFill>
-              <a:srgbClr val="FF0000"/>
-            </a:solidFill>
-          </a:ln>
-        </p:spPr>
-        <p:style>
-          <a:lnRef idx="1">
-            <a:schemeClr val="accent1"/>
-          </a:lnRef>
-          <a:fillRef idx="0">
-            <a:schemeClr val="accent1"/>
-          </a:fillRef>
-          <a:effectRef idx="0">
-            <a:schemeClr val="accent1"/>
-          </a:effectRef>
-          <a:fontRef idx="minor">
-            <a:schemeClr val="tx1"/>
-          </a:fontRef>
-        </p:style>
-      </p:cxnSp>
-      <p:cxnSp>
-        <p:nvCxnSpPr>
-          <p:cNvPr id="27" name="直線コネクタ 26">
-            <a:extLst>
-              <a:ext uri="{FF2B5EF4-FFF2-40B4-BE49-F238E27FC236}">
-                <a16:creationId xmlns:a16="http://schemas.microsoft.com/office/drawing/2014/main" id="{C65AC1CF-5BBF-8B3F-B335-BF2D4A96A8B8}"/>
-              </a:ext>
-            </a:extLst>
-          </p:cNvPr>
-          <p:cNvCxnSpPr>
-            <a:cxnSpLocks/>
-          </p:cNvCxnSpPr>
-          <p:nvPr/>
-        </p:nvCxnSpPr>
-        <p:spPr>
-          <a:xfrm flipH="1">
-            <a:off x="8907472" y="1712482"/>
-            <a:ext cx="19076" cy="1681355"/>
-          </a:xfrm>
-          <a:prstGeom prst="line">
-            <a:avLst/>
-          </a:prstGeom>
-          <a:ln w="25400">
-            <a:solidFill>
-              <a:srgbClr val="FF0000"/>
-            </a:solidFill>
-          </a:ln>
-        </p:spPr>
-        <p:style>
-          <a:lnRef idx="1">
-            <a:schemeClr val="accent1"/>
-          </a:lnRef>
-          <a:fillRef idx="0">
-            <a:schemeClr val="accent1"/>
-          </a:fillRef>
-          <a:effectRef idx="0">
-            <a:schemeClr val="accent1"/>
-          </a:effectRef>
-          <a:fontRef idx="minor">
-            <a:schemeClr val="tx1"/>
-          </a:fontRef>
-        </p:style>
-      </p:cxnSp>
-      <p:cxnSp>
-        <p:nvCxnSpPr>
-          <p:cNvPr id="28" name="直線コネクタ 27">
-            <a:extLst>
-              <a:ext uri="{FF2B5EF4-FFF2-40B4-BE49-F238E27FC236}">
-                <a16:creationId xmlns:a16="http://schemas.microsoft.com/office/drawing/2014/main" id="{B7729BA3-8685-B008-1676-7CC9C4E01775}"/>
-              </a:ext>
-            </a:extLst>
-          </p:cNvPr>
-          <p:cNvCxnSpPr>
-            <a:cxnSpLocks/>
-          </p:cNvCxnSpPr>
-          <p:nvPr/>
-        </p:nvCxnSpPr>
-        <p:spPr>
-          <a:xfrm flipV="1">
-            <a:off x="4725649" y="1700783"/>
-            <a:ext cx="4200899" cy="774"/>
-          </a:xfrm>
-          <a:prstGeom prst="line">
-            <a:avLst/>
-          </a:prstGeom>
-          <a:ln w="25400">
-            <a:solidFill>
-              <a:srgbClr val="FF0000"/>
-            </a:solidFill>
-          </a:ln>
-        </p:spPr>
-        <p:style>
-          <a:lnRef idx="1">
-            <a:schemeClr val="accent1"/>
-          </a:lnRef>
-          <a:fillRef idx="0">
-            <a:schemeClr val="accent1"/>
-          </a:fillRef>
-          <a:effectRef idx="0">
-            <a:schemeClr val="accent1"/>
-          </a:effectRef>
-          <a:fontRef idx="minor">
-            <a:schemeClr val="tx1"/>
-          </a:fontRef>
-        </p:style>
-      </p:cxnSp>
-      <p:cxnSp>
-        <p:nvCxnSpPr>
-          <p:cNvPr id="29" name="直線コネクタ 28">
-            <a:extLst>
-              <a:ext uri="{FF2B5EF4-FFF2-40B4-BE49-F238E27FC236}">
-                <a16:creationId xmlns:a16="http://schemas.microsoft.com/office/drawing/2014/main" id="{7402C8E8-E016-1E87-D86D-ACA46DF1B673}"/>
-              </a:ext>
-            </a:extLst>
-          </p:cNvPr>
-          <p:cNvCxnSpPr>
-            <a:cxnSpLocks/>
-          </p:cNvCxnSpPr>
-          <p:nvPr/>
-        </p:nvCxnSpPr>
-        <p:spPr>
-          <a:xfrm flipV="1">
-            <a:off x="734640" y="3400012"/>
-            <a:ext cx="8182370" cy="11891"/>
-          </a:xfrm>
-          <a:prstGeom prst="line">
-            <a:avLst/>
-          </a:prstGeom>
-          <a:ln w="25400">
-            <a:solidFill>
-              <a:srgbClr val="FF0000"/>
-            </a:solidFill>
-          </a:ln>
-        </p:spPr>
-        <p:style>
-          <a:lnRef idx="1">
-            <a:schemeClr val="accent1"/>
-          </a:lnRef>
-          <a:fillRef idx="0">
-            <a:schemeClr val="accent1"/>
-          </a:fillRef>
-          <a:effectRef idx="0">
-            <a:schemeClr val="accent1"/>
-          </a:effectRef>
-          <a:fontRef idx="minor">
-            <a:schemeClr val="tx1"/>
-          </a:fontRef>
-        </p:style>
-      </p:cxnSp>
-      <p:cxnSp>
-        <p:nvCxnSpPr>
-          <p:cNvPr id="30" name="直線コネクタ 29">
-            <a:extLst>
-              <a:ext uri="{FF2B5EF4-FFF2-40B4-BE49-F238E27FC236}">
-                <a16:creationId xmlns:a16="http://schemas.microsoft.com/office/drawing/2014/main" id="{FEA58335-7CA6-D027-EB18-DE84B69A62AE}"/>
-              </a:ext>
-            </a:extLst>
-          </p:cNvPr>
-          <p:cNvCxnSpPr>
-            <a:cxnSpLocks/>
-          </p:cNvCxnSpPr>
-          <p:nvPr/>
-        </p:nvCxnSpPr>
-        <p:spPr>
-          <a:xfrm flipH="1">
-            <a:off x="723495" y="2838758"/>
-            <a:ext cx="4002154" cy="0"/>
-          </a:xfrm>
-          <a:prstGeom prst="line">
-            <a:avLst/>
-          </a:prstGeom>
-          <a:ln w="25400">
-            <a:solidFill>
-              <a:srgbClr val="FF0000"/>
-            </a:solidFill>
-          </a:ln>
-        </p:spPr>
-        <p:style>
-          <a:lnRef idx="1">
-            <a:schemeClr val="accent1"/>
-          </a:lnRef>
-          <a:fillRef idx="0">
-            <a:schemeClr val="accent1"/>
-          </a:fillRef>
-          <a:effectRef idx="0">
-            <a:schemeClr val="accent1"/>
-          </a:effectRef>
-          <a:fontRef idx="minor">
-            <a:schemeClr val="tx1"/>
-          </a:fontRef>
-        </p:style>
-      </p:cxnSp>
-      <p:cxnSp>
-        <p:nvCxnSpPr>
-          <p:cNvPr id="31" name="直線コネクタ 30">
-            <a:extLst>
-              <a:ext uri="{FF2B5EF4-FFF2-40B4-BE49-F238E27FC236}">
-                <a16:creationId xmlns:a16="http://schemas.microsoft.com/office/drawing/2014/main" id="{B6291CC3-924B-493A-0FBF-887D811F7943}"/>
-              </a:ext>
-            </a:extLst>
-          </p:cNvPr>
-          <p:cNvCxnSpPr>
-            <a:cxnSpLocks/>
-          </p:cNvCxnSpPr>
-          <p:nvPr/>
-        </p:nvCxnSpPr>
-        <p:spPr>
-          <a:xfrm>
-            <a:off x="734640" y="2838354"/>
-            <a:ext cx="0" cy="590646"/>
-          </a:xfrm>
-          <a:prstGeom prst="line">
-            <a:avLst/>
-          </a:prstGeom>
-          <a:ln w="25400">
-            <a:solidFill>
-              <a:srgbClr val="FF0000"/>
-            </a:solidFill>
-          </a:ln>
-        </p:spPr>
-        <p:style>
-          <a:lnRef idx="1">
-            <a:schemeClr val="accent1"/>
-          </a:lnRef>
-          <a:fillRef idx="0">
-            <a:schemeClr val="accent1"/>
-          </a:fillRef>
-          <a:effectRef idx="0">
-            <a:schemeClr val="accent1"/>
-          </a:effectRef>
-          <a:fontRef idx="minor">
-            <a:schemeClr val="tx1"/>
-          </a:fontRef>
-        </p:style>
-      </p:cxnSp>
-      <p:sp>
-        <p:nvSpPr>
-          <p:cNvPr id="32" name="四角形: 角を丸くする 31">
-            <a:extLst>
-              <a:ext uri="{FF2B5EF4-FFF2-40B4-BE49-F238E27FC236}">
-                <a16:creationId xmlns:a16="http://schemas.microsoft.com/office/drawing/2014/main" id="{1D13D2B3-DAB6-8F2A-C5B6-060862C543C1}"/>
+        <p:txBody>
+          <a:bodyPr rtlCol="0" anchor="ctr"/>
+          <a:lstStyle/>
+          <a:p>
+            <a:pPr algn="ctr"/>
+            <a:endParaRPr kumimoji="1" lang="ja-JP" altLang="en-US" sz="1200" dirty="0"/>
+          </a:p>
+        </p:txBody>
+      </p:sp>
+      <p:sp>
+        <p:nvSpPr>
+          <p:cNvPr id="42" name="四角形: 角を丸くする 41">
+            <a:extLst>
+              <a:ext uri="{FF2B5EF4-FFF2-40B4-BE49-F238E27FC236}">
+                <a16:creationId xmlns:a16="http://schemas.microsoft.com/office/drawing/2014/main" id="{4BCBCA1C-5411-3BB8-FEB6-0ADDCABFF3C3}"/>
               </a:ext>
             </a:extLst>
           </p:cNvPr>
@@ -5095,16 +5762,16 @@
         </p:nvSpPr>
         <p:spPr>
           <a:xfrm>
-            <a:off x="6176476" y="2955693"/>
-            <a:ext cx="1248842" cy="346556"/>
+            <a:off x="1842043" y="3727412"/>
+            <a:ext cx="903999" cy="346556"/>
           </a:xfrm>
           <a:prstGeom prst="roundRect">
             <a:avLst/>
           </a:prstGeom>
           <a:solidFill>
             <a:schemeClr val="accent2">
-              <a:lumMod val="40000"/>
-              <a:lumOff val="60000"/>
+              <a:lumMod val="20000"/>
+              <a:lumOff val="80000"/>
             </a:schemeClr>
           </a:solidFill>
           <a:ln>
@@ -5134,14 +5801,6 @@
           <a:lstStyle/>
           <a:p>
             <a:pPr algn="ctr"/>
-            <a:r>
-              <a:rPr lang="ja-JP" altLang="en-US" sz="1200" dirty="0">
-                <a:solidFill>
-                  <a:schemeClr val="tx1"/>
-                </a:solidFill>
-              </a:rPr>
-              <a:t>学習済みモデル</a:t>
-            </a:r>
             <a:endParaRPr kumimoji="1" lang="ja-JP" altLang="en-US" sz="1200" dirty="0">
               <a:solidFill>
                 <a:schemeClr val="tx1"/>
@@ -5150,55 +5809,92 @@
           </a:p>
         </p:txBody>
       </p:sp>
-      <p:cxnSp>
-        <p:nvCxnSpPr>
-          <p:cNvPr id="33" name="直線矢印コネクタ 32">
-            <a:extLst>
-              <a:ext uri="{FF2B5EF4-FFF2-40B4-BE49-F238E27FC236}">
-                <a16:creationId xmlns:a16="http://schemas.microsoft.com/office/drawing/2014/main" id="{938AD116-397C-7716-CD15-3F7EC56177FD}"/>
-              </a:ext>
-            </a:extLst>
-          </p:cNvPr>
-          <p:cNvCxnSpPr>
-            <a:cxnSpLocks/>
-            <a:stCxn id="32" idx="1"/>
-            <a:endCxn id="9" idx="3"/>
-          </p:cNvCxnSpPr>
+      <p:sp>
+        <p:nvSpPr>
+          <p:cNvPr id="43" name="テキスト ボックス 42">
+            <a:extLst>
+              <a:ext uri="{FF2B5EF4-FFF2-40B4-BE49-F238E27FC236}">
+                <a16:creationId xmlns:a16="http://schemas.microsoft.com/office/drawing/2014/main" id="{19780BF8-CA9A-5339-9A81-BA694D5BC643}"/>
+              </a:ext>
+            </a:extLst>
+          </p:cNvPr>
+          <p:cNvSpPr txBox="1"/>
           <p:nvPr/>
-        </p:nvCxnSpPr>
-        <p:spPr>
-          <a:xfrm flipH="1">
-            <a:off x="5785943" y="3128971"/>
-            <a:ext cx="390533" cy="1476"/>
-          </a:xfrm>
-          <a:prstGeom prst="straightConnector1">
+        </p:nvSpPr>
+        <p:spPr>
+          <a:xfrm>
+            <a:off x="892788" y="3799037"/>
+            <a:ext cx="1000595" cy="276999"/>
+          </a:xfrm>
+          <a:prstGeom prst="rect">
             <a:avLst/>
           </a:prstGeom>
-          <a:ln>
-            <a:tailEnd type="triangle"/>
-          </a:ln>
-        </p:spPr>
-        <p:style>
-          <a:lnRef idx="1">
-            <a:schemeClr val="dk1"/>
-          </a:lnRef>
-          <a:fillRef idx="0">
-            <a:schemeClr val="dk1"/>
-          </a:fillRef>
-          <a:effectRef idx="0">
-            <a:schemeClr val="dk1"/>
-          </a:effectRef>
-          <a:fontRef idx="minor">
-            <a:schemeClr val="tx1"/>
-          </a:fontRef>
-        </p:style>
-      </p:cxnSp>
-      <p:sp>
-        <p:nvSpPr>
-          <p:cNvPr id="34" name="四角形: 角を丸くする 33">
-            <a:extLst>
-              <a:ext uri="{FF2B5EF4-FFF2-40B4-BE49-F238E27FC236}">
-                <a16:creationId xmlns:a16="http://schemas.microsoft.com/office/drawing/2014/main" id="{BE0C2BF1-6D8B-C168-C284-31DAF1E9E0D8}"/>
+          <a:noFill/>
+        </p:spPr>
+        <p:txBody>
+          <a:bodyPr wrap="none" rtlCol="0">
+            <a:spAutoFit/>
+          </a:bodyPr>
+          <a:lstStyle/>
+          <a:p>
+            <a:r>
+              <a:rPr lang="ja-JP" altLang="en-US" sz="1200" b="1" dirty="0"/>
+              <a:t>中間データ</a:t>
+            </a:r>
+            <a:r>
+              <a:rPr lang="en-US" altLang="ja-JP" sz="1200" b="1" dirty="0"/>
+              <a:t>:</a:t>
+            </a:r>
+            <a:endParaRPr kumimoji="1" lang="ja-JP" altLang="en-US" sz="1200" b="1" dirty="0"/>
+          </a:p>
+        </p:txBody>
+      </p:sp>
+      <p:sp>
+        <p:nvSpPr>
+          <p:cNvPr id="44" name="テキスト ボックス 43">
+            <a:extLst>
+              <a:ext uri="{FF2B5EF4-FFF2-40B4-BE49-F238E27FC236}">
+                <a16:creationId xmlns:a16="http://schemas.microsoft.com/office/drawing/2014/main" id="{6F0F1B90-A66D-BC04-025B-39278A01AD88}"/>
+              </a:ext>
+            </a:extLst>
+          </p:cNvPr>
+          <p:cNvSpPr txBox="1"/>
+          <p:nvPr/>
+        </p:nvSpPr>
+        <p:spPr>
+          <a:xfrm>
+            <a:off x="2734841" y="3793426"/>
+            <a:ext cx="692818" cy="276999"/>
+          </a:xfrm>
+          <a:prstGeom prst="rect">
+            <a:avLst/>
+          </a:prstGeom>
+          <a:noFill/>
+        </p:spPr>
+        <p:txBody>
+          <a:bodyPr wrap="none" rtlCol="0">
+            <a:spAutoFit/>
+          </a:bodyPr>
+          <a:lstStyle/>
+          <a:p>
+            <a:r>
+              <a:rPr lang="ja-JP" altLang="en-US" sz="1200" b="1" dirty="0"/>
+              <a:t>処理部</a:t>
+            </a:r>
+            <a:r>
+              <a:rPr lang="en-US" altLang="ja-JP" sz="1200" b="1" dirty="0"/>
+              <a:t>:</a:t>
+            </a:r>
+            <a:endParaRPr kumimoji="1" lang="ja-JP" altLang="en-US" sz="1200" b="1" dirty="0"/>
+          </a:p>
+        </p:txBody>
+      </p:sp>
+      <p:sp>
+        <p:nvSpPr>
+          <p:cNvPr id="45" name="四角形: 角を丸くする 44">
+            <a:extLst>
+              <a:ext uri="{FF2B5EF4-FFF2-40B4-BE49-F238E27FC236}">
+                <a16:creationId xmlns:a16="http://schemas.microsoft.com/office/drawing/2014/main" id="{37294751-C779-2DE3-D38B-18C08F106451}"/>
               </a:ext>
             </a:extLst>
           </p:cNvPr>
@@ -5207,21 +5903,23 @@
         </p:nvSpPr>
         <p:spPr>
           <a:xfrm>
-            <a:off x="7791989" y="2955693"/>
-            <a:ext cx="1002019" cy="346556"/>
+            <a:off x="4814718" y="2190581"/>
+            <a:ext cx="1019130" cy="471396"/>
           </a:xfrm>
           <a:prstGeom prst="roundRect">
             <a:avLst/>
           </a:prstGeom>
           <a:solidFill>
-            <a:schemeClr val="accent1">
-              <a:lumMod val="20000"/>
-              <a:lumOff val="80000"/>
+            <a:schemeClr val="accent5">
+              <a:lumMod val="60000"/>
+              <a:lumOff val="40000"/>
             </a:schemeClr>
           </a:solidFill>
-          <a:ln>
+          <a:ln w="38100">
             <a:solidFill>
-              <a:schemeClr val="tx1"/>
+              <a:schemeClr val="accent1">
+                <a:lumMod val="75000"/>
+              </a:schemeClr>
             </a:solidFill>
           </a:ln>
         </p:spPr>
@@ -5246,31 +5944,29 @@
             <a:pPr algn="ctr"/>
             <a:r>
               <a:rPr kumimoji="1" lang="ja-JP" altLang="en-US" sz="1200" dirty="0"/>
-              <a:t>機械学習部</a:t>
+              <a:t>概念レベル算出部</a:t>
             </a:r>
           </a:p>
         </p:txBody>
       </p:sp>
       <p:cxnSp>
         <p:nvCxnSpPr>
-          <p:cNvPr id="35" name="直線矢印コネクタ 34">
-            <a:extLst>
-              <a:ext uri="{FF2B5EF4-FFF2-40B4-BE49-F238E27FC236}">
-                <a16:creationId xmlns:a16="http://schemas.microsoft.com/office/drawing/2014/main" id="{DF7789F5-39CB-6F06-5D3B-F0DCC3036831}"/>
+          <p:cNvPr id="63" name="直線矢印コネクタ 62">
+            <a:extLst>
+              <a:ext uri="{FF2B5EF4-FFF2-40B4-BE49-F238E27FC236}">
+                <a16:creationId xmlns:a16="http://schemas.microsoft.com/office/drawing/2014/main" id="{2AE2B16A-D727-58F4-F09C-C56BC5614C2F}"/>
               </a:ext>
             </a:extLst>
           </p:cNvPr>
           <p:cNvCxnSpPr>
             <a:cxnSpLocks/>
-            <a:stCxn id="34" idx="1"/>
-            <a:endCxn id="32" idx="3"/>
           </p:cNvCxnSpPr>
           <p:nvPr/>
         </p:nvCxnSpPr>
         <p:spPr>
           <a:xfrm flipH="1">
-            <a:off x="7425318" y="3128971"/>
-            <a:ext cx="366671" cy="0"/>
+            <a:off x="5445295" y="1630294"/>
+            <a:ext cx="1" cy="568126"/>
           </a:xfrm>
           <a:prstGeom prst="straightConnector1">
             <a:avLst/>
@@ -5294,12 +5990,313 @@
           </a:fontRef>
         </p:style>
       </p:cxnSp>
-      <p:sp>
-        <p:nvSpPr>
-          <p:cNvPr id="36" name="四角形: 角を丸くする 35">
-            <a:extLst>
-              <a:ext uri="{FF2B5EF4-FFF2-40B4-BE49-F238E27FC236}">
-                <a16:creationId xmlns:a16="http://schemas.microsoft.com/office/drawing/2014/main" id="{8D898C8B-15D5-3619-A72C-4CC1AD7E2909}"/>
+      <p:cxnSp>
+        <p:nvCxnSpPr>
+          <p:cNvPr id="170" name="直線矢印コネクタ 169">
+            <a:extLst>
+              <a:ext uri="{FF2B5EF4-FFF2-40B4-BE49-F238E27FC236}">
+                <a16:creationId xmlns:a16="http://schemas.microsoft.com/office/drawing/2014/main" id="{E64CCC9B-C1C1-EE5B-F531-5C2877FAEA25}"/>
+              </a:ext>
+            </a:extLst>
+          </p:cNvPr>
+          <p:cNvCxnSpPr>
+            <a:cxnSpLocks/>
+          </p:cNvCxnSpPr>
+          <p:nvPr/>
+        </p:nvCxnSpPr>
+        <p:spPr>
+          <a:xfrm flipV="1">
+            <a:off x="5172601" y="1601636"/>
+            <a:ext cx="0" cy="588945"/>
+          </a:xfrm>
+          <a:prstGeom prst="straightConnector1">
+            <a:avLst/>
+          </a:prstGeom>
+          <a:ln>
+            <a:tailEnd type="triangle"/>
+          </a:ln>
+        </p:spPr>
+        <p:style>
+          <a:lnRef idx="1">
+            <a:schemeClr val="dk1"/>
+          </a:lnRef>
+          <a:fillRef idx="0">
+            <a:schemeClr val="dk1"/>
+          </a:fillRef>
+          <a:effectRef idx="0">
+            <a:schemeClr val="dk1"/>
+          </a:effectRef>
+          <a:fontRef idx="minor">
+            <a:schemeClr val="tx1"/>
+          </a:fontRef>
+        </p:style>
+      </p:cxnSp>
+      <p:cxnSp>
+        <p:nvCxnSpPr>
+          <p:cNvPr id="174" name="直線矢印コネクタ 173">
+            <a:extLst>
+              <a:ext uri="{FF2B5EF4-FFF2-40B4-BE49-F238E27FC236}">
+                <a16:creationId xmlns:a16="http://schemas.microsoft.com/office/drawing/2014/main" id="{A1C5ED82-C1BE-5DA9-070D-83A0F66E0015}"/>
+              </a:ext>
+            </a:extLst>
+          </p:cNvPr>
+          <p:cNvCxnSpPr>
+            <a:cxnSpLocks/>
+          </p:cNvCxnSpPr>
+          <p:nvPr/>
+        </p:nvCxnSpPr>
+        <p:spPr>
+          <a:xfrm>
+            <a:off x="5476973" y="2667786"/>
+            <a:ext cx="0" cy="509047"/>
+          </a:xfrm>
+          <a:prstGeom prst="straightConnector1">
+            <a:avLst/>
+          </a:prstGeom>
+          <a:ln>
+            <a:tailEnd type="triangle"/>
+          </a:ln>
+        </p:spPr>
+        <p:style>
+          <a:lnRef idx="1">
+            <a:schemeClr val="dk1"/>
+          </a:lnRef>
+          <a:fillRef idx="0">
+            <a:schemeClr val="dk1"/>
+          </a:fillRef>
+          <a:effectRef idx="0">
+            <a:schemeClr val="dk1"/>
+          </a:effectRef>
+          <a:fontRef idx="minor">
+            <a:schemeClr val="tx1"/>
+          </a:fontRef>
+        </p:style>
+      </p:cxnSp>
+      <p:cxnSp>
+        <p:nvCxnSpPr>
+          <p:cNvPr id="175" name="直線矢印コネクタ 174">
+            <a:extLst>
+              <a:ext uri="{FF2B5EF4-FFF2-40B4-BE49-F238E27FC236}">
+                <a16:creationId xmlns:a16="http://schemas.microsoft.com/office/drawing/2014/main" id="{5A33BB5A-02E2-A0C2-DB1E-D84BE57DEE6E}"/>
+              </a:ext>
+            </a:extLst>
+          </p:cNvPr>
+          <p:cNvCxnSpPr>
+            <a:cxnSpLocks/>
+          </p:cNvCxnSpPr>
+          <p:nvPr/>
+        </p:nvCxnSpPr>
+        <p:spPr>
+          <a:xfrm flipH="1" flipV="1">
+            <a:off x="5165889" y="2658359"/>
+            <a:ext cx="15815" cy="518474"/>
+          </a:xfrm>
+          <a:prstGeom prst="straightConnector1">
+            <a:avLst/>
+          </a:prstGeom>
+          <a:ln>
+            <a:tailEnd type="triangle"/>
+          </a:ln>
+        </p:spPr>
+        <p:style>
+          <a:lnRef idx="1">
+            <a:schemeClr val="dk1"/>
+          </a:lnRef>
+          <a:fillRef idx="0">
+            <a:schemeClr val="dk1"/>
+          </a:fillRef>
+          <a:effectRef idx="0">
+            <a:schemeClr val="dk1"/>
+          </a:effectRef>
+          <a:fontRef idx="minor">
+            <a:schemeClr val="tx1"/>
+          </a:fontRef>
+        </p:style>
+      </p:cxnSp>
+      <p:sp>
+        <p:nvSpPr>
+          <p:cNvPr id="182" name="テキスト ボックス 181">
+            <a:extLst>
+              <a:ext uri="{FF2B5EF4-FFF2-40B4-BE49-F238E27FC236}">
+                <a16:creationId xmlns:a16="http://schemas.microsoft.com/office/drawing/2014/main" id="{45E4B4A2-72F4-CD50-AD28-20E28B53699B}"/>
+              </a:ext>
+            </a:extLst>
+          </p:cNvPr>
+          <p:cNvSpPr txBox="1"/>
+          <p:nvPr/>
+        </p:nvSpPr>
+        <p:spPr>
+          <a:xfrm>
+            <a:off x="5383811" y="1788372"/>
+            <a:ext cx="639919" cy="276999"/>
+          </a:xfrm>
+          <a:prstGeom prst="rect">
+            <a:avLst/>
+          </a:prstGeom>
+          <a:noFill/>
+        </p:spPr>
+        <p:txBody>
+          <a:bodyPr wrap="none" rtlCol="0">
+            <a:spAutoFit/>
+          </a:bodyPr>
+          <a:lstStyle/>
+          <a:p>
+            <a:r>
+              <a:rPr kumimoji="1" lang="en-US" altLang="ja-JP" sz="1200" b="1" dirty="0"/>
+              <a:t>“</a:t>
+            </a:r>
+            <a:r>
+              <a:rPr kumimoji="1" lang="ja-JP" altLang="en-US" sz="1200" b="1" dirty="0"/>
+              <a:t>単語</a:t>
+            </a:r>
+            <a:r>
+              <a:rPr kumimoji="1" lang="en-US" altLang="ja-JP" sz="1200" b="1" dirty="0"/>
+              <a:t>”</a:t>
+            </a:r>
+            <a:endParaRPr kumimoji="1" lang="ja-JP" altLang="en-US" sz="1200" b="1" dirty="0"/>
+          </a:p>
+        </p:txBody>
+      </p:sp>
+      <p:sp>
+        <p:nvSpPr>
+          <p:cNvPr id="183" name="テキスト ボックス 182">
+            <a:extLst>
+              <a:ext uri="{FF2B5EF4-FFF2-40B4-BE49-F238E27FC236}">
+                <a16:creationId xmlns:a16="http://schemas.microsoft.com/office/drawing/2014/main" id="{A5BC7963-F6FC-ACC9-1261-CD4DB3C46000}"/>
+              </a:ext>
+            </a:extLst>
+          </p:cNvPr>
+          <p:cNvSpPr txBox="1"/>
+          <p:nvPr/>
+        </p:nvSpPr>
+        <p:spPr>
+          <a:xfrm>
+            <a:off x="4568832" y="1715686"/>
+            <a:ext cx="646331" cy="461665"/>
+          </a:xfrm>
+          <a:prstGeom prst="rect">
+            <a:avLst/>
+          </a:prstGeom>
+          <a:noFill/>
+        </p:spPr>
+        <p:txBody>
+          <a:bodyPr wrap="none" rtlCol="0">
+            <a:spAutoFit/>
+          </a:bodyPr>
+          <a:lstStyle/>
+          <a:p>
+            <a:pPr algn="ctr"/>
+            <a:r>
+              <a:rPr lang="ja-JP" altLang="en-US" sz="1200" b="1" dirty="0"/>
+              <a:t>概念</a:t>
+            </a:r>
+            <a:endParaRPr lang="en-US" altLang="ja-JP" sz="1200" b="1" dirty="0"/>
+          </a:p>
+          <a:p>
+            <a:pPr algn="ctr"/>
+            <a:r>
+              <a:rPr lang="ja-JP" altLang="en-US" sz="1200" b="1" dirty="0"/>
+              <a:t>レベル</a:t>
+            </a:r>
+            <a:endParaRPr kumimoji="1" lang="ja-JP" altLang="en-US" sz="1200" b="1" dirty="0"/>
+          </a:p>
+        </p:txBody>
+      </p:sp>
+      <p:sp>
+        <p:nvSpPr>
+          <p:cNvPr id="184" name="テキスト ボックス 183">
+            <a:extLst>
+              <a:ext uri="{FF2B5EF4-FFF2-40B4-BE49-F238E27FC236}">
+                <a16:creationId xmlns:a16="http://schemas.microsoft.com/office/drawing/2014/main" id="{2E5AA3B0-56F3-32F4-85A3-6FC5B9C4C04E}"/>
+              </a:ext>
+            </a:extLst>
+          </p:cNvPr>
+          <p:cNvSpPr txBox="1"/>
+          <p:nvPr/>
+        </p:nvSpPr>
+        <p:spPr>
+          <a:xfrm>
+            <a:off x="4575244" y="2815725"/>
+            <a:ext cx="639919" cy="276999"/>
+          </a:xfrm>
+          <a:prstGeom prst="rect">
+            <a:avLst/>
+          </a:prstGeom>
+          <a:noFill/>
+        </p:spPr>
+        <p:txBody>
+          <a:bodyPr wrap="none" rtlCol="0">
+            <a:spAutoFit/>
+          </a:bodyPr>
+          <a:lstStyle/>
+          <a:p>
+            <a:r>
+              <a:rPr kumimoji="1" lang="en-US" altLang="ja-JP" sz="1200" b="1" dirty="0"/>
+              <a:t>“</a:t>
+            </a:r>
+            <a:r>
+              <a:rPr kumimoji="1" lang="ja-JP" altLang="en-US" sz="1200" b="1" dirty="0"/>
+              <a:t>単語</a:t>
+            </a:r>
+            <a:r>
+              <a:rPr kumimoji="1" lang="en-US" altLang="ja-JP" sz="1200" b="1" dirty="0"/>
+              <a:t>”</a:t>
+            </a:r>
+            <a:endParaRPr kumimoji="1" lang="ja-JP" altLang="en-US" sz="1200" b="1" dirty="0"/>
+          </a:p>
+        </p:txBody>
+      </p:sp>
+      <p:sp>
+        <p:nvSpPr>
+          <p:cNvPr id="185" name="テキスト ボックス 184">
+            <a:extLst>
+              <a:ext uri="{FF2B5EF4-FFF2-40B4-BE49-F238E27FC236}">
+                <a16:creationId xmlns:a16="http://schemas.microsoft.com/office/drawing/2014/main" id="{1F254595-0719-974F-63E8-328A83903007}"/>
+              </a:ext>
+            </a:extLst>
+          </p:cNvPr>
+          <p:cNvSpPr txBox="1"/>
+          <p:nvPr/>
+        </p:nvSpPr>
+        <p:spPr>
+          <a:xfrm>
+            <a:off x="5412252" y="2723391"/>
+            <a:ext cx="646331" cy="461665"/>
+          </a:xfrm>
+          <a:prstGeom prst="rect">
+            <a:avLst/>
+          </a:prstGeom>
+          <a:noFill/>
+        </p:spPr>
+        <p:txBody>
+          <a:bodyPr wrap="none" rtlCol="0">
+            <a:spAutoFit/>
+          </a:bodyPr>
+          <a:lstStyle/>
+          <a:p>
+            <a:pPr algn="ctr"/>
+            <a:r>
+              <a:rPr lang="ja-JP" altLang="en-US" sz="1200" b="1" dirty="0"/>
+              <a:t>概念</a:t>
+            </a:r>
+            <a:endParaRPr lang="en-US" altLang="ja-JP" sz="1200" b="1" dirty="0"/>
+          </a:p>
+          <a:p>
+            <a:pPr algn="ctr"/>
+            <a:r>
+              <a:rPr lang="ja-JP" altLang="en-US" sz="1200" b="1" dirty="0"/>
+              <a:t>レベル</a:t>
+            </a:r>
+            <a:endParaRPr kumimoji="1" lang="ja-JP" altLang="en-US" sz="1200" b="1" dirty="0"/>
+          </a:p>
+        </p:txBody>
+      </p:sp>
+      <p:sp>
+        <p:nvSpPr>
+          <p:cNvPr id="186" name="四角形: 角を丸くする 185">
+            <a:extLst>
+              <a:ext uri="{FF2B5EF4-FFF2-40B4-BE49-F238E27FC236}">
+                <a16:creationId xmlns:a16="http://schemas.microsoft.com/office/drawing/2014/main" id="{9C30A2C3-C95B-C944-9731-669B73B8CAA4}"/>
               </a:ext>
             </a:extLst>
           </p:cNvPr>
@@ -5308,13 +6305,113 @@
         </p:nvSpPr>
         <p:spPr>
           <a:xfrm>
-            <a:off x="7791988" y="1765135"/>
-            <a:ext cx="1002019" cy="346556"/>
+            <a:off x="3208537" y="4189490"/>
+            <a:ext cx="902695" cy="352578"/>
           </a:xfrm>
           <a:prstGeom prst="roundRect">
             <a:avLst/>
           </a:prstGeom>
+          <a:solidFill>
+            <a:schemeClr val="accent5">
+              <a:lumMod val="60000"/>
+              <a:lumOff val="40000"/>
+            </a:schemeClr>
+          </a:solidFill>
+          <a:ln>
+            <a:solidFill>
+              <a:schemeClr val="tx1"/>
+            </a:solidFill>
+          </a:ln>
+        </p:spPr>
+        <p:style>
+          <a:lnRef idx="2">
+            <a:schemeClr val="accent6"/>
+          </a:lnRef>
+          <a:fillRef idx="1">
+            <a:schemeClr val="lt1"/>
+          </a:fillRef>
+          <a:effectRef idx="0">
+            <a:schemeClr val="accent6"/>
+          </a:effectRef>
+          <a:fontRef idx="minor">
+            <a:schemeClr val="dk1"/>
+          </a:fontRef>
+        </p:style>
+        <p:txBody>
+          <a:bodyPr rtlCol="0" anchor="ctr"/>
+          <a:lstStyle/>
+          <a:p>
+            <a:pPr algn="ctr"/>
+            <a:endParaRPr kumimoji="1" lang="ja-JP" altLang="en-US" sz="1200" dirty="0"/>
+          </a:p>
+        </p:txBody>
+      </p:sp>
+      <p:sp>
+        <p:nvSpPr>
+          <p:cNvPr id="187" name="テキスト ボックス 186">
+            <a:extLst>
+              <a:ext uri="{FF2B5EF4-FFF2-40B4-BE49-F238E27FC236}">
+                <a16:creationId xmlns:a16="http://schemas.microsoft.com/office/drawing/2014/main" id="{5E984F43-E453-386A-1B41-2ACADC72E35F}"/>
+              </a:ext>
+            </a:extLst>
+          </p:cNvPr>
+          <p:cNvSpPr txBox="1"/>
+          <p:nvPr/>
+        </p:nvSpPr>
+        <p:spPr>
+          <a:xfrm>
+            <a:off x="889108" y="4228236"/>
+            <a:ext cx="2385589" cy="276999"/>
+          </a:xfrm>
+          <a:prstGeom prst="rect">
+            <a:avLst/>
+          </a:prstGeom>
           <a:noFill/>
+        </p:spPr>
+        <p:txBody>
+          <a:bodyPr wrap="none" rtlCol="0">
+            <a:spAutoFit/>
+          </a:bodyPr>
+          <a:lstStyle/>
+          <a:p>
+            <a:r>
+              <a:rPr lang="ja-JP" altLang="en-US" sz="1200" b="1" dirty="0"/>
+              <a:t>既存手法から改良を行う処理部</a:t>
+            </a:r>
+            <a:r>
+              <a:rPr lang="en-US" altLang="ja-JP" sz="1200" b="1" dirty="0"/>
+              <a:t>:</a:t>
+            </a:r>
+            <a:endParaRPr kumimoji="1" lang="ja-JP" altLang="en-US" sz="1200" b="1" dirty="0"/>
+          </a:p>
+        </p:txBody>
+      </p:sp>
+      <p:sp>
+        <p:nvSpPr>
+          <p:cNvPr id="188" name="四角形: 角を丸くする 187">
+            <a:extLst>
+              <a:ext uri="{FF2B5EF4-FFF2-40B4-BE49-F238E27FC236}">
+                <a16:creationId xmlns:a16="http://schemas.microsoft.com/office/drawing/2014/main" id="{950CE76C-59D1-7734-AB10-2FFC0BEDE5F8}"/>
+              </a:ext>
+            </a:extLst>
+          </p:cNvPr>
+          <p:cNvSpPr/>
+          <p:nvPr/>
+        </p:nvSpPr>
+        <p:spPr>
+          <a:xfrm>
+            <a:off x="7019739" y="3734142"/>
+            <a:ext cx="897120" cy="332112"/>
+          </a:xfrm>
+          <a:prstGeom prst="roundRect">
+            <a:avLst/>
+          </a:prstGeom>
+          <a:solidFill>
+            <a:schemeClr val="accent2">
+              <a:lumMod val="60000"/>
+              <a:lumOff val="40000"/>
+            </a:schemeClr>
+          </a:solidFill>
           <a:ln>
             <a:solidFill>
               <a:schemeClr val="tx1"/>
@@ -5342,14 +6439,6 @@
           <a:lstStyle/>
           <a:p>
             <a:pPr algn="ctr"/>
-            <a:r>
-              <a:rPr lang="ja-JP" altLang="en-US" sz="1200" dirty="0">
-                <a:solidFill>
-                  <a:schemeClr val="tx1"/>
-                </a:solidFill>
-              </a:rPr>
-              <a:t>教師データ</a:t>
-            </a:r>
             <a:endParaRPr kumimoji="1" lang="ja-JP" altLang="en-US" sz="1200" dirty="0">
               <a:solidFill>
                 <a:schemeClr val="tx1"/>
@@ -5358,55 +6447,12 @@
           </a:p>
         </p:txBody>
       </p:sp>
-      <p:cxnSp>
-        <p:nvCxnSpPr>
-          <p:cNvPr id="37" name="直線矢印コネクタ 36">
-            <a:extLst>
-              <a:ext uri="{FF2B5EF4-FFF2-40B4-BE49-F238E27FC236}">
-                <a16:creationId xmlns:a16="http://schemas.microsoft.com/office/drawing/2014/main" id="{2E15EBD9-127A-7BC0-8AF3-D5002289316F}"/>
-              </a:ext>
-            </a:extLst>
-          </p:cNvPr>
-          <p:cNvCxnSpPr>
-            <a:cxnSpLocks/>
-            <a:stCxn id="36" idx="2"/>
-            <a:endCxn id="34" idx="0"/>
-          </p:cNvCxnSpPr>
-          <p:nvPr/>
-        </p:nvCxnSpPr>
-        <p:spPr>
-          <a:xfrm>
-            <a:off x="8292998" y="2111691"/>
-            <a:ext cx="1" cy="844002"/>
-          </a:xfrm>
-          <a:prstGeom prst="straightConnector1">
-            <a:avLst/>
-          </a:prstGeom>
-          <a:ln>
-            <a:tailEnd type="triangle"/>
-          </a:ln>
-        </p:spPr>
-        <p:style>
-          <a:lnRef idx="1">
-            <a:schemeClr val="dk1"/>
-          </a:lnRef>
-          <a:fillRef idx="0">
-            <a:schemeClr val="dk1"/>
-          </a:fillRef>
-          <a:effectRef idx="0">
-            <a:schemeClr val="dk1"/>
-          </a:effectRef>
-          <a:fontRef idx="minor">
-            <a:schemeClr val="tx1"/>
-          </a:fontRef>
-        </p:style>
-      </p:cxnSp>
-      <p:sp>
-        <p:nvSpPr>
-          <p:cNvPr id="38" name="テキスト ボックス 37">
-            <a:extLst>
-              <a:ext uri="{FF2B5EF4-FFF2-40B4-BE49-F238E27FC236}">
-                <a16:creationId xmlns:a16="http://schemas.microsoft.com/office/drawing/2014/main" id="{69355B2F-A054-EE79-9322-B6845D608C71}"/>
+      <p:sp>
+        <p:nvSpPr>
+          <p:cNvPr id="189" name="テキスト ボックス 188">
+            <a:extLst>
+              <a:ext uri="{FF2B5EF4-FFF2-40B4-BE49-F238E27FC236}">
+                <a16:creationId xmlns:a16="http://schemas.microsoft.com/office/drawing/2014/main" id="{9D6ECD2B-DE84-7893-549A-2D7E9543A09C}"/>
               </a:ext>
             </a:extLst>
           </p:cNvPr>
@@ -5415,8 +6461,8 @@
         </p:nvSpPr>
         <p:spPr>
           <a:xfrm>
-            <a:off x="1009415" y="1488136"/>
-            <a:ext cx="492443" cy="276999"/>
+            <a:off x="4374699" y="3742323"/>
+            <a:ext cx="2693366" cy="276999"/>
           </a:xfrm>
           <a:prstGeom prst="rect">
             <a:avLst/>
@@ -5430,43 +6476,12 @@
           <a:lstStyle/>
           <a:p>
             <a:r>
-              <a:rPr kumimoji="1" lang="ja-JP" altLang="en-US" sz="1200" b="1" dirty="0"/>
-              <a:t>入力</a:t>
-            </a:r>
-          </a:p>
-        </p:txBody>
-      </p:sp>
-      <p:sp>
-        <p:nvSpPr>
-          <p:cNvPr id="39" name="テキスト ボックス 38">
-            <a:extLst>
-              <a:ext uri="{FF2B5EF4-FFF2-40B4-BE49-F238E27FC236}">
-                <a16:creationId xmlns:a16="http://schemas.microsoft.com/office/drawing/2014/main" id="{47F16F1A-C3C1-CEAB-3AAF-6CA482F22D76}"/>
-              </a:ext>
-            </a:extLst>
-          </p:cNvPr>
-          <p:cNvSpPr txBox="1"/>
-          <p:nvPr/>
-        </p:nvSpPr>
-        <p:spPr>
-          <a:xfrm>
-            <a:off x="1030767" y="2595098"/>
-            <a:ext cx="492443" cy="276999"/>
-          </a:xfrm>
-          <a:prstGeom prst="rect">
-            <a:avLst/>
-          </a:prstGeom>
-          <a:noFill/>
-        </p:spPr>
-        <p:txBody>
-          <a:bodyPr wrap="none" rtlCol="0">
-            <a:spAutoFit/>
-          </a:bodyPr>
-          <a:lstStyle/>
-          <a:p>
-            <a:r>
               <a:rPr lang="ja-JP" altLang="en-US" sz="1200" b="1" dirty="0"/>
-              <a:t>出力</a:t>
+              <a:t>既存手法から改良を行う中間データ</a:t>
+            </a:r>
+            <a:r>
+              <a:rPr lang="en-US" altLang="ja-JP" sz="1200" b="1" dirty="0"/>
+              <a:t>:</a:t>
             </a:r>
             <a:endParaRPr kumimoji="1" lang="ja-JP" altLang="en-US" sz="1200" b="1" dirty="0"/>
           </a:p>
@@ -5474,45 +6489,10 @@
       </p:sp>
       <p:sp>
         <p:nvSpPr>
-          <p:cNvPr id="40" name="テキスト ボックス 39">
-            <a:extLst>
-              <a:ext uri="{FF2B5EF4-FFF2-40B4-BE49-F238E27FC236}">
-                <a16:creationId xmlns:a16="http://schemas.microsoft.com/office/drawing/2014/main" id="{681359B5-25A2-7FC0-7821-E64341B68416}"/>
-              </a:ext>
-            </a:extLst>
-          </p:cNvPr>
-          <p:cNvSpPr txBox="1"/>
-          <p:nvPr/>
-        </p:nvSpPr>
-        <p:spPr>
-          <a:xfrm>
-            <a:off x="7747059" y="2125664"/>
-            <a:ext cx="492443" cy="276999"/>
-          </a:xfrm>
-          <a:prstGeom prst="rect">
-            <a:avLst/>
-          </a:prstGeom>
-          <a:noFill/>
-        </p:spPr>
-        <p:txBody>
-          <a:bodyPr wrap="none" rtlCol="0">
-            <a:spAutoFit/>
-          </a:bodyPr>
-          <a:lstStyle/>
-          <a:p>
-            <a:r>
-              <a:rPr kumimoji="1" lang="ja-JP" altLang="en-US" sz="1200" b="1" dirty="0"/>
-              <a:t>入力</a:t>
-            </a:r>
-          </a:p>
-        </p:txBody>
-      </p:sp>
-      <p:sp>
-        <p:nvSpPr>
-          <p:cNvPr id="41" name="四角形: 角を丸くする 40">
-            <a:extLst>
-              <a:ext uri="{FF2B5EF4-FFF2-40B4-BE49-F238E27FC236}">
-                <a16:creationId xmlns:a16="http://schemas.microsoft.com/office/drawing/2014/main" id="{529D57A5-0F58-B9FD-2A0D-34ABCD4036EB}"/>
+          <p:cNvPr id="190" name="四角形: 角を丸くする 189">
+            <a:extLst>
+              <a:ext uri="{FF2B5EF4-FFF2-40B4-BE49-F238E27FC236}">
+                <a16:creationId xmlns:a16="http://schemas.microsoft.com/office/drawing/2014/main" id="{5CF6D42C-7F85-0E6C-1E95-9BD7D408295D}"/>
               </a:ext>
             </a:extLst>
           </p:cNvPr>
@@ -5521,21 +6501,23 @@
         </p:nvSpPr>
         <p:spPr>
           <a:xfrm>
-            <a:off x="9965208" y="3047281"/>
-            <a:ext cx="902695" cy="346556"/>
+            <a:off x="7028788" y="4175254"/>
+            <a:ext cx="902695" cy="352578"/>
           </a:xfrm>
           <a:prstGeom prst="roundRect">
             <a:avLst/>
           </a:prstGeom>
           <a:solidFill>
-            <a:schemeClr val="accent1">
-              <a:lumMod val="20000"/>
-              <a:lumOff val="80000"/>
+            <a:schemeClr val="accent5">
+              <a:lumMod val="60000"/>
+              <a:lumOff val="40000"/>
             </a:schemeClr>
           </a:solidFill>
-          <a:ln>
+          <a:ln w="38100">
             <a:solidFill>
-              <a:schemeClr val="tx1"/>
+              <a:schemeClr val="accent1">
+                <a:lumMod val="75000"/>
+              </a:schemeClr>
             </a:solidFill>
           </a:ln>
         </p:spPr>
@@ -5564,71 +6546,10 @@
       </p:sp>
       <p:sp>
         <p:nvSpPr>
-          <p:cNvPr id="42" name="四角形: 角を丸くする 41">
-            <a:extLst>
-              <a:ext uri="{FF2B5EF4-FFF2-40B4-BE49-F238E27FC236}">
-                <a16:creationId xmlns:a16="http://schemas.microsoft.com/office/drawing/2014/main" id="{4BCBCA1C-5411-3BB8-FEB6-0ADDCABFF3C3}"/>
-              </a:ext>
-            </a:extLst>
-          </p:cNvPr>
-          <p:cNvSpPr/>
-          <p:nvPr/>
-        </p:nvSpPr>
-        <p:spPr>
-          <a:xfrm>
-            <a:off x="9963904" y="2421820"/>
-            <a:ext cx="903999" cy="346556"/>
-          </a:xfrm>
-          <a:prstGeom prst="roundRect">
-            <a:avLst/>
-          </a:prstGeom>
-          <a:solidFill>
-            <a:schemeClr val="accent2">
-              <a:lumMod val="40000"/>
-              <a:lumOff val="60000"/>
-            </a:schemeClr>
-          </a:solidFill>
-          <a:ln>
-            <a:solidFill>
-              <a:schemeClr val="tx1"/>
-            </a:solidFill>
-          </a:ln>
-        </p:spPr>
-        <p:style>
-          <a:lnRef idx="2">
-            <a:schemeClr val="accent1">
-              <a:shade val="50000"/>
-            </a:schemeClr>
-          </a:lnRef>
-          <a:fillRef idx="1">
-            <a:schemeClr val="accent1"/>
-          </a:fillRef>
-          <a:effectRef idx="0">
-            <a:schemeClr val="accent1"/>
-          </a:effectRef>
-          <a:fontRef idx="minor">
-            <a:schemeClr val="lt1"/>
-          </a:fontRef>
-        </p:style>
-        <p:txBody>
-          <a:bodyPr lIns="36000" tIns="36000" rIns="36000" bIns="36000" rtlCol="0" anchor="ctr"/>
-          <a:lstStyle/>
-          <a:p>
-            <a:pPr algn="ctr"/>
-            <a:endParaRPr kumimoji="1" lang="ja-JP" altLang="en-US" sz="1200" dirty="0">
-              <a:solidFill>
-                <a:schemeClr val="tx1"/>
-              </a:solidFill>
-            </a:endParaRPr>
-          </a:p>
-        </p:txBody>
-      </p:sp>
-      <p:sp>
-        <p:nvSpPr>
-          <p:cNvPr id="43" name="テキスト ボックス 42">
-            <a:extLst>
-              <a:ext uri="{FF2B5EF4-FFF2-40B4-BE49-F238E27FC236}">
-                <a16:creationId xmlns:a16="http://schemas.microsoft.com/office/drawing/2014/main" id="{19780BF8-CA9A-5339-9A81-BA694D5BC643}"/>
+          <p:cNvPr id="191" name="テキスト ボックス 190">
+            <a:extLst>
+              <a:ext uri="{FF2B5EF4-FFF2-40B4-BE49-F238E27FC236}">
+                <a16:creationId xmlns:a16="http://schemas.microsoft.com/office/drawing/2014/main" id="{C629D79B-EED2-0E51-74D7-DE5B40710E47}"/>
               </a:ext>
             </a:extLst>
           </p:cNvPr>
@@ -5637,8 +6558,8 @@
         </p:nvSpPr>
         <p:spPr>
           <a:xfrm>
-            <a:off x="9014649" y="2493445"/>
-            <a:ext cx="1000595" cy="276999"/>
+            <a:off x="4374699" y="4228236"/>
+            <a:ext cx="2693366" cy="276999"/>
           </a:xfrm>
           <a:prstGeom prst="rect">
             <a:avLst/>
@@ -5653,47 +6574,7 @@
           <a:p>
             <a:r>
               <a:rPr lang="ja-JP" altLang="en-US" sz="1200" b="1" dirty="0"/>
-              <a:t>中間データ</a:t>
-            </a:r>
-            <a:r>
-              <a:rPr lang="en-US" altLang="ja-JP" sz="1200" b="1" dirty="0"/>
-              <a:t>:</a:t>
-            </a:r>
-            <a:endParaRPr kumimoji="1" lang="ja-JP" altLang="en-US" sz="1200" b="1" dirty="0"/>
-          </a:p>
-        </p:txBody>
-      </p:sp>
-      <p:sp>
-        <p:nvSpPr>
-          <p:cNvPr id="44" name="テキスト ボックス 43">
-            <a:extLst>
-              <a:ext uri="{FF2B5EF4-FFF2-40B4-BE49-F238E27FC236}">
-                <a16:creationId xmlns:a16="http://schemas.microsoft.com/office/drawing/2014/main" id="{6F0F1B90-A66D-BC04-025B-39278A01AD88}"/>
-              </a:ext>
-            </a:extLst>
-          </p:cNvPr>
-          <p:cNvSpPr txBox="1"/>
-          <p:nvPr/>
-        </p:nvSpPr>
-        <p:spPr>
-          <a:xfrm>
-            <a:off x="9300421" y="3116838"/>
-            <a:ext cx="692818" cy="276999"/>
-          </a:xfrm>
-          <a:prstGeom prst="rect">
-            <a:avLst/>
-          </a:prstGeom>
-          <a:noFill/>
-        </p:spPr>
-        <p:txBody>
-          <a:bodyPr wrap="none" rtlCol="0">
-            <a:spAutoFit/>
-          </a:bodyPr>
-          <a:lstStyle/>
-          <a:p>
-            <a:r>
-              <a:rPr lang="ja-JP" altLang="en-US" sz="1200" b="1" dirty="0"/>
-              <a:t>処理部</a:t>
+              <a:t>既存手法から新たに追加する処理部</a:t>
             </a:r>
             <a:r>
               <a:rPr lang="en-US" altLang="ja-JP" sz="1200" b="1" dirty="0"/>
@@ -7667,6 +8548,2743 @@
     <p:extLst>
       <p:ext uri="{BB962C8B-B14F-4D97-AF65-F5344CB8AC3E}">
         <p14:creationId xmlns:p14="http://schemas.microsoft.com/office/powerpoint/2010/main" val="3993705232"/>
+      </p:ext>
+    </p:extLst>
+  </p:cSld>
+  <p:clrMapOvr>
+    <a:masterClrMapping/>
+  </p:clrMapOvr>
+</p:sld>
+</file>
+
+<file path=ppt/slides/slide3.xml><?xml version="1.0" encoding="utf-8"?>
+<p:sld xmlns:a="http://schemas.openxmlformats.org/drawingml/2006/main" xmlns:r="http://schemas.openxmlformats.org/officeDocument/2006/relationships" xmlns:p="http://schemas.openxmlformats.org/presentationml/2006/main">
+  <p:cSld>
+    <p:spTree>
+      <p:nvGrpSpPr>
+        <p:cNvPr id="1" name=""/>
+        <p:cNvGrpSpPr/>
+        <p:nvPr/>
+      </p:nvGrpSpPr>
+      <p:grpSpPr>
+        <a:xfrm>
+          <a:off x="0" y="0"/>
+          <a:ext cx="0" cy="0"/>
+          <a:chOff x="0" y="0"/>
+          <a:chExt cx="0" cy="0"/>
+        </a:xfrm>
+      </p:grpSpPr>
+      <p:pic>
+        <p:nvPicPr>
+          <p:cNvPr id="3" name="図 2" descr="ダイアグラム, 概略図&#10;&#10;自動的に生成された説明">
+            <a:extLst>
+              <a:ext uri="{FF2B5EF4-FFF2-40B4-BE49-F238E27FC236}">
+                <a16:creationId xmlns:a16="http://schemas.microsoft.com/office/drawing/2014/main" id="{B5404938-653A-2E80-158D-5FC2695A1A1C}"/>
+              </a:ext>
+            </a:extLst>
+          </p:cNvPr>
+          <p:cNvPicPr>
+            <a:picLocks noChangeAspect="1"/>
+          </p:cNvPicPr>
+          <p:nvPr/>
+        </p:nvPicPr>
+        <p:blipFill>
+          <a:blip r:embed="rId2">
+            <a:extLst>
+              <a:ext uri="{28A0092B-C50C-407E-A947-70E740481C1C}">
+                <a14:useLocalDpi xmlns:a14="http://schemas.microsoft.com/office/drawing/2010/main" val="0"/>
+              </a:ext>
+            </a:extLst>
+          </a:blip>
+          <a:stretch>
+            <a:fillRect/>
+          </a:stretch>
+        </p:blipFill>
+        <p:spPr>
+          <a:xfrm>
+            <a:off x="0" y="1205612"/>
+            <a:ext cx="12192000" cy="3358204"/>
+          </a:xfrm>
+          <a:prstGeom prst="rect">
+            <a:avLst/>
+          </a:prstGeom>
+        </p:spPr>
+      </p:pic>
+    </p:spTree>
+    <p:extLst>
+      <p:ext uri="{BB962C8B-B14F-4D97-AF65-F5344CB8AC3E}">
+        <p14:creationId xmlns:p14="http://schemas.microsoft.com/office/powerpoint/2010/main" val="4212791728"/>
+      </p:ext>
+    </p:extLst>
+  </p:cSld>
+  <p:clrMapOvr>
+    <a:masterClrMapping/>
+  </p:clrMapOvr>
+</p:sld>
+</file>
+
+<file path=ppt/slides/slide4.xml><?xml version="1.0" encoding="utf-8"?>
+<p:sld xmlns:a="http://schemas.openxmlformats.org/drawingml/2006/main" xmlns:r="http://schemas.openxmlformats.org/officeDocument/2006/relationships" xmlns:p="http://schemas.openxmlformats.org/presentationml/2006/main">
+  <p:cSld>
+    <p:spTree>
+      <p:nvGrpSpPr>
+        <p:cNvPr id="1" name=""/>
+        <p:cNvGrpSpPr/>
+        <p:nvPr/>
+      </p:nvGrpSpPr>
+      <p:grpSpPr>
+        <a:xfrm>
+          <a:off x="0" y="0"/>
+          <a:ext cx="0" cy="0"/>
+          <a:chOff x="0" y="0"/>
+          <a:chExt cx="0" cy="0"/>
+        </a:xfrm>
+      </p:grpSpPr>
+      <p:sp>
+        <p:nvSpPr>
+          <p:cNvPr id="2" name="正方形/長方形 1">
+            <a:extLst>
+              <a:ext uri="{FF2B5EF4-FFF2-40B4-BE49-F238E27FC236}">
+                <a16:creationId xmlns:a16="http://schemas.microsoft.com/office/drawing/2014/main" id="{31819C1B-24D3-A15E-65A7-885DBB04FF1E}"/>
+              </a:ext>
+            </a:extLst>
+          </p:cNvPr>
+          <p:cNvSpPr/>
+          <p:nvPr/>
+        </p:nvSpPr>
+        <p:spPr>
+          <a:xfrm>
+            <a:off x="3981450" y="1099502"/>
+            <a:ext cx="3057526" cy="3167404"/>
+          </a:xfrm>
+          <a:prstGeom prst="rect">
+            <a:avLst/>
+          </a:prstGeom>
+          <a:solidFill>
+            <a:srgbClr val="DDFFEB"/>
+          </a:solidFill>
+          <a:ln>
+            <a:solidFill>
+              <a:srgbClr val="47A1D9"/>
+            </a:solidFill>
+          </a:ln>
+        </p:spPr>
+        <p:style>
+          <a:lnRef idx="2">
+            <a:schemeClr val="accent1">
+              <a:shade val="50000"/>
+            </a:schemeClr>
+          </a:lnRef>
+          <a:fillRef idx="1">
+            <a:schemeClr val="accent1"/>
+          </a:fillRef>
+          <a:effectRef idx="0">
+            <a:schemeClr val="accent1"/>
+          </a:effectRef>
+          <a:fontRef idx="minor">
+            <a:schemeClr val="lt1"/>
+          </a:fontRef>
+        </p:style>
+        <p:txBody>
+          <a:bodyPr rtlCol="0" anchor="t" anchorCtr="0"/>
+          <a:lstStyle/>
+          <a:p>
+            <a:pPr algn="ctr"/>
+            <a:r>
+              <a:rPr lang="ja-JP" altLang="en-US" sz="1400" b="1" dirty="0">
+                <a:solidFill>
+                  <a:schemeClr val="tx1"/>
+                </a:solidFill>
+              </a:rPr>
+              <a:t>概念レベル算出部</a:t>
+            </a:r>
+            <a:endParaRPr kumimoji="1" lang="ja-JP" altLang="en-US" sz="1400" b="1" dirty="0">
+              <a:solidFill>
+                <a:schemeClr val="tx1"/>
+              </a:solidFill>
+            </a:endParaRPr>
+          </a:p>
+        </p:txBody>
+      </p:sp>
+      <p:sp>
+        <p:nvSpPr>
+          <p:cNvPr id="3" name="四角形: 角を丸くする 2">
+            <a:extLst>
+              <a:ext uri="{FF2B5EF4-FFF2-40B4-BE49-F238E27FC236}">
+                <a16:creationId xmlns:a16="http://schemas.microsoft.com/office/drawing/2014/main" id="{4FF399CF-6BA3-1EE3-7E07-D8BFB475A89B}"/>
+              </a:ext>
+            </a:extLst>
+          </p:cNvPr>
+          <p:cNvSpPr/>
+          <p:nvPr/>
+        </p:nvSpPr>
+        <p:spPr>
+          <a:xfrm>
+            <a:off x="4403963" y="3357931"/>
+            <a:ext cx="1025515" cy="471396"/>
+          </a:xfrm>
+          <a:prstGeom prst="roundRect">
+            <a:avLst/>
+          </a:prstGeom>
+          <a:solidFill>
+            <a:schemeClr val="accent1">
+              <a:lumMod val="20000"/>
+              <a:lumOff val="80000"/>
+            </a:schemeClr>
+          </a:solidFill>
+          <a:ln>
+            <a:solidFill>
+              <a:schemeClr val="tx1"/>
+            </a:solidFill>
+          </a:ln>
+        </p:spPr>
+        <p:style>
+          <a:lnRef idx="2">
+            <a:schemeClr val="accent6"/>
+          </a:lnRef>
+          <a:fillRef idx="1">
+            <a:schemeClr val="lt1"/>
+          </a:fillRef>
+          <a:effectRef idx="0">
+            <a:schemeClr val="accent6"/>
+          </a:effectRef>
+          <a:fontRef idx="minor">
+            <a:schemeClr val="dk1"/>
+          </a:fontRef>
+        </p:style>
+        <p:txBody>
+          <a:bodyPr rtlCol="0" anchor="ctr"/>
+          <a:lstStyle/>
+          <a:p>
+            <a:pPr algn="ctr"/>
+            <a:r>
+              <a:rPr kumimoji="1" lang="ja-JP" altLang="en-US" sz="1200" dirty="0"/>
+              <a:t>下位概念</a:t>
+            </a:r>
+            <a:endParaRPr kumimoji="1" lang="en-US" altLang="ja-JP" sz="1200" dirty="0"/>
+          </a:p>
+          <a:p>
+            <a:pPr algn="ctr"/>
+            <a:r>
+              <a:rPr kumimoji="1" lang="ja-JP" altLang="en-US" sz="1200" dirty="0"/>
+              <a:t>検索処理</a:t>
+            </a:r>
+          </a:p>
+        </p:txBody>
+      </p:sp>
+      <p:sp>
+        <p:nvSpPr>
+          <p:cNvPr id="4" name="四角形: 角を丸くする 3">
+            <a:extLst>
+              <a:ext uri="{FF2B5EF4-FFF2-40B4-BE49-F238E27FC236}">
+                <a16:creationId xmlns:a16="http://schemas.microsoft.com/office/drawing/2014/main" id="{A52EE660-3B40-58DB-9510-5C9943CD9B2B}"/>
+              </a:ext>
+            </a:extLst>
+          </p:cNvPr>
+          <p:cNvSpPr/>
+          <p:nvPr/>
+        </p:nvSpPr>
+        <p:spPr>
+          <a:xfrm>
+            <a:off x="4403965" y="1673793"/>
+            <a:ext cx="1025515" cy="471396"/>
+          </a:xfrm>
+          <a:prstGeom prst="roundRect">
+            <a:avLst/>
+          </a:prstGeom>
+          <a:solidFill>
+            <a:schemeClr val="accent1">
+              <a:lumMod val="20000"/>
+              <a:lumOff val="80000"/>
+            </a:schemeClr>
+          </a:solidFill>
+          <a:ln>
+            <a:solidFill>
+              <a:schemeClr val="tx1"/>
+            </a:solidFill>
+          </a:ln>
+        </p:spPr>
+        <p:style>
+          <a:lnRef idx="2">
+            <a:schemeClr val="accent6"/>
+          </a:lnRef>
+          <a:fillRef idx="1">
+            <a:schemeClr val="lt1"/>
+          </a:fillRef>
+          <a:effectRef idx="0">
+            <a:schemeClr val="accent6"/>
+          </a:effectRef>
+          <a:fontRef idx="minor">
+            <a:schemeClr val="dk1"/>
+          </a:fontRef>
+        </p:style>
+        <p:txBody>
+          <a:bodyPr rtlCol="0" anchor="ctr"/>
+          <a:lstStyle/>
+          <a:p>
+            <a:pPr algn="ctr"/>
+            <a:r>
+              <a:rPr kumimoji="1" lang="ja-JP" altLang="en-US" sz="1200" dirty="0"/>
+              <a:t>同義語</a:t>
+            </a:r>
+            <a:endParaRPr kumimoji="1" lang="en-US" altLang="ja-JP" sz="1200" dirty="0"/>
+          </a:p>
+          <a:p>
+            <a:pPr algn="ctr"/>
+            <a:r>
+              <a:rPr kumimoji="1" lang="ja-JP" altLang="en-US" sz="1200" dirty="0"/>
+              <a:t>検索処理</a:t>
+            </a:r>
+          </a:p>
+        </p:txBody>
+      </p:sp>
+      <p:cxnSp>
+        <p:nvCxnSpPr>
+          <p:cNvPr id="5" name="直線矢印コネクタ 4">
+            <a:extLst>
+              <a:ext uri="{FF2B5EF4-FFF2-40B4-BE49-F238E27FC236}">
+                <a16:creationId xmlns:a16="http://schemas.microsoft.com/office/drawing/2014/main" id="{75113566-5945-79E4-2E0C-D6FF824BC759}"/>
+              </a:ext>
+            </a:extLst>
+          </p:cNvPr>
+          <p:cNvCxnSpPr>
+            <a:cxnSpLocks/>
+            <a:stCxn id="9" idx="2"/>
+            <a:endCxn id="3" idx="0"/>
+          </p:cNvCxnSpPr>
+          <p:nvPr/>
+        </p:nvCxnSpPr>
+        <p:spPr>
+          <a:xfrm>
+            <a:off x="4916721" y="2966856"/>
+            <a:ext cx="0" cy="391075"/>
+          </a:xfrm>
+          <a:prstGeom prst="straightConnector1">
+            <a:avLst/>
+          </a:prstGeom>
+          <a:ln>
+            <a:tailEnd type="triangle"/>
+          </a:ln>
+        </p:spPr>
+        <p:style>
+          <a:lnRef idx="1">
+            <a:schemeClr val="dk1"/>
+          </a:lnRef>
+          <a:fillRef idx="0">
+            <a:schemeClr val="dk1"/>
+          </a:fillRef>
+          <a:effectRef idx="0">
+            <a:schemeClr val="dk1"/>
+          </a:effectRef>
+          <a:fontRef idx="minor">
+            <a:schemeClr val="tx1"/>
+          </a:fontRef>
+        </p:style>
+      </p:cxnSp>
+      <p:sp>
+        <p:nvSpPr>
+          <p:cNvPr id="9" name="四角形: 角を丸くする 8">
+            <a:extLst>
+              <a:ext uri="{FF2B5EF4-FFF2-40B4-BE49-F238E27FC236}">
+                <a16:creationId xmlns:a16="http://schemas.microsoft.com/office/drawing/2014/main" id="{C55D4930-9F3D-D6DA-9892-BBE156E1ED39}"/>
+              </a:ext>
+            </a:extLst>
+          </p:cNvPr>
+          <p:cNvSpPr/>
+          <p:nvPr/>
+        </p:nvSpPr>
+        <p:spPr>
+          <a:xfrm>
+            <a:off x="4589562" y="2536263"/>
+            <a:ext cx="654317" cy="430593"/>
+          </a:xfrm>
+          <a:prstGeom prst="roundRect">
+            <a:avLst/>
+          </a:prstGeom>
+          <a:solidFill>
+            <a:schemeClr val="accent2">
+              <a:lumMod val="40000"/>
+              <a:lumOff val="60000"/>
+            </a:schemeClr>
+          </a:solidFill>
+          <a:ln>
+            <a:solidFill>
+              <a:schemeClr val="tx1"/>
+            </a:solidFill>
+          </a:ln>
+        </p:spPr>
+        <p:style>
+          <a:lnRef idx="2">
+            <a:schemeClr val="accent1">
+              <a:shade val="50000"/>
+            </a:schemeClr>
+          </a:lnRef>
+          <a:fillRef idx="1">
+            <a:schemeClr val="accent1"/>
+          </a:fillRef>
+          <a:effectRef idx="0">
+            <a:schemeClr val="accent1"/>
+          </a:effectRef>
+          <a:fontRef idx="minor">
+            <a:schemeClr val="lt1"/>
+          </a:fontRef>
+        </p:style>
+        <p:txBody>
+          <a:bodyPr lIns="36000" tIns="36000" rIns="36000" bIns="36000" rtlCol="0" anchor="ctr"/>
+          <a:lstStyle/>
+          <a:p>
+            <a:pPr algn="ctr"/>
+            <a:r>
+              <a:rPr lang="ja-JP" altLang="en-US" sz="1200" dirty="0">
+                <a:solidFill>
+                  <a:schemeClr val="tx1"/>
+                </a:solidFill>
+              </a:rPr>
+              <a:t>同義語</a:t>
+            </a:r>
+            <a:endParaRPr lang="en-US" altLang="ja-JP" sz="1200" dirty="0">
+              <a:solidFill>
+                <a:schemeClr val="tx1"/>
+              </a:solidFill>
+            </a:endParaRPr>
+          </a:p>
+          <a:p>
+            <a:pPr algn="ctr"/>
+            <a:r>
+              <a:rPr lang="ja-JP" altLang="en-US" sz="1200" dirty="0">
+                <a:solidFill>
+                  <a:schemeClr val="tx1"/>
+                </a:solidFill>
+              </a:rPr>
+              <a:t>リスト</a:t>
+            </a:r>
+            <a:endParaRPr kumimoji="1" lang="ja-JP" altLang="en-US" sz="1200" dirty="0">
+              <a:solidFill>
+                <a:schemeClr val="tx1"/>
+              </a:solidFill>
+            </a:endParaRPr>
+          </a:p>
+        </p:txBody>
+      </p:sp>
+      <p:cxnSp>
+        <p:nvCxnSpPr>
+          <p:cNvPr id="14" name="直線矢印コネクタ 13">
+            <a:extLst>
+              <a:ext uri="{FF2B5EF4-FFF2-40B4-BE49-F238E27FC236}">
+                <a16:creationId xmlns:a16="http://schemas.microsoft.com/office/drawing/2014/main" id="{C8BD8FE0-77D0-61A7-462A-6ECA54AE47F7}"/>
+              </a:ext>
+            </a:extLst>
+          </p:cNvPr>
+          <p:cNvCxnSpPr>
+            <a:cxnSpLocks/>
+            <a:stCxn id="4" idx="2"/>
+            <a:endCxn id="9" idx="0"/>
+          </p:cNvCxnSpPr>
+          <p:nvPr/>
+        </p:nvCxnSpPr>
+        <p:spPr>
+          <a:xfrm flipH="1">
+            <a:off x="4916721" y="2145189"/>
+            <a:ext cx="2" cy="391074"/>
+          </a:xfrm>
+          <a:prstGeom prst="straightConnector1">
+            <a:avLst/>
+          </a:prstGeom>
+          <a:ln>
+            <a:tailEnd type="triangle"/>
+          </a:ln>
+        </p:spPr>
+        <p:style>
+          <a:lnRef idx="1">
+            <a:schemeClr val="dk1"/>
+          </a:lnRef>
+          <a:fillRef idx="0">
+            <a:schemeClr val="dk1"/>
+          </a:fillRef>
+          <a:effectRef idx="0">
+            <a:schemeClr val="dk1"/>
+          </a:effectRef>
+          <a:fontRef idx="minor">
+            <a:schemeClr val="tx1"/>
+          </a:fontRef>
+        </p:style>
+      </p:cxnSp>
+      <p:cxnSp>
+        <p:nvCxnSpPr>
+          <p:cNvPr id="23" name="コネクタ: カギ線 22">
+            <a:extLst>
+              <a:ext uri="{FF2B5EF4-FFF2-40B4-BE49-F238E27FC236}">
+                <a16:creationId xmlns:a16="http://schemas.microsoft.com/office/drawing/2014/main" id="{CFDBE7B5-8B26-6326-C971-F56ED4797409}"/>
+              </a:ext>
+            </a:extLst>
+          </p:cNvPr>
+          <p:cNvCxnSpPr>
+            <a:cxnSpLocks/>
+            <a:stCxn id="3" idx="2"/>
+            <a:endCxn id="24" idx="2"/>
+          </p:cNvCxnSpPr>
+          <p:nvPr/>
+        </p:nvCxnSpPr>
+        <p:spPr>
+          <a:xfrm rot="5400000" flipH="1" flipV="1">
+            <a:off x="5674033" y="3049187"/>
+            <a:ext cx="22828" cy="1537452"/>
+          </a:xfrm>
+          <a:prstGeom prst="bentConnector3">
+            <a:avLst>
+              <a:gd name="adj1" fmla="val -1001402"/>
+            </a:avLst>
+          </a:prstGeom>
+          <a:ln>
+            <a:tailEnd type="triangle"/>
+          </a:ln>
+        </p:spPr>
+        <p:style>
+          <a:lnRef idx="1">
+            <a:schemeClr val="dk1"/>
+          </a:lnRef>
+          <a:fillRef idx="0">
+            <a:schemeClr val="dk1"/>
+          </a:fillRef>
+          <a:effectRef idx="0">
+            <a:schemeClr val="dk1"/>
+          </a:effectRef>
+          <a:fontRef idx="minor">
+            <a:schemeClr val="tx1"/>
+          </a:fontRef>
+        </p:style>
+      </p:cxnSp>
+      <p:sp>
+        <p:nvSpPr>
+          <p:cNvPr id="24" name="四角形: 角を丸くする 23">
+            <a:extLst>
+              <a:ext uri="{FF2B5EF4-FFF2-40B4-BE49-F238E27FC236}">
+                <a16:creationId xmlns:a16="http://schemas.microsoft.com/office/drawing/2014/main" id="{C28CB430-0F87-F6F8-A53A-E5905B2CDCEE}"/>
+              </a:ext>
+            </a:extLst>
+          </p:cNvPr>
+          <p:cNvSpPr/>
+          <p:nvPr/>
+        </p:nvSpPr>
+        <p:spPr>
+          <a:xfrm>
+            <a:off x="6086475" y="3375906"/>
+            <a:ext cx="735396" cy="430593"/>
+          </a:xfrm>
+          <a:prstGeom prst="roundRect">
+            <a:avLst/>
+          </a:prstGeom>
+          <a:solidFill>
+            <a:schemeClr val="accent2">
+              <a:lumMod val="40000"/>
+              <a:lumOff val="60000"/>
+            </a:schemeClr>
+          </a:solidFill>
+          <a:ln>
+            <a:solidFill>
+              <a:schemeClr val="tx1"/>
+            </a:solidFill>
+          </a:ln>
+        </p:spPr>
+        <p:style>
+          <a:lnRef idx="2">
+            <a:schemeClr val="accent1">
+              <a:shade val="50000"/>
+            </a:schemeClr>
+          </a:lnRef>
+          <a:fillRef idx="1">
+            <a:schemeClr val="accent1"/>
+          </a:fillRef>
+          <a:effectRef idx="0">
+            <a:schemeClr val="accent1"/>
+          </a:effectRef>
+          <a:fontRef idx="minor">
+            <a:schemeClr val="lt1"/>
+          </a:fontRef>
+        </p:style>
+        <p:txBody>
+          <a:bodyPr lIns="36000" tIns="36000" rIns="36000" bIns="36000" rtlCol="0" anchor="ctr"/>
+          <a:lstStyle/>
+          <a:p>
+            <a:pPr algn="ctr"/>
+            <a:r>
+              <a:rPr kumimoji="1" lang="ja-JP" altLang="en-US" sz="1200" dirty="0">
+                <a:solidFill>
+                  <a:schemeClr val="tx1"/>
+                </a:solidFill>
+              </a:rPr>
+              <a:t>下位概念</a:t>
+            </a:r>
+            <a:endParaRPr kumimoji="1" lang="en-US" altLang="ja-JP" sz="1200" dirty="0">
+              <a:solidFill>
+                <a:schemeClr val="tx1"/>
+              </a:solidFill>
+            </a:endParaRPr>
+          </a:p>
+          <a:p>
+            <a:pPr algn="ctr"/>
+            <a:r>
+              <a:rPr kumimoji="1" lang="ja-JP" altLang="en-US" sz="1200" dirty="0">
+                <a:solidFill>
+                  <a:schemeClr val="tx1"/>
+                </a:solidFill>
+              </a:rPr>
+              <a:t>リスト</a:t>
+            </a:r>
+          </a:p>
+        </p:txBody>
+      </p:sp>
+      <p:cxnSp>
+        <p:nvCxnSpPr>
+          <p:cNvPr id="29" name="直線矢印コネクタ 28">
+            <a:extLst>
+              <a:ext uri="{FF2B5EF4-FFF2-40B4-BE49-F238E27FC236}">
+                <a16:creationId xmlns:a16="http://schemas.microsoft.com/office/drawing/2014/main" id="{3A4582F7-BC49-4FB0-BBEA-91DF15FC01DB}"/>
+              </a:ext>
+            </a:extLst>
+          </p:cNvPr>
+          <p:cNvCxnSpPr>
+            <a:cxnSpLocks/>
+            <a:stCxn id="24" idx="1"/>
+            <a:endCxn id="3" idx="3"/>
+          </p:cNvCxnSpPr>
+          <p:nvPr/>
+        </p:nvCxnSpPr>
+        <p:spPr>
+          <a:xfrm flipH="1">
+            <a:off x="5429478" y="3591203"/>
+            <a:ext cx="656997" cy="2426"/>
+          </a:xfrm>
+          <a:prstGeom prst="straightConnector1">
+            <a:avLst/>
+          </a:prstGeom>
+          <a:ln>
+            <a:tailEnd type="triangle"/>
+          </a:ln>
+        </p:spPr>
+        <p:style>
+          <a:lnRef idx="1">
+            <a:schemeClr val="dk1"/>
+          </a:lnRef>
+          <a:fillRef idx="0">
+            <a:schemeClr val="dk1"/>
+          </a:fillRef>
+          <a:effectRef idx="0">
+            <a:schemeClr val="dk1"/>
+          </a:effectRef>
+          <a:fontRef idx="minor">
+            <a:schemeClr val="tx1"/>
+          </a:fontRef>
+        </p:style>
+      </p:cxnSp>
+    </p:spTree>
+    <p:extLst>
+      <p:ext uri="{BB962C8B-B14F-4D97-AF65-F5344CB8AC3E}">
+        <p14:creationId xmlns:p14="http://schemas.microsoft.com/office/powerpoint/2010/main" val="1900616002"/>
+      </p:ext>
+    </p:extLst>
+  </p:cSld>
+  <p:clrMapOvr>
+    <a:masterClrMapping/>
+  </p:clrMapOvr>
+</p:sld>
+</file>
+
+<file path=ppt/slides/slide5.xml><?xml version="1.0" encoding="utf-8"?>
+<p:sld xmlns:a="http://schemas.openxmlformats.org/drawingml/2006/main" xmlns:r="http://schemas.openxmlformats.org/officeDocument/2006/relationships" xmlns:p="http://schemas.openxmlformats.org/presentationml/2006/main">
+  <p:cSld>
+    <p:spTree>
+      <p:nvGrpSpPr>
+        <p:cNvPr id="1" name=""/>
+        <p:cNvGrpSpPr/>
+        <p:nvPr/>
+      </p:nvGrpSpPr>
+      <p:grpSpPr>
+        <a:xfrm>
+          <a:off x="0" y="0"/>
+          <a:ext cx="0" cy="0"/>
+          <a:chOff x="0" y="0"/>
+          <a:chExt cx="0" cy="0"/>
+        </a:xfrm>
+      </p:grpSpPr>
+      <p:sp>
+        <p:nvSpPr>
+          <p:cNvPr id="2" name="楕円 1">
+            <a:extLst>
+              <a:ext uri="{FF2B5EF4-FFF2-40B4-BE49-F238E27FC236}">
+                <a16:creationId xmlns:a16="http://schemas.microsoft.com/office/drawing/2014/main" id="{3F23E6DE-B772-67CF-98BE-F19A9DF8F19B}"/>
+              </a:ext>
+            </a:extLst>
+          </p:cNvPr>
+          <p:cNvSpPr/>
+          <p:nvPr/>
+        </p:nvSpPr>
+        <p:spPr>
+          <a:xfrm>
+            <a:off x="5776912" y="561975"/>
+            <a:ext cx="638175" cy="590550"/>
+          </a:xfrm>
+          <a:prstGeom prst="ellipse">
+            <a:avLst/>
+          </a:prstGeom>
+          <a:solidFill>
+            <a:schemeClr val="bg1"/>
+          </a:solidFill>
+          <a:ln>
+            <a:solidFill>
+              <a:schemeClr val="tx1"/>
+            </a:solidFill>
+          </a:ln>
+        </p:spPr>
+        <p:style>
+          <a:lnRef idx="2">
+            <a:schemeClr val="accent1">
+              <a:shade val="50000"/>
+            </a:schemeClr>
+          </a:lnRef>
+          <a:fillRef idx="1">
+            <a:schemeClr val="accent1"/>
+          </a:fillRef>
+          <a:effectRef idx="0">
+            <a:schemeClr val="accent1"/>
+          </a:effectRef>
+          <a:fontRef idx="minor">
+            <a:schemeClr val="lt1"/>
+          </a:fontRef>
+        </p:style>
+        <p:txBody>
+          <a:bodyPr rtlCol="0" anchor="ctr"/>
+          <a:lstStyle/>
+          <a:p>
+            <a:pPr algn="ctr"/>
+            <a:r>
+              <a:rPr kumimoji="1" lang="ja-JP" altLang="en-US" sz="1050" dirty="0">
+                <a:solidFill>
+                  <a:schemeClr val="tx1"/>
+                </a:solidFill>
+              </a:rPr>
+              <a:t>入力単語</a:t>
+            </a:r>
+          </a:p>
+        </p:txBody>
+      </p:sp>
+      <p:sp>
+        <p:nvSpPr>
+          <p:cNvPr id="3" name="楕円 2">
+            <a:extLst>
+              <a:ext uri="{FF2B5EF4-FFF2-40B4-BE49-F238E27FC236}">
+                <a16:creationId xmlns:a16="http://schemas.microsoft.com/office/drawing/2014/main" id="{A06E5871-45F0-E6D5-0000-801403DCD1D3}"/>
+              </a:ext>
+            </a:extLst>
+          </p:cNvPr>
+          <p:cNvSpPr/>
+          <p:nvPr/>
+        </p:nvSpPr>
+        <p:spPr>
+          <a:xfrm>
+            <a:off x="3400422" y="1952625"/>
+            <a:ext cx="938213" cy="419100"/>
+          </a:xfrm>
+          <a:prstGeom prst="ellipse">
+            <a:avLst/>
+          </a:prstGeom>
+          <a:solidFill>
+            <a:schemeClr val="bg1"/>
+          </a:solidFill>
+          <a:ln>
+            <a:solidFill>
+              <a:schemeClr val="tx1"/>
+            </a:solidFill>
+          </a:ln>
+        </p:spPr>
+        <p:style>
+          <a:lnRef idx="2">
+            <a:schemeClr val="accent1">
+              <a:shade val="50000"/>
+            </a:schemeClr>
+          </a:lnRef>
+          <a:fillRef idx="1">
+            <a:schemeClr val="accent1"/>
+          </a:fillRef>
+          <a:effectRef idx="0">
+            <a:schemeClr val="accent1"/>
+          </a:effectRef>
+          <a:fontRef idx="minor">
+            <a:schemeClr val="lt1"/>
+          </a:fontRef>
+        </p:style>
+        <p:txBody>
+          <a:bodyPr rtlCol="0" anchor="ctr"/>
+          <a:lstStyle/>
+          <a:p>
+            <a:pPr algn="ctr"/>
+            <a:r>
+              <a:rPr lang="ja-JP" altLang="en-US" sz="1050" dirty="0">
+                <a:solidFill>
+                  <a:schemeClr val="tx1"/>
+                </a:solidFill>
+              </a:rPr>
+              <a:t>同義語</a:t>
+            </a:r>
+            <a:r>
+              <a:rPr lang="en-US" altLang="ja-JP" sz="1050" dirty="0">
+                <a:solidFill>
+                  <a:schemeClr val="tx1"/>
+                </a:solidFill>
+              </a:rPr>
+              <a:t>1</a:t>
+            </a:r>
+            <a:endParaRPr kumimoji="1" lang="ja-JP" altLang="en-US" sz="1050" dirty="0">
+              <a:solidFill>
+                <a:schemeClr val="tx1"/>
+              </a:solidFill>
+            </a:endParaRPr>
+          </a:p>
+        </p:txBody>
+      </p:sp>
+      <p:sp>
+        <p:nvSpPr>
+          <p:cNvPr id="4" name="楕円 3">
+            <a:extLst>
+              <a:ext uri="{FF2B5EF4-FFF2-40B4-BE49-F238E27FC236}">
+                <a16:creationId xmlns:a16="http://schemas.microsoft.com/office/drawing/2014/main" id="{426E8973-A467-FEE5-B24E-EE9EAB23FEE7}"/>
+              </a:ext>
+            </a:extLst>
+          </p:cNvPr>
+          <p:cNvSpPr/>
+          <p:nvPr/>
+        </p:nvSpPr>
+        <p:spPr>
+          <a:xfrm>
+            <a:off x="5626892" y="1952625"/>
+            <a:ext cx="938213" cy="419100"/>
+          </a:xfrm>
+          <a:prstGeom prst="ellipse">
+            <a:avLst/>
+          </a:prstGeom>
+          <a:solidFill>
+            <a:schemeClr val="bg1"/>
+          </a:solidFill>
+          <a:ln>
+            <a:solidFill>
+              <a:schemeClr val="tx1"/>
+            </a:solidFill>
+          </a:ln>
+        </p:spPr>
+        <p:style>
+          <a:lnRef idx="2">
+            <a:schemeClr val="accent1">
+              <a:shade val="50000"/>
+            </a:schemeClr>
+          </a:lnRef>
+          <a:fillRef idx="1">
+            <a:schemeClr val="accent1"/>
+          </a:fillRef>
+          <a:effectRef idx="0">
+            <a:schemeClr val="accent1"/>
+          </a:effectRef>
+          <a:fontRef idx="minor">
+            <a:schemeClr val="lt1"/>
+          </a:fontRef>
+        </p:style>
+        <p:txBody>
+          <a:bodyPr rtlCol="0" anchor="ctr"/>
+          <a:lstStyle/>
+          <a:p>
+            <a:pPr algn="ctr"/>
+            <a:r>
+              <a:rPr lang="ja-JP" altLang="en-US" sz="1050" dirty="0">
+                <a:solidFill>
+                  <a:schemeClr val="tx1"/>
+                </a:solidFill>
+              </a:rPr>
+              <a:t>同義語</a:t>
+            </a:r>
+            <a:r>
+              <a:rPr lang="en-US" altLang="ja-JP" sz="1050" dirty="0">
+                <a:solidFill>
+                  <a:schemeClr val="tx1"/>
+                </a:solidFill>
+              </a:rPr>
+              <a:t>2</a:t>
+            </a:r>
+            <a:endParaRPr kumimoji="1" lang="ja-JP" altLang="en-US" sz="1050" dirty="0">
+              <a:solidFill>
+                <a:schemeClr val="tx1"/>
+              </a:solidFill>
+            </a:endParaRPr>
+          </a:p>
+        </p:txBody>
+      </p:sp>
+      <p:sp>
+        <p:nvSpPr>
+          <p:cNvPr id="5" name="楕円 4">
+            <a:extLst>
+              <a:ext uri="{FF2B5EF4-FFF2-40B4-BE49-F238E27FC236}">
+                <a16:creationId xmlns:a16="http://schemas.microsoft.com/office/drawing/2014/main" id="{54DC0A73-A03A-B5BA-0EEE-DB2AD0157DDE}"/>
+              </a:ext>
+            </a:extLst>
+          </p:cNvPr>
+          <p:cNvSpPr/>
+          <p:nvPr/>
+        </p:nvSpPr>
+        <p:spPr>
+          <a:xfrm>
+            <a:off x="7853362" y="1952625"/>
+            <a:ext cx="938213" cy="419100"/>
+          </a:xfrm>
+          <a:prstGeom prst="ellipse">
+            <a:avLst/>
+          </a:prstGeom>
+          <a:solidFill>
+            <a:schemeClr val="bg1"/>
+          </a:solidFill>
+          <a:ln>
+            <a:solidFill>
+              <a:schemeClr val="tx1"/>
+            </a:solidFill>
+          </a:ln>
+        </p:spPr>
+        <p:style>
+          <a:lnRef idx="2">
+            <a:schemeClr val="accent1">
+              <a:shade val="50000"/>
+            </a:schemeClr>
+          </a:lnRef>
+          <a:fillRef idx="1">
+            <a:schemeClr val="accent1"/>
+          </a:fillRef>
+          <a:effectRef idx="0">
+            <a:schemeClr val="accent1"/>
+          </a:effectRef>
+          <a:fontRef idx="minor">
+            <a:schemeClr val="lt1"/>
+          </a:fontRef>
+        </p:style>
+        <p:txBody>
+          <a:bodyPr rtlCol="0" anchor="ctr"/>
+          <a:lstStyle/>
+          <a:p>
+            <a:pPr algn="ctr"/>
+            <a:r>
+              <a:rPr lang="ja-JP" altLang="en-US" sz="1050" dirty="0">
+                <a:solidFill>
+                  <a:schemeClr val="tx1"/>
+                </a:solidFill>
+              </a:rPr>
+              <a:t>同義語</a:t>
+            </a:r>
+            <a:r>
+              <a:rPr lang="en-US" altLang="ja-JP" sz="1050" dirty="0">
+                <a:solidFill>
+                  <a:schemeClr val="tx1"/>
+                </a:solidFill>
+              </a:rPr>
+              <a:t>3</a:t>
+            </a:r>
+            <a:endParaRPr kumimoji="1" lang="ja-JP" altLang="en-US" sz="1050" dirty="0">
+              <a:solidFill>
+                <a:schemeClr val="tx1"/>
+              </a:solidFill>
+            </a:endParaRPr>
+          </a:p>
+        </p:txBody>
+      </p:sp>
+      <p:sp>
+        <p:nvSpPr>
+          <p:cNvPr id="6" name="正方形/長方形 5">
+            <a:extLst>
+              <a:ext uri="{FF2B5EF4-FFF2-40B4-BE49-F238E27FC236}">
+                <a16:creationId xmlns:a16="http://schemas.microsoft.com/office/drawing/2014/main" id="{C71AE3DA-6A68-DC66-21B3-260241ED9030}"/>
+              </a:ext>
+            </a:extLst>
+          </p:cNvPr>
+          <p:cNvSpPr/>
+          <p:nvPr/>
+        </p:nvSpPr>
+        <p:spPr>
+          <a:xfrm>
+            <a:off x="3143250" y="1819275"/>
+            <a:ext cx="5905500" cy="704850"/>
+          </a:xfrm>
+          <a:prstGeom prst="rect">
+            <a:avLst/>
+          </a:prstGeom>
+          <a:noFill/>
+          <a:ln>
+            <a:solidFill>
+              <a:schemeClr val="tx1"/>
+            </a:solidFill>
+          </a:ln>
+        </p:spPr>
+        <p:style>
+          <a:lnRef idx="2">
+            <a:schemeClr val="accent1">
+              <a:shade val="50000"/>
+            </a:schemeClr>
+          </a:lnRef>
+          <a:fillRef idx="1">
+            <a:schemeClr val="accent1"/>
+          </a:fillRef>
+          <a:effectRef idx="0">
+            <a:schemeClr val="accent1"/>
+          </a:effectRef>
+          <a:fontRef idx="minor">
+            <a:schemeClr val="lt1"/>
+          </a:fontRef>
+        </p:style>
+        <p:txBody>
+          <a:bodyPr rtlCol="0" anchor="ctr"/>
+          <a:lstStyle/>
+          <a:p>
+            <a:pPr algn="ctr"/>
+            <a:endParaRPr kumimoji="1" lang="ja-JP" altLang="en-US"/>
+          </a:p>
+        </p:txBody>
+      </p:sp>
+      <p:sp>
+        <p:nvSpPr>
+          <p:cNvPr id="7" name="テキスト ボックス 6">
+            <a:extLst>
+              <a:ext uri="{FF2B5EF4-FFF2-40B4-BE49-F238E27FC236}">
+                <a16:creationId xmlns:a16="http://schemas.microsoft.com/office/drawing/2014/main" id="{E0ADAD6F-7E3D-6521-79C3-42E2C98A98C4}"/>
+              </a:ext>
+            </a:extLst>
+          </p:cNvPr>
+          <p:cNvSpPr txBox="1"/>
+          <p:nvPr/>
+        </p:nvSpPr>
+        <p:spPr>
+          <a:xfrm>
+            <a:off x="4860774" y="2002393"/>
+            <a:ext cx="243978" cy="369332"/>
+          </a:xfrm>
+          <a:prstGeom prst="rect">
+            <a:avLst/>
+          </a:prstGeom>
+          <a:noFill/>
+        </p:spPr>
+        <p:txBody>
+          <a:bodyPr wrap="none" rtlCol="0">
+            <a:spAutoFit/>
+          </a:bodyPr>
+          <a:lstStyle/>
+          <a:p>
+            <a:r>
+              <a:rPr kumimoji="1" lang="en-US" altLang="ja-JP" dirty="0"/>
+              <a:t>,</a:t>
+            </a:r>
+            <a:endParaRPr kumimoji="1" lang="ja-JP" altLang="en-US" dirty="0"/>
+          </a:p>
+        </p:txBody>
+      </p:sp>
+      <p:sp>
+        <p:nvSpPr>
+          <p:cNvPr id="8" name="テキスト ボックス 7">
+            <a:extLst>
+              <a:ext uri="{FF2B5EF4-FFF2-40B4-BE49-F238E27FC236}">
+                <a16:creationId xmlns:a16="http://schemas.microsoft.com/office/drawing/2014/main" id="{C3664FE6-137D-7AA1-6A4A-EBA79114EAD9}"/>
+              </a:ext>
+            </a:extLst>
+          </p:cNvPr>
+          <p:cNvSpPr txBox="1"/>
+          <p:nvPr/>
+        </p:nvSpPr>
+        <p:spPr>
+          <a:xfrm>
+            <a:off x="7087244" y="2002393"/>
+            <a:ext cx="243978" cy="369332"/>
+          </a:xfrm>
+          <a:prstGeom prst="rect">
+            <a:avLst/>
+          </a:prstGeom>
+          <a:noFill/>
+        </p:spPr>
+        <p:txBody>
+          <a:bodyPr wrap="none" rtlCol="0">
+            <a:spAutoFit/>
+          </a:bodyPr>
+          <a:lstStyle/>
+          <a:p>
+            <a:r>
+              <a:rPr kumimoji="1" lang="en-US" altLang="ja-JP" dirty="0"/>
+              <a:t>,</a:t>
+            </a:r>
+            <a:endParaRPr kumimoji="1" lang="ja-JP" altLang="en-US" dirty="0"/>
+          </a:p>
+        </p:txBody>
+      </p:sp>
+      <p:sp>
+        <p:nvSpPr>
+          <p:cNvPr id="9" name="テキスト ボックス 8">
+            <a:extLst>
+              <a:ext uri="{FF2B5EF4-FFF2-40B4-BE49-F238E27FC236}">
+                <a16:creationId xmlns:a16="http://schemas.microsoft.com/office/drawing/2014/main" id="{A8E9F36F-3C41-86C3-2C2E-2576BF4DB874}"/>
+              </a:ext>
+            </a:extLst>
+          </p:cNvPr>
+          <p:cNvSpPr txBox="1"/>
+          <p:nvPr/>
+        </p:nvSpPr>
+        <p:spPr>
+          <a:xfrm>
+            <a:off x="2135670" y="2056254"/>
+            <a:ext cx="1031051" cy="261610"/>
+          </a:xfrm>
+          <a:prstGeom prst="rect">
+            <a:avLst/>
+          </a:prstGeom>
+          <a:noFill/>
+        </p:spPr>
+        <p:txBody>
+          <a:bodyPr wrap="none" rtlCol="0">
+            <a:spAutoFit/>
+          </a:bodyPr>
+          <a:lstStyle/>
+          <a:p>
+            <a:r>
+              <a:rPr kumimoji="1" lang="ja-JP" altLang="en-US" sz="1050" dirty="0"/>
+              <a:t>同義語リスト</a:t>
+            </a:r>
+          </a:p>
+        </p:txBody>
+      </p:sp>
+      <p:cxnSp>
+        <p:nvCxnSpPr>
+          <p:cNvPr id="11" name="直線矢印コネクタ 10">
+            <a:extLst>
+              <a:ext uri="{FF2B5EF4-FFF2-40B4-BE49-F238E27FC236}">
+                <a16:creationId xmlns:a16="http://schemas.microsoft.com/office/drawing/2014/main" id="{E6916004-67C5-3C7C-2970-F7358E90A820}"/>
+              </a:ext>
+            </a:extLst>
+          </p:cNvPr>
+          <p:cNvCxnSpPr>
+            <a:cxnSpLocks/>
+            <a:stCxn id="3" idx="4"/>
+          </p:cNvCxnSpPr>
+          <p:nvPr/>
+        </p:nvCxnSpPr>
+        <p:spPr>
+          <a:xfrm flipH="1">
+            <a:off x="3865844" y="2371725"/>
+            <a:ext cx="3685" cy="664569"/>
+          </a:xfrm>
+          <a:prstGeom prst="straightConnector1">
+            <a:avLst/>
+          </a:prstGeom>
+          <a:ln>
+            <a:solidFill>
+              <a:schemeClr val="tx1"/>
+            </a:solidFill>
+            <a:tailEnd type="triangle"/>
+          </a:ln>
+        </p:spPr>
+        <p:style>
+          <a:lnRef idx="1">
+            <a:schemeClr val="accent1"/>
+          </a:lnRef>
+          <a:fillRef idx="0">
+            <a:schemeClr val="accent1"/>
+          </a:fillRef>
+          <a:effectRef idx="0">
+            <a:schemeClr val="accent1"/>
+          </a:effectRef>
+          <a:fontRef idx="minor">
+            <a:schemeClr val="tx1"/>
+          </a:fontRef>
+        </p:style>
+      </p:cxnSp>
+      <p:sp>
+        <p:nvSpPr>
+          <p:cNvPr id="13" name="正方形/長方形 12">
+            <a:extLst>
+              <a:ext uri="{FF2B5EF4-FFF2-40B4-BE49-F238E27FC236}">
+                <a16:creationId xmlns:a16="http://schemas.microsoft.com/office/drawing/2014/main" id="{DCBABD73-15BD-5CAE-1369-52E4A4EF78CD}"/>
+              </a:ext>
+            </a:extLst>
+          </p:cNvPr>
+          <p:cNvSpPr/>
+          <p:nvPr/>
+        </p:nvSpPr>
+        <p:spPr>
+          <a:xfrm>
+            <a:off x="2526454" y="3036294"/>
+            <a:ext cx="4140676" cy="704850"/>
+          </a:xfrm>
+          <a:prstGeom prst="rect">
+            <a:avLst/>
+          </a:prstGeom>
+          <a:noFill/>
+          <a:ln>
+            <a:solidFill>
+              <a:schemeClr val="tx1"/>
+            </a:solidFill>
+          </a:ln>
+        </p:spPr>
+        <p:style>
+          <a:lnRef idx="2">
+            <a:schemeClr val="accent1">
+              <a:shade val="50000"/>
+            </a:schemeClr>
+          </a:lnRef>
+          <a:fillRef idx="1">
+            <a:schemeClr val="accent1"/>
+          </a:fillRef>
+          <a:effectRef idx="0">
+            <a:schemeClr val="accent1"/>
+          </a:effectRef>
+          <a:fontRef idx="minor">
+            <a:schemeClr val="lt1"/>
+          </a:fontRef>
+        </p:style>
+        <p:txBody>
+          <a:bodyPr rtlCol="0" anchor="ctr"/>
+          <a:lstStyle/>
+          <a:p>
+            <a:pPr algn="ctr"/>
+            <a:endParaRPr kumimoji="1" lang="ja-JP" altLang="en-US"/>
+          </a:p>
+        </p:txBody>
+      </p:sp>
+      <p:sp>
+        <p:nvSpPr>
+          <p:cNvPr id="14" name="楕円 13">
+            <a:extLst>
+              <a:ext uri="{FF2B5EF4-FFF2-40B4-BE49-F238E27FC236}">
+                <a16:creationId xmlns:a16="http://schemas.microsoft.com/office/drawing/2014/main" id="{6AAC7A08-7224-95CA-D18B-8254E2FF3C67}"/>
+              </a:ext>
+            </a:extLst>
+          </p:cNvPr>
+          <p:cNvSpPr/>
+          <p:nvPr/>
+        </p:nvSpPr>
+        <p:spPr>
+          <a:xfrm>
+            <a:off x="2620878" y="3179169"/>
+            <a:ext cx="1134588" cy="419100"/>
+          </a:xfrm>
+          <a:prstGeom prst="ellipse">
+            <a:avLst/>
+          </a:prstGeom>
+          <a:solidFill>
+            <a:schemeClr val="bg1"/>
+          </a:solidFill>
+          <a:ln>
+            <a:solidFill>
+              <a:schemeClr val="tx1"/>
+            </a:solidFill>
+          </a:ln>
+        </p:spPr>
+        <p:style>
+          <a:lnRef idx="2">
+            <a:schemeClr val="accent1">
+              <a:shade val="50000"/>
+            </a:schemeClr>
+          </a:lnRef>
+          <a:fillRef idx="1">
+            <a:schemeClr val="accent1"/>
+          </a:fillRef>
+          <a:effectRef idx="0">
+            <a:schemeClr val="accent1"/>
+          </a:effectRef>
+          <a:fontRef idx="minor">
+            <a:schemeClr val="lt1"/>
+          </a:fontRef>
+        </p:style>
+        <p:txBody>
+          <a:bodyPr rtlCol="0" anchor="ctr"/>
+          <a:lstStyle/>
+          <a:p>
+            <a:pPr algn="ctr"/>
+            <a:r>
+              <a:rPr lang="ja-JP" altLang="en-US" sz="1050" dirty="0">
+                <a:solidFill>
+                  <a:schemeClr val="tx1"/>
+                </a:solidFill>
+              </a:rPr>
+              <a:t>下位概念</a:t>
+            </a:r>
+            <a:r>
+              <a:rPr lang="en-US" altLang="ja-JP" sz="1050" dirty="0">
+                <a:solidFill>
+                  <a:schemeClr val="tx1"/>
+                </a:solidFill>
+              </a:rPr>
+              <a:t>1</a:t>
+            </a:r>
+            <a:endParaRPr kumimoji="1" lang="ja-JP" altLang="en-US" sz="1050" dirty="0">
+              <a:solidFill>
+                <a:schemeClr val="tx1"/>
+              </a:solidFill>
+            </a:endParaRPr>
+          </a:p>
+        </p:txBody>
+      </p:sp>
+      <p:sp>
+        <p:nvSpPr>
+          <p:cNvPr id="15" name="楕円 14">
+            <a:extLst>
+              <a:ext uri="{FF2B5EF4-FFF2-40B4-BE49-F238E27FC236}">
+                <a16:creationId xmlns:a16="http://schemas.microsoft.com/office/drawing/2014/main" id="{02544020-9C77-64A7-0E28-C19D3D53BB0E}"/>
+              </a:ext>
+            </a:extLst>
+          </p:cNvPr>
+          <p:cNvSpPr/>
+          <p:nvPr/>
+        </p:nvSpPr>
+        <p:spPr>
+          <a:xfrm>
+            <a:off x="5145385" y="3192014"/>
+            <a:ext cx="1134588" cy="419100"/>
+          </a:xfrm>
+          <a:prstGeom prst="ellipse">
+            <a:avLst/>
+          </a:prstGeom>
+          <a:solidFill>
+            <a:schemeClr val="bg1"/>
+          </a:solidFill>
+          <a:ln>
+            <a:solidFill>
+              <a:schemeClr val="tx1"/>
+            </a:solidFill>
+          </a:ln>
+        </p:spPr>
+        <p:style>
+          <a:lnRef idx="2">
+            <a:schemeClr val="accent1">
+              <a:shade val="50000"/>
+            </a:schemeClr>
+          </a:lnRef>
+          <a:fillRef idx="1">
+            <a:schemeClr val="accent1"/>
+          </a:fillRef>
+          <a:effectRef idx="0">
+            <a:schemeClr val="accent1"/>
+          </a:effectRef>
+          <a:fontRef idx="minor">
+            <a:schemeClr val="lt1"/>
+          </a:fontRef>
+        </p:style>
+        <p:txBody>
+          <a:bodyPr rtlCol="0" anchor="ctr"/>
+          <a:lstStyle/>
+          <a:p>
+            <a:pPr algn="ctr"/>
+            <a:r>
+              <a:rPr lang="ja-JP" altLang="en-US" sz="1050" dirty="0">
+                <a:solidFill>
+                  <a:schemeClr val="tx1"/>
+                </a:solidFill>
+              </a:rPr>
+              <a:t>下位概念</a:t>
+            </a:r>
+            <a:r>
+              <a:rPr lang="en-US" altLang="ja-JP" sz="1050" dirty="0">
+                <a:solidFill>
+                  <a:schemeClr val="tx1"/>
+                </a:solidFill>
+              </a:rPr>
+              <a:t>2</a:t>
+            </a:r>
+            <a:endParaRPr kumimoji="1" lang="ja-JP" altLang="en-US" sz="1050" dirty="0">
+              <a:solidFill>
+                <a:schemeClr val="tx1"/>
+              </a:solidFill>
+            </a:endParaRPr>
+          </a:p>
+        </p:txBody>
+      </p:sp>
+      <p:sp>
+        <p:nvSpPr>
+          <p:cNvPr id="19" name="テキスト ボックス 18">
+            <a:extLst>
+              <a:ext uri="{FF2B5EF4-FFF2-40B4-BE49-F238E27FC236}">
+                <a16:creationId xmlns:a16="http://schemas.microsoft.com/office/drawing/2014/main" id="{53469244-E01E-BB70-6642-0782CE080958}"/>
+              </a:ext>
+            </a:extLst>
+          </p:cNvPr>
+          <p:cNvSpPr txBox="1"/>
+          <p:nvPr/>
+        </p:nvSpPr>
+        <p:spPr>
+          <a:xfrm>
+            <a:off x="1419011" y="3316825"/>
+            <a:ext cx="1127232" cy="253916"/>
+          </a:xfrm>
+          <a:prstGeom prst="rect">
+            <a:avLst/>
+          </a:prstGeom>
+          <a:noFill/>
+        </p:spPr>
+        <p:txBody>
+          <a:bodyPr wrap="none" rtlCol="0">
+            <a:spAutoFit/>
+          </a:bodyPr>
+          <a:lstStyle/>
+          <a:p>
+            <a:r>
+              <a:rPr lang="ja-JP" altLang="en-US" sz="1050" dirty="0"/>
+              <a:t>下位概念</a:t>
+            </a:r>
+            <a:r>
+              <a:rPr kumimoji="1" lang="ja-JP" altLang="en-US" sz="1050" dirty="0"/>
+              <a:t>リスト</a:t>
+            </a:r>
+          </a:p>
+        </p:txBody>
+      </p:sp>
+      <p:sp>
+        <p:nvSpPr>
+          <p:cNvPr id="20" name="テキスト ボックス 19">
+            <a:extLst>
+              <a:ext uri="{FF2B5EF4-FFF2-40B4-BE49-F238E27FC236}">
+                <a16:creationId xmlns:a16="http://schemas.microsoft.com/office/drawing/2014/main" id="{829DB193-C0D1-6002-8985-FB070E4E37B0}"/>
+              </a:ext>
+            </a:extLst>
+          </p:cNvPr>
+          <p:cNvSpPr txBox="1"/>
+          <p:nvPr/>
+        </p:nvSpPr>
+        <p:spPr>
+          <a:xfrm>
+            <a:off x="3743855" y="3300375"/>
+            <a:ext cx="243978" cy="369332"/>
+          </a:xfrm>
+          <a:prstGeom prst="rect">
+            <a:avLst/>
+          </a:prstGeom>
+          <a:noFill/>
+        </p:spPr>
+        <p:txBody>
+          <a:bodyPr wrap="none" rtlCol="0">
+            <a:spAutoFit/>
+          </a:bodyPr>
+          <a:lstStyle/>
+          <a:p>
+            <a:r>
+              <a:rPr kumimoji="1" lang="en-US" altLang="ja-JP" dirty="0"/>
+              <a:t>,</a:t>
+            </a:r>
+            <a:endParaRPr kumimoji="1" lang="ja-JP" altLang="en-US" dirty="0"/>
+          </a:p>
+        </p:txBody>
+      </p:sp>
+      <p:cxnSp>
+        <p:nvCxnSpPr>
+          <p:cNvPr id="21" name="直線矢印コネクタ 20">
+            <a:extLst>
+              <a:ext uri="{FF2B5EF4-FFF2-40B4-BE49-F238E27FC236}">
+                <a16:creationId xmlns:a16="http://schemas.microsoft.com/office/drawing/2014/main" id="{90CAA119-93A9-3FB1-B992-657CB59E5D7B}"/>
+              </a:ext>
+            </a:extLst>
+          </p:cNvPr>
+          <p:cNvCxnSpPr>
+            <a:cxnSpLocks/>
+            <a:stCxn id="14" idx="4"/>
+          </p:cNvCxnSpPr>
+          <p:nvPr/>
+        </p:nvCxnSpPr>
+        <p:spPr>
+          <a:xfrm>
+            <a:off x="3188172" y="3598269"/>
+            <a:ext cx="0" cy="673283"/>
+          </a:xfrm>
+          <a:prstGeom prst="straightConnector1">
+            <a:avLst/>
+          </a:prstGeom>
+          <a:ln>
+            <a:solidFill>
+              <a:schemeClr val="tx1"/>
+            </a:solidFill>
+            <a:tailEnd type="triangle"/>
+          </a:ln>
+        </p:spPr>
+        <p:style>
+          <a:lnRef idx="1">
+            <a:schemeClr val="accent1"/>
+          </a:lnRef>
+          <a:fillRef idx="0">
+            <a:schemeClr val="accent1"/>
+          </a:fillRef>
+          <a:effectRef idx="0">
+            <a:schemeClr val="accent1"/>
+          </a:effectRef>
+          <a:fontRef idx="minor">
+            <a:schemeClr val="tx1"/>
+          </a:fontRef>
+        </p:style>
+      </p:cxnSp>
+      <p:sp>
+        <p:nvSpPr>
+          <p:cNvPr id="24" name="正方形/長方形 23">
+            <a:extLst>
+              <a:ext uri="{FF2B5EF4-FFF2-40B4-BE49-F238E27FC236}">
+                <a16:creationId xmlns:a16="http://schemas.microsoft.com/office/drawing/2014/main" id="{25069447-87E9-C981-C864-BA4B9BB8A7B7}"/>
+              </a:ext>
+            </a:extLst>
+          </p:cNvPr>
+          <p:cNvSpPr/>
+          <p:nvPr/>
+        </p:nvSpPr>
+        <p:spPr>
+          <a:xfrm>
+            <a:off x="1848781" y="4244805"/>
+            <a:ext cx="4140677" cy="704850"/>
+          </a:xfrm>
+          <a:prstGeom prst="rect">
+            <a:avLst/>
+          </a:prstGeom>
+          <a:noFill/>
+          <a:ln>
+            <a:solidFill>
+              <a:schemeClr val="tx1"/>
+            </a:solidFill>
+          </a:ln>
+        </p:spPr>
+        <p:style>
+          <a:lnRef idx="2">
+            <a:schemeClr val="accent1">
+              <a:shade val="50000"/>
+            </a:schemeClr>
+          </a:lnRef>
+          <a:fillRef idx="1">
+            <a:schemeClr val="accent1"/>
+          </a:fillRef>
+          <a:effectRef idx="0">
+            <a:schemeClr val="accent1"/>
+          </a:effectRef>
+          <a:fontRef idx="minor">
+            <a:schemeClr val="lt1"/>
+          </a:fontRef>
+        </p:style>
+        <p:txBody>
+          <a:bodyPr rtlCol="0" anchor="ctr"/>
+          <a:lstStyle/>
+          <a:p>
+            <a:pPr algn="ctr"/>
+            <a:endParaRPr kumimoji="1" lang="ja-JP" altLang="en-US"/>
+          </a:p>
+        </p:txBody>
+      </p:sp>
+      <p:sp>
+        <p:nvSpPr>
+          <p:cNvPr id="27" name="楕円 26">
+            <a:extLst>
+              <a:ext uri="{FF2B5EF4-FFF2-40B4-BE49-F238E27FC236}">
+                <a16:creationId xmlns:a16="http://schemas.microsoft.com/office/drawing/2014/main" id="{DC7BA017-C190-4FFB-7C7B-01AC0DC234F4}"/>
+              </a:ext>
+            </a:extLst>
+          </p:cNvPr>
+          <p:cNvSpPr/>
+          <p:nvPr/>
+        </p:nvSpPr>
+        <p:spPr>
+          <a:xfrm>
+            <a:off x="1962844" y="4371630"/>
+            <a:ext cx="1134588" cy="419100"/>
+          </a:xfrm>
+          <a:prstGeom prst="ellipse">
+            <a:avLst/>
+          </a:prstGeom>
+          <a:solidFill>
+            <a:schemeClr val="bg1"/>
+          </a:solidFill>
+          <a:ln>
+            <a:solidFill>
+              <a:schemeClr val="tx1"/>
+            </a:solidFill>
+          </a:ln>
+        </p:spPr>
+        <p:style>
+          <a:lnRef idx="2">
+            <a:schemeClr val="accent1">
+              <a:shade val="50000"/>
+            </a:schemeClr>
+          </a:lnRef>
+          <a:fillRef idx="1">
+            <a:schemeClr val="accent1"/>
+          </a:fillRef>
+          <a:effectRef idx="0">
+            <a:schemeClr val="accent1"/>
+          </a:effectRef>
+          <a:fontRef idx="minor">
+            <a:schemeClr val="lt1"/>
+          </a:fontRef>
+        </p:style>
+        <p:txBody>
+          <a:bodyPr rtlCol="0" anchor="ctr"/>
+          <a:lstStyle/>
+          <a:p>
+            <a:pPr algn="ctr"/>
+            <a:r>
+              <a:rPr lang="ja-JP" altLang="en-US" sz="1050" dirty="0">
+                <a:solidFill>
+                  <a:schemeClr val="tx1"/>
+                </a:solidFill>
+              </a:rPr>
+              <a:t>下位概念</a:t>
+            </a:r>
+            <a:r>
+              <a:rPr lang="en-US" altLang="ja-JP" sz="1050" dirty="0">
+                <a:solidFill>
+                  <a:schemeClr val="tx1"/>
+                </a:solidFill>
+              </a:rPr>
+              <a:t>1-1</a:t>
+            </a:r>
+            <a:endParaRPr kumimoji="1" lang="ja-JP" altLang="en-US" sz="1050" dirty="0">
+              <a:solidFill>
+                <a:schemeClr val="tx1"/>
+              </a:solidFill>
+            </a:endParaRPr>
+          </a:p>
+        </p:txBody>
+      </p:sp>
+      <p:sp>
+        <p:nvSpPr>
+          <p:cNvPr id="28" name="楕円 27">
+            <a:extLst>
+              <a:ext uri="{FF2B5EF4-FFF2-40B4-BE49-F238E27FC236}">
+                <a16:creationId xmlns:a16="http://schemas.microsoft.com/office/drawing/2014/main" id="{5FEF64E5-9397-63F5-59B1-8D5F2EFA9895}"/>
+              </a:ext>
+            </a:extLst>
+          </p:cNvPr>
+          <p:cNvSpPr/>
+          <p:nvPr/>
+        </p:nvSpPr>
+        <p:spPr>
+          <a:xfrm>
+            <a:off x="4379791" y="4415208"/>
+            <a:ext cx="1134588" cy="419100"/>
+          </a:xfrm>
+          <a:prstGeom prst="ellipse">
+            <a:avLst/>
+          </a:prstGeom>
+          <a:solidFill>
+            <a:schemeClr val="bg1"/>
+          </a:solidFill>
+          <a:ln>
+            <a:solidFill>
+              <a:schemeClr val="tx1"/>
+            </a:solidFill>
+          </a:ln>
+        </p:spPr>
+        <p:style>
+          <a:lnRef idx="2">
+            <a:schemeClr val="accent1">
+              <a:shade val="50000"/>
+            </a:schemeClr>
+          </a:lnRef>
+          <a:fillRef idx="1">
+            <a:schemeClr val="accent1"/>
+          </a:fillRef>
+          <a:effectRef idx="0">
+            <a:schemeClr val="accent1"/>
+          </a:effectRef>
+          <a:fontRef idx="minor">
+            <a:schemeClr val="lt1"/>
+          </a:fontRef>
+        </p:style>
+        <p:txBody>
+          <a:bodyPr rtlCol="0" anchor="ctr"/>
+          <a:lstStyle/>
+          <a:p>
+            <a:pPr algn="ctr"/>
+            <a:r>
+              <a:rPr lang="ja-JP" altLang="en-US" sz="1050" dirty="0">
+                <a:solidFill>
+                  <a:schemeClr val="tx1"/>
+                </a:solidFill>
+              </a:rPr>
+              <a:t>下位概念</a:t>
+            </a:r>
+            <a:r>
+              <a:rPr lang="en-US" altLang="ja-JP" sz="1050" dirty="0">
+                <a:solidFill>
+                  <a:schemeClr val="tx1"/>
+                </a:solidFill>
+              </a:rPr>
+              <a:t>1-2</a:t>
+            </a:r>
+            <a:endParaRPr kumimoji="1" lang="ja-JP" altLang="en-US" sz="1050" dirty="0">
+              <a:solidFill>
+                <a:schemeClr val="tx1"/>
+              </a:solidFill>
+            </a:endParaRPr>
+          </a:p>
+        </p:txBody>
+      </p:sp>
+      <mc:AlternateContent xmlns:mc="http://schemas.openxmlformats.org/markup-compatibility/2006">
+        <mc:Choice xmlns:a14="http://schemas.microsoft.com/office/drawing/2010/main" Requires="a14">
+          <p:sp>
+            <p:nvSpPr>
+              <p:cNvPr id="34" name="テキスト ボックス 33">
+                <a:extLst>
+                  <a:ext uri="{FF2B5EF4-FFF2-40B4-BE49-F238E27FC236}">
+                    <a16:creationId xmlns:a16="http://schemas.microsoft.com/office/drawing/2014/main" id="{2C29B6AE-5302-DA3E-C63C-364EE6EB271C}"/>
+                  </a:ext>
+                </a:extLst>
+              </p:cNvPr>
+              <p:cNvSpPr txBox="1"/>
+              <p:nvPr/>
+            </p:nvSpPr>
+            <p:spPr>
+              <a:xfrm>
+                <a:off x="3246390" y="1093017"/>
+                <a:ext cx="1238908" cy="261610"/>
+              </a:xfrm>
+              <a:prstGeom prst="rect">
+                <a:avLst/>
+              </a:prstGeom>
+              <a:noFill/>
+            </p:spPr>
+            <p:txBody>
+              <a:bodyPr wrap="square">
+                <a:spAutoFit/>
+              </a:bodyPr>
+              <a:lstStyle/>
+              <a:p>
+                <a:pPr/>
+                <a14:m>
+                  <m:oMathPara xmlns:m="http://schemas.openxmlformats.org/officeDocument/2006/math">
+                    <m:oMathParaPr>
+                      <m:jc m:val="centerGroup"/>
+                    </m:oMathParaPr>
+                    <m:oMath xmlns:m="http://schemas.openxmlformats.org/officeDocument/2006/math">
+                      <m:r>
+                        <a:rPr kumimoji="1" lang="en-US" altLang="ja-JP" sz="1050" b="0" i="1" smtClean="0">
+                          <a:latin typeface="Cambria Math" panose="02040503050406030204" pitchFamily="18" charset="0"/>
+                        </a:rPr>
+                        <m:t>𝑑𝑒𝑝𝑡h</m:t>
+                      </m:r>
+                      <m:r>
+                        <m:rPr>
+                          <m:lit/>
+                        </m:rPr>
+                        <a:rPr kumimoji="1" lang="en-US" altLang="ja-JP" sz="1050" b="0" i="1" smtClean="0">
+                          <a:latin typeface="Cambria Math" panose="02040503050406030204" pitchFamily="18" charset="0"/>
+                        </a:rPr>
+                        <m:t>_</m:t>
+                      </m:r>
+                      <m:r>
+                        <a:rPr kumimoji="1" lang="en-US" altLang="ja-JP" sz="1050" b="0" i="1" smtClean="0">
+                          <a:latin typeface="Cambria Math" panose="02040503050406030204" pitchFamily="18" charset="0"/>
+                        </a:rPr>
+                        <m:t>𝑛𝑜𝑑𝑒</m:t>
+                      </m:r>
+                      <m:r>
+                        <a:rPr kumimoji="1" lang="en-US" altLang="ja-JP" sz="1050" b="0" i="1" smtClean="0">
+                          <a:latin typeface="Cambria Math" panose="02040503050406030204" pitchFamily="18" charset="0"/>
+                        </a:rPr>
+                        <m:t>=−1</m:t>
+                      </m:r>
+                    </m:oMath>
+                  </m:oMathPara>
+                </a14:m>
+                <a:endParaRPr lang="ja-JP" altLang="en-US" sz="1050" dirty="0"/>
+              </a:p>
+            </p:txBody>
+          </p:sp>
+        </mc:Choice>
+        <mc:Fallback>
+          <p:sp>
+            <p:nvSpPr>
+              <p:cNvPr id="34" name="テキスト ボックス 33">
+                <a:extLst>
+                  <a:ext uri="{FF2B5EF4-FFF2-40B4-BE49-F238E27FC236}">
+                    <a16:creationId xmlns:a16="http://schemas.microsoft.com/office/drawing/2014/main" id="{2C29B6AE-5302-DA3E-C63C-364EE6EB271C}"/>
+                  </a:ext>
+                </a:extLst>
+              </p:cNvPr>
+              <p:cNvSpPr txBox="1">
+                <a:spLocks noRot="1" noChangeAspect="1" noMove="1" noResize="1" noEditPoints="1" noAdjustHandles="1" noChangeArrowheads="1" noChangeShapeType="1" noTextEdit="1"/>
+              </p:cNvSpPr>
+              <p:nvPr/>
+            </p:nvSpPr>
+            <p:spPr>
+              <a:xfrm>
+                <a:off x="3246390" y="1093017"/>
+                <a:ext cx="1238908" cy="261610"/>
+              </a:xfrm>
+              <a:prstGeom prst="rect">
+                <a:avLst/>
+              </a:prstGeom>
+              <a:blipFill>
+                <a:blip r:embed="rId2"/>
+                <a:stretch>
+                  <a:fillRect b="-2326"/>
+                </a:stretch>
+              </a:blipFill>
+            </p:spPr>
+            <p:txBody>
+              <a:bodyPr/>
+              <a:lstStyle/>
+              <a:p>
+                <a:r>
+                  <a:rPr lang="ja-JP" altLang="en-US">
+                    <a:noFill/>
+                  </a:rPr>
+                  <a:t> </a:t>
+                </a:r>
+              </a:p>
+            </p:txBody>
+          </p:sp>
+        </mc:Fallback>
+      </mc:AlternateContent>
+      <mc:AlternateContent xmlns:mc="http://schemas.openxmlformats.org/markup-compatibility/2006">
+        <mc:Choice xmlns:a14="http://schemas.microsoft.com/office/drawing/2010/main" Requires="a14">
+          <p:sp>
+            <p:nvSpPr>
+              <p:cNvPr id="35" name="テキスト ボックス 34">
+                <a:extLst>
+                  <a:ext uri="{FF2B5EF4-FFF2-40B4-BE49-F238E27FC236}">
+                    <a16:creationId xmlns:a16="http://schemas.microsoft.com/office/drawing/2014/main" id="{3A5048FC-41F3-2C5E-F43E-36BC09221059}"/>
+                  </a:ext>
+                </a:extLst>
+              </p:cNvPr>
+              <p:cNvSpPr txBox="1"/>
+              <p:nvPr/>
+            </p:nvSpPr>
+            <p:spPr>
+              <a:xfrm>
+                <a:off x="6380734" y="3127810"/>
+                <a:ext cx="3417089" cy="417550"/>
+              </a:xfrm>
+              <a:prstGeom prst="rect">
+                <a:avLst/>
+              </a:prstGeom>
+              <a:noFill/>
+            </p:spPr>
+            <p:txBody>
+              <a:bodyPr wrap="square">
+                <a:spAutoFit/>
+              </a:bodyPr>
+              <a:lstStyle/>
+              <a:p>
+                <a14:m>
+                  <m:oMathPara xmlns:m="http://schemas.openxmlformats.org/officeDocument/2006/math">
+                    <m:oMathParaPr>
+                      <m:jc m:val="centerGroup"/>
+                    </m:oMathParaPr>
+                    <m:oMath xmlns:m="http://schemas.openxmlformats.org/officeDocument/2006/math">
+                      <m:r>
+                        <a:rPr lang="en-US" altLang="ja-JP" sz="1050" i="1">
+                          <a:latin typeface="Cambria Math" panose="02040503050406030204" pitchFamily="18" charset="0"/>
+                        </a:rPr>
+                        <m:t>𝑐𝑜𝑛𝑐𝑒𝑝𝑡</m:t>
+                      </m:r>
+                      <m:r>
+                        <m:rPr>
+                          <m:lit/>
+                        </m:rPr>
+                        <a:rPr lang="en-US" altLang="ja-JP" sz="1050" i="1">
+                          <a:latin typeface="Cambria Math" panose="02040503050406030204" pitchFamily="18" charset="0"/>
+                        </a:rPr>
+                        <m:t>_</m:t>
+                      </m:r>
+                      <m:r>
+                        <a:rPr lang="en-US" altLang="ja-JP" sz="1050" i="1">
+                          <a:latin typeface="Cambria Math" panose="02040503050406030204" pitchFamily="18" charset="0"/>
+                        </a:rPr>
+                        <m:t>𝑙𝑒𝑣𝑒𝑙</m:t>
+                      </m:r>
+                      <m:r>
+                        <a:rPr lang="en-US" altLang="ja-JP" sz="1050" i="1">
+                          <a:latin typeface="Cambria Math" panose="02040503050406030204" pitchFamily="18" charset="0"/>
+                        </a:rPr>
+                        <m:t>+=</m:t>
+                      </m:r>
+                      <m:f>
+                        <m:fPr>
+                          <m:ctrlPr>
+                            <a:rPr lang="en-US" altLang="ja-JP" sz="1050" b="0" i="1" smtClean="0">
+                              <a:latin typeface="Cambria Math" panose="02040503050406030204" pitchFamily="18" charset="0"/>
+                            </a:rPr>
+                          </m:ctrlPr>
+                        </m:fPr>
+                        <m:num>
+                          <m:r>
+                            <a:rPr lang="ja-JP" altLang="en-US" sz="1050" i="1">
+                              <a:latin typeface="Cambria Math" panose="02040503050406030204" pitchFamily="18" charset="0"/>
+                            </a:rPr>
+                            <m:t>下位概念リスト</m:t>
+                          </m:r>
+                          <m:r>
+                            <a:rPr lang="ja-JP" altLang="en-US" sz="1050" i="1" smtClean="0">
+                              <a:latin typeface="Cambria Math" panose="02040503050406030204" pitchFamily="18" charset="0"/>
+                            </a:rPr>
+                            <m:t>の</m:t>
+                          </m:r>
+                          <m:r>
+                            <a:rPr lang="ja-JP" altLang="en-US" sz="1050" i="1">
+                              <a:latin typeface="Cambria Math" panose="02040503050406030204" pitchFamily="18" charset="0"/>
+                            </a:rPr>
+                            <m:t>要素数</m:t>
+                          </m:r>
+                        </m:num>
+                        <m:den>
+                          <m:sSup>
+                            <m:sSupPr>
+                              <m:ctrlPr>
+                                <a:rPr lang="en-US" altLang="ja-JP" sz="1050" i="1" smtClean="0">
+                                  <a:latin typeface="Cambria Math" panose="02040503050406030204" pitchFamily="18" charset="0"/>
+                                </a:rPr>
+                              </m:ctrlPr>
+                            </m:sSupPr>
+                            <m:e>
+                              <m:r>
+                                <a:rPr lang="en-US" altLang="ja-JP" sz="1050" b="0" i="1" smtClean="0">
+                                  <a:latin typeface="Cambria Math" panose="02040503050406030204" pitchFamily="18" charset="0"/>
+                                </a:rPr>
+                                <m:t>2</m:t>
+                              </m:r>
+                            </m:e>
+                            <m:sup>
+                              <m:r>
+                                <a:rPr lang="en-US" altLang="ja-JP" sz="1050" b="0" i="1" smtClean="0">
+                                  <a:latin typeface="Cambria Math" panose="02040503050406030204" pitchFamily="18" charset="0"/>
+                                </a:rPr>
+                                <m:t>𝑑𝑒𝑝𝑡h</m:t>
+                              </m:r>
+                              <m:r>
+                                <m:rPr>
+                                  <m:lit/>
+                                </m:rPr>
+                                <a:rPr lang="en-US" altLang="ja-JP" sz="1050" b="0" i="1" smtClean="0">
+                                  <a:latin typeface="Cambria Math" panose="02040503050406030204" pitchFamily="18" charset="0"/>
+                                </a:rPr>
+                                <m:t>_</m:t>
+                              </m:r>
+                              <m:r>
+                                <a:rPr lang="en-US" altLang="ja-JP" sz="1050" b="0" i="1" smtClean="0">
+                                  <a:latin typeface="Cambria Math" panose="02040503050406030204" pitchFamily="18" charset="0"/>
+                                </a:rPr>
+                                <m:t>𝑛𝑜𝑑𝑒</m:t>
+                              </m:r>
+                            </m:sup>
+                          </m:sSup>
+                        </m:den>
+                      </m:f>
+                    </m:oMath>
+                  </m:oMathPara>
+                </a14:m>
+                <a:endParaRPr lang="en-US" altLang="ja-JP" sz="1050" dirty="0"/>
+              </a:p>
+            </p:txBody>
+          </p:sp>
+        </mc:Choice>
+        <mc:Fallback>
+          <p:sp>
+            <p:nvSpPr>
+              <p:cNvPr id="35" name="テキスト ボックス 34">
+                <a:extLst>
+                  <a:ext uri="{FF2B5EF4-FFF2-40B4-BE49-F238E27FC236}">
+                    <a16:creationId xmlns:a16="http://schemas.microsoft.com/office/drawing/2014/main" id="{3A5048FC-41F3-2C5E-F43E-36BC09221059}"/>
+                  </a:ext>
+                </a:extLst>
+              </p:cNvPr>
+              <p:cNvSpPr txBox="1">
+                <a:spLocks noRot="1" noChangeAspect="1" noMove="1" noResize="1" noEditPoints="1" noAdjustHandles="1" noChangeArrowheads="1" noChangeShapeType="1" noTextEdit="1"/>
+              </p:cNvSpPr>
+              <p:nvPr/>
+            </p:nvSpPr>
+            <p:spPr>
+              <a:xfrm>
+                <a:off x="6380734" y="3127810"/>
+                <a:ext cx="3417089" cy="417550"/>
+              </a:xfrm>
+              <a:prstGeom prst="rect">
+                <a:avLst/>
+              </a:prstGeom>
+              <a:blipFill>
+                <a:blip r:embed="rId3"/>
+                <a:stretch>
+                  <a:fillRect/>
+                </a:stretch>
+              </a:blipFill>
+            </p:spPr>
+            <p:txBody>
+              <a:bodyPr/>
+              <a:lstStyle/>
+              <a:p>
+                <a:r>
+                  <a:rPr lang="ja-JP" altLang="en-US">
+                    <a:noFill/>
+                  </a:rPr>
+                  <a:t> </a:t>
+                </a:r>
+              </a:p>
+            </p:txBody>
+          </p:sp>
+        </mc:Fallback>
+      </mc:AlternateContent>
+      <p:sp>
+        <p:nvSpPr>
+          <p:cNvPr id="38" name="テキスト ボックス 37">
+            <a:extLst>
+              <a:ext uri="{FF2B5EF4-FFF2-40B4-BE49-F238E27FC236}">
+                <a16:creationId xmlns:a16="http://schemas.microsoft.com/office/drawing/2014/main" id="{DA05C175-1066-F24F-6CB8-4336BDD190D3}"/>
+              </a:ext>
+            </a:extLst>
+          </p:cNvPr>
+          <p:cNvSpPr txBox="1"/>
+          <p:nvPr/>
+        </p:nvSpPr>
+        <p:spPr>
+          <a:xfrm>
+            <a:off x="721550" y="4470272"/>
+            <a:ext cx="1127232" cy="253916"/>
+          </a:xfrm>
+          <a:prstGeom prst="rect">
+            <a:avLst/>
+          </a:prstGeom>
+          <a:noFill/>
+        </p:spPr>
+        <p:txBody>
+          <a:bodyPr wrap="none" rtlCol="0">
+            <a:spAutoFit/>
+          </a:bodyPr>
+          <a:lstStyle/>
+          <a:p>
+            <a:r>
+              <a:rPr lang="ja-JP" altLang="en-US" sz="1050" dirty="0"/>
+              <a:t>下位概念</a:t>
+            </a:r>
+            <a:r>
+              <a:rPr kumimoji="1" lang="ja-JP" altLang="en-US" sz="1050" dirty="0"/>
+              <a:t>リスト</a:t>
+            </a:r>
+          </a:p>
+        </p:txBody>
+      </p:sp>
+      <mc:AlternateContent xmlns:mc="http://schemas.openxmlformats.org/markup-compatibility/2006">
+        <mc:Choice xmlns:a14="http://schemas.microsoft.com/office/drawing/2010/main" Requires="a14">
+          <p:sp>
+            <p:nvSpPr>
+              <p:cNvPr id="39" name="テキスト ボックス 38">
+                <a:extLst>
+                  <a:ext uri="{FF2B5EF4-FFF2-40B4-BE49-F238E27FC236}">
+                    <a16:creationId xmlns:a16="http://schemas.microsoft.com/office/drawing/2014/main" id="{4E0D53AB-A7C7-3752-C144-A4A19C52123C}"/>
+                  </a:ext>
+                </a:extLst>
+              </p:cNvPr>
+              <p:cNvSpPr txBox="1"/>
+              <p:nvPr/>
+            </p:nvSpPr>
+            <p:spPr>
+              <a:xfrm>
+                <a:off x="5918411" y="4344829"/>
+                <a:ext cx="2825622" cy="417550"/>
+              </a:xfrm>
+              <a:prstGeom prst="rect">
+                <a:avLst/>
+              </a:prstGeom>
+              <a:noFill/>
+            </p:spPr>
+            <p:txBody>
+              <a:bodyPr wrap="square">
+                <a:spAutoFit/>
+              </a:bodyPr>
+              <a:lstStyle/>
+              <a:p>
+                <a14:m>
+                  <m:oMathPara xmlns:m="http://schemas.openxmlformats.org/officeDocument/2006/math">
+                    <m:oMathParaPr>
+                      <m:jc m:val="centerGroup"/>
+                    </m:oMathParaPr>
+                    <m:oMath xmlns:m="http://schemas.openxmlformats.org/officeDocument/2006/math">
+                      <m:r>
+                        <a:rPr lang="en-US" altLang="ja-JP" sz="1050" i="1">
+                          <a:latin typeface="Cambria Math" panose="02040503050406030204" pitchFamily="18" charset="0"/>
+                        </a:rPr>
+                        <m:t>𝑐𝑜𝑛𝑐𝑒𝑝𝑡</m:t>
+                      </m:r>
+                      <m:r>
+                        <m:rPr>
+                          <m:lit/>
+                        </m:rPr>
+                        <a:rPr lang="en-US" altLang="ja-JP" sz="1050" i="1">
+                          <a:latin typeface="Cambria Math" panose="02040503050406030204" pitchFamily="18" charset="0"/>
+                        </a:rPr>
+                        <m:t>_</m:t>
+                      </m:r>
+                      <m:r>
+                        <a:rPr lang="en-US" altLang="ja-JP" sz="1050" i="1">
+                          <a:latin typeface="Cambria Math" panose="02040503050406030204" pitchFamily="18" charset="0"/>
+                        </a:rPr>
+                        <m:t>𝑙𝑒𝑣𝑒𝑙</m:t>
+                      </m:r>
+                      <m:r>
+                        <a:rPr lang="en-US" altLang="ja-JP" sz="1050" i="1">
+                          <a:latin typeface="Cambria Math" panose="02040503050406030204" pitchFamily="18" charset="0"/>
+                        </a:rPr>
+                        <m:t>+=</m:t>
+                      </m:r>
+                      <m:f>
+                        <m:fPr>
+                          <m:ctrlPr>
+                            <a:rPr lang="en-US" altLang="ja-JP" sz="1050" b="0" i="1" smtClean="0">
+                              <a:latin typeface="Cambria Math" panose="02040503050406030204" pitchFamily="18" charset="0"/>
+                            </a:rPr>
+                          </m:ctrlPr>
+                        </m:fPr>
+                        <m:num>
+                          <m:r>
+                            <a:rPr lang="ja-JP" altLang="en-US" sz="1050" i="1">
+                              <a:latin typeface="Cambria Math" panose="02040503050406030204" pitchFamily="18" charset="0"/>
+                            </a:rPr>
+                            <m:t>下位概念リスト</m:t>
+                          </m:r>
+                          <m:r>
+                            <a:rPr lang="ja-JP" altLang="en-US" sz="1050" i="1" smtClean="0">
+                              <a:latin typeface="Cambria Math" panose="02040503050406030204" pitchFamily="18" charset="0"/>
+                            </a:rPr>
+                            <m:t>の</m:t>
+                          </m:r>
+                          <m:r>
+                            <a:rPr lang="ja-JP" altLang="en-US" sz="1050" i="1">
+                              <a:latin typeface="Cambria Math" panose="02040503050406030204" pitchFamily="18" charset="0"/>
+                            </a:rPr>
+                            <m:t>要素数</m:t>
+                          </m:r>
+                        </m:num>
+                        <m:den>
+                          <m:sSup>
+                            <m:sSupPr>
+                              <m:ctrlPr>
+                                <a:rPr lang="en-US" altLang="ja-JP" sz="1050" i="1" smtClean="0">
+                                  <a:latin typeface="Cambria Math" panose="02040503050406030204" pitchFamily="18" charset="0"/>
+                                </a:rPr>
+                              </m:ctrlPr>
+                            </m:sSupPr>
+                            <m:e>
+                              <m:r>
+                                <a:rPr lang="en-US" altLang="ja-JP" sz="1050" b="0" i="1" smtClean="0">
+                                  <a:latin typeface="Cambria Math" panose="02040503050406030204" pitchFamily="18" charset="0"/>
+                                </a:rPr>
+                                <m:t>2</m:t>
+                              </m:r>
+                            </m:e>
+                            <m:sup>
+                              <m:r>
+                                <a:rPr lang="en-US" altLang="ja-JP" sz="1050" b="0" i="1" smtClean="0">
+                                  <a:latin typeface="Cambria Math" panose="02040503050406030204" pitchFamily="18" charset="0"/>
+                                </a:rPr>
+                                <m:t>𝑑𝑒𝑝𝑡h</m:t>
+                              </m:r>
+                              <m:r>
+                                <m:rPr>
+                                  <m:lit/>
+                                </m:rPr>
+                                <a:rPr lang="en-US" altLang="ja-JP" sz="1050" b="0" i="1" smtClean="0">
+                                  <a:latin typeface="Cambria Math" panose="02040503050406030204" pitchFamily="18" charset="0"/>
+                                </a:rPr>
+                                <m:t>_</m:t>
+                              </m:r>
+                              <m:r>
+                                <a:rPr lang="en-US" altLang="ja-JP" sz="1050" b="0" i="1" smtClean="0">
+                                  <a:latin typeface="Cambria Math" panose="02040503050406030204" pitchFamily="18" charset="0"/>
+                                </a:rPr>
+                                <m:t>𝑛𝑜𝑑𝑒</m:t>
+                              </m:r>
+                            </m:sup>
+                          </m:sSup>
+                        </m:den>
+                      </m:f>
+                    </m:oMath>
+                  </m:oMathPara>
+                </a14:m>
+                <a:endParaRPr lang="en-US" altLang="ja-JP" sz="1050" dirty="0"/>
+              </a:p>
+            </p:txBody>
+          </p:sp>
+        </mc:Choice>
+        <mc:Fallback>
+          <p:sp>
+            <p:nvSpPr>
+              <p:cNvPr id="39" name="テキスト ボックス 38">
+                <a:extLst>
+                  <a:ext uri="{FF2B5EF4-FFF2-40B4-BE49-F238E27FC236}">
+                    <a16:creationId xmlns:a16="http://schemas.microsoft.com/office/drawing/2014/main" id="{4E0D53AB-A7C7-3752-C144-A4A19C52123C}"/>
+                  </a:ext>
+                </a:extLst>
+              </p:cNvPr>
+              <p:cNvSpPr txBox="1">
+                <a:spLocks noRot="1" noChangeAspect="1" noMove="1" noResize="1" noEditPoints="1" noAdjustHandles="1" noChangeArrowheads="1" noChangeShapeType="1" noTextEdit="1"/>
+              </p:cNvSpPr>
+              <p:nvPr/>
+            </p:nvSpPr>
+            <p:spPr>
+              <a:xfrm>
+                <a:off x="5918411" y="4344829"/>
+                <a:ext cx="2825622" cy="417550"/>
+              </a:xfrm>
+              <a:prstGeom prst="rect">
+                <a:avLst/>
+              </a:prstGeom>
+              <a:blipFill>
+                <a:blip r:embed="rId4"/>
+                <a:stretch>
+                  <a:fillRect/>
+                </a:stretch>
+              </a:blipFill>
+            </p:spPr>
+            <p:txBody>
+              <a:bodyPr/>
+              <a:lstStyle/>
+              <a:p>
+                <a:r>
+                  <a:rPr lang="ja-JP" altLang="en-US">
+                    <a:noFill/>
+                  </a:rPr>
+                  <a:t> </a:t>
+                </a:r>
+              </a:p>
+            </p:txBody>
+          </p:sp>
+        </mc:Fallback>
+      </mc:AlternateContent>
+      <p:cxnSp>
+        <p:nvCxnSpPr>
+          <p:cNvPr id="40" name="直線矢印コネクタ 39">
+            <a:extLst>
+              <a:ext uri="{FF2B5EF4-FFF2-40B4-BE49-F238E27FC236}">
+                <a16:creationId xmlns:a16="http://schemas.microsoft.com/office/drawing/2014/main" id="{AB76DADE-A957-8DE4-0DD4-77859BC8711D}"/>
+              </a:ext>
+            </a:extLst>
+          </p:cNvPr>
+          <p:cNvCxnSpPr>
+            <a:cxnSpLocks/>
+            <a:stCxn id="27" idx="4"/>
+            <a:endCxn id="43" idx="0"/>
+          </p:cNvCxnSpPr>
+          <p:nvPr/>
+        </p:nvCxnSpPr>
+        <p:spPr>
+          <a:xfrm flipH="1">
+            <a:off x="2526454" y="4790730"/>
+            <a:ext cx="3684" cy="760770"/>
+          </a:xfrm>
+          <a:prstGeom prst="straightConnector1">
+            <a:avLst/>
+          </a:prstGeom>
+          <a:ln>
+            <a:solidFill>
+              <a:schemeClr val="tx1"/>
+            </a:solidFill>
+            <a:tailEnd type="triangle"/>
+          </a:ln>
+        </p:spPr>
+        <p:style>
+          <a:lnRef idx="1">
+            <a:schemeClr val="accent1"/>
+          </a:lnRef>
+          <a:fillRef idx="0">
+            <a:schemeClr val="accent1"/>
+          </a:fillRef>
+          <a:effectRef idx="0">
+            <a:schemeClr val="accent1"/>
+          </a:effectRef>
+          <a:fontRef idx="minor">
+            <a:schemeClr val="tx1"/>
+          </a:fontRef>
+        </p:style>
+      </p:cxnSp>
+      <p:sp>
+        <p:nvSpPr>
+          <p:cNvPr id="43" name="テキスト ボックス 42">
+            <a:extLst>
+              <a:ext uri="{FF2B5EF4-FFF2-40B4-BE49-F238E27FC236}">
+                <a16:creationId xmlns:a16="http://schemas.microsoft.com/office/drawing/2014/main" id="{97782E7C-D6D6-FEC0-822E-0BC303842E49}"/>
+              </a:ext>
+            </a:extLst>
+          </p:cNvPr>
+          <p:cNvSpPr txBox="1"/>
+          <p:nvPr/>
+        </p:nvSpPr>
+        <p:spPr>
+          <a:xfrm>
+            <a:off x="1760860" y="5551500"/>
+            <a:ext cx="1531188" cy="253916"/>
+          </a:xfrm>
+          <a:prstGeom prst="rect">
+            <a:avLst/>
+          </a:prstGeom>
+          <a:noFill/>
+        </p:spPr>
+        <p:txBody>
+          <a:bodyPr wrap="none" rtlCol="0">
+            <a:spAutoFit/>
+          </a:bodyPr>
+          <a:lstStyle/>
+          <a:p>
+            <a:r>
+              <a:rPr lang="ja-JP" altLang="en-US" sz="1050" dirty="0"/>
+              <a:t>下位概念が存在しない</a:t>
+            </a:r>
+            <a:endParaRPr kumimoji="1" lang="ja-JP" altLang="en-US" sz="1050" dirty="0"/>
+          </a:p>
+        </p:txBody>
+      </p:sp>
+      <mc:AlternateContent xmlns:mc="http://schemas.openxmlformats.org/markup-compatibility/2006">
+        <mc:Choice xmlns:a14="http://schemas.microsoft.com/office/drawing/2010/main" Requires="a14">
+          <p:sp>
+            <p:nvSpPr>
+              <p:cNvPr id="45" name="テキスト ボックス 44">
+                <a:extLst>
+                  <a:ext uri="{FF2B5EF4-FFF2-40B4-BE49-F238E27FC236}">
+                    <a16:creationId xmlns:a16="http://schemas.microsoft.com/office/drawing/2014/main" id="{480982D1-B6DE-47BC-6B82-A109FC739FE6}"/>
+                  </a:ext>
+                </a:extLst>
+              </p:cNvPr>
+              <p:cNvSpPr txBox="1"/>
+              <p:nvPr/>
+            </p:nvSpPr>
+            <p:spPr>
+              <a:xfrm>
+                <a:off x="1938111" y="3767125"/>
+                <a:ext cx="1336215" cy="369332"/>
+              </a:xfrm>
+              <a:prstGeom prst="rect">
+                <a:avLst/>
+              </a:prstGeom>
+              <a:noFill/>
+            </p:spPr>
+            <p:txBody>
+              <a:bodyPr wrap="square">
+                <a:spAutoFit/>
+              </a:bodyPr>
+              <a:lstStyle/>
+              <a:p>
+                <a14:m>
+                  <m:oMath xmlns:m="http://schemas.openxmlformats.org/officeDocument/2006/math">
+                    <m:r>
+                      <a:rPr kumimoji="1" lang="en-US" altLang="ja-JP" sz="1050" b="0" i="1" smtClean="0">
+                        <a:latin typeface="Cambria Math" panose="02040503050406030204" pitchFamily="18" charset="0"/>
+                      </a:rPr>
+                      <m:t>𝑑𝑒𝑝𝑡h</m:t>
+                    </m:r>
+                    <m:r>
+                      <m:rPr>
+                        <m:lit/>
+                      </m:rPr>
+                      <a:rPr kumimoji="1" lang="en-US" altLang="ja-JP" sz="1050" b="0" i="1" smtClean="0">
+                        <a:latin typeface="Cambria Math" panose="02040503050406030204" pitchFamily="18" charset="0"/>
+                      </a:rPr>
+                      <m:t>_</m:t>
+                    </m:r>
+                    <m:r>
+                      <a:rPr kumimoji="1" lang="en-US" altLang="ja-JP" sz="1050" b="0" i="1" smtClean="0">
+                        <a:latin typeface="Cambria Math" panose="02040503050406030204" pitchFamily="18" charset="0"/>
+                      </a:rPr>
+                      <m:t>𝑛𝑜𝑑𝑒</m:t>
+                    </m:r>
+                    <m:r>
+                      <a:rPr kumimoji="1" lang="en-US" altLang="ja-JP" sz="1050" b="0" i="1" smtClean="0">
+                        <a:latin typeface="Cambria Math" panose="02040503050406030204" pitchFamily="18" charset="0"/>
+                      </a:rPr>
+                      <m:t>+= 1</m:t>
+                    </m:r>
+                  </m:oMath>
+                </a14:m>
+                <a:r>
+                  <a:rPr lang="en-US" altLang="ja-JP" sz="1800" dirty="0"/>
+                  <a:t> </a:t>
+                </a:r>
+                <a:endParaRPr lang="ja-JP" altLang="en-US" dirty="0"/>
+              </a:p>
+            </p:txBody>
+          </p:sp>
+        </mc:Choice>
+        <mc:Fallback>
+          <p:sp>
+            <p:nvSpPr>
+              <p:cNvPr id="45" name="テキスト ボックス 44">
+                <a:extLst>
+                  <a:ext uri="{FF2B5EF4-FFF2-40B4-BE49-F238E27FC236}">
+                    <a16:creationId xmlns:a16="http://schemas.microsoft.com/office/drawing/2014/main" id="{480982D1-B6DE-47BC-6B82-A109FC739FE6}"/>
+                  </a:ext>
+                </a:extLst>
+              </p:cNvPr>
+              <p:cNvSpPr txBox="1">
+                <a:spLocks noRot="1" noChangeAspect="1" noMove="1" noResize="1" noEditPoints="1" noAdjustHandles="1" noChangeArrowheads="1" noChangeShapeType="1" noTextEdit="1"/>
+              </p:cNvSpPr>
+              <p:nvPr/>
+            </p:nvSpPr>
+            <p:spPr>
+              <a:xfrm>
+                <a:off x="1938111" y="3767125"/>
+                <a:ext cx="1336215" cy="369332"/>
+              </a:xfrm>
+              <a:prstGeom prst="rect">
+                <a:avLst/>
+              </a:prstGeom>
+              <a:blipFill>
+                <a:blip r:embed="rId5"/>
+                <a:stretch>
+                  <a:fillRect/>
+                </a:stretch>
+              </a:blipFill>
+            </p:spPr>
+            <p:txBody>
+              <a:bodyPr/>
+              <a:lstStyle/>
+              <a:p>
+                <a:r>
+                  <a:rPr lang="ja-JP" altLang="en-US">
+                    <a:noFill/>
+                  </a:rPr>
+                  <a:t> </a:t>
+                </a:r>
+              </a:p>
+            </p:txBody>
+          </p:sp>
+        </mc:Fallback>
+      </mc:AlternateContent>
+      <p:cxnSp>
+        <p:nvCxnSpPr>
+          <p:cNvPr id="47" name="直線矢印コネクタ 46">
+            <a:extLst>
+              <a:ext uri="{FF2B5EF4-FFF2-40B4-BE49-F238E27FC236}">
+                <a16:creationId xmlns:a16="http://schemas.microsoft.com/office/drawing/2014/main" id="{8242D3F9-9749-4549-A263-13A0C3F1B932}"/>
+              </a:ext>
+            </a:extLst>
+          </p:cNvPr>
+          <p:cNvCxnSpPr>
+            <a:cxnSpLocks/>
+            <a:stCxn id="43" idx="0"/>
+            <a:endCxn id="28" idx="4"/>
+          </p:cNvCxnSpPr>
+          <p:nvPr/>
+        </p:nvCxnSpPr>
+        <p:spPr>
+          <a:xfrm flipV="1">
+            <a:off x="2526454" y="4834308"/>
+            <a:ext cx="2420631" cy="717192"/>
+          </a:xfrm>
+          <a:prstGeom prst="straightConnector1">
+            <a:avLst/>
+          </a:prstGeom>
+          <a:ln>
+            <a:solidFill>
+              <a:schemeClr val="tx1"/>
+            </a:solidFill>
+            <a:tailEnd type="triangle"/>
+          </a:ln>
+        </p:spPr>
+        <p:style>
+          <a:lnRef idx="1">
+            <a:schemeClr val="accent1"/>
+          </a:lnRef>
+          <a:fillRef idx="0">
+            <a:schemeClr val="accent1"/>
+          </a:fillRef>
+          <a:effectRef idx="0">
+            <a:schemeClr val="accent1"/>
+          </a:effectRef>
+          <a:fontRef idx="minor">
+            <a:schemeClr val="tx1"/>
+          </a:fontRef>
+        </p:style>
+      </p:cxnSp>
+      <p:cxnSp>
+        <p:nvCxnSpPr>
+          <p:cNvPr id="57" name="直線矢印コネクタ 56">
+            <a:extLst>
+              <a:ext uri="{FF2B5EF4-FFF2-40B4-BE49-F238E27FC236}">
+                <a16:creationId xmlns:a16="http://schemas.microsoft.com/office/drawing/2014/main" id="{10B2B8E3-6BF4-642F-A71B-898C51EA28AF}"/>
+              </a:ext>
+            </a:extLst>
+          </p:cNvPr>
+          <p:cNvCxnSpPr>
+            <a:cxnSpLocks/>
+            <a:stCxn id="28" idx="4"/>
+            <a:endCxn id="60" idx="0"/>
+          </p:cNvCxnSpPr>
+          <p:nvPr/>
+        </p:nvCxnSpPr>
+        <p:spPr>
+          <a:xfrm>
+            <a:off x="4947085" y="4834308"/>
+            <a:ext cx="0" cy="717192"/>
+          </a:xfrm>
+          <a:prstGeom prst="straightConnector1">
+            <a:avLst/>
+          </a:prstGeom>
+          <a:ln>
+            <a:solidFill>
+              <a:schemeClr val="tx1"/>
+            </a:solidFill>
+            <a:tailEnd type="triangle"/>
+          </a:ln>
+        </p:spPr>
+        <p:style>
+          <a:lnRef idx="1">
+            <a:schemeClr val="accent1"/>
+          </a:lnRef>
+          <a:fillRef idx="0">
+            <a:schemeClr val="accent1"/>
+          </a:fillRef>
+          <a:effectRef idx="0">
+            <a:schemeClr val="accent1"/>
+          </a:effectRef>
+          <a:fontRef idx="minor">
+            <a:schemeClr val="tx1"/>
+          </a:fontRef>
+        </p:style>
+      </p:cxnSp>
+      <p:sp>
+        <p:nvSpPr>
+          <p:cNvPr id="60" name="テキスト ボックス 59">
+            <a:extLst>
+              <a:ext uri="{FF2B5EF4-FFF2-40B4-BE49-F238E27FC236}">
+                <a16:creationId xmlns:a16="http://schemas.microsoft.com/office/drawing/2014/main" id="{87330AFA-5A63-FA07-1013-D673530F490A}"/>
+              </a:ext>
+            </a:extLst>
+          </p:cNvPr>
+          <p:cNvSpPr txBox="1"/>
+          <p:nvPr/>
+        </p:nvSpPr>
+        <p:spPr>
+          <a:xfrm>
+            <a:off x="4181491" y="5551500"/>
+            <a:ext cx="1531188" cy="253916"/>
+          </a:xfrm>
+          <a:prstGeom prst="rect">
+            <a:avLst/>
+          </a:prstGeom>
+          <a:noFill/>
+        </p:spPr>
+        <p:txBody>
+          <a:bodyPr wrap="none" rtlCol="0">
+            <a:spAutoFit/>
+          </a:bodyPr>
+          <a:lstStyle/>
+          <a:p>
+            <a:r>
+              <a:rPr lang="ja-JP" altLang="en-US" sz="1050" dirty="0"/>
+              <a:t>下位概念が存在しない</a:t>
+            </a:r>
+            <a:endParaRPr kumimoji="1" lang="ja-JP" altLang="en-US" sz="1050" dirty="0"/>
+          </a:p>
+        </p:txBody>
+      </p:sp>
+      <mc:AlternateContent xmlns:mc="http://schemas.openxmlformats.org/markup-compatibility/2006">
+        <mc:Choice xmlns:a14="http://schemas.microsoft.com/office/drawing/2010/main" Requires="a14">
+          <p:sp>
+            <p:nvSpPr>
+              <p:cNvPr id="71" name="テキスト ボックス 70">
+                <a:extLst>
+                  <a:ext uri="{FF2B5EF4-FFF2-40B4-BE49-F238E27FC236}">
+                    <a16:creationId xmlns:a16="http://schemas.microsoft.com/office/drawing/2014/main" id="{438C9B3F-7996-C16D-FA7F-AFC612845A5D}"/>
+                  </a:ext>
+                </a:extLst>
+              </p:cNvPr>
+              <p:cNvSpPr txBox="1"/>
+              <p:nvPr/>
+            </p:nvSpPr>
+            <p:spPr>
+              <a:xfrm>
+                <a:off x="4527397" y="3745443"/>
+                <a:ext cx="1336215" cy="369332"/>
+              </a:xfrm>
+              <a:prstGeom prst="rect">
+                <a:avLst/>
+              </a:prstGeom>
+              <a:noFill/>
+            </p:spPr>
+            <p:txBody>
+              <a:bodyPr wrap="square">
+                <a:spAutoFit/>
+              </a:bodyPr>
+              <a:lstStyle/>
+              <a:p>
+                <a14:m>
+                  <m:oMath xmlns:m="http://schemas.openxmlformats.org/officeDocument/2006/math">
+                    <m:r>
+                      <a:rPr kumimoji="1" lang="en-US" altLang="ja-JP" sz="1050" b="0" i="1" smtClean="0">
+                        <a:latin typeface="Cambria Math" panose="02040503050406030204" pitchFamily="18" charset="0"/>
+                      </a:rPr>
+                      <m:t>𝑑𝑒𝑝𝑡h</m:t>
+                    </m:r>
+                    <m:r>
+                      <m:rPr>
+                        <m:lit/>
+                      </m:rPr>
+                      <a:rPr kumimoji="1" lang="en-US" altLang="ja-JP" sz="1050" b="0" i="1" smtClean="0">
+                        <a:latin typeface="Cambria Math" panose="02040503050406030204" pitchFamily="18" charset="0"/>
+                      </a:rPr>
+                      <m:t>_</m:t>
+                    </m:r>
+                    <m:r>
+                      <a:rPr kumimoji="1" lang="en-US" altLang="ja-JP" sz="1050" b="0" i="1" smtClean="0">
+                        <a:latin typeface="Cambria Math" panose="02040503050406030204" pitchFamily="18" charset="0"/>
+                      </a:rPr>
+                      <m:t>𝑛𝑜𝑑𝑒</m:t>
+                    </m:r>
+                    <m:r>
+                      <a:rPr kumimoji="1" lang="en-US" altLang="ja-JP" sz="1050" b="0" i="1" smtClean="0">
+                        <a:latin typeface="Cambria Math" panose="02040503050406030204" pitchFamily="18" charset="0"/>
+                      </a:rPr>
+                      <m:t>−</m:t>
+                    </m:r>
+                    <m:r>
+                      <a:rPr kumimoji="1" lang="en-US" altLang="ja-JP" sz="1050" b="0" i="1" smtClean="0">
+                        <a:latin typeface="Cambria Math" panose="02040503050406030204" pitchFamily="18" charset="0"/>
+                      </a:rPr>
+                      <m:t>= 1</m:t>
+                    </m:r>
+                  </m:oMath>
+                </a14:m>
+                <a:r>
+                  <a:rPr lang="en-US" altLang="ja-JP" sz="1800" dirty="0"/>
+                  <a:t> </a:t>
+                </a:r>
+                <a:endParaRPr lang="ja-JP" altLang="en-US" dirty="0"/>
+              </a:p>
+            </p:txBody>
+          </p:sp>
+        </mc:Choice>
+        <mc:Fallback>
+          <p:sp>
+            <p:nvSpPr>
+              <p:cNvPr id="71" name="テキスト ボックス 70">
+                <a:extLst>
+                  <a:ext uri="{FF2B5EF4-FFF2-40B4-BE49-F238E27FC236}">
+                    <a16:creationId xmlns:a16="http://schemas.microsoft.com/office/drawing/2014/main" id="{438C9B3F-7996-C16D-FA7F-AFC612845A5D}"/>
+                  </a:ext>
+                </a:extLst>
+              </p:cNvPr>
+              <p:cNvSpPr txBox="1">
+                <a:spLocks noRot="1" noChangeAspect="1" noMove="1" noResize="1" noEditPoints="1" noAdjustHandles="1" noChangeArrowheads="1" noChangeShapeType="1" noTextEdit="1"/>
+              </p:cNvSpPr>
+              <p:nvPr/>
+            </p:nvSpPr>
+            <p:spPr>
+              <a:xfrm>
+                <a:off x="4527397" y="3745443"/>
+                <a:ext cx="1336215" cy="369332"/>
+              </a:xfrm>
+              <a:prstGeom prst="rect">
+                <a:avLst/>
+              </a:prstGeom>
+              <a:blipFill>
+                <a:blip r:embed="rId6"/>
+                <a:stretch>
+                  <a:fillRect/>
+                </a:stretch>
+              </a:blipFill>
+            </p:spPr>
+            <p:txBody>
+              <a:bodyPr/>
+              <a:lstStyle/>
+              <a:p>
+                <a:r>
+                  <a:rPr lang="ja-JP" altLang="en-US">
+                    <a:noFill/>
+                  </a:rPr>
+                  <a:t> </a:t>
+                </a:r>
+              </a:p>
+            </p:txBody>
+          </p:sp>
+        </mc:Fallback>
+      </mc:AlternateContent>
+      <p:cxnSp>
+        <p:nvCxnSpPr>
+          <p:cNvPr id="72" name="直線矢印コネクタ 71">
+            <a:extLst>
+              <a:ext uri="{FF2B5EF4-FFF2-40B4-BE49-F238E27FC236}">
+                <a16:creationId xmlns:a16="http://schemas.microsoft.com/office/drawing/2014/main" id="{5B74DD66-C188-A67E-9F17-003D92675606}"/>
+              </a:ext>
+            </a:extLst>
+          </p:cNvPr>
+          <p:cNvCxnSpPr>
+            <a:cxnSpLocks/>
+            <a:stCxn id="34" idx="2"/>
+            <a:endCxn id="3" idx="0"/>
+          </p:cNvCxnSpPr>
+          <p:nvPr/>
+        </p:nvCxnSpPr>
+        <p:spPr>
+          <a:xfrm>
+            <a:off x="3865844" y="1354627"/>
+            <a:ext cx="3685" cy="597998"/>
+          </a:xfrm>
+          <a:prstGeom prst="straightConnector1">
+            <a:avLst/>
+          </a:prstGeom>
+          <a:ln>
+            <a:solidFill>
+              <a:schemeClr val="tx1"/>
+            </a:solidFill>
+            <a:tailEnd type="triangle"/>
+          </a:ln>
+        </p:spPr>
+        <p:style>
+          <a:lnRef idx="1">
+            <a:schemeClr val="accent1"/>
+          </a:lnRef>
+          <a:fillRef idx="0">
+            <a:schemeClr val="accent1"/>
+          </a:fillRef>
+          <a:effectRef idx="0">
+            <a:schemeClr val="accent1"/>
+          </a:effectRef>
+          <a:fontRef idx="minor">
+            <a:schemeClr val="tx1"/>
+          </a:fontRef>
+        </p:style>
+      </p:cxnSp>
+      <p:cxnSp>
+        <p:nvCxnSpPr>
+          <p:cNvPr id="88" name="コネクタ: カギ線 87">
+            <a:extLst>
+              <a:ext uri="{FF2B5EF4-FFF2-40B4-BE49-F238E27FC236}">
+                <a16:creationId xmlns:a16="http://schemas.microsoft.com/office/drawing/2014/main" id="{3388886C-E7EF-9DC0-41FD-E9BA34DD5CFD}"/>
+              </a:ext>
+            </a:extLst>
+          </p:cNvPr>
+          <p:cNvCxnSpPr>
+            <a:stCxn id="60" idx="3"/>
+            <a:endCxn id="15" idx="4"/>
+          </p:cNvCxnSpPr>
+          <p:nvPr/>
+        </p:nvCxnSpPr>
+        <p:spPr>
+          <a:xfrm flipV="1">
+            <a:off x="5712679" y="3611114"/>
+            <a:ext cx="12700" cy="2067344"/>
+          </a:xfrm>
+          <a:prstGeom prst="bentConnector4">
+            <a:avLst>
+              <a:gd name="adj1" fmla="val 1345630"/>
+              <a:gd name="adj2" fmla="val 53071"/>
+            </a:avLst>
+          </a:prstGeom>
+          <a:ln>
+            <a:tailEnd type="triangle"/>
+          </a:ln>
+        </p:spPr>
+        <p:style>
+          <a:lnRef idx="1">
+            <a:schemeClr val="dk1"/>
+          </a:lnRef>
+          <a:fillRef idx="0">
+            <a:schemeClr val="dk1"/>
+          </a:fillRef>
+          <a:effectRef idx="0">
+            <a:schemeClr val="dk1"/>
+          </a:effectRef>
+          <a:fontRef idx="minor">
+            <a:schemeClr val="tx1"/>
+          </a:fontRef>
+        </p:style>
+      </p:cxnSp>
+    </p:spTree>
+    <p:extLst>
+      <p:ext uri="{BB962C8B-B14F-4D97-AF65-F5344CB8AC3E}">
+        <p14:creationId xmlns:p14="http://schemas.microsoft.com/office/powerpoint/2010/main" val="286940066"/>
       </p:ext>
     </p:extLst>
   </p:cSld>

--- a/image/sozai.pptx
+++ b/image/sozai.pptx
@@ -8654,8 +8654,8 @@
         </p:nvSpPr>
         <p:spPr>
           <a:xfrm>
-            <a:off x="3981450" y="1099502"/>
-            <a:ext cx="3057526" cy="3167404"/>
+            <a:off x="3905250" y="1276350"/>
+            <a:ext cx="4819650" cy="2076450"/>
           </a:xfrm>
           <a:prstGeom prst="rect">
             <a:avLst/>
@@ -8720,7 +8720,7 @@
         </p:nvSpPr>
         <p:spPr>
           <a:xfrm>
-            <a:off x="4403963" y="3357931"/>
+            <a:off x="7354886" y="1672948"/>
             <a:ext cx="1025515" cy="471396"/>
           </a:xfrm>
           <a:prstGeom prst="roundRect">
@@ -8849,15 +8849,15 @@
           </p:cNvPr>
           <p:cNvCxnSpPr>
             <a:cxnSpLocks/>
-            <a:stCxn id="9" idx="2"/>
-            <a:endCxn id="3" idx="0"/>
+            <a:stCxn id="9" idx="3"/>
+            <a:endCxn id="3" idx="1"/>
           </p:cNvCxnSpPr>
           <p:nvPr/>
         </p:nvCxnSpPr>
         <p:spPr>
-          <a:xfrm>
-            <a:off x="4916721" y="2966856"/>
-            <a:ext cx="0" cy="391075"/>
+          <a:xfrm flipV="1">
+            <a:off x="6781331" y="1908646"/>
+            <a:ext cx="573555" cy="844"/>
           </a:xfrm>
           <a:prstGeom prst="straightConnector1">
             <a:avLst/>
@@ -8895,7 +8895,7 @@
         </p:nvSpPr>
         <p:spPr>
           <a:xfrm>
-            <a:off x="4589562" y="2536263"/>
+            <a:off x="6127014" y="1694193"/>
             <a:ext cx="654317" cy="430593"/>
           </a:xfrm>
           <a:prstGeom prst="roundRect">
@@ -8977,15 +8977,15 @@
           </p:cNvPr>
           <p:cNvCxnSpPr>
             <a:cxnSpLocks/>
-            <a:stCxn id="4" idx="2"/>
-            <a:endCxn id="9" idx="0"/>
+            <a:stCxn id="4" idx="3"/>
+            <a:endCxn id="9" idx="1"/>
           </p:cNvCxnSpPr>
           <p:nvPr/>
         </p:nvCxnSpPr>
         <p:spPr>
-          <a:xfrm flipH="1">
-            <a:off x="4916721" y="2145189"/>
-            <a:ext cx="2" cy="391074"/>
+          <a:xfrm flipV="1">
+            <a:off x="5429480" y="1909490"/>
+            <a:ext cx="697534" cy="1"/>
           </a:xfrm>
           <a:prstGeom prst="straightConnector1">
             <a:avLst/>
@@ -9020,19 +9020,20 @@
           </p:cNvPr>
           <p:cNvCxnSpPr>
             <a:cxnSpLocks/>
-            <a:stCxn id="3" idx="2"/>
+            <a:stCxn id="3" idx="3"/>
             <a:endCxn id="24" idx="2"/>
           </p:cNvCxnSpPr>
           <p:nvPr/>
         </p:nvCxnSpPr>
         <p:spPr>
-          <a:xfrm rot="5400000" flipH="1" flipV="1">
-            <a:off x="5674033" y="3049187"/>
-            <a:ext cx="22828" cy="1537452"/>
-          </a:xfrm>
-          <a:prstGeom prst="bentConnector3">
+          <a:xfrm flipH="1">
+            <a:off x="7867643" y="1908646"/>
+            <a:ext cx="512758" cy="1074658"/>
+          </a:xfrm>
+          <a:prstGeom prst="bentConnector4">
             <a:avLst>
-              <a:gd name="adj1" fmla="val -1001402"/>
+              <a:gd name="adj1" fmla="val -44582"/>
+              <a:gd name="adj2" fmla="val 121272"/>
             </a:avLst>
           </a:prstGeom>
           <a:ln>
@@ -9068,7 +9069,7 @@
         </p:nvSpPr>
         <p:spPr>
           <a:xfrm>
-            <a:off x="6086475" y="3375906"/>
+            <a:off x="7499945" y="2552711"/>
             <a:ext cx="735396" cy="430593"/>
           </a:xfrm>
           <a:prstGeom prst="roundRect">
@@ -9145,15 +9146,15 @@
           </p:cNvPr>
           <p:cNvCxnSpPr>
             <a:cxnSpLocks/>
-            <a:stCxn id="24" idx="1"/>
-            <a:endCxn id="3" idx="3"/>
+            <a:stCxn id="24" idx="0"/>
+            <a:endCxn id="3" idx="2"/>
           </p:cNvCxnSpPr>
           <p:nvPr/>
         </p:nvCxnSpPr>
         <p:spPr>
-          <a:xfrm flipH="1">
-            <a:off x="5429478" y="3591203"/>
-            <a:ext cx="656997" cy="2426"/>
+          <a:xfrm flipV="1">
+            <a:off x="7867643" y="2144344"/>
+            <a:ext cx="1" cy="408367"/>
           </a:xfrm>
           <a:prstGeom prst="straightConnector1">
             <a:avLst/>
@@ -9177,6 +9178,172 @@
           </a:fontRef>
         </p:style>
       </p:cxnSp>
+      <p:sp>
+        <p:nvSpPr>
+          <p:cNvPr id="33" name="テキスト ボックス 32">
+            <a:extLst>
+              <a:ext uri="{FF2B5EF4-FFF2-40B4-BE49-F238E27FC236}">
+                <a16:creationId xmlns:a16="http://schemas.microsoft.com/office/drawing/2014/main" id="{1E86C28B-F34F-6CF3-CE44-E36CEA6F1632}"/>
+              </a:ext>
+            </a:extLst>
+          </p:cNvPr>
+          <p:cNvSpPr txBox="1"/>
+          <p:nvPr/>
+        </p:nvSpPr>
+        <p:spPr>
+          <a:xfrm>
+            <a:off x="3180425" y="1770991"/>
+            <a:ext cx="620683" cy="276999"/>
+          </a:xfrm>
+          <a:prstGeom prst="rect">
+            <a:avLst/>
+          </a:prstGeom>
+          <a:noFill/>
+        </p:spPr>
+        <p:txBody>
+          <a:bodyPr wrap="none" rtlCol="0">
+            <a:spAutoFit/>
+          </a:bodyPr>
+          <a:lstStyle/>
+          <a:p>
+            <a:r>
+              <a:rPr kumimoji="1" lang="en-US" altLang="ja-JP" sz="1200" dirty="0"/>
+              <a:t>“</a:t>
+            </a:r>
+            <a:r>
+              <a:rPr kumimoji="1" lang="ja-JP" altLang="en-US" sz="1200" dirty="0"/>
+              <a:t>単語</a:t>
+            </a:r>
+            <a:r>
+              <a:rPr kumimoji="1" lang="en-US" altLang="ja-JP" sz="1200" dirty="0"/>
+              <a:t>”</a:t>
+            </a:r>
+            <a:endParaRPr kumimoji="1" lang="ja-JP" altLang="en-US" sz="1200" dirty="0"/>
+          </a:p>
+        </p:txBody>
+      </p:sp>
+      <p:cxnSp>
+        <p:nvCxnSpPr>
+          <p:cNvPr id="35" name="直線矢印コネクタ 34">
+            <a:extLst>
+              <a:ext uri="{FF2B5EF4-FFF2-40B4-BE49-F238E27FC236}">
+                <a16:creationId xmlns:a16="http://schemas.microsoft.com/office/drawing/2014/main" id="{250DE595-6475-6E94-332C-7A75F7F2537D}"/>
+              </a:ext>
+            </a:extLst>
+          </p:cNvPr>
+          <p:cNvCxnSpPr>
+            <a:cxnSpLocks/>
+            <a:stCxn id="33" idx="3"/>
+            <a:endCxn id="4" idx="1"/>
+          </p:cNvCxnSpPr>
+          <p:nvPr/>
+        </p:nvCxnSpPr>
+        <p:spPr>
+          <a:xfrm>
+            <a:off x="3801108" y="1909491"/>
+            <a:ext cx="602857" cy="0"/>
+          </a:xfrm>
+          <a:prstGeom prst="straightConnector1">
+            <a:avLst/>
+          </a:prstGeom>
+          <a:ln>
+            <a:tailEnd type="triangle"/>
+          </a:ln>
+        </p:spPr>
+        <p:style>
+          <a:lnRef idx="1">
+            <a:schemeClr val="dk1"/>
+          </a:lnRef>
+          <a:fillRef idx="0">
+            <a:schemeClr val="dk1"/>
+          </a:fillRef>
+          <a:effectRef idx="0">
+            <a:schemeClr val="dk1"/>
+          </a:effectRef>
+          <a:fontRef idx="minor">
+            <a:schemeClr val="tx1"/>
+          </a:fontRef>
+        </p:style>
+      </p:cxnSp>
+      <p:cxnSp>
+        <p:nvCxnSpPr>
+          <p:cNvPr id="39" name="直線矢印コネクタ 38">
+            <a:extLst>
+              <a:ext uri="{FF2B5EF4-FFF2-40B4-BE49-F238E27FC236}">
+                <a16:creationId xmlns:a16="http://schemas.microsoft.com/office/drawing/2014/main" id="{E5546609-B4F4-2843-6FF3-16D525CFF043}"/>
+              </a:ext>
+            </a:extLst>
+          </p:cNvPr>
+          <p:cNvCxnSpPr>
+            <a:cxnSpLocks/>
+            <a:stCxn id="24" idx="1"/>
+            <a:endCxn id="42" idx="3"/>
+          </p:cNvCxnSpPr>
+          <p:nvPr/>
+        </p:nvCxnSpPr>
+        <p:spPr>
+          <a:xfrm flipH="1">
+            <a:off x="3805722" y="2768008"/>
+            <a:ext cx="3694223" cy="1636"/>
+          </a:xfrm>
+          <a:prstGeom prst="straightConnector1">
+            <a:avLst/>
+          </a:prstGeom>
+          <a:ln>
+            <a:tailEnd type="triangle"/>
+          </a:ln>
+        </p:spPr>
+        <p:style>
+          <a:lnRef idx="1">
+            <a:schemeClr val="dk1"/>
+          </a:lnRef>
+          <a:fillRef idx="0">
+            <a:schemeClr val="dk1"/>
+          </a:fillRef>
+          <a:effectRef idx="0">
+            <a:schemeClr val="dk1"/>
+          </a:effectRef>
+          <a:fontRef idx="minor">
+            <a:schemeClr val="tx1"/>
+          </a:fontRef>
+        </p:style>
+      </p:cxnSp>
+      <p:sp>
+        <p:nvSpPr>
+          <p:cNvPr id="42" name="テキスト ボックス 41">
+            <a:extLst>
+              <a:ext uri="{FF2B5EF4-FFF2-40B4-BE49-F238E27FC236}">
+                <a16:creationId xmlns:a16="http://schemas.microsoft.com/office/drawing/2014/main" id="{0F903332-C0F7-20C6-9E7D-E9752997929A}"/>
+              </a:ext>
+            </a:extLst>
+          </p:cNvPr>
+          <p:cNvSpPr txBox="1"/>
+          <p:nvPr/>
+        </p:nvSpPr>
+        <p:spPr>
+          <a:xfrm>
+            <a:off x="2851615" y="2631144"/>
+            <a:ext cx="954107" cy="276999"/>
+          </a:xfrm>
+          <a:prstGeom prst="rect">
+            <a:avLst/>
+          </a:prstGeom>
+          <a:noFill/>
+        </p:spPr>
+        <p:txBody>
+          <a:bodyPr wrap="none" rtlCol="0">
+            <a:spAutoFit/>
+          </a:bodyPr>
+          <a:lstStyle/>
+          <a:p>
+            <a:r>
+              <a:rPr lang="ja-JP" altLang="en-US" sz="1200" dirty="0"/>
+              <a:t>概念レベル</a:t>
+            </a:r>
+            <a:endParaRPr kumimoji="1" lang="ja-JP" altLang="en-US" sz="1200" dirty="0"/>
+          </a:p>
+        </p:txBody>
+      </p:sp>
     </p:spTree>
     <p:extLst>
       <p:ext uri="{BB962C8B-B14F-4D97-AF65-F5344CB8AC3E}">
@@ -9221,7 +9388,7 @@
         </p:nvSpPr>
         <p:spPr>
           <a:xfrm>
-            <a:off x="5776912" y="561975"/>
+            <a:off x="4874672" y="707206"/>
             <a:ext cx="638175" cy="590550"/>
           </a:xfrm>
           <a:prstGeom prst="ellipse">
@@ -9356,7 +9523,7 @@
         </p:nvSpPr>
         <p:spPr>
           <a:xfrm>
-            <a:off x="5626892" y="1952625"/>
+            <a:off x="4923232" y="1977509"/>
             <a:ext cx="938213" cy="419100"/>
           </a:xfrm>
           <a:prstGeom prst="ellipse">
@@ -9430,7 +9597,7 @@
         </p:nvSpPr>
         <p:spPr>
           <a:xfrm>
-            <a:off x="7853362" y="1952625"/>
+            <a:off x="6555680" y="1977509"/>
             <a:ext cx="938213" cy="419100"/>
           </a:xfrm>
           <a:prstGeom prst="ellipse">
@@ -9504,8 +9671,8 @@
         </p:nvSpPr>
         <p:spPr>
           <a:xfrm>
-            <a:off x="3143250" y="1819275"/>
-            <a:ext cx="5905500" cy="704850"/>
+            <a:off x="816399" y="1819275"/>
+            <a:ext cx="8754721" cy="704850"/>
           </a:xfrm>
           <a:prstGeom prst="rect">
             <a:avLst/>
@@ -9556,7 +9723,7 @@
         </p:nvSpPr>
         <p:spPr>
           <a:xfrm>
-            <a:off x="4860774" y="2002393"/>
+            <a:off x="4470134" y="2002393"/>
             <a:ext cx="243978" cy="369332"/>
           </a:xfrm>
           <a:prstGeom prst="rect">
@@ -9592,7 +9759,7 @@
         </p:nvSpPr>
         <p:spPr>
           <a:xfrm>
-            <a:off x="7087244" y="2002393"/>
+            <a:off x="6086574" y="2052661"/>
             <a:ext cx="243978" cy="369332"/>
           </a:xfrm>
           <a:prstGeom prst="rect">
@@ -9628,7 +9795,7 @@
         </p:nvSpPr>
         <p:spPr>
           <a:xfrm>
-            <a:off x="2135670" y="2056254"/>
+            <a:off x="1007386" y="1614999"/>
             <a:ext cx="1031051" cy="261610"/>
           </a:xfrm>
           <a:prstGeom prst="rect">
@@ -9665,9 +9832,9 @@
           <p:nvPr/>
         </p:nvCxnSpPr>
         <p:spPr>
-          <a:xfrm flipH="1">
-            <a:off x="3865844" y="2371725"/>
-            <a:ext cx="3685" cy="664569"/>
+          <a:xfrm>
+            <a:off x="3869529" y="2371725"/>
+            <a:ext cx="0" cy="787156"/>
           </a:xfrm>
           <a:prstGeom prst="straightConnector1">
             <a:avLst/>
@@ -9708,7 +9875,7 @@
         </p:nvSpPr>
         <p:spPr>
           <a:xfrm>
-            <a:off x="2526454" y="3036294"/>
+            <a:off x="1800996" y="3280280"/>
             <a:ext cx="4140676" cy="704850"/>
           </a:xfrm>
           <a:prstGeom prst="rect">
@@ -9760,7 +9927,7 @@
         </p:nvSpPr>
         <p:spPr>
           <a:xfrm>
-            <a:off x="2620878" y="3179169"/>
+            <a:off x="1895420" y="3423155"/>
             <a:ext cx="1134588" cy="419100"/>
           </a:xfrm>
           <a:prstGeom prst="ellipse">
@@ -9834,7 +10001,7 @@
         </p:nvSpPr>
         <p:spPr>
           <a:xfrm>
-            <a:off x="5145385" y="3192014"/>
+            <a:off x="4419927" y="3436000"/>
             <a:ext cx="1134588" cy="419100"/>
           </a:xfrm>
           <a:prstGeom prst="ellipse">
@@ -9908,7 +10075,7 @@
         </p:nvSpPr>
         <p:spPr>
           <a:xfrm>
-            <a:off x="1419011" y="3316825"/>
+            <a:off x="692707" y="3503567"/>
             <a:ext cx="1127232" cy="253916"/>
           </a:xfrm>
           <a:prstGeom prst="rect">
@@ -9947,7 +10114,7 @@
         </p:nvSpPr>
         <p:spPr>
           <a:xfrm>
-            <a:off x="3743855" y="3300375"/>
+            <a:off x="3438868" y="3520538"/>
             <a:ext cx="243978" cy="369332"/>
           </a:xfrm>
           <a:prstGeom prst="rect">
@@ -9986,8 +10153,8 @@
         </p:nvCxnSpPr>
         <p:spPr>
           <a:xfrm>
-            <a:off x="3188172" y="3598269"/>
-            <a:ext cx="0" cy="673283"/>
+            <a:off x="2462714" y="3842255"/>
+            <a:ext cx="0" cy="959166"/>
           </a:xfrm>
           <a:prstGeom prst="straightConnector1">
             <a:avLst/>
@@ -10028,8 +10195,8 @@
         </p:nvSpPr>
         <p:spPr>
           <a:xfrm>
-            <a:off x="1848781" y="4244805"/>
-            <a:ext cx="4140677" cy="704850"/>
+            <a:off x="1756124" y="4811634"/>
+            <a:ext cx="4181579" cy="704850"/>
           </a:xfrm>
           <a:prstGeom prst="rect">
             <a:avLst/>
@@ -10080,7 +10247,7 @@
         </p:nvSpPr>
         <p:spPr>
           <a:xfrm>
-            <a:off x="1962844" y="4371630"/>
+            <a:off x="1983003" y="4938459"/>
             <a:ext cx="1134588" cy="419100"/>
           </a:xfrm>
           <a:prstGeom prst="ellipse">
@@ -10154,7 +10321,7 @@
         </p:nvSpPr>
         <p:spPr>
           <a:xfrm>
-            <a:off x="4379791" y="4415208"/>
+            <a:off x="4399950" y="4982037"/>
             <a:ext cx="1134588" cy="419100"/>
           </a:xfrm>
           <a:prstGeom prst="ellipse">
@@ -10230,7 +10397,7 @@
             </p:nvSpPr>
             <p:spPr>
               <a:xfrm>
-                <a:off x="3246390" y="1093017"/>
+                <a:off x="1010354" y="1861770"/>
                 <a:ext cx="1238908" cy="261610"/>
               </a:xfrm>
               <a:prstGeom prst="rect">
@@ -10276,7 +10443,7 @@
                         <a:rPr kumimoji="1" lang="en-US" altLang="ja-JP" sz="1050" b="0" i="1" smtClean="0">
                           <a:latin typeface="Cambria Math" panose="02040503050406030204" pitchFamily="18" charset="0"/>
                         </a:rPr>
-                        <m:t>=−1</m:t>
+                        <m:t>=0</m:t>
                       </m:r>
                     </m:oMath>
                   </m:oMathPara>
@@ -10303,7 +10470,7 @@
             </p:nvSpPr>
             <p:spPr>
               <a:xfrm>
-                <a:off x="3246390" y="1093017"/>
+                <a:off x="1010354" y="1861770"/>
                 <a:ext cx="1238908" cy="261610"/>
               </a:xfrm>
               <a:prstGeom prst="rect">
@@ -10347,7 +10514,7 @@
             </p:nvSpPr>
             <p:spPr>
               <a:xfrm>
-                <a:off x="6380734" y="3127810"/>
+                <a:off x="6022277" y="3394415"/>
                 <a:ext cx="3417089" cy="417550"/>
               </a:xfrm>
               <a:prstGeom prst="rect">
@@ -10490,7 +10657,7 @@
             </p:nvSpPr>
             <p:spPr>
               <a:xfrm>
-                <a:off x="6380734" y="3127810"/>
+                <a:off x="6022277" y="3394415"/>
                 <a:ext cx="3417089" cy="417550"/>
               </a:xfrm>
               <a:prstGeom prst="rect">
@@ -10532,7 +10699,7 @@
         </p:nvSpPr>
         <p:spPr>
           <a:xfrm>
-            <a:off x="721550" y="4470272"/>
+            <a:off x="673764" y="5037101"/>
             <a:ext cx="1127232" cy="253916"/>
           </a:xfrm>
           <a:prstGeom prst="rect">
@@ -10573,7 +10740,7 @@
             </p:nvSpPr>
             <p:spPr>
               <a:xfrm>
-                <a:off x="5918411" y="4344829"/>
+                <a:off x="6320108" y="4942768"/>
                 <a:ext cx="2825622" cy="417550"/>
               </a:xfrm>
               <a:prstGeom prst="rect">
@@ -10716,7 +10883,7 @@
             </p:nvSpPr>
             <p:spPr>
               <a:xfrm>
-                <a:off x="5918411" y="4344829"/>
+                <a:off x="6320108" y="4942768"/>
                 <a:ext cx="2825622" cy="417550"/>
               </a:xfrm>
               <a:prstGeom prst="rect">
@@ -10762,7 +10929,7 @@
         </p:nvCxnSpPr>
         <p:spPr>
           <a:xfrm flipH="1">
-            <a:off x="2526454" y="4790730"/>
+            <a:off x="2546613" y="5357559"/>
             <a:ext cx="3684" cy="760770"/>
           </a:xfrm>
           <a:prstGeom prst="straightConnector1">
@@ -10804,7 +10971,7 @@
         </p:nvSpPr>
         <p:spPr>
           <a:xfrm>
-            <a:off x="1760860" y="5551500"/>
+            <a:off x="1781019" y="6118329"/>
             <a:ext cx="1531188" cy="253916"/>
           </a:xfrm>
           <a:prstGeom prst="rect">
@@ -10842,7 +11009,7 @@
             </p:nvSpPr>
             <p:spPr>
               <a:xfrm>
-                <a:off x="1938111" y="3767125"/>
+                <a:off x="1218094" y="4375236"/>
                 <a:ext cx="1336215" cy="369332"/>
               </a:xfrm>
               <a:prstGeom prst="rect">
@@ -10913,7 +11080,7 @@
             </p:nvSpPr>
             <p:spPr>
               <a:xfrm>
-                <a:off x="1938111" y="3767125"/>
+                <a:off x="1218094" y="4375236"/>
                 <a:ext cx="1336215" cy="369332"/>
               </a:xfrm>
               <a:prstGeom prst="rect">
@@ -10959,7 +11126,7 @@
         </p:nvCxnSpPr>
         <p:spPr>
           <a:xfrm flipV="1">
-            <a:off x="2526454" y="4834308"/>
+            <a:off x="2546613" y="5401137"/>
             <a:ext cx="2420631" cy="717192"/>
           </a:xfrm>
           <a:prstGeom prst="straightConnector1">
@@ -11005,7 +11172,7 @@
         </p:nvCxnSpPr>
         <p:spPr>
           <a:xfrm>
-            <a:off x="4947085" y="4834308"/>
+            <a:off x="4967244" y="5401137"/>
             <a:ext cx="0" cy="717192"/>
           </a:xfrm>
           <a:prstGeom prst="straightConnector1">
@@ -11047,7 +11214,7 @@
         </p:nvSpPr>
         <p:spPr>
           <a:xfrm>
-            <a:off x="4181491" y="5551500"/>
+            <a:off x="4201650" y="6118329"/>
             <a:ext cx="1531188" cy="253916"/>
           </a:xfrm>
           <a:prstGeom prst="rect">
@@ -11085,7 +11252,7 @@
             </p:nvSpPr>
             <p:spPr>
               <a:xfrm>
-                <a:off x="4527397" y="3745443"/>
+                <a:off x="6022277" y="5681615"/>
                 <a:ext cx="1336215" cy="369332"/>
               </a:xfrm>
               <a:prstGeom prst="rect">
@@ -11162,7 +11329,7 @@
             </p:nvSpPr>
             <p:spPr>
               <a:xfrm>
-                <a:off x="4527397" y="3745443"/>
+                <a:off x="6022277" y="5681615"/>
                 <a:ext cx="1336215" cy="369332"/>
               </a:xfrm>
               <a:prstGeom prst="rect">
@@ -11192,24 +11359,71 @@
       </mc:AlternateContent>
       <p:cxnSp>
         <p:nvCxnSpPr>
-          <p:cNvPr id="72" name="直線矢印コネクタ 71">
-            <a:extLst>
-              <a:ext uri="{FF2B5EF4-FFF2-40B4-BE49-F238E27FC236}">
-                <a16:creationId xmlns:a16="http://schemas.microsoft.com/office/drawing/2014/main" id="{5B74DD66-C188-A67E-9F17-003D92675606}"/>
+          <p:cNvPr id="88" name="コネクタ: カギ線 87">
+            <a:extLst>
+              <a:ext uri="{FF2B5EF4-FFF2-40B4-BE49-F238E27FC236}">
+                <a16:creationId xmlns:a16="http://schemas.microsoft.com/office/drawing/2014/main" id="{3388886C-E7EF-9DC0-41FD-E9BA34DD5CFD}"/>
               </a:ext>
             </a:extLst>
           </p:cNvPr>
           <p:cNvCxnSpPr>
             <a:cxnSpLocks/>
-            <a:stCxn id="34" idx="2"/>
-            <a:endCxn id="3" idx="0"/>
+            <a:stCxn id="60" idx="3"/>
+            <a:endCxn id="15" idx="2"/>
           </p:cNvCxnSpPr>
           <p:nvPr/>
         </p:nvCxnSpPr>
         <p:spPr>
-          <a:xfrm>
-            <a:off x="3865844" y="1354627"/>
-            <a:ext cx="3685" cy="597998"/>
+          <a:xfrm flipH="1" flipV="1">
+            <a:off x="4419927" y="3645550"/>
+            <a:ext cx="1312911" cy="2599737"/>
+          </a:xfrm>
+          <a:prstGeom prst="bentConnector5">
+            <a:avLst>
+              <a:gd name="adj1" fmla="val -26843"/>
+              <a:gd name="adj2" fmla="val 63800"/>
+              <a:gd name="adj3" fmla="val 117412"/>
+            </a:avLst>
+          </a:prstGeom>
+          <a:ln>
+            <a:tailEnd type="triangle"/>
+          </a:ln>
+        </p:spPr>
+        <p:style>
+          <a:lnRef idx="1">
+            <a:schemeClr val="dk1"/>
+          </a:lnRef>
+          <a:fillRef idx="0">
+            <a:schemeClr val="dk1"/>
+          </a:fillRef>
+          <a:effectRef idx="0">
+            <a:schemeClr val="dk1"/>
+          </a:effectRef>
+          <a:fontRef idx="minor">
+            <a:schemeClr val="tx1"/>
+          </a:fontRef>
+        </p:style>
+      </p:cxnSp>
+      <p:cxnSp>
+        <p:nvCxnSpPr>
+          <p:cNvPr id="93" name="直線矢印コネクタ 92">
+            <a:extLst>
+              <a:ext uri="{FF2B5EF4-FFF2-40B4-BE49-F238E27FC236}">
+                <a16:creationId xmlns:a16="http://schemas.microsoft.com/office/drawing/2014/main" id="{B4EC20A3-2685-90ED-3B51-E8E51B3B4F1D}"/>
+              </a:ext>
+            </a:extLst>
+          </p:cNvPr>
+          <p:cNvCxnSpPr>
+            <a:cxnSpLocks/>
+            <a:stCxn id="2" idx="4"/>
+            <a:endCxn id="6" idx="0"/>
+          </p:cNvCxnSpPr>
+          <p:nvPr/>
+        </p:nvCxnSpPr>
+        <p:spPr>
+          <a:xfrm>
+            <a:off x="5193760" y="1297756"/>
+            <a:ext cx="0" cy="521519"/>
           </a:xfrm>
           <a:prstGeom prst="straightConnector1">
             <a:avLst/>
@@ -11236,51 +11450,1211 @@
           </a:fontRef>
         </p:style>
       </p:cxnSp>
+      <p:sp>
+        <p:nvSpPr>
+          <p:cNvPr id="97" name="テキスト ボックス 96">
+            <a:extLst>
+              <a:ext uri="{FF2B5EF4-FFF2-40B4-BE49-F238E27FC236}">
+                <a16:creationId xmlns:a16="http://schemas.microsoft.com/office/drawing/2014/main" id="{F8454979-627F-99AB-88C7-1D036DA657FE}"/>
+              </a:ext>
+            </a:extLst>
+          </p:cNvPr>
+          <p:cNvSpPr txBox="1"/>
+          <p:nvPr/>
+        </p:nvSpPr>
+        <p:spPr>
+          <a:xfrm>
+            <a:off x="5148286" y="1420962"/>
+            <a:ext cx="857927" cy="253916"/>
+          </a:xfrm>
+          <a:prstGeom prst="rect">
+            <a:avLst/>
+          </a:prstGeom>
+          <a:noFill/>
+        </p:spPr>
+        <p:txBody>
+          <a:bodyPr wrap="none" rtlCol="0">
+            <a:spAutoFit/>
+          </a:bodyPr>
+          <a:lstStyle/>
+          <a:p>
+            <a:r>
+              <a:rPr kumimoji="1" lang="ja-JP" altLang="en-US" sz="1050" dirty="0"/>
+              <a:t>同義語検索</a:t>
+            </a:r>
+          </a:p>
+        </p:txBody>
+      </p:sp>
+      <p:sp>
+        <p:nvSpPr>
+          <p:cNvPr id="98" name="テキスト ボックス 97">
+            <a:extLst>
+              <a:ext uri="{FF2B5EF4-FFF2-40B4-BE49-F238E27FC236}">
+                <a16:creationId xmlns:a16="http://schemas.microsoft.com/office/drawing/2014/main" id="{B66BB75D-CA46-FD3D-81C3-0CA5839CCEC4}"/>
+              </a:ext>
+            </a:extLst>
+          </p:cNvPr>
+          <p:cNvSpPr txBox="1"/>
+          <p:nvPr/>
+        </p:nvSpPr>
+        <p:spPr>
+          <a:xfrm>
+            <a:off x="3852612" y="2618579"/>
+            <a:ext cx="992579" cy="253916"/>
+          </a:xfrm>
+          <a:prstGeom prst="rect">
+            <a:avLst/>
+          </a:prstGeom>
+          <a:noFill/>
+        </p:spPr>
+        <p:txBody>
+          <a:bodyPr wrap="none" rtlCol="0">
+            <a:spAutoFit/>
+          </a:bodyPr>
+          <a:lstStyle/>
+          <a:p>
+            <a:r>
+              <a:rPr lang="ja-JP" altLang="en-US" sz="1050" dirty="0"/>
+              <a:t>下位概念</a:t>
+            </a:r>
+            <a:r>
+              <a:rPr kumimoji="1" lang="ja-JP" altLang="en-US" sz="1050" dirty="0"/>
+              <a:t>検索</a:t>
+            </a:r>
+          </a:p>
+        </p:txBody>
+      </p:sp>
+      <p:sp>
+        <p:nvSpPr>
+          <p:cNvPr id="99" name="テキスト ボックス 98">
+            <a:extLst>
+              <a:ext uri="{FF2B5EF4-FFF2-40B4-BE49-F238E27FC236}">
+                <a16:creationId xmlns:a16="http://schemas.microsoft.com/office/drawing/2014/main" id="{6B15990F-78CB-679D-7978-6A00045791B5}"/>
+              </a:ext>
+            </a:extLst>
+          </p:cNvPr>
+          <p:cNvSpPr txBox="1"/>
+          <p:nvPr/>
+        </p:nvSpPr>
+        <p:spPr>
+          <a:xfrm>
+            <a:off x="2407843" y="4242164"/>
+            <a:ext cx="992579" cy="253916"/>
+          </a:xfrm>
+          <a:prstGeom prst="rect">
+            <a:avLst/>
+          </a:prstGeom>
+          <a:noFill/>
+        </p:spPr>
+        <p:txBody>
+          <a:bodyPr wrap="none" rtlCol="0">
+            <a:spAutoFit/>
+          </a:bodyPr>
+          <a:lstStyle/>
+          <a:p>
+            <a:r>
+              <a:rPr lang="ja-JP" altLang="en-US" sz="1050" dirty="0"/>
+              <a:t>下位概念</a:t>
+            </a:r>
+            <a:r>
+              <a:rPr kumimoji="1" lang="ja-JP" altLang="en-US" sz="1050" dirty="0"/>
+              <a:t>検索</a:t>
+            </a:r>
+          </a:p>
+        </p:txBody>
+      </p:sp>
+      <p:sp>
+        <p:nvSpPr>
+          <p:cNvPr id="100" name="テキスト ボックス 99">
+            <a:extLst>
+              <a:ext uri="{FF2B5EF4-FFF2-40B4-BE49-F238E27FC236}">
+                <a16:creationId xmlns:a16="http://schemas.microsoft.com/office/drawing/2014/main" id="{44B63A34-BA48-29B9-8EA7-2F6F201E7279}"/>
+              </a:ext>
+            </a:extLst>
+          </p:cNvPr>
+          <p:cNvSpPr txBox="1"/>
+          <p:nvPr/>
+        </p:nvSpPr>
+        <p:spPr>
+          <a:xfrm>
+            <a:off x="2533231" y="5610497"/>
+            <a:ext cx="992579" cy="253916"/>
+          </a:xfrm>
+          <a:prstGeom prst="rect">
+            <a:avLst/>
+          </a:prstGeom>
+          <a:noFill/>
+        </p:spPr>
+        <p:txBody>
+          <a:bodyPr wrap="none" rtlCol="0">
+            <a:spAutoFit/>
+          </a:bodyPr>
+          <a:lstStyle/>
+          <a:p>
+            <a:r>
+              <a:rPr lang="ja-JP" altLang="en-US" sz="1050" dirty="0"/>
+              <a:t>下位概念</a:t>
+            </a:r>
+            <a:r>
+              <a:rPr kumimoji="1" lang="ja-JP" altLang="en-US" sz="1050" dirty="0"/>
+              <a:t>検索</a:t>
+            </a:r>
+          </a:p>
+        </p:txBody>
+      </p:sp>
+      <p:sp>
+        <p:nvSpPr>
+          <p:cNvPr id="101" name="テキスト ボックス 100">
+            <a:extLst>
+              <a:ext uri="{FF2B5EF4-FFF2-40B4-BE49-F238E27FC236}">
+                <a16:creationId xmlns:a16="http://schemas.microsoft.com/office/drawing/2014/main" id="{42C268DE-E65A-2C9A-04F4-EB53ECB2D495}"/>
+              </a:ext>
+            </a:extLst>
+          </p:cNvPr>
+          <p:cNvSpPr txBox="1"/>
+          <p:nvPr/>
+        </p:nvSpPr>
+        <p:spPr>
+          <a:xfrm>
+            <a:off x="4911506" y="5596463"/>
+            <a:ext cx="992579" cy="253916"/>
+          </a:xfrm>
+          <a:prstGeom prst="rect">
+            <a:avLst/>
+          </a:prstGeom>
+          <a:noFill/>
+        </p:spPr>
+        <p:txBody>
+          <a:bodyPr wrap="none" rtlCol="0">
+            <a:spAutoFit/>
+          </a:bodyPr>
+          <a:lstStyle/>
+          <a:p>
+            <a:r>
+              <a:rPr lang="ja-JP" altLang="en-US" sz="1050" dirty="0"/>
+              <a:t>下位概念</a:t>
+            </a:r>
+            <a:r>
+              <a:rPr kumimoji="1" lang="ja-JP" altLang="en-US" sz="1050" dirty="0"/>
+              <a:t>検索</a:t>
+            </a:r>
+          </a:p>
+        </p:txBody>
+      </p:sp>
+      <p:sp>
+        <p:nvSpPr>
+          <p:cNvPr id="102" name="テキスト ボックス 101">
+            <a:extLst>
+              <a:ext uri="{FF2B5EF4-FFF2-40B4-BE49-F238E27FC236}">
+                <a16:creationId xmlns:a16="http://schemas.microsoft.com/office/drawing/2014/main" id="{B8C68EBA-459B-7C8E-47C3-7113BD5DC1B9}"/>
+              </a:ext>
+            </a:extLst>
+          </p:cNvPr>
+          <p:cNvSpPr txBox="1"/>
+          <p:nvPr/>
+        </p:nvSpPr>
+        <p:spPr>
+          <a:xfrm>
+            <a:off x="4699246" y="710187"/>
+            <a:ext cx="261610" cy="253916"/>
+          </a:xfrm>
+          <a:prstGeom prst="rect">
+            <a:avLst/>
+          </a:prstGeom>
+          <a:noFill/>
+        </p:spPr>
+        <p:txBody>
+          <a:bodyPr wrap="none" rtlCol="0">
+            <a:spAutoFit/>
+          </a:bodyPr>
+          <a:lstStyle/>
+          <a:p>
+            <a:r>
+              <a:rPr kumimoji="1" lang="en-US" altLang="ja-JP" sz="1050" b="1" dirty="0"/>
+              <a:t>1</a:t>
+            </a:r>
+            <a:endParaRPr kumimoji="1" lang="ja-JP" altLang="en-US" sz="1050" b="1" dirty="0"/>
+          </a:p>
+        </p:txBody>
+      </p:sp>
+      <mc:AlternateContent xmlns:mc="http://schemas.openxmlformats.org/markup-compatibility/2006">
+        <mc:Choice xmlns:a14="http://schemas.microsoft.com/office/drawing/2010/main" Requires="a14">
+          <p:sp>
+            <p:nvSpPr>
+              <p:cNvPr id="104" name="テキスト ボックス 103">
+                <a:extLst>
+                  <a:ext uri="{FF2B5EF4-FFF2-40B4-BE49-F238E27FC236}">
+                    <a16:creationId xmlns:a16="http://schemas.microsoft.com/office/drawing/2014/main" id="{6A54D1BF-33B1-2AB0-4BB0-50662B550C10}"/>
+                  </a:ext>
+                </a:extLst>
+              </p:cNvPr>
+              <p:cNvSpPr txBox="1"/>
+              <p:nvPr/>
+            </p:nvSpPr>
+            <p:spPr>
+              <a:xfrm>
+                <a:off x="3643105" y="1036096"/>
+                <a:ext cx="1327119" cy="261610"/>
+              </a:xfrm>
+              <a:prstGeom prst="rect">
+                <a:avLst/>
+              </a:prstGeom>
+              <a:noFill/>
+            </p:spPr>
+            <p:txBody>
+              <a:bodyPr wrap="square">
+                <a:spAutoFit/>
+              </a:bodyPr>
+              <a:lstStyle/>
+              <a:p>
+                <a:pPr/>
+                <a14:m>
+                  <m:oMathPara xmlns:m="http://schemas.openxmlformats.org/officeDocument/2006/math">
+                    <m:oMathParaPr>
+                      <m:jc m:val="centerGroup"/>
+                    </m:oMathParaPr>
+                    <m:oMath xmlns:m="http://schemas.openxmlformats.org/officeDocument/2006/math">
+                      <m:r>
+                        <a:rPr lang="en-US" altLang="ja-JP" sz="1050" i="1" smtClean="0">
+                          <a:latin typeface="Cambria Math" panose="02040503050406030204" pitchFamily="18" charset="0"/>
+                        </a:rPr>
+                        <m:t>𝑐𝑜𝑛𝑐𝑒𝑝𝑡</m:t>
+                      </m:r>
+                      <m:r>
+                        <m:rPr>
+                          <m:lit/>
+                        </m:rPr>
+                        <a:rPr lang="en-US" altLang="ja-JP" sz="1050" i="1">
+                          <a:latin typeface="Cambria Math" panose="02040503050406030204" pitchFamily="18" charset="0"/>
+                        </a:rPr>
+                        <m:t>_</m:t>
+                      </m:r>
+                      <m:r>
+                        <a:rPr lang="en-US" altLang="ja-JP" sz="1050" i="1">
+                          <a:latin typeface="Cambria Math" panose="02040503050406030204" pitchFamily="18" charset="0"/>
+                        </a:rPr>
+                        <m:t>𝑙𝑒𝑣𝑒𝑙</m:t>
+                      </m:r>
+                      <m:r>
+                        <a:rPr lang="en-US" altLang="ja-JP" sz="1050" b="0" i="1" smtClean="0">
+                          <a:latin typeface="Cambria Math" panose="02040503050406030204" pitchFamily="18" charset="0"/>
+                        </a:rPr>
+                        <m:t>=0</m:t>
+                      </m:r>
+                    </m:oMath>
+                  </m:oMathPara>
+                </a14:m>
+                <a:endParaRPr lang="ja-JP" altLang="en-US" sz="1050" dirty="0"/>
+              </a:p>
+            </p:txBody>
+          </p:sp>
+        </mc:Choice>
+        <mc:Fallback>
+          <p:sp>
+            <p:nvSpPr>
+              <p:cNvPr id="104" name="テキスト ボックス 103">
+                <a:extLst>
+                  <a:ext uri="{FF2B5EF4-FFF2-40B4-BE49-F238E27FC236}">
+                    <a16:creationId xmlns:a16="http://schemas.microsoft.com/office/drawing/2014/main" id="{6A54D1BF-33B1-2AB0-4BB0-50662B550C10}"/>
+                  </a:ext>
+                </a:extLst>
+              </p:cNvPr>
+              <p:cNvSpPr txBox="1">
+                <a:spLocks noRot="1" noChangeAspect="1" noMove="1" noResize="1" noEditPoints="1" noAdjustHandles="1" noChangeArrowheads="1" noChangeShapeType="1" noTextEdit="1"/>
+              </p:cNvSpPr>
+              <p:nvPr/>
+            </p:nvSpPr>
+            <p:spPr>
+              <a:xfrm>
+                <a:off x="3643105" y="1036096"/>
+                <a:ext cx="1327119" cy="261610"/>
+              </a:xfrm>
+              <a:prstGeom prst="rect">
+                <a:avLst/>
+              </a:prstGeom>
+              <a:blipFill>
+                <a:blip r:embed="rId7"/>
+                <a:stretch>
+                  <a:fillRect/>
+                </a:stretch>
+              </a:blipFill>
+            </p:spPr>
+            <p:txBody>
+              <a:bodyPr/>
+              <a:lstStyle/>
+              <a:p>
+                <a:r>
+                  <a:rPr lang="ja-JP" altLang="en-US">
+                    <a:noFill/>
+                  </a:rPr>
+                  <a:t> </a:t>
+                </a:r>
+              </a:p>
+            </p:txBody>
+          </p:sp>
+        </mc:Fallback>
+      </mc:AlternateContent>
+      <p:sp>
+        <p:nvSpPr>
+          <p:cNvPr id="105" name="テキスト ボックス 104">
+            <a:extLst>
+              <a:ext uri="{FF2B5EF4-FFF2-40B4-BE49-F238E27FC236}">
+                <a16:creationId xmlns:a16="http://schemas.microsoft.com/office/drawing/2014/main" id="{DEB81AA3-02E0-DB1A-C38D-2F68ADFF89CE}"/>
+              </a:ext>
+            </a:extLst>
+          </p:cNvPr>
+          <p:cNvSpPr txBox="1"/>
+          <p:nvPr/>
+        </p:nvSpPr>
+        <p:spPr>
+          <a:xfrm>
+            <a:off x="3643105" y="900244"/>
+            <a:ext cx="261610" cy="253916"/>
+          </a:xfrm>
+          <a:prstGeom prst="rect">
+            <a:avLst/>
+          </a:prstGeom>
+          <a:noFill/>
+        </p:spPr>
+        <p:txBody>
+          <a:bodyPr wrap="none" rtlCol="0">
+            <a:spAutoFit/>
+          </a:bodyPr>
+          <a:lstStyle/>
+          <a:p>
+            <a:r>
+              <a:rPr lang="en-US" altLang="ja-JP" sz="1050" b="1" dirty="0"/>
+              <a:t>2</a:t>
+            </a:r>
+            <a:endParaRPr kumimoji="1" lang="ja-JP" altLang="en-US" sz="1050" b="1" dirty="0"/>
+          </a:p>
+        </p:txBody>
+      </p:sp>
+      <p:sp>
+        <p:nvSpPr>
+          <p:cNvPr id="106" name="テキスト ボックス 105">
+            <a:extLst>
+              <a:ext uri="{FF2B5EF4-FFF2-40B4-BE49-F238E27FC236}">
+                <a16:creationId xmlns:a16="http://schemas.microsoft.com/office/drawing/2014/main" id="{F39E052E-9135-82AC-6CAE-F541A59763FD}"/>
+              </a:ext>
+            </a:extLst>
+          </p:cNvPr>
+          <p:cNvSpPr txBox="1"/>
+          <p:nvPr/>
+        </p:nvSpPr>
+        <p:spPr>
+          <a:xfrm>
+            <a:off x="756801" y="1614999"/>
+            <a:ext cx="396262" cy="253916"/>
+          </a:xfrm>
+          <a:prstGeom prst="rect">
+            <a:avLst/>
+          </a:prstGeom>
+          <a:noFill/>
+        </p:spPr>
+        <p:txBody>
+          <a:bodyPr wrap="none" rtlCol="0">
+            <a:spAutoFit/>
+          </a:bodyPr>
+          <a:lstStyle/>
+          <a:p>
+            <a:r>
+              <a:rPr lang="en-US" altLang="ja-JP" sz="1050" b="1" dirty="0"/>
+              <a:t>4-6</a:t>
+            </a:r>
+            <a:endParaRPr kumimoji="1" lang="ja-JP" altLang="en-US" sz="1050" b="1" dirty="0"/>
+          </a:p>
+        </p:txBody>
+      </p:sp>
+      <p:sp>
+        <p:nvSpPr>
+          <p:cNvPr id="107" name="テキスト ボックス 106">
+            <a:extLst>
+              <a:ext uri="{FF2B5EF4-FFF2-40B4-BE49-F238E27FC236}">
+                <a16:creationId xmlns:a16="http://schemas.microsoft.com/office/drawing/2014/main" id="{1819B8D5-E8D4-C3DC-6543-6083A31936A7}"/>
+              </a:ext>
+            </a:extLst>
+          </p:cNvPr>
+          <p:cNvSpPr txBox="1"/>
+          <p:nvPr/>
+        </p:nvSpPr>
+        <p:spPr>
+          <a:xfrm>
+            <a:off x="486011" y="1096022"/>
+            <a:ext cx="261610" cy="253916"/>
+          </a:xfrm>
+          <a:prstGeom prst="rect">
+            <a:avLst/>
+          </a:prstGeom>
+          <a:noFill/>
+        </p:spPr>
+        <p:txBody>
+          <a:bodyPr wrap="none" rtlCol="0">
+            <a:spAutoFit/>
+          </a:bodyPr>
+          <a:lstStyle/>
+          <a:p>
+            <a:r>
+              <a:rPr kumimoji="1" lang="en-US" altLang="ja-JP" sz="1050" b="1" dirty="0"/>
+              <a:t>7</a:t>
+            </a:r>
+            <a:endParaRPr kumimoji="1" lang="ja-JP" altLang="en-US" sz="1050" b="1" dirty="0"/>
+          </a:p>
+        </p:txBody>
+      </p:sp>
+      <p:sp>
+        <p:nvSpPr>
+          <p:cNvPr id="108" name="テキスト ボックス 107">
+            <a:extLst>
+              <a:ext uri="{FF2B5EF4-FFF2-40B4-BE49-F238E27FC236}">
+                <a16:creationId xmlns:a16="http://schemas.microsoft.com/office/drawing/2014/main" id="{B3071236-49F9-CAC5-ADA4-68C335E6FFF4}"/>
+              </a:ext>
+            </a:extLst>
+          </p:cNvPr>
+          <p:cNvSpPr txBox="1"/>
+          <p:nvPr/>
+        </p:nvSpPr>
+        <p:spPr>
+          <a:xfrm>
+            <a:off x="3101539" y="1907158"/>
+            <a:ext cx="452368" cy="253916"/>
+          </a:xfrm>
+          <a:prstGeom prst="rect">
+            <a:avLst/>
+          </a:prstGeom>
+          <a:noFill/>
+        </p:spPr>
+        <p:txBody>
+          <a:bodyPr wrap="square" rtlCol="0">
+            <a:spAutoFit/>
+          </a:bodyPr>
+          <a:lstStyle/>
+          <a:p>
+            <a:r>
+              <a:rPr lang="en-US" altLang="ja-JP" sz="1050" b="1" dirty="0"/>
+              <a:t>7(b)</a:t>
+            </a:r>
+            <a:endParaRPr kumimoji="1" lang="ja-JP" altLang="en-US" sz="1050" b="1" dirty="0"/>
+          </a:p>
+        </p:txBody>
+      </p:sp>
+      <p:sp>
+        <p:nvSpPr>
+          <p:cNvPr id="109" name="テキスト ボックス 108">
+            <a:extLst>
+              <a:ext uri="{FF2B5EF4-FFF2-40B4-BE49-F238E27FC236}">
+                <a16:creationId xmlns:a16="http://schemas.microsoft.com/office/drawing/2014/main" id="{49238B2D-3004-B262-95D9-44FFC9542D0D}"/>
+              </a:ext>
+            </a:extLst>
+          </p:cNvPr>
+          <p:cNvSpPr txBox="1"/>
+          <p:nvPr/>
+        </p:nvSpPr>
+        <p:spPr>
+          <a:xfrm>
+            <a:off x="924069" y="3310672"/>
+            <a:ext cx="755335" cy="253916"/>
+          </a:xfrm>
+          <a:prstGeom prst="rect">
+            <a:avLst/>
+          </a:prstGeom>
+          <a:noFill/>
+        </p:spPr>
+        <p:txBody>
+          <a:bodyPr wrap="none" rtlCol="0">
+            <a:spAutoFit/>
+          </a:bodyPr>
+          <a:lstStyle/>
+          <a:p>
+            <a:r>
+              <a:rPr lang="en-US" altLang="ja-JP" sz="1050" b="1" dirty="0"/>
+              <a:t>7(d),7(e)</a:t>
+            </a:r>
+            <a:endParaRPr kumimoji="1" lang="ja-JP" altLang="en-US" sz="1050" b="1" dirty="0"/>
+          </a:p>
+        </p:txBody>
+      </p:sp>
+      <p:sp>
+        <p:nvSpPr>
+          <p:cNvPr id="110" name="正方形/長方形 109">
+            <a:extLst>
+              <a:ext uri="{FF2B5EF4-FFF2-40B4-BE49-F238E27FC236}">
+                <a16:creationId xmlns:a16="http://schemas.microsoft.com/office/drawing/2014/main" id="{7DFC7AB3-5251-B7FF-DB04-F6D14871639A}"/>
+              </a:ext>
+            </a:extLst>
+          </p:cNvPr>
+          <p:cNvSpPr/>
+          <p:nvPr/>
+        </p:nvSpPr>
+        <p:spPr>
+          <a:xfrm>
+            <a:off x="552450" y="1345202"/>
+            <a:ext cx="9148303" cy="1527293"/>
+          </a:xfrm>
+          <a:prstGeom prst="rect">
+            <a:avLst/>
+          </a:prstGeom>
+          <a:noFill/>
+          <a:ln>
+            <a:prstDash val="sysDot"/>
+          </a:ln>
+        </p:spPr>
+        <p:style>
+          <a:lnRef idx="2">
+            <a:schemeClr val="accent1">
+              <a:shade val="50000"/>
+            </a:schemeClr>
+          </a:lnRef>
+          <a:fillRef idx="1">
+            <a:schemeClr val="accent1"/>
+          </a:fillRef>
+          <a:effectRef idx="0">
+            <a:schemeClr val="accent1"/>
+          </a:effectRef>
+          <a:fontRef idx="minor">
+            <a:schemeClr val="lt1"/>
+          </a:fontRef>
+        </p:style>
+        <p:txBody>
+          <a:bodyPr rtlCol="0" anchor="ctr"/>
+          <a:lstStyle/>
+          <a:p>
+            <a:pPr algn="ctr"/>
+            <a:endParaRPr kumimoji="1" lang="ja-JP" altLang="en-US"/>
+          </a:p>
+        </p:txBody>
+      </p:sp>
+      <p:sp>
+        <p:nvSpPr>
+          <p:cNvPr id="111" name="テキスト ボックス 110">
+            <a:extLst>
+              <a:ext uri="{FF2B5EF4-FFF2-40B4-BE49-F238E27FC236}">
+                <a16:creationId xmlns:a16="http://schemas.microsoft.com/office/drawing/2014/main" id="{FFFDD8FD-1987-FDE1-CC08-F41BF9490206}"/>
+              </a:ext>
+            </a:extLst>
+          </p:cNvPr>
+          <p:cNvSpPr txBox="1"/>
+          <p:nvPr/>
+        </p:nvSpPr>
+        <p:spPr>
+          <a:xfrm>
+            <a:off x="790334" y="1861163"/>
+            <a:ext cx="449162" cy="253916"/>
+          </a:xfrm>
+          <a:prstGeom prst="rect">
+            <a:avLst/>
+          </a:prstGeom>
+          <a:noFill/>
+        </p:spPr>
+        <p:txBody>
+          <a:bodyPr wrap="none" rtlCol="0">
+            <a:spAutoFit/>
+          </a:bodyPr>
+          <a:lstStyle/>
+          <a:p>
+            <a:r>
+              <a:rPr lang="en-US" altLang="ja-JP" sz="1050" b="1" dirty="0"/>
+              <a:t>7(a)</a:t>
+            </a:r>
+            <a:endParaRPr kumimoji="1" lang="ja-JP" altLang="en-US" sz="1050" b="1" dirty="0"/>
+          </a:p>
+        </p:txBody>
+      </p:sp>
+      <p:sp>
+        <p:nvSpPr>
+          <p:cNvPr id="112" name="正方形/長方形 111">
+            <a:extLst>
+              <a:ext uri="{FF2B5EF4-FFF2-40B4-BE49-F238E27FC236}">
+                <a16:creationId xmlns:a16="http://schemas.microsoft.com/office/drawing/2014/main" id="{C82BA103-3133-898A-0AC9-0A09040A73C2}"/>
+              </a:ext>
+            </a:extLst>
+          </p:cNvPr>
+          <p:cNvSpPr/>
+          <p:nvPr/>
+        </p:nvSpPr>
+        <p:spPr>
+          <a:xfrm>
+            <a:off x="544176" y="3158881"/>
+            <a:ext cx="8629427" cy="3283701"/>
+          </a:xfrm>
+          <a:prstGeom prst="rect">
+            <a:avLst/>
+          </a:prstGeom>
+          <a:noFill/>
+          <a:ln>
+            <a:prstDash val="sysDot"/>
+          </a:ln>
+        </p:spPr>
+        <p:style>
+          <a:lnRef idx="2">
+            <a:schemeClr val="accent1">
+              <a:shade val="50000"/>
+            </a:schemeClr>
+          </a:lnRef>
+          <a:fillRef idx="1">
+            <a:schemeClr val="accent1"/>
+          </a:fillRef>
+          <a:effectRef idx="0">
+            <a:schemeClr val="accent1"/>
+          </a:effectRef>
+          <a:fontRef idx="minor">
+            <a:schemeClr val="lt1"/>
+          </a:fontRef>
+        </p:style>
+        <p:txBody>
+          <a:bodyPr rtlCol="0" anchor="ctr"/>
+          <a:lstStyle/>
+          <a:p>
+            <a:pPr algn="ctr"/>
+            <a:endParaRPr kumimoji="1" lang="ja-JP" altLang="en-US"/>
+          </a:p>
+        </p:txBody>
+      </p:sp>
+      <p:sp>
+        <p:nvSpPr>
+          <p:cNvPr id="113" name="テキスト ボックス 112">
+            <a:extLst>
+              <a:ext uri="{FF2B5EF4-FFF2-40B4-BE49-F238E27FC236}">
+                <a16:creationId xmlns:a16="http://schemas.microsoft.com/office/drawing/2014/main" id="{949CE606-0E77-3D2F-37C9-58FF8A8E1AF7}"/>
+              </a:ext>
+            </a:extLst>
+          </p:cNvPr>
+          <p:cNvSpPr txBox="1"/>
+          <p:nvPr/>
+        </p:nvSpPr>
+        <p:spPr>
+          <a:xfrm>
+            <a:off x="544176" y="2934886"/>
+            <a:ext cx="421910" cy="253916"/>
+          </a:xfrm>
+          <a:prstGeom prst="rect">
+            <a:avLst/>
+          </a:prstGeom>
+          <a:noFill/>
+        </p:spPr>
+        <p:txBody>
+          <a:bodyPr wrap="none" rtlCol="0">
+            <a:spAutoFit/>
+          </a:bodyPr>
+          <a:lstStyle/>
+          <a:p>
+            <a:r>
+              <a:rPr lang="en-US" altLang="ja-JP" sz="1050" b="1" dirty="0"/>
+              <a:t>7(f)</a:t>
+            </a:r>
+            <a:endParaRPr kumimoji="1" lang="ja-JP" altLang="en-US" sz="1050" b="1" dirty="0"/>
+          </a:p>
+        </p:txBody>
+      </p:sp>
+      <p:sp>
+        <p:nvSpPr>
+          <p:cNvPr id="121" name="テキスト ボックス 120">
+            <a:extLst>
+              <a:ext uri="{FF2B5EF4-FFF2-40B4-BE49-F238E27FC236}">
+                <a16:creationId xmlns:a16="http://schemas.microsoft.com/office/drawing/2014/main" id="{E2385814-A977-B296-B012-FA68C0FF7387}"/>
+              </a:ext>
+            </a:extLst>
+          </p:cNvPr>
+          <p:cNvSpPr txBox="1"/>
+          <p:nvPr/>
+        </p:nvSpPr>
+        <p:spPr>
+          <a:xfrm>
+            <a:off x="6393010" y="3306895"/>
+            <a:ext cx="460382" cy="253916"/>
+          </a:xfrm>
+          <a:prstGeom prst="rect">
+            <a:avLst/>
+          </a:prstGeom>
+          <a:noFill/>
+        </p:spPr>
+        <p:txBody>
+          <a:bodyPr wrap="none" rtlCol="0">
+            <a:spAutoFit/>
+          </a:bodyPr>
+          <a:lstStyle/>
+          <a:p>
+            <a:r>
+              <a:rPr lang="en-US" altLang="ja-JP" sz="1050" b="1" dirty="0"/>
+              <a:t>7(f)</a:t>
+            </a:r>
+            <a:r>
+              <a:rPr lang="en-US" altLang="ja-JP" sz="1050" b="1" dirty="0" err="1"/>
+              <a:t>i</a:t>
+            </a:r>
+            <a:endParaRPr kumimoji="1" lang="ja-JP" altLang="en-US" sz="1050" b="1" dirty="0"/>
+          </a:p>
+        </p:txBody>
+      </p:sp>
+      <p:sp>
+        <p:nvSpPr>
+          <p:cNvPr id="129" name="テキスト ボックス 128">
+            <a:extLst>
+              <a:ext uri="{FF2B5EF4-FFF2-40B4-BE49-F238E27FC236}">
+                <a16:creationId xmlns:a16="http://schemas.microsoft.com/office/drawing/2014/main" id="{17B8201D-9191-EFAB-88AE-50E335B3D58B}"/>
+              </a:ext>
+            </a:extLst>
+          </p:cNvPr>
+          <p:cNvSpPr txBox="1"/>
+          <p:nvPr/>
+        </p:nvSpPr>
+        <p:spPr>
+          <a:xfrm>
+            <a:off x="831566" y="4873105"/>
+            <a:ext cx="878767" cy="253916"/>
+          </a:xfrm>
+          <a:prstGeom prst="rect">
+            <a:avLst/>
+          </a:prstGeom>
+          <a:noFill/>
+        </p:spPr>
+        <p:txBody>
+          <a:bodyPr wrap="none" rtlCol="0">
+            <a:spAutoFit/>
+          </a:bodyPr>
+          <a:lstStyle/>
+          <a:p>
+            <a:r>
+              <a:rPr lang="en-US" altLang="ja-JP" sz="1050" b="1" dirty="0"/>
+              <a:t>7(f)iv,7(f)v</a:t>
+            </a:r>
+            <a:endParaRPr kumimoji="1" lang="ja-JP" altLang="en-US" sz="1050" b="1" dirty="0"/>
+          </a:p>
+        </p:txBody>
+      </p:sp>
+      <p:sp>
+        <p:nvSpPr>
+          <p:cNvPr id="130" name="テキスト ボックス 129">
+            <a:extLst>
+              <a:ext uri="{FF2B5EF4-FFF2-40B4-BE49-F238E27FC236}">
+                <a16:creationId xmlns:a16="http://schemas.microsoft.com/office/drawing/2014/main" id="{11D24D94-FB48-38B4-64B3-7202724FB22B}"/>
+              </a:ext>
+            </a:extLst>
+          </p:cNvPr>
+          <p:cNvSpPr txBox="1"/>
+          <p:nvPr/>
+        </p:nvSpPr>
+        <p:spPr>
+          <a:xfrm>
+            <a:off x="5824964" y="1316310"/>
+            <a:ext cx="261610" cy="253916"/>
+          </a:xfrm>
+          <a:prstGeom prst="rect">
+            <a:avLst/>
+          </a:prstGeom>
+          <a:noFill/>
+        </p:spPr>
+        <p:txBody>
+          <a:bodyPr wrap="none" rtlCol="0">
+            <a:spAutoFit/>
+          </a:bodyPr>
+          <a:lstStyle/>
+          <a:p>
+            <a:r>
+              <a:rPr kumimoji="1" lang="en-US" altLang="ja-JP" sz="1050" b="1" dirty="0"/>
+              <a:t>3</a:t>
+            </a:r>
+            <a:endParaRPr kumimoji="1" lang="ja-JP" altLang="en-US" sz="1050" b="1" dirty="0"/>
+          </a:p>
+        </p:txBody>
+      </p:sp>
+      <p:sp>
+        <p:nvSpPr>
+          <p:cNvPr id="134" name="テキスト ボックス 133">
+            <a:extLst>
+              <a:ext uri="{FF2B5EF4-FFF2-40B4-BE49-F238E27FC236}">
+                <a16:creationId xmlns:a16="http://schemas.microsoft.com/office/drawing/2014/main" id="{0D506FEC-178D-55FC-E8D3-F7F77991151B}"/>
+              </a:ext>
+            </a:extLst>
+          </p:cNvPr>
+          <p:cNvSpPr txBox="1"/>
+          <p:nvPr/>
+        </p:nvSpPr>
+        <p:spPr>
+          <a:xfrm>
+            <a:off x="4698302" y="2613066"/>
+            <a:ext cx="452368" cy="253916"/>
+          </a:xfrm>
+          <a:prstGeom prst="rect">
+            <a:avLst/>
+          </a:prstGeom>
+          <a:noFill/>
+        </p:spPr>
+        <p:txBody>
+          <a:bodyPr wrap="square" rtlCol="0">
+            <a:spAutoFit/>
+          </a:bodyPr>
+          <a:lstStyle/>
+          <a:p>
+            <a:r>
+              <a:rPr lang="en-US" altLang="ja-JP" sz="1050" b="1" dirty="0"/>
+              <a:t>7(c)</a:t>
+            </a:r>
+            <a:endParaRPr kumimoji="1" lang="ja-JP" altLang="en-US" sz="1050" b="1" dirty="0"/>
+          </a:p>
+        </p:txBody>
+      </p:sp>
+      <p:sp>
+        <p:nvSpPr>
+          <p:cNvPr id="136" name="テキスト ボックス 135">
+            <a:extLst>
+              <a:ext uri="{FF2B5EF4-FFF2-40B4-BE49-F238E27FC236}">
+                <a16:creationId xmlns:a16="http://schemas.microsoft.com/office/drawing/2014/main" id="{532DA658-1625-C2F5-4A4D-28350F3FCB74}"/>
+              </a:ext>
+            </a:extLst>
+          </p:cNvPr>
+          <p:cNvSpPr txBox="1"/>
+          <p:nvPr/>
+        </p:nvSpPr>
+        <p:spPr>
+          <a:xfrm>
+            <a:off x="1733575" y="3259139"/>
+            <a:ext cx="498855" cy="253916"/>
+          </a:xfrm>
+          <a:prstGeom prst="rect">
+            <a:avLst/>
+          </a:prstGeom>
+          <a:noFill/>
+        </p:spPr>
+        <p:txBody>
+          <a:bodyPr wrap="none" rtlCol="0">
+            <a:spAutoFit/>
+          </a:bodyPr>
+          <a:lstStyle/>
+          <a:p>
+            <a:r>
+              <a:rPr lang="en-US" altLang="ja-JP" sz="1050" b="1" dirty="0"/>
+              <a:t>7(f)ii</a:t>
+            </a:r>
+            <a:endParaRPr kumimoji="1" lang="ja-JP" altLang="en-US" sz="1050" b="1" dirty="0"/>
+          </a:p>
+        </p:txBody>
+      </p:sp>
+      <p:sp>
+        <p:nvSpPr>
+          <p:cNvPr id="137" name="テキスト ボックス 136">
+            <a:extLst>
+              <a:ext uri="{FF2B5EF4-FFF2-40B4-BE49-F238E27FC236}">
+                <a16:creationId xmlns:a16="http://schemas.microsoft.com/office/drawing/2014/main" id="{C84F1EC0-5E4C-5DA0-19C3-D21BC3E81977}"/>
+              </a:ext>
+            </a:extLst>
+          </p:cNvPr>
+          <p:cNvSpPr txBox="1"/>
+          <p:nvPr/>
+        </p:nvSpPr>
+        <p:spPr>
+          <a:xfrm>
+            <a:off x="2427051" y="4069398"/>
+            <a:ext cx="537327" cy="253916"/>
+          </a:xfrm>
+          <a:prstGeom prst="rect">
+            <a:avLst/>
+          </a:prstGeom>
+          <a:noFill/>
+        </p:spPr>
+        <p:txBody>
+          <a:bodyPr wrap="none" rtlCol="0">
+            <a:spAutoFit/>
+          </a:bodyPr>
+          <a:lstStyle/>
+          <a:p>
+            <a:r>
+              <a:rPr lang="en-US" altLang="ja-JP" sz="1050" b="1" dirty="0"/>
+              <a:t>7(f)iii</a:t>
+            </a:r>
+            <a:endParaRPr kumimoji="1" lang="ja-JP" altLang="en-US" sz="1050" b="1" dirty="0"/>
+          </a:p>
+        </p:txBody>
+      </p:sp>
+      <p:sp>
+        <p:nvSpPr>
+          <p:cNvPr id="142" name="正方形/長方形 141">
+            <a:extLst>
+              <a:ext uri="{FF2B5EF4-FFF2-40B4-BE49-F238E27FC236}">
+                <a16:creationId xmlns:a16="http://schemas.microsoft.com/office/drawing/2014/main" id="{75E0FFDB-3148-E6B8-542F-C64FB881C93D}"/>
+              </a:ext>
+            </a:extLst>
+          </p:cNvPr>
+          <p:cNvSpPr/>
+          <p:nvPr/>
+        </p:nvSpPr>
+        <p:spPr>
+          <a:xfrm>
+            <a:off x="729992" y="4460008"/>
+            <a:ext cx="8309233" cy="1912237"/>
+          </a:xfrm>
+          <a:prstGeom prst="rect">
+            <a:avLst/>
+          </a:prstGeom>
+          <a:noFill/>
+          <a:ln>
+            <a:prstDash val="sysDot"/>
+          </a:ln>
+        </p:spPr>
+        <p:style>
+          <a:lnRef idx="2">
+            <a:schemeClr val="accent1">
+              <a:shade val="50000"/>
+            </a:schemeClr>
+          </a:lnRef>
+          <a:fillRef idx="1">
+            <a:schemeClr val="accent1"/>
+          </a:fillRef>
+          <a:effectRef idx="0">
+            <a:schemeClr val="accent1"/>
+          </a:effectRef>
+          <a:fontRef idx="minor">
+            <a:schemeClr val="lt1"/>
+          </a:fontRef>
+        </p:style>
+        <p:txBody>
+          <a:bodyPr rtlCol="0" anchor="ctr"/>
+          <a:lstStyle/>
+          <a:p>
+            <a:pPr algn="ctr"/>
+            <a:endParaRPr kumimoji="1" lang="ja-JP" altLang="en-US"/>
+          </a:p>
+        </p:txBody>
+      </p:sp>
+      <p:sp>
+        <p:nvSpPr>
+          <p:cNvPr id="143" name="テキスト ボックス 142">
+            <a:extLst>
+              <a:ext uri="{FF2B5EF4-FFF2-40B4-BE49-F238E27FC236}">
+                <a16:creationId xmlns:a16="http://schemas.microsoft.com/office/drawing/2014/main" id="{F042953F-99B5-3862-D662-3E1326D11976}"/>
+              </a:ext>
+            </a:extLst>
+          </p:cNvPr>
+          <p:cNvSpPr txBox="1"/>
+          <p:nvPr/>
+        </p:nvSpPr>
+        <p:spPr>
+          <a:xfrm>
+            <a:off x="686888" y="4215326"/>
+            <a:ext cx="421910" cy="253916"/>
+          </a:xfrm>
+          <a:prstGeom prst="rect">
+            <a:avLst/>
+          </a:prstGeom>
+          <a:noFill/>
+        </p:spPr>
+        <p:txBody>
+          <a:bodyPr wrap="none" rtlCol="0">
+            <a:spAutoFit/>
+          </a:bodyPr>
+          <a:lstStyle/>
+          <a:p>
+            <a:r>
+              <a:rPr lang="en-US" altLang="ja-JP" sz="1050" b="1" dirty="0"/>
+              <a:t>7(f)</a:t>
+            </a:r>
+            <a:endParaRPr kumimoji="1" lang="ja-JP" altLang="en-US" sz="1050" b="1" dirty="0"/>
+          </a:p>
+        </p:txBody>
+      </p:sp>
       <p:cxnSp>
         <p:nvCxnSpPr>
-          <p:cNvPr id="88" name="コネクタ: カギ線 87">
-            <a:extLst>
-              <a:ext uri="{FF2B5EF4-FFF2-40B4-BE49-F238E27FC236}">
-                <a16:creationId xmlns:a16="http://schemas.microsoft.com/office/drawing/2014/main" id="{3388886C-E7EF-9DC0-41FD-E9BA34DD5CFD}"/>
+          <p:cNvPr id="152" name="直線矢印コネクタ 151">
+            <a:extLst>
+              <a:ext uri="{FF2B5EF4-FFF2-40B4-BE49-F238E27FC236}">
+                <a16:creationId xmlns:a16="http://schemas.microsoft.com/office/drawing/2014/main" id="{D94F1000-DB19-5EAB-B19C-FD7C5F4A86ED}"/>
               </a:ext>
             </a:extLst>
           </p:cNvPr>
           <p:cNvCxnSpPr>
-            <a:stCxn id="60" idx="3"/>
-            <a:endCxn id="15" idx="4"/>
+            <a:cxnSpLocks/>
+            <a:stCxn id="15" idx="4"/>
+            <a:endCxn id="155" idx="0"/>
           </p:cNvCxnSpPr>
           <p:nvPr/>
         </p:nvCxnSpPr>
         <p:spPr>
-          <a:xfrm flipV="1">
-            <a:off x="5712679" y="3611114"/>
-            <a:ext cx="12700" cy="2067344"/>
-          </a:xfrm>
-          <a:prstGeom prst="bentConnector4">
-            <a:avLst>
-              <a:gd name="adj1" fmla="val 1345630"/>
-              <a:gd name="adj2" fmla="val 53071"/>
-            </a:avLst>
+          <a:xfrm>
+            <a:off x="4987221" y="3855100"/>
+            <a:ext cx="0" cy="378597"/>
+          </a:xfrm>
+          <a:prstGeom prst="straightConnector1">
+            <a:avLst/>
           </a:prstGeom>
           <a:ln>
+            <a:solidFill>
+              <a:schemeClr val="tx1"/>
+            </a:solidFill>
             <a:tailEnd type="triangle"/>
           </a:ln>
         </p:spPr>
         <p:style>
           <a:lnRef idx="1">
-            <a:schemeClr val="dk1"/>
+            <a:schemeClr val="accent1"/>
           </a:lnRef>
           <a:fillRef idx="0">
-            <a:schemeClr val="dk1"/>
+            <a:schemeClr val="accent1"/>
           </a:fillRef>
           <a:effectRef idx="0">
-            <a:schemeClr val="dk1"/>
+            <a:schemeClr val="accent1"/>
           </a:effectRef>
           <a:fontRef idx="minor">
             <a:schemeClr val="tx1"/>
           </a:fontRef>
         </p:style>
       </p:cxnSp>
+      <p:sp>
+        <p:nvSpPr>
+          <p:cNvPr id="155" name="テキスト ボックス 154">
+            <a:extLst>
+              <a:ext uri="{FF2B5EF4-FFF2-40B4-BE49-F238E27FC236}">
+                <a16:creationId xmlns:a16="http://schemas.microsoft.com/office/drawing/2014/main" id="{6D5437D7-3636-9008-F3C6-C820A0BEED36}"/>
+              </a:ext>
+            </a:extLst>
+          </p:cNvPr>
+          <p:cNvSpPr txBox="1"/>
+          <p:nvPr/>
+        </p:nvSpPr>
+        <p:spPr>
+          <a:xfrm>
+            <a:off x="4221627" y="4233697"/>
+            <a:ext cx="1531188" cy="253916"/>
+          </a:xfrm>
+          <a:prstGeom prst="rect">
+            <a:avLst/>
+          </a:prstGeom>
+          <a:noFill/>
+        </p:spPr>
+        <p:txBody>
+          <a:bodyPr wrap="square" rtlCol="0">
+            <a:spAutoFit/>
+          </a:bodyPr>
+          <a:lstStyle/>
+          <a:p>
+            <a:r>
+              <a:rPr lang="ja-JP" altLang="en-US" sz="1050" dirty="0"/>
+              <a:t>下位概念が存在しない</a:t>
+            </a:r>
+            <a:endParaRPr kumimoji="1" lang="ja-JP" altLang="en-US" sz="1050" dirty="0"/>
+          </a:p>
+        </p:txBody>
+      </p:sp>
+      <p:cxnSp>
+        <p:nvCxnSpPr>
+          <p:cNvPr id="158" name="コネクタ: カギ線 157">
+            <a:extLst>
+              <a:ext uri="{FF2B5EF4-FFF2-40B4-BE49-F238E27FC236}">
+                <a16:creationId xmlns:a16="http://schemas.microsoft.com/office/drawing/2014/main" id="{061B4E0F-23B9-BC23-275F-78371EB2BFFD}"/>
+              </a:ext>
+            </a:extLst>
+          </p:cNvPr>
+          <p:cNvCxnSpPr>
+            <a:cxnSpLocks/>
+            <a:stCxn id="155" idx="3"/>
+            <a:endCxn id="4" idx="4"/>
+          </p:cNvCxnSpPr>
+          <p:nvPr/>
+        </p:nvCxnSpPr>
+        <p:spPr>
+          <a:xfrm flipH="1" flipV="1">
+            <a:off x="5392339" y="2396609"/>
+            <a:ext cx="360476" cy="1964046"/>
+          </a:xfrm>
+          <a:prstGeom prst="bentConnector4">
+            <a:avLst>
+              <a:gd name="adj1" fmla="val -89839"/>
+              <a:gd name="adj2" fmla="val 67296"/>
+            </a:avLst>
+          </a:prstGeom>
+          <a:ln>
+            <a:tailEnd type="triangle"/>
+          </a:ln>
+        </p:spPr>
+        <p:style>
+          <a:lnRef idx="1">
+            <a:schemeClr val="dk1"/>
+          </a:lnRef>
+          <a:fillRef idx="0">
+            <a:schemeClr val="dk1"/>
+          </a:fillRef>
+          <a:effectRef idx="0">
+            <a:schemeClr val="dk1"/>
+          </a:effectRef>
+          <a:fontRef idx="minor">
+            <a:schemeClr val="tx1"/>
+          </a:fontRef>
+        </p:style>
+      </p:cxnSp>
+      <p:sp>
+        <p:nvSpPr>
+          <p:cNvPr id="163" name="テキスト ボックス 162">
+            <a:extLst>
+              <a:ext uri="{FF2B5EF4-FFF2-40B4-BE49-F238E27FC236}">
+                <a16:creationId xmlns:a16="http://schemas.microsoft.com/office/drawing/2014/main" id="{FBA7D7B4-57D4-D6A6-BF02-8796A76860EB}"/>
+              </a:ext>
+            </a:extLst>
+          </p:cNvPr>
+          <p:cNvSpPr txBox="1"/>
+          <p:nvPr/>
+        </p:nvSpPr>
+        <p:spPr>
+          <a:xfrm>
+            <a:off x="4927184" y="3982538"/>
+            <a:ext cx="992579" cy="253916"/>
+          </a:xfrm>
+          <a:prstGeom prst="rect">
+            <a:avLst/>
+          </a:prstGeom>
+          <a:noFill/>
+        </p:spPr>
+        <p:txBody>
+          <a:bodyPr wrap="none" rtlCol="0">
+            <a:spAutoFit/>
+          </a:bodyPr>
+          <a:lstStyle/>
+          <a:p>
+            <a:r>
+              <a:rPr lang="ja-JP" altLang="en-US" sz="1050" dirty="0"/>
+              <a:t>下位概念</a:t>
+            </a:r>
+            <a:r>
+              <a:rPr kumimoji="1" lang="ja-JP" altLang="en-US" sz="1050" dirty="0"/>
+              <a:t>検索</a:t>
+            </a:r>
+          </a:p>
+        </p:txBody>
+      </p:sp>
+      <p:sp>
+        <p:nvSpPr>
+          <p:cNvPr id="168" name="テキスト ボックス 167">
+            <a:extLst>
+              <a:ext uri="{FF2B5EF4-FFF2-40B4-BE49-F238E27FC236}">
+                <a16:creationId xmlns:a16="http://schemas.microsoft.com/office/drawing/2014/main" id="{15EFBE6F-7EFC-DBF4-78C3-198254A9C3CA}"/>
+              </a:ext>
+            </a:extLst>
+          </p:cNvPr>
+          <p:cNvSpPr txBox="1"/>
+          <p:nvPr/>
+        </p:nvSpPr>
+        <p:spPr>
+          <a:xfrm>
+            <a:off x="3666483" y="5073278"/>
+            <a:ext cx="243978" cy="369332"/>
+          </a:xfrm>
+          <a:prstGeom prst="rect">
+            <a:avLst/>
+          </a:prstGeom>
+          <a:noFill/>
+        </p:spPr>
+        <p:txBody>
+          <a:bodyPr wrap="none" rtlCol="0">
+            <a:spAutoFit/>
+          </a:bodyPr>
+          <a:lstStyle/>
+          <a:p>
+            <a:r>
+              <a:rPr kumimoji="1" lang="en-US" altLang="ja-JP" dirty="0"/>
+              <a:t>,</a:t>
+            </a:r>
+            <a:endParaRPr kumimoji="1" lang="ja-JP" altLang="en-US" dirty="0"/>
+          </a:p>
+        </p:txBody>
+      </p:sp>
     </p:spTree>
     <p:extLst>
       <p:ext uri="{BB962C8B-B14F-4D97-AF65-F5344CB8AC3E}">

--- a/image/sozai.pptx
+++ b/image/sozai.pptx
@@ -10,6 +10,7 @@
     <p:sldId id="258" r:id="rId4"/>
     <p:sldId id="259" r:id="rId5"/>
     <p:sldId id="260" r:id="rId6"/>
+    <p:sldId id="261" r:id="rId7"/>
   </p:sldIdLst>
   <p:sldSz cx="12192000" cy="6858000"/>
   <p:notesSz cx="6858000" cy="9144000"/>
@@ -3627,8 +3628,8 @@
         </p:nvSpPr>
         <p:spPr>
           <a:xfrm>
-            <a:off x="1825716" y="1029262"/>
-            <a:ext cx="5776290" cy="2604061"/>
+            <a:off x="1825715" y="1029262"/>
+            <a:ext cx="6199793" cy="2604061"/>
           </a:xfrm>
           <a:custGeom>
             <a:avLst/>
@@ -4307,7 +4308,7 @@
         </p:nvSpPr>
         <p:spPr>
           <a:xfrm>
-            <a:off x="6143268" y="2190581"/>
+            <a:off x="6625188" y="2187694"/>
             <a:ext cx="1228606" cy="471396"/>
           </a:xfrm>
           <a:prstGeom prst="roundRect">
@@ -4638,7 +4639,7 @@
         </p:nvSpPr>
         <p:spPr>
           <a:xfrm>
-            <a:off x="6311800" y="3165127"/>
+            <a:off x="6793720" y="3162240"/>
             <a:ext cx="891543" cy="346556"/>
           </a:xfrm>
           <a:prstGeom prst="roundRect">
@@ -4793,7 +4794,7 @@
         </p:nvSpPr>
         <p:spPr>
           <a:xfrm>
-            <a:off x="6303638" y="1274160"/>
+            <a:off x="6799127" y="1271273"/>
             <a:ext cx="886136" cy="346556"/>
           </a:xfrm>
           <a:prstGeom prst="roundRect">
@@ -4866,8 +4867,8 @@
         </p:nvCxnSpPr>
         <p:spPr>
           <a:xfrm flipV="1">
-            <a:off x="5776283" y="1447438"/>
-            <a:ext cx="527355" cy="1739"/>
+            <a:off x="5776283" y="1444551"/>
+            <a:ext cx="1022844" cy="4626"/>
           </a:xfrm>
           <a:prstGeom prst="straightConnector1">
             <a:avLst/>
@@ -4908,9 +4909,9 @@
           <p:nvPr/>
         </p:nvCxnSpPr>
         <p:spPr>
-          <a:xfrm>
-            <a:off x="5874303" y="3338405"/>
-            <a:ext cx="437497" cy="0"/>
+          <a:xfrm flipV="1">
+            <a:off x="5874303" y="3335518"/>
+            <a:ext cx="919417" cy="2887"/>
           </a:xfrm>
           <a:prstGeom prst="straightConnector1">
             <a:avLst/>
@@ -4951,9 +4952,9 @@
           <p:nvPr/>
         </p:nvCxnSpPr>
         <p:spPr>
-          <a:xfrm>
-            <a:off x="6746706" y="1620716"/>
-            <a:ext cx="10865" cy="569865"/>
+          <a:xfrm flipH="1">
+            <a:off x="7239491" y="1617829"/>
+            <a:ext cx="2704" cy="569865"/>
           </a:xfrm>
           <a:prstGeom prst="straightConnector1">
             <a:avLst/>
@@ -4995,7 +4996,7 @@
         </p:nvCxnSpPr>
         <p:spPr>
           <a:xfrm flipH="1" flipV="1">
-            <a:off x="6757571" y="2661977"/>
+            <a:off x="7239491" y="2659090"/>
             <a:ext cx="1" cy="503150"/>
           </a:xfrm>
           <a:prstGeom prst="straightConnector1">
@@ -5038,7 +5039,7 @@
         </p:nvCxnSpPr>
         <p:spPr>
           <a:xfrm flipV="1">
-            <a:off x="7371874" y="2423727"/>
+            <a:off x="7853794" y="2420840"/>
             <a:ext cx="444465" cy="2552"/>
           </a:xfrm>
           <a:prstGeom prst="straightConnector1">
@@ -5545,7 +5546,7 @@
         </p:nvGrpSpPr>
         <p:grpSpPr>
           <a:xfrm>
-            <a:off x="7816339" y="1978617"/>
+            <a:off x="8298259" y="1975730"/>
             <a:ext cx="816555" cy="649598"/>
             <a:chOff x="10114741" y="2680357"/>
             <a:chExt cx="816555" cy="649598"/>
@@ -5707,7 +5708,7 @@
         </p:nvSpPr>
         <p:spPr>
           <a:xfrm>
-            <a:off x="3399628" y="3723869"/>
+            <a:off x="1526209" y="4159257"/>
             <a:ext cx="902695" cy="346556"/>
           </a:xfrm>
           <a:prstGeom prst="roundRect">
@@ -5762,7 +5763,7 @@
         </p:nvSpPr>
         <p:spPr>
           <a:xfrm>
-            <a:off x="1842043" y="3727412"/>
+            <a:off x="3032794" y="3717599"/>
             <a:ext cx="903999" cy="346556"/>
           </a:xfrm>
           <a:prstGeom prst="roundRect">
@@ -5823,7 +5824,7 @@
         </p:nvSpPr>
         <p:spPr>
           <a:xfrm>
-            <a:off x="892788" y="3799037"/>
+            <a:off x="2093419" y="3752852"/>
             <a:ext cx="1000595" cy="276999"/>
           </a:xfrm>
           <a:prstGeom prst="rect">
@@ -5863,7 +5864,7 @@
         </p:nvSpPr>
         <p:spPr>
           <a:xfrm>
-            <a:off x="2734841" y="3793426"/>
+            <a:off x="861422" y="4228814"/>
             <a:ext cx="692818" cy="276999"/>
           </a:xfrm>
           <a:prstGeom prst="rect">
@@ -6046,9 +6047,9 @@
           <p:nvPr/>
         </p:nvCxnSpPr>
         <p:spPr>
-          <a:xfrm>
-            <a:off x="5476973" y="2667786"/>
-            <a:ext cx="0" cy="509047"/>
+          <a:xfrm flipH="1">
+            <a:off x="5821623" y="2568521"/>
+            <a:ext cx="803565" cy="0"/>
           </a:xfrm>
           <a:prstGeom prst="straightConnector1">
             <a:avLst/>
@@ -6087,9 +6088,9 @@
           <p:nvPr/>
         </p:nvCxnSpPr>
         <p:spPr>
-          <a:xfrm flipH="1" flipV="1">
-            <a:off x="5165889" y="2658359"/>
-            <a:ext cx="15815" cy="518474"/>
+          <a:xfrm>
+            <a:off x="5821623" y="2281659"/>
+            <a:ext cx="841649" cy="0"/>
           </a:xfrm>
           <a:prstGeom prst="straightConnector1">
             <a:avLst/>
@@ -6216,7 +6217,7 @@
         </p:nvSpPr>
         <p:spPr>
           <a:xfrm>
-            <a:off x="4575244" y="2815725"/>
+            <a:off x="5897094" y="2020846"/>
             <a:ext cx="639919" cy="276999"/>
           </a:xfrm>
           <a:prstGeom prst="rect">
@@ -6260,7 +6261,7 @@
         </p:nvSpPr>
         <p:spPr>
           <a:xfrm>
-            <a:off x="5412252" y="2723391"/>
+            <a:off x="5940775" y="2560777"/>
             <a:ext cx="646331" cy="461665"/>
           </a:xfrm>
           <a:prstGeom prst="rect">
@@ -6305,7 +6306,7 @@
         </p:nvSpPr>
         <p:spPr>
           <a:xfrm>
-            <a:off x="3208537" y="4189490"/>
+            <a:off x="4736938" y="4154992"/>
             <a:ext cx="902695" cy="352578"/>
           </a:xfrm>
           <a:prstGeom prst="roundRect">
@@ -6360,7 +6361,7 @@
         </p:nvSpPr>
         <p:spPr>
           <a:xfrm>
-            <a:off x="889108" y="4228236"/>
+            <a:off x="2417509" y="4193738"/>
             <a:ext cx="2385589" cy="276999"/>
           </a:xfrm>
           <a:prstGeom prst="rect">
@@ -6400,7 +6401,7 @@
         </p:nvSpPr>
         <p:spPr>
           <a:xfrm>
-            <a:off x="7019739" y="3734142"/>
+            <a:off x="7287952" y="3710431"/>
             <a:ext cx="897120" cy="332112"/>
           </a:xfrm>
           <a:prstGeom prst="roundRect">
@@ -6461,7 +6462,7 @@
         </p:nvSpPr>
         <p:spPr>
           <a:xfrm>
-            <a:off x="4374699" y="3742323"/>
+            <a:off x="4656947" y="3730326"/>
             <a:ext cx="2693366" cy="276999"/>
           </a:xfrm>
           <a:prstGeom prst="rect">
@@ -6501,7 +6502,7 @@
         </p:nvSpPr>
         <p:spPr>
           <a:xfrm>
-            <a:off x="7028788" y="4175254"/>
+            <a:off x="8254445" y="4162396"/>
             <a:ext cx="902695" cy="352578"/>
           </a:xfrm>
           <a:prstGeom prst="roundRect">
@@ -6558,7 +6559,7 @@
         </p:nvSpPr>
         <p:spPr>
           <a:xfrm>
-            <a:off x="4374699" y="4228236"/>
+            <a:off x="5600356" y="4215378"/>
             <a:ext cx="2693366" cy="276999"/>
           </a:xfrm>
           <a:prstGeom prst="rect">
@@ -6970,7 +6971,7 @@
         </p:nvSpPr>
         <p:spPr>
           <a:xfrm>
-            <a:off x="7297356" y="3258788"/>
+            <a:off x="5778719" y="4758618"/>
             <a:ext cx="903999" cy="399031"/>
           </a:xfrm>
           <a:prstGeom prst="roundRect">
@@ -6978,8 +6979,8 @@
           </a:prstGeom>
           <a:solidFill>
             <a:schemeClr val="accent2">
-              <a:lumMod val="40000"/>
-              <a:lumOff val="60000"/>
+              <a:lumMod val="60000"/>
+              <a:lumOff val="40000"/>
             </a:schemeClr>
           </a:solidFill>
           <a:ln>
@@ -7127,15 +7128,15 @@
           </p:cNvPr>
           <p:cNvCxnSpPr>
             <a:cxnSpLocks/>
-            <a:stCxn id="115" idx="3"/>
-            <a:endCxn id="13" idx="1"/>
+            <a:stCxn id="115" idx="2"/>
+            <a:endCxn id="13" idx="0"/>
           </p:cNvCxnSpPr>
           <p:nvPr/>
         </p:nvCxnSpPr>
         <p:spPr>
-          <a:xfrm flipV="1">
-            <a:off x="6743477" y="3458304"/>
-            <a:ext cx="553879" cy="5293"/>
+          <a:xfrm flipH="1">
+            <a:off x="6230719" y="3950010"/>
+            <a:ext cx="1" cy="808608"/>
           </a:xfrm>
           <a:prstGeom prst="straightConnector1">
             <a:avLst/>
@@ -7607,7 +7608,7 @@
         </p:nvSpPr>
         <p:spPr>
           <a:xfrm>
-            <a:off x="5717962" y="4042640"/>
+            <a:off x="4158002" y="4060772"/>
             <a:ext cx="1025515" cy="471396"/>
           </a:xfrm>
           <a:prstGeom prst="roundRect">
@@ -8149,7 +8150,7 @@
         </p:nvSpPr>
         <p:spPr>
           <a:xfrm>
-            <a:off x="5717962" y="3227899"/>
+            <a:off x="5717962" y="3478614"/>
             <a:ext cx="1025515" cy="471396"/>
           </a:xfrm>
           <a:prstGeom prst="roundRect">
@@ -8157,13 +8158,15 @@
           </a:prstGeom>
           <a:solidFill>
             <a:schemeClr val="accent1">
-              <a:lumMod val="20000"/>
-              <a:lumOff val="80000"/>
+              <a:lumMod val="40000"/>
+              <a:lumOff val="60000"/>
             </a:schemeClr>
           </a:solidFill>
-          <a:ln>
+          <a:ln w="38100">
             <a:solidFill>
-              <a:schemeClr val="tx1"/>
+              <a:schemeClr val="accent1">
+                <a:lumMod val="75000"/>
+              </a:schemeClr>
             </a:solidFill>
           </a:ln>
         </p:spPr>
@@ -8221,7 +8224,7 @@
         <p:spPr>
           <a:xfrm>
             <a:off x="6230720" y="2973178"/>
-            <a:ext cx="0" cy="254721"/>
+            <a:ext cx="0" cy="505436"/>
           </a:xfrm>
           <a:prstGeom prst="straightConnector1">
             <a:avLst/>
@@ -8259,7 +8262,7 @@
         </p:nvSpPr>
         <p:spPr>
           <a:xfrm>
-            <a:off x="7297356" y="4078822"/>
+            <a:off x="4218759" y="4758618"/>
             <a:ext cx="903999" cy="399031"/>
           </a:xfrm>
           <a:prstGeom prst="roundRect">
@@ -8336,15 +8339,15 @@
           </p:cNvPr>
           <p:cNvCxnSpPr>
             <a:cxnSpLocks/>
-            <a:stCxn id="71" idx="3"/>
-            <a:endCxn id="128" idx="1"/>
+            <a:stCxn id="71" idx="2"/>
+            <a:endCxn id="128" idx="0"/>
           </p:cNvCxnSpPr>
           <p:nvPr/>
         </p:nvCxnSpPr>
         <p:spPr>
-          <a:xfrm>
-            <a:off x="6743477" y="4278338"/>
-            <a:ext cx="553879" cy="0"/>
+          <a:xfrm flipH="1">
+            <a:off x="4670759" y="4532168"/>
+            <a:ext cx="1" cy="226450"/>
           </a:xfrm>
           <a:prstGeom prst="straightConnector1">
             <a:avLst/>
@@ -8466,19 +8469,18 @@
           </p:cNvPr>
           <p:cNvCxnSpPr>
             <a:cxnSpLocks/>
+            <a:stCxn id="18" idx="2"/>
             <a:endCxn id="71" idx="1"/>
           </p:cNvCxnSpPr>
           <p:nvPr/>
         </p:nvCxnSpPr>
         <p:spPr>
-          <a:xfrm>
-            <a:off x="1552126" y="2239239"/>
-            <a:ext cx="4165836" cy="2039099"/>
-          </a:xfrm>
-          <a:prstGeom prst="bentConnector3">
-            <a:avLst>
-              <a:gd name="adj1" fmla="val -10"/>
-            </a:avLst>
+          <a:xfrm rot="16200000" flipH="1">
+            <a:off x="1830418" y="1968886"/>
+            <a:ext cx="2057230" cy="2597938"/>
+          </a:xfrm>
+          <a:prstGeom prst="bentConnector2">
+            <a:avLst/>
           </a:prstGeom>
           <a:ln>
             <a:tailEnd type="triangle"/>
@@ -8510,15 +8512,15 @@
           </p:cNvPr>
           <p:cNvCxnSpPr>
             <a:cxnSpLocks/>
-            <a:stCxn id="13" idx="2"/>
-            <a:endCxn id="71" idx="0"/>
+            <a:stCxn id="13" idx="1"/>
+            <a:endCxn id="71" idx="3"/>
           </p:cNvCxnSpPr>
           <p:nvPr/>
         </p:nvCxnSpPr>
         <p:spPr>
-          <a:xfrm rot="5400000">
-            <a:off x="6797628" y="3090911"/>
-            <a:ext cx="384821" cy="1518636"/>
+          <a:xfrm rot="10800000">
+            <a:off x="5183517" y="4296470"/>
+            <a:ext cx="595202" cy="661664"/>
           </a:xfrm>
           <a:prstGeom prst="bentConnector3">
             <a:avLst>
@@ -8544,6 +8546,631 @@
           </a:fontRef>
         </p:style>
       </p:cxnSp>
+      <p:sp>
+        <p:nvSpPr>
+          <p:cNvPr id="153" name="四角形: 角を丸くする 152">
+            <a:extLst>
+              <a:ext uri="{FF2B5EF4-FFF2-40B4-BE49-F238E27FC236}">
+                <a16:creationId xmlns:a16="http://schemas.microsoft.com/office/drawing/2014/main" id="{22A0C892-EB34-66E1-2899-B587C4737A83}"/>
+              </a:ext>
+            </a:extLst>
+          </p:cNvPr>
+          <p:cNvSpPr/>
+          <p:nvPr/>
+        </p:nvSpPr>
+        <p:spPr>
+          <a:xfrm>
+            <a:off x="7430471" y="3478614"/>
+            <a:ext cx="1019130" cy="471396"/>
+          </a:xfrm>
+          <a:prstGeom prst="roundRect">
+            <a:avLst/>
+          </a:prstGeom>
+          <a:solidFill>
+            <a:schemeClr val="accent5">
+              <a:lumMod val="60000"/>
+              <a:lumOff val="40000"/>
+            </a:schemeClr>
+          </a:solidFill>
+          <a:ln w="38100">
+            <a:solidFill>
+              <a:schemeClr val="accent1">
+                <a:lumMod val="75000"/>
+              </a:schemeClr>
+            </a:solidFill>
+          </a:ln>
+        </p:spPr>
+        <p:style>
+          <a:lnRef idx="2">
+            <a:schemeClr val="accent6"/>
+          </a:lnRef>
+          <a:fillRef idx="1">
+            <a:schemeClr val="lt1"/>
+          </a:fillRef>
+          <a:effectRef idx="0">
+            <a:schemeClr val="accent6"/>
+          </a:effectRef>
+          <a:fontRef idx="minor">
+            <a:schemeClr val="dk1"/>
+          </a:fontRef>
+        </p:style>
+        <p:txBody>
+          <a:bodyPr rtlCol="0" anchor="ctr"/>
+          <a:lstStyle/>
+          <a:p>
+            <a:pPr algn="ctr"/>
+            <a:r>
+              <a:rPr kumimoji="1" lang="ja-JP" altLang="en-US" sz="1200" dirty="0"/>
+              <a:t>概念レベル算出部</a:t>
+            </a:r>
+          </a:p>
+        </p:txBody>
+      </p:sp>
+      <p:cxnSp>
+        <p:nvCxnSpPr>
+          <p:cNvPr id="227" name="直線矢印コネクタ 226">
+            <a:extLst>
+              <a:ext uri="{FF2B5EF4-FFF2-40B4-BE49-F238E27FC236}">
+                <a16:creationId xmlns:a16="http://schemas.microsoft.com/office/drawing/2014/main" id="{C9379253-1711-C855-FF6B-46302B4F7ED1}"/>
+              </a:ext>
+            </a:extLst>
+          </p:cNvPr>
+          <p:cNvCxnSpPr>
+            <a:cxnSpLocks/>
+          </p:cNvCxnSpPr>
+          <p:nvPr/>
+        </p:nvCxnSpPr>
+        <p:spPr>
+          <a:xfrm>
+            <a:off x="6743477" y="3581400"/>
+            <a:ext cx="686994" cy="0"/>
+          </a:xfrm>
+          <a:prstGeom prst="straightConnector1">
+            <a:avLst/>
+          </a:prstGeom>
+          <a:ln>
+            <a:tailEnd type="triangle"/>
+          </a:ln>
+        </p:spPr>
+        <p:style>
+          <a:lnRef idx="1">
+            <a:schemeClr val="dk1"/>
+          </a:lnRef>
+          <a:fillRef idx="0">
+            <a:schemeClr val="dk1"/>
+          </a:fillRef>
+          <a:effectRef idx="0">
+            <a:schemeClr val="dk1"/>
+          </a:effectRef>
+          <a:fontRef idx="minor">
+            <a:schemeClr val="tx1"/>
+          </a:fontRef>
+        </p:style>
+      </p:cxnSp>
+      <p:cxnSp>
+        <p:nvCxnSpPr>
+          <p:cNvPr id="233" name="直線矢印コネクタ 232">
+            <a:extLst>
+              <a:ext uri="{FF2B5EF4-FFF2-40B4-BE49-F238E27FC236}">
+                <a16:creationId xmlns:a16="http://schemas.microsoft.com/office/drawing/2014/main" id="{2D11516A-CEF2-0492-DF6C-7CA899C0FA42}"/>
+              </a:ext>
+            </a:extLst>
+          </p:cNvPr>
+          <p:cNvCxnSpPr>
+            <a:cxnSpLocks/>
+          </p:cNvCxnSpPr>
+          <p:nvPr/>
+        </p:nvCxnSpPr>
+        <p:spPr>
+          <a:xfrm flipH="1">
+            <a:off x="6743477" y="3831771"/>
+            <a:ext cx="686994" cy="0"/>
+          </a:xfrm>
+          <a:prstGeom prst="straightConnector1">
+            <a:avLst/>
+          </a:prstGeom>
+          <a:ln>
+            <a:tailEnd type="triangle"/>
+          </a:ln>
+        </p:spPr>
+        <p:style>
+          <a:lnRef idx="1">
+            <a:schemeClr val="dk1"/>
+          </a:lnRef>
+          <a:fillRef idx="0">
+            <a:schemeClr val="dk1"/>
+          </a:fillRef>
+          <a:effectRef idx="0">
+            <a:schemeClr val="dk1"/>
+          </a:effectRef>
+          <a:fontRef idx="minor">
+            <a:schemeClr val="tx1"/>
+          </a:fontRef>
+        </p:style>
+      </p:cxnSp>
+      <p:sp>
+        <p:nvSpPr>
+          <p:cNvPr id="248" name="四角形: 角を丸くする 247">
+            <a:extLst>
+              <a:ext uri="{FF2B5EF4-FFF2-40B4-BE49-F238E27FC236}">
+                <a16:creationId xmlns:a16="http://schemas.microsoft.com/office/drawing/2014/main" id="{BBF84F62-6309-11AB-7FAE-4C12484C498F}"/>
+              </a:ext>
+            </a:extLst>
+          </p:cNvPr>
+          <p:cNvSpPr/>
+          <p:nvPr/>
+        </p:nvSpPr>
+        <p:spPr>
+          <a:xfrm>
+            <a:off x="2672959" y="5628997"/>
+            <a:ext cx="902695" cy="346556"/>
+          </a:xfrm>
+          <a:prstGeom prst="roundRect">
+            <a:avLst/>
+          </a:prstGeom>
+          <a:solidFill>
+            <a:schemeClr val="accent1">
+              <a:lumMod val="20000"/>
+              <a:lumOff val="80000"/>
+            </a:schemeClr>
+          </a:solidFill>
+          <a:ln>
+            <a:solidFill>
+              <a:schemeClr val="tx1"/>
+            </a:solidFill>
+          </a:ln>
+        </p:spPr>
+        <p:style>
+          <a:lnRef idx="2">
+            <a:schemeClr val="accent6"/>
+          </a:lnRef>
+          <a:fillRef idx="1">
+            <a:schemeClr val="lt1"/>
+          </a:fillRef>
+          <a:effectRef idx="0">
+            <a:schemeClr val="accent6"/>
+          </a:effectRef>
+          <a:fontRef idx="minor">
+            <a:schemeClr val="dk1"/>
+          </a:fontRef>
+        </p:style>
+        <p:txBody>
+          <a:bodyPr rtlCol="0" anchor="ctr"/>
+          <a:lstStyle/>
+          <a:p>
+            <a:pPr algn="ctr"/>
+            <a:endParaRPr kumimoji="1" lang="ja-JP" altLang="en-US" sz="1200" dirty="0"/>
+          </a:p>
+        </p:txBody>
+      </p:sp>
+      <p:sp>
+        <p:nvSpPr>
+          <p:cNvPr id="249" name="四角形: 角を丸くする 248">
+            <a:extLst>
+              <a:ext uri="{FF2B5EF4-FFF2-40B4-BE49-F238E27FC236}">
+                <a16:creationId xmlns:a16="http://schemas.microsoft.com/office/drawing/2014/main" id="{49EA9191-9B69-1CC8-00BE-9B892877D0CB}"/>
+              </a:ext>
+            </a:extLst>
+          </p:cNvPr>
+          <p:cNvSpPr/>
+          <p:nvPr/>
+        </p:nvSpPr>
+        <p:spPr>
+          <a:xfrm>
+            <a:off x="2672959" y="5214328"/>
+            <a:ext cx="903999" cy="346556"/>
+          </a:xfrm>
+          <a:prstGeom prst="roundRect">
+            <a:avLst/>
+          </a:prstGeom>
+          <a:solidFill>
+            <a:schemeClr val="accent2">
+              <a:lumMod val="20000"/>
+              <a:lumOff val="80000"/>
+            </a:schemeClr>
+          </a:solidFill>
+          <a:ln>
+            <a:solidFill>
+              <a:schemeClr val="tx1"/>
+            </a:solidFill>
+          </a:ln>
+        </p:spPr>
+        <p:style>
+          <a:lnRef idx="2">
+            <a:schemeClr val="accent1">
+              <a:shade val="50000"/>
+            </a:schemeClr>
+          </a:lnRef>
+          <a:fillRef idx="1">
+            <a:schemeClr val="accent1"/>
+          </a:fillRef>
+          <a:effectRef idx="0">
+            <a:schemeClr val="accent1"/>
+          </a:effectRef>
+          <a:fontRef idx="minor">
+            <a:schemeClr val="lt1"/>
+          </a:fontRef>
+        </p:style>
+        <p:txBody>
+          <a:bodyPr lIns="36000" tIns="36000" rIns="36000" bIns="36000" rtlCol="0" anchor="ctr"/>
+          <a:lstStyle/>
+          <a:p>
+            <a:pPr algn="ctr"/>
+            <a:endParaRPr kumimoji="1" lang="ja-JP" altLang="en-US" sz="1200" dirty="0">
+              <a:solidFill>
+                <a:schemeClr val="tx1"/>
+              </a:solidFill>
+            </a:endParaRPr>
+          </a:p>
+        </p:txBody>
+      </p:sp>
+      <p:sp>
+        <p:nvSpPr>
+          <p:cNvPr id="250" name="テキスト ボックス 249">
+            <a:extLst>
+              <a:ext uri="{FF2B5EF4-FFF2-40B4-BE49-F238E27FC236}">
+                <a16:creationId xmlns:a16="http://schemas.microsoft.com/office/drawing/2014/main" id="{6EAA907B-3726-2835-D0B1-3CF559EA4B10}"/>
+              </a:ext>
+            </a:extLst>
+          </p:cNvPr>
+          <p:cNvSpPr txBox="1"/>
+          <p:nvPr/>
+        </p:nvSpPr>
+        <p:spPr>
+          <a:xfrm>
+            <a:off x="1723704" y="5285953"/>
+            <a:ext cx="1000595" cy="276999"/>
+          </a:xfrm>
+          <a:prstGeom prst="rect">
+            <a:avLst/>
+          </a:prstGeom>
+          <a:noFill/>
+        </p:spPr>
+        <p:txBody>
+          <a:bodyPr wrap="none" rtlCol="0">
+            <a:spAutoFit/>
+          </a:bodyPr>
+          <a:lstStyle/>
+          <a:p>
+            <a:r>
+              <a:rPr lang="ja-JP" altLang="en-US" sz="1200" b="1" dirty="0"/>
+              <a:t>中間データ</a:t>
+            </a:r>
+            <a:r>
+              <a:rPr lang="en-US" altLang="ja-JP" sz="1200" b="1" dirty="0"/>
+              <a:t>:</a:t>
+            </a:r>
+            <a:endParaRPr kumimoji="1" lang="ja-JP" altLang="en-US" sz="1200" b="1" dirty="0"/>
+          </a:p>
+        </p:txBody>
+      </p:sp>
+      <p:sp>
+        <p:nvSpPr>
+          <p:cNvPr id="251" name="テキスト ボックス 250">
+            <a:extLst>
+              <a:ext uri="{FF2B5EF4-FFF2-40B4-BE49-F238E27FC236}">
+                <a16:creationId xmlns:a16="http://schemas.microsoft.com/office/drawing/2014/main" id="{19B2E29D-8591-ACA1-FEF8-1263F3A6A9D3}"/>
+              </a:ext>
+            </a:extLst>
+          </p:cNvPr>
+          <p:cNvSpPr txBox="1"/>
+          <p:nvPr/>
+        </p:nvSpPr>
+        <p:spPr>
+          <a:xfrm>
+            <a:off x="2174151" y="5675617"/>
+            <a:ext cx="538930" cy="276999"/>
+          </a:xfrm>
+          <a:prstGeom prst="rect">
+            <a:avLst/>
+          </a:prstGeom>
+          <a:noFill/>
+        </p:spPr>
+        <p:txBody>
+          <a:bodyPr wrap="none" rtlCol="0">
+            <a:spAutoFit/>
+          </a:bodyPr>
+          <a:lstStyle/>
+          <a:p>
+            <a:r>
+              <a:rPr lang="ja-JP" altLang="en-US" sz="1200" b="1" dirty="0"/>
+              <a:t>処理</a:t>
+            </a:r>
+            <a:r>
+              <a:rPr lang="en-US" altLang="ja-JP" sz="1200" b="1" dirty="0"/>
+              <a:t>:</a:t>
+            </a:r>
+            <a:endParaRPr kumimoji="1" lang="ja-JP" altLang="en-US" sz="1200" b="1" dirty="0"/>
+          </a:p>
+        </p:txBody>
+      </p:sp>
+      <p:sp>
+        <p:nvSpPr>
+          <p:cNvPr id="254" name="四角形: 角を丸くする 253">
+            <a:extLst>
+              <a:ext uri="{FF2B5EF4-FFF2-40B4-BE49-F238E27FC236}">
+                <a16:creationId xmlns:a16="http://schemas.microsoft.com/office/drawing/2014/main" id="{6055F02D-2556-77C4-EB26-0A86AF106602}"/>
+              </a:ext>
+            </a:extLst>
+          </p:cNvPr>
+          <p:cNvSpPr/>
+          <p:nvPr/>
+        </p:nvSpPr>
+        <p:spPr>
+          <a:xfrm>
+            <a:off x="6743952" y="5228772"/>
+            <a:ext cx="897120" cy="332112"/>
+          </a:xfrm>
+          <a:prstGeom prst="roundRect">
+            <a:avLst/>
+          </a:prstGeom>
+          <a:solidFill>
+            <a:schemeClr val="accent2">
+              <a:lumMod val="60000"/>
+              <a:lumOff val="40000"/>
+            </a:schemeClr>
+          </a:solidFill>
+          <a:ln>
+            <a:solidFill>
+              <a:schemeClr val="tx1"/>
+            </a:solidFill>
+          </a:ln>
+        </p:spPr>
+        <p:style>
+          <a:lnRef idx="2">
+            <a:schemeClr val="accent1">
+              <a:shade val="50000"/>
+            </a:schemeClr>
+          </a:lnRef>
+          <a:fillRef idx="1">
+            <a:schemeClr val="accent1"/>
+          </a:fillRef>
+          <a:effectRef idx="0">
+            <a:schemeClr val="accent1"/>
+          </a:effectRef>
+          <a:fontRef idx="minor">
+            <a:schemeClr val="lt1"/>
+          </a:fontRef>
+        </p:style>
+        <p:txBody>
+          <a:bodyPr lIns="36000" tIns="36000" rIns="36000" bIns="36000" rtlCol="0" anchor="ctr"/>
+          <a:lstStyle/>
+          <a:p>
+            <a:pPr algn="ctr"/>
+            <a:endParaRPr kumimoji="1" lang="ja-JP" altLang="en-US" sz="1200" dirty="0">
+              <a:solidFill>
+                <a:schemeClr val="tx1"/>
+              </a:solidFill>
+            </a:endParaRPr>
+          </a:p>
+        </p:txBody>
+      </p:sp>
+      <p:sp>
+        <p:nvSpPr>
+          <p:cNvPr id="255" name="テキスト ボックス 254">
+            <a:extLst>
+              <a:ext uri="{FF2B5EF4-FFF2-40B4-BE49-F238E27FC236}">
+                <a16:creationId xmlns:a16="http://schemas.microsoft.com/office/drawing/2014/main" id="{CEC98DC3-A2E1-78C1-B7BA-4197971B69E2}"/>
+              </a:ext>
+            </a:extLst>
+          </p:cNvPr>
+          <p:cNvSpPr txBox="1"/>
+          <p:nvPr/>
+        </p:nvSpPr>
+        <p:spPr>
+          <a:xfrm>
+            <a:off x="4092086" y="5271202"/>
+            <a:ext cx="2693366" cy="276999"/>
+          </a:xfrm>
+          <a:prstGeom prst="rect">
+            <a:avLst/>
+          </a:prstGeom>
+          <a:noFill/>
+        </p:spPr>
+        <p:txBody>
+          <a:bodyPr wrap="none" rtlCol="0">
+            <a:spAutoFit/>
+          </a:bodyPr>
+          <a:lstStyle/>
+          <a:p>
+            <a:r>
+              <a:rPr lang="ja-JP" altLang="en-US" sz="1200" b="1" dirty="0"/>
+              <a:t>既存手法から改良を行う中間データ</a:t>
+            </a:r>
+            <a:r>
+              <a:rPr lang="en-US" altLang="ja-JP" sz="1200" b="1" dirty="0"/>
+              <a:t>:</a:t>
+            </a:r>
+            <a:endParaRPr kumimoji="1" lang="ja-JP" altLang="en-US" sz="1200" b="1" dirty="0"/>
+          </a:p>
+        </p:txBody>
+      </p:sp>
+      <p:sp>
+        <p:nvSpPr>
+          <p:cNvPr id="256" name="四角形: 角を丸くする 255">
+            <a:extLst>
+              <a:ext uri="{FF2B5EF4-FFF2-40B4-BE49-F238E27FC236}">
+                <a16:creationId xmlns:a16="http://schemas.microsoft.com/office/drawing/2014/main" id="{B08AACE3-FB42-BE7F-687B-D8CD8D2A5BBB}"/>
+              </a:ext>
+            </a:extLst>
+          </p:cNvPr>
+          <p:cNvSpPr/>
+          <p:nvPr/>
+        </p:nvSpPr>
+        <p:spPr>
+          <a:xfrm>
+            <a:off x="6738377" y="5622975"/>
+            <a:ext cx="902695" cy="352578"/>
+          </a:xfrm>
+          <a:prstGeom prst="roundRect">
+            <a:avLst/>
+          </a:prstGeom>
+          <a:solidFill>
+            <a:schemeClr val="accent5">
+              <a:lumMod val="60000"/>
+              <a:lumOff val="40000"/>
+            </a:schemeClr>
+          </a:solidFill>
+          <a:ln w="38100">
+            <a:solidFill>
+              <a:schemeClr val="accent1">
+                <a:lumMod val="75000"/>
+              </a:schemeClr>
+            </a:solidFill>
+          </a:ln>
+        </p:spPr>
+        <p:style>
+          <a:lnRef idx="2">
+            <a:schemeClr val="accent6"/>
+          </a:lnRef>
+          <a:fillRef idx="1">
+            <a:schemeClr val="lt1"/>
+          </a:fillRef>
+          <a:effectRef idx="0">
+            <a:schemeClr val="accent6"/>
+          </a:effectRef>
+          <a:fontRef idx="minor">
+            <a:schemeClr val="dk1"/>
+          </a:fontRef>
+        </p:style>
+        <p:txBody>
+          <a:bodyPr rtlCol="0" anchor="ctr"/>
+          <a:lstStyle/>
+          <a:p>
+            <a:pPr algn="ctr"/>
+            <a:endParaRPr kumimoji="1" lang="ja-JP" altLang="en-US" sz="1200" dirty="0"/>
+          </a:p>
+        </p:txBody>
+      </p:sp>
+      <p:sp>
+        <p:nvSpPr>
+          <p:cNvPr id="257" name="テキスト ボックス 256">
+            <a:extLst>
+              <a:ext uri="{FF2B5EF4-FFF2-40B4-BE49-F238E27FC236}">
+                <a16:creationId xmlns:a16="http://schemas.microsoft.com/office/drawing/2014/main" id="{98D7BEC0-0635-2F8B-3089-E3069177E590}"/>
+              </a:ext>
+            </a:extLst>
+          </p:cNvPr>
+          <p:cNvSpPr txBox="1"/>
+          <p:nvPr/>
+        </p:nvSpPr>
+        <p:spPr>
+          <a:xfrm>
+            <a:off x="3647324" y="5684915"/>
+            <a:ext cx="3155031" cy="276999"/>
+          </a:xfrm>
+          <a:prstGeom prst="rect">
+            <a:avLst/>
+          </a:prstGeom>
+          <a:noFill/>
+        </p:spPr>
+        <p:txBody>
+          <a:bodyPr wrap="none" rtlCol="0">
+            <a:spAutoFit/>
+          </a:bodyPr>
+          <a:lstStyle/>
+          <a:p>
+            <a:r>
+              <a:rPr lang="ja-JP" altLang="en-US" sz="1200" b="1" dirty="0"/>
+              <a:t>既存手法から新たに追加する処理・処理部</a:t>
+            </a:r>
+            <a:r>
+              <a:rPr lang="en-US" altLang="ja-JP" sz="1200" b="1" dirty="0"/>
+              <a:t>:</a:t>
+            </a:r>
+            <a:endParaRPr kumimoji="1" lang="ja-JP" altLang="en-US" sz="1200" b="1" dirty="0"/>
+          </a:p>
+        </p:txBody>
+      </p:sp>
+      <p:sp>
+        <p:nvSpPr>
+          <p:cNvPr id="258" name="テキスト ボックス 257">
+            <a:extLst>
+              <a:ext uri="{FF2B5EF4-FFF2-40B4-BE49-F238E27FC236}">
+                <a16:creationId xmlns:a16="http://schemas.microsoft.com/office/drawing/2014/main" id="{5E86ABF5-404E-3AEC-FC4A-539118D457D9}"/>
+              </a:ext>
+            </a:extLst>
+          </p:cNvPr>
+          <p:cNvSpPr txBox="1"/>
+          <p:nvPr/>
+        </p:nvSpPr>
+        <p:spPr>
+          <a:xfrm>
+            <a:off x="6743477" y="3259054"/>
+            <a:ext cx="639919" cy="276999"/>
+          </a:xfrm>
+          <a:prstGeom prst="rect">
+            <a:avLst/>
+          </a:prstGeom>
+          <a:noFill/>
+        </p:spPr>
+        <p:txBody>
+          <a:bodyPr wrap="none" rtlCol="0">
+            <a:spAutoFit/>
+          </a:bodyPr>
+          <a:lstStyle/>
+          <a:p>
+            <a:r>
+              <a:rPr kumimoji="1" lang="en-US" altLang="ja-JP" sz="1200" b="1" dirty="0"/>
+              <a:t>“</a:t>
+            </a:r>
+            <a:r>
+              <a:rPr kumimoji="1" lang="ja-JP" altLang="en-US" sz="1200" b="1" dirty="0"/>
+              <a:t>単語</a:t>
+            </a:r>
+            <a:r>
+              <a:rPr kumimoji="1" lang="en-US" altLang="ja-JP" sz="1200" b="1" dirty="0"/>
+              <a:t>”</a:t>
+            </a:r>
+            <a:endParaRPr kumimoji="1" lang="ja-JP" altLang="en-US" sz="1200" b="1" dirty="0"/>
+          </a:p>
+        </p:txBody>
+      </p:sp>
+      <p:sp>
+        <p:nvSpPr>
+          <p:cNvPr id="259" name="テキスト ボックス 258">
+            <a:extLst>
+              <a:ext uri="{FF2B5EF4-FFF2-40B4-BE49-F238E27FC236}">
+                <a16:creationId xmlns:a16="http://schemas.microsoft.com/office/drawing/2014/main" id="{626ED781-5E89-6D86-F5D2-2534B1D88894}"/>
+              </a:ext>
+            </a:extLst>
+          </p:cNvPr>
+          <p:cNvSpPr txBox="1"/>
+          <p:nvPr/>
+        </p:nvSpPr>
+        <p:spPr>
+          <a:xfrm>
+            <a:off x="6801043" y="3829939"/>
+            <a:ext cx="646331" cy="461665"/>
+          </a:xfrm>
+          <a:prstGeom prst="rect">
+            <a:avLst/>
+          </a:prstGeom>
+          <a:noFill/>
+        </p:spPr>
+        <p:txBody>
+          <a:bodyPr wrap="none" rtlCol="0">
+            <a:spAutoFit/>
+          </a:bodyPr>
+          <a:lstStyle/>
+          <a:p>
+            <a:pPr algn="ctr"/>
+            <a:r>
+              <a:rPr lang="ja-JP" altLang="en-US" sz="1200" b="1" dirty="0"/>
+              <a:t>概念</a:t>
+            </a:r>
+            <a:endParaRPr lang="en-US" altLang="ja-JP" sz="1200" b="1" dirty="0"/>
+          </a:p>
+          <a:p>
+            <a:pPr algn="ctr"/>
+            <a:r>
+              <a:rPr lang="ja-JP" altLang="en-US" sz="1200" b="1" dirty="0"/>
+              <a:t>レベル</a:t>
+            </a:r>
+            <a:endParaRPr kumimoji="1" lang="ja-JP" altLang="en-US" sz="1200" b="1" dirty="0"/>
+          </a:p>
+        </p:txBody>
+      </p:sp>
     </p:spTree>
     <p:extLst>
       <p:ext uri="{BB962C8B-B14F-4D97-AF65-F5344CB8AC3E}">
@@ -8728,13 +9355,15 @@
           </a:prstGeom>
           <a:solidFill>
             <a:schemeClr val="accent1">
-              <a:lumMod val="20000"/>
-              <a:lumOff val="80000"/>
+              <a:lumMod val="40000"/>
+              <a:lumOff val="60000"/>
             </a:schemeClr>
           </a:solidFill>
-          <a:ln>
+          <a:ln w="38100">
             <a:solidFill>
-              <a:schemeClr val="tx1"/>
+              <a:schemeClr val="accent1">
+                <a:lumMod val="75000"/>
+              </a:schemeClr>
             </a:solidFill>
           </a:ln>
         </p:spPr>
@@ -8794,13 +9423,15 @@
           </a:prstGeom>
           <a:solidFill>
             <a:schemeClr val="accent1">
-              <a:lumMod val="20000"/>
-              <a:lumOff val="80000"/>
+              <a:lumMod val="40000"/>
+              <a:lumOff val="60000"/>
             </a:schemeClr>
           </a:solidFill>
-          <a:ln>
+          <a:ln w="38100">
             <a:solidFill>
-              <a:schemeClr val="tx1"/>
+              <a:schemeClr val="accent1">
+                <a:lumMod val="75000"/>
+              </a:schemeClr>
             </a:solidFill>
           </a:ln>
         </p:spPr>
@@ -8903,13 +9534,15 @@
           </a:prstGeom>
           <a:solidFill>
             <a:schemeClr val="accent2">
-              <a:lumMod val="40000"/>
-              <a:lumOff val="60000"/>
+              <a:lumMod val="60000"/>
+              <a:lumOff val="40000"/>
             </a:schemeClr>
           </a:solidFill>
-          <a:ln>
+          <a:ln w="38100">
             <a:solidFill>
-              <a:schemeClr val="tx1"/>
+              <a:schemeClr val="accent2">
+                <a:lumMod val="75000"/>
+              </a:schemeClr>
             </a:solidFill>
           </a:ln>
         </p:spPr>
@@ -9077,13 +9710,15 @@
           </a:prstGeom>
           <a:solidFill>
             <a:schemeClr val="accent2">
-              <a:lumMod val="40000"/>
-              <a:lumOff val="60000"/>
+              <a:lumMod val="60000"/>
+              <a:lumOff val="40000"/>
             </a:schemeClr>
           </a:solidFill>
-          <a:ln>
+          <a:ln w="38100">
             <a:solidFill>
-              <a:schemeClr val="tx1"/>
+              <a:schemeClr val="accent2">
+                <a:lumMod val="75000"/>
+              </a:schemeClr>
             </a:solidFill>
           </a:ln>
         </p:spPr>
@@ -9341,6 +9976,206 @@
               <a:t>概念レベル</a:t>
             </a:r>
             <a:endParaRPr kumimoji="1" lang="ja-JP" altLang="en-US" sz="1200" dirty="0"/>
+          </a:p>
+        </p:txBody>
+      </p:sp>
+      <p:sp>
+        <p:nvSpPr>
+          <p:cNvPr id="83" name="四角形: 角を丸くする 82">
+            <a:extLst>
+              <a:ext uri="{FF2B5EF4-FFF2-40B4-BE49-F238E27FC236}">
+                <a16:creationId xmlns:a16="http://schemas.microsoft.com/office/drawing/2014/main" id="{AFBC2F19-467A-A626-DF6E-4B27193E3C2C}"/>
+              </a:ext>
+            </a:extLst>
+          </p:cNvPr>
+          <p:cNvSpPr/>
+          <p:nvPr/>
+        </p:nvSpPr>
+        <p:spPr>
+          <a:xfrm>
+            <a:off x="6906326" y="3400776"/>
+            <a:ext cx="897120" cy="352578"/>
+          </a:xfrm>
+          <a:prstGeom prst="roundRect">
+            <a:avLst/>
+          </a:prstGeom>
+          <a:solidFill>
+            <a:schemeClr val="accent2">
+              <a:lumMod val="60000"/>
+              <a:lumOff val="40000"/>
+            </a:schemeClr>
+          </a:solidFill>
+          <a:ln w="38100">
+            <a:solidFill>
+              <a:schemeClr val="accent2">
+                <a:lumMod val="75000"/>
+              </a:schemeClr>
+            </a:solidFill>
+          </a:ln>
+        </p:spPr>
+        <p:style>
+          <a:lnRef idx="2">
+            <a:schemeClr val="accent1">
+              <a:shade val="50000"/>
+            </a:schemeClr>
+          </a:lnRef>
+          <a:fillRef idx="1">
+            <a:schemeClr val="accent1"/>
+          </a:fillRef>
+          <a:effectRef idx="0">
+            <a:schemeClr val="accent1"/>
+          </a:effectRef>
+          <a:fontRef idx="minor">
+            <a:schemeClr val="lt1"/>
+          </a:fontRef>
+        </p:style>
+        <p:txBody>
+          <a:bodyPr lIns="36000" tIns="36000" rIns="36000" bIns="36000" rtlCol="0" anchor="ctr"/>
+          <a:lstStyle/>
+          <a:p>
+            <a:pPr algn="ctr"/>
+            <a:endParaRPr kumimoji="1" lang="ja-JP" altLang="en-US" sz="1200" dirty="0">
+              <a:solidFill>
+                <a:schemeClr val="tx1"/>
+              </a:solidFill>
+            </a:endParaRPr>
+          </a:p>
+        </p:txBody>
+      </p:sp>
+      <p:sp>
+        <p:nvSpPr>
+          <p:cNvPr id="84" name="テキスト ボックス 83">
+            <a:extLst>
+              <a:ext uri="{FF2B5EF4-FFF2-40B4-BE49-F238E27FC236}">
+                <a16:creationId xmlns:a16="http://schemas.microsoft.com/office/drawing/2014/main" id="{94D45467-7B7C-7CBC-5524-3DABD41270A5}"/>
+              </a:ext>
+            </a:extLst>
+          </p:cNvPr>
+          <p:cNvSpPr txBox="1"/>
+          <p:nvPr/>
+        </p:nvSpPr>
+        <p:spPr>
+          <a:xfrm>
+            <a:off x="3910693" y="3461664"/>
+            <a:ext cx="3001143" cy="276999"/>
+          </a:xfrm>
+          <a:prstGeom prst="rect">
+            <a:avLst/>
+          </a:prstGeom>
+          <a:noFill/>
+        </p:spPr>
+        <p:txBody>
+          <a:bodyPr wrap="none" rtlCol="0">
+            <a:spAutoFit/>
+          </a:bodyPr>
+          <a:lstStyle/>
+          <a:p>
+            <a:r>
+              <a:rPr lang="ja-JP" altLang="en-US" sz="1200" b="1" dirty="0"/>
+              <a:t>既存手法から新たに追加する中間データ</a:t>
+            </a:r>
+            <a:r>
+              <a:rPr lang="en-US" altLang="ja-JP" sz="1200" b="1" dirty="0"/>
+              <a:t>:</a:t>
+            </a:r>
+            <a:endParaRPr kumimoji="1" lang="ja-JP" altLang="en-US" sz="1200" b="1" dirty="0"/>
+          </a:p>
+        </p:txBody>
+      </p:sp>
+      <p:sp>
+        <p:nvSpPr>
+          <p:cNvPr id="85" name="四角形: 角を丸くする 84">
+            <a:extLst>
+              <a:ext uri="{FF2B5EF4-FFF2-40B4-BE49-F238E27FC236}">
+                <a16:creationId xmlns:a16="http://schemas.microsoft.com/office/drawing/2014/main" id="{8ACEB294-AF90-010C-70DE-769B70E05111}"/>
+              </a:ext>
+            </a:extLst>
+          </p:cNvPr>
+          <p:cNvSpPr/>
+          <p:nvPr/>
+        </p:nvSpPr>
+        <p:spPr>
+          <a:xfrm>
+            <a:off x="6454978" y="3845908"/>
+            <a:ext cx="902695" cy="352578"/>
+          </a:xfrm>
+          <a:prstGeom prst="roundRect">
+            <a:avLst/>
+          </a:prstGeom>
+          <a:solidFill>
+            <a:schemeClr val="accent5">
+              <a:lumMod val="60000"/>
+              <a:lumOff val="40000"/>
+            </a:schemeClr>
+          </a:solidFill>
+          <a:ln w="38100">
+            <a:solidFill>
+              <a:schemeClr val="accent1">
+                <a:lumMod val="75000"/>
+              </a:schemeClr>
+            </a:solidFill>
+          </a:ln>
+        </p:spPr>
+        <p:style>
+          <a:lnRef idx="2">
+            <a:schemeClr val="accent6"/>
+          </a:lnRef>
+          <a:fillRef idx="1">
+            <a:schemeClr val="lt1"/>
+          </a:fillRef>
+          <a:effectRef idx="0">
+            <a:schemeClr val="accent6"/>
+          </a:effectRef>
+          <a:fontRef idx="minor">
+            <a:schemeClr val="dk1"/>
+          </a:fontRef>
+        </p:style>
+        <p:txBody>
+          <a:bodyPr rtlCol="0" anchor="ctr"/>
+          <a:lstStyle/>
+          <a:p>
+            <a:pPr algn="ctr"/>
+            <a:endParaRPr kumimoji="1" lang="ja-JP" altLang="en-US" sz="1200" dirty="0"/>
+          </a:p>
+        </p:txBody>
+      </p:sp>
+      <p:sp>
+        <p:nvSpPr>
+          <p:cNvPr id="86" name="テキスト ボックス 85">
+            <a:extLst>
+              <a:ext uri="{FF2B5EF4-FFF2-40B4-BE49-F238E27FC236}">
+                <a16:creationId xmlns:a16="http://schemas.microsoft.com/office/drawing/2014/main" id="{53E0FC17-1B1D-CABA-BAC8-5CB2DAF86C3D}"/>
+              </a:ext>
+            </a:extLst>
+          </p:cNvPr>
+          <p:cNvSpPr txBox="1"/>
+          <p:nvPr/>
+        </p:nvSpPr>
+        <p:spPr>
+          <a:xfrm>
+            <a:off x="3914694" y="3885316"/>
+            <a:ext cx="2539478" cy="276999"/>
+          </a:xfrm>
+          <a:prstGeom prst="rect">
+            <a:avLst/>
+          </a:prstGeom>
+          <a:noFill/>
+        </p:spPr>
+        <p:txBody>
+          <a:bodyPr wrap="none" rtlCol="0">
+            <a:spAutoFit/>
+          </a:bodyPr>
+          <a:lstStyle/>
+          <a:p>
+            <a:r>
+              <a:rPr lang="ja-JP" altLang="en-US" sz="1200" b="1" dirty="0"/>
+              <a:t>既存手法から新たに追加する処理</a:t>
+            </a:r>
+            <a:r>
+              <a:rPr lang="en-US" altLang="ja-JP" sz="1200" b="1" dirty="0"/>
+              <a:t>:</a:t>
+            </a:r>
+            <a:endParaRPr kumimoji="1" lang="ja-JP" altLang="en-US" sz="1200" b="1" dirty="0"/>
           </a:p>
         </p:txBody>
       </p:sp>
@@ -12668,6 +13503,4324 @@
 </p:sld>
 </file>
 
+<file path=ppt/slides/slide6.xml><?xml version="1.0" encoding="utf-8"?>
+<p:sld xmlns:a="http://schemas.openxmlformats.org/drawingml/2006/main" xmlns:r="http://schemas.openxmlformats.org/officeDocument/2006/relationships" xmlns:p="http://schemas.openxmlformats.org/presentationml/2006/main">
+  <p:cSld>
+    <p:spTree>
+      <p:nvGrpSpPr>
+        <p:cNvPr id="1" name=""/>
+        <p:cNvGrpSpPr/>
+        <p:nvPr/>
+      </p:nvGrpSpPr>
+      <p:grpSpPr>
+        <a:xfrm>
+          <a:off x="0" y="0"/>
+          <a:ext cx="0" cy="0"/>
+          <a:chOff x="0" y="0"/>
+          <a:chExt cx="0" cy="0"/>
+        </a:xfrm>
+      </p:grpSpPr>
+      <p:sp>
+        <p:nvSpPr>
+          <p:cNvPr id="2" name="正方形/長方形 1">
+            <a:extLst>
+              <a:ext uri="{FF2B5EF4-FFF2-40B4-BE49-F238E27FC236}">
+                <a16:creationId xmlns:a16="http://schemas.microsoft.com/office/drawing/2014/main" id="{5504AA1E-88C6-AD2A-C04E-A70E242C2C03}"/>
+              </a:ext>
+            </a:extLst>
+          </p:cNvPr>
+          <p:cNvSpPr/>
+          <p:nvPr/>
+        </p:nvSpPr>
+        <p:spPr>
+          <a:xfrm>
+            <a:off x="934024" y="371034"/>
+            <a:ext cx="10817249" cy="4873940"/>
+          </a:xfrm>
+          <a:custGeom>
+            <a:avLst/>
+            <a:gdLst>
+              <a:gd name="connsiteX0" fmla="*/ 0 w 9439725"/>
+              <a:gd name="connsiteY0" fmla="*/ 0 h 4041916"/>
+              <a:gd name="connsiteX1" fmla="*/ 9439725 w 9439725"/>
+              <a:gd name="connsiteY1" fmla="*/ 0 h 4041916"/>
+              <a:gd name="connsiteX2" fmla="*/ 9439725 w 9439725"/>
+              <a:gd name="connsiteY2" fmla="*/ 4041916 h 4041916"/>
+              <a:gd name="connsiteX3" fmla="*/ 0 w 9439725"/>
+              <a:gd name="connsiteY3" fmla="*/ 4041916 h 4041916"/>
+              <a:gd name="connsiteX4" fmla="*/ 0 w 9439725"/>
+              <a:gd name="connsiteY4" fmla="*/ 0 h 4041916"/>
+              <a:gd name="connsiteX0" fmla="*/ 0 w 9439725"/>
+              <a:gd name="connsiteY0" fmla="*/ 0 h 4041916"/>
+              <a:gd name="connsiteX1" fmla="*/ 9439725 w 9439725"/>
+              <a:gd name="connsiteY1" fmla="*/ 0 h 4041916"/>
+              <a:gd name="connsiteX2" fmla="*/ 9439725 w 9439725"/>
+              <a:gd name="connsiteY2" fmla="*/ 4041916 h 4041916"/>
+              <a:gd name="connsiteX3" fmla="*/ 2972830 w 9439725"/>
+              <a:gd name="connsiteY3" fmla="*/ 4027971 h 4041916"/>
+              <a:gd name="connsiteX4" fmla="*/ 0 w 9439725"/>
+              <a:gd name="connsiteY4" fmla="*/ 4041916 h 4041916"/>
+              <a:gd name="connsiteX5" fmla="*/ 0 w 9439725"/>
+              <a:gd name="connsiteY5" fmla="*/ 0 h 4041916"/>
+              <a:gd name="connsiteX0" fmla="*/ 0 w 9439725"/>
+              <a:gd name="connsiteY0" fmla="*/ 0 h 4041916"/>
+              <a:gd name="connsiteX1" fmla="*/ 9439725 w 9439725"/>
+              <a:gd name="connsiteY1" fmla="*/ 0 h 4041916"/>
+              <a:gd name="connsiteX2" fmla="*/ 9439725 w 9439725"/>
+              <a:gd name="connsiteY2" fmla="*/ 4041916 h 4041916"/>
+              <a:gd name="connsiteX3" fmla="*/ 2972830 w 9439725"/>
+              <a:gd name="connsiteY3" fmla="*/ 4027971 h 4041916"/>
+              <a:gd name="connsiteX4" fmla="*/ 0 w 9439725"/>
+              <a:gd name="connsiteY4" fmla="*/ 4041916 h 4041916"/>
+              <a:gd name="connsiteX5" fmla="*/ 0 w 9439725"/>
+              <a:gd name="connsiteY5" fmla="*/ 0 h 4041916"/>
+              <a:gd name="connsiteX0" fmla="*/ 17505 w 9457230"/>
+              <a:gd name="connsiteY0" fmla="*/ 0 h 4041916"/>
+              <a:gd name="connsiteX1" fmla="*/ 9457230 w 9457230"/>
+              <a:gd name="connsiteY1" fmla="*/ 0 h 4041916"/>
+              <a:gd name="connsiteX2" fmla="*/ 9457230 w 9457230"/>
+              <a:gd name="connsiteY2" fmla="*/ 4041916 h 4041916"/>
+              <a:gd name="connsiteX3" fmla="*/ 2990335 w 9457230"/>
+              <a:gd name="connsiteY3" fmla="*/ 4027971 h 4041916"/>
+              <a:gd name="connsiteX4" fmla="*/ 17505 w 9457230"/>
+              <a:gd name="connsiteY4" fmla="*/ 4041916 h 4041916"/>
+              <a:gd name="connsiteX5" fmla="*/ 0 w 9457230"/>
+              <a:gd name="connsiteY5" fmla="*/ 2915863 h 4041916"/>
+              <a:gd name="connsiteX6" fmla="*/ 17505 w 9457230"/>
+              <a:gd name="connsiteY6" fmla="*/ 0 h 4041916"/>
+              <a:gd name="connsiteX0" fmla="*/ 17505 w 9457230"/>
+              <a:gd name="connsiteY0" fmla="*/ 0 h 4041916"/>
+              <a:gd name="connsiteX1" fmla="*/ 9457230 w 9457230"/>
+              <a:gd name="connsiteY1" fmla="*/ 0 h 4041916"/>
+              <a:gd name="connsiteX2" fmla="*/ 9457230 w 9457230"/>
+              <a:gd name="connsiteY2" fmla="*/ 4041916 h 4041916"/>
+              <a:gd name="connsiteX3" fmla="*/ 2990335 w 9457230"/>
+              <a:gd name="connsiteY3" fmla="*/ 4027971 h 4041916"/>
+              <a:gd name="connsiteX4" fmla="*/ 17505 w 9457230"/>
+              <a:gd name="connsiteY4" fmla="*/ 4041916 h 4041916"/>
+              <a:gd name="connsiteX5" fmla="*/ 0 w 9457230"/>
+              <a:gd name="connsiteY5" fmla="*/ 2915863 h 4041916"/>
+              <a:gd name="connsiteX6" fmla="*/ 17505 w 9457230"/>
+              <a:gd name="connsiteY6" fmla="*/ 0 h 4041916"/>
+              <a:gd name="connsiteX0" fmla="*/ 17505 w 9457230"/>
+              <a:gd name="connsiteY0" fmla="*/ 0 h 4041916"/>
+              <a:gd name="connsiteX1" fmla="*/ 9457230 w 9457230"/>
+              <a:gd name="connsiteY1" fmla="*/ 0 h 4041916"/>
+              <a:gd name="connsiteX2" fmla="*/ 9457230 w 9457230"/>
+              <a:gd name="connsiteY2" fmla="*/ 4041916 h 4041916"/>
+              <a:gd name="connsiteX3" fmla="*/ 2990335 w 9457230"/>
+              <a:gd name="connsiteY3" fmla="*/ 4027971 h 4041916"/>
+              <a:gd name="connsiteX4" fmla="*/ 3094338 w 9457230"/>
+              <a:gd name="connsiteY4" fmla="*/ 2954522 h 4041916"/>
+              <a:gd name="connsiteX5" fmla="*/ 0 w 9457230"/>
+              <a:gd name="connsiteY5" fmla="*/ 2915863 h 4041916"/>
+              <a:gd name="connsiteX6" fmla="*/ 17505 w 9457230"/>
+              <a:gd name="connsiteY6" fmla="*/ 0 h 4041916"/>
+              <a:gd name="connsiteX0" fmla="*/ 17505 w 9457230"/>
+              <a:gd name="connsiteY0" fmla="*/ 0 h 4041916"/>
+              <a:gd name="connsiteX1" fmla="*/ 9457230 w 9457230"/>
+              <a:gd name="connsiteY1" fmla="*/ 0 h 4041916"/>
+              <a:gd name="connsiteX2" fmla="*/ 9457230 w 9457230"/>
+              <a:gd name="connsiteY2" fmla="*/ 4041916 h 4041916"/>
+              <a:gd name="connsiteX3" fmla="*/ 2990335 w 9457230"/>
+              <a:gd name="connsiteY3" fmla="*/ 4027971 h 4041916"/>
+              <a:gd name="connsiteX4" fmla="*/ 3094338 w 9457230"/>
+              <a:gd name="connsiteY4" fmla="*/ 2954522 h 4041916"/>
+              <a:gd name="connsiteX5" fmla="*/ 0 w 9457230"/>
+              <a:gd name="connsiteY5" fmla="*/ 2915863 h 4041916"/>
+              <a:gd name="connsiteX6" fmla="*/ 17505 w 9457230"/>
+              <a:gd name="connsiteY6" fmla="*/ 0 h 4041916"/>
+              <a:gd name="connsiteX0" fmla="*/ 17505 w 9457230"/>
+              <a:gd name="connsiteY0" fmla="*/ 0 h 4041916"/>
+              <a:gd name="connsiteX1" fmla="*/ 9457230 w 9457230"/>
+              <a:gd name="connsiteY1" fmla="*/ 0 h 4041916"/>
+              <a:gd name="connsiteX2" fmla="*/ 9457230 w 9457230"/>
+              <a:gd name="connsiteY2" fmla="*/ 4041916 h 4041916"/>
+              <a:gd name="connsiteX3" fmla="*/ 2990335 w 9457230"/>
+              <a:gd name="connsiteY3" fmla="*/ 4027971 h 4041916"/>
+              <a:gd name="connsiteX4" fmla="*/ 3094338 w 9457230"/>
+              <a:gd name="connsiteY4" fmla="*/ 2954522 h 4041916"/>
+              <a:gd name="connsiteX5" fmla="*/ 0 w 9457230"/>
+              <a:gd name="connsiteY5" fmla="*/ 2915863 h 4041916"/>
+              <a:gd name="connsiteX6" fmla="*/ 17505 w 9457230"/>
+              <a:gd name="connsiteY6" fmla="*/ 0 h 4041916"/>
+              <a:gd name="connsiteX0" fmla="*/ 17505 w 9457230"/>
+              <a:gd name="connsiteY0" fmla="*/ 0 h 4041916"/>
+              <a:gd name="connsiteX1" fmla="*/ 9457230 w 9457230"/>
+              <a:gd name="connsiteY1" fmla="*/ 0 h 4041916"/>
+              <a:gd name="connsiteX2" fmla="*/ 9457230 w 9457230"/>
+              <a:gd name="connsiteY2" fmla="*/ 4041916 h 4041916"/>
+              <a:gd name="connsiteX3" fmla="*/ 2990335 w 9457230"/>
+              <a:gd name="connsiteY3" fmla="*/ 4027971 h 4041916"/>
+              <a:gd name="connsiteX4" fmla="*/ 4391797 w 9457230"/>
+              <a:gd name="connsiteY4" fmla="*/ 2954522 h 4041916"/>
+              <a:gd name="connsiteX5" fmla="*/ 0 w 9457230"/>
+              <a:gd name="connsiteY5" fmla="*/ 2915863 h 4041916"/>
+              <a:gd name="connsiteX6" fmla="*/ 17505 w 9457230"/>
+              <a:gd name="connsiteY6" fmla="*/ 0 h 4041916"/>
+              <a:gd name="connsiteX0" fmla="*/ 17505 w 9457230"/>
+              <a:gd name="connsiteY0" fmla="*/ 0 h 4041916"/>
+              <a:gd name="connsiteX1" fmla="*/ 9457230 w 9457230"/>
+              <a:gd name="connsiteY1" fmla="*/ 0 h 4041916"/>
+              <a:gd name="connsiteX2" fmla="*/ 9457230 w 9457230"/>
+              <a:gd name="connsiteY2" fmla="*/ 4041916 h 4041916"/>
+              <a:gd name="connsiteX3" fmla="*/ 4399006 w 9457230"/>
+              <a:gd name="connsiteY3" fmla="*/ 4015614 h 4041916"/>
+              <a:gd name="connsiteX4" fmla="*/ 4391797 w 9457230"/>
+              <a:gd name="connsiteY4" fmla="*/ 2954522 h 4041916"/>
+              <a:gd name="connsiteX5" fmla="*/ 0 w 9457230"/>
+              <a:gd name="connsiteY5" fmla="*/ 2915863 h 4041916"/>
+              <a:gd name="connsiteX6" fmla="*/ 17505 w 9457230"/>
+              <a:gd name="connsiteY6" fmla="*/ 0 h 4041916"/>
+              <a:gd name="connsiteX0" fmla="*/ 17505 w 9457230"/>
+              <a:gd name="connsiteY0" fmla="*/ 0 h 4041916"/>
+              <a:gd name="connsiteX1" fmla="*/ 9457230 w 9457230"/>
+              <a:gd name="connsiteY1" fmla="*/ 0 h 4041916"/>
+              <a:gd name="connsiteX2" fmla="*/ 9457230 w 9457230"/>
+              <a:gd name="connsiteY2" fmla="*/ 4041916 h 4041916"/>
+              <a:gd name="connsiteX3" fmla="*/ 4399006 w 9457230"/>
+              <a:gd name="connsiteY3" fmla="*/ 4015614 h 4041916"/>
+              <a:gd name="connsiteX4" fmla="*/ 4379440 w 9457230"/>
+              <a:gd name="connsiteY4" fmla="*/ 2892738 h 4041916"/>
+              <a:gd name="connsiteX5" fmla="*/ 0 w 9457230"/>
+              <a:gd name="connsiteY5" fmla="*/ 2915863 h 4041916"/>
+              <a:gd name="connsiteX6" fmla="*/ 17505 w 9457230"/>
+              <a:gd name="connsiteY6" fmla="*/ 0 h 4041916"/>
+              <a:gd name="connsiteX0" fmla="*/ 17505 w 9457230"/>
+              <a:gd name="connsiteY0" fmla="*/ 0 h 4041916"/>
+              <a:gd name="connsiteX1" fmla="*/ 9457230 w 9457230"/>
+              <a:gd name="connsiteY1" fmla="*/ 0 h 4041916"/>
+              <a:gd name="connsiteX2" fmla="*/ 9457230 w 9457230"/>
+              <a:gd name="connsiteY2" fmla="*/ 4041916 h 4041916"/>
+              <a:gd name="connsiteX3" fmla="*/ 4399006 w 9457230"/>
+              <a:gd name="connsiteY3" fmla="*/ 4015614 h 4041916"/>
+              <a:gd name="connsiteX4" fmla="*/ 4379440 w 9457230"/>
+              <a:gd name="connsiteY4" fmla="*/ 2892738 h 4041916"/>
+              <a:gd name="connsiteX5" fmla="*/ 0 w 9457230"/>
+              <a:gd name="connsiteY5" fmla="*/ 2915863 h 4041916"/>
+              <a:gd name="connsiteX6" fmla="*/ 17505 w 9457230"/>
+              <a:gd name="connsiteY6" fmla="*/ 0 h 4041916"/>
+              <a:gd name="connsiteX0" fmla="*/ 17505 w 9457230"/>
+              <a:gd name="connsiteY0" fmla="*/ 0 h 4041916"/>
+              <a:gd name="connsiteX1" fmla="*/ 9457230 w 9457230"/>
+              <a:gd name="connsiteY1" fmla="*/ 0 h 4041916"/>
+              <a:gd name="connsiteX2" fmla="*/ 9457230 w 9457230"/>
+              <a:gd name="connsiteY2" fmla="*/ 4041916 h 4041916"/>
+              <a:gd name="connsiteX3" fmla="*/ 4399006 w 9457230"/>
+              <a:gd name="connsiteY3" fmla="*/ 4015614 h 4041916"/>
+              <a:gd name="connsiteX4" fmla="*/ 4379440 w 9457230"/>
+              <a:gd name="connsiteY4" fmla="*/ 2905095 h 4041916"/>
+              <a:gd name="connsiteX5" fmla="*/ 0 w 9457230"/>
+              <a:gd name="connsiteY5" fmla="*/ 2915863 h 4041916"/>
+              <a:gd name="connsiteX6" fmla="*/ 17505 w 9457230"/>
+              <a:gd name="connsiteY6" fmla="*/ 0 h 4041916"/>
+              <a:gd name="connsiteX0" fmla="*/ 17505 w 9457230"/>
+              <a:gd name="connsiteY0" fmla="*/ 0 h 4041916"/>
+              <a:gd name="connsiteX1" fmla="*/ 9457230 w 9457230"/>
+              <a:gd name="connsiteY1" fmla="*/ 0 h 4041916"/>
+              <a:gd name="connsiteX2" fmla="*/ 9457230 w 9457230"/>
+              <a:gd name="connsiteY2" fmla="*/ 4041916 h 4041916"/>
+              <a:gd name="connsiteX3" fmla="*/ 4399006 w 9457230"/>
+              <a:gd name="connsiteY3" fmla="*/ 4015614 h 4041916"/>
+              <a:gd name="connsiteX4" fmla="*/ 4379440 w 9457230"/>
+              <a:gd name="connsiteY4" fmla="*/ 2905095 h 4041916"/>
+              <a:gd name="connsiteX5" fmla="*/ 0 w 9457230"/>
+              <a:gd name="connsiteY5" fmla="*/ 2915863 h 4041916"/>
+              <a:gd name="connsiteX6" fmla="*/ 17505 w 9457230"/>
+              <a:gd name="connsiteY6" fmla="*/ 0 h 4041916"/>
+              <a:gd name="connsiteX0" fmla="*/ 17505 w 9457230"/>
+              <a:gd name="connsiteY0" fmla="*/ 0 h 4041916"/>
+              <a:gd name="connsiteX1" fmla="*/ 9457230 w 9457230"/>
+              <a:gd name="connsiteY1" fmla="*/ 0 h 4041916"/>
+              <a:gd name="connsiteX2" fmla="*/ 9457230 w 9457230"/>
+              <a:gd name="connsiteY2" fmla="*/ 4041916 h 4041916"/>
+              <a:gd name="connsiteX3" fmla="*/ 4399006 w 9457230"/>
+              <a:gd name="connsiteY3" fmla="*/ 4015614 h 4041916"/>
+              <a:gd name="connsiteX4" fmla="*/ 4379440 w 9457230"/>
+              <a:gd name="connsiteY4" fmla="*/ 2905095 h 4041916"/>
+              <a:gd name="connsiteX5" fmla="*/ 0 w 9457230"/>
+              <a:gd name="connsiteY5" fmla="*/ 2915863 h 4041916"/>
+              <a:gd name="connsiteX6" fmla="*/ 17505 w 9457230"/>
+              <a:gd name="connsiteY6" fmla="*/ 0 h 4041916"/>
+              <a:gd name="connsiteX0" fmla="*/ 17505 w 9457230"/>
+              <a:gd name="connsiteY0" fmla="*/ 0 h 4041916"/>
+              <a:gd name="connsiteX1" fmla="*/ 9457230 w 9457230"/>
+              <a:gd name="connsiteY1" fmla="*/ 0 h 4041916"/>
+              <a:gd name="connsiteX2" fmla="*/ 9457230 w 9457230"/>
+              <a:gd name="connsiteY2" fmla="*/ 4041916 h 4041916"/>
+              <a:gd name="connsiteX3" fmla="*/ 4399006 w 9457230"/>
+              <a:gd name="connsiteY3" fmla="*/ 4015614 h 4041916"/>
+              <a:gd name="connsiteX4" fmla="*/ 4379440 w 9457230"/>
+              <a:gd name="connsiteY4" fmla="*/ 2905095 h 4041916"/>
+              <a:gd name="connsiteX5" fmla="*/ 0 w 9457230"/>
+              <a:gd name="connsiteY5" fmla="*/ 2915863 h 4041916"/>
+              <a:gd name="connsiteX6" fmla="*/ 17505 w 9457230"/>
+              <a:gd name="connsiteY6" fmla="*/ 0 h 4041916"/>
+              <a:gd name="connsiteX0" fmla="*/ 17505 w 9457230"/>
+              <a:gd name="connsiteY0" fmla="*/ 0 h 4041916"/>
+              <a:gd name="connsiteX1" fmla="*/ 9457230 w 9457230"/>
+              <a:gd name="connsiteY1" fmla="*/ 0 h 4041916"/>
+              <a:gd name="connsiteX2" fmla="*/ 9457230 w 9457230"/>
+              <a:gd name="connsiteY2" fmla="*/ 4041916 h 4041916"/>
+              <a:gd name="connsiteX3" fmla="*/ 4399006 w 9457230"/>
+              <a:gd name="connsiteY3" fmla="*/ 4015614 h 4041916"/>
+              <a:gd name="connsiteX4" fmla="*/ 4379440 w 9457230"/>
+              <a:gd name="connsiteY4" fmla="*/ 2905095 h 4041916"/>
+              <a:gd name="connsiteX5" fmla="*/ 0 w 9457230"/>
+              <a:gd name="connsiteY5" fmla="*/ 2915863 h 4041916"/>
+              <a:gd name="connsiteX6" fmla="*/ 17505 w 9457230"/>
+              <a:gd name="connsiteY6" fmla="*/ 0 h 4041916"/>
+              <a:gd name="connsiteX0" fmla="*/ 17505 w 9457230"/>
+              <a:gd name="connsiteY0" fmla="*/ 0 h 4041916"/>
+              <a:gd name="connsiteX1" fmla="*/ 9457230 w 9457230"/>
+              <a:gd name="connsiteY1" fmla="*/ 0 h 4041916"/>
+              <a:gd name="connsiteX2" fmla="*/ 9457230 w 9457230"/>
+              <a:gd name="connsiteY2" fmla="*/ 4041916 h 4041916"/>
+              <a:gd name="connsiteX3" fmla="*/ 4399006 w 9457230"/>
+              <a:gd name="connsiteY3" fmla="*/ 4015614 h 4041916"/>
+              <a:gd name="connsiteX4" fmla="*/ 4379440 w 9457230"/>
+              <a:gd name="connsiteY4" fmla="*/ 2905095 h 4041916"/>
+              <a:gd name="connsiteX5" fmla="*/ 0 w 9457230"/>
+              <a:gd name="connsiteY5" fmla="*/ 2915863 h 4041916"/>
+              <a:gd name="connsiteX6" fmla="*/ 17505 w 9457230"/>
+              <a:gd name="connsiteY6" fmla="*/ 0 h 4041916"/>
+              <a:gd name="connsiteX0" fmla="*/ 17505 w 9457230"/>
+              <a:gd name="connsiteY0" fmla="*/ 0 h 4041916"/>
+              <a:gd name="connsiteX1" fmla="*/ 9457230 w 9457230"/>
+              <a:gd name="connsiteY1" fmla="*/ 0 h 4041916"/>
+              <a:gd name="connsiteX2" fmla="*/ 9457230 w 9457230"/>
+              <a:gd name="connsiteY2" fmla="*/ 4041916 h 4041916"/>
+              <a:gd name="connsiteX3" fmla="*/ 4399006 w 9457230"/>
+              <a:gd name="connsiteY3" fmla="*/ 4015614 h 4041916"/>
+              <a:gd name="connsiteX4" fmla="*/ 4391797 w 9457230"/>
+              <a:gd name="connsiteY4" fmla="*/ 2905095 h 4041916"/>
+              <a:gd name="connsiteX5" fmla="*/ 0 w 9457230"/>
+              <a:gd name="connsiteY5" fmla="*/ 2915863 h 4041916"/>
+              <a:gd name="connsiteX6" fmla="*/ 17505 w 9457230"/>
+              <a:gd name="connsiteY6" fmla="*/ 0 h 4041916"/>
+              <a:gd name="connsiteX0" fmla="*/ 17505 w 9457230"/>
+              <a:gd name="connsiteY0" fmla="*/ 0 h 4041916"/>
+              <a:gd name="connsiteX1" fmla="*/ 9457230 w 9457230"/>
+              <a:gd name="connsiteY1" fmla="*/ 0 h 4041916"/>
+              <a:gd name="connsiteX2" fmla="*/ 9457230 w 9457230"/>
+              <a:gd name="connsiteY2" fmla="*/ 4041916 h 4041916"/>
+              <a:gd name="connsiteX3" fmla="*/ 4399006 w 9457230"/>
+              <a:gd name="connsiteY3" fmla="*/ 4015614 h 4041916"/>
+              <a:gd name="connsiteX4" fmla="*/ 3863399 w 9457230"/>
+              <a:gd name="connsiteY4" fmla="*/ 2607922 h 4041916"/>
+              <a:gd name="connsiteX5" fmla="*/ 0 w 9457230"/>
+              <a:gd name="connsiteY5" fmla="*/ 2915863 h 4041916"/>
+              <a:gd name="connsiteX6" fmla="*/ 17505 w 9457230"/>
+              <a:gd name="connsiteY6" fmla="*/ 0 h 4041916"/>
+              <a:gd name="connsiteX0" fmla="*/ 17505 w 9457230"/>
+              <a:gd name="connsiteY0" fmla="*/ 0 h 4041916"/>
+              <a:gd name="connsiteX1" fmla="*/ 9457230 w 9457230"/>
+              <a:gd name="connsiteY1" fmla="*/ 0 h 4041916"/>
+              <a:gd name="connsiteX2" fmla="*/ 9457230 w 9457230"/>
+              <a:gd name="connsiteY2" fmla="*/ 4041916 h 4041916"/>
+              <a:gd name="connsiteX3" fmla="*/ 3913744 w 9457230"/>
+              <a:gd name="connsiteY3" fmla="*/ 4025862 h 4041916"/>
+              <a:gd name="connsiteX4" fmla="*/ 3863399 w 9457230"/>
+              <a:gd name="connsiteY4" fmla="*/ 2607922 h 4041916"/>
+              <a:gd name="connsiteX5" fmla="*/ 0 w 9457230"/>
+              <a:gd name="connsiteY5" fmla="*/ 2915863 h 4041916"/>
+              <a:gd name="connsiteX6" fmla="*/ 17505 w 9457230"/>
+              <a:gd name="connsiteY6" fmla="*/ 0 h 4041916"/>
+              <a:gd name="connsiteX0" fmla="*/ 17505 w 9457230"/>
+              <a:gd name="connsiteY0" fmla="*/ 0 h 4041916"/>
+              <a:gd name="connsiteX1" fmla="*/ 9457230 w 9457230"/>
+              <a:gd name="connsiteY1" fmla="*/ 0 h 4041916"/>
+              <a:gd name="connsiteX2" fmla="*/ 9457230 w 9457230"/>
+              <a:gd name="connsiteY2" fmla="*/ 4041916 h 4041916"/>
+              <a:gd name="connsiteX3" fmla="*/ 3870609 w 9457230"/>
+              <a:gd name="connsiteY3" fmla="*/ 4015615 h 4041916"/>
+              <a:gd name="connsiteX4" fmla="*/ 3863399 w 9457230"/>
+              <a:gd name="connsiteY4" fmla="*/ 2607922 h 4041916"/>
+              <a:gd name="connsiteX5" fmla="*/ 0 w 9457230"/>
+              <a:gd name="connsiteY5" fmla="*/ 2915863 h 4041916"/>
+              <a:gd name="connsiteX6" fmla="*/ 17505 w 9457230"/>
+              <a:gd name="connsiteY6" fmla="*/ 0 h 4041916"/>
+              <a:gd name="connsiteX0" fmla="*/ 6721 w 9446446"/>
+              <a:gd name="connsiteY0" fmla="*/ 0 h 4041916"/>
+              <a:gd name="connsiteX1" fmla="*/ 9446446 w 9446446"/>
+              <a:gd name="connsiteY1" fmla="*/ 0 h 4041916"/>
+              <a:gd name="connsiteX2" fmla="*/ 9446446 w 9446446"/>
+              <a:gd name="connsiteY2" fmla="*/ 4041916 h 4041916"/>
+              <a:gd name="connsiteX3" fmla="*/ 3859825 w 9446446"/>
+              <a:gd name="connsiteY3" fmla="*/ 4015615 h 4041916"/>
+              <a:gd name="connsiteX4" fmla="*/ 3852615 w 9446446"/>
+              <a:gd name="connsiteY4" fmla="*/ 2607922 h 4041916"/>
+              <a:gd name="connsiteX5" fmla="*/ 0 w 9446446"/>
+              <a:gd name="connsiteY5" fmla="*/ 2639184 h 4041916"/>
+              <a:gd name="connsiteX6" fmla="*/ 6721 w 9446446"/>
+              <a:gd name="connsiteY6" fmla="*/ 0 h 4041916"/>
+              <a:gd name="connsiteX0" fmla="*/ 379 w 9440104"/>
+              <a:gd name="connsiteY0" fmla="*/ 0 h 4041916"/>
+              <a:gd name="connsiteX1" fmla="*/ 9440104 w 9440104"/>
+              <a:gd name="connsiteY1" fmla="*/ 0 h 4041916"/>
+              <a:gd name="connsiteX2" fmla="*/ 9440104 w 9440104"/>
+              <a:gd name="connsiteY2" fmla="*/ 4041916 h 4041916"/>
+              <a:gd name="connsiteX3" fmla="*/ 3853483 w 9440104"/>
+              <a:gd name="connsiteY3" fmla="*/ 4015615 h 4041916"/>
+              <a:gd name="connsiteX4" fmla="*/ 3846273 w 9440104"/>
+              <a:gd name="connsiteY4" fmla="*/ 2607922 h 4041916"/>
+              <a:gd name="connsiteX5" fmla="*/ 4441 w 9440104"/>
+              <a:gd name="connsiteY5" fmla="*/ 2649431 h 4041916"/>
+              <a:gd name="connsiteX6" fmla="*/ 379 w 9440104"/>
+              <a:gd name="connsiteY6" fmla="*/ 0 h 4041916"/>
+              <a:gd name="connsiteX0" fmla="*/ 379 w 9440104"/>
+              <a:gd name="connsiteY0" fmla="*/ 0 h 4041916"/>
+              <a:gd name="connsiteX1" fmla="*/ 9440104 w 9440104"/>
+              <a:gd name="connsiteY1" fmla="*/ 0 h 4041916"/>
+              <a:gd name="connsiteX2" fmla="*/ 9440104 w 9440104"/>
+              <a:gd name="connsiteY2" fmla="*/ 4041916 h 4041916"/>
+              <a:gd name="connsiteX3" fmla="*/ 3853483 w 9440104"/>
+              <a:gd name="connsiteY3" fmla="*/ 4015615 h 4041916"/>
+              <a:gd name="connsiteX4" fmla="*/ 3846273 w 9440104"/>
+              <a:gd name="connsiteY4" fmla="*/ 2607922 h 4041916"/>
+              <a:gd name="connsiteX5" fmla="*/ 4441 w 9440104"/>
+              <a:gd name="connsiteY5" fmla="*/ 2639184 h 4041916"/>
+              <a:gd name="connsiteX6" fmla="*/ 379 w 9440104"/>
+              <a:gd name="connsiteY6" fmla="*/ 0 h 4041916"/>
+            </a:gdLst>
+            <a:ahLst/>
+            <a:cxnLst>
+              <a:cxn ang="0">
+                <a:pos x="connsiteX0" y="connsiteY0"/>
+              </a:cxn>
+              <a:cxn ang="0">
+                <a:pos x="connsiteX1" y="connsiteY1"/>
+              </a:cxn>
+              <a:cxn ang="0">
+                <a:pos x="connsiteX2" y="connsiteY2"/>
+              </a:cxn>
+              <a:cxn ang="0">
+                <a:pos x="connsiteX3" y="connsiteY3"/>
+              </a:cxn>
+              <a:cxn ang="0">
+                <a:pos x="connsiteX4" y="connsiteY4"/>
+              </a:cxn>
+              <a:cxn ang="0">
+                <a:pos x="connsiteX5" y="connsiteY5"/>
+              </a:cxn>
+              <a:cxn ang="0">
+                <a:pos x="connsiteX6" y="connsiteY6"/>
+              </a:cxn>
+            </a:cxnLst>
+            <a:rect l="l" t="t" r="r" b="b"/>
+            <a:pathLst>
+              <a:path w="9440104" h="4041916">
+                <a:moveTo>
+                  <a:pt x="379" y="0"/>
+                </a:moveTo>
+                <a:lnTo>
+                  <a:pt x="9440104" y="0"/>
+                </a:lnTo>
+                <a:lnTo>
+                  <a:pt x="9440104" y="4041916"/>
+                </a:lnTo>
+                <a:lnTo>
+                  <a:pt x="3853483" y="4015615"/>
+                </a:lnTo>
+                <a:cubicBezTo>
+                  <a:pt x="3838725" y="3118221"/>
+                  <a:pt x="3848676" y="3443534"/>
+                  <a:pt x="3846273" y="2607922"/>
+                </a:cubicBezTo>
+                <a:lnTo>
+                  <a:pt x="4441" y="2639184"/>
+                </a:lnTo>
+                <a:cubicBezTo>
+                  <a:pt x="6681" y="1759456"/>
+                  <a:pt x="-1861" y="879728"/>
+                  <a:pt x="379" y="0"/>
+                </a:cubicBezTo>
+                <a:close/>
+              </a:path>
+            </a:pathLst>
+          </a:custGeom>
+          <a:solidFill>
+            <a:srgbClr val="DDFFEB"/>
+          </a:solidFill>
+          <a:ln>
+            <a:solidFill>
+              <a:srgbClr val="47A1D9"/>
+            </a:solidFill>
+          </a:ln>
+        </p:spPr>
+        <p:style>
+          <a:lnRef idx="2">
+            <a:schemeClr val="accent1">
+              <a:shade val="50000"/>
+            </a:schemeClr>
+          </a:lnRef>
+          <a:fillRef idx="1">
+            <a:schemeClr val="accent1"/>
+          </a:fillRef>
+          <a:effectRef idx="0">
+            <a:schemeClr val="accent1"/>
+          </a:effectRef>
+          <a:fontRef idx="minor">
+            <a:schemeClr val="lt1"/>
+          </a:fontRef>
+        </p:style>
+        <p:txBody>
+          <a:bodyPr rtlCol="0" anchor="t" anchorCtr="0"/>
+          <a:lstStyle/>
+          <a:p>
+            <a:r>
+              <a:rPr lang="ja-JP" altLang="en-US" sz="1400" b="1" dirty="0">
+                <a:solidFill>
+                  <a:schemeClr val="tx1"/>
+                </a:solidFill>
+              </a:rPr>
+              <a:t>　　　　　　　　　　　　　　</a:t>
+            </a:r>
+            <a:r>
+              <a:rPr lang="en-US" altLang="ja-JP" sz="1400" b="1" dirty="0">
+                <a:solidFill>
+                  <a:schemeClr val="tx1"/>
+                </a:solidFill>
+              </a:rPr>
+              <a:t>VDM++</a:t>
+            </a:r>
+            <a:r>
+              <a:rPr lang="ja-JP" altLang="en-US" sz="1400" b="1" dirty="0">
+                <a:solidFill>
+                  <a:schemeClr val="tx1"/>
+                </a:solidFill>
+              </a:rPr>
+              <a:t>仕様書生成部</a:t>
+            </a:r>
+            <a:endParaRPr kumimoji="1" lang="ja-JP" altLang="en-US" sz="1400" b="1" dirty="0">
+              <a:solidFill>
+                <a:schemeClr val="tx1"/>
+              </a:solidFill>
+            </a:endParaRPr>
+          </a:p>
+        </p:txBody>
+      </p:sp>
+      <p:sp>
+        <p:nvSpPr>
+          <p:cNvPr id="4" name="四角形: 角を丸くする 3">
+            <a:extLst>
+              <a:ext uri="{FF2B5EF4-FFF2-40B4-BE49-F238E27FC236}">
+                <a16:creationId xmlns:a16="http://schemas.microsoft.com/office/drawing/2014/main" id="{3456B8A0-7D34-66A8-D691-F782E014FD6D}"/>
+              </a:ext>
+            </a:extLst>
+          </p:cNvPr>
+          <p:cNvSpPr/>
+          <p:nvPr/>
+        </p:nvSpPr>
+        <p:spPr>
+          <a:xfrm>
+            <a:off x="1119669" y="508335"/>
+            <a:ext cx="910959" cy="471396"/>
+          </a:xfrm>
+          <a:prstGeom prst="roundRect">
+            <a:avLst/>
+          </a:prstGeom>
+          <a:solidFill>
+            <a:schemeClr val="accent1">
+              <a:lumMod val="40000"/>
+              <a:lumOff val="60000"/>
+            </a:schemeClr>
+          </a:solidFill>
+          <a:ln w="38100">
+            <a:solidFill>
+              <a:schemeClr val="accent1">
+                <a:lumMod val="75000"/>
+              </a:schemeClr>
+            </a:solidFill>
+          </a:ln>
+        </p:spPr>
+        <p:style>
+          <a:lnRef idx="2">
+            <a:schemeClr val="accent6"/>
+          </a:lnRef>
+          <a:fillRef idx="1">
+            <a:schemeClr val="lt1"/>
+          </a:fillRef>
+          <a:effectRef idx="0">
+            <a:schemeClr val="accent6"/>
+          </a:effectRef>
+          <a:fontRef idx="minor">
+            <a:schemeClr val="dk1"/>
+          </a:fontRef>
+        </p:style>
+        <p:txBody>
+          <a:bodyPr rtlCol="0" anchor="ctr"/>
+          <a:lstStyle/>
+          <a:p>
+            <a:pPr algn="ctr"/>
+            <a:r>
+              <a:rPr kumimoji="1" lang="ja-JP" altLang="en-US" sz="1200" dirty="0"/>
+              <a:t>クラス</a:t>
+            </a:r>
+            <a:endParaRPr kumimoji="1" lang="en-US" altLang="ja-JP" sz="1200" dirty="0"/>
+          </a:p>
+          <a:p>
+            <a:pPr algn="ctr"/>
+            <a:r>
+              <a:rPr kumimoji="1" lang="ja-JP" altLang="en-US" sz="1200" dirty="0"/>
+              <a:t>分類処理</a:t>
+            </a:r>
+          </a:p>
+        </p:txBody>
+      </p:sp>
+      <p:cxnSp>
+        <p:nvCxnSpPr>
+          <p:cNvPr id="12" name="直線矢印コネクタ 11">
+            <a:extLst>
+              <a:ext uri="{FF2B5EF4-FFF2-40B4-BE49-F238E27FC236}">
+                <a16:creationId xmlns:a16="http://schemas.microsoft.com/office/drawing/2014/main" id="{BC95B685-9C51-FB98-5728-E45267F9E336}"/>
+              </a:ext>
+            </a:extLst>
+          </p:cNvPr>
+          <p:cNvCxnSpPr>
+            <a:cxnSpLocks/>
+            <a:stCxn id="15" idx="2"/>
+            <a:endCxn id="4" idx="0"/>
+          </p:cNvCxnSpPr>
+          <p:nvPr/>
+        </p:nvCxnSpPr>
+        <p:spPr>
+          <a:xfrm>
+            <a:off x="1575149" y="238264"/>
+            <a:ext cx="0" cy="270071"/>
+          </a:xfrm>
+          <a:prstGeom prst="straightConnector1">
+            <a:avLst/>
+          </a:prstGeom>
+          <a:ln>
+            <a:tailEnd type="triangle"/>
+          </a:ln>
+        </p:spPr>
+        <p:style>
+          <a:lnRef idx="1">
+            <a:schemeClr val="dk1"/>
+          </a:lnRef>
+          <a:fillRef idx="0">
+            <a:schemeClr val="dk1"/>
+          </a:fillRef>
+          <a:effectRef idx="0">
+            <a:schemeClr val="dk1"/>
+          </a:effectRef>
+          <a:fontRef idx="minor">
+            <a:schemeClr val="tx1"/>
+          </a:fontRef>
+        </p:style>
+      </p:cxnSp>
+      <p:sp>
+        <p:nvSpPr>
+          <p:cNvPr id="15" name="四角形: 角を丸くする 14">
+            <a:extLst>
+              <a:ext uri="{FF2B5EF4-FFF2-40B4-BE49-F238E27FC236}">
+                <a16:creationId xmlns:a16="http://schemas.microsoft.com/office/drawing/2014/main" id="{76B08680-432F-D00C-4A34-EAB74B7765A6}"/>
+              </a:ext>
+            </a:extLst>
+          </p:cNvPr>
+          <p:cNvSpPr/>
+          <p:nvPr/>
+        </p:nvSpPr>
+        <p:spPr>
+          <a:xfrm>
+            <a:off x="1247990" y="-192329"/>
+            <a:ext cx="654317" cy="430593"/>
+          </a:xfrm>
+          <a:prstGeom prst="roundRect">
+            <a:avLst/>
+          </a:prstGeom>
+          <a:solidFill>
+            <a:schemeClr val="accent2">
+              <a:lumMod val="60000"/>
+              <a:lumOff val="40000"/>
+            </a:schemeClr>
+          </a:solidFill>
+          <a:ln>
+            <a:solidFill>
+              <a:schemeClr val="tx1"/>
+            </a:solidFill>
+          </a:ln>
+        </p:spPr>
+        <p:style>
+          <a:lnRef idx="2">
+            <a:schemeClr val="accent1">
+              <a:shade val="50000"/>
+            </a:schemeClr>
+          </a:lnRef>
+          <a:fillRef idx="1">
+            <a:schemeClr val="accent1"/>
+          </a:fillRef>
+          <a:effectRef idx="0">
+            <a:schemeClr val="accent1"/>
+          </a:effectRef>
+          <a:fontRef idx="minor">
+            <a:schemeClr val="lt1"/>
+          </a:fontRef>
+        </p:style>
+        <p:txBody>
+          <a:bodyPr lIns="36000" tIns="36000" rIns="36000" bIns="36000" rtlCol="0" anchor="ctr"/>
+          <a:lstStyle/>
+          <a:p>
+            <a:pPr algn="ctr"/>
+            <a:r>
+              <a:rPr lang="ja-JP" altLang="en-US" sz="1200" dirty="0">
+                <a:solidFill>
+                  <a:schemeClr val="tx1"/>
+                </a:solidFill>
+              </a:rPr>
+              <a:t>判定</a:t>
+            </a:r>
+            <a:endParaRPr lang="en-US" altLang="ja-JP" sz="1200" dirty="0">
+              <a:solidFill>
+                <a:schemeClr val="tx1"/>
+              </a:solidFill>
+            </a:endParaRPr>
+          </a:p>
+          <a:p>
+            <a:pPr algn="ctr"/>
+            <a:r>
+              <a:rPr lang="ja-JP" altLang="en-US" sz="1200" dirty="0">
+                <a:solidFill>
+                  <a:schemeClr val="tx1"/>
+                </a:solidFill>
+              </a:rPr>
+              <a:t>リスト</a:t>
+            </a:r>
+            <a:endParaRPr kumimoji="1" lang="ja-JP" altLang="en-US" sz="1200" dirty="0">
+              <a:solidFill>
+                <a:schemeClr val="tx1"/>
+              </a:solidFill>
+            </a:endParaRPr>
+          </a:p>
+        </p:txBody>
+      </p:sp>
+      <p:grpSp>
+        <p:nvGrpSpPr>
+          <p:cNvPr id="26" name="グループ化 25">
+            <a:extLst>
+              <a:ext uri="{FF2B5EF4-FFF2-40B4-BE49-F238E27FC236}">
+                <a16:creationId xmlns:a16="http://schemas.microsoft.com/office/drawing/2014/main" id="{69E772CF-04FF-1AC9-06AF-75985E60EA05}"/>
+              </a:ext>
+            </a:extLst>
+          </p:cNvPr>
+          <p:cNvGrpSpPr/>
+          <p:nvPr/>
+        </p:nvGrpSpPr>
+        <p:grpSpPr>
+          <a:xfrm>
+            <a:off x="9277689" y="4549590"/>
+            <a:ext cx="1065830" cy="533569"/>
+            <a:chOff x="4448133" y="2552711"/>
+            <a:chExt cx="1065830" cy="533569"/>
+          </a:xfrm>
+        </p:grpSpPr>
+        <p:sp>
+          <p:nvSpPr>
+            <p:cNvPr id="20" name="四角形: 角を丸くする 19">
+              <a:extLst>
+                <a:ext uri="{FF2B5EF4-FFF2-40B4-BE49-F238E27FC236}">
+                  <a16:creationId xmlns:a16="http://schemas.microsoft.com/office/drawing/2014/main" id="{499ED017-67C6-920D-813D-BCCAAF8058DC}"/>
+                </a:ext>
+              </a:extLst>
+            </p:cNvPr>
+            <p:cNvSpPr/>
+            <p:nvPr/>
+          </p:nvSpPr>
+          <p:spPr>
+            <a:xfrm>
+              <a:off x="4586959" y="2655687"/>
+              <a:ext cx="927004" cy="430593"/>
+            </a:xfrm>
+            <a:prstGeom prst="roundRect">
+              <a:avLst/>
+            </a:prstGeom>
+            <a:solidFill>
+              <a:schemeClr val="accent2">
+                <a:lumMod val="60000"/>
+                <a:lumOff val="40000"/>
+              </a:schemeClr>
+            </a:solidFill>
+            <a:ln>
+              <a:solidFill>
+                <a:schemeClr val="tx1"/>
+              </a:solidFill>
+            </a:ln>
+          </p:spPr>
+          <p:style>
+            <a:lnRef idx="2">
+              <a:schemeClr val="accent1">
+                <a:shade val="50000"/>
+              </a:schemeClr>
+            </a:lnRef>
+            <a:fillRef idx="1">
+              <a:schemeClr val="accent1"/>
+            </a:fillRef>
+            <a:effectRef idx="0">
+              <a:schemeClr val="accent1"/>
+            </a:effectRef>
+            <a:fontRef idx="minor">
+              <a:schemeClr val="lt1"/>
+            </a:fontRef>
+          </p:style>
+          <p:txBody>
+            <a:bodyPr lIns="36000" tIns="36000" rIns="36000" bIns="36000" rtlCol="0" anchor="ctr"/>
+            <a:lstStyle/>
+            <a:p>
+              <a:pPr algn="ctr"/>
+              <a:endParaRPr kumimoji="1" lang="ja-JP" altLang="en-US" sz="1200" dirty="0">
+                <a:solidFill>
+                  <a:schemeClr val="tx1"/>
+                </a:solidFill>
+              </a:endParaRPr>
+            </a:p>
+          </p:txBody>
+        </p:sp>
+        <p:sp>
+          <p:nvSpPr>
+            <p:cNvPr id="21" name="四角形: 角を丸くする 20">
+              <a:extLst>
+                <a:ext uri="{FF2B5EF4-FFF2-40B4-BE49-F238E27FC236}">
+                  <a16:creationId xmlns:a16="http://schemas.microsoft.com/office/drawing/2014/main" id="{1439DBE8-6184-B2FD-97A4-10FA1D8F930F}"/>
+                </a:ext>
+              </a:extLst>
+            </p:cNvPr>
+            <p:cNvSpPr/>
+            <p:nvPr/>
+          </p:nvSpPr>
+          <p:spPr>
+            <a:xfrm>
+              <a:off x="4514429" y="2604199"/>
+              <a:ext cx="927004" cy="430593"/>
+            </a:xfrm>
+            <a:prstGeom prst="roundRect">
+              <a:avLst/>
+            </a:prstGeom>
+            <a:solidFill>
+              <a:schemeClr val="accent2">
+                <a:lumMod val="60000"/>
+                <a:lumOff val="40000"/>
+              </a:schemeClr>
+            </a:solidFill>
+            <a:ln>
+              <a:solidFill>
+                <a:schemeClr val="tx1"/>
+              </a:solidFill>
+            </a:ln>
+          </p:spPr>
+          <p:style>
+            <a:lnRef idx="2">
+              <a:schemeClr val="accent1">
+                <a:shade val="50000"/>
+              </a:schemeClr>
+            </a:lnRef>
+            <a:fillRef idx="1">
+              <a:schemeClr val="accent1"/>
+            </a:fillRef>
+            <a:effectRef idx="0">
+              <a:schemeClr val="accent1"/>
+            </a:effectRef>
+            <a:fontRef idx="minor">
+              <a:schemeClr val="lt1"/>
+            </a:fontRef>
+          </p:style>
+          <p:txBody>
+            <a:bodyPr lIns="36000" tIns="36000" rIns="36000" bIns="36000" rtlCol="0" anchor="ctr"/>
+            <a:lstStyle/>
+            <a:p>
+              <a:pPr algn="ctr"/>
+              <a:endParaRPr kumimoji="1" lang="ja-JP" altLang="en-US" sz="1200" dirty="0">
+                <a:solidFill>
+                  <a:schemeClr val="tx1"/>
+                </a:solidFill>
+              </a:endParaRPr>
+            </a:p>
+          </p:txBody>
+        </p:sp>
+        <p:sp>
+          <p:nvSpPr>
+            <p:cNvPr id="19" name="四角形: 角を丸くする 18">
+              <a:extLst>
+                <a:ext uri="{FF2B5EF4-FFF2-40B4-BE49-F238E27FC236}">
+                  <a16:creationId xmlns:a16="http://schemas.microsoft.com/office/drawing/2014/main" id="{93E3ABDA-672C-F054-9E31-21D3309A0EBC}"/>
+                </a:ext>
+              </a:extLst>
+            </p:cNvPr>
+            <p:cNvSpPr/>
+            <p:nvPr/>
+          </p:nvSpPr>
+          <p:spPr>
+            <a:xfrm>
+              <a:off x="4448133" y="2552711"/>
+              <a:ext cx="927004" cy="430593"/>
+            </a:xfrm>
+            <a:prstGeom prst="roundRect">
+              <a:avLst/>
+            </a:prstGeom>
+            <a:solidFill>
+              <a:schemeClr val="accent2">
+                <a:lumMod val="60000"/>
+                <a:lumOff val="40000"/>
+              </a:schemeClr>
+            </a:solidFill>
+            <a:ln>
+              <a:solidFill>
+                <a:schemeClr val="tx1"/>
+              </a:solidFill>
+            </a:ln>
+          </p:spPr>
+          <p:style>
+            <a:lnRef idx="2">
+              <a:schemeClr val="accent1">
+                <a:shade val="50000"/>
+              </a:schemeClr>
+            </a:lnRef>
+            <a:fillRef idx="1">
+              <a:schemeClr val="accent1"/>
+            </a:fillRef>
+            <a:effectRef idx="0">
+              <a:schemeClr val="accent1"/>
+            </a:effectRef>
+            <a:fontRef idx="minor">
+              <a:schemeClr val="lt1"/>
+            </a:fontRef>
+          </p:style>
+          <p:txBody>
+            <a:bodyPr lIns="36000" tIns="36000" rIns="36000" bIns="36000" rtlCol="0" anchor="ctr"/>
+            <a:lstStyle/>
+            <a:p>
+              <a:pPr algn="ctr"/>
+              <a:r>
+                <a:rPr kumimoji="1" lang="ja-JP" altLang="en-US" sz="1200" dirty="0">
+                  <a:solidFill>
+                    <a:schemeClr val="tx1"/>
+                  </a:solidFill>
+                </a:rPr>
+                <a:t>識別子</a:t>
+              </a:r>
+              <a:endParaRPr kumimoji="1" lang="en-US" altLang="ja-JP" sz="1200" dirty="0">
+                <a:solidFill>
+                  <a:schemeClr val="tx1"/>
+                </a:solidFill>
+              </a:endParaRPr>
+            </a:p>
+            <a:p>
+              <a:pPr algn="ctr"/>
+              <a:r>
+                <a:rPr kumimoji="1" lang="ja-JP" altLang="en-US" sz="1200" dirty="0">
+                  <a:solidFill>
+                    <a:schemeClr val="tx1"/>
+                  </a:solidFill>
+                </a:rPr>
+                <a:t>リスト</a:t>
+              </a:r>
+            </a:p>
+          </p:txBody>
+        </p:sp>
+      </p:grpSp>
+      <p:sp>
+        <p:nvSpPr>
+          <p:cNvPr id="28" name="四角形: 角を丸くする 27">
+            <a:extLst>
+              <a:ext uri="{FF2B5EF4-FFF2-40B4-BE49-F238E27FC236}">
+                <a16:creationId xmlns:a16="http://schemas.microsoft.com/office/drawing/2014/main" id="{9FF1657D-8BC5-E5B5-8D99-C77E41B1015A}"/>
+              </a:ext>
+            </a:extLst>
+          </p:cNvPr>
+          <p:cNvSpPr/>
+          <p:nvPr/>
+        </p:nvSpPr>
+        <p:spPr>
+          <a:xfrm>
+            <a:off x="2178009" y="1134066"/>
+            <a:ext cx="654317" cy="430593"/>
+          </a:xfrm>
+          <a:prstGeom prst="roundRect">
+            <a:avLst/>
+          </a:prstGeom>
+          <a:solidFill>
+            <a:schemeClr val="accent2">
+              <a:lumMod val="60000"/>
+              <a:lumOff val="40000"/>
+            </a:schemeClr>
+          </a:solidFill>
+          <a:ln w="38100">
+            <a:solidFill>
+              <a:schemeClr val="accent2">
+                <a:lumMod val="75000"/>
+              </a:schemeClr>
+            </a:solidFill>
+          </a:ln>
+        </p:spPr>
+        <p:style>
+          <a:lnRef idx="2">
+            <a:schemeClr val="accent1">
+              <a:shade val="50000"/>
+            </a:schemeClr>
+          </a:lnRef>
+          <a:fillRef idx="1">
+            <a:schemeClr val="accent1"/>
+          </a:fillRef>
+          <a:effectRef idx="0">
+            <a:schemeClr val="accent1"/>
+          </a:effectRef>
+          <a:fontRef idx="minor">
+            <a:schemeClr val="lt1"/>
+          </a:fontRef>
+        </p:style>
+        <p:txBody>
+          <a:bodyPr lIns="36000" tIns="36000" rIns="36000" bIns="36000" rtlCol="0" anchor="ctr"/>
+          <a:lstStyle/>
+          <a:p>
+            <a:pPr algn="ctr"/>
+            <a:r>
+              <a:rPr lang="en-US" altLang="ja-JP" sz="1200" dirty="0">
+                <a:solidFill>
+                  <a:schemeClr val="tx1"/>
+                </a:solidFill>
+              </a:rPr>
+              <a:t>CLASS</a:t>
+            </a:r>
+          </a:p>
+          <a:p>
+            <a:pPr algn="ctr"/>
+            <a:r>
+              <a:rPr lang="ja-JP" altLang="en-US" sz="1200" dirty="0">
+                <a:solidFill>
+                  <a:schemeClr val="tx1"/>
+                </a:solidFill>
+              </a:rPr>
+              <a:t>リスト</a:t>
+            </a:r>
+            <a:endParaRPr kumimoji="1" lang="ja-JP" altLang="en-US" sz="1200" dirty="0">
+              <a:solidFill>
+                <a:schemeClr val="tx1"/>
+              </a:solidFill>
+            </a:endParaRPr>
+          </a:p>
+        </p:txBody>
+      </p:sp>
+      <p:sp>
+        <p:nvSpPr>
+          <p:cNvPr id="29" name="四角形: 角を丸くする 28">
+            <a:extLst>
+              <a:ext uri="{FF2B5EF4-FFF2-40B4-BE49-F238E27FC236}">
+                <a16:creationId xmlns:a16="http://schemas.microsoft.com/office/drawing/2014/main" id="{C823FDA0-5496-EC8C-1861-144AFC354787}"/>
+              </a:ext>
+            </a:extLst>
+          </p:cNvPr>
+          <p:cNvSpPr/>
+          <p:nvPr/>
+        </p:nvSpPr>
+        <p:spPr>
+          <a:xfrm>
+            <a:off x="1756601" y="2144825"/>
+            <a:ext cx="1028700" cy="430593"/>
+          </a:xfrm>
+          <a:prstGeom prst="roundRect">
+            <a:avLst/>
+          </a:prstGeom>
+          <a:solidFill>
+            <a:schemeClr val="accent2">
+              <a:lumMod val="60000"/>
+              <a:lumOff val="40000"/>
+            </a:schemeClr>
+          </a:solidFill>
+          <a:ln w="38100">
+            <a:solidFill>
+              <a:schemeClr val="accent2">
+                <a:lumMod val="75000"/>
+              </a:schemeClr>
+            </a:solidFill>
+          </a:ln>
+        </p:spPr>
+        <p:style>
+          <a:lnRef idx="2">
+            <a:schemeClr val="accent1">
+              <a:shade val="50000"/>
+            </a:schemeClr>
+          </a:lnRef>
+          <a:fillRef idx="1">
+            <a:schemeClr val="accent1"/>
+          </a:fillRef>
+          <a:effectRef idx="0">
+            <a:schemeClr val="accent1"/>
+          </a:effectRef>
+          <a:fontRef idx="minor">
+            <a:schemeClr val="lt1"/>
+          </a:fontRef>
+        </p:style>
+        <p:txBody>
+          <a:bodyPr lIns="36000" tIns="36000" rIns="36000" bIns="36000" rtlCol="0" anchor="ctr"/>
+          <a:lstStyle/>
+          <a:p>
+            <a:pPr algn="ctr"/>
+            <a:r>
+              <a:rPr lang="en-US" altLang="ja-JP" sz="1200" dirty="0">
+                <a:solidFill>
+                  <a:schemeClr val="tx1"/>
+                </a:solidFill>
+              </a:rPr>
+              <a:t>NONCLASS</a:t>
+            </a:r>
+          </a:p>
+          <a:p>
+            <a:pPr algn="ctr"/>
+            <a:r>
+              <a:rPr lang="ja-JP" altLang="en-US" sz="1200" dirty="0">
+                <a:solidFill>
+                  <a:schemeClr val="tx1"/>
+                </a:solidFill>
+              </a:rPr>
+              <a:t>リスト</a:t>
+            </a:r>
+            <a:endParaRPr kumimoji="1" lang="ja-JP" altLang="en-US" sz="1200" dirty="0">
+              <a:solidFill>
+                <a:schemeClr val="tx1"/>
+              </a:solidFill>
+            </a:endParaRPr>
+          </a:p>
+        </p:txBody>
+      </p:sp>
+      <p:sp>
+        <p:nvSpPr>
+          <p:cNvPr id="47" name="四角形: 角を丸くする 46">
+            <a:extLst>
+              <a:ext uri="{FF2B5EF4-FFF2-40B4-BE49-F238E27FC236}">
+                <a16:creationId xmlns:a16="http://schemas.microsoft.com/office/drawing/2014/main" id="{E26A3A4A-B350-708A-0E89-F60AFBB053B9}"/>
+              </a:ext>
+            </a:extLst>
+          </p:cNvPr>
+          <p:cNvSpPr/>
+          <p:nvPr/>
+        </p:nvSpPr>
+        <p:spPr>
+          <a:xfrm>
+            <a:off x="5759383" y="1889777"/>
+            <a:ext cx="1812678" cy="430301"/>
+          </a:xfrm>
+          <a:prstGeom prst="roundRect">
+            <a:avLst/>
+          </a:prstGeom>
+          <a:solidFill>
+            <a:schemeClr val="accent1">
+              <a:lumMod val="40000"/>
+              <a:lumOff val="60000"/>
+            </a:schemeClr>
+          </a:solidFill>
+          <a:ln w="38100">
+            <a:solidFill>
+              <a:schemeClr val="accent1">
+                <a:lumMod val="75000"/>
+              </a:schemeClr>
+            </a:solidFill>
+          </a:ln>
+        </p:spPr>
+        <p:style>
+          <a:lnRef idx="2">
+            <a:schemeClr val="accent6"/>
+          </a:lnRef>
+          <a:fillRef idx="1">
+            <a:schemeClr val="lt1"/>
+          </a:fillRef>
+          <a:effectRef idx="0">
+            <a:schemeClr val="accent6"/>
+          </a:effectRef>
+          <a:fontRef idx="minor">
+            <a:schemeClr val="dk1"/>
+          </a:fontRef>
+        </p:style>
+        <p:txBody>
+          <a:bodyPr rtlCol="0" anchor="ctr"/>
+          <a:lstStyle/>
+          <a:p>
+            <a:pPr algn="ctr"/>
+            <a:r>
+              <a:rPr kumimoji="1" lang="ja-JP" altLang="en-US" sz="1200" dirty="0"/>
+              <a:t>インスタンス変数定義</a:t>
+            </a:r>
+            <a:endParaRPr kumimoji="1" lang="en-US" altLang="ja-JP" sz="1200" dirty="0"/>
+          </a:p>
+          <a:p>
+            <a:pPr algn="ctr"/>
+            <a:r>
+              <a:rPr kumimoji="1" lang="ja-JP" altLang="en-US" sz="1200" dirty="0"/>
+              <a:t>生成処理</a:t>
+            </a:r>
+          </a:p>
+        </p:txBody>
+      </p:sp>
+      <p:cxnSp>
+        <p:nvCxnSpPr>
+          <p:cNvPr id="64" name="コネクタ: カギ線 63">
+            <a:extLst>
+              <a:ext uri="{FF2B5EF4-FFF2-40B4-BE49-F238E27FC236}">
+                <a16:creationId xmlns:a16="http://schemas.microsoft.com/office/drawing/2014/main" id="{67BD1FEE-F7FA-0BE6-7BC1-2C8975978E04}"/>
+              </a:ext>
+            </a:extLst>
+          </p:cNvPr>
+          <p:cNvCxnSpPr>
+            <a:cxnSpLocks/>
+            <a:stCxn id="4" idx="2"/>
+            <a:endCxn id="28" idx="1"/>
+          </p:cNvCxnSpPr>
+          <p:nvPr/>
+        </p:nvCxnSpPr>
+        <p:spPr>
+          <a:xfrm rot="16200000" flipH="1">
+            <a:off x="1691763" y="863117"/>
+            <a:ext cx="369632" cy="602860"/>
+          </a:xfrm>
+          <a:prstGeom prst="bentConnector2">
+            <a:avLst/>
+          </a:prstGeom>
+          <a:ln>
+            <a:tailEnd type="triangle"/>
+          </a:ln>
+        </p:spPr>
+        <p:style>
+          <a:lnRef idx="1">
+            <a:schemeClr val="dk1"/>
+          </a:lnRef>
+          <a:fillRef idx="0">
+            <a:schemeClr val="dk1"/>
+          </a:fillRef>
+          <a:effectRef idx="0">
+            <a:schemeClr val="dk1"/>
+          </a:effectRef>
+          <a:fontRef idx="minor">
+            <a:schemeClr val="tx1"/>
+          </a:fontRef>
+        </p:style>
+      </p:cxnSp>
+      <p:cxnSp>
+        <p:nvCxnSpPr>
+          <p:cNvPr id="70" name="コネクタ: カギ線 69">
+            <a:extLst>
+              <a:ext uri="{FF2B5EF4-FFF2-40B4-BE49-F238E27FC236}">
+                <a16:creationId xmlns:a16="http://schemas.microsoft.com/office/drawing/2014/main" id="{73D7CBCF-50E6-4209-BD4C-BC6EDD26EAF5}"/>
+              </a:ext>
+            </a:extLst>
+          </p:cNvPr>
+          <p:cNvCxnSpPr>
+            <a:cxnSpLocks/>
+            <a:stCxn id="4" idx="2"/>
+            <a:endCxn id="29" idx="1"/>
+          </p:cNvCxnSpPr>
+          <p:nvPr/>
+        </p:nvCxnSpPr>
+        <p:spPr>
+          <a:xfrm rot="16200000" flipH="1">
+            <a:off x="975680" y="1579200"/>
+            <a:ext cx="1380391" cy="181452"/>
+          </a:xfrm>
+          <a:prstGeom prst="bentConnector2">
+            <a:avLst/>
+          </a:prstGeom>
+          <a:ln>
+            <a:tailEnd type="triangle"/>
+          </a:ln>
+        </p:spPr>
+        <p:style>
+          <a:lnRef idx="1">
+            <a:schemeClr val="dk1"/>
+          </a:lnRef>
+          <a:fillRef idx="0">
+            <a:schemeClr val="dk1"/>
+          </a:fillRef>
+          <a:effectRef idx="0">
+            <a:schemeClr val="dk1"/>
+          </a:effectRef>
+          <a:fontRef idx="minor">
+            <a:schemeClr val="tx1"/>
+          </a:fontRef>
+        </p:style>
+      </p:cxnSp>
+      <p:sp>
+        <p:nvSpPr>
+          <p:cNvPr id="75" name="四角形: 角を丸くする 74">
+            <a:extLst>
+              <a:ext uri="{FF2B5EF4-FFF2-40B4-BE49-F238E27FC236}">
+                <a16:creationId xmlns:a16="http://schemas.microsoft.com/office/drawing/2014/main" id="{E0FC6A17-9665-122E-52DB-CDFFE35CEF59}"/>
+              </a:ext>
+            </a:extLst>
+          </p:cNvPr>
+          <p:cNvSpPr/>
+          <p:nvPr/>
+        </p:nvSpPr>
+        <p:spPr>
+          <a:xfrm>
+            <a:off x="6628877" y="-197323"/>
+            <a:ext cx="1019130" cy="471396"/>
+          </a:xfrm>
+          <a:prstGeom prst="roundRect">
+            <a:avLst/>
+          </a:prstGeom>
+          <a:solidFill>
+            <a:schemeClr val="accent5">
+              <a:lumMod val="60000"/>
+              <a:lumOff val="40000"/>
+            </a:schemeClr>
+          </a:solidFill>
+          <a:ln w="38100">
+            <a:solidFill>
+              <a:schemeClr val="accent1">
+                <a:lumMod val="75000"/>
+              </a:schemeClr>
+            </a:solidFill>
+          </a:ln>
+        </p:spPr>
+        <p:style>
+          <a:lnRef idx="2">
+            <a:schemeClr val="accent6"/>
+          </a:lnRef>
+          <a:fillRef idx="1">
+            <a:schemeClr val="lt1"/>
+          </a:fillRef>
+          <a:effectRef idx="0">
+            <a:schemeClr val="accent6"/>
+          </a:effectRef>
+          <a:fontRef idx="minor">
+            <a:schemeClr val="dk1"/>
+          </a:fontRef>
+        </p:style>
+        <p:txBody>
+          <a:bodyPr rtlCol="0" anchor="ctr"/>
+          <a:lstStyle/>
+          <a:p>
+            <a:pPr algn="ctr"/>
+            <a:r>
+              <a:rPr kumimoji="1" lang="ja-JP" altLang="en-US" sz="1200" dirty="0"/>
+              <a:t>概念レベル算出部</a:t>
+            </a:r>
+          </a:p>
+        </p:txBody>
+      </p:sp>
+      <p:sp>
+        <p:nvSpPr>
+          <p:cNvPr id="76" name="四角形: 角を丸くする 75">
+            <a:extLst>
+              <a:ext uri="{FF2B5EF4-FFF2-40B4-BE49-F238E27FC236}">
+                <a16:creationId xmlns:a16="http://schemas.microsoft.com/office/drawing/2014/main" id="{60BCEC02-818F-2CC9-D773-F467F3223CAF}"/>
+              </a:ext>
+            </a:extLst>
+          </p:cNvPr>
+          <p:cNvSpPr/>
+          <p:nvPr/>
+        </p:nvSpPr>
+        <p:spPr>
+          <a:xfrm>
+            <a:off x="7911574" y="1876070"/>
+            <a:ext cx="848136" cy="430301"/>
+          </a:xfrm>
+          <a:prstGeom prst="roundRect">
+            <a:avLst/>
+          </a:prstGeom>
+          <a:solidFill>
+            <a:schemeClr val="accent1">
+              <a:lumMod val="40000"/>
+              <a:lumOff val="60000"/>
+            </a:schemeClr>
+          </a:solidFill>
+          <a:ln w="38100">
+            <a:solidFill>
+              <a:schemeClr val="accent1">
+                <a:lumMod val="75000"/>
+              </a:schemeClr>
+            </a:solidFill>
+          </a:ln>
+        </p:spPr>
+        <p:style>
+          <a:lnRef idx="2">
+            <a:schemeClr val="accent6"/>
+          </a:lnRef>
+          <a:fillRef idx="1">
+            <a:schemeClr val="lt1"/>
+          </a:fillRef>
+          <a:effectRef idx="0">
+            <a:schemeClr val="accent6"/>
+          </a:effectRef>
+          <a:fontRef idx="minor">
+            <a:schemeClr val="dk1"/>
+          </a:fontRef>
+        </p:style>
+        <p:txBody>
+          <a:bodyPr rtlCol="0" anchor="ctr"/>
+          <a:lstStyle/>
+          <a:p>
+            <a:pPr algn="ctr"/>
+            <a:r>
+              <a:rPr lang="ja-JP" altLang="en-US" sz="1200" dirty="0"/>
+              <a:t>関数定義</a:t>
+            </a:r>
+            <a:endParaRPr kumimoji="1" lang="en-US" altLang="ja-JP" sz="1200" dirty="0"/>
+          </a:p>
+          <a:p>
+            <a:pPr algn="ctr"/>
+            <a:r>
+              <a:rPr kumimoji="1" lang="ja-JP" altLang="en-US" sz="1200" dirty="0"/>
+              <a:t>生成処理</a:t>
+            </a:r>
+          </a:p>
+        </p:txBody>
+      </p:sp>
+      <p:sp>
+        <p:nvSpPr>
+          <p:cNvPr id="164" name="四角形: 角を丸くする 163">
+            <a:extLst>
+              <a:ext uri="{FF2B5EF4-FFF2-40B4-BE49-F238E27FC236}">
+                <a16:creationId xmlns:a16="http://schemas.microsoft.com/office/drawing/2014/main" id="{DF98B87D-EC0A-51B9-C69E-8EA350B09E0B}"/>
+              </a:ext>
+            </a:extLst>
+          </p:cNvPr>
+          <p:cNvSpPr/>
+          <p:nvPr/>
+        </p:nvSpPr>
+        <p:spPr>
+          <a:xfrm>
+            <a:off x="10718180" y="4448719"/>
+            <a:ext cx="927004" cy="634440"/>
+          </a:xfrm>
+          <a:prstGeom prst="roundRect">
+            <a:avLst/>
+          </a:prstGeom>
+          <a:solidFill>
+            <a:schemeClr val="accent1">
+              <a:lumMod val="40000"/>
+              <a:lumOff val="60000"/>
+            </a:schemeClr>
+          </a:solidFill>
+          <a:ln>
+            <a:solidFill>
+              <a:schemeClr val="tx1"/>
+            </a:solidFill>
+          </a:ln>
+        </p:spPr>
+        <p:style>
+          <a:lnRef idx="2">
+            <a:schemeClr val="accent6"/>
+          </a:lnRef>
+          <a:fillRef idx="1">
+            <a:schemeClr val="lt1"/>
+          </a:fillRef>
+          <a:effectRef idx="0">
+            <a:schemeClr val="accent6"/>
+          </a:effectRef>
+          <a:fontRef idx="minor">
+            <a:schemeClr val="dk1"/>
+          </a:fontRef>
+        </p:style>
+        <p:txBody>
+          <a:bodyPr rtlCol="0" anchor="ctr"/>
+          <a:lstStyle/>
+          <a:p>
+            <a:pPr algn="ctr"/>
+            <a:r>
+              <a:rPr kumimoji="1" lang="en-US" altLang="ja-JP" sz="1200" dirty="0"/>
+              <a:t>VDM++</a:t>
+            </a:r>
+            <a:r>
+              <a:rPr kumimoji="1" lang="ja-JP" altLang="en-US" sz="1200" dirty="0"/>
+              <a:t>仕様書</a:t>
+            </a:r>
+            <a:endParaRPr kumimoji="1" lang="en-US" altLang="ja-JP" sz="1200" dirty="0"/>
+          </a:p>
+          <a:p>
+            <a:pPr algn="ctr"/>
+            <a:r>
+              <a:rPr lang="ja-JP" altLang="en-US" sz="1200" dirty="0"/>
+              <a:t>生成処理</a:t>
+            </a:r>
+            <a:endParaRPr kumimoji="1" lang="ja-JP" altLang="en-US" sz="1200" dirty="0"/>
+          </a:p>
+        </p:txBody>
+      </p:sp>
+      <p:sp>
+        <p:nvSpPr>
+          <p:cNvPr id="169" name="四角形: 角を丸くする 168">
+            <a:extLst>
+              <a:ext uri="{FF2B5EF4-FFF2-40B4-BE49-F238E27FC236}">
+                <a16:creationId xmlns:a16="http://schemas.microsoft.com/office/drawing/2014/main" id="{DDAAA692-F832-9D17-B03D-11DEC61474F2}"/>
+              </a:ext>
+            </a:extLst>
+          </p:cNvPr>
+          <p:cNvSpPr/>
+          <p:nvPr/>
+        </p:nvSpPr>
+        <p:spPr>
+          <a:xfrm>
+            <a:off x="10782903" y="5440624"/>
+            <a:ext cx="797557" cy="430593"/>
+          </a:xfrm>
+          <a:prstGeom prst="roundRect">
+            <a:avLst/>
+          </a:prstGeom>
+          <a:solidFill>
+            <a:schemeClr val="accent2">
+              <a:lumMod val="60000"/>
+              <a:lumOff val="40000"/>
+            </a:schemeClr>
+          </a:solidFill>
+          <a:ln>
+            <a:solidFill>
+              <a:schemeClr val="tx1"/>
+            </a:solidFill>
+          </a:ln>
+        </p:spPr>
+        <p:style>
+          <a:lnRef idx="2">
+            <a:schemeClr val="accent1">
+              <a:shade val="50000"/>
+            </a:schemeClr>
+          </a:lnRef>
+          <a:fillRef idx="1">
+            <a:schemeClr val="accent1"/>
+          </a:fillRef>
+          <a:effectRef idx="0">
+            <a:schemeClr val="accent1"/>
+          </a:effectRef>
+          <a:fontRef idx="minor">
+            <a:schemeClr val="lt1"/>
+          </a:fontRef>
+        </p:style>
+        <p:txBody>
+          <a:bodyPr lIns="36000" tIns="36000" rIns="36000" bIns="36000" rtlCol="0" anchor="ctr"/>
+          <a:lstStyle/>
+          <a:p>
+            <a:pPr algn="ctr"/>
+            <a:r>
+              <a:rPr kumimoji="1" lang="en-US" altLang="ja-JP" sz="1200" dirty="0">
+                <a:solidFill>
+                  <a:schemeClr val="tx1"/>
+                </a:solidFill>
+              </a:rPr>
+              <a:t>VDM++</a:t>
+            </a:r>
+          </a:p>
+          <a:p>
+            <a:pPr algn="ctr"/>
+            <a:r>
+              <a:rPr lang="ja-JP" altLang="en-US" sz="1200" dirty="0">
+                <a:solidFill>
+                  <a:schemeClr val="tx1"/>
+                </a:solidFill>
+              </a:rPr>
+              <a:t>仕様書</a:t>
+            </a:r>
+            <a:endParaRPr kumimoji="1" lang="ja-JP" altLang="en-US" sz="1200" dirty="0">
+              <a:solidFill>
+                <a:schemeClr val="tx1"/>
+              </a:solidFill>
+            </a:endParaRPr>
+          </a:p>
+        </p:txBody>
+      </p:sp>
+      <p:cxnSp>
+        <p:nvCxnSpPr>
+          <p:cNvPr id="170" name="直線矢印コネクタ 169">
+            <a:extLst>
+              <a:ext uri="{FF2B5EF4-FFF2-40B4-BE49-F238E27FC236}">
+                <a16:creationId xmlns:a16="http://schemas.microsoft.com/office/drawing/2014/main" id="{7FF9E460-5DE0-4C43-C95B-2B83384EF88E}"/>
+              </a:ext>
+            </a:extLst>
+          </p:cNvPr>
+          <p:cNvCxnSpPr>
+            <a:cxnSpLocks/>
+            <a:stCxn id="289" idx="2"/>
+            <a:endCxn id="230" idx="0"/>
+          </p:cNvCxnSpPr>
+          <p:nvPr/>
+        </p:nvCxnSpPr>
+        <p:spPr>
+          <a:xfrm flipH="1">
+            <a:off x="6100542" y="3327306"/>
+            <a:ext cx="1" cy="360895"/>
+          </a:xfrm>
+          <a:prstGeom prst="straightConnector1">
+            <a:avLst/>
+          </a:prstGeom>
+          <a:ln>
+            <a:tailEnd type="triangle"/>
+          </a:ln>
+        </p:spPr>
+        <p:style>
+          <a:lnRef idx="1">
+            <a:schemeClr val="dk1"/>
+          </a:lnRef>
+          <a:fillRef idx="0">
+            <a:schemeClr val="dk1"/>
+          </a:fillRef>
+          <a:effectRef idx="0">
+            <a:schemeClr val="dk1"/>
+          </a:effectRef>
+          <a:fontRef idx="minor">
+            <a:schemeClr val="tx1"/>
+          </a:fontRef>
+        </p:style>
+      </p:cxnSp>
+      <p:sp>
+        <p:nvSpPr>
+          <p:cNvPr id="182" name="四角形: 角を丸くする 181">
+            <a:extLst>
+              <a:ext uri="{FF2B5EF4-FFF2-40B4-BE49-F238E27FC236}">
+                <a16:creationId xmlns:a16="http://schemas.microsoft.com/office/drawing/2014/main" id="{0AFB4BCD-60BF-31C9-8C10-5CAF6AF6624A}"/>
+              </a:ext>
+            </a:extLst>
+          </p:cNvPr>
+          <p:cNvSpPr/>
+          <p:nvPr/>
+        </p:nvSpPr>
+        <p:spPr>
+          <a:xfrm>
+            <a:off x="4943801" y="5742138"/>
+            <a:ext cx="902695" cy="352578"/>
+          </a:xfrm>
+          <a:prstGeom prst="roundRect">
+            <a:avLst/>
+          </a:prstGeom>
+          <a:solidFill>
+            <a:schemeClr val="accent5">
+              <a:lumMod val="60000"/>
+              <a:lumOff val="40000"/>
+            </a:schemeClr>
+          </a:solidFill>
+          <a:ln>
+            <a:solidFill>
+              <a:schemeClr val="tx1"/>
+            </a:solidFill>
+          </a:ln>
+        </p:spPr>
+        <p:style>
+          <a:lnRef idx="2">
+            <a:schemeClr val="accent6"/>
+          </a:lnRef>
+          <a:fillRef idx="1">
+            <a:schemeClr val="lt1"/>
+          </a:fillRef>
+          <a:effectRef idx="0">
+            <a:schemeClr val="accent6"/>
+          </a:effectRef>
+          <a:fontRef idx="minor">
+            <a:schemeClr val="dk1"/>
+          </a:fontRef>
+        </p:style>
+        <p:txBody>
+          <a:bodyPr rtlCol="0" anchor="ctr"/>
+          <a:lstStyle/>
+          <a:p>
+            <a:pPr algn="ctr"/>
+            <a:endParaRPr kumimoji="1" lang="ja-JP" altLang="en-US" sz="1200" dirty="0"/>
+          </a:p>
+        </p:txBody>
+      </p:sp>
+      <p:sp>
+        <p:nvSpPr>
+          <p:cNvPr id="183" name="テキスト ボックス 182">
+            <a:extLst>
+              <a:ext uri="{FF2B5EF4-FFF2-40B4-BE49-F238E27FC236}">
+                <a16:creationId xmlns:a16="http://schemas.microsoft.com/office/drawing/2014/main" id="{C304B4B6-B895-AB88-D829-108855CA2EC6}"/>
+              </a:ext>
+            </a:extLst>
+          </p:cNvPr>
+          <p:cNvSpPr txBox="1"/>
+          <p:nvPr/>
+        </p:nvSpPr>
+        <p:spPr>
+          <a:xfrm>
+            <a:off x="2645538" y="5779927"/>
+            <a:ext cx="2385589" cy="276999"/>
+          </a:xfrm>
+          <a:prstGeom prst="rect">
+            <a:avLst/>
+          </a:prstGeom>
+          <a:noFill/>
+        </p:spPr>
+        <p:txBody>
+          <a:bodyPr wrap="none" rtlCol="0">
+            <a:spAutoFit/>
+          </a:bodyPr>
+          <a:lstStyle/>
+          <a:p>
+            <a:r>
+              <a:rPr lang="ja-JP" altLang="en-US" sz="1200" b="1" dirty="0"/>
+              <a:t>既存手法から改良を行う処理部</a:t>
+            </a:r>
+            <a:r>
+              <a:rPr lang="en-US" altLang="ja-JP" sz="1200" b="1" dirty="0"/>
+              <a:t>:</a:t>
+            </a:r>
+            <a:endParaRPr kumimoji="1" lang="ja-JP" altLang="en-US" sz="1200" b="1" dirty="0"/>
+          </a:p>
+        </p:txBody>
+      </p:sp>
+      <p:sp>
+        <p:nvSpPr>
+          <p:cNvPr id="184" name="四角形: 角を丸くする 183">
+            <a:extLst>
+              <a:ext uri="{FF2B5EF4-FFF2-40B4-BE49-F238E27FC236}">
+                <a16:creationId xmlns:a16="http://schemas.microsoft.com/office/drawing/2014/main" id="{D6562F73-2955-BBF4-E6C3-579FFEBE223C}"/>
+              </a:ext>
+            </a:extLst>
+          </p:cNvPr>
+          <p:cNvSpPr/>
+          <p:nvPr/>
+        </p:nvSpPr>
+        <p:spPr>
+          <a:xfrm>
+            <a:off x="5512759" y="5309590"/>
+            <a:ext cx="897120" cy="332112"/>
+          </a:xfrm>
+          <a:prstGeom prst="roundRect">
+            <a:avLst/>
+          </a:prstGeom>
+          <a:solidFill>
+            <a:schemeClr val="accent2">
+              <a:lumMod val="60000"/>
+              <a:lumOff val="40000"/>
+            </a:schemeClr>
+          </a:solidFill>
+          <a:ln>
+            <a:solidFill>
+              <a:schemeClr val="tx1"/>
+            </a:solidFill>
+          </a:ln>
+        </p:spPr>
+        <p:style>
+          <a:lnRef idx="2">
+            <a:schemeClr val="accent1">
+              <a:shade val="50000"/>
+            </a:schemeClr>
+          </a:lnRef>
+          <a:fillRef idx="1">
+            <a:schemeClr val="accent1"/>
+          </a:fillRef>
+          <a:effectRef idx="0">
+            <a:schemeClr val="accent1"/>
+          </a:effectRef>
+          <a:fontRef idx="minor">
+            <a:schemeClr val="lt1"/>
+          </a:fontRef>
+        </p:style>
+        <p:txBody>
+          <a:bodyPr lIns="36000" tIns="36000" rIns="36000" bIns="36000" rtlCol="0" anchor="ctr"/>
+          <a:lstStyle/>
+          <a:p>
+            <a:pPr algn="ctr"/>
+            <a:endParaRPr kumimoji="1" lang="ja-JP" altLang="en-US" sz="1200" dirty="0">
+              <a:solidFill>
+                <a:schemeClr val="tx1"/>
+              </a:solidFill>
+            </a:endParaRPr>
+          </a:p>
+        </p:txBody>
+      </p:sp>
+      <p:sp>
+        <p:nvSpPr>
+          <p:cNvPr id="185" name="テキスト ボックス 184">
+            <a:extLst>
+              <a:ext uri="{FF2B5EF4-FFF2-40B4-BE49-F238E27FC236}">
+                <a16:creationId xmlns:a16="http://schemas.microsoft.com/office/drawing/2014/main" id="{5F502843-D349-EC82-2B2E-5812AAA350B2}"/>
+              </a:ext>
+            </a:extLst>
+          </p:cNvPr>
+          <p:cNvSpPr txBox="1"/>
+          <p:nvPr/>
+        </p:nvSpPr>
+        <p:spPr>
+          <a:xfrm>
+            <a:off x="2853691" y="5352270"/>
+            <a:ext cx="2693366" cy="276999"/>
+          </a:xfrm>
+          <a:prstGeom prst="rect">
+            <a:avLst/>
+          </a:prstGeom>
+          <a:noFill/>
+        </p:spPr>
+        <p:txBody>
+          <a:bodyPr wrap="none" rtlCol="0">
+            <a:spAutoFit/>
+          </a:bodyPr>
+          <a:lstStyle/>
+          <a:p>
+            <a:r>
+              <a:rPr lang="ja-JP" altLang="en-US" sz="1200" b="1" dirty="0"/>
+              <a:t>既存手法から改良を行う中間データ</a:t>
+            </a:r>
+            <a:r>
+              <a:rPr lang="en-US" altLang="ja-JP" sz="1200" b="1" dirty="0"/>
+              <a:t>:</a:t>
+            </a:r>
+            <a:endParaRPr kumimoji="1" lang="ja-JP" altLang="en-US" sz="1200" b="1" dirty="0"/>
+          </a:p>
+        </p:txBody>
+      </p:sp>
+      <p:sp>
+        <p:nvSpPr>
+          <p:cNvPr id="186" name="四角形: 角を丸くする 185">
+            <a:extLst>
+              <a:ext uri="{FF2B5EF4-FFF2-40B4-BE49-F238E27FC236}">
+                <a16:creationId xmlns:a16="http://schemas.microsoft.com/office/drawing/2014/main" id="{7C57C547-3ECD-48B5-B2C5-1E462D20AA76}"/>
+              </a:ext>
+            </a:extLst>
+          </p:cNvPr>
+          <p:cNvSpPr/>
+          <p:nvPr/>
+        </p:nvSpPr>
+        <p:spPr>
+          <a:xfrm>
+            <a:off x="8958093" y="5753562"/>
+            <a:ext cx="902695" cy="352578"/>
+          </a:xfrm>
+          <a:prstGeom prst="roundRect">
+            <a:avLst/>
+          </a:prstGeom>
+          <a:solidFill>
+            <a:schemeClr val="accent5">
+              <a:lumMod val="60000"/>
+              <a:lumOff val="40000"/>
+            </a:schemeClr>
+          </a:solidFill>
+          <a:ln w="38100">
+            <a:solidFill>
+              <a:schemeClr val="accent1">
+                <a:lumMod val="75000"/>
+              </a:schemeClr>
+            </a:solidFill>
+          </a:ln>
+        </p:spPr>
+        <p:style>
+          <a:lnRef idx="2">
+            <a:schemeClr val="accent6"/>
+          </a:lnRef>
+          <a:fillRef idx="1">
+            <a:schemeClr val="lt1"/>
+          </a:fillRef>
+          <a:effectRef idx="0">
+            <a:schemeClr val="accent6"/>
+          </a:effectRef>
+          <a:fontRef idx="minor">
+            <a:schemeClr val="dk1"/>
+          </a:fontRef>
+        </p:style>
+        <p:txBody>
+          <a:bodyPr rtlCol="0" anchor="ctr"/>
+          <a:lstStyle/>
+          <a:p>
+            <a:pPr algn="ctr"/>
+            <a:endParaRPr kumimoji="1" lang="ja-JP" altLang="en-US" sz="1200" dirty="0"/>
+          </a:p>
+        </p:txBody>
+      </p:sp>
+      <p:sp>
+        <p:nvSpPr>
+          <p:cNvPr id="187" name="テキスト ボックス 186">
+            <a:extLst>
+              <a:ext uri="{FF2B5EF4-FFF2-40B4-BE49-F238E27FC236}">
+                <a16:creationId xmlns:a16="http://schemas.microsoft.com/office/drawing/2014/main" id="{D272DE0A-DD39-3703-5D6E-FDD44DD51C7C}"/>
+              </a:ext>
+            </a:extLst>
+          </p:cNvPr>
+          <p:cNvSpPr txBox="1"/>
+          <p:nvPr/>
+        </p:nvSpPr>
+        <p:spPr>
+          <a:xfrm>
+            <a:off x="5814147" y="5792669"/>
+            <a:ext cx="3155031" cy="276999"/>
+          </a:xfrm>
+          <a:prstGeom prst="rect">
+            <a:avLst/>
+          </a:prstGeom>
+          <a:noFill/>
+        </p:spPr>
+        <p:txBody>
+          <a:bodyPr wrap="none" rtlCol="0">
+            <a:spAutoFit/>
+          </a:bodyPr>
+          <a:lstStyle/>
+          <a:p>
+            <a:r>
+              <a:rPr lang="ja-JP" altLang="en-US" sz="1200" b="1" dirty="0"/>
+              <a:t>既存手法から新たに追加する処理・処理部</a:t>
+            </a:r>
+            <a:r>
+              <a:rPr lang="en-US" altLang="ja-JP" sz="1200" b="1" dirty="0"/>
+              <a:t>:</a:t>
+            </a:r>
+            <a:endParaRPr kumimoji="1" lang="ja-JP" altLang="en-US" sz="1200" b="1" dirty="0"/>
+          </a:p>
+        </p:txBody>
+      </p:sp>
+      <p:sp>
+        <p:nvSpPr>
+          <p:cNvPr id="188" name="四角形: 角を丸くする 187">
+            <a:extLst>
+              <a:ext uri="{FF2B5EF4-FFF2-40B4-BE49-F238E27FC236}">
+                <a16:creationId xmlns:a16="http://schemas.microsoft.com/office/drawing/2014/main" id="{1F60C1C6-BAEF-DF00-7EA5-9383D80F6C34}"/>
+              </a:ext>
+            </a:extLst>
+          </p:cNvPr>
+          <p:cNvSpPr/>
+          <p:nvPr/>
+        </p:nvSpPr>
+        <p:spPr>
+          <a:xfrm>
+            <a:off x="1741539" y="5707895"/>
+            <a:ext cx="903999" cy="346556"/>
+          </a:xfrm>
+          <a:prstGeom prst="roundRect">
+            <a:avLst/>
+          </a:prstGeom>
+          <a:solidFill>
+            <a:schemeClr val="accent1">
+              <a:lumMod val="20000"/>
+              <a:lumOff val="80000"/>
+            </a:schemeClr>
+          </a:solidFill>
+          <a:ln>
+            <a:solidFill>
+              <a:schemeClr val="tx1"/>
+            </a:solidFill>
+          </a:ln>
+        </p:spPr>
+        <p:style>
+          <a:lnRef idx="2">
+            <a:schemeClr val="accent1">
+              <a:shade val="50000"/>
+            </a:schemeClr>
+          </a:lnRef>
+          <a:fillRef idx="1">
+            <a:schemeClr val="accent1"/>
+          </a:fillRef>
+          <a:effectRef idx="0">
+            <a:schemeClr val="accent1"/>
+          </a:effectRef>
+          <a:fontRef idx="minor">
+            <a:schemeClr val="lt1"/>
+          </a:fontRef>
+        </p:style>
+        <p:txBody>
+          <a:bodyPr lIns="36000" tIns="36000" rIns="36000" bIns="36000" rtlCol="0" anchor="ctr"/>
+          <a:lstStyle/>
+          <a:p>
+            <a:pPr algn="ctr"/>
+            <a:endParaRPr kumimoji="1" lang="ja-JP" altLang="en-US" sz="1200" dirty="0">
+              <a:solidFill>
+                <a:schemeClr val="tx1"/>
+              </a:solidFill>
+            </a:endParaRPr>
+          </a:p>
+        </p:txBody>
+      </p:sp>
+      <p:sp>
+        <p:nvSpPr>
+          <p:cNvPr id="189" name="テキスト ボックス 188">
+            <a:extLst>
+              <a:ext uri="{FF2B5EF4-FFF2-40B4-BE49-F238E27FC236}">
+                <a16:creationId xmlns:a16="http://schemas.microsoft.com/office/drawing/2014/main" id="{15D3E0FA-BBC4-C471-8B0C-D3104FC6357D}"/>
+              </a:ext>
+            </a:extLst>
+          </p:cNvPr>
+          <p:cNvSpPr txBox="1"/>
+          <p:nvPr/>
+        </p:nvSpPr>
+        <p:spPr>
+          <a:xfrm>
+            <a:off x="1226942" y="5808182"/>
+            <a:ext cx="538930" cy="276999"/>
+          </a:xfrm>
+          <a:prstGeom prst="rect">
+            <a:avLst/>
+          </a:prstGeom>
+          <a:noFill/>
+        </p:spPr>
+        <p:txBody>
+          <a:bodyPr wrap="none" rtlCol="0">
+            <a:spAutoFit/>
+          </a:bodyPr>
+          <a:lstStyle/>
+          <a:p>
+            <a:r>
+              <a:rPr lang="ja-JP" altLang="en-US" sz="1200" b="1" dirty="0"/>
+              <a:t>処理</a:t>
+            </a:r>
+            <a:r>
+              <a:rPr lang="en-US" altLang="ja-JP" sz="1200" b="1" dirty="0"/>
+              <a:t>:</a:t>
+            </a:r>
+            <a:endParaRPr kumimoji="1" lang="ja-JP" altLang="en-US" sz="1200" b="1" dirty="0"/>
+          </a:p>
+        </p:txBody>
+      </p:sp>
+      <p:cxnSp>
+        <p:nvCxnSpPr>
+          <p:cNvPr id="199" name="コネクタ: カギ線 198">
+            <a:extLst>
+              <a:ext uri="{FF2B5EF4-FFF2-40B4-BE49-F238E27FC236}">
+                <a16:creationId xmlns:a16="http://schemas.microsoft.com/office/drawing/2014/main" id="{BC22E829-CEFC-CBCC-A490-C41274AE6FCE}"/>
+              </a:ext>
+            </a:extLst>
+          </p:cNvPr>
+          <p:cNvCxnSpPr>
+            <a:cxnSpLocks/>
+            <a:stCxn id="239" idx="1"/>
+            <a:endCxn id="238" idx="1"/>
+          </p:cNvCxnSpPr>
+          <p:nvPr/>
+        </p:nvCxnSpPr>
+        <p:spPr>
+          <a:xfrm rot="10800000" flipH="1">
+            <a:off x="4626550" y="2104124"/>
+            <a:ext cx="3463" cy="560439"/>
+          </a:xfrm>
+          <a:prstGeom prst="bentConnector3">
+            <a:avLst>
+              <a:gd name="adj1" fmla="val -6601213"/>
+            </a:avLst>
+          </a:prstGeom>
+          <a:ln>
+            <a:headEnd type="triangle"/>
+            <a:tailEnd type="triangle"/>
+          </a:ln>
+        </p:spPr>
+        <p:style>
+          <a:lnRef idx="1">
+            <a:schemeClr val="dk1"/>
+          </a:lnRef>
+          <a:fillRef idx="0">
+            <a:schemeClr val="dk1"/>
+          </a:fillRef>
+          <a:effectRef idx="0">
+            <a:schemeClr val="dk1"/>
+          </a:effectRef>
+          <a:fontRef idx="minor">
+            <a:schemeClr val="tx1"/>
+          </a:fontRef>
+        </p:style>
+      </p:cxnSp>
+      <p:sp>
+        <p:nvSpPr>
+          <p:cNvPr id="219" name="四角形: 角を丸くする 218">
+            <a:extLst>
+              <a:ext uri="{FF2B5EF4-FFF2-40B4-BE49-F238E27FC236}">
+                <a16:creationId xmlns:a16="http://schemas.microsoft.com/office/drawing/2014/main" id="{8D0336F4-9208-025B-64F8-9E85FEFFC894}"/>
+              </a:ext>
+            </a:extLst>
+          </p:cNvPr>
+          <p:cNvSpPr/>
+          <p:nvPr/>
+        </p:nvSpPr>
+        <p:spPr>
+          <a:xfrm>
+            <a:off x="9382754" y="5297094"/>
+            <a:ext cx="897120" cy="352578"/>
+          </a:xfrm>
+          <a:prstGeom prst="roundRect">
+            <a:avLst/>
+          </a:prstGeom>
+          <a:solidFill>
+            <a:schemeClr val="accent2">
+              <a:lumMod val="60000"/>
+              <a:lumOff val="40000"/>
+            </a:schemeClr>
+          </a:solidFill>
+          <a:ln w="38100">
+            <a:solidFill>
+              <a:schemeClr val="accent2">
+                <a:lumMod val="75000"/>
+              </a:schemeClr>
+            </a:solidFill>
+          </a:ln>
+        </p:spPr>
+        <p:style>
+          <a:lnRef idx="2">
+            <a:schemeClr val="accent1">
+              <a:shade val="50000"/>
+            </a:schemeClr>
+          </a:lnRef>
+          <a:fillRef idx="1">
+            <a:schemeClr val="accent1"/>
+          </a:fillRef>
+          <a:effectRef idx="0">
+            <a:schemeClr val="accent1"/>
+          </a:effectRef>
+          <a:fontRef idx="minor">
+            <a:schemeClr val="lt1"/>
+          </a:fontRef>
+        </p:style>
+        <p:txBody>
+          <a:bodyPr lIns="36000" tIns="36000" rIns="36000" bIns="36000" rtlCol="0" anchor="ctr"/>
+          <a:lstStyle/>
+          <a:p>
+            <a:pPr algn="ctr"/>
+            <a:endParaRPr kumimoji="1" lang="ja-JP" altLang="en-US" sz="1200" dirty="0">
+              <a:solidFill>
+                <a:schemeClr val="tx1"/>
+              </a:solidFill>
+            </a:endParaRPr>
+          </a:p>
+        </p:txBody>
+      </p:sp>
+      <p:sp>
+        <p:nvSpPr>
+          <p:cNvPr id="220" name="テキスト ボックス 219">
+            <a:extLst>
+              <a:ext uri="{FF2B5EF4-FFF2-40B4-BE49-F238E27FC236}">
+                <a16:creationId xmlns:a16="http://schemas.microsoft.com/office/drawing/2014/main" id="{597430AC-8E6D-B853-95EC-448084D020C4}"/>
+              </a:ext>
+            </a:extLst>
+          </p:cNvPr>
+          <p:cNvSpPr txBox="1"/>
+          <p:nvPr/>
+        </p:nvSpPr>
+        <p:spPr>
+          <a:xfrm>
+            <a:off x="6387121" y="5357982"/>
+            <a:ext cx="3001143" cy="276999"/>
+          </a:xfrm>
+          <a:prstGeom prst="rect">
+            <a:avLst/>
+          </a:prstGeom>
+          <a:noFill/>
+        </p:spPr>
+        <p:txBody>
+          <a:bodyPr wrap="none" rtlCol="0">
+            <a:spAutoFit/>
+          </a:bodyPr>
+          <a:lstStyle/>
+          <a:p>
+            <a:r>
+              <a:rPr lang="ja-JP" altLang="en-US" sz="1200" b="1" dirty="0"/>
+              <a:t>既存手法から新たに追加する中間データ</a:t>
+            </a:r>
+            <a:r>
+              <a:rPr lang="en-US" altLang="ja-JP" sz="1200" b="1" dirty="0"/>
+              <a:t>:</a:t>
+            </a:r>
+            <a:endParaRPr kumimoji="1" lang="ja-JP" altLang="en-US" sz="1200" b="1" dirty="0"/>
+          </a:p>
+        </p:txBody>
+      </p:sp>
+      <p:sp>
+        <p:nvSpPr>
+          <p:cNvPr id="230" name="四角形: 角を丸くする 229">
+            <a:extLst>
+              <a:ext uri="{FF2B5EF4-FFF2-40B4-BE49-F238E27FC236}">
+                <a16:creationId xmlns:a16="http://schemas.microsoft.com/office/drawing/2014/main" id="{DBEB4857-3EEC-2B2A-554F-6563E57DA1EA}"/>
+              </a:ext>
+            </a:extLst>
+          </p:cNvPr>
+          <p:cNvSpPr/>
+          <p:nvPr/>
+        </p:nvSpPr>
+        <p:spPr>
+          <a:xfrm>
+            <a:off x="5485608" y="3688201"/>
+            <a:ext cx="1229867" cy="471396"/>
+          </a:xfrm>
+          <a:prstGeom prst="roundRect">
+            <a:avLst/>
+          </a:prstGeom>
+          <a:solidFill>
+            <a:schemeClr val="accent1">
+              <a:lumMod val="20000"/>
+              <a:lumOff val="80000"/>
+            </a:schemeClr>
+          </a:solidFill>
+          <a:ln>
+            <a:solidFill>
+              <a:schemeClr val="tx1"/>
+            </a:solidFill>
+          </a:ln>
+        </p:spPr>
+        <p:style>
+          <a:lnRef idx="2">
+            <a:schemeClr val="accent6"/>
+          </a:lnRef>
+          <a:fillRef idx="1">
+            <a:schemeClr val="lt1"/>
+          </a:fillRef>
+          <a:effectRef idx="0">
+            <a:schemeClr val="accent6"/>
+          </a:effectRef>
+          <a:fontRef idx="minor">
+            <a:schemeClr val="dk1"/>
+          </a:fontRef>
+        </p:style>
+        <p:txBody>
+          <a:bodyPr rtlCol="0" anchor="ctr"/>
+          <a:lstStyle/>
+          <a:p>
+            <a:pPr algn="ctr"/>
+            <a:r>
+              <a:rPr kumimoji="1" lang="ja-JP" altLang="en-US" sz="1200" dirty="0"/>
+              <a:t>型・定数定義</a:t>
+            </a:r>
+            <a:endParaRPr kumimoji="1" lang="en-US" altLang="ja-JP" sz="1200" dirty="0"/>
+          </a:p>
+          <a:p>
+            <a:pPr algn="ctr"/>
+            <a:r>
+              <a:rPr lang="ja-JP" altLang="en-US" sz="1200" dirty="0"/>
+              <a:t>生成処理</a:t>
+            </a:r>
+            <a:endParaRPr kumimoji="1" lang="ja-JP" altLang="en-US" sz="1200" dirty="0"/>
+          </a:p>
+        </p:txBody>
+      </p:sp>
+      <p:sp>
+        <p:nvSpPr>
+          <p:cNvPr id="238" name="四角形: 角を丸くする 237">
+            <a:extLst>
+              <a:ext uri="{FF2B5EF4-FFF2-40B4-BE49-F238E27FC236}">
+                <a16:creationId xmlns:a16="http://schemas.microsoft.com/office/drawing/2014/main" id="{914F4E3A-D8CF-CC20-19CB-6E5528B7BCD1}"/>
+              </a:ext>
+            </a:extLst>
+          </p:cNvPr>
+          <p:cNvSpPr/>
+          <p:nvPr/>
+        </p:nvSpPr>
+        <p:spPr>
+          <a:xfrm>
+            <a:off x="4630014" y="1888826"/>
+            <a:ext cx="654317" cy="430593"/>
+          </a:xfrm>
+          <a:prstGeom prst="roundRect">
+            <a:avLst/>
+          </a:prstGeom>
+          <a:solidFill>
+            <a:schemeClr val="accent2">
+              <a:lumMod val="60000"/>
+              <a:lumOff val="40000"/>
+            </a:schemeClr>
+          </a:solidFill>
+          <a:ln w="38100">
+            <a:solidFill>
+              <a:schemeClr val="accent2">
+                <a:lumMod val="75000"/>
+              </a:schemeClr>
+            </a:solidFill>
+          </a:ln>
+        </p:spPr>
+        <p:style>
+          <a:lnRef idx="2">
+            <a:schemeClr val="accent1">
+              <a:shade val="50000"/>
+            </a:schemeClr>
+          </a:lnRef>
+          <a:fillRef idx="1">
+            <a:schemeClr val="accent1"/>
+          </a:fillRef>
+          <a:effectRef idx="0">
+            <a:schemeClr val="accent1"/>
+          </a:effectRef>
+          <a:fontRef idx="minor">
+            <a:schemeClr val="lt1"/>
+          </a:fontRef>
+        </p:style>
+        <p:txBody>
+          <a:bodyPr lIns="36000" tIns="36000" rIns="36000" bIns="36000" rtlCol="0" anchor="ctr"/>
+          <a:lstStyle/>
+          <a:p>
+            <a:pPr algn="ctr"/>
+            <a:r>
+              <a:rPr lang="ja-JP" altLang="en-US" sz="1200" dirty="0">
+                <a:solidFill>
+                  <a:schemeClr val="tx1"/>
+                </a:solidFill>
+              </a:rPr>
+              <a:t>名詞</a:t>
+            </a:r>
+            <a:endParaRPr lang="en-US" altLang="ja-JP" sz="1200" dirty="0">
+              <a:solidFill>
+                <a:schemeClr val="tx1"/>
+              </a:solidFill>
+            </a:endParaRPr>
+          </a:p>
+          <a:p>
+            <a:pPr algn="ctr"/>
+            <a:r>
+              <a:rPr lang="ja-JP" altLang="en-US" sz="1200" dirty="0">
+                <a:solidFill>
+                  <a:schemeClr val="tx1"/>
+                </a:solidFill>
+              </a:rPr>
+              <a:t>リスト</a:t>
+            </a:r>
+            <a:endParaRPr kumimoji="1" lang="ja-JP" altLang="en-US" sz="1200" dirty="0">
+              <a:solidFill>
+                <a:schemeClr val="tx1"/>
+              </a:solidFill>
+            </a:endParaRPr>
+          </a:p>
+        </p:txBody>
+      </p:sp>
+      <p:sp>
+        <p:nvSpPr>
+          <p:cNvPr id="239" name="四角形: 角を丸くする 238">
+            <a:extLst>
+              <a:ext uri="{FF2B5EF4-FFF2-40B4-BE49-F238E27FC236}">
+                <a16:creationId xmlns:a16="http://schemas.microsoft.com/office/drawing/2014/main" id="{8A5397BF-7FE8-961C-E8CD-AC15D771DA2C}"/>
+              </a:ext>
+            </a:extLst>
+          </p:cNvPr>
+          <p:cNvSpPr/>
+          <p:nvPr/>
+        </p:nvSpPr>
+        <p:spPr>
+          <a:xfrm>
+            <a:off x="4626551" y="2449265"/>
+            <a:ext cx="654317" cy="430593"/>
+          </a:xfrm>
+          <a:prstGeom prst="roundRect">
+            <a:avLst/>
+          </a:prstGeom>
+          <a:solidFill>
+            <a:schemeClr val="accent2">
+              <a:lumMod val="60000"/>
+              <a:lumOff val="40000"/>
+            </a:schemeClr>
+          </a:solidFill>
+          <a:ln w="38100">
+            <a:solidFill>
+              <a:schemeClr val="accent2">
+                <a:lumMod val="75000"/>
+              </a:schemeClr>
+            </a:solidFill>
+          </a:ln>
+        </p:spPr>
+        <p:style>
+          <a:lnRef idx="2">
+            <a:schemeClr val="accent1">
+              <a:shade val="50000"/>
+            </a:schemeClr>
+          </a:lnRef>
+          <a:fillRef idx="1">
+            <a:schemeClr val="accent1"/>
+          </a:fillRef>
+          <a:effectRef idx="0">
+            <a:schemeClr val="accent1"/>
+          </a:effectRef>
+          <a:fontRef idx="minor">
+            <a:schemeClr val="lt1"/>
+          </a:fontRef>
+        </p:style>
+        <p:txBody>
+          <a:bodyPr lIns="36000" tIns="36000" rIns="36000" bIns="36000" rtlCol="0" anchor="ctr"/>
+          <a:lstStyle/>
+          <a:p>
+            <a:pPr algn="ctr"/>
+            <a:r>
+              <a:rPr lang="ja-JP" altLang="en-US" sz="1200" dirty="0">
+                <a:solidFill>
+                  <a:schemeClr val="tx1"/>
+                </a:solidFill>
+              </a:rPr>
+              <a:t>動詞</a:t>
+            </a:r>
+            <a:endParaRPr lang="en-US" altLang="ja-JP" sz="1200" dirty="0">
+              <a:solidFill>
+                <a:schemeClr val="tx1"/>
+              </a:solidFill>
+            </a:endParaRPr>
+          </a:p>
+          <a:p>
+            <a:pPr algn="ctr"/>
+            <a:r>
+              <a:rPr lang="ja-JP" altLang="en-US" sz="1200" dirty="0">
+                <a:solidFill>
+                  <a:schemeClr val="tx1"/>
+                </a:solidFill>
+              </a:rPr>
+              <a:t>リスト</a:t>
+            </a:r>
+            <a:endParaRPr kumimoji="1" lang="ja-JP" altLang="en-US" sz="1200" dirty="0">
+              <a:solidFill>
+                <a:schemeClr val="tx1"/>
+              </a:solidFill>
+            </a:endParaRPr>
+          </a:p>
+        </p:txBody>
+      </p:sp>
+      <p:cxnSp>
+        <p:nvCxnSpPr>
+          <p:cNvPr id="242" name="直線矢印コネクタ 241">
+            <a:extLst>
+              <a:ext uri="{FF2B5EF4-FFF2-40B4-BE49-F238E27FC236}">
+                <a16:creationId xmlns:a16="http://schemas.microsoft.com/office/drawing/2014/main" id="{CAF0ECFA-69E2-11C3-F565-1345F5AB7E3A}"/>
+              </a:ext>
+            </a:extLst>
+          </p:cNvPr>
+          <p:cNvCxnSpPr>
+            <a:cxnSpLocks/>
+            <a:stCxn id="238" idx="3"/>
+            <a:endCxn id="47" idx="1"/>
+          </p:cNvCxnSpPr>
+          <p:nvPr/>
+        </p:nvCxnSpPr>
+        <p:spPr>
+          <a:xfrm>
+            <a:off x="5284331" y="2104123"/>
+            <a:ext cx="475052" cy="805"/>
+          </a:xfrm>
+          <a:prstGeom prst="straightConnector1">
+            <a:avLst/>
+          </a:prstGeom>
+          <a:ln>
+            <a:tailEnd type="triangle"/>
+          </a:ln>
+        </p:spPr>
+        <p:style>
+          <a:lnRef idx="1">
+            <a:schemeClr val="dk1"/>
+          </a:lnRef>
+          <a:fillRef idx="0">
+            <a:schemeClr val="dk1"/>
+          </a:fillRef>
+          <a:effectRef idx="0">
+            <a:schemeClr val="dk1"/>
+          </a:effectRef>
+          <a:fontRef idx="minor">
+            <a:schemeClr val="tx1"/>
+          </a:fontRef>
+        </p:style>
+      </p:cxnSp>
+      <p:cxnSp>
+        <p:nvCxnSpPr>
+          <p:cNvPr id="254" name="コネクタ: カギ線 253">
+            <a:extLst>
+              <a:ext uri="{FF2B5EF4-FFF2-40B4-BE49-F238E27FC236}">
+                <a16:creationId xmlns:a16="http://schemas.microsoft.com/office/drawing/2014/main" id="{EBB761A7-C072-9E63-7F82-D2B1D1BAB061}"/>
+              </a:ext>
+            </a:extLst>
+          </p:cNvPr>
+          <p:cNvCxnSpPr>
+            <a:cxnSpLocks/>
+            <a:stCxn id="28" idx="3"/>
+            <a:endCxn id="47" idx="0"/>
+          </p:cNvCxnSpPr>
+          <p:nvPr/>
+        </p:nvCxnSpPr>
+        <p:spPr>
+          <a:xfrm>
+            <a:off x="2832326" y="1349363"/>
+            <a:ext cx="3833396" cy="540414"/>
+          </a:xfrm>
+          <a:prstGeom prst="bentConnector2">
+            <a:avLst/>
+          </a:prstGeom>
+          <a:ln>
+            <a:tailEnd type="triangle"/>
+          </a:ln>
+        </p:spPr>
+        <p:style>
+          <a:lnRef idx="1">
+            <a:schemeClr val="dk1"/>
+          </a:lnRef>
+          <a:fillRef idx="0">
+            <a:schemeClr val="dk1"/>
+          </a:fillRef>
+          <a:effectRef idx="0">
+            <a:schemeClr val="dk1"/>
+          </a:effectRef>
+          <a:fontRef idx="minor">
+            <a:schemeClr val="tx1"/>
+          </a:fontRef>
+        </p:style>
+      </p:cxnSp>
+      <p:cxnSp>
+        <p:nvCxnSpPr>
+          <p:cNvPr id="258" name="コネクタ: カギ線 257">
+            <a:extLst>
+              <a:ext uri="{FF2B5EF4-FFF2-40B4-BE49-F238E27FC236}">
+                <a16:creationId xmlns:a16="http://schemas.microsoft.com/office/drawing/2014/main" id="{66FA8EFD-B1B4-F6EB-B529-0FFD35ACB713}"/>
+              </a:ext>
+            </a:extLst>
+          </p:cNvPr>
+          <p:cNvCxnSpPr>
+            <a:cxnSpLocks/>
+            <a:stCxn id="28" idx="3"/>
+            <a:endCxn id="76" idx="0"/>
+          </p:cNvCxnSpPr>
+          <p:nvPr/>
+        </p:nvCxnSpPr>
+        <p:spPr>
+          <a:xfrm>
+            <a:off x="2832326" y="1349363"/>
+            <a:ext cx="5503316" cy="526707"/>
+          </a:xfrm>
+          <a:prstGeom prst="bentConnector2">
+            <a:avLst/>
+          </a:prstGeom>
+          <a:ln>
+            <a:tailEnd type="triangle"/>
+          </a:ln>
+        </p:spPr>
+        <p:style>
+          <a:lnRef idx="1">
+            <a:schemeClr val="dk1"/>
+          </a:lnRef>
+          <a:fillRef idx="0">
+            <a:schemeClr val="dk1"/>
+          </a:fillRef>
+          <a:effectRef idx="0">
+            <a:schemeClr val="dk1"/>
+          </a:effectRef>
+          <a:fontRef idx="minor">
+            <a:schemeClr val="tx1"/>
+          </a:fontRef>
+        </p:style>
+      </p:cxnSp>
+      <p:cxnSp>
+        <p:nvCxnSpPr>
+          <p:cNvPr id="267" name="コネクタ: カギ線 266">
+            <a:extLst>
+              <a:ext uri="{FF2B5EF4-FFF2-40B4-BE49-F238E27FC236}">
+                <a16:creationId xmlns:a16="http://schemas.microsoft.com/office/drawing/2014/main" id="{984FE3E1-07E4-F944-78CE-75F10FE730B8}"/>
+              </a:ext>
+            </a:extLst>
+          </p:cNvPr>
+          <p:cNvCxnSpPr>
+            <a:cxnSpLocks/>
+            <a:stCxn id="239" idx="3"/>
+            <a:endCxn id="76" idx="2"/>
+          </p:cNvCxnSpPr>
+          <p:nvPr/>
+        </p:nvCxnSpPr>
+        <p:spPr>
+          <a:xfrm flipV="1">
+            <a:off x="5280868" y="2306371"/>
+            <a:ext cx="3054774" cy="358191"/>
+          </a:xfrm>
+          <a:prstGeom prst="bentConnector2">
+            <a:avLst/>
+          </a:prstGeom>
+          <a:ln>
+            <a:tailEnd type="triangle"/>
+          </a:ln>
+        </p:spPr>
+        <p:style>
+          <a:lnRef idx="1">
+            <a:schemeClr val="dk1"/>
+          </a:lnRef>
+          <a:fillRef idx="0">
+            <a:schemeClr val="dk1"/>
+          </a:fillRef>
+          <a:effectRef idx="0">
+            <a:schemeClr val="dk1"/>
+          </a:effectRef>
+          <a:fontRef idx="minor">
+            <a:schemeClr val="tx1"/>
+          </a:fontRef>
+        </p:style>
+      </p:cxnSp>
+      <p:sp>
+        <p:nvSpPr>
+          <p:cNvPr id="273" name="四角形: 角を丸くする 272">
+            <a:extLst>
+              <a:ext uri="{FF2B5EF4-FFF2-40B4-BE49-F238E27FC236}">
+                <a16:creationId xmlns:a16="http://schemas.microsoft.com/office/drawing/2014/main" id="{949C6BAF-4757-210D-17E3-393DA6DF9E93}"/>
+              </a:ext>
+            </a:extLst>
+          </p:cNvPr>
+          <p:cNvSpPr/>
+          <p:nvPr/>
+        </p:nvSpPr>
+        <p:spPr>
+          <a:xfrm>
+            <a:off x="3125264" y="2142393"/>
+            <a:ext cx="1016660" cy="430593"/>
+          </a:xfrm>
+          <a:prstGeom prst="roundRect">
+            <a:avLst/>
+          </a:prstGeom>
+          <a:solidFill>
+            <a:schemeClr val="accent1">
+              <a:lumMod val="40000"/>
+              <a:lumOff val="60000"/>
+            </a:schemeClr>
+          </a:solidFill>
+          <a:ln w="38100">
+            <a:solidFill>
+              <a:schemeClr val="accent1">
+                <a:lumMod val="75000"/>
+              </a:schemeClr>
+            </a:solidFill>
+          </a:ln>
+        </p:spPr>
+        <p:style>
+          <a:lnRef idx="2">
+            <a:schemeClr val="accent6"/>
+          </a:lnRef>
+          <a:fillRef idx="1">
+            <a:schemeClr val="lt1"/>
+          </a:fillRef>
+          <a:effectRef idx="0">
+            <a:schemeClr val="accent6"/>
+          </a:effectRef>
+          <a:fontRef idx="minor">
+            <a:schemeClr val="dk1"/>
+          </a:fontRef>
+        </p:style>
+        <p:txBody>
+          <a:bodyPr rtlCol="0" anchor="ctr"/>
+          <a:lstStyle/>
+          <a:p>
+            <a:pPr algn="ctr"/>
+            <a:r>
+              <a:rPr lang="ja-JP" altLang="en-US" sz="1200" dirty="0"/>
+              <a:t>名詞・動詞</a:t>
+            </a:r>
+            <a:endParaRPr kumimoji="1" lang="en-US" altLang="ja-JP" sz="1200" dirty="0"/>
+          </a:p>
+          <a:p>
+            <a:pPr algn="ctr"/>
+            <a:r>
+              <a:rPr kumimoji="1" lang="ja-JP" altLang="en-US" sz="1200" dirty="0"/>
+              <a:t>分類処理</a:t>
+            </a:r>
+          </a:p>
+        </p:txBody>
+      </p:sp>
+      <p:cxnSp>
+        <p:nvCxnSpPr>
+          <p:cNvPr id="279" name="直線矢印コネクタ 278">
+            <a:extLst>
+              <a:ext uri="{FF2B5EF4-FFF2-40B4-BE49-F238E27FC236}">
+                <a16:creationId xmlns:a16="http://schemas.microsoft.com/office/drawing/2014/main" id="{A631D8C5-4085-D434-0B72-F3249F891561}"/>
+              </a:ext>
+            </a:extLst>
+          </p:cNvPr>
+          <p:cNvCxnSpPr>
+            <a:cxnSpLocks/>
+            <a:stCxn id="29" idx="3"/>
+            <a:endCxn id="273" idx="1"/>
+          </p:cNvCxnSpPr>
+          <p:nvPr/>
+        </p:nvCxnSpPr>
+        <p:spPr>
+          <a:xfrm flipV="1">
+            <a:off x="2785301" y="2357690"/>
+            <a:ext cx="339963" cy="2432"/>
+          </a:xfrm>
+          <a:prstGeom prst="straightConnector1">
+            <a:avLst/>
+          </a:prstGeom>
+          <a:ln>
+            <a:tailEnd type="triangle"/>
+          </a:ln>
+        </p:spPr>
+        <p:style>
+          <a:lnRef idx="1">
+            <a:schemeClr val="dk1"/>
+          </a:lnRef>
+          <a:fillRef idx="0">
+            <a:schemeClr val="dk1"/>
+          </a:fillRef>
+          <a:effectRef idx="0">
+            <a:schemeClr val="dk1"/>
+          </a:effectRef>
+          <a:fontRef idx="minor">
+            <a:schemeClr val="tx1"/>
+          </a:fontRef>
+        </p:style>
+      </p:cxnSp>
+      <p:sp>
+        <p:nvSpPr>
+          <p:cNvPr id="289" name="四角形: 角を丸くする 288">
+            <a:extLst>
+              <a:ext uri="{FF2B5EF4-FFF2-40B4-BE49-F238E27FC236}">
+                <a16:creationId xmlns:a16="http://schemas.microsoft.com/office/drawing/2014/main" id="{4F7D194E-B2F2-D191-3E97-A1331B2DC42E}"/>
+              </a:ext>
+            </a:extLst>
+          </p:cNvPr>
+          <p:cNvSpPr/>
+          <p:nvPr/>
+        </p:nvSpPr>
+        <p:spPr>
+          <a:xfrm>
+            <a:off x="5773384" y="2896713"/>
+            <a:ext cx="654317" cy="430593"/>
+          </a:xfrm>
+          <a:prstGeom prst="roundRect">
+            <a:avLst/>
+          </a:prstGeom>
+          <a:solidFill>
+            <a:schemeClr val="accent2">
+              <a:lumMod val="60000"/>
+              <a:lumOff val="40000"/>
+            </a:schemeClr>
+          </a:solidFill>
+          <a:ln w="38100">
+            <a:solidFill>
+              <a:schemeClr val="accent2">
+                <a:lumMod val="75000"/>
+              </a:schemeClr>
+            </a:solidFill>
+          </a:ln>
+        </p:spPr>
+        <p:style>
+          <a:lnRef idx="2">
+            <a:schemeClr val="accent1">
+              <a:shade val="50000"/>
+            </a:schemeClr>
+          </a:lnRef>
+          <a:fillRef idx="1">
+            <a:schemeClr val="accent1"/>
+          </a:fillRef>
+          <a:effectRef idx="0">
+            <a:schemeClr val="accent1"/>
+          </a:effectRef>
+          <a:fontRef idx="minor">
+            <a:schemeClr val="lt1"/>
+          </a:fontRef>
+        </p:style>
+        <p:txBody>
+          <a:bodyPr lIns="36000" tIns="36000" rIns="36000" bIns="36000" rtlCol="0" anchor="ctr"/>
+          <a:lstStyle/>
+          <a:p>
+            <a:pPr algn="ctr"/>
+            <a:r>
+              <a:rPr lang="ja-JP" altLang="en-US" sz="1200" dirty="0">
+                <a:solidFill>
+                  <a:schemeClr val="tx1"/>
+                </a:solidFill>
+              </a:rPr>
+              <a:t>名詞</a:t>
+            </a:r>
+            <a:endParaRPr lang="en-US" altLang="ja-JP" sz="1200" dirty="0">
+              <a:solidFill>
+                <a:schemeClr val="tx1"/>
+              </a:solidFill>
+            </a:endParaRPr>
+          </a:p>
+          <a:p>
+            <a:pPr algn="ctr"/>
+            <a:r>
+              <a:rPr lang="ja-JP" altLang="en-US" sz="1200" dirty="0">
+                <a:solidFill>
+                  <a:schemeClr val="tx1"/>
+                </a:solidFill>
+              </a:rPr>
+              <a:t>リスト</a:t>
+            </a:r>
+            <a:endParaRPr kumimoji="1" lang="ja-JP" altLang="en-US" sz="1200" dirty="0">
+              <a:solidFill>
+                <a:schemeClr val="tx1"/>
+              </a:solidFill>
+            </a:endParaRPr>
+          </a:p>
+        </p:txBody>
+      </p:sp>
+      <p:cxnSp>
+        <p:nvCxnSpPr>
+          <p:cNvPr id="296" name="直線矢印コネクタ 295">
+            <a:extLst>
+              <a:ext uri="{FF2B5EF4-FFF2-40B4-BE49-F238E27FC236}">
+                <a16:creationId xmlns:a16="http://schemas.microsoft.com/office/drawing/2014/main" id="{770A2887-7553-2B73-2ACD-9B60FE32A561}"/>
+              </a:ext>
+            </a:extLst>
+          </p:cNvPr>
+          <p:cNvCxnSpPr>
+            <a:cxnSpLocks/>
+            <a:endCxn id="289" idx="0"/>
+          </p:cNvCxnSpPr>
+          <p:nvPr/>
+        </p:nvCxnSpPr>
+        <p:spPr>
+          <a:xfrm>
+            <a:off x="6100543" y="2342387"/>
+            <a:ext cx="0" cy="554326"/>
+          </a:xfrm>
+          <a:prstGeom prst="straightConnector1">
+            <a:avLst/>
+          </a:prstGeom>
+          <a:ln>
+            <a:tailEnd type="triangle"/>
+          </a:ln>
+        </p:spPr>
+        <p:style>
+          <a:lnRef idx="1">
+            <a:schemeClr val="dk1"/>
+          </a:lnRef>
+          <a:fillRef idx="0">
+            <a:schemeClr val="dk1"/>
+          </a:fillRef>
+          <a:effectRef idx="0">
+            <a:schemeClr val="dk1"/>
+          </a:effectRef>
+          <a:fontRef idx="minor">
+            <a:schemeClr val="tx1"/>
+          </a:fontRef>
+        </p:style>
+      </p:cxnSp>
+      <p:cxnSp>
+        <p:nvCxnSpPr>
+          <p:cNvPr id="315" name="直線矢印コネクタ 314">
+            <a:extLst>
+              <a:ext uri="{FF2B5EF4-FFF2-40B4-BE49-F238E27FC236}">
+                <a16:creationId xmlns:a16="http://schemas.microsoft.com/office/drawing/2014/main" id="{F00DF37B-FF5D-B032-E25F-65718A75EB2C}"/>
+              </a:ext>
+            </a:extLst>
+          </p:cNvPr>
+          <p:cNvCxnSpPr>
+            <a:cxnSpLocks/>
+            <a:stCxn id="230" idx="3"/>
+            <a:endCxn id="377" idx="1"/>
+          </p:cNvCxnSpPr>
+          <p:nvPr/>
+        </p:nvCxnSpPr>
+        <p:spPr>
+          <a:xfrm flipV="1">
+            <a:off x="6715475" y="3921187"/>
+            <a:ext cx="502285" cy="2712"/>
+          </a:xfrm>
+          <a:prstGeom prst="straightConnector1">
+            <a:avLst/>
+          </a:prstGeom>
+          <a:ln>
+            <a:tailEnd type="triangle"/>
+          </a:ln>
+        </p:spPr>
+        <p:style>
+          <a:lnRef idx="1">
+            <a:schemeClr val="dk1"/>
+          </a:lnRef>
+          <a:fillRef idx="0">
+            <a:schemeClr val="dk1"/>
+          </a:fillRef>
+          <a:effectRef idx="0">
+            <a:schemeClr val="dk1"/>
+          </a:effectRef>
+          <a:fontRef idx="minor">
+            <a:schemeClr val="tx1"/>
+          </a:fontRef>
+        </p:style>
+      </p:cxnSp>
+      <p:cxnSp>
+        <p:nvCxnSpPr>
+          <p:cNvPr id="335" name="直線矢印コネクタ 334">
+            <a:extLst>
+              <a:ext uri="{FF2B5EF4-FFF2-40B4-BE49-F238E27FC236}">
+                <a16:creationId xmlns:a16="http://schemas.microsoft.com/office/drawing/2014/main" id="{7AA394A4-9615-0998-CCF3-F5D7EC76E1B6}"/>
+              </a:ext>
+            </a:extLst>
+          </p:cNvPr>
+          <p:cNvCxnSpPr>
+            <a:cxnSpLocks/>
+          </p:cNvCxnSpPr>
+          <p:nvPr/>
+        </p:nvCxnSpPr>
+        <p:spPr>
+          <a:xfrm>
+            <a:off x="7258255" y="274073"/>
+            <a:ext cx="0" cy="1625487"/>
+          </a:xfrm>
+          <a:prstGeom prst="straightConnector1">
+            <a:avLst/>
+          </a:prstGeom>
+          <a:ln>
+            <a:tailEnd type="triangle"/>
+          </a:ln>
+        </p:spPr>
+        <p:style>
+          <a:lnRef idx="1">
+            <a:schemeClr val="dk1"/>
+          </a:lnRef>
+          <a:fillRef idx="0">
+            <a:schemeClr val="dk1"/>
+          </a:fillRef>
+          <a:effectRef idx="0">
+            <a:schemeClr val="dk1"/>
+          </a:effectRef>
+          <a:fontRef idx="minor">
+            <a:schemeClr val="tx1"/>
+          </a:fontRef>
+        </p:style>
+      </p:cxnSp>
+      <p:cxnSp>
+        <p:nvCxnSpPr>
+          <p:cNvPr id="336" name="直線矢印コネクタ 335">
+            <a:extLst>
+              <a:ext uri="{FF2B5EF4-FFF2-40B4-BE49-F238E27FC236}">
+                <a16:creationId xmlns:a16="http://schemas.microsoft.com/office/drawing/2014/main" id="{C640A1AF-7B4A-DF4B-9D80-B61CCE9289DD}"/>
+              </a:ext>
+            </a:extLst>
+          </p:cNvPr>
+          <p:cNvCxnSpPr>
+            <a:cxnSpLocks/>
+          </p:cNvCxnSpPr>
+          <p:nvPr/>
+        </p:nvCxnSpPr>
+        <p:spPr>
+          <a:xfrm flipV="1">
+            <a:off x="6931580" y="274073"/>
+            <a:ext cx="0" cy="1625487"/>
+          </a:xfrm>
+          <a:prstGeom prst="straightConnector1">
+            <a:avLst/>
+          </a:prstGeom>
+          <a:ln>
+            <a:tailEnd type="triangle"/>
+          </a:ln>
+        </p:spPr>
+        <p:style>
+          <a:lnRef idx="1">
+            <a:schemeClr val="dk1"/>
+          </a:lnRef>
+          <a:fillRef idx="0">
+            <a:schemeClr val="dk1"/>
+          </a:fillRef>
+          <a:effectRef idx="0">
+            <a:schemeClr val="dk1"/>
+          </a:effectRef>
+          <a:fontRef idx="minor">
+            <a:schemeClr val="tx1"/>
+          </a:fontRef>
+        </p:style>
+      </p:cxnSp>
+      <p:sp>
+        <p:nvSpPr>
+          <p:cNvPr id="341" name="テキスト ボックス 340">
+            <a:extLst>
+              <a:ext uri="{FF2B5EF4-FFF2-40B4-BE49-F238E27FC236}">
+                <a16:creationId xmlns:a16="http://schemas.microsoft.com/office/drawing/2014/main" id="{D7761636-2964-659B-3D02-E0832FBD9E41}"/>
+              </a:ext>
+            </a:extLst>
+          </p:cNvPr>
+          <p:cNvSpPr txBox="1"/>
+          <p:nvPr/>
+        </p:nvSpPr>
+        <p:spPr>
+          <a:xfrm>
+            <a:off x="6308917" y="800570"/>
+            <a:ext cx="639919" cy="276999"/>
+          </a:xfrm>
+          <a:prstGeom prst="rect">
+            <a:avLst/>
+          </a:prstGeom>
+          <a:noFill/>
+        </p:spPr>
+        <p:txBody>
+          <a:bodyPr wrap="none" rtlCol="0">
+            <a:spAutoFit/>
+          </a:bodyPr>
+          <a:lstStyle/>
+          <a:p>
+            <a:r>
+              <a:rPr kumimoji="1" lang="en-US" altLang="ja-JP" sz="1200" b="1" dirty="0"/>
+              <a:t>“</a:t>
+            </a:r>
+            <a:r>
+              <a:rPr kumimoji="1" lang="ja-JP" altLang="en-US" sz="1200" b="1" dirty="0"/>
+              <a:t>単語</a:t>
+            </a:r>
+            <a:r>
+              <a:rPr kumimoji="1" lang="en-US" altLang="ja-JP" sz="1200" b="1" dirty="0"/>
+              <a:t>”</a:t>
+            </a:r>
+            <a:endParaRPr kumimoji="1" lang="ja-JP" altLang="en-US" sz="1200" b="1" dirty="0"/>
+          </a:p>
+        </p:txBody>
+      </p:sp>
+      <p:sp>
+        <p:nvSpPr>
+          <p:cNvPr id="342" name="テキスト ボックス 341">
+            <a:extLst>
+              <a:ext uri="{FF2B5EF4-FFF2-40B4-BE49-F238E27FC236}">
+                <a16:creationId xmlns:a16="http://schemas.microsoft.com/office/drawing/2014/main" id="{55CE65D9-D161-9E20-9A11-541BB9A7550E}"/>
+              </a:ext>
+            </a:extLst>
+          </p:cNvPr>
+          <p:cNvSpPr txBox="1"/>
+          <p:nvPr/>
+        </p:nvSpPr>
+        <p:spPr>
+          <a:xfrm>
+            <a:off x="7203720" y="689151"/>
+            <a:ext cx="646331" cy="461665"/>
+          </a:xfrm>
+          <a:prstGeom prst="rect">
+            <a:avLst/>
+          </a:prstGeom>
+          <a:noFill/>
+        </p:spPr>
+        <p:txBody>
+          <a:bodyPr wrap="none" rtlCol="0">
+            <a:spAutoFit/>
+          </a:bodyPr>
+          <a:lstStyle/>
+          <a:p>
+            <a:pPr algn="ctr"/>
+            <a:r>
+              <a:rPr lang="ja-JP" altLang="en-US" sz="1200" b="1" dirty="0"/>
+              <a:t>概念</a:t>
+            </a:r>
+            <a:endParaRPr lang="en-US" altLang="ja-JP" sz="1200" b="1" dirty="0"/>
+          </a:p>
+          <a:p>
+            <a:pPr algn="ctr"/>
+            <a:r>
+              <a:rPr lang="ja-JP" altLang="en-US" sz="1200" b="1" dirty="0"/>
+              <a:t>レベル</a:t>
+            </a:r>
+            <a:endParaRPr kumimoji="1" lang="ja-JP" altLang="en-US" sz="1200" b="1" dirty="0"/>
+          </a:p>
+        </p:txBody>
+      </p:sp>
+      <p:cxnSp>
+        <p:nvCxnSpPr>
+          <p:cNvPr id="343" name="直線矢印コネクタ 342">
+            <a:extLst>
+              <a:ext uri="{FF2B5EF4-FFF2-40B4-BE49-F238E27FC236}">
+                <a16:creationId xmlns:a16="http://schemas.microsoft.com/office/drawing/2014/main" id="{74AB7F1A-832E-4967-C782-4CA83C819274}"/>
+              </a:ext>
+            </a:extLst>
+          </p:cNvPr>
+          <p:cNvCxnSpPr>
+            <a:cxnSpLocks/>
+            <a:stCxn id="19" idx="3"/>
+            <a:endCxn id="164" idx="1"/>
+          </p:cNvCxnSpPr>
+          <p:nvPr/>
+        </p:nvCxnSpPr>
+        <p:spPr>
+          <a:xfrm>
+            <a:off x="10204693" y="4764887"/>
+            <a:ext cx="513487" cy="1052"/>
+          </a:xfrm>
+          <a:prstGeom prst="straightConnector1">
+            <a:avLst/>
+          </a:prstGeom>
+          <a:ln>
+            <a:tailEnd type="triangle"/>
+          </a:ln>
+        </p:spPr>
+        <p:style>
+          <a:lnRef idx="1">
+            <a:schemeClr val="dk1"/>
+          </a:lnRef>
+          <a:fillRef idx="0">
+            <a:schemeClr val="dk1"/>
+          </a:fillRef>
+          <a:effectRef idx="0">
+            <a:schemeClr val="dk1"/>
+          </a:effectRef>
+          <a:fontRef idx="minor">
+            <a:schemeClr val="tx1"/>
+          </a:fontRef>
+        </p:style>
+      </p:cxnSp>
+      <p:cxnSp>
+        <p:nvCxnSpPr>
+          <p:cNvPr id="346" name="直線矢印コネクタ 345">
+            <a:extLst>
+              <a:ext uri="{FF2B5EF4-FFF2-40B4-BE49-F238E27FC236}">
+                <a16:creationId xmlns:a16="http://schemas.microsoft.com/office/drawing/2014/main" id="{8D75851F-9FB3-5A84-9E32-236153FFE994}"/>
+              </a:ext>
+            </a:extLst>
+          </p:cNvPr>
+          <p:cNvCxnSpPr>
+            <a:cxnSpLocks/>
+            <a:stCxn id="164" idx="2"/>
+            <a:endCxn id="169" idx="0"/>
+          </p:cNvCxnSpPr>
+          <p:nvPr/>
+        </p:nvCxnSpPr>
+        <p:spPr>
+          <a:xfrm>
+            <a:off x="11181682" y="5083159"/>
+            <a:ext cx="0" cy="357465"/>
+          </a:xfrm>
+          <a:prstGeom prst="straightConnector1">
+            <a:avLst/>
+          </a:prstGeom>
+          <a:ln>
+            <a:tailEnd type="triangle"/>
+          </a:ln>
+        </p:spPr>
+        <p:style>
+          <a:lnRef idx="1">
+            <a:schemeClr val="dk1"/>
+          </a:lnRef>
+          <a:fillRef idx="0">
+            <a:schemeClr val="dk1"/>
+          </a:fillRef>
+          <a:effectRef idx="0">
+            <a:schemeClr val="dk1"/>
+          </a:effectRef>
+          <a:fontRef idx="minor">
+            <a:schemeClr val="tx1"/>
+          </a:fontRef>
+        </p:style>
+      </p:cxnSp>
+      <p:cxnSp>
+        <p:nvCxnSpPr>
+          <p:cNvPr id="351" name="直線コネクタ 350">
+            <a:extLst>
+              <a:ext uri="{FF2B5EF4-FFF2-40B4-BE49-F238E27FC236}">
+                <a16:creationId xmlns:a16="http://schemas.microsoft.com/office/drawing/2014/main" id="{F68F6B4F-61DB-DC5E-1591-4B5FA7F3CC8F}"/>
+              </a:ext>
+            </a:extLst>
+          </p:cNvPr>
+          <p:cNvCxnSpPr>
+            <a:cxnSpLocks/>
+            <a:stCxn id="273" idx="3"/>
+          </p:cNvCxnSpPr>
+          <p:nvPr/>
+        </p:nvCxnSpPr>
+        <p:spPr>
+          <a:xfrm>
+            <a:off x="4141924" y="2357690"/>
+            <a:ext cx="253070" cy="0"/>
+          </a:xfrm>
+          <a:prstGeom prst="line">
+            <a:avLst/>
+          </a:prstGeom>
+          <a:ln>
+            <a:tailEnd type="none"/>
+          </a:ln>
+        </p:spPr>
+        <p:style>
+          <a:lnRef idx="1">
+            <a:schemeClr val="dk1"/>
+          </a:lnRef>
+          <a:fillRef idx="0">
+            <a:schemeClr val="dk1"/>
+          </a:fillRef>
+          <a:effectRef idx="0">
+            <a:schemeClr val="dk1"/>
+          </a:effectRef>
+          <a:fontRef idx="minor">
+            <a:schemeClr val="tx1"/>
+          </a:fontRef>
+        </p:style>
+      </p:cxnSp>
+      <p:sp>
+        <p:nvSpPr>
+          <p:cNvPr id="354" name="四角形: 角を丸くする 353">
+            <a:extLst>
+              <a:ext uri="{FF2B5EF4-FFF2-40B4-BE49-F238E27FC236}">
+                <a16:creationId xmlns:a16="http://schemas.microsoft.com/office/drawing/2014/main" id="{5474724B-AA25-9C40-BF33-891DEEB9AF0C}"/>
+              </a:ext>
+            </a:extLst>
+          </p:cNvPr>
+          <p:cNvSpPr/>
+          <p:nvPr/>
+        </p:nvSpPr>
+        <p:spPr>
+          <a:xfrm>
+            <a:off x="4508690" y="3711375"/>
+            <a:ext cx="647197" cy="430593"/>
+          </a:xfrm>
+          <a:prstGeom prst="roundRect">
+            <a:avLst/>
+          </a:prstGeom>
+          <a:solidFill>
+            <a:schemeClr val="accent2">
+              <a:lumMod val="20000"/>
+              <a:lumOff val="80000"/>
+            </a:schemeClr>
+          </a:solidFill>
+          <a:ln>
+            <a:solidFill>
+              <a:schemeClr val="tx1"/>
+            </a:solidFill>
+          </a:ln>
+        </p:spPr>
+        <p:style>
+          <a:lnRef idx="2">
+            <a:schemeClr val="accent1">
+              <a:shade val="50000"/>
+            </a:schemeClr>
+          </a:lnRef>
+          <a:fillRef idx="1">
+            <a:schemeClr val="accent1"/>
+          </a:fillRef>
+          <a:effectRef idx="0">
+            <a:schemeClr val="accent1"/>
+          </a:effectRef>
+          <a:fontRef idx="minor">
+            <a:schemeClr val="lt1"/>
+          </a:fontRef>
+        </p:style>
+        <p:txBody>
+          <a:bodyPr lIns="36000" tIns="36000" rIns="36000" bIns="36000" rtlCol="0" anchor="ctr"/>
+          <a:lstStyle/>
+          <a:p>
+            <a:pPr algn="ctr"/>
+            <a:r>
+              <a:rPr kumimoji="1" lang="ja-JP" altLang="en-US" sz="1200" dirty="0">
+                <a:solidFill>
+                  <a:schemeClr val="tx1"/>
+                </a:solidFill>
+              </a:rPr>
+              <a:t>数値</a:t>
+            </a:r>
+            <a:endParaRPr kumimoji="1" lang="en-US" altLang="ja-JP" sz="1200" dirty="0">
+              <a:solidFill>
+                <a:schemeClr val="tx1"/>
+              </a:solidFill>
+            </a:endParaRPr>
+          </a:p>
+          <a:p>
+            <a:pPr algn="ctr"/>
+            <a:r>
+              <a:rPr lang="ja-JP" altLang="en-US" sz="1200" dirty="0">
+                <a:solidFill>
+                  <a:schemeClr val="tx1"/>
+                </a:solidFill>
+              </a:rPr>
+              <a:t>リスト</a:t>
+            </a:r>
+            <a:endParaRPr kumimoji="1" lang="ja-JP" altLang="en-US" sz="1200" dirty="0">
+              <a:solidFill>
+                <a:schemeClr val="tx1"/>
+              </a:solidFill>
+            </a:endParaRPr>
+          </a:p>
+        </p:txBody>
+      </p:sp>
+      <p:cxnSp>
+        <p:nvCxnSpPr>
+          <p:cNvPr id="355" name="直線矢印コネクタ 354">
+            <a:extLst>
+              <a:ext uri="{FF2B5EF4-FFF2-40B4-BE49-F238E27FC236}">
+                <a16:creationId xmlns:a16="http://schemas.microsoft.com/office/drawing/2014/main" id="{1447303D-FFDA-3B57-D06B-3411F7569085}"/>
+              </a:ext>
+            </a:extLst>
+          </p:cNvPr>
+          <p:cNvCxnSpPr>
+            <a:cxnSpLocks/>
+            <a:stCxn id="354" idx="3"/>
+            <a:endCxn id="230" idx="1"/>
+          </p:cNvCxnSpPr>
+          <p:nvPr/>
+        </p:nvCxnSpPr>
+        <p:spPr>
+          <a:xfrm flipV="1">
+            <a:off x="5155887" y="3923899"/>
+            <a:ext cx="329721" cy="2773"/>
+          </a:xfrm>
+          <a:prstGeom prst="straightConnector1">
+            <a:avLst/>
+          </a:prstGeom>
+          <a:ln>
+            <a:tailEnd type="triangle"/>
+          </a:ln>
+        </p:spPr>
+        <p:style>
+          <a:lnRef idx="1">
+            <a:schemeClr val="dk1"/>
+          </a:lnRef>
+          <a:fillRef idx="0">
+            <a:schemeClr val="dk1"/>
+          </a:fillRef>
+          <a:effectRef idx="0">
+            <a:schemeClr val="dk1"/>
+          </a:effectRef>
+          <a:fontRef idx="minor">
+            <a:schemeClr val="tx1"/>
+          </a:fontRef>
+        </p:style>
+      </p:cxnSp>
+      <p:sp>
+        <p:nvSpPr>
+          <p:cNvPr id="358" name="四角形: 角を丸くする 357">
+            <a:extLst>
+              <a:ext uri="{FF2B5EF4-FFF2-40B4-BE49-F238E27FC236}">
+                <a16:creationId xmlns:a16="http://schemas.microsoft.com/office/drawing/2014/main" id="{BDB54B46-B16C-196B-1AD7-A8189A465496}"/>
+              </a:ext>
+            </a:extLst>
+          </p:cNvPr>
+          <p:cNvSpPr/>
+          <p:nvPr/>
+        </p:nvSpPr>
+        <p:spPr>
+          <a:xfrm>
+            <a:off x="1949692" y="5300280"/>
+            <a:ext cx="903999" cy="346556"/>
+          </a:xfrm>
+          <a:prstGeom prst="roundRect">
+            <a:avLst/>
+          </a:prstGeom>
+          <a:solidFill>
+            <a:schemeClr val="accent2">
+              <a:lumMod val="20000"/>
+              <a:lumOff val="80000"/>
+            </a:schemeClr>
+          </a:solidFill>
+          <a:ln>
+            <a:solidFill>
+              <a:schemeClr val="tx1"/>
+            </a:solidFill>
+          </a:ln>
+        </p:spPr>
+        <p:style>
+          <a:lnRef idx="2">
+            <a:schemeClr val="accent1">
+              <a:shade val="50000"/>
+            </a:schemeClr>
+          </a:lnRef>
+          <a:fillRef idx="1">
+            <a:schemeClr val="accent1"/>
+          </a:fillRef>
+          <a:effectRef idx="0">
+            <a:schemeClr val="accent1"/>
+          </a:effectRef>
+          <a:fontRef idx="minor">
+            <a:schemeClr val="lt1"/>
+          </a:fontRef>
+        </p:style>
+        <p:txBody>
+          <a:bodyPr lIns="36000" tIns="36000" rIns="36000" bIns="36000" rtlCol="0" anchor="ctr"/>
+          <a:lstStyle/>
+          <a:p>
+            <a:pPr algn="ctr"/>
+            <a:endParaRPr kumimoji="1" lang="ja-JP" altLang="en-US" sz="1200" dirty="0">
+              <a:solidFill>
+                <a:schemeClr val="tx1"/>
+              </a:solidFill>
+            </a:endParaRPr>
+          </a:p>
+        </p:txBody>
+      </p:sp>
+      <p:sp>
+        <p:nvSpPr>
+          <p:cNvPr id="359" name="テキスト ボックス 358">
+            <a:extLst>
+              <a:ext uri="{FF2B5EF4-FFF2-40B4-BE49-F238E27FC236}">
+                <a16:creationId xmlns:a16="http://schemas.microsoft.com/office/drawing/2014/main" id="{F897DC70-48B2-A87C-48F9-E9B95100E705}"/>
+              </a:ext>
+            </a:extLst>
+          </p:cNvPr>
+          <p:cNvSpPr txBox="1"/>
+          <p:nvPr/>
+        </p:nvSpPr>
+        <p:spPr>
+          <a:xfrm>
+            <a:off x="1010317" y="5335533"/>
+            <a:ext cx="1000595" cy="276999"/>
+          </a:xfrm>
+          <a:prstGeom prst="rect">
+            <a:avLst/>
+          </a:prstGeom>
+          <a:noFill/>
+        </p:spPr>
+        <p:txBody>
+          <a:bodyPr wrap="none" rtlCol="0">
+            <a:spAutoFit/>
+          </a:bodyPr>
+          <a:lstStyle/>
+          <a:p>
+            <a:r>
+              <a:rPr lang="ja-JP" altLang="en-US" sz="1200" b="1" dirty="0"/>
+              <a:t>中間データ</a:t>
+            </a:r>
+            <a:r>
+              <a:rPr lang="en-US" altLang="ja-JP" sz="1200" b="1" dirty="0"/>
+              <a:t>:</a:t>
+            </a:r>
+            <a:endParaRPr kumimoji="1" lang="ja-JP" altLang="en-US" sz="1200" b="1" dirty="0"/>
+          </a:p>
+        </p:txBody>
+      </p:sp>
+      <p:sp>
+        <p:nvSpPr>
+          <p:cNvPr id="362" name="四角形: 角を丸くする 361">
+            <a:extLst>
+              <a:ext uri="{FF2B5EF4-FFF2-40B4-BE49-F238E27FC236}">
+                <a16:creationId xmlns:a16="http://schemas.microsoft.com/office/drawing/2014/main" id="{FE3783AF-8E6B-A546-3B6E-1A6500B65B9E}"/>
+              </a:ext>
+            </a:extLst>
+          </p:cNvPr>
+          <p:cNvSpPr/>
+          <p:nvPr/>
+        </p:nvSpPr>
+        <p:spPr>
+          <a:xfrm>
+            <a:off x="6959189" y="2877065"/>
+            <a:ext cx="1668923" cy="461665"/>
+          </a:xfrm>
+          <a:prstGeom prst="roundRect">
+            <a:avLst/>
+          </a:prstGeom>
+          <a:solidFill>
+            <a:schemeClr val="accent2">
+              <a:lumMod val="60000"/>
+              <a:lumOff val="40000"/>
+            </a:schemeClr>
+          </a:solidFill>
+          <a:ln w="38100">
+            <a:solidFill>
+              <a:schemeClr val="accent2">
+                <a:lumMod val="75000"/>
+              </a:schemeClr>
+            </a:solidFill>
+          </a:ln>
+        </p:spPr>
+        <p:style>
+          <a:lnRef idx="2">
+            <a:schemeClr val="accent1">
+              <a:shade val="50000"/>
+            </a:schemeClr>
+          </a:lnRef>
+          <a:fillRef idx="1">
+            <a:schemeClr val="accent1"/>
+          </a:fillRef>
+          <a:effectRef idx="0">
+            <a:schemeClr val="accent1"/>
+          </a:effectRef>
+          <a:fontRef idx="minor">
+            <a:schemeClr val="lt1"/>
+          </a:fontRef>
+        </p:style>
+        <p:txBody>
+          <a:bodyPr lIns="36000" tIns="36000" rIns="36000" bIns="36000" rtlCol="0" anchor="ctr"/>
+          <a:lstStyle/>
+          <a:p>
+            <a:pPr algn="ctr"/>
+            <a:r>
+              <a:rPr kumimoji="1" lang="ja-JP" altLang="en-US" sz="1200" dirty="0">
+                <a:solidFill>
+                  <a:schemeClr val="tx1"/>
+                </a:solidFill>
+              </a:rPr>
+              <a:t>インスタンス変数定義</a:t>
+            </a:r>
+            <a:endParaRPr kumimoji="1" lang="en-US" altLang="ja-JP" sz="1200" dirty="0">
+              <a:solidFill>
+                <a:schemeClr val="tx1"/>
+              </a:solidFill>
+            </a:endParaRPr>
+          </a:p>
+          <a:p>
+            <a:pPr algn="ctr"/>
+            <a:r>
+              <a:rPr kumimoji="1" lang="ja-JP" altLang="en-US" sz="1200" dirty="0">
+                <a:solidFill>
+                  <a:schemeClr val="tx1"/>
+                </a:solidFill>
+              </a:rPr>
+              <a:t>リスト</a:t>
+            </a:r>
+          </a:p>
+        </p:txBody>
+      </p:sp>
+      <p:sp>
+        <p:nvSpPr>
+          <p:cNvPr id="366" name="四角形: 角を丸くする 365">
+            <a:extLst>
+              <a:ext uri="{FF2B5EF4-FFF2-40B4-BE49-F238E27FC236}">
+                <a16:creationId xmlns:a16="http://schemas.microsoft.com/office/drawing/2014/main" id="{237E4F2C-D9EB-D567-CAB9-C32D4DF689DE}"/>
+              </a:ext>
+            </a:extLst>
+          </p:cNvPr>
+          <p:cNvSpPr/>
+          <p:nvPr/>
+        </p:nvSpPr>
+        <p:spPr>
+          <a:xfrm>
+            <a:off x="9348792" y="2864867"/>
+            <a:ext cx="771436" cy="461665"/>
+          </a:xfrm>
+          <a:prstGeom prst="roundRect">
+            <a:avLst/>
+          </a:prstGeom>
+          <a:solidFill>
+            <a:schemeClr val="accent2">
+              <a:lumMod val="60000"/>
+              <a:lumOff val="40000"/>
+            </a:schemeClr>
+          </a:solidFill>
+          <a:ln w="38100">
+            <a:solidFill>
+              <a:schemeClr val="accent2">
+                <a:lumMod val="75000"/>
+              </a:schemeClr>
+            </a:solidFill>
+          </a:ln>
+        </p:spPr>
+        <p:style>
+          <a:lnRef idx="2">
+            <a:schemeClr val="accent1">
+              <a:shade val="50000"/>
+            </a:schemeClr>
+          </a:lnRef>
+          <a:fillRef idx="1">
+            <a:schemeClr val="accent1"/>
+          </a:fillRef>
+          <a:effectRef idx="0">
+            <a:schemeClr val="accent1"/>
+          </a:effectRef>
+          <a:fontRef idx="minor">
+            <a:schemeClr val="lt1"/>
+          </a:fontRef>
+        </p:style>
+        <p:txBody>
+          <a:bodyPr lIns="36000" tIns="36000" rIns="36000" bIns="36000" rtlCol="0" anchor="ctr"/>
+          <a:lstStyle/>
+          <a:p>
+            <a:pPr algn="ctr"/>
+            <a:r>
+              <a:rPr kumimoji="1" lang="ja-JP" altLang="en-US" sz="1200" dirty="0">
+                <a:solidFill>
+                  <a:schemeClr val="tx1"/>
+                </a:solidFill>
+              </a:rPr>
+              <a:t>関数定義</a:t>
+            </a:r>
+            <a:endParaRPr kumimoji="1" lang="en-US" altLang="ja-JP" sz="1200" dirty="0">
+              <a:solidFill>
+                <a:schemeClr val="tx1"/>
+              </a:solidFill>
+            </a:endParaRPr>
+          </a:p>
+          <a:p>
+            <a:pPr algn="ctr"/>
+            <a:r>
+              <a:rPr lang="ja-JP" altLang="en-US" sz="1200" dirty="0">
+                <a:solidFill>
+                  <a:schemeClr val="tx1"/>
+                </a:solidFill>
+              </a:rPr>
+              <a:t>リスト</a:t>
+            </a:r>
+            <a:endParaRPr kumimoji="1" lang="ja-JP" altLang="en-US" sz="1200" dirty="0">
+              <a:solidFill>
+                <a:schemeClr val="tx1"/>
+              </a:solidFill>
+            </a:endParaRPr>
+          </a:p>
+        </p:txBody>
+      </p:sp>
+      <p:sp>
+        <p:nvSpPr>
+          <p:cNvPr id="377" name="四角形: 角を丸くする 376">
+            <a:extLst>
+              <a:ext uri="{FF2B5EF4-FFF2-40B4-BE49-F238E27FC236}">
+                <a16:creationId xmlns:a16="http://schemas.microsoft.com/office/drawing/2014/main" id="{C180D94B-AEB3-DBD2-2740-8EC3CF278AF4}"/>
+              </a:ext>
+            </a:extLst>
+          </p:cNvPr>
+          <p:cNvSpPr/>
+          <p:nvPr/>
+        </p:nvSpPr>
+        <p:spPr>
+          <a:xfrm>
+            <a:off x="7217760" y="3685489"/>
+            <a:ext cx="903999" cy="471396"/>
+          </a:xfrm>
+          <a:prstGeom prst="roundRect">
+            <a:avLst/>
+          </a:prstGeom>
+          <a:solidFill>
+            <a:schemeClr val="accent2">
+              <a:lumMod val="20000"/>
+              <a:lumOff val="80000"/>
+            </a:schemeClr>
+          </a:solidFill>
+          <a:ln>
+            <a:solidFill>
+              <a:schemeClr val="tx1"/>
+            </a:solidFill>
+          </a:ln>
+        </p:spPr>
+        <p:style>
+          <a:lnRef idx="2">
+            <a:schemeClr val="accent1">
+              <a:shade val="50000"/>
+            </a:schemeClr>
+          </a:lnRef>
+          <a:fillRef idx="1">
+            <a:schemeClr val="accent1"/>
+          </a:fillRef>
+          <a:effectRef idx="0">
+            <a:schemeClr val="accent1"/>
+          </a:effectRef>
+          <a:fontRef idx="minor">
+            <a:schemeClr val="lt1"/>
+          </a:fontRef>
+        </p:style>
+        <p:txBody>
+          <a:bodyPr lIns="36000" tIns="36000" rIns="36000" bIns="36000" rtlCol="0" anchor="ctr"/>
+          <a:lstStyle/>
+          <a:p>
+            <a:pPr algn="ctr"/>
+            <a:r>
+              <a:rPr lang="ja-JP" altLang="en-US" sz="1200" dirty="0">
+                <a:solidFill>
+                  <a:schemeClr val="tx1"/>
+                </a:solidFill>
+              </a:rPr>
+              <a:t>型・定数</a:t>
+            </a:r>
+            <a:endParaRPr lang="en-US" altLang="ja-JP" sz="1200" dirty="0">
+              <a:solidFill>
+                <a:schemeClr val="tx1"/>
+              </a:solidFill>
+            </a:endParaRPr>
+          </a:p>
+          <a:p>
+            <a:pPr algn="ctr"/>
+            <a:r>
+              <a:rPr kumimoji="1" lang="ja-JP" altLang="en-US" sz="1200" dirty="0">
+                <a:solidFill>
+                  <a:schemeClr val="tx1"/>
+                </a:solidFill>
+              </a:rPr>
+              <a:t>リスト</a:t>
+            </a:r>
+          </a:p>
+        </p:txBody>
+      </p:sp>
+      <p:cxnSp>
+        <p:nvCxnSpPr>
+          <p:cNvPr id="381" name="コネクタ: カギ線 380">
+            <a:extLst>
+              <a:ext uri="{FF2B5EF4-FFF2-40B4-BE49-F238E27FC236}">
+                <a16:creationId xmlns:a16="http://schemas.microsoft.com/office/drawing/2014/main" id="{CE7F0E6C-C537-B051-D399-4CF484245DDC}"/>
+              </a:ext>
+            </a:extLst>
+          </p:cNvPr>
+          <p:cNvCxnSpPr>
+            <a:cxnSpLocks/>
+            <a:endCxn id="366" idx="0"/>
+          </p:cNvCxnSpPr>
+          <p:nvPr/>
+        </p:nvCxnSpPr>
+        <p:spPr>
+          <a:xfrm>
+            <a:off x="8759710" y="2223941"/>
+            <a:ext cx="974800" cy="640926"/>
+          </a:xfrm>
+          <a:prstGeom prst="bentConnector2">
+            <a:avLst/>
+          </a:prstGeom>
+          <a:ln>
+            <a:tailEnd type="triangle"/>
+          </a:ln>
+        </p:spPr>
+        <p:style>
+          <a:lnRef idx="1">
+            <a:schemeClr val="dk1"/>
+          </a:lnRef>
+          <a:fillRef idx="0">
+            <a:schemeClr val="dk1"/>
+          </a:fillRef>
+          <a:effectRef idx="0">
+            <a:schemeClr val="dk1"/>
+          </a:effectRef>
+          <a:fontRef idx="minor">
+            <a:schemeClr val="tx1"/>
+          </a:fontRef>
+        </p:style>
+      </p:cxnSp>
+      <p:cxnSp>
+        <p:nvCxnSpPr>
+          <p:cNvPr id="387" name="コネクタ: カギ線 386">
+            <a:extLst>
+              <a:ext uri="{FF2B5EF4-FFF2-40B4-BE49-F238E27FC236}">
+                <a16:creationId xmlns:a16="http://schemas.microsoft.com/office/drawing/2014/main" id="{A5499F6F-4244-5958-B0C8-0E2E3A9879C4}"/>
+              </a:ext>
+            </a:extLst>
+          </p:cNvPr>
+          <p:cNvCxnSpPr>
+            <a:cxnSpLocks/>
+            <a:stCxn id="47" idx="2"/>
+            <a:endCxn id="362" idx="1"/>
+          </p:cNvCxnSpPr>
+          <p:nvPr/>
+        </p:nvCxnSpPr>
+        <p:spPr>
+          <a:xfrm rot="16200000" flipH="1">
+            <a:off x="6418545" y="2567254"/>
+            <a:ext cx="787820" cy="293467"/>
+          </a:xfrm>
+          <a:prstGeom prst="bentConnector2">
+            <a:avLst/>
+          </a:prstGeom>
+          <a:ln>
+            <a:tailEnd type="triangle"/>
+          </a:ln>
+        </p:spPr>
+        <p:style>
+          <a:lnRef idx="1">
+            <a:schemeClr val="dk1"/>
+          </a:lnRef>
+          <a:fillRef idx="0">
+            <a:schemeClr val="dk1"/>
+          </a:fillRef>
+          <a:effectRef idx="0">
+            <a:schemeClr val="dk1"/>
+          </a:effectRef>
+          <a:fontRef idx="minor">
+            <a:schemeClr val="tx1"/>
+          </a:fontRef>
+        </p:style>
+      </p:cxnSp>
+      <p:sp>
+        <p:nvSpPr>
+          <p:cNvPr id="394" name="四角形: 角を丸くする 393">
+            <a:extLst>
+              <a:ext uri="{FF2B5EF4-FFF2-40B4-BE49-F238E27FC236}">
+                <a16:creationId xmlns:a16="http://schemas.microsoft.com/office/drawing/2014/main" id="{2D3B7A98-148A-2DB2-1462-1953613A67D3}"/>
+              </a:ext>
+            </a:extLst>
+          </p:cNvPr>
+          <p:cNvSpPr/>
+          <p:nvPr/>
+        </p:nvSpPr>
+        <p:spPr>
+          <a:xfrm>
+            <a:off x="9285687" y="3679706"/>
+            <a:ext cx="902695" cy="471395"/>
+          </a:xfrm>
+          <a:prstGeom prst="roundRect">
+            <a:avLst/>
+          </a:prstGeom>
+          <a:solidFill>
+            <a:schemeClr val="accent5">
+              <a:lumMod val="60000"/>
+              <a:lumOff val="40000"/>
+            </a:schemeClr>
+          </a:solidFill>
+          <a:ln>
+            <a:solidFill>
+              <a:schemeClr val="tx1"/>
+            </a:solidFill>
+          </a:ln>
+        </p:spPr>
+        <p:style>
+          <a:lnRef idx="2">
+            <a:schemeClr val="accent6"/>
+          </a:lnRef>
+          <a:fillRef idx="1">
+            <a:schemeClr val="lt1"/>
+          </a:fillRef>
+          <a:effectRef idx="0">
+            <a:schemeClr val="accent6"/>
+          </a:effectRef>
+          <a:fontRef idx="minor">
+            <a:schemeClr val="dk1"/>
+          </a:fontRef>
+        </p:style>
+        <p:txBody>
+          <a:bodyPr rtlCol="0" anchor="ctr"/>
+          <a:lstStyle/>
+          <a:p>
+            <a:pPr algn="ctr"/>
+            <a:r>
+              <a:rPr kumimoji="1" lang="ja-JP" altLang="en-US" sz="1200" dirty="0"/>
+              <a:t>識別子挿入処理</a:t>
+            </a:r>
+          </a:p>
+        </p:txBody>
+      </p:sp>
+      <p:cxnSp>
+        <p:nvCxnSpPr>
+          <p:cNvPr id="397" name="直線矢印コネクタ 396">
+            <a:extLst>
+              <a:ext uri="{FF2B5EF4-FFF2-40B4-BE49-F238E27FC236}">
+                <a16:creationId xmlns:a16="http://schemas.microsoft.com/office/drawing/2014/main" id="{52286BDA-1C15-9CBE-2BEA-FC80E10B14A8}"/>
+              </a:ext>
+            </a:extLst>
+          </p:cNvPr>
+          <p:cNvCxnSpPr>
+            <a:cxnSpLocks/>
+            <a:stCxn id="366" idx="2"/>
+            <a:endCxn id="394" idx="0"/>
+          </p:cNvCxnSpPr>
+          <p:nvPr/>
+        </p:nvCxnSpPr>
+        <p:spPr>
+          <a:xfrm>
+            <a:off x="9734510" y="3326532"/>
+            <a:ext cx="2525" cy="353174"/>
+          </a:xfrm>
+          <a:prstGeom prst="straightConnector1">
+            <a:avLst/>
+          </a:prstGeom>
+          <a:ln>
+            <a:tailEnd type="triangle"/>
+          </a:ln>
+        </p:spPr>
+        <p:style>
+          <a:lnRef idx="1">
+            <a:schemeClr val="dk1"/>
+          </a:lnRef>
+          <a:fillRef idx="0">
+            <a:schemeClr val="dk1"/>
+          </a:fillRef>
+          <a:effectRef idx="0">
+            <a:schemeClr val="dk1"/>
+          </a:effectRef>
+          <a:fontRef idx="minor">
+            <a:schemeClr val="tx1"/>
+          </a:fontRef>
+        </p:style>
+      </p:cxnSp>
+      <p:cxnSp>
+        <p:nvCxnSpPr>
+          <p:cNvPr id="402" name="直線矢印コネクタ 401">
+            <a:extLst>
+              <a:ext uri="{FF2B5EF4-FFF2-40B4-BE49-F238E27FC236}">
+                <a16:creationId xmlns:a16="http://schemas.microsoft.com/office/drawing/2014/main" id="{C31B8410-45E9-9885-5C45-A0C54594C917}"/>
+              </a:ext>
+            </a:extLst>
+          </p:cNvPr>
+          <p:cNvCxnSpPr>
+            <a:cxnSpLocks/>
+            <a:stCxn id="394" idx="2"/>
+            <a:endCxn id="19" idx="0"/>
+          </p:cNvCxnSpPr>
+          <p:nvPr/>
+        </p:nvCxnSpPr>
+        <p:spPr>
+          <a:xfrm>
+            <a:off x="9737035" y="4151101"/>
+            <a:ext cx="4156" cy="398489"/>
+          </a:xfrm>
+          <a:prstGeom prst="straightConnector1">
+            <a:avLst/>
+          </a:prstGeom>
+          <a:ln>
+            <a:tailEnd type="triangle"/>
+          </a:ln>
+        </p:spPr>
+        <p:style>
+          <a:lnRef idx="1">
+            <a:schemeClr val="dk1"/>
+          </a:lnRef>
+          <a:fillRef idx="0">
+            <a:schemeClr val="dk1"/>
+          </a:fillRef>
+          <a:effectRef idx="0">
+            <a:schemeClr val="dk1"/>
+          </a:effectRef>
+          <a:fontRef idx="minor">
+            <a:schemeClr val="tx1"/>
+          </a:fontRef>
+        </p:style>
+      </p:cxnSp>
+      <p:cxnSp>
+        <p:nvCxnSpPr>
+          <p:cNvPr id="411" name="直線矢印コネクタ 410">
+            <a:extLst>
+              <a:ext uri="{FF2B5EF4-FFF2-40B4-BE49-F238E27FC236}">
+                <a16:creationId xmlns:a16="http://schemas.microsoft.com/office/drawing/2014/main" id="{F79ADCF1-5BA3-9928-4F8B-57B6A2DF114E}"/>
+              </a:ext>
+            </a:extLst>
+          </p:cNvPr>
+          <p:cNvCxnSpPr>
+            <a:cxnSpLocks/>
+            <a:stCxn id="377" idx="3"/>
+            <a:endCxn id="394" idx="1"/>
+          </p:cNvCxnSpPr>
+          <p:nvPr/>
+        </p:nvCxnSpPr>
+        <p:spPr>
+          <a:xfrm flipV="1">
+            <a:off x="8121759" y="3915404"/>
+            <a:ext cx="1163928" cy="5783"/>
+          </a:xfrm>
+          <a:prstGeom prst="straightConnector1">
+            <a:avLst/>
+          </a:prstGeom>
+          <a:ln>
+            <a:tailEnd type="triangle"/>
+          </a:ln>
+        </p:spPr>
+        <p:style>
+          <a:lnRef idx="1">
+            <a:schemeClr val="dk1"/>
+          </a:lnRef>
+          <a:fillRef idx="0">
+            <a:schemeClr val="dk1"/>
+          </a:fillRef>
+          <a:effectRef idx="0">
+            <a:schemeClr val="dk1"/>
+          </a:effectRef>
+          <a:fontRef idx="minor">
+            <a:schemeClr val="tx1"/>
+          </a:fontRef>
+        </p:style>
+      </p:cxnSp>
+      <p:cxnSp>
+        <p:nvCxnSpPr>
+          <p:cNvPr id="414" name="コネクタ: カギ線 413">
+            <a:extLst>
+              <a:ext uri="{FF2B5EF4-FFF2-40B4-BE49-F238E27FC236}">
+                <a16:creationId xmlns:a16="http://schemas.microsoft.com/office/drawing/2014/main" id="{D8B84178-4F32-8619-69E9-C13652812536}"/>
+              </a:ext>
+            </a:extLst>
+          </p:cNvPr>
+          <p:cNvCxnSpPr>
+            <a:cxnSpLocks/>
+            <a:stCxn id="362" idx="3"/>
+            <a:endCxn id="394" idx="1"/>
+          </p:cNvCxnSpPr>
+          <p:nvPr/>
+        </p:nvCxnSpPr>
+        <p:spPr>
+          <a:xfrm>
+            <a:off x="8628112" y="3107898"/>
+            <a:ext cx="657575" cy="807506"/>
+          </a:xfrm>
+          <a:prstGeom prst="bentConnector3">
+            <a:avLst>
+              <a:gd name="adj1" fmla="val 50000"/>
+            </a:avLst>
+          </a:prstGeom>
+          <a:ln>
+            <a:tailEnd type="triangle"/>
+          </a:ln>
+        </p:spPr>
+        <p:style>
+          <a:lnRef idx="1">
+            <a:schemeClr val="dk1"/>
+          </a:lnRef>
+          <a:fillRef idx="0">
+            <a:schemeClr val="dk1"/>
+          </a:fillRef>
+          <a:effectRef idx="0">
+            <a:schemeClr val="dk1"/>
+          </a:effectRef>
+          <a:fontRef idx="minor">
+            <a:schemeClr val="tx1"/>
+          </a:fontRef>
+        </p:style>
+      </p:cxnSp>
+      <p:sp>
+        <p:nvSpPr>
+          <p:cNvPr id="421" name="四角形: 角を丸くする 420">
+            <a:extLst>
+              <a:ext uri="{FF2B5EF4-FFF2-40B4-BE49-F238E27FC236}">
+                <a16:creationId xmlns:a16="http://schemas.microsoft.com/office/drawing/2014/main" id="{23AB373C-1746-641C-82E9-BEF34BE2C76B}"/>
+              </a:ext>
+            </a:extLst>
+          </p:cNvPr>
+          <p:cNvSpPr/>
+          <p:nvPr/>
+        </p:nvSpPr>
+        <p:spPr>
+          <a:xfrm>
+            <a:off x="10452909" y="1878806"/>
+            <a:ext cx="902695" cy="430593"/>
+          </a:xfrm>
+          <a:prstGeom prst="roundRect">
+            <a:avLst/>
+          </a:prstGeom>
+          <a:solidFill>
+            <a:schemeClr val="accent1">
+              <a:lumMod val="40000"/>
+              <a:lumOff val="60000"/>
+            </a:schemeClr>
+          </a:solidFill>
+          <a:ln w="38100">
+            <a:solidFill>
+              <a:schemeClr val="accent1">
+                <a:lumMod val="75000"/>
+              </a:schemeClr>
+            </a:solidFill>
+          </a:ln>
+        </p:spPr>
+        <p:style>
+          <a:lnRef idx="2">
+            <a:schemeClr val="accent6"/>
+          </a:lnRef>
+          <a:fillRef idx="1">
+            <a:schemeClr val="lt1"/>
+          </a:fillRef>
+          <a:effectRef idx="0">
+            <a:schemeClr val="accent6"/>
+          </a:effectRef>
+          <a:fontRef idx="minor">
+            <a:schemeClr val="dk1"/>
+          </a:fontRef>
+        </p:style>
+        <p:txBody>
+          <a:bodyPr rtlCol="0" anchor="ctr"/>
+          <a:lstStyle/>
+          <a:p>
+            <a:pPr algn="ctr"/>
+            <a:r>
+              <a:rPr lang="ja-JP" altLang="en-US" sz="1200" dirty="0"/>
+              <a:t>操作定義</a:t>
+            </a:r>
+            <a:endParaRPr kumimoji="1" lang="en-US" altLang="ja-JP" sz="1200" dirty="0"/>
+          </a:p>
+          <a:p>
+            <a:pPr algn="ctr"/>
+            <a:r>
+              <a:rPr kumimoji="1" lang="ja-JP" altLang="en-US" sz="1200" dirty="0"/>
+              <a:t>生成処理</a:t>
+            </a:r>
+          </a:p>
+        </p:txBody>
+      </p:sp>
+      <p:sp>
+        <p:nvSpPr>
+          <p:cNvPr id="454" name="四角形: 角を丸くする 453">
+            <a:extLst>
+              <a:ext uri="{FF2B5EF4-FFF2-40B4-BE49-F238E27FC236}">
+                <a16:creationId xmlns:a16="http://schemas.microsoft.com/office/drawing/2014/main" id="{6039C1D2-8F9E-0B20-839B-600F203FC7EC}"/>
+              </a:ext>
+            </a:extLst>
+          </p:cNvPr>
+          <p:cNvSpPr/>
+          <p:nvPr/>
+        </p:nvSpPr>
+        <p:spPr>
+          <a:xfrm>
+            <a:off x="9400204" y="1261234"/>
+            <a:ext cx="654317" cy="464356"/>
+          </a:xfrm>
+          <a:prstGeom prst="roundRect">
+            <a:avLst/>
+          </a:prstGeom>
+          <a:solidFill>
+            <a:schemeClr val="accent2">
+              <a:lumMod val="60000"/>
+              <a:lumOff val="40000"/>
+            </a:schemeClr>
+          </a:solidFill>
+          <a:ln w="38100">
+            <a:solidFill>
+              <a:schemeClr val="accent2">
+                <a:lumMod val="75000"/>
+              </a:schemeClr>
+            </a:solidFill>
+          </a:ln>
+        </p:spPr>
+        <p:style>
+          <a:lnRef idx="2">
+            <a:schemeClr val="accent1">
+              <a:shade val="50000"/>
+            </a:schemeClr>
+          </a:lnRef>
+          <a:fillRef idx="1">
+            <a:schemeClr val="accent1"/>
+          </a:fillRef>
+          <a:effectRef idx="0">
+            <a:schemeClr val="accent1"/>
+          </a:effectRef>
+          <a:fontRef idx="minor">
+            <a:schemeClr val="lt1"/>
+          </a:fontRef>
+        </p:style>
+        <p:txBody>
+          <a:bodyPr lIns="36000" tIns="36000" rIns="36000" bIns="36000" rtlCol="0" anchor="ctr"/>
+          <a:lstStyle/>
+          <a:p>
+            <a:pPr algn="ctr"/>
+            <a:r>
+              <a:rPr lang="ja-JP" altLang="en-US" sz="1200" dirty="0">
+                <a:solidFill>
+                  <a:schemeClr val="tx1"/>
+                </a:solidFill>
+              </a:rPr>
+              <a:t>動詞</a:t>
+            </a:r>
+            <a:endParaRPr lang="en-US" altLang="ja-JP" sz="1200" dirty="0">
+              <a:solidFill>
+                <a:schemeClr val="tx1"/>
+              </a:solidFill>
+            </a:endParaRPr>
+          </a:p>
+          <a:p>
+            <a:pPr algn="ctr"/>
+            <a:r>
+              <a:rPr lang="ja-JP" altLang="en-US" sz="1200" dirty="0">
+                <a:solidFill>
+                  <a:schemeClr val="tx1"/>
+                </a:solidFill>
+              </a:rPr>
+              <a:t>リスト</a:t>
+            </a:r>
+            <a:endParaRPr kumimoji="1" lang="ja-JP" altLang="en-US" sz="1200" dirty="0">
+              <a:solidFill>
+                <a:schemeClr val="tx1"/>
+              </a:solidFill>
+            </a:endParaRPr>
+          </a:p>
+        </p:txBody>
+      </p:sp>
+      <p:cxnSp>
+        <p:nvCxnSpPr>
+          <p:cNvPr id="455" name="コネクタ: カギ線 454">
+            <a:extLst>
+              <a:ext uri="{FF2B5EF4-FFF2-40B4-BE49-F238E27FC236}">
+                <a16:creationId xmlns:a16="http://schemas.microsoft.com/office/drawing/2014/main" id="{0F9DA09F-579A-5177-F343-EE8491D63BF8}"/>
+              </a:ext>
+            </a:extLst>
+          </p:cNvPr>
+          <p:cNvCxnSpPr>
+            <a:cxnSpLocks/>
+            <a:stCxn id="76" idx="3"/>
+            <a:endCxn id="454" idx="1"/>
+          </p:cNvCxnSpPr>
+          <p:nvPr/>
+        </p:nvCxnSpPr>
+        <p:spPr>
+          <a:xfrm flipV="1">
+            <a:off x="8759710" y="1493412"/>
+            <a:ext cx="640494" cy="597809"/>
+          </a:xfrm>
+          <a:prstGeom prst="bentConnector3">
+            <a:avLst>
+              <a:gd name="adj1" fmla="val 50000"/>
+            </a:avLst>
+          </a:prstGeom>
+          <a:ln>
+            <a:tailEnd type="triangle"/>
+          </a:ln>
+        </p:spPr>
+        <p:style>
+          <a:lnRef idx="1">
+            <a:schemeClr val="dk1"/>
+          </a:lnRef>
+          <a:fillRef idx="0">
+            <a:schemeClr val="dk1"/>
+          </a:fillRef>
+          <a:effectRef idx="0">
+            <a:schemeClr val="dk1"/>
+          </a:effectRef>
+          <a:fontRef idx="minor">
+            <a:schemeClr val="tx1"/>
+          </a:fontRef>
+        </p:style>
+      </p:cxnSp>
+      <p:cxnSp>
+        <p:nvCxnSpPr>
+          <p:cNvPr id="458" name="コネクタ: カギ線 457">
+            <a:extLst>
+              <a:ext uri="{FF2B5EF4-FFF2-40B4-BE49-F238E27FC236}">
+                <a16:creationId xmlns:a16="http://schemas.microsoft.com/office/drawing/2014/main" id="{88C7BAD4-6708-368E-3BE7-F2AF16254DF0}"/>
+              </a:ext>
+            </a:extLst>
+          </p:cNvPr>
+          <p:cNvCxnSpPr>
+            <a:cxnSpLocks/>
+            <a:stCxn id="454" idx="3"/>
+            <a:endCxn id="421" idx="0"/>
+          </p:cNvCxnSpPr>
+          <p:nvPr/>
+        </p:nvCxnSpPr>
+        <p:spPr>
+          <a:xfrm>
+            <a:off x="10054521" y="1493412"/>
+            <a:ext cx="849736" cy="385394"/>
+          </a:xfrm>
+          <a:prstGeom prst="bentConnector2">
+            <a:avLst/>
+          </a:prstGeom>
+          <a:ln>
+            <a:tailEnd type="triangle"/>
+          </a:ln>
+        </p:spPr>
+        <p:style>
+          <a:lnRef idx="1">
+            <a:schemeClr val="dk1"/>
+          </a:lnRef>
+          <a:fillRef idx="0">
+            <a:schemeClr val="dk1"/>
+          </a:fillRef>
+          <a:effectRef idx="0">
+            <a:schemeClr val="dk1"/>
+          </a:effectRef>
+          <a:fontRef idx="minor">
+            <a:schemeClr val="tx1"/>
+          </a:fontRef>
+        </p:style>
+      </p:cxnSp>
+      <p:sp>
+        <p:nvSpPr>
+          <p:cNvPr id="463" name="四角形: 角を丸くする 462">
+            <a:extLst>
+              <a:ext uri="{FF2B5EF4-FFF2-40B4-BE49-F238E27FC236}">
+                <a16:creationId xmlns:a16="http://schemas.microsoft.com/office/drawing/2014/main" id="{6ED422DE-94F2-7FEC-EB47-74146A2A925E}"/>
+              </a:ext>
+            </a:extLst>
+          </p:cNvPr>
+          <p:cNvSpPr/>
+          <p:nvPr/>
+        </p:nvSpPr>
+        <p:spPr>
+          <a:xfrm>
+            <a:off x="10535181" y="2860709"/>
+            <a:ext cx="738149" cy="478021"/>
+          </a:xfrm>
+          <a:prstGeom prst="roundRect">
+            <a:avLst/>
+          </a:prstGeom>
+          <a:solidFill>
+            <a:schemeClr val="accent2">
+              <a:lumMod val="60000"/>
+              <a:lumOff val="40000"/>
+            </a:schemeClr>
+          </a:solidFill>
+          <a:ln w="38100">
+            <a:solidFill>
+              <a:schemeClr val="accent2">
+                <a:lumMod val="75000"/>
+              </a:schemeClr>
+            </a:solidFill>
+          </a:ln>
+        </p:spPr>
+        <p:style>
+          <a:lnRef idx="2">
+            <a:schemeClr val="accent1">
+              <a:shade val="50000"/>
+            </a:schemeClr>
+          </a:lnRef>
+          <a:fillRef idx="1">
+            <a:schemeClr val="accent1"/>
+          </a:fillRef>
+          <a:effectRef idx="0">
+            <a:schemeClr val="accent1"/>
+          </a:effectRef>
+          <a:fontRef idx="minor">
+            <a:schemeClr val="lt1"/>
+          </a:fontRef>
+        </p:style>
+        <p:txBody>
+          <a:bodyPr lIns="36000" tIns="36000" rIns="36000" bIns="36000" rtlCol="0" anchor="ctr"/>
+          <a:lstStyle/>
+          <a:p>
+            <a:pPr algn="ctr"/>
+            <a:r>
+              <a:rPr lang="ja-JP" altLang="en-US" sz="1200" dirty="0">
+                <a:solidFill>
+                  <a:schemeClr val="tx1"/>
+                </a:solidFill>
+              </a:rPr>
+              <a:t>操作定義</a:t>
+            </a:r>
+            <a:endParaRPr kumimoji="1" lang="en-US" altLang="ja-JP" sz="1200" dirty="0">
+              <a:solidFill>
+                <a:schemeClr val="tx1"/>
+              </a:solidFill>
+            </a:endParaRPr>
+          </a:p>
+          <a:p>
+            <a:pPr algn="ctr"/>
+            <a:r>
+              <a:rPr lang="ja-JP" altLang="en-US" sz="1200" dirty="0">
+                <a:solidFill>
+                  <a:schemeClr val="tx1"/>
+                </a:solidFill>
+              </a:rPr>
+              <a:t>リスト</a:t>
+            </a:r>
+            <a:endParaRPr kumimoji="1" lang="ja-JP" altLang="en-US" sz="1200" dirty="0">
+              <a:solidFill>
+                <a:schemeClr val="tx1"/>
+              </a:solidFill>
+            </a:endParaRPr>
+          </a:p>
+        </p:txBody>
+      </p:sp>
+      <p:cxnSp>
+        <p:nvCxnSpPr>
+          <p:cNvPr id="472" name="直線矢印コネクタ 471">
+            <a:extLst>
+              <a:ext uri="{FF2B5EF4-FFF2-40B4-BE49-F238E27FC236}">
+                <a16:creationId xmlns:a16="http://schemas.microsoft.com/office/drawing/2014/main" id="{DCE44159-6EF4-6CC9-892D-5A51A6D8CE87}"/>
+              </a:ext>
+            </a:extLst>
+          </p:cNvPr>
+          <p:cNvCxnSpPr>
+            <a:cxnSpLocks/>
+            <a:stCxn id="421" idx="2"/>
+            <a:endCxn id="463" idx="0"/>
+          </p:cNvCxnSpPr>
+          <p:nvPr/>
+        </p:nvCxnSpPr>
+        <p:spPr>
+          <a:xfrm flipH="1">
+            <a:off x="10904256" y="2309399"/>
+            <a:ext cx="1" cy="551310"/>
+          </a:xfrm>
+          <a:prstGeom prst="straightConnector1">
+            <a:avLst/>
+          </a:prstGeom>
+          <a:ln>
+            <a:tailEnd type="triangle"/>
+          </a:ln>
+        </p:spPr>
+        <p:style>
+          <a:lnRef idx="1">
+            <a:schemeClr val="dk1"/>
+          </a:lnRef>
+          <a:fillRef idx="0">
+            <a:schemeClr val="dk1"/>
+          </a:fillRef>
+          <a:effectRef idx="0">
+            <a:schemeClr val="dk1"/>
+          </a:effectRef>
+          <a:fontRef idx="minor">
+            <a:schemeClr val="tx1"/>
+          </a:fontRef>
+        </p:style>
+      </p:cxnSp>
+      <p:cxnSp>
+        <p:nvCxnSpPr>
+          <p:cNvPr id="483" name="コネクタ: カギ線 482">
+            <a:extLst>
+              <a:ext uri="{FF2B5EF4-FFF2-40B4-BE49-F238E27FC236}">
+                <a16:creationId xmlns:a16="http://schemas.microsoft.com/office/drawing/2014/main" id="{1DA2F5F9-6F30-7F32-CA05-8BF2C1B4F99E}"/>
+              </a:ext>
+            </a:extLst>
+          </p:cNvPr>
+          <p:cNvCxnSpPr>
+            <a:cxnSpLocks/>
+            <a:stCxn id="463" idx="2"/>
+            <a:endCxn id="394" idx="3"/>
+          </p:cNvCxnSpPr>
+          <p:nvPr/>
+        </p:nvCxnSpPr>
+        <p:spPr>
+          <a:xfrm rot="5400000">
+            <a:off x="10257982" y="3269130"/>
+            <a:ext cx="576674" cy="715874"/>
+          </a:xfrm>
+          <a:prstGeom prst="bentConnector2">
+            <a:avLst/>
+          </a:prstGeom>
+          <a:ln>
+            <a:tailEnd type="triangle"/>
+          </a:ln>
+        </p:spPr>
+        <p:style>
+          <a:lnRef idx="1">
+            <a:schemeClr val="dk1"/>
+          </a:lnRef>
+          <a:fillRef idx="0">
+            <a:schemeClr val="dk1"/>
+          </a:fillRef>
+          <a:effectRef idx="0">
+            <a:schemeClr val="dk1"/>
+          </a:effectRef>
+          <a:fontRef idx="minor">
+            <a:schemeClr val="tx1"/>
+          </a:fontRef>
+        </p:style>
+      </p:cxnSp>
+    </p:spTree>
+    <p:extLst>
+      <p:ext uri="{BB962C8B-B14F-4D97-AF65-F5344CB8AC3E}">
+        <p14:creationId xmlns:p14="http://schemas.microsoft.com/office/powerpoint/2010/main" val="1506323894"/>
+      </p:ext>
+    </p:extLst>
+  </p:cSld>
+  <p:clrMapOvr>
+    <a:masterClrMapping/>
+  </p:clrMapOvr>
+</p:sld>
+</file>
+
 <file path=ppt/theme/theme1.xml><?xml version="1.0" encoding="utf-8"?>
 <a:theme xmlns:a="http://schemas.openxmlformats.org/drawingml/2006/main" name="Office テーマ">
   <a:themeElements>
@@ -12953,7 +18106,31 @@
       </a:bgFillStyleLst>
     </a:fmtScheme>
   </a:themeElements>
-  <a:objectDefaults/>
+  <a:objectDefaults>
+    <a:lnDef>
+      <a:spPr>
+        <a:ln>
+          <a:tailEnd type="triangle"/>
+        </a:ln>
+      </a:spPr>
+      <a:bodyPr/>
+      <a:lstStyle/>
+      <a:style>
+        <a:lnRef idx="1">
+          <a:schemeClr val="dk1"/>
+        </a:lnRef>
+        <a:fillRef idx="0">
+          <a:schemeClr val="dk1"/>
+        </a:fillRef>
+        <a:effectRef idx="0">
+          <a:schemeClr val="dk1"/>
+        </a:effectRef>
+        <a:fontRef idx="minor">
+          <a:schemeClr val="tx1"/>
+        </a:fontRef>
+      </a:style>
+    </a:lnDef>
+  </a:objectDefaults>
   <a:extraClrSchemeLst/>
   <a:extLst>
     <a:ext uri="{05A4C25C-085E-4340-85A3-A5531E510DB2}">

--- a/image/sozai.pptx
+++ b/image/sozai.pptx
@@ -24180,12 +24180,164 @@
           <a:chExt cx="0" cy="0"/>
         </a:xfrm>
       </p:grpSpPr>
+      <p:sp>
+        <p:nvSpPr>
+          <p:cNvPr id="6" name="テキスト ボックス 5">
+            <a:extLst>
+              <a:ext uri="{FF2B5EF4-FFF2-40B4-BE49-F238E27FC236}">
+                <a16:creationId xmlns:a16="http://schemas.microsoft.com/office/drawing/2014/main" id="{80D4C1EA-3836-C0D7-ED06-B9E58F29CC51}"/>
+              </a:ext>
+            </a:extLst>
+          </p:cNvPr>
+          <p:cNvSpPr txBox="1"/>
+          <p:nvPr/>
+        </p:nvSpPr>
+        <p:spPr>
+          <a:xfrm>
+            <a:off x="1510630" y="978179"/>
+            <a:ext cx="1133644" cy="276999"/>
+          </a:xfrm>
+          <a:prstGeom prst="rect">
+            <a:avLst/>
+          </a:prstGeom>
+          <a:noFill/>
+        </p:spPr>
+        <p:txBody>
+          <a:bodyPr wrap="none" rtlCol="0">
+            <a:spAutoFit/>
+          </a:bodyPr>
+          <a:lstStyle/>
+          <a:p>
+            <a:r>
+              <a:rPr kumimoji="1" lang="en-US" altLang="ja-JP" sz="1200" dirty="0"/>
+              <a:t>CLASS</a:t>
+            </a:r>
+            <a:r>
+              <a:rPr kumimoji="1" lang="ja-JP" altLang="en-US" sz="1200" dirty="0"/>
+              <a:t>リスト</a:t>
+            </a:r>
+          </a:p>
+        </p:txBody>
+      </p:sp>
+      <p:sp>
+        <p:nvSpPr>
+          <p:cNvPr id="7" name="テキスト ボックス 6">
+            <a:extLst>
+              <a:ext uri="{FF2B5EF4-FFF2-40B4-BE49-F238E27FC236}">
+                <a16:creationId xmlns:a16="http://schemas.microsoft.com/office/drawing/2014/main" id="{B5417CE8-AD27-BBCB-2710-B75290660D4F}"/>
+              </a:ext>
+            </a:extLst>
+          </p:cNvPr>
+          <p:cNvSpPr txBox="1"/>
+          <p:nvPr/>
+        </p:nvSpPr>
+        <p:spPr>
+          <a:xfrm>
+            <a:off x="3586013" y="978178"/>
+            <a:ext cx="1476686" cy="276999"/>
+          </a:xfrm>
+          <a:prstGeom prst="rect">
+            <a:avLst/>
+          </a:prstGeom>
+          <a:noFill/>
+        </p:spPr>
+        <p:txBody>
+          <a:bodyPr wrap="none" rtlCol="0">
+            <a:spAutoFit/>
+          </a:bodyPr>
+          <a:lstStyle/>
+          <a:p>
+            <a:r>
+              <a:rPr kumimoji="1" lang="en-US" altLang="ja-JP" sz="1200" dirty="0"/>
+              <a:t>NONCLASS</a:t>
+            </a:r>
+            <a:r>
+              <a:rPr kumimoji="1" lang="ja-JP" altLang="en-US" sz="1200" dirty="0"/>
+              <a:t>リスト</a:t>
+            </a:r>
+          </a:p>
+        </p:txBody>
+      </p:sp>
+      <p:sp>
+        <p:nvSpPr>
+          <p:cNvPr id="12" name="テキスト ボックス 11">
+            <a:extLst>
+              <a:ext uri="{FF2B5EF4-FFF2-40B4-BE49-F238E27FC236}">
+                <a16:creationId xmlns:a16="http://schemas.microsoft.com/office/drawing/2014/main" id="{3695B356-6DC3-7169-40C9-739265C51746}"/>
+              </a:ext>
+            </a:extLst>
+          </p:cNvPr>
+          <p:cNvSpPr txBox="1"/>
+          <p:nvPr/>
+        </p:nvSpPr>
+        <p:spPr>
+          <a:xfrm>
+            <a:off x="7025422" y="3758660"/>
+            <a:ext cx="954107" cy="276999"/>
+          </a:xfrm>
+          <a:prstGeom prst="rect">
+            <a:avLst/>
+          </a:prstGeom>
+          <a:noFill/>
+        </p:spPr>
+        <p:txBody>
+          <a:bodyPr wrap="none" rtlCol="0">
+            <a:spAutoFit/>
+          </a:bodyPr>
+          <a:lstStyle/>
+          <a:p>
+            <a:r>
+              <a:rPr lang="ja-JP" altLang="en-US" sz="1200" dirty="0"/>
+              <a:t>名詞</a:t>
+            </a:r>
+            <a:r>
+              <a:rPr kumimoji="1" lang="ja-JP" altLang="en-US" sz="1200" dirty="0"/>
+              <a:t>リスト</a:t>
+            </a:r>
+          </a:p>
+        </p:txBody>
+      </p:sp>
+      <p:sp>
+        <p:nvSpPr>
+          <p:cNvPr id="13" name="テキスト ボックス 12">
+            <a:extLst>
+              <a:ext uri="{FF2B5EF4-FFF2-40B4-BE49-F238E27FC236}">
+                <a16:creationId xmlns:a16="http://schemas.microsoft.com/office/drawing/2014/main" id="{FD9D9E44-ED32-7D60-C4B3-CB9566C30F1E}"/>
+              </a:ext>
+            </a:extLst>
+          </p:cNvPr>
+          <p:cNvSpPr txBox="1"/>
+          <p:nvPr/>
+        </p:nvSpPr>
+        <p:spPr>
+          <a:xfrm>
+            <a:off x="9721724" y="3758660"/>
+            <a:ext cx="954107" cy="276999"/>
+          </a:xfrm>
+          <a:prstGeom prst="rect">
+            <a:avLst/>
+          </a:prstGeom>
+          <a:noFill/>
+        </p:spPr>
+        <p:txBody>
+          <a:bodyPr wrap="none" rtlCol="0">
+            <a:spAutoFit/>
+          </a:bodyPr>
+          <a:lstStyle/>
+          <a:p>
+            <a:r>
+              <a:rPr kumimoji="1" lang="ja-JP" altLang="en-US" sz="1200" dirty="0"/>
+              <a:t>動詞リスト</a:t>
+            </a:r>
+          </a:p>
+        </p:txBody>
+      </p:sp>
       <p:pic>
         <p:nvPicPr>
-          <p:cNvPr id="3" name="図 2" descr="テーブル&#10;&#10;自動的に生成された説明">
-            <a:extLst>
-              <a:ext uri="{FF2B5EF4-FFF2-40B4-BE49-F238E27FC236}">
-                <a16:creationId xmlns:a16="http://schemas.microsoft.com/office/drawing/2014/main" id="{30E7541C-D35F-9812-06AE-2D9529CAC7F8}"/>
+          <p:cNvPr id="8" name="図 7" descr="グラフィカル ユーザー インターフェイス, テキスト, メール&#10;&#10;自動的に生成された説明">
+            <a:extLst>
+              <a:ext uri="{FF2B5EF4-FFF2-40B4-BE49-F238E27FC236}">
+                <a16:creationId xmlns:a16="http://schemas.microsoft.com/office/drawing/2014/main" id="{D0D701A1-C989-9177-DC2A-5687CA08EB4F}"/>
               </a:ext>
             </a:extLst>
           </p:cNvPr>
@@ -24208,172 +24360,20 @@
         </p:blipFill>
         <p:spPr>
           <a:xfrm>
-            <a:off x="1181977" y="1255178"/>
-            <a:ext cx="1790950" cy="1676634"/>
+            <a:off x="3124039" y="1255177"/>
+            <a:ext cx="2400635" cy="4353533"/>
           </a:xfrm>
           <a:prstGeom prst="rect">
             <a:avLst/>
           </a:prstGeom>
         </p:spPr>
       </p:pic>
-      <p:sp>
-        <p:nvSpPr>
-          <p:cNvPr id="6" name="テキスト ボックス 5">
-            <a:extLst>
-              <a:ext uri="{FF2B5EF4-FFF2-40B4-BE49-F238E27FC236}">
-                <a16:creationId xmlns:a16="http://schemas.microsoft.com/office/drawing/2014/main" id="{80D4C1EA-3836-C0D7-ED06-B9E58F29CC51}"/>
-              </a:ext>
-            </a:extLst>
-          </p:cNvPr>
-          <p:cNvSpPr txBox="1"/>
-          <p:nvPr/>
-        </p:nvSpPr>
-        <p:spPr>
-          <a:xfrm>
-            <a:off x="1510630" y="978179"/>
-            <a:ext cx="1133644" cy="276999"/>
-          </a:xfrm>
-          <a:prstGeom prst="rect">
-            <a:avLst/>
-          </a:prstGeom>
-          <a:noFill/>
-        </p:spPr>
-        <p:txBody>
-          <a:bodyPr wrap="none" rtlCol="0">
-            <a:spAutoFit/>
-          </a:bodyPr>
-          <a:lstStyle/>
-          <a:p>
-            <a:r>
-              <a:rPr kumimoji="1" lang="en-US" altLang="ja-JP" sz="1200" dirty="0"/>
-              <a:t>CLASS</a:t>
-            </a:r>
-            <a:r>
-              <a:rPr kumimoji="1" lang="ja-JP" altLang="en-US" sz="1200" dirty="0"/>
-              <a:t>リスト</a:t>
-            </a:r>
-          </a:p>
-        </p:txBody>
-      </p:sp>
-      <p:sp>
-        <p:nvSpPr>
-          <p:cNvPr id="7" name="テキスト ボックス 6">
-            <a:extLst>
-              <a:ext uri="{FF2B5EF4-FFF2-40B4-BE49-F238E27FC236}">
-                <a16:creationId xmlns:a16="http://schemas.microsoft.com/office/drawing/2014/main" id="{B5417CE8-AD27-BBCB-2710-B75290660D4F}"/>
-              </a:ext>
-            </a:extLst>
-          </p:cNvPr>
-          <p:cNvSpPr txBox="1"/>
-          <p:nvPr/>
-        </p:nvSpPr>
-        <p:spPr>
-          <a:xfrm>
-            <a:off x="3269784" y="978178"/>
-            <a:ext cx="1476686" cy="276999"/>
-          </a:xfrm>
-          <a:prstGeom prst="rect">
-            <a:avLst/>
-          </a:prstGeom>
-          <a:noFill/>
-        </p:spPr>
-        <p:txBody>
-          <a:bodyPr wrap="none" rtlCol="0">
-            <a:spAutoFit/>
-          </a:bodyPr>
-          <a:lstStyle/>
-          <a:p>
-            <a:r>
-              <a:rPr kumimoji="1" lang="en-US" altLang="ja-JP" sz="1200" dirty="0"/>
-              <a:t>NONCLASS</a:t>
-            </a:r>
-            <a:r>
-              <a:rPr kumimoji="1" lang="ja-JP" altLang="en-US" sz="1200" dirty="0"/>
-              <a:t>リスト</a:t>
-            </a:r>
-          </a:p>
-        </p:txBody>
-      </p:sp>
-      <p:sp>
-        <p:nvSpPr>
-          <p:cNvPr id="12" name="テキスト ボックス 11">
-            <a:extLst>
-              <a:ext uri="{FF2B5EF4-FFF2-40B4-BE49-F238E27FC236}">
-                <a16:creationId xmlns:a16="http://schemas.microsoft.com/office/drawing/2014/main" id="{3695B356-6DC3-7169-40C9-739265C51746}"/>
-              </a:ext>
-            </a:extLst>
-          </p:cNvPr>
-          <p:cNvSpPr txBox="1"/>
-          <p:nvPr/>
-        </p:nvSpPr>
-        <p:spPr>
-          <a:xfrm>
-            <a:off x="7025422" y="3758660"/>
-            <a:ext cx="954107" cy="276999"/>
-          </a:xfrm>
-          <a:prstGeom prst="rect">
-            <a:avLst/>
-          </a:prstGeom>
-          <a:noFill/>
-        </p:spPr>
-        <p:txBody>
-          <a:bodyPr wrap="none" rtlCol="0">
-            <a:spAutoFit/>
-          </a:bodyPr>
-          <a:lstStyle/>
-          <a:p>
-            <a:r>
-              <a:rPr lang="ja-JP" altLang="en-US" sz="1200" dirty="0"/>
-              <a:t>名詞</a:t>
-            </a:r>
-            <a:r>
-              <a:rPr kumimoji="1" lang="ja-JP" altLang="en-US" sz="1200" dirty="0"/>
-              <a:t>リスト</a:t>
-            </a:r>
-          </a:p>
-        </p:txBody>
-      </p:sp>
-      <p:sp>
-        <p:nvSpPr>
-          <p:cNvPr id="13" name="テキスト ボックス 12">
-            <a:extLst>
-              <a:ext uri="{FF2B5EF4-FFF2-40B4-BE49-F238E27FC236}">
-                <a16:creationId xmlns:a16="http://schemas.microsoft.com/office/drawing/2014/main" id="{FD9D9E44-ED32-7D60-C4B3-CB9566C30F1E}"/>
-              </a:ext>
-            </a:extLst>
-          </p:cNvPr>
-          <p:cNvSpPr txBox="1"/>
-          <p:nvPr/>
-        </p:nvSpPr>
-        <p:spPr>
-          <a:xfrm>
-            <a:off x="9721724" y="3758660"/>
-            <a:ext cx="954107" cy="276999"/>
-          </a:xfrm>
-          <a:prstGeom prst="rect">
-            <a:avLst/>
-          </a:prstGeom>
-          <a:noFill/>
-        </p:spPr>
-        <p:txBody>
-          <a:bodyPr wrap="none" rtlCol="0">
-            <a:spAutoFit/>
-          </a:bodyPr>
-          <a:lstStyle/>
-          <a:p>
-            <a:r>
-              <a:rPr kumimoji="1" lang="ja-JP" altLang="en-US" sz="1200" dirty="0"/>
-              <a:t>動詞リスト</a:t>
-            </a:r>
-          </a:p>
-        </p:txBody>
-      </p:sp>
       <p:pic>
         <p:nvPicPr>
-          <p:cNvPr id="8" name="図 7" descr="グラフィカル ユーザー インターフェイス, テキスト, メール&#10;&#10;自動的に生成された説明">
-            <a:extLst>
-              <a:ext uri="{FF2B5EF4-FFF2-40B4-BE49-F238E27FC236}">
-                <a16:creationId xmlns:a16="http://schemas.microsoft.com/office/drawing/2014/main" id="{D0D701A1-C989-9177-DC2A-5687CA08EB4F}"/>
+          <p:cNvPr id="10" name="図 9" descr="テキスト&#10;&#10;自動的に生成された説明">
+            <a:extLst>
+              <a:ext uri="{FF2B5EF4-FFF2-40B4-BE49-F238E27FC236}">
+                <a16:creationId xmlns:a16="http://schemas.microsoft.com/office/drawing/2014/main" id="{6CA0FAAB-1050-572E-B343-AA414528CA7E}"/>
               </a:ext>
             </a:extLst>
           </p:cNvPr>
@@ -24396,8 +24396,8 @@
         </p:blipFill>
         <p:spPr>
           <a:xfrm>
-            <a:off x="3124039" y="1255177"/>
-            <a:ext cx="2400635" cy="4353533"/>
+            <a:off x="9003222" y="4035659"/>
+            <a:ext cx="2391109" cy="1238423"/>
           </a:xfrm>
           <a:prstGeom prst="rect">
             <a:avLst/>
@@ -24406,10 +24406,10 @@
       </p:pic>
       <p:pic>
         <p:nvPicPr>
-          <p:cNvPr id="10" name="図 9" descr="テキスト&#10;&#10;自動的に生成された説明">
-            <a:extLst>
-              <a:ext uri="{FF2B5EF4-FFF2-40B4-BE49-F238E27FC236}">
-                <a16:creationId xmlns:a16="http://schemas.microsoft.com/office/drawing/2014/main" id="{6CA0FAAB-1050-572E-B343-AA414528CA7E}"/>
+          <p:cNvPr id="15" name="図 14" descr="テキスト&#10;&#10;自動的に生成された説明">
+            <a:extLst>
+              <a:ext uri="{FF2B5EF4-FFF2-40B4-BE49-F238E27FC236}">
+                <a16:creationId xmlns:a16="http://schemas.microsoft.com/office/drawing/2014/main" id="{95050FD0-3651-6C73-AB3B-80A1C7DAB2C9}"/>
               </a:ext>
             </a:extLst>
           </p:cNvPr>
@@ -24432,8 +24432,8 @@
         </p:blipFill>
         <p:spPr>
           <a:xfrm>
-            <a:off x="6306920" y="4035659"/>
-            <a:ext cx="2391109" cy="1238423"/>
+            <a:off x="6416473" y="4035659"/>
+            <a:ext cx="2172003" cy="3372321"/>
           </a:xfrm>
           <a:prstGeom prst="rect">
             <a:avLst/>
@@ -24442,10 +24442,10 @@
       </p:pic>
       <p:pic>
         <p:nvPicPr>
-          <p:cNvPr id="15" name="図 14" descr="テキスト&#10;&#10;自動的に生成された説明">
-            <a:extLst>
-              <a:ext uri="{FF2B5EF4-FFF2-40B4-BE49-F238E27FC236}">
-                <a16:creationId xmlns:a16="http://schemas.microsoft.com/office/drawing/2014/main" id="{95050FD0-3651-6C73-AB3B-80A1C7DAB2C9}"/>
+          <p:cNvPr id="17" name="図 16" descr="テーブル&#10;&#10;自動的に生成された説明">
+            <a:extLst>
+              <a:ext uri="{FF2B5EF4-FFF2-40B4-BE49-F238E27FC236}">
+                <a16:creationId xmlns:a16="http://schemas.microsoft.com/office/drawing/2014/main" id="{38ED05EA-4479-EDF3-7AAA-F445C33E17E1}"/>
               </a:ext>
             </a:extLst>
           </p:cNvPr>
@@ -24468,8 +24468,8 @@
         </p:blipFill>
         <p:spPr>
           <a:xfrm>
-            <a:off x="9112775" y="4035659"/>
-            <a:ext cx="2172003" cy="3372321"/>
+            <a:off x="1310582" y="1262507"/>
+            <a:ext cx="1533739" cy="1486107"/>
           </a:xfrm>
           <a:prstGeom prst="rect">
             <a:avLst/>
@@ -26924,7 +26924,7 @@
         </p:blipFill>
         <p:spPr>
           <a:xfrm>
-            <a:off x="83246" y="1547607"/>
+            <a:off x="-45360" y="596437"/>
             <a:ext cx="3029373" cy="981212"/>
           </a:xfrm>
           <a:prstGeom prst="rect">
@@ -26960,7 +26960,7 @@
         </p:blipFill>
         <p:spPr>
           <a:xfrm>
-            <a:off x="3260458" y="1547607"/>
+            <a:off x="2984013" y="596437"/>
             <a:ext cx="2124371" cy="1000265"/>
           </a:xfrm>
           <a:prstGeom prst="rect">
@@ -26996,7 +26996,7 @@
         </p:blipFill>
         <p:spPr>
           <a:xfrm>
-            <a:off x="5532668" y="1547607"/>
+            <a:off x="-45360" y="1577649"/>
             <a:ext cx="2829320" cy="1267002"/>
           </a:xfrm>
           <a:prstGeom prst="rect">
@@ -27032,7 +27032,7 @@
         </p:blipFill>
         <p:spPr>
           <a:xfrm>
-            <a:off x="635954" y="3071762"/>
+            <a:off x="2783960" y="1596702"/>
             <a:ext cx="3686689" cy="1495634"/>
           </a:xfrm>
           <a:prstGeom prst="rect">
@@ -27068,8 +27068,44 @@
         </p:blipFill>
         <p:spPr>
           <a:xfrm>
-            <a:off x="4471761" y="3071762"/>
+            <a:off x="-464518" y="2844651"/>
             <a:ext cx="3248478" cy="781159"/>
+          </a:xfrm>
+          <a:prstGeom prst="rect">
+            <a:avLst/>
+          </a:prstGeom>
+        </p:spPr>
+      </p:pic>
+      <p:pic>
+        <p:nvPicPr>
+          <p:cNvPr id="18" name="図 17" descr="グラフィカル ユーザー インターフェイス, テーブル&#10;&#10;自動的に生成された説明">
+            <a:extLst>
+              <a:ext uri="{FF2B5EF4-FFF2-40B4-BE49-F238E27FC236}">
+                <a16:creationId xmlns:a16="http://schemas.microsoft.com/office/drawing/2014/main" id="{0D0FAF66-7D43-10BE-BA22-05E392E6B50C}"/>
+              </a:ext>
+            </a:extLst>
+          </p:cNvPr>
+          <p:cNvPicPr>
+            <a:picLocks noChangeAspect="1"/>
+          </p:cNvPicPr>
+          <p:nvPr/>
+        </p:nvPicPr>
+        <p:blipFill>
+          <a:blip r:embed="rId7">
+            <a:extLst>
+              <a:ext uri="{28A0092B-C50C-407E-A947-70E740481C1C}">
+                <a14:useLocalDpi xmlns:a14="http://schemas.microsoft.com/office/drawing/2010/main" val="0"/>
+              </a:ext>
+            </a:extLst>
+          </a:blip>
+          <a:stretch>
+            <a:fillRect/>
+          </a:stretch>
+        </p:blipFill>
+        <p:spPr>
+          <a:xfrm>
+            <a:off x="1369300" y="-1146882"/>
+            <a:ext cx="3105583" cy="1724266"/>
           </a:xfrm>
           <a:prstGeom prst="rect">
             <a:avLst/>
@@ -27108,10 +27144,10 @@
       </p:grpSpPr>
       <p:pic>
         <p:nvPicPr>
-          <p:cNvPr id="5" name="図 4" descr="テキスト&#10;&#10;自動的に生成された説明">
-            <a:extLst>
-              <a:ext uri="{FF2B5EF4-FFF2-40B4-BE49-F238E27FC236}">
-                <a16:creationId xmlns:a16="http://schemas.microsoft.com/office/drawing/2014/main" id="{3CD38997-E24E-D1A6-D5D7-9B29E1D7DB6B}"/>
+          <p:cNvPr id="7" name="図 6" descr="テキスト&#10;&#10;自動的に生成された説明">
+            <a:extLst>
+              <a:ext uri="{FF2B5EF4-FFF2-40B4-BE49-F238E27FC236}">
+                <a16:creationId xmlns:a16="http://schemas.microsoft.com/office/drawing/2014/main" id="{B979BBFD-34D2-60F1-D8A7-130853E86D13}"/>
               </a:ext>
             </a:extLst>
           </p:cNvPr>
@@ -27134,8 +27170,8 @@
         </p:blipFill>
         <p:spPr>
           <a:xfrm>
-            <a:off x="1254124" y="-1587106"/>
-            <a:ext cx="3143689" cy="4753638"/>
+            <a:off x="1844757" y="1980476"/>
+            <a:ext cx="2553056" cy="2324424"/>
           </a:xfrm>
           <a:prstGeom prst="rect">
             <a:avLst/>
@@ -27144,10 +27180,10 @@
       </p:pic>
       <p:pic>
         <p:nvPicPr>
-          <p:cNvPr id="7" name="図 6" descr="テキスト&#10;&#10;自動的に生成された説明">
-            <a:extLst>
-              <a:ext uri="{FF2B5EF4-FFF2-40B4-BE49-F238E27FC236}">
-                <a16:creationId xmlns:a16="http://schemas.microsoft.com/office/drawing/2014/main" id="{B979BBFD-34D2-60F1-D8A7-130853E86D13}"/>
+          <p:cNvPr id="10" name="図 9" descr="グラフィカル ユーザー インターフェイス, テキスト&#10;&#10;自動的に生成された説明">
+            <a:extLst>
+              <a:ext uri="{FF2B5EF4-FFF2-40B4-BE49-F238E27FC236}">
+                <a16:creationId xmlns:a16="http://schemas.microsoft.com/office/drawing/2014/main" id="{ADE0DBA0-A81C-6E6A-65C2-C7777D7443B1}"/>
               </a:ext>
             </a:extLst>
           </p:cNvPr>
@@ -27170,8 +27206,8 @@
         </p:blipFill>
         <p:spPr>
           <a:xfrm>
-            <a:off x="1844757" y="3142688"/>
-            <a:ext cx="2553056" cy="2324424"/>
+            <a:off x="4397813" y="-1284618"/>
+            <a:ext cx="3600953" cy="3620005"/>
           </a:xfrm>
           <a:prstGeom prst="rect">
             <a:avLst/>
@@ -27180,10 +27216,10 @@
       </p:pic>
       <p:pic>
         <p:nvPicPr>
-          <p:cNvPr id="10" name="図 9" descr="グラフィカル ユーザー インターフェイス, テキスト&#10;&#10;自動的に生成された説明">
-            <a:extLst>
-              <a:ext uri="{FF2B5EF4-FFF2-40B4-BE49-F238E27FC236}">
-                <a16:creationId xmlns:a16="http://schemas.microsoft.com/office/drawing/2014/main" id="{ADE0DBA0-A81C-6E6A-65C2-C7777D7443B1}"/>
+          <p:cNvPr id="14" name="図 13" descr="テキスト&#10;&#10;自動的に生成された説明">
+            <a:extLst>
+              <a:ext uri="{FF2B5EF4-FFF2-40B4-BE49-F238E27FC236}">
+                <a16:creationId xmlns:a16="http://schemas.microsoft.com/office/drawing/2014/main" id="{495C1E97-13E1-97F3-6CE8-68113E02B4D6}"/>
               </a:ext>
             </a:extLst>
           </p:cNvPr>
@@ -27206,8 +27242,8 @@
         </p:blipFill>
         <p:spPr>
           <a:xfrm>
-            <a:off x="4397813" y="-1066904"/>
-            <a:ext cx="3600953" cy="3620005"/>
+            <a:off x="2397284" y="4304900"/>
+            <a:ext cx="2000529" cy="2267266"/>
           </a:xfrm>
           <a:prstGeom prst="rect">
             <a:avLst/>
@@ -27216,10 +27252,10 @@
       </p:pic>
       <p:pic>
         <p:nvPicPr>
-          <p:cNvPr id="14" name="図 13" descr="テキスト&#10;&#10;自動的に生成された説明">
-            <a:extLst>
-              <a:ext uri="{FF2B5EF4-FFF2-40B4-BE49-F238E27FC236}">
-                <a16:creationId xmlns:a16="http://schemas.microsoft.com/office/drawing/2014/main" id="{495C1E97-13E1-97F3-6CE8-68113E02B4D6}"/>
+          <p:cNvPr id="16" name="図 15" descr="テキスト&#10;&#10;自動的に生成された説明">
+            <a:extLst>
+              <a:ext uri="{FF2B5EF4-FFF2-40B4-BE49-F238E27FC236}">
+                <a16:creationId xmlns:a16="http://schemas.microsoft.com/office/drawing/2014/main" id="{07BC82A4-EBCD-4113-1796-2D9697F90E91}"/>
               </a:ext>
             </a:extLst>
           </p:cNvPr>
@@ -27242,8 +27278,8 @@
         </p:blipFill>
         <p:spPr>
           <a:xfrm>
-            <a:off x="2397284" y="5467112"/>
-            <a:ext cx="2000529" cy="2267266"/>
+            <a:off x="4397813" y="2315656"/>
+            <a:ext cx="3248478" cy="3019846"/>
           </a:xfrm>
           <a:prstGeom prst="rect">
             <a:avLst/>
@@ -27252,10 +27288,10 @@
       </p:pic>
       <p:pic>
         <p:nvPicPr>
-          <p:cNvPr id="16" name="図 15" descr="テキスト&#10;&#10;自動的に生成された説明">
-            <a:extLst>
-              <a:ext uri="{FF2B5EF4-FFF2-40B4-BE49-F238E27FC236}">
-                <a16:creationId xmlns:a16="http://schemas.microsoft.com/office/drawing/2014/main" id="{07BC82A4-EBCD-4113-1796-2D9697F90E91}"/>
+          <p:cNvPr id="18" name="図 17" descr="テキスト&#10;&#10;自動的に生成された説明">
+            <a:extLst>
+              <a:ext uri="{FF2B5EF4-FFF2-40B4-BE49-F238E27FC236}">
+                <a16:creationId xmlns:a16="http://schemas.microsoft.com/office/drawing/2014/main" id="{E3383401-35B3-B6C7-10A9-604B8125541A}"/>
               </a:ext>
             </a:extLst>
           </p:cNvPr>
@@ -27278,8 +27314,8 @@
         </p:blipFill>
         <p:spPr>
           <a:xfrm>
-            <a:off x="4397813" y="2533370"/>
-            <a:ext cx="3248478" cy="3019846"/>
+            <a:off x="4401281" y="5335502"/>
+            <a:ext cx="4239217" cy="1886213"/>
           </a:xfrm>
           <a:prstGeom prst="rect">
             <a:avLst/>
@@ -27288,10 +27324,10 @@
       </p:pic>
       <p:pic>
         <p:nvPicPr>
-          <p:cNvPr id="18" name="図 17" descr="テキスト&#10;&#10;自動的に生成された説明">
-            <a:extLst>
-              <a:ext uri="{FF2B5EF4-FFF2-40B4-BE49-F238E27FC236}">
-                <a16:creationId xmlns:a16="http://schemas.microsoft.com/office/drawing/2014/main" id="{E3383401-35B3-B6C7-10A9-604B8125541A}"/>
+          <p:cNvPr id="20" name="図 19" descr="テキスト&#10;&#10;自動的に生成された説明">
+            <a:extLst>
+              <a:ext uri="{FF2B5EF4-FFF2-40B4-BE49-F238E27FC236}">
+                <a16:creationId xmlns:a16="http://schemas.microsoft.com/office/drawing/2014/main" id="{D7A407CC-8256-1675-9EC7-A208033C4A71}"/>
               </a:ext>
             </a:extLst>
           </p:cNvPr>
@@ -27314,8 +27350,8 @@
         </p:blipFill>
         <p:spPr>
           <a:xfrm>
-            <a:off x="4401281" y="5553216"/>
-            <a:ext cx="4239217" cy="1886213"/>
+            <a:off x="1349388" y="-591633"/>
+            <a:ext cx="3048425" cy="2572109"/>
           </a:xfrm>
           <a:prstGeom prst="rect">
             <a:avLst/>
@@ -28393,7 +28429,7 @@
                 <a:latin typeface="+mn-ea"/>
                 <a:cs typeface="Times New Roman" panose="02020603050405020304" pitchFamily="18" charset="0"/>
               </a:rPr>
-              <a:t>つとすること。教員は、登録されている企業の一覧を確認することができること。一覧の項目は、企業</a:t>
+              <a:t>つとすること。教員は、登録されている企業の一覧を確認することができること。項目は、企業</a:t>
             </a:r>
             <a:r>
               <a:rPr lang="en-US" altLang="ja-JP" sz="1800" kern="100" dirty="0">
@@ -28544,8 +28580,8 @@
         </p:nvSpPr>
         <p:spPr>
           <a:xfrm>
-            <a:off x="-1364343" y="1445481"/>
-            <a:ext cx="13149942" cy="470407"/>
+            <a:off x="-1364344" y="1445481"/>
+            <a:ext cx="13745030" cy="470407"/>
           </a:xfrm>
           <a:prstGeom prst="rect">
             <a:avLst/>
@@ -28586,7 +28622,28 @@
                 <a:latin typeface="+mn-ea"/>
                 <a:cs typeface="Times New Roman" panose="02020603050405020304" pitchFamily="18" charset="0"/>
               </a:rPr>
-              <a:t>企業担当者</a:t>
+              <a:t>企業</a:t>
+            </a:r>
+            <a:r>
+              <a:rPr lang="ja-JP" altLang="en-US" dirty="0">
+                <a:solidFill>
+                  <a:schemeClr val="tx1"/>
+                </a:solidFill>
+                <a:latin typeface="+mn-ea"/>
+                <a:cs typeface="Times New Roman" panose="02020603050405020304" pitchFamily="18" charset="0"/>
+              </a:rPr>
+              <a:t> </a:t>
+            </a:r>
+            <a:r>
+              <a:rPr lang="ja-JP" altLang="ja-JP" sz="1800" dirty="0">
+                <a:solidFill>
+                  <a:schemeClr val="tx1"/>
+                </a:solidFill>
+                <a:effectLst/>
+                <a:latin typeface="+mn-ea"/>
+                <a:cs typeface="Times New Roman" panose="02020603050405020304" pitchFamily="18" charset="0"/>
+              </a:rPr>
+              <a:t>担当</a:t>
             </a:r>
             <a:r>
               <a:rPr lang="en-US" altLang="ja-JP" sz="1800" dirty="0">
@@ -28600,6 +28657,28 @@
               <a:t> </a:t>
             </a:r>
             <a:r>
+              <a:rPr lang="ja-JP" altLang="ja-JP" sz="1800" dirty="0">
+                <a:solidFill>
+                  <a:schemeClr val="tx1"/>
+                </a:solidFill>
+                <a:effectLst/>
+                <a:latin typeface="+mn-ea"/>
+                <a:cs typeface="Times New Roman" panose="02020603050405020304" pitchFamily="18" charset="0"/>
+              </a:rPr>
+              <a:t>者</a:t>
+            </a:r>
+            <a:r>
+              <a:rPr lang="en-US" altLang="ja-JP" sz="1800" dirty="0">
+                <a:solidFill>
+                  <a:schemeClr val="tx1"/>
+                </a:solidFill>
+                <a:effectLst/>
+                <a:latin typeface="+mn-ea"/>
+                <a:cs typeface="Times New Roman" panose="02020603050405020304" pitchFamily="18" charset="0"/>
+              </a:rPr>
+              <a:t> </a:t>
+            </a:r>
+            <a:r>
               <a:rPr lang="ja-JP" altLang="en-US" sz="1800" dirty="0">
                 <a:solidFill>
                   <a:schemeClr val="tx1"/>
@@ -28629,7 +28708,7 @@
                 <a:latin typeface="+mn-ea"/>
                 <a:cs typeface="Times New Roman" panose="02020603050405020304" pitchFamily="18" charset="0"/>
               </a:rPr>
-              <a:t>自社企業</a:t>
+              <a:t>自社</a:t>
             </a:r>
             <a:r>
               <a:rPr lang="en-US" altLang="ja-JP" sz="1800" dirty="0">
@@ -28643,6 +28722,28 @@
               <a:t> </a:t>
             </a:r>
             <a:r>
+              <a:rPr lang="ja-JP" altLang="ja-JP" sz="1800" dirty="0">
+                <a:solidFill>
+                  <a:schemeClr val="tx1"/>
+                </a:solidFill>
+                <a:effectLst/>
+                <a:latin typeface="+mn-ea"/>
+                <a:cs typeface="Times New Roman" panose="02020603050405020304" pitchFamily="18" charset="0"/>
+              </a:rPr>
+              <a:t>企業</a:t>
+            </a:r>
+            <a:r>
+              <a:rPr lang="en-US" altLang="ja-JP" sz="1800" dirty="0">
+                <a:solidFill>
+                  <a:schemeClr val="tx1"/>
+                </a:solidFill>
+                <a:effectLst/>
+                <a:latin typeface="+mn-ea"/>
+                <a:cs typeface="Times New Roman" panose="02020603050405020304" pitchFamily="18" charset="0"/>
+              </a:rPr>
+              <a:t> </a:t>
+            </a:r>
+            <a:r>
               <a:rPr lang="ja-JP" altLang="en-US" sz="1800" dirty="0">
                 <a:solidFill>
                   <a:schemeClr val="tx1"/>
@@ -28673,7 +28774,7 @@
                 <a:latin typeface="+mn-ea"/>
                 <a:cs typeface="Times New Roman" panose="02020603050405020304" pitchFamily="18" charset="0"/>
               </a:rPr>
-              <a:t>開催予定</a:t>
+              <a:t>開催</a:t>
             </a:r>
             <a:r>
               <a:rPr lang="en-US" altLang="ja-JP" sz="1800" dirty="0">
@@ -28687,6 +28788,28 @@
               <a:t> </a:t>
             </a:r>
             <a:r>
+              <a:rPr lang="ja-JP" altLang="ja-JP" sz="1800" dirty="0">
+                <a:solidFill>
+                  <a:schemeClr val="tx1"/>
+                </a:solidFill>
+                <a:effectLst/>
+                <a:latin typeface="+mn-ea"/>
+                <a:cs typeface="Times New Roman" panose="02020603050405020304" pitchFamily="18" charset="0"/>
+              </a:rPr>
+              <a:t>予定</a:t>
+            </a:r>
+            <a:r>
+              <a:rPr lang="en-US" altLang="ja-JP" sz="1800" dirty="0">
+                <a:solidFill>
+                  <a:schemeClr val="tx1"/>
+                </a:solidFill>
+                <a:effectLst/>
+                <a:latin typeface="+mn-ea"/>
+                <a:cs typeface="Times New Roman" panose="02020603050405020304" pitchFamily="18" charset="0"/>
+              </a:rPr>
+              <a:t> </a:t>
+            </a:r>
+            <a:r>
               <a:rPr lang="ja-JP" altLang="en-US" sz="1800" dirty="0">
                 <a:solidFill>
                   <a:schemeClr val="tx1"/>
@@ -28761,7 +28884,7 @@
                 <a:latin typeface="+mn-ea"/>
                 <a:cs typeface="Times New Roman" panose="02020603050405020304" pitchFamily="18" charset="0"/>
               </a:rPr>
-              <a:t>参加エントリ</a:t>
+              <a:t>参加</a:t>
             </a:r>
             <a:r>
               <a:rPr lang="en-US" altLang="ja-JP" sz="1800" dirty="0">
@@ -28775,6 +28898,28 @@
               <a:t> </a:t>
             </a:r>
             <a:r>
+              <a:rPr lang="ja-JP" altLang="ja-JP" sz="1800" dirty="0">
+                <a:solidFill>
+                  <a:schemeClr val="tx1"/>
+                </a:solidFill>
+                <a:effectLst/>
+                <a:latin typeface="+mn-ea"/>
+                <a:cs typeface="Times New Roman" panose="02020603050405020304" pitchFamily="18" charset="0"/>
+              </a:rPr>
+              <a:t>エントリ</a:t>
+            </a:r>
+            <a:r>
+              <a:rPr lang="en-US" altLang="ja-JP" sz="1800" dirty="0">
+                <a:solidFill>
+                  <a:schemeClr val="tx1"/>
+                </a:solidFill>
+                <a:effectLst/>
+                <a:latin typeface="+mn-ea"/>
+                <a:cs typeface="Times New Roman" panose="02020603050405020304" pitchFamily="18" charset="0"/>
+              </a:rPr>
+              <a:t> </a:t>
+            </a:r>
+            <a:r>
               <a:rPr lang="ja-JP" altLang="en-US" sz="1800" dirty="0">
                 <a:solidFill>
                   <a:schemeClr val="tx1"/>
@@ -28805,7 +28950,7 @@
                 <a:latin typeface="+mn-ea"/>
                 <a:cs typeface="Times New Roman" panose="02020603050405020304" pitchFamily="18" charset="0"/>
               </a:rPr>
-              <a:t>して</a:t>
+              <a:t>し</a:t>
             </a:r>
             <a:r>
               <a:rPr lang="en-US" altLang="ja-JP" sz="1800" dirty="0">
@@ -28827,6 +28972,28 @@
                 <a:latin typeface="+mn-ea"/>
                 <a:cs typeface="Times New Roman" panose="02020603050405020304" pitchFamily="18" charset="0"/>
               </a:rPr>
+              <a:t>て</a:t>
+            </a:r>
+            <a:r>
+              <a:rPr lang="en-US" altLang="ja-JP" sz="1800" dirty="0">
+                <a:solidFill>
+                  <a:schemeClr val="tx1"/>
+                </a:solidFill>
+                <a:effectLst/>
+                <a:latin typeface="+mn-ea"/>
+                <a:cs typeface="Times New Roman" panose="02020603050405020304" pitchFamily="18" charset="0"/>
+              </a:rPr>
+              <a:t> </a:t>
+            </a:r>
+            <a:r>
+              <a:rPr lang="ja-JP" altLang="ja-JP" sz="1800" dirty="0">
+                <a:solidFill>
+                  <a:schemeClr val="tx1"/>
+                </a:solidFill>
+                <a:effectLst/>
+                <a:latin typeface="+mn-ea"/>
+                <a:cs typeface="Times New Roman" panose="02020603050405020304" pitchFamily="18" charset="0"/>
+              </a:rPr>
               <a:t>いる</a:t>
             </a:r>
             <a:r>
@@ -28849,7 +29016,29 @@
                 <a:latin typeface="+mn-ea"/>
                 <a:cs typeface="Times New Roman" panose="02020603050405020304" pitchFamily="18" charset="0"/>
               </a:rPr>
-              <a:t>学生情報</a:t>
+              <a:t>学生</a:t>
+            </a:r>
+            <a:r>
+              <a:rPr lang="en-US" altLang="ja-JP" sz="1800" dirty="0">
+                <a:solidFill>
+                  <a:schemeClr val="tx1"/>
+                </a:solidFill>
+                <a:effectLst/>
+                <a:latin typeface="+mn-ea"/>
+                <a:cs typeface="Times New Roman" panose="02020603050405020304" pitchFamily="18" charset="0"/>
+              </a:rPr>
+              <a:t> </a:t>
+            </a:r>
+            <a:r>
+              <a:rPr lang="ja-JP" altLang="ja-JP" sz="1800" dirty="0">
+                <a:solidFill>
+                  <a:schemeClr val="tx1"/>
+                </a:solidFill>
+                <a:effectLst/>
+                <a:latin typeface="+mn-ea"/>
+                <a:cs typeface="Times New Roman" panose="02020603050405020304" pitchFamily="18" charset="0"/>
+              </a:rPr>
+              <a:t>情報</a:t>
             </a:r>
             <a:r>
               <a:rPr lang="en-US" altLang="ja-JP" sz="1800" dirty="0">
@@ -29006,8 +29195,8 @@
         </p:nvSpPr>
         <p:spPr>
           <a:xfrm>
-            <a:off x="-1364344" y="1915887"/>
-            <a:ext cx="13149943" cy="470407"/>
+            <a:off x="-1364343" y="1915887"/>
+            <a:ext cx="13745030" cy="470407"/>
           </a:xfrm>
           <a:prstGeom prst="rect">
             <a:avLst/>
@@ -29128,6 +29317,16 @@
               <a:t>インターンシップ</a:t>
             </a:r>
             <a:r>
+              <a:rPr lang="ja-JP" altLang="en-US" dirty="0">
+                <a:solidFill>
+                  <a:schemeClr val="tx1"/>
+                </a:solidFill>
+                <a:latin typeface="+mn-ea"/>
+                <a:cs typeface="Times New Roman" panose="02020603050405020304" pitchFamily="18" charset="0"/>
+              </a:rPr>
+              <a:t> </a:t>
+            </a:r>
+            <a:r>
               <a:rPr lang="en-US" altLang="ja-JP" sz="1800" dirty="0">
                 <a:solidFill>
                   <a:schemeClr val="tx1"/>
@@ -29158,7 +29357,29 @@
                 <a:latin typeface="+mn-ea"/>
                 <a:cs typeface="Times New Roman" panose="02020603050405020304" pitchFamily="18" charset="0"/>
               </a:rPr>
-              <a:t>インターンシップ名</a:t>
+              <a:t>インターンシップ</a:t>
+            </a:r>
+            <a:r>
+              <a:rPr lang="en-US" altLang="ja-JP" sz="1800" dirty="0">
+                <a:solidFill>
+                  <a:schemeClr val="tx1"/>
+                </a:solidFill>
+                <a:effectLst/>
+                <a:latin typeface="+mn-ea"/>
+                <a:cs typeface="Times New Roman" panose="02020603050405020304" pitchFamily="18" charset="0"/>
+              </a:rPr>
+              <a:t> </a:t>
+            </a:r>
+            <a:r>
+              <a:rPr lang="ja-JP" altLang="ja-JP" sz="1800" dirty="0">
+                <a:solidFill>
+                  <a:schemeClr val="tx1"/>
+                </a:solidFill>
+                <a:effectLst/>
+                <a:latin typeface="+mn-ea"/>
+                <a:cs typeface="Times New Roman" panose="02020603050405020304" pitchFamily="18" charset="0"/>
+              </a:rPr>
+              <a:t>名</a:t>
             </a:r>
             <a:r>
               <a:rPr lang="ja-JP" altLang="en-US" sz="1800" dirty="0">
@@ -29191,7 +29412,7 @@
                 <a:latin typeface="+mn-ea"/>
                 <a:cs typeface="Times New Roman" panose="02020603050405020304" pitchFamily="18" charset="0"/>
               </a:rPr>
-              <a:t>ID</a:t>
+              <a:t> ID</a:t>
             </a:r>
             <a:r>
               <a:rPr lang="ja-JP" altLang="en-US" sz="1800" dirty="0">
@@ -29213,7 +29434,29 @@
                 <a:latin typeface="+mn-ea"/>
                 <a:cs typeface="Times New Roman" panose="02020603050405020304" pitchFamily="18" charset="0"/>
               </a:rPr>
-              <a:t>学生氏名</a:t>
+              <a:t>学生</a:t>
+            </a:r>
+            <a:r>
+              <a:rPr lang="en-US" altLang="ja-JP" sz="1800" dirty="0">
+                <a:solidFill>
+                  <a:schemeClr val="tx1"/>
+                </a:solidFill>
+                <a:effectLst/>
+                <a:latin typeface="+mn-ea"/>
+                <a:cs typeface="Times New Roman" panose="02020603050405020304" pitchFamily="18" charset="0"/>
+              </a:rPr>
+              <a:t> </a:t>
+            </a:r>
+            <a:r>
+              <a:rPr lang="ja-JP" altLang="ja-JP" sz="1800" dirty="0">
+                <a:solidFill>
+                  <a:schemeClr val="tx1"/>
+                </a:solidFill>
+                <a:effectLst/>
+                <a:latin typeface="+mn-ea"/>
+                <a:cs typeface="Times New Roman" panose="02020603050405020304" pitchFamily="18" charset="0"/>
+              </a:rPr>
+              <a:t>氏名</a:t>
             </a:r>
             <a:r>
               <a:rPr lang="ja-JP" altLang="en-US" dirty="0">
@@ -29234,7 +29477,73 @@
                 <a:latin typeface="+mn-ea"/>
                 <a:cs typeface="Times New Roman" panose="02020603050405020304" pitchFamily="18" charset="0"/>
               </a:rPr>
-              <a:t>連絡先電話番号</a:t>
+              <a:t>連絡</a:t>
+            </a:r>
+            <a:r>
+              <a:rPr lang="en-US" altLang="ja-JP" sz="1800" dirty="0">
+                <a:solidFill>
+                  <a:schemeClr val="tx1"/>
+                </a:solidFill>
+                <a:effectLst/>
+                <a:latin typeface="+mn-ea"/>
+                <a:cs typeface="Times New Roman" panose="02020603050405020304" pitchFamily="18" charset="0"/>
+              </a:rPr>
+              <a:t> </a:t>
+            </a:r>
+            <a:r>
+              <a:rPr lang="ja-JP" altLang="ja-JP" sz="1800" dirty="0">
+                <a:solidFill>
+                  <a:schemeClr val="tx1"/>
+                </a:solidFill>
+                <a:effectLst/>
+                <a:latin typeface="+mn-ea"/>
+                <a:cs typeface="Times New Roman" panose="02020603050405020304" pitchFamily="18" charset="0"/>
+              </a:rPr>
+              <a:t>先</a:t>
+            </a:r>
+            <a:r>
+              <a:rPr lang="en-US" altLang="ja-JP" sz="1800" dirty="0">
+                <a:solidFill>
+                  <a:schemeClr val="tx1"/>
+                </a:solidFill>
+                <a:effectLst/>
+                <a:latin typeface="+mn-ea"/>
+                <a:cs typeface="Times New Roman" panose="02020603050405020304" pitchFamily="18" charset="0"/>
+              </a:rPr>
+              <a:t> </a:t>
+            </a:r>
+            <a:r>
+              <a:rPr lang="ja-JP" altLang="ja-JP" sz="1800" dirty="0">
+                <a:solidFill>
+                  <a:schemeClr val="tx1"/>
+                </a:solidFill>
+                <a:effectLst/>
+                <a:latin typeface="+mn-ea"/>
+                <a:cs typeface="Times New Roman" panose="02020603050405020304" pitchFamily="18" charset="0"/>
+              </a:rPr>
+              <a:t>電話</a:t>
+            </a:r>
+            <a:r>
+              <a:rPr lang="en-US" altLang="ja-JP" sz="1800" dirty="0">
+                <a:solidFill>
+                  <a:schemeClr val="tx1"/>
+                </a:solidFill>
+                <a:effectLst/>
+                <a:latin typeface="+mn-ea"/>
+                <a:cs typeface="Times New Roman" panose="02020603050405020304" pitchFamily="18" charset="0"/>
+              </a:rPr>
+              <a:t> </a:t>
+            </a:r>
+            <a:r>
+              <a:rPr lang="ja-JP" altLang="ja-JP" sz="1800" dirty="0">
+                <a:solidFill>
+                  <a:schemeClr val="tx1"/>
+                </a:solidFill>
+                <a:effectLst/>
+                <a:latin typeface="+mn-ea"/>
+                <a:cs typeface="Times New Roman" panose="02020603050405020304" pitchFamily="18" charset="0"/>
+              </a:rPr>
+              <a:t>番号</a:t>
             </a:r>
             <a:r>
               <a:rPr lang="ja-JP" altLang="en-US" dirty="0">
@@ -29255,7 +29564,51 @@
                 <a:latin typeface="+mn-ea"/>
                 <a:cs typeface="Times New Roman" panose="02020603050405020304" pitchFamily="18" charset="0"/>
               </a:rPr>
-              <a:t>連絡先メールアドレス</a:t>
+              <a:t>連絡</a:t>
+            </a:r>
+            <a:r>
+              <a:rPr lang="en-US" altLang="ja-JP" sz="1800" dirty="0">
+                <a:solidFill>
+                  <a:schemeClr val="tx1"/>
+                </a:solidFill>
+                <a:effectLst/>
+                <a:latin typeface="+mn-ea"/>
+                <a:cs typeface="Times New Roman" panose="02020603050405020304" pitchFamily="18" charset="0"/>
+              </a:rPr>
+              <a:t> </a:t>
+            </a:r>
+            <a:r>
+              <a:rPr lang="ja-JP" altLang="ja-JP" sz="1800" dirty="0">
+                <a:solidFill>
+                  <a:schemeClr val="tx1"/>
+                </a:solidFill>
+                <a:effectLst/>
+                <a:latin typeface="+mn-ea"/>
+                <a:cs typeface="Times New Roman" panose="02020603050405020304" pitchFamily="18" charset="0"/>
+              </a:rPr>
+              <a:t>先</a:t>
+            </a:r>
+            <a:r>
+              <a:rPr lang="en-US" altLang="ja-JP" sz="1800" dirty="0">
+                <a:solidFill>
+                  <a:schemeClr val="tx1"/>
+                </a:solidFill>
+                <a:effectLst/>
+                <a:latin typeface="+mn-ea"/>
+                <a:cs typeface="Times New Roman" panose="02020603050405020304" pitchFamily="18" charset="0"/>
+              </a:rPr>
+              <a:t> </a:t>
+            </a:r>
+            <a:r>
+              <a:rPr lang="ja-JP" altLang="ja-JP" sz="1800" dirty="0">
+                <a:solidFill>
+                  <a:schemeClr val="tx1"/>
+                </a:solidFill>
+                <a:effectLst/>
+                <a:latin typeface="+mn-ea"/>
+                <a:cs typeface="Times New Roman" panose="02020603050405020304" pitchFamily="18" charset="0"/>
+              </a:rPr>
+              <a:t>メールアドレス</a:t>
             </a:r>
             <a:r>
               <a:rPr lang="en-US" altLang="ja-JP" sz="1800" dirty="0">
@@ -29345,7 +29698,7 @@
         <p:spPr>
           <a:xfrm>
             <a:off x="-1364343" y="2386293"/>
-            <a:ext cx="13149942" cy="470407"/>
+            <a:ext cx="13745028" cy="470407"/>
           </a:xfrm>
           <a:prstGeom prst="rect">
             <a:avLst/>
@@ -29484,7 +29837,28 @@
                 <a:latin typeface="+mn-ea"/>
                 <a:cs typeface="Times New Roman" panose="02020603050405020304" pitchFamily="18" charset="0"/>
               </a:rPr>
-              <a:t>企業・企業担当者</a:t>
+              <a:t>企業</a:t>
+            </a:r>
+            <a:r>
+              <a:rPr lang="ja-JP" altLang="en-US" dirty="0">
+                <a:solidFill>
+                  <a:schemeClr val="tx1"/>
+                </a:solidFill>
+                <a:latin typeface="+mn-ea"/>
+                <a:cs typeface="Times New Roman" panose="02020603050405020304" pitchFamily="18" charset="0"/>
+              </a:rPr>
+              <a:t> </a:t>
+            </a:r>
+            <a:r>
+              <a:rPr lang="ja-JP" altLang="ja-JP" sz="1800" dirty="0">
+                <a:solidFill>
+                  <a:schemeClr val="tx1"/>
+                </a:solidFill>
+                <a:effectLst/>
+                <a:latin typeface="+mn-ea"/>
+                <a:cs typeface="Times New Roman" panose="02020603050405020304" pitchFamily="18" charset="0"/>
+              </a:rPr>
+              <a:t>・</a:t>
             </a:r>
             <a:r>
               <a:rPr lang="en-US" altLang="ja-JP" sz="1800" dirty="0">
@@ -29498,6 +29872,72 @@
               <a:t> </a:t>
             </a:r>
             <a:r>
+              <a:rPr lang="ja-JP" altLang="ja-JP" sz="1800" dirty="0">
+                <a:solidFill>
+                  <a:schemeClr val="tx1"/>
+                </a:solidFill>
+                <a:effectLst/>
+                <a:latin typeface="+mn-ea"/>
+                <a:cs typeface="Times New Roman" panose="02020603050405020304" pitchFamily="18" charset="0"/>
+              </a:rPr>
+              <a:t>企業</a:t>
+            </a:r>
+            <a:r>
+              <a:rPr lang="en-US" altLang="ja-JP" sz="1800" dirty="0">
+                <a:solidFill>
+                  <a:schemeClr val="tx1"/>
+                </a:solidFill>
+                <a:effectLst/>
+                <a:latin typeface="+mn-ea"/>
+                <a:cs typeface="Times New Roman" panose="02020603050405020304" pitchFamily="18" charset="0"/>
+              </a:rPr>
+              <a:t> </a:t>
+            </a:r>
+            <a:r>
+              <a:rPr lang="ja-JP" altLang="ja-JP" sz="1800" dirty="0">
+                <a:solidFill>
+                  <a:schemeClr val="tx1"/>
+                </a:solidFill>
+                <a:effectLst/>
+                <a:latin typeface="+mn-ea"/>
+                <a:cs typeface="Times New Roman" panose="02020603050405020304" pitchFamily="18" charset="0"/>
+              </a:rPr>
+              <a:t>担当</a:t>
+            </a:r>
+            <a:r>
+              <a:rPr lang="en-US" altLang="ja-JP" sz="1800" dirty="0">
+                <a:solidFill>
+                  <a:schemeClr val="tx1"/>
+                </a:solidFill>
+                <a:effectLst/>
+                <a:latin typeface="+mn-ea"/>
+                <a:cs typeface="Times New Roman" panose="02020603050405020304" pitchFamily="18" charset="0"/>
+              </a:rPr>
+              <a:t> </a:t>
+            </a:r>
+            <a:r>
+              <a:rPr lang="ja-JP" altLang="ja-JP" sz="1800" dirty="0">
+                <a:solidFill>
+                  <a:schemeClr val="tx1"/>
+                </a:solidFill>
+                <a:effectLst/>
+                <a:latin typeface="+mn-ea"/>
+                <a:cs typeface="Times New Roman" panose="02020603050405020304" pitchFamily="18" charset="0"/>
+              </a:rPr>
+              <a:t>者</a:t>
+            </a:r>
+            <a:r>
+              <a:rPr lang="en-US" altLang="ja-JP" sz="1800" dirty="0">
+                <a:solidFill>
+                  <a:schemeClr val="tx1"/>
+                </a:solidFill>
+                <a:effectLst/>
+                <a:latin typeface="+mn-ea"/>
+                <a:cs typeface="Times New Roman" panose="02020603050405020304" pitchFamily="18" charset="0"/>
+              </a:rPr>
+              <a:t> </a:t>
+            </a:r>
+            <a:r>
               <a:rPr lang="ja-JP" altLang="en-US" sz="1800" dirty="0">
                 <a:solidFill>
                   <a:schemeClr val="tx1"/>
@@ -29528,7 +29968,7 @@
                 <a:latin typeface="+mn-ea"/>
                 <a:cs typeface="Times New Roman" panose="02020603050405020304" pitchFamily="18" charset="0"/>
               </a:rPr>
-              <a:t>年度別</a:t>
+              <a:t>年度</a:t>
             </a:r>
             <a:r>
               <a:rPr lang="en-US" altLang="ja-JP" sz="1800" dirty="0">
@@ -29540,6 +29980,28 @@
                 <a:cs typeface="Times New Roman" panose="02020603050405020304" pitchFamily="18" charset="0"/>
               </a:rPr>
               <a:t> </a:t>
+            </a:r>
+            <a:r>
+              <a:rPr lang="ja-JP" altLang="ja-JP" sz="1800" dirty="0">
+                <a:solidFill>
+                  <a:schemeClr val="tx1"/>
+                </a:solidFill>
+                <a:effectLst/>
+                <a:latin typeface="+mn-ea"/>
+                <a:cs typeface="Times New Roman" panose="02020603050405020304" pitchFamily="18" charset="0"/>
+              </a:rPr>
+              <a:t>別</a:t>
+            </a:r>
+            <a:r>
+              <a:rPr lang="en-US" altLang="ja-JP" sz="1800" dirty="0">
+                <a:solidFill>
+                  <a:schemeClr val="tx1"/>
+                </a:solidFill>
+                <a:effectLst/>
+                <a:latin typeface="+mn-ea"/>
+                <a:cs typeface="Times New Roman" panose="02020603050405020304" pitchFamily="18" charset="0"/>
+              </a:rPr>
+              <a:t>  </a:t>
             </a:r>
             <a:r>
               <a:rPr lang="ja-JP" altLang="ja-JP" sz="1800" dirty="0">
@@ -29725,7 +30187,7 @@
         <p:spPr>
           <a:xfrm>
             <a:off x="-1364343" y="2856700"/>
-            <a:ext cx="13149942" cy="470407"/>
+            <a:ext cx="13745028" cy="470407"/>
           </a:xfrm>
           <a:prstGeom prst="rect">
             <a:avLst/>
@@ -29830,7 +30292,29 @@
                 <a:latin typeface="+mn-ea"/>
                 <a:cs typeface="Times New Roman" panose="02020603050405020304" pitchFamily="18" charset="0"/>
               </a:rPr>
-              <a:t>企業名</a:t>
+              <a:t>企業</a:t>
+            </a:r>
+            <a:r>
+              <a:rPr lang="en-US" altLang="ja-JP" sz="1800" dirty="0">
+                <a:solidFill>
+                  <a:schemeClr val="tx1"/>
+                </a:solidFill>
+                <a:effectLst/>
+                <a:latin typeface="+mn-ea"/>
+                <a:cs typeface="Times New Roman" panose="02020603050405020304" pitchFamily="18" charset="0"/>
+              </a:rPr>
+              <a:t> </a:t>
+            </a:r>
+            <a:r>
+              <a:rPr lang="ja-JP" altLang="ja-JP" sz="1800" dirty="0">
+                <a:solidFill>
+                  <a:schemeClr val="tx1"/>
+                </a:solidFill>
+                <a:effectLst/>
+                <a:latin typeface="+mn-ea"/>
+                <a:cs typeface="Times New Roman" panose="02020603050405020304" pitchFamily="18" charset="0"/>
+              </a:rPr>
+              <a:t>名</a:t>
             </a:r>
             <a:r>
               <a:rPr lang="ja-JP" altLang="en-US" sz="1800" dirty="0">
@@ -29852,7 +30336,7 @@
                 <a:latin typeface="+mn-ea"/>
                 <a:cs typeface="Times New Roman" panose="02020603050405020304" pitchFamily="18" charset="0"/>
               </a:rPr>
-              <a:t>企業担当者</a:t>
+              <a:t>企業</a:t>
             </a:r>
             <a:r>
               <a:rPr lang="en-US" altLang="ja-JP" sz="1800" dirty="0">
@@ -29863,7 +30347,51 @@
                 <a:latin typeface="+mn-ea"/>
                 <a:cs typeface="Times New Roman" panose="02020603050405020304" pitchFamily="18" charset="0"/>
               </a:rPr>
-              <a:t>ID</a:t>
+              <a:t> </a:t>
+            </a:r>
+            <a:r>
+              <a:rPr lang="ja-JP" altLang="ja-JP" sz="1800" dirty="0">
+                <a:solidFill>
+                  <a:schemeClr val="tx1"/>
+                </a:solidFill>
+                <a:effectLst/>
+                <a:latin typeface="+mn-ea"/>
+                <a:cs typeface="Times New Roman" panose="02020603050405020304" pitchFamily="18" charset="0"/>
+              </a:rPr>
+              <a:t>担当</a:t>
+            </a:r>
+            <a:r>
+              <a:rPr lang="en-US" altLang="ja-JP" sz="1800" dirty="0">
+                <a:solidFill>
+                  <a:schemeClr val="tx1"/>
+                </a:solidFill>
+                <a:effectLst/>
+                <a:latin typeface="+mn-ea"/>
+                <a:cs typeface="Times New Roman" panose="02020603050405020304" pitchFamily="18" charset="0"/>
+              </a:rPr>
+              <a:t> </a:t>
+            </a:r>
+            <a:r>
+              <a:rPr lang="ja-JP" altLang="ja-JP" sz="1800" dirty="0">
+                <a:solidFill>
+                  <a:schemeClr val="tx1"/>
+                </a:solidFill>
+                <a:effectLst/>
+                <a:latin typeface="+mn-ea"/>
+                <a:cs typeface="Times New Roman" panose="02020603050405020304" pitchFamily="18" charset="0"/>
+              </a:rPr>
+              <a:t>者</a:t>
+            </a:r>
+            <a:r>
+              <a:rPr lang="en-US" altLang="ja-JP" sz="1800" dirty="0">
+                <a:solidFill>
+                  <a:schemeClr val="tx1"/>
+                </a:solidFill>
+                <a:effectLst/>
+                <a:latin typeface="+mn-ea"/>
+                <a:cs typeface="Times New Roman" panose="02020603050405020304" pitchFamily="18" charset="0"/>
+              </a:rPr>
+              <a:t>I D</a:t>
             </a:r>
             <a:r>
               <a:rPr lang="en-US" altLang="ja-JP" dirty="0">
@@ -29884,7 +30412,7 @@
                 <a:latin typeface="+mn-ea"/>
                 <a:cs typeface="Times New Roman" panose="02020603050405020304" pitchFamily="18" charset="0"/>
               </a:rPr>
-              <a:t>企業担当者名</a:t>
+              <a:t>企業</a:t>
             </a:r>
             <a:r>
               <a:rPr lang="en-US" altLang="ja-JP" sz="1800" dirty="0">
@@ -29906,7 +30434,7 @@
                 <a:latin typeface="+mn-ea"/>
                 <a:cs typeface="Times New Roman" panose="02020603050405020304" pitchFamily="18" charset="0"/>
               </a:rPr>
-              <a:t>企業担当者</a:t>
+              <a:t>担当</a:t>
             </a:r>
             <a:r>
               <a:rPr lang="en-US" altLang="ja-JP" sz="1800" dirty="0">
@@ -29928,7 +30456,7 @@
                 <a:latin typeface="+mn-ea"/>
                 <a:cs typeface="Times New Roman" panose="02020603050405020304" pitchFamily="18" charset="0"/>
               </a:rPr>
-              <a:t>連絡先電話番号</a:t>
+              <a:t>者</a:t>
             </a:r>
             <a:r>
               <a:rPr lang="en-US" altLang="ja-JP" sz="1800" dirty="0">
@@ -29950,7 +30478,7 @@
                 <a:latin typeface="+mn-ea"/>
                 <a:cs typeface="Times New Roman" panose="02020603050405020304" pitchFamily="18" charset="0"/>
               </a:rPr>
-              <a:t>同メールアドレス</a:t>
+              <a:t>名</a:t>
             </a:r>
             <a:r>
               <a:rPr lang="en-US" altLang="ja-JP" sz="1800" dirty="0">
@@ -29964,6 +30492,204 @@
               <a:t> </a:t>
             </a:r>
             <a:r>
+              <a:rPr lang="ja-JP" altLang="ja-JP" sz="1800" dirty="0">
+                <a:solidFill>
+                  <a:schemeClr val="tx1"/>
+                </a:solidFill>
+                <a:effectLst/>
+                <a:latin typeface="+mn-ea"/>
+                <a:cs typeface="Times New Roman" panose="02020603050405020304" pitchFamily="18" charset="0"/>
+              </a:rPr>
+              <a:t>企業</a:t>
+            </a:r>
+            <a:r>
+              <a:rPr lang="en-US" altLang="ja-JP" sz="1800" dirty="0">
+                <a:solidFill>
+                  <a:schemeClr val="tx1"/>
+                </a:solidFill>
+                <a:effectLst/>
+                <a:latin typeface="+mn-ea"/>
+                <a:cs typeface="Times New Roman" panose="02020603050405020304" pitchFamily="18" charset="0"/>
+              </a:rPr>
+              <a:t> </a:t>
+            </a:r>
+            <a:r>
+              <a:rPr lang="ja-JP" altLang="ja-JP" sz="1800" dirty="0">
+                <a:solidFill>
+                  <a:schemeClr val="tx1"/>
+                </a:solidFill>
+                <a:effectLst/>
+                <a:latin typeface="+mn-ea"/>
+                <a:cs typeface="Times New Roman" panose="02020603050405020304" pitchFamily="18" charset="0"/>
+              </a:rPr>
+              <a:t>担当</a:t>
+            </a:r>
+            <a:r>
+              <a:rPr lang="en-US" altLang="ja-JP" sz="1800" dirty="0">
+                <a:solidFill>
+                  <a:schemeClr val="tx1"/>
+                </a:solidFill>
+                <a:effectLst/>
+                <a:latin typeface="+mn-ea"/>
+                <a:cs typeface="Times New Roman" panose="02020603050405020304" pitchFamily="18" charset="0"/>
+              </a:rPr>
+              <a:t> </a:t>
+            </a:r>
+            <a:r>
+              <a:rPr lang="ja-JP" altLang="ja-JP" sz="1800" dirty="0">
+                <a:solidFill>
+                  <a:schemeClr val="tx1"/>
+                </a:solidFill>
+                <a:effectLst/>
+                <a:latin typeface="+mn-ea"/>
+                <a:cs typeface="Times New Roman" panose="02020603050405020304" pitchFamily="18" charset="0"/>
+              </a:rPr>
+              <a:t>者</a:t>
+            </a:r>
+            <a:r>
+              <a:rPr lang="en-US" altLang="ja-JP" sz="1800" dirty="0">
+                <a:solidFill>
+                  <a:schemeClr val="tx1"/>
+                </a:solidFill>
+                <a:effectLst/>
+                <a:latin typeface="+mn-ea"/>
+                <a:cs typeface="Times New Roman" panose="02020603050405020304" pitchFamily="18" charset="0"/>
+              </a:rPr>
+              <a:t> </a:t>
+            </a:r>
+            <a:r>
+              <a:rPr lang="ja-JP" altLang="ja-JP" sz="1800" dirty="0">
+                <a:solidFill>
+                  <a:schemeClr val="tx1"/>
+                </a:solidFill>
+                <a:effectLst/>
+                <a:latin typeface="+mn-ea"/>
+                <a:cs typeface="Times New Roman" panose="02020603050405020304" pitchFamily="18" charset="0"/>
+              </a:rPr>
+              <a:t>連絡</a:t>
+            </a:r>
+            <a:r>
+              <a:rPr lang="en-US" altLang="ja-JP" sz="1800" dirty="0">
+                <a:solidFill>
+                  <a:schemeClr val="tx1"/>
+                </a:solidFill>
+                <a:effectLst/>
+                <a:latin typeface="+mn-ea"/>
+                <a:cs typeface="Times New Roman" panose="02020603050405020304" pitchFamily="18" charset="0"/>
+              </a:rPr>
+              <a:t> </a:t>
+            </a:r>
+            <a:r>
+              <a:rPr lang="ja-JP" altLang="ja-JP" sz="1800" dirty="0">
+                <a:solidFill>
+                  <a:schemeClr val="tx1"/>
+                </a:solidFill>
+                <a:effectLst/>
+                <a:latin typeface="+mn-ea"/>
+                <a:cs typeface="Times New Roman" panose="02020603050405020304" pitchFamily="18" charset="0"/>
+              </a:rPr>
+              <a:t>先</a:t>
+            </a:r>
+            <a:r>
+              <a:rPr lang="en-US" altLang="ja-JP" sz="1800" dirty="0">
+                <a:solidFill>
+                  <a:schemeClr val="tx1"/>
+                </a:solidFill>
+                <a:effectLst/>
+                <a:latin typeface="+mn-ea"/>
+                <a:cs typeface="Times New Roman" panose="02020603050405020304" pitchFamily="18" charset="0"/>
+              </a:rPr>
+              <a:t> </a:t>
+            </a:r>
+            <a:r>
+              <a:rPr lang="ja-JP" altLang="ja-JP" sz="1800" dirty="0">
+                <a:solidFill>
+                  <a:schemeClr val="tx1"/>
+                </a:solidFill>
+                <a:effectLst/>
+                <a:latin typeface="+mn-ea"/>
+                <a:cs typeface="Times New Roman" panose="02020603050405020304" pitchFamily="18" charset="0"/>
+              </a:rPr>
+              <a:t>電話</a:t>
+            </a:r>
+            <a:r>
+              <a:rPr lang="en-US" altLang="ja-JP" sz="1800" dirty="0">
+                <a:solidFill>
+                  <a:schemeClr val="tx1"/>
+                </a:solidFill>
+                <a:effectLst/>
+                <a:latin typeface="+mn-ea"/>
+                <a:cs typeface="Times New Roman" panose="02020603050405020304" pitchFamily="18" charset="0"/>
+              </a:rPr>
+              <a:t> </a:t>
+            </a:r>
+            <a:r>
+              <a:rPr lang="ja-JP" altLang="ja-JP" sz="1800" dirty="0">
+                <a:solidFill>
+                  <a:schemeClr val="tx1"/>
+                </a:solidFill>
+                <a:effectLst/>
+                <a:latin typeface="+mn-ea"/>
+                <a:cs typeface="Times New Roman" panose="02020603050405020304" pitchFamily="18" charset="0"/>
+              </a:rPr>
+              <a:t>番号</a:t>
+            </a:r>
+            <a:r>
+              <a:rPr lang="en-US" altLang="ja-JP" sz="1800" dirty="0">
+                <a:solidFill>
+                  <a:schemeClr val="tx1"/>
+                </a:solidFill>
+                <a:effectLst/>
+                <a:latin typeface="+mn-ea"/>
+                <a:cs typeface="Times New Roman" panose="02020603050405020304" pitchFamily="18" charset="0"/>
+              </a:rPr>
+              <a:t> </a:t>
+            </a:r>
+            <a:r>
+              <a:rPr lang="ja-JP" altLang="ja-JP" sz="1800" dirty="0">
+                <a:solidFill>
+                  <a:schemeClr val="tx1"/>
+                </a:solidFill>
+                <a:effectLst/>
+                <a:latin typeface="+mn-ea"/>
+                <a:cs typeface="Times New Roman" panose="02020603050405020304" pitchFamily="18" charset="0"/>
+              </a:rPr>
+              <a:t>同</a:t>
+            </a:r>
+            <a:r>
+              <a:rPr lang="en-US" altLang="ja-JP" sz="1800" dirty="0">
+                <a:solidFill>
+                  <a:schemeClr val="tx1"/>
+                </a:solidFill>
+                <a:effectLst/>
+                <a:latin typeface="+mn-ea"/>
+                <a:cs typeface="Times New Roman" panose="02020603050405020304" pitchFamily="18" charset="0"/>
+              </a:rPr>
+              <a:t> </a:t>
+            </a:r>
+            <a:r>
+              <a:rPr lang="ja-JP" altLang="ja-JP" sz="1800" dirty="0">
+                <a:solidFill>
+                  <a:schemeClr val="tx1"/>
+                </a:solidFill>
+                <a:effectLst/>
+                <a:latin typeface="+mn-ea"/>
+                <a:cs typeface="Times New Roman" panose="02020603050405020304" pitchFamily="18" charset="0"/>
+              </a:rPr>
+              <a:t>メールアドレス</a:t>
+            </a:r>
+            <a:r>
+              <a:rPr lang="en-US" altLang="ja-JP" sz="1800" dirty="0">
+                <a:solidFill>
+                  <a:schemeClr val="tx1"/>
+                </a:solidFill>
+                <a:effectLst/>
+                <a:latin typeface="+mn-ea"/>
+                <a:cs typeface="Times New Roman" panose="02020603050405020304" pitchFamily="18" charset="0"/>
+              </a:rPr>
+              <a:t> </a:t>
+            </a:r>
+            <a:r>
               <a:rPr lang="ja-JP" altLang="en-US" dirty="0">
                 <a:solidFill>
                   <a:schemeClr val="tx1"/>
@@ -29982,7 +30708,7 @@
                 <a:latin typeface="+mn-ea"/>
                 <a:cs typeface="Times New Roman" panose="02020603050405020304" pitchFamily="18" charset="0"/>
               </a:rPr>
-              <a:t> 4</a:t>
+              <a:t> 4 </a:t>
             </a:r>
             <a:r>
               <a:rPr lang="ja-JP" altLang="ja-JP" sz="1800" dirty="0">
@@ -29994,17 +30720,6 @@
                 <a:cs typeface="Times New Roman" panose="02020603050405020304" pitchFamily="18" charset="0"/>
               </a:rPr>
               <a:t>つ</a:t>
-            </a:r>
-            <a:r>
-              <a:rPr lang="en-US" altLang="ja-JP" sz="1800" dirty="0">
-                <a:solidFill>
-                  <a:schemeClr val="tx1"/>
-                </a:solidFill>
-                <a:effectLst/>
-                <a:latin typeface="+mn-ea"/>
-                <a:cs typeface="Times New Roman" panose="02020603050405020304" pitchFamily="18" charset="0"/>
-              </a:rPr>
-              <a:t> </a:t>
             </a:r>
             <a:r>
               <a:rPr lang="ja-JP" altLang="en-US" sz="1800" dirty="0">
@@ -30085,7 +30800,7 @@
         <p:spPr>
           <a:xfrm>
             <a:off x="-1364343" y="3327697"/>
-            <a:ext cx="13149942" cy="470407"/>
+            <a:ext cx="13745028" cy="470407"/>
           </a:xfrm>
           <a:prstGeom prst="rect">
             <a:avLst/>
@@ -30447,7 +31162,7 @@
         <p:spPr>
           <a:xfrm>
             <a:off x="-1364343" y="3798102"/>
-            <a:ext cx="13149942" cy="470407"/>
+            <a:ext cx="13745028" cy="470407"/>
           </a:xfrm>
           <a:prstGeom prst="rect">
             <a:avLst/>
@@ -30488,7 +31203,7 @@
                 <a:latin typeface="+mn-ea"/>
                 <a:cs typeface="Times New Roman" panose="02020603050405020304" pitchFamily="18" charset="0"/>
               </a:rPr>
-              <a:t>一覧</a:t>
+              <a:t>項目</a:t>
             </a:r>
             <a:r>
               <a:rPr lang="ja-JP" altLang="en-US" dirty="0">
@@ -30498,7 +31213,28 @@
                 <a:latin typeface="+mn-ea"/>
                 <a:cs typeface="Times New Roman" panose="02020603050405020304" pitchFamily="18" charset="0"/>
               </a:rPr>
-              <a:t> の</a:t>
+              <a:t> は </a:t>
+            </a:r>
+            <a:r>
+              <a:rPr lang="ja-JP" altLang="ja-JP" sz="1800" dirty="0">
+                <a:solidFill>
+                  <a:schemeClr val="tx1"/>
+                </a:solidFill>
+                <a:effectLst/>
+                <a:latin typeface="+mn-ea"/>
+                <a:cs typeface="Times New Roman" panose="02020603050405020304" pitchFamily="18" charset="0"/>
+              </a:rPr>
+              <a:t>企業</a:t>
+            </a:r>
+            <a:r>
+              <a:rPr lang="ja-JP" altLang="en-US" dirty="0">
+                <a:solidFill>
+                  <a:schemeClr val="tx1"/>
+                </a:solidFill>
+                <a:latin typeface="+mn-ea"/>
+                <a:cs typeface="Times New Roman" panose="02020603050405020304" pitchFamily="18" charset="0"/>
+              </a:rPr>
+              <a:t> </a:t>
             </a:r>
             <a:r>
               <a:rPr lang="en-US" altLang="ja-JP" sz="1800" dirty="0">
@@ -30509,6 +31245,16 @@
                 <a:latin typeface="+mn-ea"/>
                 <a:cs typeface="Times New Roman" panose="02020603050405020304" pitchFamily="18" charset="0"/>
               </a:rPr>
+              <a:t>ID</a:t>
+            </a:r>
+            <a:r>
+              <a:rPr lang="en-US" altLang="ja-JP" dirty="0">
+                <a:solidFill>
+                  <a:schemeClr val="tx1"/>
+                </a:solidFill>
+                <a:latin typeface="+mn-ea"/>
+                <a:cs typeface="Times New Roman" panose="02020603050405020304" pitchFamily="18" charset="0"/>
+              </a:rPr>
               <a:t> </a:t>
             </a:r>
             <a:r>
@@ -30520,17 +31266,18 @@
                 <a:latin typeface="+mn-ea"/>
                 <a:cs typeface="Times New Roman" panose="02020603050405020304" pitchFamily="18" charset="0"/>
               </a:rPr>
-              <a:t>項目</a:t>
-            </a:r>
-            <a:r>
-              <a:rPr lang="ja-JP" altLang="en-US" dirty="0">
-                <a:solidFill>
-                  <a:schemeClr val="tx1"/>
-                </a:solidFill>
-                <a:latin typeface="+mn-ea"/>
-                <a:cs typeface="Times New Roman" panose="02020603050405020304" pitchFamily="18" charset="0"/>
-              </a:rPr>
-              <a:t> は </a:t>
+              <a:t>企業</a:t>
+            </a:r>
+            <a:r>
+              <a:rPr lang="en-US" altLang="ja-JP" sz="1800" dirty="0">
+                <a:solidFill>
+                  <a:schemeClr val="tx1"/>
+                </a:solidFill>
+                <a:effectLst/>
+                <a:latin typeface="+mn-ea"/>
+                <a:cs typeface="Times New Roman" panose="02020603050405020304" pitchFamily="18" charset="0"/>
+              </a:rPr>
+              <a:t> </a:t>
             </a:r>
             <a:r>
               <a:rPr lang="ja-JP" altLang="ja-JP" sz="1800" dirty="0">
@@ -30541,39 +31288,7 @@
                 <a:latin typeface="+mn-ea"/>
                 <a:cs typeface="Times New Roman" panose="02020603050405020304" pitchFamily="18" charset="0"/>
               </a:rPr>
-              <a:t>企業</a:t>
-            </a:r>
-            <a:r>
-              <a:rPr lang="en-US" altLang="ja-JP" sz="1800" dirty="0">
-                <a:solidFill>
-                  <a:schemeClr val="tx1"/>
-                </a:solidFill>
-                <a:effectLst/>
-                <a:latin typeface="+mn-ea"/>
-                <a:cs typeface="Times New Roman" panose="02020603050405020304" pitchFamily="18" charset="0"/>
-              </a:rPr>
-              <a:t>ID</a:t>
-            </a:r>
-            <a:r>
-              <a:rPr lang="en-US" altLang="ja-JP" dirty="0">
-                <a:solidFill>
-                  <a:schemeClr val="tx1"/>
-                </a:solidFill>
-                <a:latin typeface="+mn-ea"/>
-                <a:cs typeface="Times New Roman" panose="02020603050405020304" pitchFamily="18" charset="0"/>
-              </a:rPr>
-              <a:t> </a:t>
-            </a:r>
-            <a:r>
-              <a:rPr lang="ja-JP" altLang="ja-JP" sz="1800" dirty="0">
-                <a:solidFill>
-                  <a:schemeClr val="tx1"/>
-                </a:solidFill>
-                <a:effectLst/>
-                <a:latin typeface="+mn-ea"/>
-                <a:cs typeface="Times New Roman" panose="02020603050405020304" pitchFamily="18" charset="0"/>
-              </a:rPr>
-              <a:t>企業名</a:t>
+              <a:t>名</a:t>
             </a:r>
             <a:r>
               <a:rPr lang="en-US" altLang="ja-JP" sz="1800" dirty="0">
@@ -30665,7 +31380,7 @@
         <p:spPr>
           <a:xfrm>
             <a:off x="-1364343" y="4268509"/>
-            <a:ext cx="13149942" cy="470407"/>
+            <a:ext cx="13745028" cy="470407"/>
           </a:xfrm>
           <a:prstGeom prst="rect">
             <a:avLst/>
@@ -30782,7 +31497,29 @@
                 <a:latin typeface="+mn-ea"/>
                 <a:cs typeface="Times New Roman" panose="02020603050405020304" pitchFamily="18" charset="0"/>
               </a:rPr>
-              <a:t>エントリ登録</a:t>
+              <a:t>エントリ</a:t>
+            </a:r>
+            <a:r>
+              <a:rPr lang="en-US" altLang="ja-JP" sz="1800" dirty="0">
+                <a:solidFill>
+                  <a:schemeClr val="tx1"/>
+                </a:solidFill>
+                <a:effectLst/>
+                <a:latin typeface="+mn-ea"/>
+                <a:cs typeface="Times New Roman" panose="02020603050405020304" pitchFamily="18" charset="0"/>
+              </a:rPr>
+              <a:t> </a:t>
+            </a:r>
+            <a:r>
+              <a:rPr lang="ja-JP" altLang="ja-JP" sz="1800" dirty="0">
+                <a:solidFill>
+                  <a:schemeClr val="tx1"/>
+                </a:solidFill>
+                <a:effectLst/>
+                <a:latin typeface="+mn-ea"/>
+                <a:cs typeface="Times New Roman" panose="02020603050405020304" pitchFamily="18" charset="0"/>
+              </a:rPr>
+              <a:t>登録</a:t>
             </a:r>
             <a:r>
               <a:rPr lang="en-US" altLang="ja-JP" sz="1800" dirty="0">
@@ -30904,8 +31641,8 @@
         </p:nvSpPr>
         <p:spPr>
           <a:xfrm>
-            <a:off x="-1364343" y="975074"/>
-            <a:ext cx="13149942" cy="470407"/>
+            <a:off x="-1364344" y="975074"/>
+            <a:ext cx="13745029" cy="470407"/>
           </a:xfrm>
           <a:prstGeom prst="rect">
             <a:avLst/>
@@ -30938,6 +31675,17 @@
           <a:lstStyle/>
           <a:p>
             <a:r>
+              <a:rPr lang="ja-JP" altLang="en-US" sz="1800" dirty="0">
+                <a:solidFill>
+                  <a:schemeClr val="tx1"/>
+                </a:solidFill>
+                <a:effectLst/>
+                <a:latin typeface="+mn-ea"/>
+                <a:cs typeface="Times New Roman" panose="02020603050405020304" pitchFamily="18" charset="0"/>
+              </a:rPr>
+              <a:t>本 </a:t>
+            </a:r>
+            <a:r>
               <a:rPr lang="ja-JP" altLang="ja-JP" sz="1800" dirty="0">
                 <a:solidFill>
                   <a:schemeClr val="tx1"/>
@@ -31202,7 +31950,7 @@
         <p:spPr>
           <a:xfrm>
             <a:off x="-1364343" y="4738916"/>
-            <a:ext cx="13149942" cy="470407"/>
+            <a:ext cx="13745028" cy="470407"/>
           </a:xfrm>
           <a:prstGeom prst="rect">
             <a:avLst/>
@@ -31590,7 +32338,7 @@
         <p:spPr>
           <a:xfrm>
             <a:off x="-1364343" y="5209323"/>
-            <a:ext cx="13149942" cy="470407"/>
+            <a:ext cx="13745028" cy="470407"/>
           </a:xfrm>
           <a:prstGeom prst="rect">
             <a:avLst/>
@@ -31652,7 +32400,7 @@
                 <a:latin typeface="+mn-ea"/>
                 <a:cs typeface="Times New Roman" panose="02020603050405020304" pitchFamily="18" charset="0"/>
               </a:rPr>
-              <a:t>8</a:t>
+              <a:t>8 </a:t>
             </a:r>
             <a:r>
               <a:rPr lang="ja-JP" altLang="ja-JP" sz="1800" dirty="0">
@@ -32867,29 +33615,7 @@
                 <a:latin typeface="+mn-ea"/>
                 <a:cs typeface="Times New Roman" panose="02020603050405020304" pitchFamily="18" charset="0"/>
               </a:rPr>
-              <a:t>企業担当者</a:t>
-            </a:r>
-            <a:r>
-              <a:rPr lang="en-US" altLang="ja-JP" sz="1800" dirty="0">
-                <a:solidFill>
-                  <a:schemeClr val="tx1"/>
-                </a:solidFill>
-                <a:effectLst/>
-                <a:latin typeface="+mn-ea"/>
-                <a:cs typeface="Times New Roman" panose="02020603050405020304" pitchFamily="18" charset="0"/>
-              </a:rPr>
-              <a:t> </a:t>
-            </a:r>
-            <a:r>
-              <a:rPr lang="ja-JP" altLang="ja-JP" sz="1800" dirty="0">
-                <a:solidFill>
-                  <a:schemeClr val="tx1"/>
-                </a:solidFill>
-                <a:effectLst/>
-                <a:latin typeface="+mn-ea"/>
-                <a:cs typeface="Times New Roman" panose="02020603050405020304" pitchFamily="18" charset="0"/>
-              </a:rPr>
-              <a:t>連絡先電話番号</a:t>
+              <a:t>企業担当者連絡先電話番号</a:t>
             </a:r>
             <a:r>
               <a:rPr lang="en-US" altLang="ja-JP" sz="1800" dirty="0">
@@ -33299,28 +34025,6 @@
           <a:bodyPr rtlCol="0" anchor="ctr"/>
           <a:lstStyle/>
           <a:p>
-            <a:r>
-              <a:rPr lang="ja-JP" altLang="ja-JP" sz="1800" dirty="0">
-                <a:solidFill>
-                  <a:schemeClr val="tx1"/>
-                </a:solidFill>
-                <a:effectLst/>
-                <a:latin typeface="+mn-ea"/>
-                <a:cs typeface="Times New Roman" panose="02020603050405020304" pitchFamily="18" charset="0"/>
-              </a:rPr>
-              <a:t>一覧</a:t>
-            </a:r>
-            <a:r>
-              <a:rPr lang="en-US" altLang="ja-JP" sz="1800" dirty="0">
-                <a:solidFill>
-                  <a:schemeClr val="tx1"/>
-                </a:solidFill>
-                <a:effectLst/>
-                <a:latin typeface="+mn-ea"/>
-                <a:cs typeface="Times New Roman" panose="02020603050405020304" pitchFamily="18" charset="0"/>
-              </a:rPr>
-              <a:t> </a:t>
-            </a:r>
             <a:r>
               <a:rPr lang="ja-JP" altLang="ja-JP" sz="1800" dirty="0">
                 <a:solidFill>
@@ -34961,15 +35665,14 @@
               <a:t>企業</a:t>
             </a:r>
             <a:r>
-              <a:rPr lang="en-US" altLang="ja-JP" sz="1800" dirty="0">
-                <a:solidFill>
-                  <a:schemeClr val="tx1"/>
-                </a:solidFill>
-                <a:effectLst/>
-                <a:latin typeface="+mn-ea"/>
-                <a:cs typeface="Times New Roman" panose="02020603050405020304" pitchFamily="18" charset="0"/>
-              </a:rPr>
-              <a:t> </a:t>
+              <a:rPr lang="ja-JP" altLang="en-US" dirty="0">
+                <a:solidFill>
+                  <a:schemeClr val="tx1"/>
+                </a:solidFill>
+                <a:latin typeface="+mn-ea"/>
+                <a:cs typeface="Times New Roman" panose="02020603050405020304" pitchFamily="18" charset="0"/>
+              </a:rPr>
+              <a:t>・</a:t>
             </a:r>
             <a:r>
               <a:rPr lang="ja-JP" altLang="ja-JP" sz="1800" dirty="0">

--- a/image/sozai.pptx
+++ b/image/sozai.pptx
@@ -27,6 +27,8 @@
     <p:sldId id="264" r:id="rId21"/>
     <p:sldId id="265" r:id="rId22"/>
     <p:sldId id="266" r:id="rId23"/>
+    <p:sldId id="279" r:id="rId24"/>
+    <p:sldId id="280" r:id="rId25"/>
   </p:sldIdLst>
   <p:sldSz cx="12192000" cy="6858000"/>
   <p:notesSz cx="6858000" cy="9144000"/>
@@ -280,7 +282,7 @@
           <a:p>
             <a:fld id="{51DEC66E-F99F-4E03-A198-7E46B22D1B0C}" type="datetimeFigureOut">
               <a:rPr kumimoji="1" lang="ja-JP" altLang="en-US" smtClean="0"/>
-              <a:t>2023/1/3</a:t>
+              <a:t>2023/1/11</a:t>
             </a:fld>
             <a:endParaRPr kumimoji="1" lang="ja-JP" altLang="en-US"/>
           </a:p>
@@ -510,7 +512,7 @@
           <a:p>
             <a:fld id="{51DEC66E-F99F-4E03-A198-7E46B22D1B0C}" type="datetimeFigureOut">
               <a:rPr kumimoji="1" lang="ja-JP" altLang="en-US" smtClean="0"/>
-              <a:t>2023/1/3</a:t>
+              <a:t>2023/1/11</a:t>
             </a:fld>
             <a:endParaRPr kumimoji="1" lang="ja-JP" altLang="en-US"/>
           </a:p>
@@ -750,7 +752,7 @@
           <a:p>
             <a:fld id="{51DEC66E-F99F-4E03-A198-7E46B22D1B0C}" type="datetimeFigureOut">
               <a:rPr kumimoji="1" lang="ja-JP" altLang="en-US" smtClean="0"/>
-              <a:t>2023/1/3</a:t>
+              <a:t>2023/1/11</a:t>
             </a:fld>
             <a:endParaRPr kumimoji="1" lang="ja-JP" altLang="en-US"/>
           </a:p>
@@ -980,7 +982,7 @@
           <a:p>
             <a:fld id="{51DEC66E-F99F-4E03-A198-7E46B22D1B0C}" type="datetimeFigureOut">
               <a:rPr kumimoji="1" lang="ja-JP" altLang="en-US" smtClean="0"/>
-              <a:t>2023/1/3</a:t>
+              <a:t>2023/1/11</a:t>
             </a:fld>
             <a:endParaRPr kumimoji="1" lang="ja-JP" altLang="en-US"/>
           </a:p>
@@ -1255,7 +1257,7 @@
           <a:p>
             <a:fld id="{51DEC66E-F99F-4E03-A198-7E46B22D1B0C}" type="datetimeFigureOut">
               <a:rPr kumimoji="1" lang="ja-JP" altLang="en-US" smtClean="0"/>
-              <a:t>2023/1/3</a:t>
+              <a:t>2023/1/11</a:t>
             </a:fld>
             <a:endParaRPr kumimoji="1" lang="ja-JP" altLang="en-US"/>
           </a:p>
@@ -1584,7 +1586,7 @@
           <a:p>
             <a:fld id="{51DEC66E-F99F-4E03-A198-7E46B22D1B0C}" type="datetimeFigureOut">
               <a:rPr kumimoji="1" lang="ja-JP" altLang="en-US" smtClean="0"/>
-              <a:t>2023/1/3</a:t>
+              <a:t>2023/1/11</a:t>
             </a:fld>
             <a:endParaRPr kumimoji="1" lang="ja-JP" altLang="en-US"/>
           </a:p>
@@ -2060,7 +2062,7 @@
           <a:p>
             <a:fld id="{51DEC66E-F99F-4E03-A198-7E46B22D1B0C}" type="datetimeFigureOut">
               <a:rPr kumimoji="1" lang="ja-JP" altLang="en-US" smtClean="0"/>
-              <a:t>2023/1/3</a:t>
+              <a:t>2023/1/11</a:t>
             </a:fld>
             <a:endParaRPr kumimoji="1" lang="ja-JP" altLang="en-US"/>
           </a:p>
@@ -2201,7 +2203,7 @@
           <a:p>
             <a:fld id="{51DEC66E-F99F-4E03-A198-7E46B22D1B0C}" type="datetimeFigureOut">
               <a:rPr kumimoji="1" lang="ja-JP" altLang="en-US" smtClean="0"/>
-              <a:t>2023/1/3</a:t>
+              <a:t>2023/1/11</a:t>
             </a:fld>
             <a:endParaRPr kumimoji="1" lang="ja-JP" altLang="en-US"/>
           </a:p>
@@ -2314,7 +2316,7 @@
           <a:p>
             <a:fld id="{51DEC66E-F99F-4E03-A198-7E46B22D1B0C}" type="datetimeFigureOut">
               <a:rPr kumimoji="1" lang="ja-JP" altLang="en-US" smtClean="0"/>
-              <a:t>2023/1/3</a:t>
+              <a:t>2023/1/11</a:t>
             </a:fld>
             <a:endParaRPr kumimoji="1" lang="ja-JP" altLang="en-US"/>
           </a:p>
@@ -2657,7 +2659,7 @@
           <a:p>
             <a:fld id="{51DEC66E-F99F-4E03-A198-7E46B22D1B0C}" type="datetimeFigureOut">
               <a:rPr kumimoji="1" lang="ja-JP" altLang="en-US" smtClean="0"/>
-              <a:t>2023/1/3</a:t>
+              <a:t>2023/1/11</a:t>
             </a:fld>
             <a:endParaRPr kumimoji="1" lang="ja-JP" altLang="en-US"/>
           </a:p>
@@ -2945,7 +2947,7 @@
           <a:p>
             <a:fld id="{51DEC66E-F99F-4E03-A198-7E46B22D1B0C}" type="datetimeFigureOut">
               <a:rPr kumimoji="1" lang="ja-JP" altLang="en-US" smtClean="0"/>
-              <a:t>2023/1/3</a:t>
+              <a:t>2023/1/11</a:t>
             </a:fld>
             <a:endParaRPr kumimoji="1" lang="ja-JP" altLang="en-US"/>
           </a:p>
@@ -3218,7 +3220,7 @@
           <a:p>
             <a:fld id="{51DEC66E-F99F-4E03-A198-7E46B22D1B0C}" type="datetimeFigureOut">
               <a:rPr kumimoji="1" lang="ja-JP" altLang="en-US" smtClean="0"/>
-              <a:t>2023/1/3</a:t>
+              <a:t>2023/1/11</a:t>
             </a:fld>
             <a:endParaRPr kumimoji="1" lang="ja-JP" altLang="en-US"/>
           </a:p>
@@ -16742,7 +16744,7 @@
         </p:nvSpPr>
         <p:spPr>
           <a:xfrm>
-            <a:off x="1007386" y="1614999"/>
+            <a:off x="1043058" y="1616272"/>
             <a:ext cx="1031051" cy="261610"/>
           </a:xfrm>
           <a:prstGeom prst="rect">
@@ -18599,7 +18601,7 @@
         <p:spPr>
           <a:xfrm>
             <a:off x="4699246" y="710187"/>
-            <a:ext cx="261610" cy="253916"/>
+            <a:ext cx="298480" cy="253916"/>
           </a:xfrm>
           <a:prstGeom prst="rect">
             <a:avLst/>
@@ -18614,7 +18616,7 @@
           <a:p>
             <a:r>
               <a:rPr kumimoji="1" lang="en-US" altLang="ja-JP" sz="1050" b="1" dirty="0"/>
-              <a:t>1</a:t>
+              <a:t>1.</a:t>
             </a:r>
             <a:endParaRPr kumimoji="1" lang="ja-JP" altLang="en-US" sz="1050" b="1" dirty="0"/>
           </a:p>
@@ -18752,7 +18754,7 @@
         <p:spPr>
           <a:xfrm>
             <a:off x="3643105" y="900244"/>
-            <a:ext cx="261610" cy="253916"/>
+            <a:ext cx="298480" cy="253916"/>
           </a:xfrm>
           <a:prstGeom prst="rect">
             <a:avLst/>
@@ -18767,7 +18769,7 @@
           <a:p>
             <a:r>
               <a:rPr lang="en-US" altLang="ja-JP" sz="1050" b="1" dirty="0"/>
-              <a:t>2</a:t>
+              <a:t>2.</a:t>
             </a:r>
             <a:endParaRPr kumimoji="1" lang="ja-JP" altLang="en-US" sz="1050" b="1" dirty="0"/>
           </a:p>
@@ -18788,7 +18790,7 @@
         <p:spPr>
           <a:xfrm>
             <a:off x="756801" y="1614999"/>
-            <a:ext cx="396262" cy="253916"/>
+            <a:ext cx="470000" cy="253916"/>
           </a:xfrm>
           <a:prstGeom prst="rect">
             <a:avLst/>
@@ -18803,7 +18805,7 @@
           <a:p>
             <a:r>
               <a:rPr lang="en-US" altLang="ja-JP" sz="1050" b="1" dirty="0"/>
-              <a:t>4-6</a:t>
+              <a:t>4.-6.</a:t>
             </a:r>
             <a:endParaRPr kumimoji="1" lang="ja-JP" altLang="en-US" sz="1050" b="1" dirty="0"/>
           </a:p>
@@ -18824,7 +18826,7 @@
         <p:spPr>
           <a:xfrm>
             <a:off x="486011" y="1096022"/>
-            <a:ext cx="261610" cy="253916"/>
+            <a:ext cx="298480" cy="253916"/>
           </a:xfrm>
           <a:prstGeom prst="rect">
             <a:avLst/>
@@ -18839,7 +18841,7 @@
           <a:p>
             <a:r>
               <a:rPr kumimoji="1" lang="en-US" altLang="ja-JP" sz="1050" b="1" dirty="0"/>
-              <a:t>7</a:t>
+              <a:t>7.</a:t>
             </a:r>
             <a:endParaRPr kumimoji="1" lang="ja-JP" altLang="en-US" sz="1050" b="1" dirty="0"/>
           </a:p>
@@ -18875,7 +18877,7 @@
           <a:p>
             <a:r>
               <a:rPr lang="en-US" altLang="ja-JP" sz="1050" b="1" dirty="0"/>
-              <a:t>7(b)</a:t>
+              <a:t>7.b.</a:t>
             </a:r>
             <a:endParaRPr kumimoji="1" lang="ja-JP" altLang="en-US" sz="1050" b="1" dirty="0"/>
           </a:p>
@@ -18896,7 +18898,7 @@
         <p:spPr>
           <a:xfrm>
             <a:off x="924069" y="3310672"/>
-            <a:ext cx="755335" cy="253916"/>
+            <a:ext cx="723275" cy="253916"/>
           </a:xfrm>
           <a:prstGeom prst="rect">
             <a:avLst/>
@@ -18911,7 +18913,7 @@
           <a:p>
             <a:r>
               <a:rPr lang="en-US" altLang="ja-JP" sz="1050" b="1" dirty="0"/>
-              <a:t>7(d),7(e)</a:t>
+              <a:t>7.d., 7.e.</a:t>
             </a:r>
             <a:endParaRPr kumimoji="1" lang="ja-JP" altLang="en-US" sz="1050" b="1" dirty="0"/>
           </a:p>
@@ -18982,7 +18984,7 @@
         <p:spPr>
           <a:xfrm>
             <a:off x="790334" y="1861163"/>
-            <a:ext cx="449162" cy="253916"/>
+            <a:ext cx="413896" cy="253916"/>
           </a:xfrm>
           <a:prstGeom prst="rect">
             <a:avLst/>
@@ -18997,7 +18999,7 @@
           <a:p>
             <a:r>
               <a:rPr lang="en-US" altLang="ja-JP" sz="1050" b="1" dirty="0"/>
-              <a:t>7(a)</a:t>
+              <a:t>7.a.</a:t>
             </a:r>
             <a:endParaRPr kumimoji="1" lang="ja-JP" altLang="en-US" sz="1050" b="1" dirty="0"/>
           </a:p>
@@ -19068,7 +19070,7 @@
         <p:spPr>
           <a:xfrm>
             <a:off x="544176" y="2934886"/>
-            <a:ext cx="421910" cy="253916"/>
+            <a:ext cx="386644" cy="253916"/>
           </a:xfrm>
           <a:prstGeom prst="rect">
             <a:avLst/>
@@ -19083,7 +19085,7 @@
           <a:p>
             <a:r>
               <a:rPr lang="en-US" altLang="ja-JP" sz="1050" b="1" dirty="0"/>
-              <a:t>7(f)</a:t>
+              <a:t>7.f.</a:t>
             </a:r>
             <a:endParaRPr kumimoji="1" lang="ja-JP" altLang="en-US" sz="1050" b="1" dirty="0"/>
           </a:p>
@@ -19104,7 +19106,7 @@
         <p:spPr>
           <a:xfrm>
             <a:off x="6393010" y="3306895"/>
-            <a:ext cx="460382" cy="253916"/>
+            <a:ext cx="461986" cy="253916"/>
           </a:xfrm>
           <a:prstGeom prst="rect">
             <a:avLst/>
@@ -19119,11 +19121,7 @@
           <a:p>
             <a:r>
               <a:rPr lang="en-US" altLang="ja-JP" sz="1050" b="1" dirty="0"/>
-              <a:t>7(f)</a:t>
-            </a:r>
-            <a:r>
-              <a:rPr lang="en-US" altLang="ja-JP" sz="1050" b="1" dirty="0" err="1"/>
-              <a:t>i</a:t>
+              <a:t>7.f.i.</a:t>
             </a:r>
             <a:endParaRPr kumimoji="1" lang="ja-JP" altLang="en-US" sz="1050" b="1" dirty="0"/>
           </a:p>
@@ -19144,7 +19142,7 @@
         <p:spPr>
           <a:xfrm>
             <a:off x="831566" y="4873105"/>
-            <a:ext cx="878767" cy="253916"/>
+            <a:ext cx="920445" cy="253916"/>
           </a:xfrm>
           <a:prstGeom prst="rect">
             <a:avLst/>
@@ -19159,7 +19157,7 @@
           <a:p>
             <a:r>
               <a:rPr lang="en-US" altLang="ja-JP" sz="1050" b="1" dirty="0"/>
-              <a:t>7(f)iv,7(f)v</a:t>
+              <a:t>7.f.iv., 7.f.v.</a:t>
             </a:r>
             <a:endParaRPr kumimoji="1" lang="ja-JP" altLang="en-US" sz="1050" b="1" dirty="0"/>
           </a:p>
@@ -19180,7 +19178,7 @@
         <p:spPr>
           <a:xfrm>
             <a:off x="5824964" y="1316310"/>
-            <a:ext cx="261610" cy="253916"/>
+            <a:ext cx="298480" cy="253916"/>
           </a:xfrm>
           <a:prstGeom prst="rect">
             <a:avLst/>
@@ -19195,7 +19193,7 @@
           <a:p>
             <a:r>
               <a:rPr kumimoji="1" lang="en-US" altLang="ja-JP" sz="1050" b="1" dirty="0"/>
-              <a:t>3</a:t>
+              <a:t>3.</a:t>
             </a:r>
             <a:endParaRPr kumimoji="1" lang="ja-JP" altLang="en-US" sz="1050" b="1" dirty="0"/>
           </a:p>
@@ -19231,7 +19229,7 @@
           <a:p>
             <a:r>
               <a:rPr lang="en-US" altLang="ja-JP" sz="1050" b="1" dirty="0"/>
-              <a:t>7(c)</a:t>
+              <a:t>7.c.</a:t>
             </a:r>
             <a:endParaRPr kumimoji="1" lang="ja-JP" altLang="en-US" sz="1050" b="1" dirty="0"/>
           </a:p>
@@ -19252,7 +19250,7 @@
         <p:spPr>
           <a:xfrm>
             <a:off x="1733575" y="3259139"/>
-            <a:ext cx="498855" cy="253916"/>
+            <a:ext cx="463588" cy="253916"/>
           </a:xfrm>
           <a:prstGeom prst="rect">
             <a:avLst/>
@@ -19267,7 +19265,7 @@
           <a:p>
             <a:r>
               <a:rPr lang="en-US" altLang="ja-JP" sz="1050" b="1" dirty="0"/>
-              <a:t>7(f)ii</a:t>
+              <a:t>7.f.ii</a:t>
             </a:r>
             <a:endParaRPr kumimoji="1" lang="ja-JP" altLang="en-US" sz="1050" b="1" dirty="0"/>
           </a:p>
@@ -19288,7 +19286,7 @@
         <p:spPr>
           <a:xfrm>
             <a:off x="2427051" y="4069398"/>
-            <a:ext cx="537327" cy="253916"/>
+            <a:ext cx="502061" cy="253916"/>
           </a:xfrm>
           <a:prstGeom prst="rect">
             <a:avLst/>
@@ -19303,7 +19301,7 @@
           <a:p>
             <a:r>
               <a:rPr lang="en-US" altLang="ja-JP" sz="1050" b="1" dirty="0"/>
-              <a:t>7(f)iii</a:t>
+              <a:t>7.f.iii</a:t>
             </a:r>
             <a:endParaRPr kumimoji="1" lang="ja-JP" altLang="en-US" sz="1050" b="1" dirty="0"/>
           </a:p>
@@ -19374,7 +19372,7 @@
         <p:spPr>
           <a:xfrm>
             <a:off x="686888" y="4215326"/>
-            <a:ext cx="421910" cy="253916"/>
+            <a:ext cx="386644" cy="253916"/>
           </a:xfrm>
           <a:prstGeom prst="rect">
             <a:avLst/>
@@ -19389,7 +19387,7 @@
           <a:p>
             <a:r>
               <a:rPr lang="en-US" altLang="ja-JP" sz="1050" b="1" dirty="0"/>
-              <a:t>7(f)</a:t>
+              <a:t>7.f.</a:t>
             </a:r>
             <a:endParaRPr kumimoji="1" lang="ja-JP" altLang="en-US" sz="1050" b="1" dirty="0"/>
           </a:p>
@@ -26924,7 +26922,7 @@
         </p:blipFill>
         <p:spPr>
           <a:xfrm>
-            <a:off x="-45360" y="596437"/>
+            <a:off x="3701622" y="1773874"/>
             <a:ext cx="3029373" cy="981212"/>
           </a:xfrm>
           <a:prstGeom prst="rect">
@@ -26960,7 +26958,7 @@
         </p:blipFill>
         <p:spPr>
           <a:xfrm>
-            <a:off x="2984013" y="596437"/>
+            <a:off x="270663" y="2112958"/>
             <a:ext cx="2124371" cy="1000265"/>
           </a:xfrm>
           <a:prstGeom prst="rect">
@@ -26996,7 +26994,7 @@
         </p:blipFill>
         <p:spPr>
           <a:xfrm>
-            <a:off x="-45360" y="1577649"/>
+            <a:off x="3703899" y="2843497"/>
             <a:ext cx="2829320" cy="1267002"/>
           </a:xfrm>
           <a:prstGeom prst="rect">
@@ -27032,7 +27030,7 @@
         </p:blipFill>
         <p:spPr>
           <a:xfrm>
-            <a:off x="2783960" y="1596702"/>
+            <a:off x="3701622" y="190420"/>
             <a:ext cx="3686689" cy="1495634"/>
           </a:xfrm>
           <a:prstGeom prst="rect">
@@ -27068,7 +27066,7 @@
         </p:blipFill>
         <p:spPr>
           <a:xfrm>
-            <a:off x="-464518" y="2844651"/>
+            <a:off x="276253" y="3328758"/>
             <a:ext cx="3248478" cy="781159"/>
           </a:xfrm>
           <a:prstGeom prst="rect">
@@ -27104,7 +27102,7 @@
         </p:blipFill>
         <p:spPr>
           <a:xfrm>
-            <a:off x="1369300" y="-1146882"/>
+            <a:off x="269007" y="190420"/>
             <a:ext cx="3105583" cy="1724266"/>
           </a:xfrm>
           <a:prstGeom prst="rect">
@@ -27112,6 +27110,318 @@
           </a:prstGeom>
         </p:spPr>
       </p:pic>
+      <p:sp>
+        <p:nvSpPr>
+          <p:cNvPr id="2" name="正方形/長方形 1">
+            <a:extLst>
+              <a:ext uri="{FF2B5EF4-FFF2-40B4-BE49-F238E27FC236}">
+                <a16:creationId xmlns:a16="http://schemas.microsoft.com/office/drawing/2014/main" id="{A09454BB-537E-A017-8B04-2EB7C85EE294}"/>
+              </a:ext>
+            </a:extLst>
+          </p:cNvPr>
+          <p:cNvSpPr/>
+          <p:nvPr/>
+        </p:nvSpPr>
+        <p:spPr>
+          <a:xfrm>
+            <a:off x="269007" y="190420"/>
+            <a:ext cx="3105583" cy="1724266"/>
+          </a:xfrm>
+          <a:prstGeom prst="rect">
+            <a:avLst/>
+          </a:prstGeom>
+          <a:noFill/>
+          <a:ln>
+            <a:solidFill>
+              <a:schemeClr val="tx1"/>
+            </a:solidFill>
+          </a:ln>
+        </p:spPr>
+        <p:style>
+          <a:lnRef idx="2">
+            <a:schemeClr val="accent1">
+              <a:shade val="50000"/>
+            </a:schemeClr>
+          </a:lnRef>
+          <a:fillRef idx="1">
+            <a:schemeClr val="accent1"/>
+          </a:fillRef>
+          <a:effectRef idx="0">
+            <a:schemeClr val="accent1"/>
+          </a:effectRef>
+          <a:fontRef idx="minor">
+            <a:schemeClr val="lt1"/>
+          </a:fontRef>
+        </p:style>
+        <p:txBody>
+          <a:bodyPr rtlCol="0" anchor="ctr"/>
+          <a:lstStyle/>
+          <a:p>
+            <a:pPr algn="ctr"/>
+            <a:endParaRPr kumimoji="1" lang="ja-JP" altLang="en-US"/>
+          </a:p>
+        </p:txBody>
+      </p:sp>
+      <p:sp>
+        <p:nvSpPr>
+          <p:cNvPr id="5" name="正方形/長方形 4">
+            <a:extLst>
+              <a:ext uri="{FF2B5EF4-FFF2-40B4-BE49-F238E27FC236}">
+                <a16:creationId xmlns:a16="http://schemas.microsoft.com/office/drawing/2014/main" id="{A02EF5FD-C3CB-7816-FCDD-004608577CE3}"/>
+              </a:ext>
+            </a:extLst>
+          </p:cNvPr>
+          <p:cNvSpPr/>
+          <p:nvPr/>
+        </p:nvSpPr>
+        <p:spPr>
+          <a:xfrm>
+            <a:off x="269007" y="2112958"/>
+            <a:ext cx="2126027" cy="1000265"/>
+          </a:xfrm>
+          <a:prstGeom prst="rect">
+            <a:avLst/>
+          </a:prstGeom>
+          <a:noFill/>
+          <a:ln>
+            <a:solidFill>
+              <a:schemeClr val="tx1"/>
+            </a:solidFill>
+          </a:ln>
+        </p:spPr>
+        <p:style>
+          <a:lnRef idx="2">
+            <a:schemeClr val="accent1">
+              <a:shade val="50000"/>
+            </a:schemeClr>
+          </a:lnRef>
+          <a:fillRef idx="1">
+            <a:schemeClr val="accent1"/>
+          </a:fillRef>
+          <a:effectRef idx="0">
+            <a:schemeClr val="accent1"/>
+          </a:effectRef>
+          <a:fontRef idx="minor">
+            <a:schemeClr val="lt1"/>
+          </a:fontRef>
+        </p:style>
+        <p:txBody>
+          <a:bodyPr rtlCol="0" anchor="ctr"/>
+          <a:lstStyle/>
+          <a:p>
+            <a:pPr algn="ctr"/>
+            <a:endParaRPr kumimoji="1" lang="ja-JP" altLang="en-US"/>
+          </a:p>
+        </p:txBody>
+      </p:sp>
+      <p:sp>
+        <p:nvSpPr>
+          <p:cNvPr id="6" name="正方形/長方形 5">
+            <a:extLst>
+              <a:ext uri="{FF2B5EF4-FFF2-40B4-BE49-F238E27FC236}">
+                <a16:creationId xmlns:a16="http://schemas.microsoft.com/office/drawing/2014/main" id="{0084DE6B-A616-AB78-E4FD-55EAD211C668}"/>
+              </a:ext>
+            </a:extLst>
+          </p:cNvPr>
+          <p:cNvSpPr/>
+          <p:nvPr/>
+        </p:nvSpPr>
+        <p:spPr>
+          <a:xfrm>
+            <a:off x="269007" y="3311496"/>
+            <a:ext cx="3255724" cy="781159"/>
+          </a:xfrm>
+          <a:prstGeom prst="rect">
+            <a:avLst/>
+          </a:prstGeom>
+          <a:noFill/>
+          <a:ln>
+            <a:solidFill>
+              <a:schemeClr val="tx1"/>
+            </a:solidFill>
+          </a:ln>
+        </p:spPr>
+        <p:style>
+          <a:lnRef idx="2">
+            <a:schemeClr val="accent1">
+              <a:shade val="50000"/>
+            </a:schemeClr>
+          </a:lnRef>
+          <a:fillRef idx="1">
+            <a:schemeClr val="accent1"/>
+          </a:fillRef>
+          <a:effectRef idx="0">
+            <a:schemeClr val="accent1"/>
+          </a:effectRef>
+          <a:fontRef idx="minor">
+            <a:schemeClr val="lt1"/>
+          </a:fontRef>
+        </p:style>
+        <p:txBody>
+          <a:bodyPr rtlCol="0" anchor="ctr"/>
+          <a:lstStyle/>
+          <a:p>
+            <a:pPr algn="ctr"/>
+            <a:endParaRPr kumimoji="1" lang="ja-JP" altLang="en-US"/>
+          </a:p>
+        </p:txBody>
+      </p:sp>
+      <p:sp>
+        <p:nvSpPr>
+          <p:cNvPr id="7" name="正方形/長方形 6">
+            <a:extLst>
+              <a:ext uri="{FF2B5EF4-FFF2-40B4-BE49-F238E27FC236}">
+                <a16:creationId xmlns:a16="http://schemas.microsoft.com/office/drawing/2014/main" id="{40267E8B-F5E8-6A3F-55C4-8BB35F4C14D0}"/>
+              </a:ext>
+            </a:extLst>
+          </p:cNvPr>
+          <p:cNvSpPr/>
+          <p:nvPr/>
+        </p:nvSpPr>
+        <p:spPr>
+          <a:xfrm>
+            <a:off x="3703899" y="190420"/>
+            <a:ext cx="3684411" cy="1495634"/>
+          </a:xfrm>
+          <a:prstGeom prst="rect">
+            <a:avLst/>
+          </a:prstGeom>
+          <a:noFill/>
+          <a:ln>
+            <a:solidFill>
+              <a:schemeClr val="tx1"/>
+            </a:solidFill>
+          </a:ln>
+        </p:spPr>
+        <p:style>
+          <a:lnRef idx="2">
+            <a:schemeClr val="accent1">
+              <a:shade val="50000"/>
+            </a:schemeClr>
+          </a:lnRef>
+          <a:fillRef idx="1">
+            <a:schemeClr val="accent1"/>
+          </a:fillRef>
+          <a:effectRef idx="0">
+            <a:schemeClr val="accent1"/>
+          </a:effectRef>
+          <a:fontRef idx="minor">
+            <a:schemeClr val="lt1"/>
+          </a:fontRef>
+        </p:style>
+        <p:txBody>
+          <a:bodyPr rtlCol="0" anchor="ctr"/>
+          <a:lstStyle/>
+          <a:p>
+            <a:pPr algn="ctr"/>
+            <a:endParaRPr kumimoji="1" lang="ja-JP" altLang="en-US"/>
+          </a:p>
+        </p:txBody>
+      </p:sp>
+      <p:sp>
+        <p:nvSpPr>
+          <p:cNvPr id="9" name="正方形/長方形 8">
+            <a:extLst>
+              <a:ext uri="{FF2B5EF4-FFF2-40B4-BE49-F238E27FC236}">
+                <a16:creationId xmlns:a16="http://schemas.microsoft.com/office/drawing/2014/main" id="{7B08286C-01FC-E6DD-A3D4-6C13012BF929}"/>
+              </a:ext>
+            </a:extLst>
+          </p:cNvPr>
+          <p:cNvSpPr/>
+          <p:nvPr/>
+        </p:nvSpPr>
+        <p:spPr>
+          <a:xfrm>
+            <a:off x="3701622" y="1783528"/>
+            <a:ext cx="3029373" cy="971558"/>
+          </a:xfrm>
+          <a:prstGeom prst="rect">
+            <a:avLst/>
+          </a:prstGeom>
+          <a:noFill/>
+          <a:ln>
+            <a:solidFill>
+              <a:schemeClr val="tx1"/>
+            </a:solidFill>
+          </a:ln>
+        </p:spPr>
+        <p:style>
+          <a:lnRef idx="2">
+            <a:schemeClr val="accent1">
+              <a:shade val="50000"/>
+            </a:schemeClr>
+          </a:lnRef>
+          <a:fillRef idx="1">
+            <a:schemeClr val="accent1"/>
+          </a:fillRef>
+          <a:effectRef idx="0">
+            <a:schemeClr val="accent1"/>
+          </a:effectRef>
+          <a:fontRef idx="minor">
+            <a:schemeClr val="lt1"/>
+          </a:fontRef>
+        </p:style>
+        <p:txBody>
+          <a:bodyPr rtlCol="0" anchor="ctr"/>
+          <a:lstStyle/>
+          <a:p>
+            <a:pPr algn="ctr"/>
+            <a:endParaRPr kumimoji="1" lang="ja-JP" altLang="en-US"/>
+          </a:p>
+        </p:txBody>
+      </p:sp>
+      <p:sp>
+        <p:nvSpPr>
+          <p:cNvPr id="11" name="正方形/長方形 10">
+            <a:extLst>
+              <a:ext uri="{FF2B5EF4-FFF2-40B4-BE49-F238E27FC236}">
+                <a16:creationId xmlns:a16="http://schemas.microsoft.com/office/drawing/2014/main" id="{D97D4965-648B-3C6A-F8FD-A3D65E52AE77}"/>
+              </a:ext>
+            </a:extLst>
+          </p:cNvPr>
+          <p:cNvSpPr/>
+          <p:nvPr/>
+        </p:nvSpPr>
+        <p:spPr>
+          <a:xfrm>
+            <a:off x="3703900" y="2844089"/>
+            <a:ext cx="2829320" cy="1261352"/>
+          </a:xfrm>
+          <a:prstGeom prst="rect">
+            <a:avLst/>
+          </a:prstGeom>
+          <a:noFill/>
+          <a:ln>
+            <a:solidFill>
+              <a:schemeClr val="tx1"/>
+            </a:solidFill>
+          </a:ln>
+        </p:spPr>
+        <p:style>
+          <a:lnRef idx="2">
+            <a:schemeClr val="accent1">
+              <a:shade val="50000"/>
+            </a:schemeClr>
+          </a:lnRef>
+          <a:fillRef idx="1">
+            <a:schemeClr val="accent1"/>
+          </a:fillRef>
+          <a:effectRef idx="0">
+            <a:schemeClr val="accent1"/>
+          </a:effectRef>
+          <a:fontRef idx="minor">
+            <a:schemeClr val="lt1"/>
+          </a:fontRef>
+        </p:style>
+        <p:txBody>
+          <a:bodyPr rtlCol="0" anchor="ctr"/>
+          <a:lstStyle/>
+          <a:p>
+            <a:pPr algn="ctr"/>
+            <a:endParaRPr kumimoji="1" lang="ja-JP" altLang="en-US"/>
+          </a:p>
+        </p:txBody>
+      </p:sp>
     </p:spTree>
     <p:extLst>
       <p:ext uri="{BB962C8B-B14F-4D97-AF65-F5344CB8AC3E}">
@@ -27144,10 +27454,10 @@
       </p:grpSpPr>
       <p:pic>
         <p:nvPicPr>
-          <p:cNvPr id="7" name="図 6" descr="テキスト&#10;&#10;自動的に生成された説明">
-            <a:extLst>
-              <a:ext uri="{FF2B5EF4-FFF2-40B4-BE49-F238E27FC236}">
-                <a16:creationId xmlns:a16="http://schemas.microsoft.com/office/drawing/2014/main" id="{B979BBFD-34D2-60F1-D8A7-130853E86D13}"/>
+          <p:cNvPr id="3" name="図 2" descr="テキスト&#10;&#10;自動的に生成された説明">
+            <a:extLst>
+              <a:ext uri="{FF2B5EF4-FFF2-40B4-BE49-F238E27FC236}">
+                <a16:creationId xmlns:a16="http://schemas.microsoft.com/office/drawing/2014/main" id="{61CFA317-4077-24DB-C680-18F3DC5076AA}"/>
               </a:ext>
             </a:extLst>
           </p:cNvPr>
@@ -27156,8 +27466,43 @@
           </p:cNvPicPr>
           <p:nvPr/>
         </p:nvPicPr>
+        <p:blipFill rotWithShape="1">
+          <a:blip r:embed="rId2">
+            <a:extLst>
+              <a:ext uri="{28A0092B-C50C-407E-A947-70E740481C1C}">
+                <a14:useLocalDpi xmlns:a14="http://schemas.microsoft.com/office/drawing/2010/main" val="0"/>
+              </a:ext>
+            </a:extLst>
+          </a:blip>
+          <a:srcRect r="224"/>
+          <a:stretch/>
+        </p:blipFill>
+        <p:spPr>
+          <a:xfrm>
+            <a:off x="824783" y="-456883"/>
+            <a:ext cx="4239218" cy="2543530"/>
+          </a:xfrm>
+          <a:prstGeom prst="rect">
+            <a:avLst/>
+          </a:prstGeom>
+        </p:spPr>
+      </p:pic>
+      <p:pic>
+        <p:nvPicPr>
+          <p:cNvPr id="5" name="図 4" descr="テキスト&#10;&#10;自動的に生成された説明">
+            <a:extLst>
+              <a:ext uri="{FF2B5EF4-FFF2-40B4-BE49-F238E27FC236}">
+                <a16:creationId xmlns:a16="http://schemas.microsoft.com/office/drawing/2014/main" id="{F8D4021F-A92A-3FA6-7C61-50D1F052E065}"/>
+              </a:ext>
+            </a:extLst>
+          </p:cNvPr>
+          <p:cNvPicPr>
+            <a:picLocks noChangeAspect="1"/>
+          </p:cNvPicPr>
+          <p:nvPr/>
+        </p:nvPicPr>
         <p:blipFill>
-          <a:blip r:embed="rId2">
+          <a:blip r:embed="rId3">
             <a:extLst>
               <a:ext uri="{28A0092B-C50C-407E-A947-70E740481C1C}">
                 <a14:useLocalDpi xmlns:a14="http://schemas.microsoft.com/office/drawing/2010/main" val="0"/>
@@ -27170,8 +27515,8 @@
         </p:blipFill>
         <p:spPr>
           <a:xfrm>
-            <a:off x="1844757" y="1980476"/>
-            <a:ext cx="2553056" cy="2324424"/>
+            <a:off x="5190902" y="-443040"/>
+            <a:ext cx="4229690" cy="2276793"/>
           </a:xfrm>
           <a:prstGeom prst="rect">
             <a:avLst/>
@@ -27180,10 +27525,10 @@
       </p:pic>
       <p:pic>
         <p:nvPicPr>
-          <p:cNvPr id="10" name="図 9" descr="グラフィカル ユーザー インターフェイス, テキスト&#10;&#10;自動的に生成された説明">
-            <a:extLst>
-              <a:ext uri="{FF2B5EF4-FFF2-40B4-BE49-F238E27FC236}">
-                <a16:creationId xmlns:a16="http://schemas.microsoft.com/office/drawing/2014/main" id="{ADE0DBA0-A81C-6E6A-65C2-C7777D7443B1}"/>
+          <p:cNvPr id="8" name="図 7" descr="グラフィカル ユーザー インターフェイス, テキスト, アプリケーション&#10;&#10;自動的に生成された説明">
+            <a:extLst>
+              <a:ext uri="{FF2B5EF4-FFF2-40B4-BE49-F238E27FC236}">
+                <a16:creationId xmlns:a16="http://schemas.microsoft.com/office/drawing/2014/main" id="{C1B120BB-A06D-1B70-E0DE-444FAC055AAA}"/>
               </a:ext>
             </a:extLst>
           </p:cNvPr>
@@ -27193,7 +27538,7 @@
           <p:nvPr/>
         </p:nvPicPr>
         <p:blipFill>
-          <a:blip r:embed="rId3">
+          <a:blip r:embed="rId4">
             <a:extLst>
               <a:ext uri="{28A0092B-C50C-407E-A947-70E740481C1C}">
                 <a14:useLocalDpi xmlns:a14="http://schemas.microsoft.com/office/drawing/2010/main" val="0"/>
@@ -27206,8 +27551,8 @@
         </p:blipFill>
         <p:spPr>
           <a:xfrm>
-            <a:off x="4397813" y="-1284618"/>
-            <a:ext cx="3600953" cy="3620005"/>
+            <a:off x="5190902" y="2052655"/>
+            <a:ext cx="4201111" cy="3572374"/>
           </a:xfrm>
           <a:prstGeom prst="rect">
             <a:avLst/>
@@ -27216,10 +27561,10 @@
       </p:pic>
       <p:pic>
         <p:nvPicPr>
-          <p:cNvPr id="14" name="図 13" descr="テキスト&#10;&#10;自動的に生成された説明">
-            <a:extLst>
-              <a:ext uri="{FF2B5EF4-FFF2-40B4-BE49-F238E27FC236}">
-                <a16:creationId xmlns:a16="http://schemas.microsoft.com/office/drawing/2014/main" id="{495C1E97-13E1-97F3-6CE8-68113E02B4D6}"/>
+          <p:cNvPr id="11" name="図 10" descr="テキスト&#10;&#10;自動的に生成された説明">
+            <a:extLst>
+              <a:ext uri="{FF2B5EF4-FFF2-40B4-BE49-F238E27FC236}">
+                <a16:creationId xmlns:a16="http://schemas.microsoft.com/office/drawing/2014/main" id="{9B6C4B17-8408-3C98-E525-2555C8E73474}"/>
               </a:ext>
             </a:extLst>
           </p:cNvPr>
@@ -27228,8 +27573,43 @@
           </p:cNvPicPr>
           <p:nvPr/>
         </p:nvPicPr>
+        <p:blipFill rotWithShape="1">
+          <a:blip r:embed="rId5">
+            <a:extLst>
+              <a:ext uri="{28A0092B-C50C-407E-A947-70E740481C1C}">
+                <a14:useLocalDpi xmlns:a14="http://schemas.microsoft.com/office/drawing/2010/main" val="0"/>
+              </a:ext>
+            </a:extLst>
+          </a:blip>
+          <a:srcRect l="674" b="1650"/>
+          <a:stretch/>
+        </p:blipFill>
+        <p:spPr>
+          <a:xfrm>
+            <a:off x="839073" y="5406127"/>
+            <a:ext cx="4210638" cy="2295439"/>
+          </a:xfrm>
+          <a:prstGeom prst="rect">
+            <a:avLst/>
+          </a:prstGeom>
+        </p:spPr>
+      </p:pic>
+      <p:pic>
+        <p:nvPicPr>
+          <p:cNvPr id="13" name="図 12" descr="テキスト&#10;&#10;自動的に生成された説明">
+            <a:extLst>
+              <a:ext uri="{FF2B5EF4-FFF2-40B4-BE49-F238E27FC236}">
+                <a16:creationId xmlns:a16="http://schemas.microsoft.com/office/drawing/2014/main" id="{91160586-3730-0CA1-0181-E21219FF28D2}"/>
+              </a:ext>
+            </a:extLst>
+          </p:cNvPr>
+          <p:cNvPicPr>
+            <a:picLocks noChangeAspect="1"/>
+          </p:cNvPicPr>
+          <p:nvPr/>
+        </p:nvPicPr>
         <p:blipFill>
-          <a:blip r:embed="rId4">
+          <a:blip r:embed="rId6">
             <a:extLst>
               <a:ext uri="{28A0092B-C50C-407E-A947-70E740481C1C}">
                 <a14:useLocalDpi xmlns:a14="http://schemas.microsoft.com/office/drawing/2010/main" val="0"/>
@@ -27242,8 +27622,8 @@
         </p:blipFill>
         <p:spPr>
           <a:xfrm>
-            <a:off x="2397284" y="4304900"/>
-            <a:ext cx="2000529" cy="2267266"/>
+            <a:off x="839073" y="2257851"/>
+            <a:ext cx="4210638" cy="2981741"/>
           </a:xfrm>
           <a:prstGeom prst="rect">
             <a:avLst/>
@@ -27252,10 +27632,10 @@
       </p:pic>
       <p:pic>
         <p:nvPicPr>
-          <p:cNvPr id="16" name="図 15" descr="テキスト&#10;&#10;自動的に生成された説明">
-            <a:extLst>
-              <a:ext uri="{FF2B5EF4-FFF2-40B4-BE49-F238E27FC236}">
-                <a16:creationId xmlns:a16="http://schemas.microsoft.com/office/drawing/2014/main" id="{07BC82A4-EBCD-4113-1796-2D9697F90E91}"/>
+          <p:cNvPr id="17" name="図 16" descr="テキスト&#10;&#10;自動的に生成された説明">
+            <a:extLst>
+              <a:ext uri="{FF2B5EF4-FFF2-40B4-BE49-F238E27FC236}">
+                <a16:creationId xmlns:a16="http://schemas.microsoft.com/office/drawing/2014/main" id="{70DB76B6-D3E0-1D13-540A-CFF3F1A9D7B0}"/>
               </a:ext>
             </a:extLst>
           </p:cNvPr>
@@ -27265,7 +27645,7 @@
           <p:nvPr/>
         </p:nvPicPr>
         <p:blipFill>
-          <a:blip r:embed="rId5">
+          <a:blip r:embed="rId7">
             <a:extLst>
               <a:ext uri="{28A0092B-C50C-407E-A947-70E740481C1C}">
                 <a14:useLocalDpi xmlns:a14="http://schemas.microsoft.com/office/drawing/2010/main" val="0"/>
@@ -27278,86 +27658,49 @@
         </p:blipFill>
         <p:spPr>
           <a:xfrm>
-            <a:off x="4397813" y="2315656"/>
-            <a:ext cx="3248478" cy="3019846"/>
+            <a:off x="5171849" y="5843932"/>
+            <a:ext cx="4220164" cy="1857634"/>
           </a:xfrm>
           <a:prstGeom prst="rect">
             <a:avLst/>
           </a:prstGeom>
         </p:spPr>
       </p:pic>
-      <p:pic>
-        <p:nvPicPr>
-          <p:cNvPr id="18" name="図 17" descr="テキスト&#10;&#10;自動的に生成された説明">
-            <a:extLst>
-              <a:ext uri="{FF2B5EF4-FFF2-40B4-BE49-F238E27FC236}">
-                <a16:creationId xmlns:a16="http://schemas.microsoft.com/office/drawing/2014/main" id="{E3383401-35B3-B6C7-10A9-604B8125541A}"/>
-              </a:ext>
-            </a:extLst>
-          </p:cNvPr>
-          <p:cNvPicPr>
-            <a:picLocks noChangeAspect="1"/>
-          </p:cNvPicPr>
-          <p:nvPr/>
-        </p:nvPicPr>
-        <p:blipFill>
-          <a:blip r:embed="rId6">
-            <a:extLst>
-              <a:ext uri="{28A0092B-C50C-407E-A947-70E740481C1C}">
-                <a14:useLocalDpi xmlns:a14="http://schemas.microsoft.com/office/drawing/2010/main" val="0"/>
-              </a:ext>
-            </a:extLst>
-          </a:blip>
-          <a:stretch>
-            <a:fillRect/>
-          </a:stretch>
-        </p:blipFill>
-        <p:spPr>
-          <a:xfrm>
-            <a:off x="4401281" y="5335502"/>
-            <a:ext cx="4239217" cy="1886213"/>
+      <p:sp>
+        <p:nvSpPr>
+          <p:cNvPr id="19" name="テキスト ボックス 18">
+            <a:extLst>
+              <a:ext uri="{FF2B5EF4-FFF2-40B4-BE49-F238E27FC236}">
+                <a16:creationId xmlns:a16="http://schemas.microsoft.com/office/drawing/2014/main" id="{14BF3989-D1CA-1072-AC2B-F211AB3C5532}"/>
+              </a:ext>
+            </a:extLst>
+          </p:cNvPr>
+          <p:cNvSpPr txBox="1"/>
+          <p:nvPr/>
+        </p:nvSpPr>
+        <p:spPr>
+          <a:xfrm>
+            <a:off x="0" y="-1216300"/>
+            <a:ext cx="646331" cy="369332"/>
           </a:xfrm>
           <a:prstGeom prst="rect">
             <a:avLst/>
           </a:prstGeom>
-        </p:spPr>
-      </p:pic>
-      <p:pic>
-        <p:nvPicPr>
-          <p:cNvPr id="20" name="図 19" descr="テキスト&#10;&#10;自動的に生成された説明">
-            <a:extLst>
-              <a:ext uri="{FF2B5EF4-FFF2-40B4-BE49-F238E27FC236}">
-                <a16:creationId xmlns:a16="http://schemas.microsoft.com/office/drawing/2014/main" id="{D7A407CC-8256-1675-9EC7-A208033C4A71}"/>
-              </a:ext>
-            </a:extLst>
-          </p:cNvPr>
-          <p:cNvPicPr>
-            <a:picLocks noChangeAspect="1"/>
-          </p:cNvPicPr>
-          <p:nvPr/>
-        </p:nvPicPr>
-        <p:blipFill>
-          <a:blip r:embed="rId7">
-            <a:extLst>
-              <a:ext uri="{28A0092B-C50C-407E-A947-70E740481C1C}">
-                <a14:useLocalDpi xmlns:a14="http://schemas.microsoft.com/office/drawing/2010/main" val="0"/>
-              </a:ext>
-            </a:extLst>
-          </a:blip>
-          <a:stretch>
-            <a:fillRect/>
-          </a:stretch>
-        </p:blipFill>
-        <p:spPr>
-          <a:xfrm>
-            <a:off x="1349388" y="-591633"/>
-            <a:ext cx="3048425" cy="2572109"/>
-          </a:xfrm>
-          <a:prstGeom prst="rect">
-            <a:avLst/>
-          </a:prstGeom>
-        </p:spPr>
-      </p:pic>
+          <a:noFill/>
+        </p:spPr>
+        <p:txBody>
+          <a:bodyPr wrap="none" rtlCol="0">
+            <a:spAutoFit/>
+          </a:bodyPr>
+          <a:lstStyle/>
+          <a:p>
+            <a:r>
+              <a:rPr kumimoji="1" lang="ja-JP" altLang="en-US" b="1" dirty="0"/>
+              <a:t>４章</a:t>
+            </a:r>
+          </a:p>
+        </p:txBody>
+      </p:sp>
     </p:spTree>
     <p:extLst>
       <p:ext uri="{BB962C8B-B14F-4D97-AF65-F5344CB8AC3E}">
@@ -28259,6 +28602,354 @@
     <p:extLst>
       <p:ext uri="{BB962C8B-B14F-4D97-AF65-F5344CB8AC3E}">
         <p14:creationId xmlns:p14="http://schemas.microsoft.com/office/powerpoint/2010/main" val="2470430612"/>
+      </p:ext>
+    </p:extLst>
+  </p:cSld>
+  <p:clrMapOvr>
+    <a:masterClrMapping/>
+  </p:clrMapOvr>
+</p:sld>
+</file>
+
+<file path=ppt/slides/slide23.xml><?xml version="1.0" encoding="utf-8"?>
+<p:sld xmlns:a="http://schemas.openxmlformats.org/drawingml/2006/main" xmlns:r="http://schemas.openxmlformats.org/officeDocument/2006/relationships" xmlns:p="http://schemas.openxmlformats.org/presentationml/2006/main">
+  <p:cSld>
+    <p:spTree>
+      <p:nvGrpSpPr>
+        <p:cNvPr id="1" name=""/>
+        <p:cNvGrpSpPr/>
+        <p:nvPr/>
+      </p:nvGrpSpPr>
+      <p:grpSpPr>
+        <a:xfrm>
+          <a:off x="0" y="0"/>
+          <a:ext cx="0" cy="0"/>
+          <a:chOff x="0" y="0"/>
+          <a:chExt cx="0" cy="0"/>
+        </a:xfrm>
+      </p:grpSpPr>
+      <p:pic>
+        <p:nvPicPr>
+          <p:cNvPr id="3" name="図 2" descr="グラフィカル ユーザー インターフェイス, アプリケーション&#10;&#10;自動的に生成された説明">
+            <a:extLst>
+              <a:ext uri="{FF2B5EF4-FFF2-40B4-BE49-F238E27FC236}">
+                <a16:creationId xmlns:a16="http://schemas.microsoft.com/office/drawing/2014/main" id="{0BC312D8-2930-C629-E395-4A967BBD5C3C}"/>
+              </a:ext>
+            </a:extLst>
+          </p:cNvPr>
+          <p:cNvPicPr>
+            <a:picLocks noChangeAspect="1"/>
+          </p:cNvPicPr>
+          <p:nvPr/>
+        </p:nvPicPr>
+        <p:blipFill>
+          <a:blip r:embed="rId2">
+            <a:extLst>
+              <a:ext uri="{28A0092B-C50C-407E-A947-70E740481C1C}">
+                <a14:useLocalDpi xmlns:a14="http://schemas.microsoft.com/office/drawing/2010/main" val="0"/>
+              </a:ext>
+            </a:extLst>
+          </a:blip>
+          <a:stretch>
+            <a:fillRect/>
+          </a:stretch>
+        </p:blipFill>
+        <p:spPr>
+          <a:xfrm>
+            <a:off x="-1010032" y="-981834"/>
+            <a:ext cx="4925112" cy="4286848"/>
+          </a:xfrm>
+          <a:prstGeom prst="rect">
+            <a:avLst/>
+          </a:prstGeom>
+        </p:spPr>
+      </p:pic>
+      <p:pic>
+        <p:nvPicPr>
+          <p:cNvPr id="5" name="図 4" descr="テキスト&#10;&#10;自動的に生成された説明">
+            <a:extLst>
+              <a:ext uri="{FF2B5EF4-FFF2-40B4-BE49-F238E27FC236}">
+                <a16:creationId xmlns:a16="http://schemas.microsoft.com/office/drawing/2014/main" id="{AAD7F8DE-4B17-5852-6191-3CB39CE6C774}"/>
+              </a:ext>
+            </a:extLst>
+          </p:cNvPr>
+          <p:cNvPicPr>
+            <a:picLocks noChangeAspect="1"/>
+          </p:cNvPicPr>
+          <p:nvPr/>
+        </p:nvPicPr>
+        <p:blipFill>
+          <a:blip r:embed="rId3">
+            <a:extLst>
+              <a:ext uri="{28A0092B-C50C-407E-A947-70E740481C1C}">
+                <a14:useLocalDpi xmlns:a14="http://schemas.microsoft.com/office/drawing/2010/main" val="0"/>
+              </a:ext>
+            </a:extLst>
+          </a:blip>
+          <a:stretch>
+            <a:fillRect/>
+          </a:stretch>
+        </p:blipFill>
+        <p:spPr>
+          <a:xfrm>
+            <a:off x="-967992" y="3152645"/>
+            <a:ext cx="4944165" cy="2981741"/>
+          </a:xfrm>
+          <a:prstGeom prst="rect">
+            <a:avLst/>
+          </a:prstGeom>
+        </p:spPr>
+      </p:pic>
+      <p:pic>
+        <p:nvPicPr>
+          <p:cNvPr id="7" name="図 6" descr="グラフィカル ユーザー インターフェイス, アプリケーション&#10;&#10;自動的に生成された説明">
+            <a:extLst>
+              <a:ext uri="{FF2B5EF4-FFF2-40B4-BE49-F238E27FC236}">
+                <a16:creationId xmlns:a16="http://schemas.microsoft.com/office/drawing/2014/main" id="{01BF3579-7864-9E2E-0F60-0DC229D9FEFE}"/>
+              </a:ext>
+            </a:extLst>
+          </p:cNvPr>
+          <p:cNvPicPr>
+            <a:picLocks noChangeAspect="1"/>
+          </p:cNvPicPr>
+          <p:nvPr/>
+        </p:nvPicPr>
+        <p:blipFill>
+          <a:blip r:embed="rId4">
+            <a:extLst>
+              <a:ext uri="{28A0092B-C50C-407E-A947-70E740481C1C}">
+                <a14:useLocalDpi xmlns:a14="http://schemas.microsoft.com/office/drawing/2010/main" val="0"/>
+              </a:ext>
+            </a:extLst>
+          </a:blip>
+          <a:stretch>
+            <a:fillRect/>
+          </a:stretch>
+        </p:blipFill>
+        <p:spPr>
+          <a:xfrm>
+            <a:off x="7698061" y="-723614"/>
+            <a:ext cx="3482578" cy="6858000"/>
+          </a:xfrm>
+          <a:prstGeom prst="rect">
+            <a:avLst/>
+          </a:prstGeom>
+        </p:spPr>
+      </p:pic>
+      <p:pic>
+        <p:nvPicPr>
+          <p:cNvPr id="9" name="図 8" descr="グラフィカル ユーザー インターフェイス, テキスト, アプリケーション&#10;&#10;自動的に生成された説明">
+            <a:extLst>
+              <a:ext uri="{FF2B5EF4-FFF2-40B4-BE49-F238E27FC236}">
+                <a16:creationId xmlns:a16="http://schemas.microsoft.com/office/drawing/2014/main" id="{400A455C-E8D1-6E1C-BD60-27570AC3A39A}"/>
+              </a:ext>
+            </a:extLst>
+          </p:cNvPr>
+          <p:cNvPicPr>
+            <a:picLocks noChangeAspect="1"/>
+          </p:cNvPicPr>
+          <p:nvPr/>
+        </p:nvPicPr>
+        <p:blipFill>
+          <a:blip r:embed="rId5">
+            <a:extLst>
+              <a:ext uri="{28A0092B-C50C-407E-A947-70E740481C1C}">
+                <a14:useLocalDpi xmlns:a14="http://schemas.microsoft.com/office/drawing/2010/main" val="0"/>
+              </a:ext>
+            </a:extLst>
+          </a:blip>
+          <a:stretch>
+            <a:fillRect/>
+          </a:stretch>
+        </p:blipFill>
+        <p:spPr>
+          <a:xfrm>
+            <a:off x="555802" y="6134386"/>
+            <a:ext cx="4944165" cy="2248214"/>
+          </a:xfrm>
+          <a:prstGeom prst="rect">
+            <a:avLst/>
+          </a:prstGeom>
+        </p:spPr>
+      </p:pic>
+      <p:pic>
+        <p:nvPicPr>
+          <p:cNvPr id="11" name="図 10" descr="グラフィカル ユーザー インターフェイス, アプリケーション&#10;&#10;自動的に生成された説明">
+            <a:extLst>
+              <a:ext uri="{FF2B5EF4-FFF2-40B4-BE49-F238E27FC236}">
+                <a16:creationId xmlns:a16="http://schemas.microsoft.com/office/drawing/2014/main" id="{D077FE35-77C5-C583-14D4-803F4C762732}"/>
+              </a:ext>
+            </a:extLst>
+          </p:cNvPr>
+          <p:cNvPicPr>
+            <a:picLocks noChangeAspect="1"/>
+          </p:cNvPicPr>
+          <p:nvPr/>
+        </p:nvPicPr>
+        <p:blipFill>
+          <a:blip r:embed="rId6">
+            <a:extLst>
+              <a:ext uri="{28A0092B-C50C-407E-A947-70E740481C1C}">
+                <a14:useLocalDpi xmlns:a14="http://schemas.microsoft.com/office/drawing/2010/main" val="0"/>
+              </a:ext>
+            </a:extLst>
+          </a:blip>
+          <a:stretch>
+            <a:fillRect/>
+          </a:stretch>
+        </p:blipFill>
+        <p:spPr>
+          <a:xfrm>
+            <a:off x="3976173" y="-857848"/>
+            <a:ext cx="3770447" cy="6858000"/>
+          </a:xfrm>
+          <a:prstGeom prst="rect">
+            <a:avLst/>
+          </a:prstGeom>
+        </p:spPr>
+      </p:pic>
+      <p:pic>
+        <p:nvPicPr>
+          <p:cNvPr id="13" name="図 12" descr="グラフィカル ユーザー インターフェイス, アプリケーション&#10;&#10;自動的に生成された説明">
+            <a:extLst>
+              <a:ext uri="{FF2B5EF4-FFF2-40B4-BE49-F238E27FC236}">
+                <a16:creationId xmlns:a16="http://schemas.microsoft.com/office/drawing/2014/main" id="{FDD156C0-0F9B-FFA2-C632-F3B7CC95D464}"/>
+              </a:ext>
+            </a:extLst>
+          </p:cNvPr>
+          <p:cNvPicPr>
+            <a:picLocks noChangeAspect="1"/>
+          </p:cNvPicPr>
+          <p:nvPr/>
+        </p:nvPicPr>
+        <p:blipFill>
+          <a:blip r:embed="rId7">
+            <a:extLst>
+              <a:ext uri="{28A0092B-C50C-407E-A947-70E740481C1C}">
+                <a14:useLocalDpi xmlns:a14="http://schemas.microsoft.com/office/drawing/2010/main" val="0"/>
+              </a:ext>
+            </a:extLst>
+          </a:blip>
+          <a:stretch>
+            <a:fillRect/>
+          </a:stretch>
+        </p:blipFill>
+        <p:spPr>
+          <a:xfrm>
+            <a:off x="9439350" y="1472339"/>
+            <a:ext cx="4167801" cy="6858000"/>
+          </a:xfrm>
+          <a:prstGeom prst="rect">
+            <a:avLst/>
+          </a:prstGeom>
+        </p:spPr>
+      </p:pic>
+    </p:spTree>
+    <p:extLst>
+      <p:ext uri="{BB962C8B-B14F-4D97-AF65-F5344CB8AC3E}">
+        <p14:creationId xmlns:p14="http://schemas.microsoft.com/office/powerpoint/2010/main" val="3353765020"/>
+      </p:ext>
+    </p:extLst>
+  </p:cSld>
+  <p:clrMapOvr>
+    <a:masterClrMapping/>
+  </p:clrMapOvr>
+</p:sld>
+</file>
+
+<file path=ppt/slides/slide24.xml><?xml version="1.0" encoding="utf-8"?>
+<p:sld xmlns:a="http://schemas.openxmlformats.org/drawingml/2006/main" xmlns:r="http://schemas.openxmlformats.org/officeDocument/2006/relationships" xmlns:p="http://schemas.openxmlformats.org/presentationml/2006/main">
+  <p:cSld>
+    <p:spTree>
+      <p:nvGrpSpPr>
+        <p:cNvPr id="1" name=""/>
+        <p:cNvGrpSpPr/>
+        <p:nvPr/>
+      </p:nvGrpSpPr>
+      <p:grpSpPr>
+        <a:xfrm>
+          <a:off x="0" y="0"/>
+          <a:ext cx="0" cy="0"/>
+          <a:chOff x="0" y="0"/>
+          <a:chExt cx="0" cy="0"/>
+        </a:xfrm>
+      </p:grpSpPr>
+      <p:pic>
+        <p:nvPicPr>
+          <p:cNvPr id="9" name="図 8" descr="グラフィカル ユーザー インターフェイス, テキスト, アプリケーション&#10;&#10;自動的に生成された説明">
+            <a:extLst>
+              <a:ext uri="{FF2B5EF4-FFF2-40B4-BE49-F238E27FC236}">
+                <a16:creationId xmlns:a16="http://schemas.microsoft.com/office/drawing/2014/main" id="{DD337067-A914-0021-5B63-1293D0A58EFC}"/>
+              </a:ext>
+            </a:extLst>
+          </p:cNvPr>
+          <p:cNvPicPr>
+            <a:picLocks noChangeAspect="1"/>
+          </p:cNvPicPr>
+          <p:nvPr/>
+        </p:nvPicPr>
+        <p:blipFill>
+          <a:blip r:embed="rId2">
+            <a:extLst>
+              <a:ext uri="{28A0092B-C50C-407E-A947-70E740481C1C}">
+                <a14:useLocalDpi xmlns:a14="http://schemas.microsoft.com/office/drawing/2010/main" val="0"/>
+              </a:ext>
+            </a:extLst>
+          </a:blip>
+          <a:stretch>
+            <a:fillRect/>
+          </a:stretch>
+        </p:blipFill>
+        <p:spPr>
+          <a:xfrm>
+            <a:off x="1162050" y="-2591193"/>
+            <a:ext cx="5153744" cy="5563376"/>
+          </a:xfrm>
+          <a:prstGeom prst="rect">
+            <a:avLst/>
+          </a:prstGeom>
+        </p:spPr>
+      </p:pic>
+      <p:pic>
+        <p:nvPicPr>
+          <p:cNvPr id="11" name="図 10" descr="グラフィカル ユーザー インターフェイス, アプリケーション&#10;&#10;自動的に生成された説明">
+            <a:extLst>
+              <a:ext uri="{FF2B5EF4-FFF2-40B4-BE49-F238E27FC236}">
+                <a16:creationId xmlns:a16="http://schemas.microsoft.com/office/drawing/2014/main" id="{01620265-8F68-210C-20B9-046BBB06571D}"/>
+              </a:ext>
+            </a:extLst>
+          </p:cNvPr>
+          <p:cNvPicPr>
+            <a:picLocks noChangeAspect="1"/>
+          </p:cNvPicPr>
+          <p:nvPr/>
+        </p:nvPicPr>
+        <p:blipFill>
+          <a:blip r:embed="rId3">
+            <a:extLst>
+              <a:ext uri="{28A0092B-C50C-407E-A947-70E740481C1C}">
+                <a14:useLocalDpi xmlns:a14="http://schemas.microsoft.com/office/drawing/2010/main" val="0"/>
+              </a:ext>
+            </a:extLst>
+          </a:blip>
+          <a:stretch>
+            <a:fillRect/>
+          </a:stretch>
+        </p:blipFill>
+        <p:spPr>
+          <a:xfrm>
+            <a:off x="1162050" y="2972183"/>
+            <a:ext cx="5163271" cy="5525271"/>
+          </a:xfrm>
+          <a:prstGeom prst="rect">
+            <a:avLst/>
+          </a:prstGeom>
+        </p:spPr>
+      </p:pic>
+    </p:spTree>
+    <p:extLst>
+      <p:ext uri="{BB962C8B-B14F-4D97-AF65-F5344CB8AC3E}">
+        <p14:creationId xmlns:p14="http://schemas.microsoft.com/office/powerpoint/2010/main" val="3146117756"/>
       </p:ext>
     </p:extLst>
   </p:cSld>

--- a/image/sozai.pptx
+++ b/image/sozai.pptx
@@ -9510,8 +9510,8 @@
         </p:nvSpPr>
         <p:spPr>
           <a:xfrm>
-            <a:off x="1872359" y="4015568"/>
-            <a:ext cx="903999" cy="346556"/>
+            <a:off x="1850321" y="3948591"/>
+            <a:ext cx="903999" cy="322281"/>
           </a:xfrm>
           <a:prstGeom prst="roundRect">
             <a:avLst/>
@@ -9571,7 +9571,7 @@
         </p:nvSpPr>
         <p:spPr>
           <a:xfrm>
-            <a:off x="932984" y="4050821"/>
+            <a:off x="937247" y="3966316"/>
             <a:ext cx="1000595" cy="276999"/>
           </a:xfrm>
           <a:prstGeom prst="rect">
@@ -9838,7 +9838,7 @@
         </p:nvSpPr>
         <p:spPr>
           <a:xfrm>
-            <a:off x="4345820" y="4477312"/>
+            <a:off x="4333003" y="4391563"/>
             <a:ext cx="902695" cy="352578"/>
           </a:xfrm>
           <a:prstGeom prst="roundRect">
@@ -9893,8 +9893,8 @@
         </p:nvSpPr>
         <p:spPr>
           <a:xfrm>
-            <a:off x="2026391" y="4516058"/>
-            <a:ext cx="2385589" cy="276999"/>
+            <a:off x="1853102" y="4448091"/>
+            <a:ext cx="2539478" cy="276999"/>
           </a:xfrm>
           <a:prstGeom prst="rect">
             <a:avLst/>
@@ -9909,7 +9909,7 @@
           <a:p>
             <a:r>
               <a:rPr lang="ja-JP" altLang="en-US" sz="1200" b="1" dirty="0"/>
-              <a:t>既存手法から改良を行う処理部</a:t>
+              <a:t>既存ツールから改良を行う処理部</a:t>
             </a:r>
             <a:r>
               <a:rPr lang="en-US" altLang="ja-JP" sz="1200" b="1" dirty="0"/>
@@ -9933,7 +9933,7 @@
         </p:nvSpPr>
         <p:spPr>
           <a:xfrm>
-            <a:off x="5546483" y="4032773"/>
+            <a:off x="5603036" y="3938760"/>
             <a:ext cx="897120" cy="332112"/>
           </a:xfrm>
           <a:prstGeom prst="roundRect">
@@ -9994,8 +9994,8 @@
         </p:nvSpPr>
         <p:spPr>
           <a:xfrm>
-            <a:off x="2915478" y="4052668"/>
-            <a:ext cx="2693366" cy="276999"/>
+            <a:off x="2871074" y="3979157"/>
+            <a:ext cx="2847254" cy="276999"/>
           </a:xfrm>
           <a:prstGeom prst="rect">
             <a:avLst/>
@@ -10010,7 +10010,7 @@
           <a:p>
             <a:r>
               <a:rPr lang="ja-JP" altLang="en-US" sz="1200" b="1" dirty="0"/>
-              <a:t>既存手法から改良を行う中間データ</a:t>
+              <a:t>既存ツールから改良を行う中間データ</a:t>
             </a:r>
             <a:r>
               <a:rPr lang="en-US" altLang="ja-JP" sz="1200" b="1" dirty="0"/>
@@ -10034,7 +10034,7 @@
         </p:nvSpPr>
         <p:spPr>
           <a:xfrm>
-            <a:off x="8200572" y="4472635"/>
+            <a:off x="8218806" y="4375140"/>
             <a:ext cx="902695" cy="352578"/>
           </a:xfrm>
           <a:prstGeom prst="roundRect">
@@ -10091,8 +10091,8 @@
         </p:nvSpPr>
         <p:spPr>
           <a:xfrm>
-            <a:off x="5546483" y="4525617"/>
-            <a:ext cx="2693366" cy="276999"/>
+            <a:off x="5466859" y="4397350"/>
+            <a:ext cx="2847254" cy="276999"/>
           </a:xfrm>
           <a:prstGeom prst="rect">
             <a:avLst/>
@@ -10107,7 +10107,7 @@
           <a:p>
             <a:r>
               <a:rPr lang="ja-JP" altLang="en-US" sz="1200" b="1" dirty="0"/>
-              <a:t>既存手法から新たに追加する処理部</a:t>
+              <a:t>既存ツールから新たに追加する処理部</a:t>
             </a:r>
             <a:r>
               <a:rPr lang="en-US" altLang="ja-JP" sz="1200" b="1" dirty="0"/>
@@ -10190,7 +10190,7 @@
         </p:nvSpPr>
         <p:spPr>
           <a:xfrm>
-            <a:off x="9585921" y="4034298"/>
+            <a:off x="9640486" y="3930243"/>
             <a:ext cx="897120" cy="329061"/>
           </a:xfrm>
           <a:prstGeom prst="roundRect">
@@ -10717,8 +10717,8 @@
         </p:nvSpPr>
         <p:spPr>
           <a:xfrm>
-            <a:off x="6614547" y="4053845"/>
-            <a:ext cx="3001143" cy="276999"/>
+            <a:off x="6570143" y="3948591"/>
+            <a:ext cx="3155031" cy="276999"/>
           </a:xfrm>
           <a:prstGeom prst="rect">
             <a:avLst/>
@@ -10733,7 +10733,7 @@
           <a:p>
             <a:r>
               <a:rPr lang="ja-JP" altLang="en-US" sz="1200" b="1" dirty="0"/>
-              <a:t>既存手法から新たに追加する中間データ</a:t>
+              <a:t>既存ツールから新たに追加する中間データ</a:t>
             </a:r>
             <a:r>
               <a:rPr lang="en-US" altLang="ja-JP" sz="1200" b="1" dirty="0"/>
@@ -11055,8 +11055,8 @@
         </p:nvSpPr>
         <p:spPr>
           <a:xfrm>
-            <a:off x="7404385" y="3723316"/>
-            <a:ext cx="897120" cy="332112"/>
+            <a:off x="7458366" y="3701205"/>
+            <a:ext cx="897120" cy="353829"/>
           </a:xfrm>
           <a:prstGeom prst="roundRect">
             <a:avLst/>
@@ -11116,8 +11116,8 @@
         </p:nvSpPr>
         <p:spPr>
           <a:xfrm>
-            <a:off x="4752519" y="3765746"/>
-            <a:ext cx="2693366" cy="276999"/>
+            <a:off x="4669998" y="3733826"/>
+            <a:ext cx="2847254" cy="276999"/>
           </a:xfrm>
           <a:prstGeom prst="rect">
             <a:avLst/>
@@ -11132,7 +11132,7 @@
           <a:p>
             <a:r>
               <a:rPr lang="ja-JP" altLang="en-US" sz="1200" b="1" dirty="0"/>
-              <a:t>既存手法から改良を行う中間データ</a:t>
+              <a:t>既存ツールから改良を行う中間データ</a:t>
             </a:r>
             <a:r>
               <a:rPr lang="en-US" altLang="ja-JP" sz="1200" b="1" dirty="0"/>
@@ -11981,7 +11981,7 @@
         </p:nvSpPr>
         <p:spPr>
           <a:xfrm>
-            <a:off x="6994537" y="4268071"/>
+            <a:off x="7167952" y="4257668"/>
             <a:ext cx="902695" cy="352578"/>
           </a:xfrm>
           <a:prstGeom prst="roundRect">
@@ -12036,8 +12036,8 @@
         </p:nvSpPr>
         <p:spPr>
           <a:xfrm>
-            <a:off x="4827240" y="4344007"/>
-            <a:ext cx="2231701" cy="276999"/>
+            <a:off x="4847634" y="4333247"/>
+            <a:ext cx="2385589" cy="276999"/>
           </a:xfrm>
           <a:prstGeom prst="rect">
             <a:avLst/>
@@ -12052,7 +12052,7 @@
           <a:p>
             <a:r>
               <a:rPr lang="ja-JP" altLang="en-US" sz="1200" b="1" dirty="0"/>
-              <a:t>既存手法から改良を行う処理</a:t>
+              <a:t>既存ツールから改良を行う処理</a:t>
             </a:r>
             <a:r>
               <a:rPr lang="en-US" altLang="ja-JP" sz="1200" b="1" dirty="0"/>
@@ -14192,7 +14192,7 @@
         </p:nvSpPr>
         <p:spPr>
           <a:xfrm>
-            <a:off x="1109367" y="5678187"/>
+            <a:off x="1017763" y="5679670"/>
             <a:ext cx="902695" cy="346556"/>
           </a:xfrm>
           <a:prstGeom prst="roundRect">
@@ -14247,7 +14247,7 @@
         </p:nvSpPr>
         <p:spPr>
           <a:xfrm>
-            <a:off x="1108063" y="5199038"/>
+            <a:off x="1016459" y="5200521"/>
             <a:ext cx="903999" cy="346556"/>
           </a:xfrm>
           <a:prstGeom prst="roundRect">
@@ -14308,7 +14308,7 @@
         </p:nvSpPr>
         <p:spPr>
           <a:xfrm>
-            <a:off x="158808" y="5270663"/>
+            <a:off x="67204" y="5272146"/>
             <a:ext cx="1000595" cy="276999"/>
           </a:xfrm>
           <a:prstGeom prst="rect">
@@ -14348,7 +14348,7 @@
         </p:nvSpPr>
         <p:spPr>
           <a:xfrm>
-            <a:off x="610559" y="5724807"/>
+            <a:off x="518955" y="5726290"/>
             <a:ext cx="538930" cy="276999"/>
           </a:xfrm>
           <a:prstGeom prst="rect">
@@ -14388,7 +14388,7 @@
         </p:nvSpPr>
         <p:spPr>
           <a:xfrm>
-            <a:off x="4740310" y="5228942"/>
+            <a:off x="4712056" y="5227648"/>
             <a:ext cx="897120" cy="332112"/>
           </a:xfrm>
           <a:prstGeom prst="roundRect">
@@ -14449,8 +14449,8 @@
         </p:nvSpPr>
         <p:spPr>
           <a:xfrm>
-            <a:off x="2088444" y="5271372"/>
-            <a:ext cx="2693366" cy="276999"/>
+            <a:off x="1978534" y="5270078"/>
+            <a:ext cx="2847254" cy="276999"/>
           </a:xfrm>
           <a:prstGeom prst="rect">
             <a:avLst/>
@@ -14465,7 +14465,7 @@
           <a:p>
             <a:r>
               <a:rPr lang="ja-JP" altLang="en-US" sz="1200" b="1" dirty="0"/>
-              <a:t>既存手法から改良を行う中間データ</a:t>
+              <a:t>既存ツールから改良を行う中間データ</a:t>
             </a:r>
             <a:r>
               <a:rPr lang="en-US" altLang="ja-JP" sz="1200" b="1" dirty="0"/>
@@ -14489,7 +14489,7 @@
         </p:nvSpPr>
         <p:spPr>
           <a:xfrm>
-            <a:off x="4607621" y="5672165"/>
+            <a:off x="4579367" y="5670871"/>
             <a:ext cx="902695" cy="352578"/>
           </a:xfrm>
           <a:prstGeom prst="roundRect">
@@ -14546,8 +14546,8 @@
         </p:nvSpPr>
         <p:spPr>
           <a:xfrm>
-            <a:off x="2083732" y="5734105"/>
-            <a:ext cx="2539478" cy="276999"/>
+            <a:off x="1978534" y="5726289"/>
+            <a:ext cx="2693366" cy="276999"/>
           </a:xfrm>
           <a:prstGeom prst="rect">
             <a:avLst/>
@@ -14562,7 +14562,7 @@
           <a:p>
             <a:r>
               <a:rPr lang="ja-JP" altLang="en-US" sz="1200" b="1" dirty="0"/>
-              <a:t>既存手法から新たに追加する処理</a:t>
+              <a:t>既存ツールから新たに追加する処理</a:t>
             </a:r>
             <a:r>
               <a:rPr lang="en-US" altLang="ja-JP" sz="1200" b="1" dirty="0"/>
@@ -14818,7 +14818,7 @@
         </p:nvSpPr>
         <p:spPr>
           <a:xfrm>
-            <a:off x="8559881" y="5231993"/>
+            <a:off x="8715644" y="5244046"/>
             <a:ext cx="897120" cy="329061"/>
           </a:xfrm>
           <a:prstGeom prst="roundRect">
@@ -14881,8 +14881,8 @@
         </p:nvSpPr>
         <p:spPr>
           <a:xfrm>
-            <a:off x="5618834" y="5289363"/>
-            <a:ext cx="3001143" cy="276999"/>
+            <a:off x="5590580" y="5288069"/>
+            <a:ext cx="3155031" cy="276999"/>
           </a:xfrm>
           <a:prstGeom prst="rect">
             <a:avLst/>
@@ -14897,7 +14897,7 @@
           <a:p>
             <a:r>
               <a:rPr lang="ja-JP" altLang="en-US" sz="1200" b="1" dirty="0"/>
-              <a:t>既存手法から新たに追加する中間データ</a:t>
+              <a:t>既存ツールから新たに追加する中間データ</a:t>
             </a:r>
             <a:r>
               <a:rPr lang="en-US" altLang="ja-JP" sz="1200" b="1" dirty="0"/>
@@ -14921,7 +14921,7 @@
         </p:nvSpPr>
         <p:spPr>
           <a:xfrm>
-            <a:off x="8131458" y="5672165"/>
+            <a:off x="8269246" y="5670871"/>
             <a:ext cx="897120" cy="352578"/>
           </a:xfrm>
           <a:prstGeom prst="roundRect">
@@ -14978,8 +14978,8 @@
         </p:nvSpPr>
         <p:spPr>
           <a:xfrm>
-            <a:off x="5516638" y="5708231"/>
-            <a:ext cx="2693366" cy="276999"/>
+            <a:off x="5488384" y="5706937"/>
+            <a:ext cx="2847254" cy="276999"/>
           </a:xfrm>
           <a:prstGeom prst="rect">
             <a:avLst/>
@@ -14994,7 +14994,7 @@
           <a:p>
             <a:r>
               <a:rPr lang="ja-JP" altLang="en-US" sz="1200" b="1" dirty="0"/>
-              <a:t>既存手法から新たに追加する処理部</a:t>
+              <a:t>既存ツールから新たに追加する処理部</a:t>
             </a:r>
             <a:r>
               <a:rPr lang="en-US" altLang="ja-JP" sz="1200" b="1" dirty="0"/>
@@ -15915,7 +15915,7 @@
         </p:nvSpPr>
         <p:spPr>
           <a:xfrm>
-            <a:off x="6695316" y="4008235"/>
+            <a:off x="6838860" y="4008235"/>
             <a:ext cx="897120" cy="352578"/>
           </a:xfrm>
           <a:prstGeom prst="roundRect">
@@ -15979,7 +15979,7 @@
         <p:spPr>
           <a:xfrm>
             <a:off x="3774125" y="4046025"/>
-            <a:ext cx="3001143" cy="276999"/>
+            <a:ext cx="3155031" cy="276999"/>
           </a:xfrm>
           <a:prstGeom prst="rect">
             <a:avLst/>
@@ -15994,7 +15994,7 @@
           <a:p>
             <a:r>
               <a:rPr lang="ja-JP" altLang="en-US" sz="1200" b="1" dirty="0"/>
-              <a:t>既存手法から新たに追加する中間データ</a:t>
+              <a:t>既存ツールから新たに追加する中間データ</a:t>
             </a:r>
             <a:r>
               <a:rPr lang="en-US" altLang="ja-JP" sz="1200" b="1" dirty="0"/>
@@ -16018,7 +16018,7 @@
         </p:nvSpPr>
         <p:spPr>
           <a:xfrm>
-            <a:off x="6243968" y="3505851"/>
+            <a:off x="6433888" y="3484387"/>
             <a:ext cx="902695" cy="352578"/>
           </a:xfrm>
           <a:prstGeom prst="roundRect">
@@ -16076,7 +16076,7 @@
         <p:spPr>
           <a:xfrm>
             <a:off x="3790806" y="3543640"/>
-            <a:ext cx="2539478" cy="276999"/>
+            <a:ext cx="2693366" cy="276999"/>
           </a:xfrm>
           <a:prstGeom prst="rect">
             <a:avLst/>
@@ -16091,7 +16091,7 @@
           <a:p>
             <a:r>
               <a:rPr lang="ja-JP" altLang="en-US" sz="1200" b="1" dirty="0"/>
-              <a:t>既存手法から新たに追加する処理</a:t>
+              <a:t>既存ツールから新たに追加する処理</a:t>
             </a:r>
             <a:r>
               <a:rPr lang="en-US" altLang="ja-JP" sz="1200" b="1" dirty="0"/>
@@ -21274,7 +21274,7 @@
         </p:nvSpPr>
         <p:spPr>
           <a:xfrm>
-            <a:off x="3924952" y="6068175"/>
+            <a:off x="4167695" y="6096882"/>
             <a:ext cx="902695" cy="352578"/>
           </a:xfrm>
           <a:prstGeom prst="roundRect">
@@ -21329,8 +21329,8 @@
         </p:nvSpPr>
         <p:spPr>
           <a:xfrm>
-            <a:off x="1608293" y="6126890"/>
-            <a:ext cx="2385589" cy="276999"/>
+            <a:off x="1715608" y="6126890"/>
+            <a:ext cx="2539478" cy="276999"/>
           </a:xfrm>
           <a:prstGeom prst="rect">
             <a:avLst/>
@@ -21345,7 +21345,7 @@
           <a:p>
             <a:r>
               <a:rPr lang="ja-JP" altLang="en-US" sz="1200" b="1" dirty="0"/>
-              <a:t>既存手法から改良を行う処理部</a:t>
+              <a:t>既存ツールから改良を行う処理部</a:t>
             </a:r>
             <a:r>
               <a:rPr lang="en-US" altLang="ja-JP" sz="1200" b="1" dirty="0"/>
@@ -21369,7 +21369,7 @@
         </p:nvSpPr>
         <p:spPr>
           <a:xfrm>
-            <a:off x="4500430" y="5693807"/>
+            <a:off x="4715657" y="5672435"/>
             <a:ext cx="897120" cy="332112"/>
           </a:xfrm>
           <a:prstGeom prst="roundRect">
@@ -21430,8 +21430,8 @@
         </p:nvSpPr>
         <p:spPr>
           <a:xfrm>
-            <a:off x="1841362" y="5736487"/>
-            <a:ext cx="2693366" cy="276999"/>
+            <a:off x="1954847" y="5707639"/>
+            <a:ext cx="2847254" cy="276999"/>
           </a:xfrm>
           <a:prstGeom prst="rect">
             <a:avLst/>
@@ -21446,7 +21446,7 @@
           <a:p>
             <a:r>
               <a:rPr lang="ja-JP" altLang="en-US" sz="1200" b="1" dirty="0"/>
-              <a:t>既存手法から改良を行う中間データ</a:t>
+              <a:t>既存ツールから改良を行う中間データ</a:t>
             </a:r>
             <a:r>
               <a:rPr lang="en-US" altLang="ja-JP" sz="1200" b="1" dirty="0"/>
@@ -21470,7 +21470,7 @@
         </p:nvSpPr>
         <p:spPr>
           <a:xfrm>
-            <a:off x="7272850" y="6066537"/>
+            <a:off x="7770695" y="6074841"/>
             <a:ext cx="902695" cy="352578"/>
           </a:xfrm>
           <a:prstGeom prst="roundRect">
@@ -21527,8 +21527,8 @@
         </p:nvSpPr>
         <p:spPr>
           <a:xfrm>
-            <a:off x="4802101" y="6118683"/>
-            <a:ext cx="2539478" cy="276999"/>
+            <a:off x="5114805" y="6125952"/>
+            <a:ext cx="2693366" cy="276999"/>
           </a:xfrm>
           <a:prstGeom prst="rect">
             <a:avLst/>
@@ -21543,7 +21543,7 @@
           <a:p>
             <a:r>
               <a:rPr lang="ja-JP" altLang="en-US" sz="1200" b="1" dirty="0"/>
-              <a:t>既存手法から新たに追加する処理</a:t>
+              <a:t>既存ツールから新たに追加する処理</a:t>
             </a:r>
             <a:r>
               <a:rPr lang="en-US" altLang="ja-JP" sz="1200" b="1" dirty="0"/>
@@ -21567,7 +21567,7 @@
         </p:nvSpPr>
         <p:spPr>
           <a:xfrm>
-            <a:off x="729210" y="6092112"/>
+            <a:off x="722665" y="6076026"/>
             <a:ext cx="903999" cy="346556"/>
           </a:xfrm>
           <a:prstGeom prst="roundRect">
@@ -21714,7 +21714,7 @@
         </p:nvSpPr>
         <p:spPr>
           <a:xfrm>
-            <a:off x="8312892" y="5680239"/>
+            <a:off x="8655918" y="5645790"/>
             <a:ext cx="897120" cy="352578"/>
           </a:xfrm>
           <a:prstGeom prst="roundRect">
@@ -21777,8 +21777,8 @@
         </p:nvSpPr>
         <p:spPr>
           <a:xfrm>
-            <a:off x="5374792" y="5742199"/>
-            <a:ext cx="3001143" cy="276999"/>
+            <a:off x="5570288" y="5710354"/>
+            <a:ext cx="3155031" cy="276999"/>
           </a:xfrm>
           <a:prstGeom prst="rect">
             <a:avLst/>
@@ -21793,7 +21793,7 @@
           <a:p>
             <a:r>
               <a:rPr lang="ja-JP" altLang="en-US" sz="1200" b="1" dirty="0"/>
-              <a:t>既存手法から新たに追加する中間データ</a:t>
+              <a:t>既存ツールから新たに追加する中間データ</a:t>
             </a:r>
             <a:r>
               <a:rPr lang="en-US" altLang="ja-JP" sz="1200" b="1" dirty="0"/>
@@ -22810,7 +22810,7 @@
         </p:nvSpPr>
         <p:spPr>
           <a:xfrm>
-            <a:off x="937363" y="5684497"/>
+            <a:off x="1045951" y="5663114"/>
             <a:ext cx="903999" cy="346556"/>
           </a:xfrm>
           <a:prstGeom prst="roundRect">
@@ -22871,7 +22871,7 @@
         </p:nvSpPr>
         <p:spPr>
           <a:xfrm>
-            <a:off x="21905" y="5712741"/>
+            <a:off x="82152" y="5715108"/>
             <a:ext cx="1000595" cy="276999"/>
           </a:xfrm>
           <a:prstGeom prst="rect">
@@ -24065,7 +24065,7 @@
         </p:nvSpPr>
         <p:spPr>
           <a:xfrm>
-            <a:off x="2683913" y="6438667"/>
+            <a:off x="2878032" y="6581184"/>
             <a:ext cx="889691" cy="356571"/>
           </a:xfrm>
           <a:prstGeom prst="roundRect">
@@ -24122,8 +24122,8 @@
         </p:nvSpPr>
         <p:spPr>
           <a:xfrm>
-            <a:off x="66724" y="6508673"/>
-            <a:ext cx="2693366" cy="276999"/>
+            <a:off x="66724" y="6634505"/>
+            <a:ext cx="2847254" cy="276999"/>
           </a:xfrm>
           <a:prstGeom prst="rect">
             <a:avLst/>
@@ -24138,7 +24138,7 @@
           <a:p>
             <a:r>
               <a:rPr lang="ja-JP" altLang="en-US" sz="1200" b="1" dirty="0"/>
-              <a:t>既存手法から新たに追加する処理部</a:t>
+              <a:t>既存ツールから新たに追加する処理部</a:t>
             </a:r>
             <a:r>
               <a:rPr lang="en-US" altLang="ja-JP" sz="1200" b="1" dirty="0"/>

--- a/image/sozai.pptx
+++ b/image/sozai.pptx
@@ -283,7 +283,7 @@
           <a:p>
             <a:fld id="{51DEC66E-F99F-4E03-A198-7E46B22D1B0C}" type="datetimeFigureOut">
               <a:rPr kumimoji="1" lang="ja-JP" altLang="en-US" smtClean="0"/>
-              <a:t>2023/1/15</a:t>
+              <a:t>2023/1/17</a:t>
             </a:fld>
             <a:endParaRPr kumimoji="1" lang="ja-JP" altLang="en-US"/>
           </a:p>
@@ -513,7 +513,7 @@
           <a:p>
             <a:fld id="{51DEC66E-F99F-4E03-A198-7E46B22D1B0C}" type="datetimeFigureOut">
               <a:rPr kumimoji="1" lang="ja-JP" altLang="en-US" smtClean="0"/>
-              <a:t>2023/1/15</a:t>
+              <a:t>2023/1/17</a:t>
             </a:fld>
             <a:endParaRPr kumimoji="1" lang="ja-JP" altLang="en-US"/>
           </a:p>
@@ -753,7 +753,7 @@
           <a:p>
             <a:fld id="{51DEC66E-F99F-4E03-A198-7E46B22D1B0C}" type="datetimeFigureOut">
               <a:rPr kumimoji="1" lang="ja-JP" altLang="en-US" smtClean="0"/>
-              <a:t>2023/1/15</a:t>
+              <a:t>2023/1/17</a:t>
             </a:fld>
             <a:endParaRPr kumimoji="1" lang="ja-JP" altLang="en-US"/>
           </a:p>
@@ -983,7 +983,7 @@
           <a:p>
             <a:fld id="{51DEC66E-F99F-4E03-A198-7E46B22D1B0C}" type="datetimeFigureOut">
               <a:rPr kumimoji="1" lang="ja-JP" altLang="en-US" smtClean="0"/>
-              <a:t>2023/1/15</a:t>
+              <a:t>2023/1/17</a:t>
             </a:fld>
             <a:endParaRPr kumimoji="1" lang="ja-JP" altLang="en-US"/>
           </a:p>
@@ -1258,7 +1258,7 @@
           <a:p>
             <a:fld id="{51DEC66E-F99F-4E03-A198-7E46B22D1B0C}" type="datetimeFigureOut">
               <a:rPr kumimoji="1" lang="ja-JP" altLang="en-US" smtClean="0"/>
-              <a:t>2023/1/15</a:t>
+              <a:t>2023/1/17</a:t>
             </a:fld>
             <a:endParaRPr kumimoji="1" lang="ja-JP" altLang="en-US"/>
           </a:p>
@@ -1587,7 +1587,7 @@
           <a:p>
             <a:fld id="{51DEC66E-F99F-4E03-A198-7E46B22D1B0C}" type="datetimeFigureOut">
               <a:rPr kumimoji="1" lang="ja-JP" altLang="en-US" smtClean="0"/>
-              <a:t>2023/1/15</a:t>
+              <a:t>2023/1/17</a:t>
             </a:fld>
             <a:endParaRPr kumimoji="1" lang="ja-JP" altLang="en-US"/>
           </a:p>
@@ -2063,7 +2063,7 @@
           <a:p>
             <a:fld id="{51DEC66E-F99F-4E03-A198-7E46B22D1B0C}" type="datetimeFigureOut">
               <a:rPr kumimoji="1" lang="ja-JP" altLang="en-US" smtClean="0"/>
-              <a:t>2023/1/15</a:t>
+              <a:t>2023/1/17</a:t>
             </a:fld>
             <a:endParaRPr kumimoji="1" lang="ja-JP" altLang="en-US"/>
           </a:p>
@@ -2204,7 +2204,7 @@
           <a:p>
             <a:fld id="{51DEC66E-F99F-4E03-A198-7E46B22D1B0C}" type="datetimeFigureOut">
               <a:rPr kumimoji="1" lang="ja-JP" altLang="en-US" smtClean="0"/>
-              <a:t>2023/1/15</a:t>
+              <a:t>2023/1/17</a:t>
             </a:fld>
             <a:endParaRPr kumimoji="1" lang="ja-JP" altLang="en-US"/>
           </a:p>
@@ -2317,7 +2317,7 @@
           <a:p>
             <a:fld id="{51DEC66E-F99F-4E03-A198-7E46B22D1B0C}" type="datetimeFigureOut">
               <a:rPr kumimoji="1" lang="ja-JP" altLang="en-US" smtClean="0"/>
-              <a:t>2023/1/15</a:t>
+              <a:t>2023/1/17</a:t>
             </a:fld>
             <a:endParaRPr kumimoji="1" lang="ja-JP" altLang="en-US"/>
           </a:p>
@@ -2660,7 +2660,7 @@
           <a:p>
             <a:fld id="{51DEC66E-F99F-4E03-A198-7E46B22D1B0C}" type="datetimeFigureOut">
               <a:rPr kumimoji="1" lang="ja-JP" altLang="en-US" smtClean="0"/>
-              <a:t>2023/1/15</a:t>
+              <a:t>2023/1/17</a:t>
             </a:fld>
             <a:endParaRPr kumimoji="1" lang="ja-JP" altLang="en-US"/>
           </a:p>
@@ -2948,7 +2948,7 @@
           <a:p>
             <a:fld id="{51DEC66E-F99F-4E03-A198-7E46B22D1B0C}" type="datetimeFigureOut">
               <a:rPr kumimoji="1" lang="ja-JP" altLang="en-US" smtClean="0"/>
-              <a:t>2023/1/15</a:t>
+              <a:t>2023/1/17</a:t>
             </a:fld>
             <a:endParaRPr kumimoji="1" lang="ja-JP" altLang="en-US"/>
           </a:p>
@@ -3221,7 +3221,7 @@
           <a:p>
             <a:fld id="{51DEC66E-F99F-4E03-A198-7E46B22D1B0C}" type="datetimeFigureOut">
               <a:rPr kumimoji="1" lang="ja-JP" altLang="en-US" smtClean="0"/>
-              <a:t>2023/1/15</a:t>
+              <a:t>2023/1/17</a:t>
             </a:fld>
             <a:endParaRPr kumimoji="1" lang="ja-JP" altLang="en-US"/>
           </a:p>
@@ -3652,8 +3652,8 @@
         </p:nvSpPr>
         <p:spPr>
           <a:xfrm>
-            <a:off x="3416991" y="1029263"/>
-            <a:ext cx="6104081" cy="2869002"/>
+            <a:off x="3416991" y="731520"/>
+            <a:ext cx="6104081" cy="3166745"/>
           </a:xfrm>
           <a:custGeom>
             <a:avLst/>
@@ -4250,6 +4250,15 @@
           <a:bodyPr rtlCol="0" anchor="t" anchorCtr="0"/>
           <a:lstStyle/>
           <a:p>
+            <a:pPr algn="ctr"/>
+            <a:r>
+              <a:rPr kumimoji="1" lang="ja-JP" altLang="en-US" sz="1400" b="1">
+                <a:solidFill>
+                  <a:schemeClr val="tx1"/>
+                </a:solidFill>
+              </a:rPr>
+              <a:t>本処理</a:t>
+            </a:r>
             <a:endParaRPr kumimoji="1" lang="ja-JP" altLang="en-US" sz="1400" b="1" dirty="0">
               <a:solidFill>
                 <a:schemeClr val="tx1"/>
@@ -5424,13 +5433,18 @@
             <a:lstStyle/>
             <a:p>
               <a:r>
-                <a:rPr kumimoji="1" lang="ja-JP" altLang="en-US" sz="1400" b="1" dirty="0">
+                <a:rPr kumimoji="1" lang="ja-JP" altLang="en-US" sz="1400" b="1">
                   <a:solidFill>
                     <a:schemeClr val="tx1"/>
                   </a:solidFill>
                 </a:rPr>
-                <a:t>前処理</a:t>
+                <a:t>　　前処理</a:t>
               </a:r>
+              <a:endParaRPr kumimoji="1" lang="ja-JP" altLang="en-US" sz="1400" b="1" dirty="0">
+                <a:solidFill>
+                  <a:schemeClr val="tx1"/>
+                </a:solidFill>
+              </a:endParaRPr>
             </a:p>
           </p:txBody>
         </p:sp>
@@ -9839,7 +9853,7 @@
         </p:nvSpPr>
         <p:spPr>
           <a:xfrm>
-            <a:off x="4333003" y="4391563"/>
+            <a:off x="4035061" y="4375140"/>
             <a:ext cx="902695" cy="352578"/>
           </a:xfrm>
           <a:prstGeom prst="roundRect">
@@ -9894,8 +9908,8 @@
         </p:nvSpPr>
         <p:spPr>
           <a:xfrm>
-            <a:off x="1853102" y="4448091"/>
-            <a:ext cx="2539478" cy="276999"/>
+            <a:off x="3362693" y="4429352"/>
+            <a:ext cx="692818" cy="276999"/>
           </a:xfrm>
           <a:prstGeom prst="rect">
             <a:avLst/>
@@ -9909,8 +9923,8 @@
           <a:lstStyle/>
           <a:p>
             <a:r>
-              <a:rPr lang="ja-JP" altLang="en-US" sz="1200" b="1" dirty="0"/>
-              <a:t>既存ツールから改良を行う処理部</a:t>
+              <a:rPr lang="ja-JP" altLang="en-US" sz="1200" b="1"/>
+              <a:t>処理部</a:t>
             </a:r>
             <a:r>
               <a:rPr lang="en-US" altLang="ja-JP" sz="1200" b="1" dirty="0"/>
@@ -10140,8 +10154,8 @@
           </a:prstGeom>
           <a:solidFill>
             <a:schemeClr val="accent6">
-              <a:lumMod val="60000"/>
-              <a:lumOff val="40000"/>
+              <a:lumMod val="40000"/>
+              <a:lumOff val="60000"/>
             </a:schemeClr>
           </a:solidFill>
           <a:ln>
@@ -10788,8 +10802,8 @@
         </p:nvSpPr>
         <p:spPr>
           <a:xfrm>
-            <a:off x="1850320" y="898355"/>
-            <a:ext cx="10082599" cy="3030390"/>
+            <a:off x="1850320" y="636871"/>
+            <a:ext cx="10077438" cy="3294608"/>
           </a:xfrm>
           <a:custGeom>
             <a:avLst/>
@@ -11600,6 +11614,150 @@
               <a:gd name="connsiteY7" fmla="*/ 1148330 h 2647639"/>
               <a:gd name="connsiteX8" fmla="*/ 448 w 4143605"/>
               <a:gd name="connsiteY8" fmla="*/ 0 h 2647639"/>
+              <a:gd name="connsiteX0" fmla="*/ 448 w 4143605"/>
+              <a:gd name="connsiteY0" fmla="*/ 0 h 2647639"/>
+              <a:gd name="connsiteX1" fmla="*/ 4141484 w 4143605"/>
+              <a:gd name="connsiteY1" fmla="*/ 0 h 2647639"/>
+              <a:gd name="connsiteX2" fmla="*/ 4143605 w 4143605"/>
+              <a:gd name="connsiteY2" fmla="*/ 939266 h 2647639"/>
+              <a:gd name="connsiteX3" fmla="*/ 3128577 w 4143605"/>
+              <a:gd name="connsiteY3" fmla="*/ 1027520 h 2647639"/>
+              <a:gd name="connsiteX4" fmla="*/ 3139470 w 4143605"/>
+              <a:gd name="connsiteY4" fmla="*/ 2610614 h 2647639"/>
+              <a:gd name="connsiteX5" fmla="*/ 679930 w 4143605"/>
+              <a:gd name="connsiteY5" fmla="*/ 2647639 h 2647639"/>
+              <a:gd name="connsiteX6" fmla="*/ 676807 w 4143605"/>
+              <a:gd name="connsiteY6" fmla="*/ 1153126 h 2647639"/>
+              <a:gd name="connsiteX7" fmla="*/ 3085 w 4143605"/>
+              <a:gd name="connsiteY7" fmla="*/ 1148330 h 2647639"/>
+              <a:gd name="connsiteX8" fmla="*/ 448 w 4143605"/>
+              <a:gd name="connsiteY8" fmla="*/ 0 h 2647639"/>
+              <a:gd name="connsiteX0" fmla="*/ 448 w 4141484"/>
+              <a:gd name="connsiteY0" fmla="*/ 0 h 2647639"/>
+              <a:gd name="connsiteX1" fmla="*/ 4141484 w 4141484"/>
+              <a:gd name="connsiteY1" fmla="*/ 0 h 2647639"/>
+              <a:gd name="connsiteX2" fmla="*/ 4138595 w 4141484"/>
+              <a:gd name="connsiteY2" fmla="*/ 998102 h 2647639"/>
+              <a:gd name="connsiteX3" fmla="*/ 3128577 w 4141484"/>
+              <a:gd name="connsiteY3" fmla="*/ 1027520 h 2647639"/>
+              <a:gd name="connsiteX4" fmla="*/ 3139470 w 4141484"/>
+              <a:gd name="connsiteY4" fmla="*/ 2610614 h 2647639"/>
+              <a:gd name="connsiteX5" fmla="*/ 679930 w 4141484"/>
+              <a:gd name="connsiteY5" fmla="*/ 2647639 h 2647639"/>
+              <a:gd name="connsiteX6" fmla="*/ 676807 w 4141484"/>
+              <a:gd name="connsiteY6" fmla="*/ 1153126 h 2647639"/>
+              <a:gd name="connsiteX7" fmla="*/ 3085 w 4141484"/>
+              <a:gd name="connsiteY7" fmla="*/ 1148330 h 2647639"/>
+              <a:gd name="connsiteX8" fmla="*/ 448 w 4141484"/>
+              <a:gd name="connsiteY8" fmla="*/ 0 h 2647639"/>
+              <a:gd name="connsiteX0" fmla="*/ 448 w 4141484"/>
+              <a:gd name="connsiteY0" fmla="*/ 0 h 2647639"/>
+              <a:gd name="connsiteX1" fmla="*/ 4141484 w 4141484"/>
+              <a:gd name="connsiteY1" fmla="*/ 0 h 2647639"/>
+              <a:gd name="connsiteX2" fmla="*/ 4138595 w 4141484"/>
+              <a:gd name="connsiteY2" fmla="*/ 1027520 h 2647639"/>
+              <a:gd name="connsiteX3" fmla="*/ 3128577 w 4141484"/>
+              <a:gd name="connsiteY3" fmla="*/ 1027520 h 2647639"/>
+              <a:gd name="connsiteX4" fmla="*/ 3139470 w 4141484"/>
+              <a:gd name="connsiteY4" fmla="*/ 2610614 h 2647639"/>
+              <a:gd name="connsiteX5" fmla="*/ 679930 w 4141484"/>
+              <a:gd name="connsiteY5" fmla="*/ 2647639 h 2647639"/>
+              <a:gd name="connsiteX6" fmla="*/ 676807 w 4141484"/>
+              <a:gd name="connsiteY6" fmla="*/ 1153126 h 2647639"/>
+              <a:gd name="connsiteX7" fmla="*/ 3085 w 4141484"/>
+              <a:gd name="connsiteY7" fmla="*/ 1148330 h 2647639"/>
+              <a:gd name="connsiteX8" fmla="*/ 448 w 4141484"/>
+              <a:gd name="connsiteY8" fmla="*/ 0 h 2647639"/>
+              <a:gd name="connsiteX0" fmla="*/ 448 w 4141484"/>
+              <a:gd name="connsiteY0" fmla="*/ 0 h 2647639"/>
+              <a:gd name="connsiteX1" fmla="*/ 4141484 w 4141484"/>
+              <a:gd name="connsiteY1" fmla="*/ 0 h 2647639"/>
+              <a:gd name="connsiteX2" fmla="*/ 4138595 w 4141484"/>
+              <a:gd name="connsiteY2" fmla="*/ 1027520 h 2647639"/>
+              <a:gd name="connsiteX3" fmla="*/ 3128577 w 4141484"/>
+              <a:gd name="connsiteY3" fmla="*/ 1047132 h 2647639"/>
+              <a:gd name="connsiteX4" fmla="*/ 3139470 w 4141484"/>
+              <a:gd name="connsiteY4" fmla="*/ 2610614 h 2647639"/>
+              <a:gd name="connsiteX5" fmla="*/ 679930 w 4141484"/>
+              <a:gd name="connsiteY5" fmla="*/ 2647639 h 2647639"/>
+              <a:gd name="connsiteX6" fmla="*/ 676807 w 4141484"/>
+              <a:gd name="connsiteY6" fmla="*/ 1153126 h 2647639"/>
+              <a:gd name="connsiteX7" fmla="*/ 3085 w 4141484"/>
+              <a:gd name="connsiteY7" fmla="*/ 1148330 h 2647639"/>
+              <a:gd name="connsiteX8" fmla="*/ 448 w 4141484"/>
+              <a:gd name="connsiteY8" fmla="*/ 0 h 2647639"/>
+              <a:gd name="connsiteX0" fmla="*/ 448 w 4141484"/>
+              <a:gd name="connsiteY0" fmla="*/ 0 h 2647639"/>
+              <a:gd name="connsiteX1" fmla="*/ 4141484 w 4141484"/>
+              <a:gd name="connsiteY1" fmla="*/ 0 h 2647639"/>
+              <a:gd name="connsiteX2" fmla="*/ 4138595 w 4141484"/>
+              <a:gd name="connsiteY2" fmla="*/ 1027520 h 2647639"/>
+              <a:gd name="connsiteX3" fmla="*/ 3128577 w 4141484"/>
+              <a:gd name="connsiteY3" fmla="*/ 1047132 h 2647639"/>
+              <a:gd name="connsiteX4" fmla="*/ 3139470 w 4141484"/>
+              <a:gd name="connsiteY4" fmla="*/ 2610614 h 2647639"/>
+              <a:gd name="connsiteX5" fmla="*/ 679930 w 4141484"/>
+              <a:gd name="connsiteY5" fmla="*/ 2647639 h 2647639"/>
+              <a:gd name="connsiteX6" fmla="*/ 676807 w 4141484"/>
+              <a:gd name="connsiteY6" fmla="*/ 1153126 h 2647639"/>
+              <a:gd name="connsiteX7" fmla="*/ 3085 w 4141484"/>
+              <a:gd name="connsiteY7" fmla="*/ 1148330 h 2647639"/>
+              <a:gd name="connsiteX8" fmla="*/ 448 w 4141484"/>
+              <a:gd name="connsiteY8" fmla="*/ 0 h 2647639"/>
+              <a:gd name="connsiteX0" fmla="*/ 448 w 4141484"/>
+              <a:gd name="connsiteY0" fmla="*/ 0 h 2649838"/>
+              <a:gd name="connsiteX1" fmla="*/ 4141484 w 4141484"/>
+              <a:gd name="connsiteY1" fmla="*/ 0 h 2649838"/>
+              <a:gd name="connsiteX2" fmla="*/ 4138595 w 4141484"/>
+              <a:gd name="connsiteY2" fmla="*/ 1027520 h 2649838"/>
+              <a:gd name="connsiteX3" fmla="*/ 3128577 w 4141484"/>
+              <a:gd name="connsiteY3" fmla="*/ 1047132 h 2649838"/>
+              <a:gd name="connsiteX4" fmla="*/ 3129449 w 4141484"/>
+              <a:gd name="connsiteY4" fmla="*/ 2649838 h 2649838"/>
+              <a:gd name="connsiteX5" fmla="*/ 679930 w 4141484"/>
+              <a:gd name="connsiteY5" fmla="*/ 2647639 h 2649838"/>
+              <a:gd name="connsiteX6" fmla="*/ 676807 w 4141484"/>
+              <a:gd name="connsiteY6" fmla="*/ 1153126 h 2649838"/>
+              <a:gd name="connsiteX7" fmla="*/ 3085 w 4141484"/>
+              <a:gd name="connsiteY7" fmla="*/ 1148330 h 2649838"/>
+              <a:gd name="connsiteX8" fmla="*/ 448 w 4141484"/>
+              <a:gd name="connsiteY8" fmla="*/ 0 h 2649838"/>
+              <a:gd name="connsiteX0" fmla="*/ 448 w 4141484"/>
+              <a:gd name="connsiteY0" fmla="*/ 0 h 2649838"/>
+              <a:gd name="connsiteX1" fmla="*/ 4141484 w 4141484"/>
+              <a:gd name="connsiteY1" fmla="*/ 0 h 2649838"/>
+              <a:gd name="connsiteX2" fmla="*/ 4138595 w 4141484"/>
+              <a:gd name="connsiteY2" fmla="*/ 1027520 h 2649838"/>
+              <a:gd name="connsiteX3" fmla="*/ 3128577 w 4141484"/>
+              <a:gd name="connsiteY3" fmla="*/ 1047132 h 2649838"/>
+              <a:gd name="connsiteX4" fmla="*/ 3129449 w 4141484"/>
+              <a:gd name="connsiteY4" fmla="*/ 2649838 h 2649838"/>
+              <a:gd name="connsiteX5" fmla="*/ 679930 w 4141484"/>
+              <a:gd name="connsiteY5" fmla="*/ 2647639 h 2649838"/>
+              <a:gd name="connsiteX6" fmla="*/ 676807 w 4141484"/>
+              <a:gd name="connsiteY6" fmla="*/ 1153126 h 2649838"/>
+              <a:gd name="connsiteX7" fmla="*/ 3085 w 4141484"/>
+              <a:gd name="connsiteY7" fmla="*/ 1148330 h 2649838"/>
+              <a:gd name="connsiteX8" fmla="*/ 448 w 4141484"/>
+              <a:gd name="connsiteY8" fmla="*/ 0 h 2649838"/>
+              <a:gd name="connsiteX0" fmla="*/ 448 w 4141484"/>
+              <a:gd name="connsiteY0" fmla="*/ 0 h 2649838"/>
+              <a:gd name="connsiteX1" fmla="*/ 4141484 w 4141484"/>
+              <a:gd name="connsiteY1" fmla="*/ 0 h 2649838"/>
+              <a:gd name="connsiteX2" fmla="*/ 4138595 w 4141484"/>
+              <a:gd name="connsiteY2" fmla="*/ 1027520 h 2649838"/>
+              <a:gd name="connsiteX3" fmla="*/ 3118556 w 4141484"/>
+              <a:gd name="connsiteY3" fmla="*/ 1056938 h 2649838"/>
+              <a:gd name="connsiteX4" fmla="*/ 3129449 w 4141484"/>
+              <a:gd name="connsiteY4" fmla="*/ 2649838 h 2649838"/>
+              <a:gd name="connsiteX5" fmla="*/ 679930 w 4141484"/>
+              <a:gd name="connsiteY5" fmla="*/ 2647639 h 2649838"/>
+              <a:gd name="connsiteX6" fmla="*/ 676807 w 4141484"/>
+              <a:gd name="connsiteY6" fmla="*/ 1153126 h 2649838"/>
+              <a:gd name="connsiteX7" fmla="*/ 3085 w 4141484"/>
+              <a:gd name="connsiteY7" fmla="*/ 1148330 h 2649838"/>
+              <a:gd name="connsiteX8" fmla="*/ 448 w 4141484"/>
+              <a:gd name="connsiteY8" fmla="*/ 0 h 2649838"/>
             </a:gdLst>
             <a:ahLst/>
             <a:cxnLst>
@@ -11633,7 +11791,7 @@
             </a:cxnLst>
             <a:rect l="l" t="t" r="r" b="b"/>
             <a:pathLst>
-              <a:path w="4143605" h="2647639">
+              <a:path w="4141484" h="2649838">
                 <a:moveTo>
                   <a:pt x="448" y="0"/>
                 </a:moveTo>
@@ -11641,15 +11799,15 @@
                   <a:pt x="4141484" y="0"/>
                 </a:lnTo>
                 <a:lnTo>
-                  <a:pt x="4143605" y="939266"/>
+                  <a:pt x="4138595" y="1027520"/>
                 </a:lnTo>
                 <a:lnTo>
-                  <a:pt x="3133588" y="939266"/>
+                  <a:pt x="3118556" y="1056938"/>
                 </a:lnTo>
                 <a:cubicBezTo>
-                  <a:pt x="3144457" y="1602437"/>
-                  <a:pt x="3128181" y="1822139"/>
-                  <a:pt x="3139470" y="2610614"/>
+                  <a:pt x="3119404" y="1739721"/>
+                  <a:pt x="3123171" y="1841751"/>
+                  <a:pt x="3129449" y="2649838"/>
                 </a:cubicBezTo>
                 <a:lnTo>
                   <a:pt x="679930" y="2647639"/>
@@ -11700,6 +11858,15 @@
           <a:bodyPr rtlCol="0" anchor="t" anchorCtr="0"/>
           <a:lstStyle/>
           <a:p>
+            <a:pPr algn="ctr"/>
+            <a:r>
+              <a:rPr kumimoji="1" lang="ja-JP" altLang="en-US" sz="1400" b="1">
+                <a:solidFill>
+                  <a:schemeClr val="tx1"/>
+                </a:solidFill>
+              </a:rPr>
+              <a:t>本処理</a:t>
+            </a:r>
             <a:endParaRPr kumimoji="1" lang="ja-JP" altLang="en-US" sz="1400" b="1" dirty="0">
               <a:solidFill>
                 <a:schemeClr val="tx1"/>
@@ -11810,8 +11977,8 @@
           </a:prstGeom>
           <a:solidFill>
             <a:schemeClr val="accent6">
-              <a:lumMod val="60000"/>
-              <a:lumOff val="40000"/>
+              <a:lumMod val="40000"/>
+              <a:lumOff val="60000"/>
             </a:schemeClr>
           </a:solidFill>
           <a:ln>
@@ -11869,8 +12036,8 @@
           </a:prstGeom>
           <a:solidFill>
             <a:schemeClr val="accent6">
-              <a:lumMod val="60000"/>
-              <a:lumOff val="40000"/>
+              <a:lumMod val="40000"/>
+              <a:lumOff val="60000"/>
             </a:schemeClr>
           </a:solidFill>
           <a:ln>
@@ -11927,8 +12094,8 @@
           </a:prstGeom>
           <a:solidFill>
             <a:schemeClr val="accent6">
-              <a:lumMod val="60000"/>
-              <a:lumOff val="40000"/>
+              <a:lumMod val="40000"/>
+              <a:lumOff val="60000"/>
             </a:schemeClr>
           </a:solidFill>
           <a:ln>
@@ -12830,6 +12997,7 @@
             <a:bodyPr rtlCol="0" anchor="t" anchorCtr="0"/>
             <a:lstStyle/>
             <a:p>
+              <a:pPr algn="ctr"/>
               <a:r>
                 <a:rPr kumimoji="1" lang="ja-JP" altLang="en-US" sz="1400" b="1" dirty="0">
                   <a:solidFill>
@@ -12863,8 +13031,8 @@
             </a:prstGeom>
             <a:solidFill>
               <a:schemeClr val="accent6">
-                <a:lumMod val="60000"/>
-                <a:lumOff val="40000"/>
+                <a:lumMod val="40000"/>
+                <a:lumOff val="60000"/>
               </a:schemeClr>
             </a:solidFill>
             <a:ln>
@@ -13386,8 +13554,8 @@
           </a:prstGeom>
           <a:solidFill>
             <a:schemeClr val="accent6">
-              <a:lumMod val="60000"/>
-              <a:lumOff val="40000"/>
+              <a:lumMod val="40000"/>
+              <a:lumOff val="60000"/>
             </a:schemeClr>
           </a:solidFill>
           <a:ln>
@@ -13433,8 +13601,8 @@
         </p:nvSpPr>
         <p:spPr>
           <a:xfrm>
-            <a:off x="1859148" y="4540798"/>
-            <a:ext cx="2539478" cy="276999"/>
+            <a:off x="3646231" y="4522059"/>
+            <a:ext cx="692818" cy="276999"/>
           </a:xfrm>
           <a:prstGeom prst="rect">
             <a:avLst/>
@@ -13448,8 +13616,8 @@
           <a:lstStyle/>
           <a:p>
             <a:r>
-              <a:rPr lang="ja-JP" altLang="en-US" sz="1200" b="1" dirty="0"/>
-              <a:t>既存ツールから改良を行う処理部</a:t>
+              <a:rPr lang="ja-JP" altLang="en-US" sz="1200" b="1"/>
+              <a:t>処理部</a:t>
             </a:r>
             <a:r>
               <a:rPr lang="en-US" altLang="ja-JP" sz="1200" b="1" dirty="0"/>
@@ -13679,8 +13847,8 @@
           </a:prstGeom>
           <a:solidFill>
             <a:schemeClr val="accent6">
-              <a:lumMod val="60000"/>
-              <a:lumOff val="40000"/>
+              <a:lumMod val="40000"/>
+              <a:lumOff val="60000"/>
             </a:schemeClr>
           </a:solidFill>
           <a:ln>
@@ -17304,8 +17472,8 @@
           </a:prstGeom>
           <a:solidFill>
             <a:schemeClr val="accent2">
-              <a:lumMod val="40000"/>
-              <a:lumOff val="60000"/>
+              <a:lumMod val="20000"/>
+              <a:lumOff val="80000"/>
             </a:schemeClr>
           </a:solidFill>
           <a:ln>
@@ -46008,6 +46176,99 @@
           </a:p>
         </p:txBody>
       </p:sp>
+      <p:sp>
+        <p:nvSpPr>
+          <p:cNvPr id="25" name="正方形/長方形 24">
+            <a:extLst>
+              <a:ext uri="{FF2B5EF4-FFF2-40B4-BE49-F238E27FC236}">
+                <a16:creationId xmlns:a16="http://schemas.microsoft.com/office/drawing/2014/main" id="{C15EF500-1189-5CC1-7F12-2F1F5B7BB42B}"/>
+              </a:ext>
+            </a:extLst>
+          </p:cNvPr>
+          <p:cNvSpPr/>
+          <p:nvPr/>
+        </p:nvSpPr>
+        <p:spPr>
+          <a:xfrm>
+            <a:off x="6767621" y="1208477"/>
+            <a:ext cx="1770087" cy="1208922"/>
+          </a:xfrm>
+          <a:prstGeom prst="rect">
+            <a:avLst/>
+          </a:prstGeom>
+          <a:noFill/>
+          <a:ln>
+            <a:solidFill>
+              <a:schemeClr val="tx1"/>
+            </a:solidFill>
+            <a:prstDash val="lgDash"/>
+          </a:ln>
+        </p:spPr>
+        <p:style>
+          <a:lnRef idx="2">
+            <a:schemeClr val="accent1">
+              <a:shade val="50000"/>
+            </a:schemeClr>
+          </a:lnRef>
+          <a:fillRef idx="1">
+            <a:schemeClr val="accent1"/>
+          </a:fillRef>
+          <a:effectRef idx="0">
+            <a:schemeClr val="accent1"/>
+          </a:effectRef>
+          <a:fontRef idx="minor">
+            <a:schemeClr val="lt1"/>
+          </a:fontRef>
+        </p:style>
+        <p:txBody>
+          <a:bodyPr rtlCol="0" anchor="ctr"/>
+          <a:lstStyle/>
+          <a:p>
+            <a:pPr algn="ctr"/>
+            <a:endParaRPr kumimoji="1" lang="ja-JP" altLang="en-US"/>
+          </a:p>
+        </p:txBody>
+      </p:sp>
+      <p:sp>
+        <p:nvSpPr>
+          <p:cNvPr id="26" name="テキスト ボックス 25">
+            <a:extLst>
+              <a:ext uri="{FF2B5EF4-FFF2-40B4-BE49-F238E27FC236}">
+                <a16:creationId xmlns:a16="http://schemas.microsoft.com/office/drawing/2014/main" id="{D20B2FAC-6237-C256-3D66-4BC3AD1D5A73}"/>
+              </a:ext>
+            </a:extLst>
+          </p:cNvPr>
+          <p:cNvSpPr txBox="1"/>
+          <p:nvPr/>
+        </p:nvSpPr>
+        <p:spPr>
+          <a:xfrm>
+            <a:off x="7291026" y="949180"/>
+            <a:ext cx="723275" cy="307777"/>
+          </a:xfrm>
+          <a:prstGeom prst="rect">
+            <a:avLst/>
+          </a:prstGeom>
+          <a:noFill/>
+        </p:spPr>
+        <p:txBody>
+          <a:bodyPr wrap="none" rtlCol="0">
+            <a:spAutoFit/>
+          </a:bodyPr>
+          <a:lstStyle/>
+          <a:p>
+            <a:r>
+              <a:rPr lang="ja-JP" altLang="en-US" sz="1400" b="1"/>
+              <a:t>本</a:t>
+            </a:r>
+            <a:r>
+              <a:rPr kumimoji="1" lang="ja-JP" altLang="en-US" sz="1400" b="1"/>
+              <a:t>処理</a:t>
+            </a:r>
+            <a:endParaRPr kumimoji="1" lang="ja-JP" altLang="en-US" sz="1400" b="1" dirty="0"/>
+          </a:p>
+        </p:txBody>
+      </p:sp>
     </p:spTree>
     <p:extLst>
       <p:ext uri="{BB962C8B-B14F-4D97-AF65-F5344CB8AC3E}">
